--- a/Workshops/Workshop6.pptx
+++ b/Workshops/Workshop6.pptx
@@ -5,7 +5,7 @@
     <p:sldMasterId id="2147483648" r:id="rId1"/>
   </p:sldMasterIdLst>
   <p:notesMasterIdLst>
-    <p:NotesMasterId r:id="rId44"/>
+    <p:notesMasterId r:id="rId44"/>
   </p:notesMasterIdLst>
   <p:sldIdLst>
     <p:sldId id="256" r:id="rId2"/>
@@ -238,7 +238,7 @@
           <a:p>
             <a:fld id="{0F9C1CCF-B725-44A7-AA57-5E433BD85C9F}" type="datetimeFigureOut">
               <a:rPr lang="en-US" smtClean="0"/>
-              <a:t>4/5/2019</a:t>
+              <a:t>3/2/20</a:t>
             </a:fld>
             <a:endParaRPr lang="en-US"/>
           </a:p>
@@ -302,38 +302,37 @@
           <a:p>
             <a:pPr lvl="0"/>
             <a:r>
-              <a:rPr lang="en-US" smtClean="0"/>
+              <a:rPr lang="en-US"/>
               <a:t>Click to edit Master text styles</a:t>
             </a:r>
           </a:p>
           <a:p>
             <a:pPr lvl="1"/>
             <a:r>
-              <a:rPr lang="en-US" smtClean="0"/>
+              <a:rPr lang="en-US"/>
               <a:t>Second level</a:t>
             </a:r>
           </a:p>
           <a:p>
             <a:pPr lvl="2"/>
             <a:r>
-              <a:rPr lang="en-US" smtClean="0"/>
+              <a:rPr lang="en-US"/>
               <a:t>Third level</a:t>
             </a:r>
           </a:p>
           <a:p>
             <a:pPr lvl="3"/>
             <a:r>
-              <a:rPr lang="en-US" smtClean="0"/>
+              <a:rPr lang="en-US"/>
               <a:t>Fourth level</a:t>
             </a:r>
           </a:p>
           <a:p>
             <a:pPr lvl="4"/>
             <a:r>
-              <a:rPr lang="en-US" smtClean="0"/>
+              <a:rPr lang="en-US"/>
               <a:t>Fifth level</a:t>
             </a:r>
-            <a:endParaRPr lang="en-US"/>
           </a:p>
         </p:txBody>
       </p:sp>
@@ -550,204 +549,11 @@
           <a:bodyPr/>
           <a:lstStyle/>
           <a:p>
-            <a:pPr lvl="0" marL="0" indent="0">
+            <a:pPr marL="0" lvl="0" indent="0">
               <a:buNone/>
             </a:pPr>
             <a:r>
-              <a:rPr/>
-              <a:t>Help</a:t>
-            </a:r>
-            <a:r>
-              <a:rPr/>
-              <a:t> </a:t>
-            </a:r>
-            <a:r>
-              <a:rPr/>
-              <a:t>them</a:t>
-            </a:r>
-            <a:r>
-              <a:rPr/>
-              <a:t> </a:t>
-            </a:r>
-            <a:r>
-              <a:rPr/>
-              <a:t>load</a:t>
-            </a:r>
-            <a:r>
-              <a:rPr/>
-              <a:t> </a:t>
-            </a:r>
-            <a:r>
-              <a:rPr/>
-              <a:t>the</a:t>
-            </a:r>
-            <a:r>
-              <a:rPr/>
-              <a:t> </a:t>
-            </a:r>
-            <a:r>
-              <a:rPr/>
-              <a:t>dataset</a:t>
-            </a:r>
-            <a:r>
-              <a:rPr/>
-              <a:t> </a:t>
-            </a:r>
-            <a:r>
-              <a:rPr/>
-              <a:t>if</a:t>
-            </a:r>
-            <a:r>
-              <a:rPr/>
-              <a:t> </a:t>
-            </a:r>
-            <a:r>
-              <a:rPr/>
-              <a:t>needed.</a:t>
-            </a:r>
-            <a:r>
-              <a:rPr/>
-              <a:t> </a:t>
-            </a:r>
-            <a:r>
-              <a:rPr/>
-              <a:t>This</a:t>
-            </a:r>
-            <a:r>
-              <a:rPr/>
-              <a:t> </a:t>
-            </a:r>
-            <a:r>
-              <a:rPr/>
-              <a:t>is</a:t>
-            </a:r>
-            <a:r>
-              <a:rPr/>
-              <a:t> </a:t>
-            </a:r>
-            <a:r>
-              <a:rPr/>
-              <a:t>the</a:t>
-            </a:r>
-            <a:r>
-              <a:rPr/>
-              <a:t> </a:t>
-            </a:r>
-            <a:r>
-              <a:rPr/>
-              <a:t>same</a:t>
-            </a:r>
-            <a:r>
-              <a:rPr/>
-              <a:t> </a:t>
-            </a:r>
-            <a:r>
-              <a:rPr/>
-              <a:t>one</a:t>
-            </a:r>
-            <a:r>
-              <a:rPr/>
-              <a:t> </a:t>
-            </a:r>
-            <a:r>
-              <a:rPr/>
-              <a:t>they</a:t>
-            </a:r>
-            <a:r>
-              <a:rPr/>
-              <a:t> </a:t>
-            </a:r>
-            <a:r>
-              <a:rPr/>
-              <a:t>used</a:t>
-            </a:r>
-            <a:r>
-              <a:rPr/>
-              <a:t> </a:t>
-            </a:r>
-            <a:r>
-              <a:rPr/>
-              <a:t>in</a:t>
-            </a:r>
-            <a:r>
-              <a:rPr/>
-              <a:t> </a:t>
-            </a:r>
-            <a:r>
-              <a:rPr/>
-              <a:t>the</a:t>
-            </a:r>
-            <a:r>
-              <a:rPr/>
-              <a:t> </a:t>
-            </a:r>
-            <a:r>
-              <a:rPr/>
-              <a:t>morning.</a:t>
-            </a:r>
-            <a:r>
-              <a:rPr/>
-              <a:t> </a:t>
-            </a:r>
-            <a:r>
-              <a:rPr/>
-              <a:t>It</a:t>
-            </a:r>
-            <a:r>
-              <a:rPr/>
-              <a:t> </a:t>
-            </a:r>
-            <a:r>
-              <a:rPr/>
-              <a:t>should</a:t>
-            </a:r>
-            <a:r>
-              <a:rPr/>
-              <a:t> </a:t>
-            </a:r>
-            <a:r>
-              <a:rPr/>
-              <a:t>include</a:t>
-            </a:r>
-            <a:r>
-              <a:rPr/>
-              <a:t> </a:t>
-            </a:r>
-            <a:r>
-              <a:rPr/>
-              <a:t>the</a:t>
-            </a:r>
-            <a:r>
-              <a:rPr/>
-              <a:t> </a:t>
-            </a:r>
-            <a:r>
-              <a:rPr/>
-              <a:t>length</a:t>
-            </a:r>
-            <a:r>
-              <a:rPr/>
-              <a:t> </a:t>
-            </a:r>
-            <a:r>
-              <a:rPr/>
-              <a:t>of</a:t>
-            </a:r>
-            <a:r>
-              <a:rPr/>
-              <a:t> </a:t>
-            </a:r>
-            <a:r>
-              <a:rPr/>
-              <a:t>stay</a:t>
-            </a:r>
-            <a:r>
-              <a:rPr/>
-              <a:t> </a:t>
-            </a:r>
-            <a:r>
-              <a:rPr/>
-              <a:t>variable.</a:t>
+              <a:t>Help them load the dataset if needed. This is the same one they used in the morning. It should include the length of stay variable.</a:t>
             </a:r>
           </a:p>
         </p:txBody>
@@ -777,6 +583,9 @@
       </p:sp>
     </p:spTree>
   </p:cSld>
+  <p:clrMapOvr>
+    <a:masterClrMapping/>
+  </p:clrMapOvr>
 </p:notes>
 </file>
 
@@ -824,76 +633,11 @@
           <a:bodyPr/>
           <a:lstStyle/>
           <a:p>
-            <a:pPr lvl="0" marL="0" indent="0">
+            <a:pPr marL="0" lvl="0" indent="0">
               <a:buNone/>
             </a:pPr>
             <a:r>
-              <a:rPr/>
-              <a:t>Get</a:t>
-            </a:r>
-            <a:r>
-              <a:rPr/>
-              <a:t> </a:t>
-            </a:r>
-            <a:r>
-              <a:rPr/>
-              <a:t>them</a:t>
-            </a:r>
-            <a:r>
-              <a:rPr/>
-              <a:t> </a:t>
-            </a:r>
-            <a:r>
-              <a:rPr/>
-              <a:t>to</a:t>
-            </a:r>
-            <a:r>
-              <a:rPr/>
-              <a:t> </a:t>
-            </a:r>
-            <a:r>
-              <a:rPr/>
-              <a:t>do</a:t>
-            </a:r>
-            <a:r>
-              <a:rPr/>
-              <a:t> </a:t>
-            </a:r>
-            <a:r>
-              <a:rPr/>
-              <a:t>this,</a:t>
-            </a:r>
-            <a:r>
-              <a:rPr/>
-              <a:t> </a:t>
-            </a:r>
-            <a:r>
-              <a:rPr/>
-              <a:t>then</a:t>
-            </a:r>
-            <a:r>
-              <a:rPr/>
-              <a:t> </a:t>
-            </a:r>
-            <a:r>
-              <a:rPr/>
-              <a:t>explain</a:t>
-            </a:r>
-            <a:r>
-              <a:rPr/>
-              <a:t> </a:t>
-            </a:r>
-            <a:r>
-              <a:rPr/>
-              <a:t>the</a:t>
-            </a:r>
-            <a:r>
-              <a:rPr/>
-              <a:t> </a:t>
-            </a:r>
-            <a:r>
-              <a:rPr/>
-              <a:t>output.</a:t>
+              <a:t>Get them to do this, then explain the output.</a:t>
             </a:r>
           </a:p>
         </p:txBody>
@@ -923,6 +667,9 @@
       </p:sp>
     </p:spTree>
   </p:cSld>
+  <p:clrMapOvr>
+    <a:masterClrMapping/>
+  </p:clrMapOvr>
 </p:notes>
 </file>
 
@@ -970,28 +717,11 @@
           <a:bodyPr/>
           <a:lstStyle/>
           <a:p>
-            <a:pPr lvl="0" marL="0" indent="0">
+            <a:pPr marL="0" lvl="0" indent="0">
               <a:buNone/>
             </a:pPr>
             <a:r>
-              <a:rPr/>
-              <a:t>Explain</a:t>
-            </a:r>
-            <a:r>
-              <a:rPr/>
-              <a:t> </a:t>
-            </a:r>
-            <a:r>
-              <a:rPr/>
-              <a:t>the</a:t>
-            </a:r>
-            <a:r>
-              <a:rPr/>
-              <a:t> </a:t>
-            </a:r>
-            <a:r>
-              <a:rPr/>
-              <a:t>output</a:t>
+              <a:t>Explain the output</a:t>
             </a:r>
           </a:p>
         </p:txBody>
@@ -1021,6 +751,9 @@
       </p:sp>
     </p:spTree>
   </p:cSld>
+  <p:clrMapOvr>
+    <a:masterClrMapping/>
+  </p:clrMapOvr>
 </p:notes>
 </file>
 
@@ -1068,156 +801,11 @@
           <a:bodyPr/>
           <a:lstStyle/>
           <a:p>
-            <a:pPr lvl="0" marL="0" indent="0">
+            <a:pPr marL="0" lvl="0" indent="0">
               <a:buNone/>
             </a:pPr>
             <a:r>
-              <a:rPr/>
-              <a:t>Data</a:t>
-            </a:r>
-            <a:r>
-              <a:rPr/>
-              <a:t> </a:t>
-            </a:r>
-            <a:r>
-              <a:rPr/>
-              <a:t>types</a:t>
-            </a:r>
-            <a:r>
-              <a:rPr/>
-              <a:t> </a:t>
-            </a:r>
-            <a:r>
-              <a:rPr/>
-              <a:t>have</a:t>
-            </a:r>
-            <a:r>
-              <a:rPr/>
-              <a:t> </a:t>
-            </a:r>
-            <a:r>
-              <a:rPr/>
-              <a:t>been</a:t>
-            </a:r>
-            <a:r>
-              <a:rPr/>
-              <a:t> </a:t>
-            </a:r>
-            <a:r>
-              <a:rPr/>
-              <a:t>covered</a:t>
-            </a:r>
-            <a:r>
-              <a:rPr/>
-              <a:t> </a:t>
-            </a:r>
-            <a:r>
-              <a:rPr/>
-              <a:t>in</a:t>
-            </a:r>
-            <a:r>
-              <a:rPr/>
-              <a:t> </a:t>
-            </a:r>
-            <a:r>
-              <a:rPr/>
-              <a:t>course</a:t>
-            </a:r>
-            <a:r>
-              <a:rPr/>
-              <a:t> </a:t>
-            </a:r>
-            <a:r>
-              <a:rPr/>
-              <a:t>before.</a:t>
-            </a:r>
-            <a:r>
-              <a:rPr/>
-              <a:t> </a:t>
-            </a:r>
-            <a:r>
-              <a:rPr/>
-              <a:t>The</a:t>
-            </a:r>
-            <a:r>
-              <a:rPr/>
-              <a:t> </a:t>
-            </a:r>
-            <a:r>
-              <a:rPr/>
-              <a:t>next</a:t>
-            </a:r>
-            <a:r>
-              <a:rPr/>
-              <a:t> </a:t>
-            </a:r>
-            <a:r>
-              <a:rPr/>
-              <a:t>few</a:t>
-            </a:r>
-            <a:r>
-              <a:rPr/>
-              <a:t> </a:t>
-            </a:r>
-            <a:r>
-              <a:rPr/>
-              <a:t>slides</a:t>
-            </a:r>
-            <a:r>
-              <a:rPr/>
-              <a:t> </a:t>
-            </a:r>
-            <a:r>
-              <a:rPr/>
-              <a:t>should</a:t>
-            </a:r>
-            <a:r>
-              <a:rPr/>
-              <a:t> </a:t>
-            </a:r>
-            <a:r>
-              <a:rPr/>
-              <a:t>be</a:t>
-            </a:r>
-            <a:r>
-              <a:rPr/>
-              <a:t> </a:t>
-            </a:r>
-            <a:r>
-              <a:rPr/>
-              <a:t>a</a:t>
-            </a:r>
-            <a:r>
-              <a:rPr/>
-              <a:t> </a:t>
-            </a:r>
-            <a:r>
-              <a:rPr/>
-              <a:t>bit</a:t>
-            </a:r>
-            <a:r>
-              <a:rPr/>
-              <a:t> </a:t>
-            </a:r>
-            <a:r>
-              <a:rPr/>
-              <a:t>of</a:t>
-            </a:r>
-            <a:r>
-              <a:rPr/>
-              <a:t> </a:t>
-            </a:r>
-            <a:r>
-              <a:rPr/>
-              <a:t>a</a:t>
-            </a:r>
-            <a:r>
-              <a:rPr/>
-              <a:t> </a:t>
-            </a:r>
-            <a:r>
-              <a:rPr/>
-              <a:t>recap.</a:t>
+              <a:t>Data types have been covered in course before. The next few slides should be a bit of a recap.</a:t>
             </a:r>
           </a:p>
         </p:txBody>
@@ -1247,6 +835,9 @@
       </p:sp>
     </p:spTree>
   </p:cSld>
+  <p:clrMapOvr>
+    <a:masterClrMapping/>
+  </p:clrMapOvr>
 </p:notes>
 </file>
 
@@ -1294,124 +885,11 @@
           <a:bodyPr/>
           <a:lstStyle/>
           <a:p>
-            <a:pPr lvl="0" marL="0" indent="0">
+            <a:pPr marL="0" lvl="0" indent="0">
               <a:buNone/>
             </a:pPr>
             <a:r>
-              <a:rPr/>
-              <a:t>How</a:t>
-            </a:r>
-            <a:r>
-              <a:rPr/>
-              <a:t> </a:t>
-            </a:r>
-            <a:r>
-              <a:rPr/>
-              <a:t>do</a:t>
-            </a:r>
-            <a:r>
-              <a:rPr/>
-              <a:t> </a:t>
-            </a:r>
-            <a:r>
-              <a:rPr/>
-              <a:t>we</a:t>
-            </a:r>
-            <a:r>
-              <a:rPr/>
-              <a:t> </a:t>
-            </a:r>
-            <a:r>
-              <a:rPr/>
-              <a:t>convey</a:t>
-            </a:r>
-            <a:r>
-              <a:rPr/>
-              <a:t> </a:t>
-            </a:r>
-            <a:r>
-              <a:rPr/>
-              <a:t>information</a:t>
-            </a:r>
-            <a:r>
-              <a:rPr/>
-              <a:t> </a:t>
-            </a:r>
-            <a:r>
-              <a:rPr/>
-              <a:t>on</a:t>
-            </a:r>
-            <a:r>
-              <a:rPr/>
-              <a:t> </a:t>
-            </a:r>
-            <a:r>
-              <a:rPr/>
-              <a:t>what</a:t>
-            </a:r>
-            <a:r>
-              <a:rPr/>
-              <a:t> </a:t>
-            </a:r>
-            <a:r>
-              <a:rPr/>
-              <a:t>your</a:t>
-            </a:r>
-            <a:r>
-              <a:rPr/>
-              <a:t> </a:t>
-            </a:r>
-            <a:r>
-              <a:rPr/>
-              <a:t>data</a:t>
-            </a:r>
-            <a:r>
-              <a:rPr/>
-              <a:t> </a:t>
-            </a:r>
-            <a:r>
-              <a:rPr/>
-              <a:t>looks</a:t>
-            </a:r>
-            <a:r>
-              <a:rPr/>
-              <a:t> </a:t>
-            </a:r>
-            <a:r>
-              <a:rPr/>
-              <a:t>like,</a:t>
-            </a:r>
-            <a:r>
-              <a:rPr/>
-              <a:t> </a:t>
-            </a:r>
-            <a:r>
-              <a:rPr/>
-              <a:t>using</a:t>
-            </a:r>
-            <a:r>
-              <a:rPr/>
-              <a:t> </a:t>
-            </a:r>
-            <a:r>
-              <a:rPr/>
-              <a:t>numbers</a:t>
-            </a:r>
-            <a:r>
-              <a:rPr/>
-              <a:t> </a:t>
-            </a:r>
-            <a:r>
-              <a:rPr/>
-              <a:t>or</a:t>
-            </a:r>
-            <a:r>
-              <a:rPr/>
-              <a:t> </a:t>
-            </a:r>
-            <a:r>
-              <a:rPr/>
-              <a:t>figures?</a:t>
+              <a:t>How do we convey information on what your data looks like, using numbers or figures?</a:t>
             </a:r>
           </a:p>
         </p:txBody>
@@ -1441,6 +919,9 @@
       </p:sp>
     </p:spTree>
   </p:cSld>
+  <p:clrMapOvr>
+    <a:masterClrMapping/>
+  </p:clrMapOvr>
 </p:notes>
 </file>
 
@@ -1488,68 +969,11 @@
           <a:bodyPr/>
           <a:lstStyle/>
           <a:p>
-            <a:pPr lvl="0" marL="0" indent="0">
+            <a:pPr marL="0" lvl="0" indent="0">
               <a:buNone/>
             </a:pPr>
             <a:r>
-              <a:rPr/>
-              <a:t>Emphasise</a:t>
-            </a:r>
-            <a:r>
-              <a:rPr/>
-              <a:t> </a:t>
-            </a:r>
-            <a:r>
-              <a:rPr/>
-              <a:t>that</a:t>
-            </a:r>
-            <a:r>
-              <a:rPr/>
-              <a:t> </a:t>
-            </a:r>
-            <a:r>
-              <a:rPr/>
-              <a:t>parametric</a:t>
-            </a:r>
-            <a:r>
-              <a:rPr/>
-              <a:t> </a:t>
-            </a:r>
-            <a:r>
-              <a:rPr/>
-              <a:t>is</a:t>
-            </a:r>
-            <a:r>
-              <a:rPr/>
-              <a:t> </a:t>
-            </a:r>
-            <a:r>
-              <a:rPr/>
-              <a:t>not</a:t>
-            </a:r>
-            <a:r>
-              <a:rPr/>
-              <a:t> </a:t>
-            </a:r>
-            <a:r>
-              <a:rPr/>
-              <a:t>equal</a:t>
-            </a:r>
-            <a:r>
-              <a:rPr/>
-              <a:t> </a:t>
-            </a:r>
-            <a:r>
-              <a:rPr/>
-              <a:t>to</a:t>
-            </a:r>
-            <a:r>
-              <a:rPr/>
-              <a:t> </a:t>
-            </a:r>
-            <a:r>
-              <a:rPr/>
-              <a:t>normal.</a:t>
+              <a:t>Emphasise that parametric is not equal to normal.</a:t>
             </a:r>
           </a:p>
         </p:txBody>
@@ -1579,6 +1003,9 @@
       </p:sp>
     </p:spTree>
   </p:cSld>
+  <p:clrMapOvr>
+    <a:masterClrMapping/>
+  </p:clrMapOvr>
 </p:notes>
 </file>
 
@@ -1626,156 +1053,11 @@
           <a:bodyPr/>
           <a:lstStyle/>
           <a:p>
-            <a:pPr lvl="0" marL="0" indent="0">
+            <a:pPr marL="0" lvl="0" indent="0">
               <a:buNone/>
             </a:pPr>
             <a:r>
-              <a:rPr/>
-              <a:t>Get</a:t>
-            </a:r>
-            <a:r>
-              <a:rPr/>
-              <a:t> </a:t>
-            </a:r>
-            <a:r>
-              <a:rPr/>
-              <a:t>them</a:t>
-            </a:r>
-            <a:r>
-              <a:rPr/>
-              <a:t> </a:t>
-            </a:r>
-            <a:r>
-              <a:rPr/>
-              <a:t>to</a:t>
-            </a:r>
-            <a:r>
-              <a:rPr/>
-              <a:t> </a:t>
-            </a:r>
-            <a:r>
-              <a:rPr/>
-              <a:t>plot</a:t>
-            </a:r>
-            <a:r>
-              <a:rPr/>
-              <a:t> </a:t>
-            </a:r>
-            <a:r>
-              <a:rPr/>
-              <a:t>the</a:t>
-            </a:r>
-            <a:r>
-              <a:rPr/>
-              <a:t> </a:t>
-            </a:r>
-            <a:r>
-              <a:rPr/>
-              <a:t>graphs.</a:t>
-            </a:r>
-            <a:r>
-              <a:rPr/>
-              <a:t> </a:t>
-            </a:r>
-            <a:r>
-              <a:rPr/>
-              <a:t>Explain</a:t>
-            </a:r>
-            <a:r>
-              <a:rPr/>
-              <a:t> </a:t>
-            </a:r>
-            <a:r>
-              <a:rPr/>
-              <a:t>that</a:t>
-            </a:r>
-            <a:r>
-              <a:rPr/>
-              <a:t> </a:t>
-            </a:r>
-            <a:r>
-              <a:rPr/>
-              <a:t>we</a:t>
-            </a:r>
-            <a:r>
-              <a:rPr/>
-              <a:t> </a:t>
-            </a:r>
-            <a:r>
-              <a:rPr/>
-              <a:t>are</a:t>
-            </a:r>
-            <a:r>
-              <a:rPr/>
-              <a:t> </a:t>
-            </a:r>
-            <a:r>
-              <a:rPr/>
-              <a:t>generating</a:t>
-            </a:r>
-            <a:r>
-              <a:rPr/>
-              <a:t> </a:t>
-            </a:r>
-            <a:r>
-              <a:rPr/>
-              <a:t>ramdom</a:t>
-            </a:r>
-            <a:r>
-              <a:rPr/>
-              <a:t> </a:t>
-            </a:r>
-            <a:r>
-              <a:rPr/>
-              <a:t>data</a:t>
-            </a:r>
-            <a:r>
-              <a:rPr/>
-              <a:t> </a:t>
-            </a:r>
-            <a:r>
-              <a:rPr/>
-              <a:t>from</a:t>
-            </a:r>
-            <a:r>
-              <a:rPr/>
-              <a:t> </a:t>
-            </a:r>
-            <a:r>
-              <a:rPr/>
-              <a:t>different</a:t>
-            </a:r>
-            <a:r>
-              <a:rPr/>
-              <a:t> </a:t>
-            </a:r>
-            <a:r>
-              <a:rPr/>
-              <a:t>distributions</a:t>
-            </a:r>
-            <a:r>
-              <a:rPr/>
-              <a:t> </a:t>
-            </a:r>
-            <a:r>
-              <a:rPr/>
-              <a:t>and</a:t>
-            </a:r>
-            <a:r>
-              <a:rPr/>
-              <a:t> </a:t>
-            </a:r>
-            <a:r>
-              <a:rPr/>
-              <a:t>plotting</a:t>
-            </a:r>
-            <a:r>
-              <a:rPr/>
-              <a:t> </a:t>
-            </a:r>
-            <a:r>
-              <a:rPr/>
-              <a:t>them.</a:t>
+              <a:t>Get them to plot the graphs. Explain that we are generating ramdom data from different distributions and plotting them.</a:t>
             </a:r>
           </a:p>
         </p:txBody>
@@ -1805,6 +1087,9 @@
       </p:sp>
     </p:spTree>
   </p:cSld>
+  <p:clrMapOvr>
+    <a:masterClrMapping/>
+  </p:clrMapOvr>
 </p:notes>
 </file>
 
@@ -1852,116 +1137,11 @@
           <a:bodyPr/>
           <a:lstStyle/>
           <a:p>
-            <a:pPr lvl="0" marL="0" indent="0">
+            <a:pPr marL="0" lvl="0" indent="0">
               <a:buNone/>
             </a:pPr>
             <a:r>
-              <a:rPr/>
-              <a:t>Describe</a:t>
-            </a:r>
-            <a:r>
-              <a:rPr/>
-              <a:t> </a:t>
-            </a:r>
-            <a:r>
-              <a:rPr/>
-              <a:t>the</a:t>
-            </a:r>
-            <a:r>
-              <a:rPr/>
-              <a:t> </a:t>
-            </a:r>
-            <a:r>
-              <a:rPr/>
-              <a:t>golem</a:t>
-            </a:r>
-            <a:r>
-              <a:rPr/>
-              <a:t> </a:t>
-            </a:r>
-            <a:r>
-              <a:rPr/>
-              <a:t>story,</a:t>
-            </a:r>
-            <a:r>
-              <a:rPr/>
-              <a:t> </a:t>
-            </a:r>
-            <a:r>
-              <a:rPr/>
-              <a:t>and</a:t>
-            </a:r>
-            <a:r>
-              <a:rPr/>
-              <a:t> </a:t>
-            </a:r>
-            <a:r>
-              <a:rPr/>
-              <a:t>say</a:t>
-            </a:r>
-            <a:r>
-              <a:rPr/>
-              <a:t> </a:t>
-            </a:r>
-            <a:r>
-              <a:rPr/>
-              <a:t>that</a:t>
-            </a:r>
-            <a:r>
-              <a:rPr/>
-              <a:t> </a:t>
-            </a:r>
-            <a:r>
-              <a:rPr/>
-              <a:t>the</a:t>
-            </a:r>
-            <a:r>
-              <a:rPr/>
-              <a:t> </a:t>
-            </a:r>
-            <a:r>
-              <a:rPr/>
-              <a:t>book</a:t>
-            </a:r>
-            <a:r>
-              <a:rPr/>
-              <a:t> </a:t>
-            </a:r>
-            <a:r>
-              <a:rPr/>
-              <a:t>is</a:t>
-            </a:r>
-            <a:r>
-              <a:rPr/>
-              <a:t> </a:t>
-            </a:r>
-            <a:r>
-              <a:rPr/>
-              <a:t>good</a:t>
-            </a:r>
-            <a:r>
-              <a:rPr/>
-              <a:t> </a:t>
-            </a:r>
-            <a:r>
-              <a:rPr/>
-              <a:t>if</a:t>
-            </a:r>
-            <a:r>
-              <a:rPr/>
-              <a:t> </a:t>
-            </a:r>
-            <a:r>
-              <a:rPr/>
-              <a:t>you</a:t>
-            </a:r>
-            <a:r>
-              <a:rPr/>
-              <a:t> </a:t>
-            </a:r>
-            <a:r>
-              <a:rPr/>
-              <a:t>want.</a:t>
+              <a:t>Describe the golem story, and say that the book is good if you want.</a:t>
             </a:r>
           </a:p>
         </p:txBody>
@@ -1991,6 +1171,9 @@
       </p:sp>
     </p:spTree>
   </p:cSld>
+  <p:clrMapOvr>
+    <a:masterClrMapping/>
+  </p:clrMapOvr>
 </p:notes>
 </file>
 
@@ -2038,228 +1221,11 @@
           <a:bodyPr/>
           <a:lstStyle/>
           <a:p>
-            <a:pPr lvl="0" marL="0" indent="0">
+            <a:pPr marL="0" lvl="0" indent="0">
               <a:buNone/>
             </a:pPr>
             <a:r>
-              <a:rPr/>
-              <a:t>Note</a:t>
-            </a:r>
-            <a:r>
-              <a:rPr/>
-              <a:t> </a:t>
-            </a:r>
-            <a:r>
-              <a:rPr/>
-              <a:t>that</a:t>
-            </a:r>
-            <a:r>
-              <a:rPr/>
-              <a:t> </a:t>
-            </a:r>
-            <a:r>
-              <a:rPr/>
-              <a:t>these</a:t>
-            </a:r>
-            <a:r>
-              <a:rPr/>
-              <a:t> </a:t>
-            </a:r>
-            <a:r>
-              <a:rPr/>
-              <a:t>number</a:t>
-            </a:r>
-            <a:r>
-              <a:rPr/>
-              <a:t> </a:t>
-            </a:r>
-            <a:r>
-              <a:rPr/>
-              <a:t>may</a:t>
-            </a:r>
-            <a:r>
-              <a:rPr/>
-              <a:t> </a:t>
-            </a:r>
-            <a:r>
-              <a:rPr/>
-              <a:t>not</a:t>
-            </a:r>
-            <a:r>
-              <a:rPr/>
-              <a:t> </a:t>
-            </a:r>
-            <a:r>
-              <a:rPr/>
-              <a:t>be</a:t>
-            </a:r>
-            <a:r>
-              <a:rPr/>
-              <a:t> </a:t>
-            </a:r>
-            <a:r>
-              <a:rPr/>
-              <a:t>the</a:t>
-            </a:r>
-            <a:r>
-              <a:rPr/>
-              <a:t> </a:t>
-            </a:r>
-            <a:r>
-              <a:rPr/>
-              <a:t>same</a:t>
-            </a:r>
-            <a:r>
-              <a:rPr/>
-              <a:t> </a:t>
-            </a:r>
-            <a:r>
-              <a:rPr/>
-              <a:t>as</a:t>
-            </a:r>
-            <a:r>
-              <a:rPr/>
-              <a:t> </a:t>
-            </a:r>
-            <a:r>
-              <a:rPr/>
-              <a:t>the</a:t>
-            </a:r>
-            <a:r>
-              <a:rPr/>
-              <a:t> </a:t>
-            </a:r>
-            <a:r>
-              <a:rPr/>
-              <a:t>one</a:t>
-            </a:r>
-            <a:r>
-              <a:rPr/>
-              <a:t> </a:t>
-            </a:r>
-            <a:r>
-              <a:rPr/>
-              <a:t>candidates</a:t>
-            </a:r>
-            <a:r>
-              <a:rPr/>
-              <a:t> </a:t>
-            </a:r>
-            <a:r>
-              <a:rPr/>
-              <a:t>see</a:t>
-            </a:r>
-            <a:r>
-              <a:rPr/>
-              <a:t> </a:t>
-            </a:r>
-            <a:r>
-              <a:rPr/>
-              <a:t>on</a:t>
-            </a:r>
-            <a:r>
-              <a:rPr/>
-              <a:t> </a:t>
-            </a:r>
-            <a:r>
-              <a:rPr/>
-              <a:t>their</a:t>
-            </a:r>
-            <a:r>
-              <a:rPr/>
-              <a:t> </a:t>
-            </a:r>
-            <a:r>
-              <a:rPr/>
-              <a:t>screens.</a:t>
-            </a:r>
-            <a:r>
-              <a:rPr/>
-              <a:t> </a:t>
-            </a:r>
-            <a:r>
-              <a:rPr/>
-              <a:t>These</a:t>
-            </a:r>
-            <a:r>
-              <a:rPr/>
-              <a:t> </a:t>
-            </a:r>
-            <a:r>
-              <a:rPr/>
-              <a:t>slides</a:t>
-            </a:r>
-            <a:r>
-              <a:rPr/>
-              <a:t> </a:t>
-            </a:r>
-            <a:r>
-              <a:rPr/>
-              <a:t>are</a:t>
-            </a:r>
-            <a:r>
-              <a:rPr/>
-              <a:t> </a:t>
-            </a:r>
-            <a:r>
-              <a:rPr/>
-              <a:t>based</a:t>
-            </a:r>
-            <a:r>
-              <a:rPr/>
-              <a:t> </a:t>
-            </a:r>
-            <a:r>
-              <a:rPr/>
-              <a:t>on</a:t>
-            </a:r>
-            <a:r>
-              <a:rPr/>
-              <a:t> </a:t>
-            </a:r>
-            <a:r>
-              <a:rPr/>
-              <a:t>a</a:t>
-            </a:r>
-            <a:r>
-              <a:rPr/>
-              <a:t> </a:t>
-            </a:r>
-            <a:r>
-              <a:rPr/>
-              <a:t>smaller</a:t>
-            </a:r>
-            <a:r>
-              <a:rPr/>
-              <a:t> </a:t>
-            </a:r>
-            <a:r>
-              <a:rPr/>
-              <a:t>version</a:t>
-            </a:r>
-            <a:r>
-              <a:rPr/>
-              <a:t> </a:t>
-            </a:r>
-            <a:r>
-              <a:rPr/>
-              <a:t>of</a:t>
-            </a:r>
-            <a:r>
-              <a:rPr/>
-              <a:t> </a:t>
-            </a:r>
-            <a:r>
-              <a:rPr/>
-              <a:t>the</a:t>
-            </a:r>
-            <a:r>
-              <a:rPr/>
-              <a:t> </a:t>
-            </a:r>
-            <a:r>
-              <a:rPr/>
-              <a:t>dataset.</a:t>
+              <a:t>Note that these number may not be the same as the one candidates see on their screens. These slides are based on a smaller version of the dataset.</a:t>
             </a:r>
           </a:p>
         </p:txBody>
@@ -2289,6 +1255,9 @@
       </p:sp>
     </p:spTree>
   </p:cSld>
+  <p:clrMapOvr>
+    <a:masterClrMapping/>
+  </p:clrMapOvr>
 </p:notes>
 </file>
 
@@ -2336,44 +1305,11 @@
           <a:bodyPr/>
           <a:lstStyle/>
           <a:p>
-            <a:pPr lvl="0" marL="0" indent="0">
+            <a:pPr marL="0" lvl="0" indent="0">
               <a:buNone/>
             </a:pPr>
             <a:r>
-              <a:rPr/>
-              <a:t>Tell</a:t>
-            </a:r>
-            <a:r>
-              <a:rPr/>
-              <a:t> </a:t>
-            </a:r>
-            <a:r>
-              <a:rPr/>
-              <a:t>them</a:t>
-            </a:r>
-            <a:r>
-              <a:rPr/>
-              <a:t> </a:t>
-            </a:r>
-            <a:r>
-              <a:rPr/>
-              <a:t>to</a:t>
-            </a:r>
-            <a:r>
-              <a:rPr/>
-              <a:t> </a:t>
-            </a:r>
-            <a:r>
-              <a:rPr/>
-              <a:t>do</a:t>
-            </a:r>
-            <a:r>
-              <a:rPr/>
-              <a:t> </a:t>
-            </a:r>
-            <a:r>
-              <a:rPr/>
-              <a:t>this.</a:t>
+              <a:t>Tell them to do this.</a:t>
             </a:r>
           </a:p>
         </p:txBody>
@@ -2403,6 +1339,9 @@
       </p:sp>
     </p:spTree>
   </p:cSld>
+  <p:clrMapOvr>
+    <a:masterClrMapping/>
+  </p:clrMapOvr>
 </p:notes>
 </file>
 
@@ -2450,68 +1389,11 @@
           <a:bodyPr/>
           <a:lstStyle/>
           <a:p>
-            <a:pPr lvl="0" marL="0" indent="0">
+            <a:pPr marL="0" lvl="0" indent="0">
               <a:buNone/>
             </a:pPr>
             <a:r>
-              <a:rPr/>
-              <a:t>Quickly</a:t>
-            </a:r>
-            <a:r>
-              <a:rPr/>
-              <a:t> </a:t>
-            </a:r>
-            <a:r>
-              <a:rPr/>
-              <a:t>explain</a:t>
-            </a:r>
-            <a:r>
-              <a:rPr/>
-              <a:t> </a:t>
-            </a:r>
-            <a:r>
-              <a:rPr/>
-              <a:t>the</a:t>
-            </a:r>
-            <a:r>
-              <a:rPr/>
-              <a:t> </a:t>
-            </a:r>
-            <a:r>
-              <a:rPr/>
-              <a:t>main</a:t>
-            </a:r>
-            <a:r>
-              <a:rPr/>
-              <a:t> </a:t>
-            </a:r>
-            <a:r>
-              <a:rPr/>
-              <a:t>points</a:t>
-            </a:r>
-            <a:r>
-              <a:rPr/>
-              <a:t> </a:t>
-            </a:r>
-            <a:r>
-              <a:rPr/>
-              <a:t>of</a:t>
-            </a:r>
-            <a:r>
-              <a:rPr/>
-              <a:t> </a:t>
-            </a:r>
-            <a:r>
-              <a:rPr/>
-              <a:t>the</a:t>
-            </a:r>
-            <a:r>
-              <a:rPr/>
-              <a:t> </a:t>
-            </a:r>
-            <a:r>
-              <a:rPr/>
-              <a:t>output</a:t>
+              <a:t>Quickly explain the main points of the output</a:t>
             </a:r>
           </a:p>
         </p:txBody>
@@ -2541,6 +1423,9 @@
       </p:sp>
     </p:spTree>
   </p:cSld>
+  <p:clrMapOvr>
+    <a:masterClrMapping/>
+  </p:clrMapOvr>
 </p:notes>
 </file>
 
@@ -2691,7 +1576,7 @@
           <a:p>
             <a:fld id="{937E6D32-4C03-264D-8FDB-034DA7582E3B}" type="datetimeFigureOut">
               <a:rPr lang="en-US" smtClean="0"/>
-              <a:t>8/27/19</a:t>
+              <a:t>3/2/20</a:t>
             </a:fld>
             <a:endParaRPr lang="en-US"/>
           </a:p>
@@ -2889,7 +1774,7 @@
           <a:p>
             <a:fld id="{937E6D32-4C03-264D-8FDB-034DA7582E3B}" type="datetimeFigureOut">
               <a:rPr lang="en-US" smtClean="0"/>
-              <a:t>8/27/19</a:t>
+              <a:t>3/2/20</a:t>
             </a:fld>
             <a:endParaRPr lang="en-US"/>
           </a:p>
@@ -3097,7 +1982,7 @@
           <a:p>
             <a:fld id="{937E6D32-4C03-264D-8FDB-034DA7582E3B}" type="datetimeFigureOut">
               <a:rPr lang="en-US" smtClean="0"/>
-              <a:t>8/27/19</a:t>
+              <a:t>3/2/20</a:t>
             </a:fld>
             <a:endParaRPr lang="en-US"/>
           </a:p>
@@ -3295,7 +2180,7 @@
           <a:p>
             <a:fld id="{937E6D32-4C03-264D-8FDB-034DA7582E3B}" type="datetimeFigureOut">
               <a:rPr lang="en-US" smtClean="0"/>
-              <a:t>8/27/19</a:t>
+              <a:t>3/2/20</a:t>
             </a:fld>
             <a:endParaRPr lang="en-US"/>
           </a:p>
@@ -3570,7 +2455,7 @@
           <a:p>
             <a:fld id="{937E6D32-4C03-264D-8FDB-034DA7582E3B}" type="datetimeFigureOut">
               <a:rPr lang="en-US" smtClean="0"/>
-              <a:t>8/27/19</a:t>
+              <a:t>3/2/20</a:t>
             </a:fld>
             <a:endParaRPr lang="en-US"/>
           </a:p>
@@ -3835,7 +2720,7 @@
           <a:p>
             <a:fld id="{937E6D32-4C03-264D-8FDB-034DA7582E3B}" type="datetimeFigureOut">
               <a:rPr lang="en-US" smtClean="0"/>
-              <a:t>8/27/19</a:t>
+              <a:t>3/2/20</a:t>
             </a:fld>
             <a:endParaRPr lang="en-US"/>
           </a:p>
@@ -4247,7 +3132,7 @@
           <a:p>
             <a:fld id="{937E6D32-4C03-264D-8FDB-034DA7582E3B}" type="datetimeFigureOut">
               <a:rPr lang="en-US" smtClean="0"/>
-              <a:t>8/27/19</a:t>
+              <a:t>3/2/20</a:t>
             </a:fld>
             <a:endParaRPr lang="en-US"/>
           </a:p>
@@ -4388,7 +3273,7 @@
           <a:p>
             <a:fld id="{937E6D32-4C03-264D-8FDB-034DA7582E3B}" type="datetimeFigureOut">
               <a:rPr lang="en-US" smtClean="0"/>
-              <a:t>8/27/19</a:t>
+              <a:t>3/2/20</a:t>
             </a:fld>
             <a:endParaRPr lang="en-US"/>
           </a:p>
@@ -4501,7 +3386,7 @@
           <a:p>
             <a:fld id="{937E6D32-4C03-264D-8FDB-034DA7582E3B}" type="datetimeFigureOut">
               <a:rPr lang="en-US" smtClean="0"/>
-              <a:t>8/27/19</a:t>
+              <a:t>3/2/20</a:t>
             </a:fld>
             <a:endParaRPr lang="en-US"/>
           </a:p>
@@ -4812,7 +3697,7 @@
           <a:p>
             <a:fld id="{937E6D32-4C03-264D-8FDB-034DA7582E3B}" type="datetimeFigureOut">
               <a:rPr lang="en-US" smtClean="0"/>
-              <a:t>8/27/19</a:t>
+              <a:t>3/2/20</a:t>
             </a:fld>
             <a:endParaRPr lang="en-US"/>
           </a:p>
@@ -5100,7 +3985,7 @@
           <a:p>
             <a:fld id="{937E6D32-4C03-264D-8FDB-034DA7582E3B}" type="datetimeFigureOut">
               <a:rPr lang="en-US" smtClean="0"/>
-              <a:t>8/27/19</a:t>
+              <a:t>3/2/20</a:t>
             </a:fld>
             <a:endParaRPr lang="en-US"/>
           </a:p>
@@ -5341,7 +4226,7 @@
           <a:p>
             <a:fld id="{937E6D32-4C03-264D-8FDB-034DA7582E3B}" type="datetimeFigureOut">
               <a:rPr lang="en-US" smtClean="0"/>
-              <a:t>8/27/19</a:t>
+              <a:t>3/2/20</a:t>
             </a:fld>
             <a:endParaRPr lang="en-US"/>
           </a:p>
@@ -5784,20 +4669,11 @@
           <a:bodyPr/>
           <a:lstStyle/>
           <a:p>
-            <a:pPr lvl="0" marL="0" indent="0">
+            <a:pPr marL="0" lvl="0" indent="0">
               <a:buNone/>
             </a:pPr>
             <a:r>
-              <a:rPr/>
-              <a:t>Basic</a:t>
-            </a:r>
-            <a:r>
-              <a:rPr/>
-              <a:t> </a:t>
-            </a:r>
-            <a:r>
-              <a:rPr/>
-              <a:t>Statistics</a:t>
+              <a:t>Basic Statistics</a:t>
             </a:r>
           </a:p>
         </p:txBody>
@@ -5828,16 +4704,20 @@
           <a:bodyPr/>
           <a:lstStyle/>
           <a:p>
-            <a:pPr lvl="0" marL="0" indent="0">
+            <a:pPr marL="0" lvl="0" indent="0">
               <a:buNone/>
             </a:pPr>
             <a:br/>
             <a:br/>
+            <a:endParaRPr/>
           </a:p>
         </p:txBody>
       </p:sp>
     </p:spTree>
   </p:cSld>
+  <p:clrMapOvr>
+    <a:masterClrMapping/>
+  </p:clrMapOvr>
 </p:sld>
 </file>
 
@@ -5879,36 +4759,11 @@
           <a:bodyPr/>
           <a:lstStyle/>
           <a:p>
-            <a:pPr lvl="0" marL="0" indent="0">
+            <a:pPr marL="0" lvl="0" indent="0">
               <a:buNone/>
             </a:pPr>
             <a:r>
-              <a:rPr/>
-              <a:t>Types</a:t>
-            </a:r>
-            <a:r>
-              <a:rPr/>
-              <a:t> </a:t>
-            </a:r>
-            <a:r>
-              <a:rPr/>
-              <a:t>of</a:t>
-            </a:r>
-            <a:r>
-              <a:rPr/>
-              <a:t> </a:t>
-            </a:r>
-            <a:r>
-              <a:rPr/>
-              <a:t>discrete</a:t>
-            </a:r>
-            <a:r>
-              <a:rPr/>
-              <a:t> </a:t>
-            </a:r>
-            <a:r>
-              <a:rPr/>
-              <a:t>variables</a:t>
+              <a:t>Types of discrete variables</a:t>
             </a:r>
           </a:p>
         </p:txBody>
@@ -5936,21 +4791,18 @@
           <a:p>
             <a:pPr lvl="1"/>
             <a:r>
-              <a:rPr/>
               <a:t>Nominal</a:t>
             </a:r>
           </a:p>
           <a:p>
             <a:pPr lvl="2"/>
             <a:r>
-              <a:rPr/>
               <a:t>e.g. hair colour, types of antibiotics</a:t>
             </a:r>
           </a:p>
           <a:p>
             <a:pPr lvl="2"/>
             <a:r>
-              <a:rPr/>
               <a:t>There is no order between the data types (e.g. blonde, brunette, red hair)</a:t>
             </a:r>
           </a:p>
@@ -5958,6 +4810,9 @@
       </p:sp>
     </p:spTree>
   </p:cSld>
+  <p:clrMapOvr>
+    <a:masterClrMapping/>
+  </p:clrMapOvr>
 </p:sld>
 </file>
 
@@ -5999,36 +4854,11 @@
           <a:bodyPr/>
           <a:lstStyle/>
           <a:p>
-            <a:pPr lvl="0" marL="0" indent="0">
+            <a:pPr marL="0" lvl="0" indent="0">
               <a:buNone/>
             </a:pPr>
             <a:r>
-              <a:rPr/>
-              <a:t>Types</a:t>
-            </a:r>
-            <a:r>
-              <a:rPr/>
-              <a:t> </a:t>
-            </a:r>
-            <a:r>
-              <a:rPr/>
-              <a:t>of</a:t>
-            </a:r>
-            <a:r>
-              <a:rPr/>
-              <a:t> </a:t>
-            </a:r>
-            <a:r>
-              <a:rPr/>
-              <a:t>discrete</a:t>
-            </a:r>
-            <a:r>
-              <a:rPr/>
-              <a:t> </a:t>
-            </a:r>
-            <a:r>
-              <a:rPr/>
-              <a:t>variables</a:t>
+              <a:t>Types of discrete variables</a:t>
             </a:r>
           </a:p>
         </p:txBody>
@@ -6056,14 +4886,12 @@
           <a:p>
             <a:pPr lvl="1"/>
             <a:r>
-              <a:rPr/>
               <a:t>Ordinal</a:t>
             </a:r>
           </a:p>
           <a:p>
             <a:pPr lvl="2"/>
             <a:r>
-              <a:rPr/>
               <a:t>There is an order e.g. </a:t>
             </a:r>
             <a:r>
@@ -6073,14 +4901,12 @@
               <a:t>care_level</a:t>
             </a:r>
             <a:r>
-              <a:rPr/>
               <a:t> where Level 3 &gt; Level 2 &gt; Level 1 etc.</a:t>
             </a:r>
           </a:p>
           <a:p>
             <a:pPr lvl="2"/>
             <a:r>
-              <a:rPr/>
               <a:t>However, the difference between Level 1 and Level 2 critical care may not be the same as the difference between Level 2 and Level 3.</a:t>
             </a:r>
           </a:p>
@@ -6088,7 +4914,7 @@
       </p:sp>
       <p:pic>
         <p:nvPicPr>
-          <p:cNvPr descr="../Images/OrdinalData.png" id="0" name="Picture 1"/>
+          <p:cNvPr id="4" name="Picture 1" descr="../Images/OrdinalData.png"/>
           <p:cNvPicPr>
             <a:picLocks noGrp="1" noChangeAspect="1"/>
           </p:cNvPicPr>
@@ -6118,6 +4944,9 @@
       </p:pic>
     </p:spTree>
   </p:cSld>
+  <p:clrMapOvr>
+    <a:masterClrMapping/>
+  </p:clrMapOvr>
 </p:sld>
 </file>
 
@@ -6159,36 +4988,11 @@
           <a:bodyPr/>
           <a:lstStyle/>
           <a:p>
-            <a:pPr lvl="0" marL="0" indent="0">
+            <a:pPr marL="0" lvl="0" indent="0">
               <a:buNone/>
             </a:pPr>
             <a:r>
-              <a:rPr/>
-              <a:t>Types</a:t>
-            </a:r>
-            <a:r>
-              <a:rPr/>
-              <a:t> </a:t>
-            </a:r>
-            <a:r>
-              <a:rPr/>
-              <a:t>of</a:t>
-            </a:r>
-            <a:r>
-              <a:rPr/>
-              <a:t> </a:t>
-            </a:r>
-            <a:r>
-              <a:rPr/>
-              <a:t>discrete</a:t>
-            </a:r>
-            <a:r>
-              <a:rPr/>
-              <a:t> </a:t>
-            </a:r>
-            <a:r>
-              <a:rPr/>
-              <a:t>data</a:t>
+              <a:t>Types of discrete data</a:t>
             </a:r>
           </a:p>
         </p:txBody>
@@ -6216,14 +5020,12 @@
           <a:p>
             <a:pPr lvl="1"/>
             <a:r>
-              <a:rPr/>
               <a:t>Interval</a:t>
             </a:r>
           </a:p>
           <a:p>
             <a:pPr lvl="2"/>
             <a:r>
-              <a:rPr/>
               <a:t>There is an order to data points (e.g. </a:t>
             </a:r>
             <a:r>
@@ -6233,7 +5035,6 @@
               <a:t>age_cat</a:t>
             </a:r>
             <a:r>
-              <a:rPr/>
               <a:t> for age centile) and the difference between these points are equal (e.g. 10 years)</a:t>
             </a:r>
           </a:p>
@@ -6241,7 +5042,7 @@
       </p:sp>
       <p:pic>
         <p:nvPicPr>
-          <p:cNvPr descr="../Images/IntervalData.png" id="0" name="Picture 1"/>
+          <p:cNvPr id="4" name="Picture 1" descr="../Images/IntervalData.png"/>
           <p:cNvPicPr>
             <a:picLocks noGrp="1" noChangeAspect="1"/>
           </p:cNvPicPr>
@@ -6271,6 +5072,9 @@
       </p:pic>
     </p:spTree>
   </p:cSld>
+  <p:clrMapOvr>
+    <a:masterClrMapping/>
+  </p:clrMapOvr>
 </p:sld>
 </file>
 
@@ -6312,20 +5116,11 @@
           <a:bodyPr/>
           <a:lstStyle/>
           <a:p>
-            <a:pPr lvl="0" marL="0" indent="0">
+            <a:pPr marL="0" lvl="0" indent="0">
               <a:buNone/>
             </a:pPr>
             <a:r>
-              <a:rPr/>
-              <a:t>Describing</a:t>
-            </a:r>
-            <a:r>
-              <a:rPr/>
-              <a:t> </a:t>
-            </a:r>
-            <a:r>
-              <a:rPr/>
-              <a:t>data</a:t>
+              <a:t>Describing data</a:t>
             </a:r>
           </a:p>
         </p:txBody>
@@ -6353,14 +5148,12 @@
           <a:p>
             <a:pPr lvl="1"/>
             <a:r>
-              <a:rPr/>
               <a:t>Continuous variables</a:t>
             </a:r>
           </a:p>
           <a:p>
             <a:pPr lvl="1"/>
             <a:r>
-              <a:rPr/>
               <a:t>Discrete variables</a:t>
             </a:r>
           </a:p>
@@ -6368,6 +5161,9 @@
       </p:sp>
     </p:spTree>
   </p:cSld>
+  <p:clrMapOvr>
+    <a:masterClrMapping/>
+  </p:clrMapOvr>
 </p:sld>
 </file>
 
@@ -6409,28 +5205,11 @@
           <a:bodyPr/>
           <a:lstStyle/>
           <a:p>
-            <a:pPr lvl="0" marL="0" indent="0">
+            <a:pPr marL="0" lvl="0" indent="0">
               <a:buNone/>
             </a:pPr>
             <a:r>
-              <a:rPr/>
-              <a:t>Describing</a:t>
-            </a:r>
-            <a:r>
-              <a:rPr/>
-              <a:t> </a:t>
-            </a:r>
-            <a:r>
-              <a:rPr/>
-              <a:t>continuous</a:t>
-            </a:r>
-            <a:r>
-              <a:rPr/>
-              <a:t> </a:t>
-            </a:r>
-            <a:r>
-              <a:rPr/>
-              <a:t>data.</a:t>
+              <a:t>Describing continuous data.</a:t>
             </a:r>
           </a:p>
         </p:txBody>
@@ -6456,16 +5235,15 @@
           <a:bodyPr/>
           <a:lstStyle/>
           <a:p>
-            <a:pPr lvl="0" marL="0" indent="0">
+            <a:pPr marL="0" lvl="0" indent="0">
               <a:buNone/>
             </a:pPr>
             <a:r>
-              <a:rPr/>
               <a:t>First establish the distribution of the data.</a:t>
             </a:r>
           </a:p>
           <a:p>
-            <a:pPr lvl="0" marL="1270000" indent="0">
+            <a:pPr marL="1270000" lvl="0" indent="0">
               <a:buNone/>
             </a:pPr>
             <a:r>
@@ -6549,11 +5327,10 @@
             </a:r>
           </a:p>
           <a:p>
-            <a:pPr lvl="0" marL="0" indent="0">
+            <a:pPr marL="0" lvl="0" indent="0">
               <a:buNone/>
             </a:pPr>
             <a:r>
-              <a:rPr/>
               <a:t>What is the distribution of this data?</a:t>
             </a:r>
           </a:p>
@@ -6561,7 +5338,7 @@
       </p:sp>
       <p:pic>
         <p:nvPicPr>
-          <p:cNvPr descr="../Images/hist_age.png" id="0" name="Picture 1"/>
+          <p:cNvPr id="4" name="Picture 1" descr="../Images/hist_age.png"/>
           <p:cNvPicPr>
             <a:picLocks noGrp="1" noChangeAspect="1"/>
           </p:cNvPicPr>
@@ -6591,6 +5368,9 @@
       </p:pic>
     </p:spTree>
   </p:cSld>
+  <p:clrMapOvr>
+    <a:masterClrMapping/>
+  </p:clrMapOvr>
 </p:sld>
 </file>
 
@@ -6632,52 +5412,11 @@
           <a:bodyPr/>
           <a:lstStyle/>
           <a:p>
-            <a:pPr lvl="0" marL="0" indent="0">
+            <a:pPr marL="0" lvl="0" indent="0">
               <a:buNone/>
             </a:pPr>
             <a:r>
-              <a:rPr/>
-              <a:t>What</a:t>
-            </a:r>
-            <a:r>
-              <a:rPr/>
-              <a:t> </a:t>
-            </a:r>
-            <a:r>
-              <a:rPr/>
-              <a:t>is</a:t>
-            </a:r>
-            <a:r>
-              <a:rPr/>
-              <a:t> </a:t>
-            </a:r>
-            <a:r>
-              <a:rPr/>
-              <a:t>the</a:t>
-            </a:r>
-            <a:r>
-              <a:rPr/>
-              <a:t> </a:t>
-            </a:r>
-            <a:r>
-              <a:rPr/>
-              <a:t>distribution</a:t>
-            </a:r>
-            <a:r>
-              <a:rPr/>
-              <a:t> </a:t>
-            </a:r>
-            <a:r>
-              <a:rPr/>
-              <a:t>of</a:t>
-            </a:r>
-            <a:r>
-              <a:rPr/>
-              <a:t> </a:t>
-            </a:r>
-            <a:r>
-              <a:rPr/>
-              <a:t>height?</a:t>
+              <a:t>What is the distribution of height?</a:t>
             </a:r>
           </a:p>
         </p:txBody>
@@ -6703,16 +5442,15 @@
           <a:bodyPr/>
           <a:lstStyle/>
           <a:p>
-            <a:pPr lvl="0" marL="0" indent="0">
+            <a:pPr marL="0" lvl="0" indent="0">
               <a:buNone/>
             </a:pPr>
             <a:r>
-              <a:rPr/>
               <a:t>Try this command</a:t>
             </a:r>
           </a:p>
           <a:p>
-            <a:pPr lvl="0" marL="1270000" indent="0">
+            <a:pPr marL="1270000" lvl="0" indent="0">
               <a:buNone/>
             </a:pPr>
             <a:r>
@@ -6811,11 +5549,10 @@
             </a:r>
           </a:p>
           <a:p>
-            <a:pPr lvl="0" marL="0" indent="0">
+            <a:pPr marL="0" lvl="0" indent="0">
               <a:buNone/>
             </a:pPr>
             <a:r>
-              <a:rPr/>
               <a:t>What is the distribution of this data?</a:t>
             </a:r>
           </a:p>
@@ -6823,7 +5560,7 @@
       </p:sp>
       <p:pic>
         <p:nvPicPr>
-          <p:cNvPr descr="../Images/hist_height.png" id="0" name="Picture 1"/>
+          <p:cNvPr id="4" name="Picture 1" descr="../Images/hist_height.png"/>
           <p:cNvPicPr>
             <a:picLocks noGrp="1" noChangeAspect="1"/>
           </p:cNvPicPr>
@@ -6853,6 +5590,9 @@
       </p:pic>
     </p:spTree>
   </p:cSld>
+  <p:clrMapOvr>
+    <a:masterClrMapping/>
+  </p:clrMapOvr>
 </p:sld>
 </file>
 
@@ -6894,36 +5634,11 @@
           <a:bodyPr/>
           <a:lstStyle/>
           <a:p>
-            <a:pPr lvl="0" marL="0" indent="0">
+            <a:pPr marL="0" lvl="0" indent="0">
               <a:buNone/>
             </a:pPr>
             <a:r>
-              <a:rPr/>
-              <a:t>Parametric</a:t>
-            </a:r>
-            <a:r>
-              <a:rPr/>
-              <a:t> </a:t>
-            </a:r>
-            <a:r>
-              <a:rPr/>
-              <a:t>vs</a:t>
-            </a:r>
-            <a:r>
-              <a:rPr/>
-              <a:t> </a:t>
-            </a:r>
-            <a:r>
-              <a:rPr/>
-              <a:t>non-parametric</a:t>
-            </a:r>
-            <a:r>
-              <a:rPr/>
-              <a:t> </a:t>
-            </a:r>
-            <a:r>
-              <a:rPr/>
-              <a:t>data</a:t>
+              <a:t>Parametric vs non-parametric data</a:t>
             </a:r>
           </a:p>
         </p:txBody>
@@ -6951,21 +5666,18 @@
           <a:p>
             <a:pPr lvl="1"/>
             <a:r>
-              <a:rPr/>
               <a:t>Parametric data</a:t>
             </a:r>
           </a:p>
           <a:p>
             <a:pPr lvl="2"/>
             <a:r>
-              <a:rPr/>
               <a:t>The data follows a known distribution</a:t>
             </a:r>
           </a:p>
           <a:p>
             <a:pPr lvl="2"/>
             <a:r>
-              <a:rPr/>
               <a:t>It can be described using </a:t>
             </a:r>
             <a:r>
@@ -6976,21 +5688,18 @@
           <a:p>
             <a:pPr lvl="2"/>
             <a:r>
-              <a:rPr/>
               <a:t>Examples of distributions include, normal, poission, exponential.</a:t>
             </a:r>
           </a:p>
           <a:p>
             <a:pPr lvl="1"/>
             <a:r>
-              <a:rPr/>
               <a:t>Non parametric data</a:t>
             </a:r>
           </a:p>
           <a:p>
             <a:pPr lvl="2"/>
             <a:r>
-              <a:rPr/>
               <a:t>The data can’t be said to follow a known distribution</a:t>
             </a:r>
           </a:p>
@@ -6998,6 +5707,9 @@
       </p:sp>
     </p:spTree>
   </p:cSld>
+  <p:clrMapOvr>
+    <a:masterClrMapping/>
+  </p:clrMapOvr>
 </p:sld>
 </file>
 
@@ -7039,44 +5751,11 @@
           <a:bodyPr/>
           <a:lstStyle/>
           <a:p>
-            <a:pPr lvl="0" marL="0" indent="0">
+            <a:pPr marL="0" lvl="0" indent="0">
               <a:buNone/>
             </a:pPr>
             <a:r>
-              <a:rPr/>
-              <a:t>Describing</a:t>
-            </a:r>
-            <a:r>
-              <a:rPr/>
-              <a:t> </a:t>
-            </a:r>
-            <a:r>
-              <a:rPr/>
-              <a:t>parametric</a:t>
-            </a:r>
-            <a:r>
-              <a:rPr/>
-              <a:t> </a:t>
-            </a:r>
-            <a:r>
-              <a:rPr/>
-              <a:t>and</a:t>
-            </a:r>
-            <a:r>
-              <a:rPr/>
-              <a:t> </a:t>
-            </a:r>
-            <a:r>
-              <a:rPr/>
-              <a:t>non-parametric</a:t>
-            </a:r>
-            <a:r>
-              <a:rPr/>
-              <a:t> </a:t>
-            </a:r>
-            <a:r>
-              <a:rPr/>
-              <a:t>data</a:t>
+              <a:t>Describing parametric and non-parametric data</a:t>
             </a:r>
           </a:p>
         </p:txBody>
@@ -7102,67 +5781,58 @@
           <a:bodyPr/>
           <a:lstStyle/>
           <a:p>
-            <a:pPr lvl="0" marL="0" indent="0">
+            <a:pPr marL="0" lvl="0" indent="0">
               <a:buNone/>
             </a:pPr>
             <a:r>
-              <a:rPr/>
               <a:t>How do you use numbers to convey what your data looks like.</a:t>
             </a:r>
           </a:p>
           <a:p>
             <a:pPr lvl="1"/>
             <a:r>
-              <a:rPr/>
               <a:t>Parametric data</a:t>
             </a:r>
           </a:p>
           <a:p>
             <a:pPr lvl="2"/>
             <a:r>
-              <a:rPr/>
               <a:t>Use the parameters that describe the distribution.</a:t>
             </a:r>
           </a:p>
           <a:p>
             <a:pPr lvl="2"/>
             <a:r>
-              <a:rPr/>
               <a:t>For a Gaussian (normal) distribution - use mean and standard deviation</a:t>
             </a:r>
           </a:p>
           <a:p>
             <a:pPr lvl="2"/>
             <a:r>
-              <a:rPr/>
               <a:t>For a Poission distribution - use average event rate</a:t>
             </a:r>
           </a:p>
           <a:p>
             <a:pPr lvl="2"/>
             <a:r>
-              <a:rPr/>
               <a:t>etc.</a:t>
             </a:r>
           </a:p>
           <a:p>
             <a:pPr lvl="1"/>
             <a:r>
-              <a:rPr/>
               <a:t>Non Parametric data</a:t>
             </a:r>
           </a:p>
           <a:p>
             <a:pPr lvl="2"/>
             <a:r>
-              <a:rPr/>
               <a:t>Use the median (the middle number when they are ranked from lowest to highest) and the interquartile range (the number 75% of the way up the list when ranked minus the number 25% of the way)</a:t>
             </a:r>
           </a:p>
           <a:p>
             <a:pPr lvl="1"/>
             <a:r>
-              <a:rPr/>
               <a:t>You can use the command </a:t>
             </a:r>
             <a:r>
@@ -7172,7 +5842,6 @@
               <a:t>summary(data_frame_name)</a:t>
             </a:r>
             <a:r>
-              <a:rPr/>
               <a:t> to get these numbers for each variable.</a:t>
             </a:r>
           </a:p>
@@ -7180,6 +5849,9 @@
       </p:sp>
     </p:spTree>
   </p:cSld>
+  <p:clrMapOvr>
+    <a:masterClrMapping/>
+  </p:clrMapOvr>
 </p:sld>
 </file>
 
@@ -7221,36 +5893,11 @@
           <a:bodyPr/>
           <a:lstStyle/>
           <a:p>
-            <a:pPr lvl="0" marL="0" indent="0">
+            <a:pPr marL="0" lvl="0" indent="0">
               <a:buNone/>
             </a:pPr>
             <a:r>
-              <a:rPr/>
-              <a:t>Mean</a:t>
-            </a:r>
-            <a:r>
-              <a:rPr/>
-              <a:t> </a:t>
-            </a:r>
-            <a:r>
-              <a:rPr/>
-              <a:t>versus</a:t>
-            </a:r>
-            <a:r>
-              <a:rPr/>
-              <a:t> </a:t>
-            </a:r>
-            <a:r>
-              <a:rPr/>
-              <a:t>standard</a:t>
-            </a:r>
-            <a:r>
-              <a:rPr/>
-              <a:t> </a:t>
-            </a:r>
-            <a:r>
-              <a:rPr/>
-              <a:t>deviation</a:t>
+              <a:t>Mean versus standard deviation</a:t>
             </a:r>
           </a:p>
         </p:txBody>
@@ -7278,19 +5925,17 @@
           <a:p>
             <a:pPr lvl="1"/>
             <a:r>
-              <a:rPr/>
               <a:t>What does standard deviation mean?</a:t>
             </a:r>
           </a:p>
           <a:p>
             <a:pPr lvl="1"/>
             <a:r>
-              <a:rPr/>
               <a:t>Both graphs have the same mean (center), but the second one has data which is more spread out.</a:t>
             </a:r>
           </a:p>
           <a:p>
-            <a:pPr lvl="0" marL="1270000" indent="0">
+            <a:pPr marL="1270000" lvl="0" indent="0">
               <a:buNone/>
             </a:pPr>
             <a:r>
@@ -7902,6 +6547,9 @@
       </p:sp>
     </p:spTree>
   </p:cSld>
+  <p:clrMapOvr>
+    <a:masterClrMapping/>
+  </p:clrMapOvr>
 </p:sld>
 </file>
 
@@ -7943,226 +6591,192 @@
           <a:bodyPr/>
           <a:lstStyle/>
           <a:p>
-            <a:pPr lvl="0" marL="0" indent="0">
+            <a:pPr marL="0" lvl="0" indent="0">
               <a:buNone/>
             </a:pPr>
             <a:r>
-              <a:rPr/>
-              <a:t>Calculating</a:t>
-            </a:r>
-            <a:r>
-              <a:rPr/>
+              <a:t>Calculating mean and standard deviation</a:t>
+            </a:r>
+          </a:p>
+        </p:txBody>
+      </p:sp>
+      <p:sp>
+        <p:nvSpPr>
+          <p:cNvPr id="3" name="Content Placeholder 2">
+            <a:extLst>
+              <a:ext uri="{FF2B5EF4-FFF2-40B4-BE49-F238E27FC236}">
+                <a16:creationId xmlns:a16="http://schemas.microsoft.com/office/drawing/2014/main" id="{D10DDA37-E46B-B641-BC9F-636CB92A2C08}"/>
+              </a:ext>
+            </a:extLst>
+          </p:cNvPr>
+          <p:cNvSpPr>
+            <a:spLocks noGrp="1"/>
+          </p:cNvSpPr>
+          <p:nvPr>
+            <p:ph idx="1"/>
+          </p:nvPr>
+        </p:nvSpPr>
+        <p:spPr/>
+        <p:txBody>
+          <a:bodyPr/>
+          <a:lstStyle/>
+          <a:p>
+            <a:pPr marL="1270000" lvl="0" indent="0">
+              <a:buNone/>
+            </a:pPr>
+            <a:r>
+              <a:rPr sz="1800" b="1">
+                <a:solidFill>
+                  <a:srgbClr val="007020"/>
+                </a:solidFill>
+                <a:latin typeface="Courier"/>
+              </a:rPr>
+              <a:t>mean</a:t>
+            </a:r>
+            <a:r>
+              <a:rPr sz="1800">
+                <a:latin typeface="Courier"/>
+              </a:rPr>
+              <a:t>(cchic</a:t>
+            </a:r>
+            <a:r>
+              <a:rPr sz="1800">
+                <a:solidFill>
+                  <a:srgbClr val="666666"/>
+                </a:solidFill>
+                <a:latin typeface="Courier"/>
+              </a:rPr>
+              <a:t>$</a:t>
+            </a:r>
+            <a:r>
+              <a:rPr sz="1800">
+                <a:latin typeface="Courier"/>
+              </a:rPr>
+              <a:t>height, </a:t>
+            </a:r>
+            <a:r>
+              <a:rPr sz="1800">
+                <a:solidFill>
+                  <a:srgbClr val="902000"/>
+                </a:solidFill>
+                <a:latin typeface="Courier"/>
+              </a:rPr>
+              <a:t>na.rm =</a:t>
+            </a:r>
+            <a:r>
+              <a:rPr sz="1800">
+                <a:latin typeface="Courier"/>
+              </a:rPr>
               <a:t> </a:t>
             </a:r>
             <a:r>
-              <a:rPr/>
-              <a:t>mean</a:t>
-            </a:r>
-            <a:r>
-              <a:rPr/>
+              <a:rPr sz="1800">
+                <a:solidFill>
+                  <a:srgbClr val="007020"/>
+                </a:solidFill>
+                <a:latin typeface="Courier"/>
+              </a:rPr>
+              <a:t>TRUE</a:t>
+            </a:r>
+            <a:r>
+              <a:rPr sz="1800">
+                <a:latin typeface="Courier"/>
+              </a:rPr>
+              <a:t>)</a:t>
+            </a:r>
+          </a:p>
+          <a:p>
+            <a:pPr marL="1270000" lvl="0" indent="0">
+              <a:buNone/>
+            </a:pPr>
+            <a:r>
+              <a:rPr sz="1800">
+                <a:latin typeface="Courier"/>
+              </a:rPr>
+              <a:t>## [1] 1.68634</a:t>
+            </a:r>
+          </a:p>
+          <a:p>
+            <a:pPr marL="1270000" lvl="0" indent="0">
+              <a:buNone/>
+            </a:pPr>
+            <a:r>
+              <a:rPr sz="1800" b="1">
+                <a:solidFill>
+                  <a:srgbClr val="007020"/>
+                </a:solidFill>
+                <a:latin typeface="Courier"/>
+              </a:rPr>
+              <a:t>sd</a:t>
+            </a:r>
+            <a:r>
+              <a:rPr sz="1800">
+                <a:latin typeface="Courier"/>
+              </a:rPr>
+              <a:t>(cchic</a:t>
+            </a:r>
+            <a:r>
+              <a:rPr sz="1800">
+                <a:solidFill>
+                  <a:srgbClr val="666666"/>
+                </a:solidFill>
+                <a:latin typeface="Courier"/>
+              </a:rPr>
+              <a:t>$</a:t>
+            </a:r>
+            <a:r>
+              <a:rPr sz="1800">
+                <a:latin typeface="Courier"/>
+              </a:rPr>
+              <a:t>height, </a:t>
+            </a:r>
+            <a:r>
+              <a:rPr sz="1800">
+                <a:solidFill>
+                  <a:srgbClr val="902000"/>
+                </a:solidFill>
+                <a:latin typeface="Courier"/>
+              </a:rPr>
+              <a:t>na.rm =</a:t>
+            </a:r>
+            <a:r>
+              <a:rPr sz="1800">
+                <a:latin typeface="Courier"/>
+              </a:rPr>
               <a:t> </a:t>
             </a:r>
             <a:r>
-              <a:rPr/>
-              <a:t>and</a:t>
-            </a:r>
-            <a:r>
-              <a:rPr/>
-              <a:t> </a:t>
-            </a:r>
-            <a:r>
-              <a:rPr/>
-              <a:t>standard</a:t>
-            </a:r>
-            <a:r>
-              <a:rPr/>
-              <a:t> </a:t>
-            </a:r>
-            <a:r>
-              <a:rPr/>
-              <a:t>deviation</a:t>
-            </a:r>
-          </a:p>
-        </p:txBody>
-      </p:sp>
-      <p:sp>
-        <p:nvSpPr>
-          <p:cNvPr id="3" name="Content Placeholder 2">
-            <a:extLst>
-              <a:ext uri="{FF2B5EF4-FFF2-40B4-BE49-F238E27FC236}">
-                <a16:creationId xmlns:a16="http://schemas.microsoft.com/office/drawing/2014/main" id="{D10DDA37-E46B-B641-BC9F-636CB92A2C08}"/>
-              </a:ext>
-            </a:extLst>
-          </p:cNvPr>
-          <p:cNvSpPr>
-            <a:spLocks noGrp="1"/>
-          </p:cNvSpPr>
-          <p:nvPr>
-            <p:ph idx="1"/>
-          </p:nvPr>
-        </p:nvSpPr>
-        <p:spPr/>
-        <p:txBody>
-          <a:bodyPr/>
-          <a:lstStyle/>
-          <a:p>
-            <a:pPr lvl="0" marL="1270000" indent="0">
+              <a:rPr sz="1800">
+                <a:solidFill>
+                  <a:srgbClr val="007020"/>
+                </a:solidFill>
+                <a:latin typeface="Courier"/>
+              </a:rPr>
+              <a:t>TRUE</a:t>
+            </a:r>
+            <a:r>
+              <a:rPr sz="1800">
+                <a:latin typeface="Courier"/>
+              </a:rPr>
+              <a:t>)</a:t>
+            </a:r>
+          </a:p>
+          <a:p>
+            <a:pPr marL="1270000" lvl="0" indent="0">
               <a:buNone/>
             </a:pPr>
             <a:r>
-              <a:rPr sz="1800" b="1">
-                <a:solidFill>
-                  <a:srgbClr val="007020"/>
-                </a:solidFill>
-                <a:latin typeface="Courier"/>
-              </a:rPr>
-              <a:t>mean</a:t>
-            </a:r>
-            <a:r>
-              <a:rPr sz="1800">
-                <a:latin typeface="Courier"/>
-              </a:rPr>
-              <a:t>(cchic</a:t>
-            </a:r>
-            <a:r>
-              <a:rPr sz="1800">
-                <a:solidFill>
-                  <a:srgbClr val="666666"/>
-                </a:solidFill>
-                <a:latin typeface="Courier"/>
-              </a:rPr>
-              <a:t>$</a:t>
-            </a:r>
-            <a:r>
-              <a:rPr sz="1800">
-                <a:latin typeface="Courier"/>
-              </a:rPr>
-              <a:t>height, </a:t>
-            </a:r>
-            <a:r>
-              <a:rPr sz="1800">
-                <a:solidFill>
-                  <a:srgbClr val="902000"/>
-                </a:solidFill>
-                <a:latin typeface="Courier"/>
-              </a:rPr>
-              <a:t>na.rm =</a:t>
-            </a:r>
-            <a:r>
-              <a:rPr sz="1800">
-                <a:latin typeface="Courier"/>
-              </a:rPr>
-              <a:t> </a:t>
-            </a:r>
-            <a:r>
-              <a:rPr sz="1800">
-                <a:solidFill>
-                  <a:srgbClr val="007020"/>
-                </a:solidFill>
-                <a:latin typeface="Courier"/>
-              </a:rPr>
-              <a:t>TRUE</a:t>
-            </a:r>
-            <a:r>
-              <a:rPr sz="1800">
-                <a:latin typeface="Courier"/>
-              </a:rPr>
-              <a:t>)</a:t>
-            </a:r>
-          </a:p>
-          <a:p>
-            <a:pPr lvl="0" marL="1270000" indent="0">
+              <a:rPr sz="1800">
+                <a:latin typeface="Courier"/>
+              </a:rPr>
+              <a:t>## [1] 0.1011704</a:t>
+            </a:r>
+          </a:p>
+          <a:p>
+            <a:pPr marL="0" lvl="0" indent="0">
               <a:buNone/>
             </a:pPr>
             <a:r>
-              <a:rPr sz="1800">
-                <a:latin typeface="Courier"/>
-              </a:rPr>
-              <a:t>## [1] 1.68634</a:t>
-            </a:r>
-          </a:p>
-          <a:p>
-            <a:pPr lvl="0" marL="1270000" indent="0">
-              <a:buNone/>
-            </a:pPr>
-            <a:r>
-              <a:rPr sz="1800" b="1">
-                <a:solidFill>
-                  <a:srgbClr val="007020"/>
-                </a:solidFill>
-                <a:latin typeface="Courier"/>
-              </a:rPr>
-              <a:t>sd</a:t>
-            </a:r>
-            <a:r>
-              <a:rPr sz="1800">
-                <a:latin typeface="Courier"/>
-              </a:rPr>
-              <a:t>(cchic</a:t>
-            </a:r>
-            <a:r>
-              <a:rPr sz="1800">
-                <a:solidFill>
-                  <a:srgbClr val="666666"/>
-                </a:solidFill>
-                <a:latin typeface="Courier"/>
-              </a:rPr>
-              <a:t>$</a:t>
-            </a:r>
-            <a:r>
-              <a:rPr sz="1800">
-                <a:latin typeface="Courier"/>
-              </a:rPr>
-              <a:t>height, </a:t>
-            </a:r>
-            <a:r>
-              <a:rPr sz="1800">
-                <a:solidFill>
-                  <a:srgbClr val="902000"/>
-                </a:solidFill>
-                <a:latin typeface="Courier"/>
-              </a:rPr>
-              <a:t>na.rm =</a:t>
-            </a:r>
-            <a:r>
-              <a:rPr sz="1800">
-                <a:latin typeface="Courier"/>
-              </a:rPr>
-              <a:t> </a:t>
-            </a:r>
-            <a:r>
-              <a:rPr sz="1800">
-                <a:solidFill>
-                  <a:srgbClr val="007020"/>
-                </a:solidFill>
-                <a:latin typeface="Courier"/>
-              </a:rPr>
-              <a:t>TRUE</a:t>
-            </a:r>
-            <a:r>
-              <a:rPr sz="1800">
-                <a:latin typeface="Courier"/>
-              </a:rPr>
-              <a:t>)</a:t>
-            </a:r>
-          </a:p>
-          <a:p>
-            <a:pPr lvl="0" marL="1270000" indent="0">
-              <a:buNone/>
-            </a:pPr>
-            <a:r>
-              <a:rPr sz="1800">
-                <a:latin typeface="Courier"/>
-              </a:rPr>
-              <a:t>## [1] 0.1011704</a:t>
-            </a:r>
-          </a:p>
-          <a:p>
-            <a:pPr lvl="0" marL="0" indent="0">
-              <a:buNone/>
-            </a:pPr>
-            <a:r>
-              <a:rPr/>
               <a:t>The </a:t>
             </a:r>
             <a:r>
@@ -8172,7 +6786,6 @@
               <a:t>na.rm</a:t>
             </a:r>
             <a:r>
-              <a:rPr/>
               <a:t> argument tells R to ignore missing values in the variable.</a:t>
             </a:r>
           </a:p>
@@ -8180,6 +6793,9 @@
       </p:sp>
     </p:spTree>
   </p:cSld>
+  <p:clrMapOvr>
+    <a:masterClrMapping/>
+  </p:clrMapOvr>
 </p:sld>
 </file>
 
@@ -8202,7 +6818,7 @@
       </p:grpSpPr>
       <p:pic>
         <p:nvPicPr>
-          <p:cNvPr descr="../Images/Clinician%20Coders%20Branding_FINAL_CMYK_Colour.png" id="0" name="Picture 1"/>
+          <p:cNvPr id="2" name="Picture 1" descr="../Images/Clinician%20Coders%20Branding_FINAL_CMYK_Colour.png"/>
           <p:cNvPicPr>
             <a:picLocks noGrp="1" noChangeAspect="1"/>
           </p:cNvPicPr>
@@ -8232,6 +6848,9 @@
       </p:pic>
     </p:spTree>
   </p:cSld>
+  <p:clrMapOvr>
+    <a:masterClrMapping/>
+  </p:clrMapOvr>
 </p:sld>
 </file>
 
@@ -8273,226 +6892,192 @@
           <a:bodyPr/>
           <a:lstStyle/>
           <a:p>
-            <a:pPr lvl="0" marL="0" indent="0">
+            <a:pPr marL="0" lvl="0" indent="0">
               <a:buNone/>
             </a:pPr>
             <a:r>
-              <a:rPr/>
-              <a:t>Calculating</a:t>
-            </a:r>
-            <a:r>
-              <a:rPr/>
+              <a:t>Calculating median and interquartile range</a:t>
+            </a:r>
+          </a:p>
+        </p:txBody>
+      </p:sp>
+      <p:sp>
+        <p:nvSpPr>
+          <p:cNvPr id="3" name="Content Placeholder 2">
+            <a:extLst>
+              <a:ext uri="{FF2B5EF4-FFF2-40B4-BE49-F238E27FC236}">
+                <a16:creationId xmlns:a16="http://schemas.microsoft.com/office/drawing/2014/main" id="{D10DDA37-E46B-B641-BC9F-636CB92A2C08}"/>
+              </a:ext>
+            </a:extLst>
+          </p:cNvPr>
+          <p:cNvSpPr>
+            <a:spLocks noGrp="1"/>
+          </p:cNvSpPr>
+          <p:nvPr>
+            <p:ph idx="1"/>
+          </p:nvPr>
+        </p:nvSpPr>
+        <p:spPr/>
+        <p:txBody>
+          <a:bodyPr/>
+          <a:lstStyle/>
+          <a:p>
+            <a:pPr marL="1270000" lvl="0" indent="0">
+              <a:buNone/>
+            </a:pPr>
+            <a:r>
+              <a:rPr sz="1800" b="1">
+                <a:solidFill>
+                  <a:srgbClr val="007020"/>
+                </a:solidFill>
+                <a:latin typeface="Courier"/>
+              </a:rPr>
+              <a:t>median</a:t>
+            </a:r>
+            <a:r>
+              <a:rPr sz="1800">
+                <a:latin typeface="Courier"/>
+              </a:rPr>
+              <a:t>(cchic</a:t>
+            </a:r>
+            <a:r>
+              <a:rPr sz="1800">
+                <a:solidFill>
+                  <a:srgbClr val="666666"/>
+                </a:solidFill>
+                <a:latin typeface="Courier"/>
+              </a:rPr>
+              <a:t>$</a:t>
+            </a:r>
+            <a:r>
+              <a:rPr sz="1800">
+                <a:latin typeface="Courier"/>
+              </a:rPr>
+              <a:t>age_years, </a:t>
+            </a:r>
+            <a:r>
+              <a:rPr sz="1800">
+                <a:solidFill>
+                  <a:srgbClr val="902000"/>
+                </a:solidFill>
+                <a:latin typeface="Courier"/>
+              </a:rPr>
+              <a:t>na.rm =</a:t>
+            </a:r>
+            <a:r>
+              <a:rPr sz="1800">
+                <a:latin typeface="Courier"/>
+              </a:rPr>
               <a:t> </a:t>
             </a:r>
             <a:r>
-              <a:rPr/>
-              <a:t>median</a:t>
-            </a:r>
-            <a:r>
-              <a:rPr/>
+              <a:rPr sz="1800">
+                <a:solidFill>
+                  <a:srgbClr val="007020"/>
+                </a:solidFill>
+                <a:latin typeface="Courier"/>
+              </a:rPr>
+              <a:t>TRUE</a:t>
+            </a:r>
+            <a:r>
+              <a:rPr sz="1800">
+                <a:latin typeface="Courier"/>
+              </a:rPr>
+              <a:t>)</a:t>
+            </a:r>
+          </a:p>
+          <a:p>
+            <a:pPr marL="1270000" lvl="0" indent="0">
+              <a:buNone/>
+            </a:pPr>
+            <a:r>
+              <a:rPr sz="1800">
+                <a:latin typeface="Courier"/>
+              </a:rPr>
+              <a:t>## [1] 60</a:t>
+            </a:r>
+          </a:p>
+          <a:p>
+            <a:pPr marL="1270000" lvl="0" indent="0">
+              <a:buNone/>
+            </a:pPr>
+            <a:r>
+              <a:rPr sz="1800" b="1">
+                <a:solidFill>
+                  <a:srgbClr val="007020"/>
+                </a:solidFill>
+                <a:latin typeface="Courier"/>
+              </a:rPr>
+              <a:t>IQR</a:t>
+            </a:r>
+            <a:r>
+              <a:rPr sz="1800">
+                <a:latin typeface="Courier"/>
+              </a:rPr>
+              <a:t>(cchic</a:t>
+            </a:r>
+            <a:r>
+              <a:rPr sz="1800">
+                <a:solidFill>
+                  <a:srgbClr val="666666"/>
+                </a:solidFill>
+                <a:latin typeface="Courier"/>
+              </a:rPr>
+              <a:t>$</a:t>
+            </a:r>
+            <a:r>
+              <a:rPr sz="1800">
+                <a:latin typeface="Courier"/>
+              </a:rPr>
+              <a:t>age_years, </a:t>
+            </a:r>
+            <a:r>
+              <a:rPr sz="1800">
+                <a:solidFill>
+                  <a:srgbClr val="902000"/>
+                </a:solidFill>
+                <a:latin typeface="Courier"/>
+              </a:rPr>
+              <a:t>na.rm =</a:t>
+            </a:r>
+            <a:r>
+              <a:rPr sz="1800">
+                <a:latin typeface="Courier"/>
+              </a:rPr>
               <a:t> </a:t>
             </a:r>
             <a:r>
-              <a:rPr/>
-              <a:t>and</a:t>
-            </a:r>
-            <a:r>
-              <a:rPr/>
-              <a:t> </a:t>
-            </a:r>
-            <a:r>
-              <a:rPr/>
-              <a:t>interquartile</a:t>
-            </a:r>
-            <a:r>
-              <a:rPr/>
-              <a:t> </a:t>
-            </a:r>
-            <a:r>
-              <a:rPr/>
-              <a:t>range</a:t>
-            </a:r>
-          </a:p>
-        </p:txBody>
-      </p:sp>
-      <p:sp>
-        <p:nvSpPr>
-          <p:cNvPr id="3" name="Content Placeholder 2">
-            <a:extLst>
-              <a:ext uri="{FF2B5EF4-FFF2-40B4-BE49-F238E27FC236}">
-                <a16:creationId xmlns:a16="http://schemas.microsoft.com/office/drawing/2014/main" id="{D10DDA37-E46B-B641-BC9F-636CB92A2C08}"/>
-              </a:ext>
-            </a:extLst>
-          </p:cNvPr>
-          <p:cNvSpPr>
-            <a:spLocks noGrp="1"/>
-          </p:cNvSpPr>
-          <p:nvPr>
-            <p:ph idx="1"/>
-          </p:nvPr>
-        </p:nvSpPr>
-        <p:spPr/>
-        <p:txBody>
-          <a:bodyPr/>
-          <a:lstStyle/>
-          <a:p>
-            <a:pPr lvl="0" marL="1270000" indent="0">
+              <a:rPr sz="1800">
+                <a:solidFill>
+                  <a:srgbClr val="007020"/>
+                </a:solidFill>
+                <a:latin typeface="Courier"/>
+              </a:rPr>
+              <a:t>TRUE</a:t>
+            </a:r>
+            <a:r>
+              <a:rPr sz="1800">
+                <a:latin typeface="Courier"/>
+              </a:rPr>
+              <a:t>)</a:t>
+            </a:r>
+          </a:p>
+          <a:p>
+            <a:pPr marL="1270000" lvl="0" indent="0">
               <a:buNone/>
             </a:pPr>
             <a:r>
-              <a:rPr sz="1800" b="1">
-                <a:solidFill>
-                  <a:srgbClr val="007020"/>
-                </a:solidFill>
-                <a:latin typeface="Courier"/>
-              </a:rPr>
-              <a:t>median</a:t>
-            </a:r>
-            <a:r>
-              <a:rPr sz="1800">
-                <a:latin typeface="Courier"/>
-              </a:rPr>
-              <a:t>(cchic</a:t>
-            </a:r>
-            <a:r>
-              <a:rPr sz="1800">
-                <a:solidFill>
-                  <a:srgbClr val="666666"/>
-                </a:solidFill>
-                <a:latin typeface="Courier"/>
-              </a:rPr>
-              <a:t>$</a:t>
-            </a:r>
-            <a:r>
-              <a:rPr sz="1800">
-                <a:latin typeface="Courier"/>
-              </a:rPr>
-              <a:t>age_years, </a:t>
-            </a:r>
-            <a:r>
-              <a:rPr sz="1800">
-                <a:solidFill>
-                  <a:srgbClr val="902000"/>
-                </a:solidFill>
-                <a:latin typeface="Courier"/>
-              </a:rPr>
-              <a:t>na.rm =</a:t>
-            </a:r>
-            <a:r>
-              <a:rPr sz="1800">
-                <a:latin typeface="Courier"/>
-              </a:rPr>
-              <a:t> </a:t>
-            </a:r>
-            <a:r>
-              <a:rPr sz="1800">
-                <a:solidFill>
-                  <a:srgbClr val="007020"/>
-                </a:solidFill>
-                <a:latin typeface="Courier"/>
-              </a:rPr>
-              <a:t>TRUE</a:t>
-            </a:r>
-            <a:r>
-              <a:rPr sz="1800">
-                <a:latin typeface="Courier"/>
-              </a:rPr>
-              <a:t>)</a:t>
-            </a:r>
-          </a:p>
-          <a:p>
-            <a:pPr lvl="0" marL="1270000" indent="0">
+              <a:rPr sz="1800">
+                <a:latin typeface="Courier"/>
+              </a:rPr>
+              <a:t>## [1] 20</a:t>
+            </a:r>
+          </a:p>
+          <a:p>
+            <a:pPr marL="0" lvl="0" indent="0">
               <a:buNone/>
             </a:pPr>
             <a:r>
-              <a:rPr sz="1800">
-                <a:latin typeface="Courier"/>
-              </a:rPr>
-              <a:t>## [1] 60</a:t>
-            </a:r>
-          </a:p>
-          <a:p>
-            <a:pPr lvl="0" marL="1270000" indent="0">
-              <a:buNone/>
-            </a:pPr>
-            <a:r>
-              <a:rPr sz="1800" b="1">
-                <a:solidFill>
-                  <a:srgbClr val="007020"/>
-                </a:solidFill>
-                <a:latin typeface="Courier"/>
-              </a:rPr>
-              <a:t>IQR</a:t>
-            </a:r>
-            <a:r>
-              <a:rPr sz="1800">
-                <a:latin typeface="Courier"/>
-              </a:rPr>
-              <a:t>(cchic</a:t>
-            </a:r>
-            <a:r>
-              <a:rPr sz="1800">
-                <a:solidFill>
-                  <a:srgbClr val="666666"/>
-                </a:solidFill>
-                <a:latin typeface="Courier"/>
-              </a:rPr>
-              <a:t>$</a:t>
-            </a:r>
-            <a:r>
-              <a:rPr sz="1800">
-                <a:latin typeface="Courier"/>
-              </a:rPr>
-              <a:t>age_years, </a:t>
-            </a:r>
-            <a:r>
-              <a:rPr sz="1800">
-                <a:solidFill>
-                  <a:srgbClr val="902000"/>
-                </a:solidFill>
-                <a:latin typeface="Courier"/>
-              </a:rPr>
-              <a:t>na.rm =</a:t>
-            </a:r>
-            <a:r>
-              <a:rPr sz="1800">
-                <a:latin typeface="Courier"/>
-              </a:rPr>
-              <a:t> </a:t>
-            </a:r>
-            <a:r>
-              <a:rPr sz="1800">
-                <a:solidFill>
-                  <a:srgbClr val="007020"/>
-                </a:solidFill>
-                <a:latin typeface="Courier"/>
-              </a:rPr>
-              <a:t>TRUE</a:t>
-            </a:r>
-            <a:r>
-              <a:rPr sz="1800">
-                <a:latin typeface="Courier"/>
-              </a:rPr>
-              <a:t>)</a:t>
-            </a:r>
-          </a:p>
-          <a:p>
-            <a:pPr lvl="0" marL="1270000" indent="0">
-              <a:buNone/>
-            </a:pPr>
-            <a:r>
-              <a:rPr sz="1800">
-                <a:latin typeface="Courier"/>
-              </a:rPr>
-              <a:t>## [1] 20</a:t>
-            </a:r>
-          </a:p>
-          <a:p>
-            <a:pPr lvl="0" marL="0" indent="0">
-              <a:buNone/>
-            </a:pPr>
-            <a:r>
-              <a:rPr/>
               <a:t>Again, we ignore the missing values.</a:t>
             </a:r>
           </a:p>
@@ -8500,6 +7085,9 @@
       </p:sp>
     </p:spTree>
   </p:cSld>
+  <p:clrMapOvr>
+    <a:masterClrMapping/>
+  </p:clrMapOvr>
 </p:sld>
 </file>
 
@@ -8541,28 +7129,11 @@
           <a:bodyPr/>
           <a:lstStyle/>
           <a:p>
-            <a:pPr lvl="0" marL="0" indent="0">
+            <a:pPr marL="0" lvl="0" indent="0">
               <a:buNone/>
             </a:pPr>
             <a:r>
-              <a:rPr/>
-              <a:t>Describing</a:t>
-            </a:r>
-            <a:r>
-              <a:rPr/>
-              <a:t> </a:t>
-            </a:r>
-            <a:r>
-              <a:rPr/>
-              <a:t>discrete</a:t>
-            </a:r>
-            <a:r>
-              <a:rPr/>
-              <a:t> </a:t>
-            </a:r>
-            <a:r>
-              <a:rPr/>
-              <a:t>data</a:t>
+              <a:t>Describing discrete data</a:t>
             </a:r>
           </a:p>
         </p:txBody>
@@ -8590,12 +7161,11 @@
           <a:p>
             <a:pPr lvl="1"/>
             <a:r>
-              <a:rPr/>
               <a:t>Frequencies</a:t>
             </a:r>
           </a:p>
           <a:p>
-            <a:pPr lvl="0" marL="1270000" indent="0">
+            <a:pPr marL="1270000" lvl="0" indent="0">
               <a:buNone/>
             </a:pPr>
             <a:r>
@@ -8630,7 +7200,7 @@
             </a:r>
           </a:p>
           <a:p>
-            <a:pPr lvl="0" marL="1270000" indent="0">
+            <a:pPr marL="1270000" lvl="0" indent="0">
               <a:buNone/>
             </a:pPr>
             <a:r>
@@ -8645,12 +7215,11 @@
           <a:p>
             <a:pPr lvl="1"/>
             <a:r>
-              <a:rPr/>
               <a:t>Proportions</a:t>
             </a:r>
           </a:p>
           <a:p>
-            <a:pPr lvl="0" marL="1270000" indent="0">
+            <a:pPr marL="1270000" lvl="0" indent="0">
               <a:buNone/>
             </a:pPr>
             <a:r>
@@ -8716,7 +7285,7 @@
             </a:r>
           </a:p>
           <a:p>
-            <a:pPr lvl="0" marL="1270000" indent="0">
+            <a:pPr marL="1270000" lvl="0" indent="0">
               <a:buNone/>
             </a:pPr>
             <a:r>
@@ -8732,6 +7301,9 @@
       </p:sp>
     </p:spTree>
   </p:cSld>
+  <p:clrMapOvr>
+    <a:masterClrMapping/>
+  </p:clrMapOvr>
 </p:sld>
 </file>
 
@@ -8773,27 +7345,18 @@
           <a:bodyPr/>
           <a:lstStyle/>
           <a:p>
-            <a:pPr lvl="0" marL="0" indent="0">
+            <a:pPr marL="0" lvl="0" indent="0">
               <a:buNone/>
             </a:pPr>
             <a:r>
-              <a:rPr/>
-              <a:t>Inferential</a:t>
-            </a:r>
-            <a:r>
-              <a:rPr/>
-              <a:t> </a:t>
-            </a:r>
-            <a:r>
-              <a:rPr/>
-              <a:t>statistics</a:t>
+              <a:t>Inferential statistics</a:t>
             </a:r>
           </a:p>
         </p:txBody>
       </p:sp>
       <p:pic>
         <p:nvPicPr>
-          <p:cNvPr descr="../Images/Golem.png" id="0" name="Picture 1"/>
+          <p:cNvPr id="3" name="Picture 1" descr="../Images/Golem.png"/>
           <p:cNvPicPr>
             <a:picLocks noGrp="1" noChangeAspect="1"/>
           </p:cNvPicPr>
@@ -8823,7 +7386,7 @@
       </p:pic>
       <p:pic>
         <p:nvPicPr>
-          <p:cNvPr descr="../Images/StatisticalRethinking.png" id="0" name="Picture 1"/>
+          <p:cNvPr id="4" name="Picture 1" descr="../Images/StatisticalRethinking.png"/>
           <p:cNvPicPr>
             <a:picLocks noGrp="1" noChangeAspect="1"/>
           </p:cNvPicPr>
@@ -8853,6 +7416,9 @@
       </p:pic>
     </p:spTree>
   </p:cSld>
+  <p:clrMapOvr>
+    <a:masterClrMapping/>
+  </p:clrMapOvr>
 </p:sld>
 </file>
 
@@ -8894,20 +7460,11 @@
           <a:bodyPr/>
           <a:lstStyle/>
           <a:p>
-            <a:pPr lvl="0" marL="0" indent="0">
+            <a:pPr marL="0" lvl="0" indent="0">
               <a:buNone/>
             </a:pPr>
             <a:r>
-              <a:rPr/>
-              <a:t>Meaningful</a:t>
-            </a:r>
-            <a:r>
-              <a:rPr/>
-              <a:t> </a:t>
-            </a:r>
-            <a:r>
-              <a:rPr/>
-              <a:t>analysis</a:t>
+              <a:t>Meaningful analysis</a:t>
             </a:r>
           </a:p>
         </p:txBody>
@@ -8935,28 +7492,24 @@
           <a:p>
             <a:pPr lvl="1"/>
             <a:r>
-              <a:rPr/>
               <a:t>What is your hypothesis</a:t>
             </a:r>
           </a:p>
           <a:p>
             <a:pPr lvl="1"/>
             <a:r>
-              <a:rPr/>
               <a:t>What type of variables (data type) do you have?</a:t>
             </a:r>
           </a:p>
           <a:p>
             <a:pPr lvl="1"/>
             <a:r>
-              <a:rPr/>
               <a:t>What are the assumptions of the test you are using?</a:t>
             </a:r>
           </a:p>
           <a:p>
             <a:pPr lvl="1"/>
             <a:r>
-              <a:rPr/>
               <a:t>Interpreting the result</a:t>
             </a:r>
           </a:p>
@@ -8964,6 +7517,9 @@
       </p:sp>
     </p:spTree>
   </p:cSld>
+  <p:clrMapOvr>
+    <a:masterClrMapping/>
+  </p:clrMapOvr>
 </p:sld>
 </file>
 
@@ -9005,43 +7561,18 @@
           <a:bodyPr/>
           <a:lstStyle/>
           <a:p>
-            <a:pPr lvl="0" marL="0" indent="0">
+            <a:pPr marL="0" lvl="0" indent="0">
               <a:buNone/>
             </a:pPr>
             <a:r>
-              <a:rPr/>
-              <a:t>What</a:t>
-            </a:r>
-            <a:r>
-              <a:rPr/>
-              <a:t> </a:t>
-            </a:r>
-            <a:r>
-              <a:rPr/>
-              <a:t>is</a:t>
-            </a:r>
-            <a:r>
-              <a:rPr/>
-              <a:t> </a:t>
-            </a:r>
-            <a:r>
-              <a:rPr/>
-              <a:t>a</a:t>
-            </a:r>
-            <a:r>
-              <a:rPr/>
-              <a:t> </a:t>
-            </a:r>
-            <a:r>
-              <a:rPr/>
-              <a:t>p-value?</a:t>
+              <a:t>What is a p-value?</a:t>
             </a:r>
           </a:p>
         </p:txBody>
       </p:sp>
       <p:pic>
         <p:nvPicPr>
-          <p:cNvPr descr="../Images/pValue.png" id="0" name="Picture 1"/>
+          <p:cNvPr id="3" name="Picture 1" descr="../Images/pValue.png"/>
           <p:cNvPicPr>
             <a:picLocks noGrp="1" noChangeAspect="1"/>
           </p:cNvPicPr>
@@ -9071,6 +7602,9 @@
       </p:pic>
     </p:spTree>
   </p:cSld>
+  <p:clrMapOvr>
+    <a:masterClrMapping/>
+  </p:clrMapOvr>
 </p:sld>
 </file>
 
@@ -9112,51 +7646,18 @@
           <a:bodyPr/>
           <a:lstStyle/>
           <a:p>
-            <a:pPr lvl="0" marL="0" indent="0">
+            <a:pPr marL="0" lvl="0" indent="0">
               <a:buNone/>
             </a:pPr>
             <a:r>
-              <a:rPr/>
-              <a:t>What</a:t>
-            </a:r>
-            <a:r>
-              <a:rPr/>
-              <a:t> </a:t>
-            </a:r>
-            <a:r>
-              <a:rPr/>
-              <a:t>we</a:t>
-            </a:r>
-            <a:r>
-              <a:rPr/>
-              <a:t> </a:t>
-            </a:r>
-            <a:r>
-              <a:rPr/>
-              <a:t>are</a:t>
-            </a:r>
-            <a:r>
-              <a:rPr/>
-              <a:t> </a:t>
-            </a:r>
-            <a:r>
-              <a:rPr/>
-              <a:t>usually</a:t>
-            </a:r>
-            <a:r>
-              <a:rPr/>
-              <a:t> </a:t>
-            </a:r>
-            <a:r>
-              <a:rPr/>
-              <a:t>hoping…</a:t>
+              <a:t>What we are usually hoping…</a:t>
             </a:r>
           </a:p>
         </p:txBody>
       </p:sp>
       <p:pic>
         <p:nvPicPr>
-          <p:cNvPr descr="../Images/pValue2.png" id="0" name="Picture 1"/>
+          <p:cNvPr id="3" name="Picture 1" descr="../Images/pValue2.png"/>
           <p:cNvPicPr>
             <a:picLocks noGrp="1" noChangeAspect="1"/>
           </p:cNvPicPr>
@@ -9186,6 +7687,9 @@
       </p:pic>
     </p:spTree>
   </p:cSld>
+  <p:clrMapOvr>
+    <a:masterClrMapping/>
+  </p:clrMapOvr>
 </p:sld>
 </file>
 
@@ -9227,20 +7731,11 @@
           <a:bodyPr/>
           <a:lstStyle/>
           <a:p>
-            <a:pPr lvl="0" marL="0" indent="0">
+            <a:pPr marL="0" lvl="0" indent="0">
               <a:buNone/>
             </a:pPr>
             <a:r>
-              <a:rPr/>
-              <a:t>Testing</a:t>
-            </a:r>
-            <a:r>
-              <a:rPr/>
-              <a:t> </a:t>
-            </a:r>
-            <a:r>
-              <a:rPr/>
-              <a:t>significance</a:t>
+              <a:t>Testing significance</a:t>
             </a:r>
           </a:p>
         </p:txBody>
@@ -9268,28 +7763,24 @@
           <a:p>
             <a:pPr lvl="1"/>
             <a:r>
-              <a:rPr/>
               <a:t>p-value</a:t>
             </a:r>
           </a:p>
           <a:p>
             <a:pPr lvl="1"/>
             <a:r>
-              <a:rPr/>
               <a:t>&lt;0.05</a:t>
             </a:r>
           </a:p>
           <a:p>
             <a:pPr lvl="1"/>
             <a:r>
-              <a:rPr/>
               <a:t>0.03-0.049</a:t>
             </a:r>
           </a:p>
           <a:p>
             <a:pPr lvl="2"/>
             <a:r>
-              <a:rPr/>
               <a:t>Would benefit from further testing.</a:t>
             </a:r>
           </a:p>
@@ -9297,6 +7788,9 @@
       </p:sp>
     </p:spTree>
   </p:cSld>
+  <p:clrMapOvr>
+    <a:masterClrMapping/>
+  </p:clrMapOvr>
 </p:sld>
 </file>
 
@@ -9338,20 +7832,11 @@
           <a:bodyPr/>
           <a:lstStyle/>
           <a:p>
-            <a:pPr lvl="0" marL="0" indent="0">
+            <a:pPr marL="0" lvl="0" indent="0">
               <a:buNone/>
             </a:pPr>
             <a:r>
-              <a:rPr/>
-              <a:t>Comparing</a:t>
-            </a:r>
-            <a:r>
-              <a:rPr/>
-              <a:t> </a:t>
-            </a:r>
-            <a:r>
-              <a:rPr/>
-              <a:t>means</a:t>
+              <a:t>Comparing means</a:t>
             </a:r>
           </a:p>
         </p:txBody>
@@ -9377,39 +7862,34 @@
           <a:bodyPr/>
           <a:lstStyle/>
           <a:p>
-            <a:pPr lvl="0" marL="0" indent="0">
+            <a:pPr marL="0" lvl="0" indent="0">
               <a:buNone/>
             </a:pPr>
             <a:r>
-              <a:rPr/>
               <a:t>It all starts with a hypothesis</a:t>
             </a:r>
           </a:p>
           <a:p>
             <a:pPr lvl="1"/>
             <a:r>
-              <a:rPr/>
               <a:t>Null hypothesis</a:t>
             </a:r>
           </a:p>
           <a:p>
             <a:pPr lvl="2"/>
             <a:r>
-              <a:rPr/>
               <a:t>“There is no difference in mean height between men and women”</a:t>
             </a:r>
           </a:p>
           <a:p>
             <a:pPr lvl="1"/>
             <a:r>
-              <a:rPr/>
               <a:t>Alternate hypothesis</a:t>
             </a:r>
           </a:p>
           <a:p>
             <a:pPr lvl="2"/>
             <a:r>
-              <a:rPr/>
               <a:t>“There is a difference in mean height between men and women”</a:t>
             </a:r>
           </a:p>
@@ -9417,6 +7897,9 @@
       </p:sp>
     </p:spTree>
   </p:cSld>
+  <p:clrMapOvr>
+    <a:masterClrMapping/>
+  </p:clrMapOvr>
 </p:sld>
 </file>
 
@@ -9458,36 +7941,11 @@
           <a:bodyPr/>
           <a:lstStyle/>
           <a:p>
-            <a:pPr lvl="0" marL="0" indent="0">
+            <a:pPr marL="0" lvl="0" indent="0">
               <a:buNone/>
             </a:pPr>
             <a:r>
-              <a:rPr/>
-              <a:t>More</a:t>
-            </a:r>
-            <a:r>
-              <a:rPr/>
-              <a:t> </a:t>
-            </a:r>
-            <a:r>
-              <a:rPr/>
-              <a:t>on</a:t>
-            </a:r>
-            <a:r>
-              <a:rPr/>
-              <a:t> </a:t>
-            </a:r>
-            <a:r>
-              <a:rPr/>
-              <a:t>hypothesis</a:t>
-            </a:r>
-            <a:r>
-              <a:rPr/>
-              <a:t> </a:t>
-            </a:r>
-            <a:r>
-              <a:rPr/>
-              <a:t>testing</a:t>
+              <a:t>More on hypothesis testing</a:t>
             </a:r>
           </a:p>
         </p:txBody>
@@ -9515,35 +7973,30 @@
           <a:p>
             <a:pPr lvl="1"/>
             <a:r>
-              <a:rPr/>
               <a:t>The null hypothesis (H0) assumes that the true mean difference (μd) is equal to zero.</a:t>
             </a:r>
           </a:p>
           <a:p>
             <a:pPr lvl="1"/>
             <a:r>
-              <a:rPr/>
               <a:t>The two-tailed alternative hypothesis (H1) assumes that μd is not equal to zero.</a:t>
             </a:r>
           </a:p>
           <a:p>
             <a:pPr lvl="1"/>
             <a:r>
-              <a:rPr/>
               <a:t>The upper-tailed alternative hypothesis (H1) assumes that μd is greater than zero.</a:t>
             </a:r>
           </a:p>
           <a:p>
             <a:pPr lvl="1"/>
             <a:r>
-              <a:rPr/>
               <a:t>The lower-tailed alternative hypothesis (H1) assumes that μd is less than zero.</a:t>
             </a:r>
           </a:p>
           <a:p>
             <a:pPr lvl="1"/>
             <a:r>
-              <a:rPr/>
               <a:t>Remember: hypotheses are never about data, they are about the processes which produce the data. The value of μd is unknown. The goal of hypothesis testing is to determine the hypothesis (null or alternative) with which the data are more consistent.</a:t>
             </a:r>
           </a:p>
@@ -9551,6 +8004,9 @@
       </p:sp>
     </p:spTree>
   </p:cSld>
+  <p:clrMapOvr>
+    <a:masterClrMapping/>
+  </p:clrMapOvr>
 </p:sld>
 </file>
 
@@ -9592,183 +8048,173 @@
           <a:bodyPr/>
           <a:lstStyle/>
           <a:p>
-            <a:pPr lvl="0" marL="0" indent="0">
+            <a:pPr marL="0" lvl="0" indent="0">
               <a:buNone/>
             </a:pPr>
             <a:r>
-              <a:rPr/>
-              <a:t>Comparing</a:t>
-            </a:r>
-            <a:r>
-              <a:rPr/>
+              <a:t>Comparing means</a:t>
+            </a:r>
+          </a:p>
+        </p:txBody>
+      </p:sp>
+      <p:sp>
+        <p:nvSpPr>
+          <p:cNvPr id="3" name="Content Placeholder 2">
+            <a:extLst>
+              <a:ext uri="{FF2B5EF4-FFF2-40B4-BE49-F238E27FC236}">
+                <a16:creationId xmlns:a16="http://schemas.microsoft.com/office/drawing/2014/main" id="{D10DDA37-E46B-B641-BC9F-636CB92A2C08}"/>
+              </a:ext>
+            </a:extLst>
+          </p:cNvPr>
+          <p:cNvSpPr>
+            <a:spLocks noGrp="1"/>
+          </p:cNvSpPr>
+          <p:nvPr>
+            <p:ph idx="1"/>
+          </p:nvPr>
+        </p:nvSpPr>
+        <p:spPr/>
+        <p:txBody>
+          <a:bodyPr/>
+          <a:lstStyle/>
+          <a:p>
+            <a:pPr marL="0" lvl="0" indent="0">
+              <a:buNone/>
+            </a:pPr>
+            <a:r>
+              <a:t>Is there a difference between the heights of males and females?</a:t>
+            </a:r>
+          </a:p>
+          <a:p>
+            <a:pPr marL="1270000" lvl="0" indent="0">
+              <a:buNone/>
+            </a:pPr>
+            <a:r>
+              <a:rPr sz="1800">
+                <a:latin typeface="Courier"/>
+              </a:rPr>
+              <a:t>cchic </a:t>
+            </a:r>
+            <a:r>
+              <a:rPr sz="1800">
+                <a:solidFill>
+                  <a:srgbClr val="666666"/>
+                </a:solidFill>
+                <a:latin typeface="Courier"/>
+              </a:rPr>
+              <a:t>%&gt;%</a:t>
+            </a:r>
+            <a:br/>
+            <a:r>
+              <a:rPr sz="1800">
+                <a:solidFill>
+                  <a:srgbClr val="4070A0"/>
+                </a:solidFill>
+                <a:latin typeface="Courier"/>
+              </a:rPr>
+              <a:t>  </a:t>
+            </a:r>
+            <a:r>
+              <a:rPr sz="1800" b="1">
+                <a:solidFill>
+                  <a:srgbClr val="007020"/>
+                </a:solidFill>
+                <a:latin typeface="Courier"/>
+              </a:rPr>
+              <a:t>group_by</a:t>
+            </a:r>
+            <a:r>
+              <a:rPr sz="1800">
+                <a:latin typeface="Courier"/>
+              </a:rPr>
+              <a:t>(sex) </a:t>
+            </a:r>
+            <a:r>
+              <a:rPr sz="1800">
+                <a:solidFill>
+                  <a:srgbClr val="666666"/>
+                </a:solidFill>
+                <a:latin typeface="Courier"/>
+              </a:rPr>
+              <a:t>%&gt;%</a:t>
+            </a:r>
+            <a:br/>
+            <a:r>
+              <a:rPr sz="1800">
+                <a:solidFill>
+                  <a:srgbClr val="4070A0"/>
+                </a:solidFill>
+                <a:latin typeface="Courier"/>
+              </a:rPr>
+              <a:t>  </a:t>
+            </a:r>
+            <a:r>
+              <a:rPr sz="1800" b="1">
+                <a:solidFill>
+                  <a:srgbClr val="007020"/>
+                </a:solidFill>
+                <a:latin typeface="Courier"/>
+              </a:rPr>
+              <a:t>summarise</a:t>
+            </a:r>
+            <a:r>
+              <a:rPr sz="1800">
+                <a:latin typeface="Courier"/>
+              </a:rPr>
+              <a:t>(</a:t>
+            </a:r>
+            <a:r>
+              <a:rPr sz="1800">
+                <a:solidFill>
+                  <a:srgbClr val="902000"/>
+                </a:solidFill>
+                <a:latin typeface="Courier"/>
+              </a:rPr>
+              <a:t>av.height =</a:t>
+            </a:r>
+            <a:r>
+              <a:rPr sz="1800">
+                <a:latin typeface="Courier"/>
+              </a:rPr>
               <a:t> </a:t>
             </a:r>
             <a:r>
-              <a:rPr/>
-              <a:t>means</a:t>
-            </a:r>
-          </a:p>
-        </p:txBody>
-      </p:sp>
-      <p:sp>
-        <p:nvSpPr>
-          <p:cNvPr id="3" name="Content Placeholder 2">
-            <a:extLst>
-              <a:ext uri="{FF2B5EF4-FFF2-40B4-BE49-F238E27FC236}">
-                <a16:creationId xmlns:a16="http://schemas.microsoft.com/office/drawing/2014/main" id="{D10DDA37-E46B-B641-BC9F-636CB92A2C08}"/>
-              </a:ext>
-            </a:extLst>
-          </p:cNvPr>
-          <p:cNvSpPr>
-            <a:spLocks noGrp="1"/>
-          </p:cNvSpPr>
-          <p:nvPr>
-            <p:ph idx="1"/>
-          </p:nvPr>
-        </p:nvSpPr>
-        <p:spPr/>
-        <p:txBody>
-          <a:bodyPr/>
-          <a:lstStyle/>
-          <a:p>
-            <a:pPr lvl="0" marL="0" indent="0">
-              <a:buNone/>
-            </a:pPr>
-            <a:r>
-              <a:rPr/>
-              <a:t>Is there a difference between the heights of males and females?</a:t>
-            </a:r>
-          </a:p>
-          <a:p>
-            <a:pPr lvl="0" marL="1270000" indent="0">
-              <a:buNone/>
-            </a:pPr>
-            <a:r>
-              <a:rPr sz="1800">
-                <a:latin typeface="Courier"/>
-              </a:rPr>
-              <a:t>cchic </a:t>
-            </a:r>
-            <a:r>
-              <a:rPr sz="1800">
-                <a:solidFill>
-                  <a:srgbClr val="666666"/>
-                </a:solidFill>
-                <a:latin typeface="Courier"/>
-              </a:rPr>
-              <a:t>%&gt;%</a:t>
-            </a:r>
-            <a:br/>
-            <a:r>
-              <a:rPr sz="1800">
-                <a:solidFill>
-                  <a:srgbClr val="4070A0"/>
-                </a:solidFill>
-                <a:latin typeface="Courier"/>
-              </a:rPr>
-              <a:t>  </a:t>
-            </a:r>
-            <a:r>
               <a:rPr sz="1800" b="1">
                 <a:solidFill>
                   <a:srgbClr val="007020"/>
                 </a:solidFill>
                 <a:latin typeface="Courier"/>
               </a:rPr>
-              <a:t>group_by</a:t>
-            </a:r>
-            <a:r>
-              <a:rPr sz="1800">
-                <a:latin typeface="Courier"/>
-              </a:rPr>
-              <a:t>(sex) </a:t>
-            </a:r>
-            <a:r>
-              <a:rPr sz="1800">
-                <a:solidFill>
-                  <a:srgbClr val="666666"/>
-                </a:solidFill>
-                <a:latin typeface="Courier"/>
-              </a:rPr>
-              <a:t>%&gt;%</a:t>
-            </a:r>
-            <a:br/>
-            <a:r>
-              <a:rPr sz="1800">
-                <a:solidFill>
-                  <a:srgbClr val="4070A0"/>
-                </a:solidFill>
-                <a:latin typeface="Courier"/>
-              </a:rPr>
-              <a:t>  </a:t>
-            </a:r>
-            <a:r>
-              <a:rPr sz="1800" b="1">
+              <a:t>mean</a:t>
+            </a:r>
+            <a:r>
+              <a:rPr sz="1800">
+                <a:latin typeface="Courier"/>
+              </a:rPr>
+              <a:t>(height, </a:t>
+            </a:r>
+            <a:r>
+              <a:rPr sz="1800">
+                <a:solidFill>
+                  <a:srgbClr val="902000"/>
+                </a:solidFill>
+                <a:latin typeface="Courier"/>
+              </a:rPr>
+              <a:t>na.rm =</a:t>
+            </a:r>
+            <a:r>
+              <a:rPr sz="1800">
+                <a:latin typeface="Courier"/>
+              </a:rPr>
+              <a:t> </a:t>
+            </a:r>
+            <a:r>
+              <a:rPr sz="1800">
                 <a:solidFill>
                   <a:srgbClr val="007020"/>
                 </a:solidFill>
                 <a:latin typeface="Courier"/>
               </a:rPr>
-              <a:t>summarise</a:t>
-            </a:r>
-            <a:r>
-              <a:rPr sz="1800">
-                <a:latin typeface="Courier"/>
-              </a:rPr>
-              <a:t>(</a:t>
-            </a:r>
-            <a:r>
-              <a:rPr sz="1800">
-                <a:solidFill>
-                  <a:srgbClr val="902000"/>
-                </a:solidFill>
-                <a:latin typeface="Courier"/>
-              </a:rPr>
-              <a:t>av.height =</a:t>
-            </a:r>
-            <a:r>
-              <a:rPr sz="1800">
-                <a:latin typeface="Courier"/>
-              </a:rPr>
-              <a:t> </a:t>
-            </a:r>
-            <a:r>
-              <a:rPr sz="1800" b="1">
-                <a:solidFill>
-                  <a:srgbClr val="007020"/>
-                </a:solidFill>
-                <a:latin typeface="Courier"/>
-              </a:rPr>
-              <a:t>mean</a:t>
-            </a:r>
-            <a:r>
-              <a:rPr sz="1800">
-                <a:latin typeface="Courier"/>
-              </a:rPr>
-              <a:t>(height, </a:t>
-            </a:r>
-            <a:r>
-              <a:rPr sz="1800">
-                <a:solidFill>
-                  <a:srgbClr val="902000"/>
-                </a:solidFill>
-                <a:latin typeface="Courier"/>
-              </a:rPr>
-              <a:t>na.rm =</a:t>
-            </a:r>
-            <a:r>
-              <a:rPr sz="1800">
-                <a:latin typeface="Courier"/>
-              </a:rPr>
-              <a:t> </a:t>
-            </a:r>
-            <a:r>
-              <a:rPr sz="1800">
-                <a:solidFill>
-                  <a:srgbClr val="007020"/>
-                </a:solidFill>
-                <a:latin typeface="Courier"/>
-              </a:rPr>
               <a:t>TRUE</a:t>
             </a:r>
             <a:r>
@@ -9779,7 +8225,7 @@
             </a:r>
           </a:p>
           <a:p>
-            <a:pPr lvl="0" marL="1270000" indent="0">
+            <a:pPr marL="1270000" lvl="0" indent="0">
               <a:buNone/>
             </a:pPr>
             <a:r>
@@ -9794,11 +8240,10 @@
             </a:r>
           </a:p>
           <a:p>
-            <a:pPr lvl="0" marL="0" indent="0">
+            <a:pPr marL="0" lvl="0" indent="0">
               <a:buNone/>
             </a:pPr>
             <a:r>
-              <a:rPr/>
               <a:t>Is the difference between heights statistically significant?</a:t>
             </a:r>
           </a:p>
@@ -9806,6 +8251,9 @@
       </p:sp>
     </p:spTree>
   </p:cSld>
+  <p:clrMapOvr>
+    <a:masterClrMapping/>
+  </p:clrMapOvr>
 </p:sld>
 </file>
 
@@ -9847,11 +8295,10 @@
           <a:bodyPr/>
           <a:lstStyle/>
           <a:p>
-            <a:pPr lvl="0" marL="0" indent="0">
+            <a:pPr marL="0" lvl="0" indent="0">
               <a:buNone/>
             </a:pPr>
             <a:r>
-              <a:rPr/>
               <a:t>Content</a:t>
             </a:r>
           </a:p>
@@ -9880,28 +8327,24 @@
           <a:p>
             <a:pPr lvl="1"/>
             <a:r>
-              <a:rPr/>
               <a:t>Types of Data</a:t>
             </a:r>
           </a:p>
           <a:p>
             <a:pPr lvl="1"/>
             <a:r>
-              <a:rPr/>
               <a:t>Exploring your dataset</a:t>
             </a:r>
           </a:p>
           <a:p>
             <a:pPr lvl="1"/>
             <a:r>
-              <a:rPr/>
               <a:t>Descriptive Statistics</a:t>
             </a:r>
           </a:p>
           <a:p>
             <a:pPr lvl="1"/>
             <a:r>
-              <a:rPr/>
               <a:t>Inferential Statistics</a:t>
             </a:r>
           </a:p>
@@ -9909,6 +8352,9 @@
       </p:sp>
     </p:spTree>
   </p:cSld>
+  <p:clrMapOvr>
+    <a:masterClrMapping/>
+  </p:clrMapOvr>
 </p:sld>
 </file>
 
@@ -9950,11 +8396,10 @@
           <a:bodyPr/>
           <a:lstStyle/>
           <a:p>
-            <a:pPr lvl="0" marL="0" indent="0">
+            <a:pPr marL="0" lvl="0" indent="0">
               <a:buNone/>
             </a:pPr>
             <a:r>
-              <a:rPr/>
               <a:t>t-test</a:t>
             </a:r>
           </a:p>
@@ -9983,14 +8428,12 @@
           <a:p>
             <a:pPr lvl="1"/>
             <a:r>
-              <a:rPr/>
               <a:t>Compares means between two populations</a:t>
             </a:r>
           </a:p>
           <a:p>
             <a:pPr lvl="1"/>
             <a:r>
-              <a:rPr/>
               <a:t>Paired vs. Unpaired</a:t>
             </a:r>
           </a:p>
@@ -9998,7 +8441,7 @@
       </p:sp>
       <p:pic>
         <p:nvPicPr>
-          <p:cNvPr descr="../Images/Ttest.png" id="0" name="Picture 1"/>
+          <p:cNvPr id="4" name="Picture 1" descr="../Images/Ttest.png"/>
           <p:cNvPicPr>
             <a:picLocks noGrp="1" noChangeAspect="1"/>
           </p:cNvPicPr>
@@ -10028,6 +8471,9 @@
       </p:pic>
     </p:spTree>
   </p:cSld>
+  <p:clrMapOvr>
+    <a:masterClrMapping/>
+  </p:clrMapOvr>
 </p:sld>
 </file>
 
@@ -10069,36 +8515,11 @@
           <a:bodyPr/>
           <a:lstStyle/>
           <a:p>
-            <a:pPr lvl="0" marL="0" indent="0">
+            <a:pPr marL="0" lvl="0" indent="0">
               <a:buNone/>
             </a:pPr>
             <a:r>
-              <a:rPr/>
-              <a:t>Assumptions</a:t>
-            </a:r>
-            <a:r>
-              <a:rPr/>
-              <a:t> </a:t>
-            </a:r>
-            <a:r>
-              <a:rPr/>
-              <a:t>of</a:t>
-            </a:r>
-            <a:r>
-              <a:rPr/>
-              <a:t> </a:t>
-            </a:r>
-            <a:r>
-              <a:rPr/>
-              <a:t>a</a:t>
-            </a:r>
-            <a:r>
-              <a:rPr/>
-              <a:t> </a:t>
-            </a:r>
-            <a:r>
-              <a:rPr/>
-              <a:t>t-test</a:t>
+              <a:t>Assumptions of a t-test</a:t>
             </a:r>
           </a:p>
         </p:txBody>
@@ -10126,21 +8547,18 @@
           <a:p>
             <a:pPr lvl="1"/>
             <a:r>
-              <a:rPr/>
               <a:t>One independent categorical variable with 2 groups and one dependent continuous variable</a:t>
             </a:r>
           </a:p>
           <a:p>
             <a:pPr lvl="1"/>
             <a:r>
-              <a:rPr/>
               <a:t>The dependent variable is approximately normally distributed in each group</a:t>
             </a:r>
           </a:p>
           <a:p>
             <a:pPr lvl="1"/>
             <a:r>
-              <a:rPr/>
               <a:t>The observations are independent of each other</a:t>
             </a:r>
           </a:p>
@@ -10148,6 +8566,9 @@
       </p:sp>
     </p:spTree>
   </p:cSld>
+  <p:clrMapOvr>
+    <a:masterClrMapping/>
+  </p:clrMapOvr>
 </p:sld>
 </file>
 
@@ -10189,28 +8610,11 @@
           <a:bodyPr/>
           <a:lstStyle/>
           <a:p>
-            <a:pPr lvl="0" marL="0" indent="0">
+            <a:pPr marL="0" lvl="0" indent="0">
               <a:buNone/>
             </a:pPr>
             <a:r>
-              <a:rPr/>
-              <a:t>Doing</a:t>
-            </a:r>
-            <a:r>
-              <a:rPr/>
-              <a:t> </a:t>
-            </a:r>
-            <a:r>
-              <a:rPr/>
-              <a:t>a</a:t>
-            </a:r>
-            <a:r>
-              <a:rPr/>
-              <a:t> </a:t>
-            </a:r>
-            <a:r>
-              <a:rPr/>
-              <a:t>t-test</a:t>
+              <a:t>Doing a t-test</a:t>
             </a:r>
           </a:p>
         </p:txBody>
@@ -10236,7 +8640,7 @@
           <a:bodyPr/>
           <a:lstStyle/>
           <a:p>
-            <a:pPr lvl="0" marL="1270000" indent="0">
+            <a:pPr marL="1270000" lvl="0" indent="0">
               <a:buNone/>
             </a:pPr>
             <a:r>
@@ -10298,6 +8702,9 @@
       </p:sp>
     </p:spTree>
   </p:cSld>
+  <p:clrMapOvr>
+    <a:masterClrMapping/>
+  </p:clrMapOvr>
 </p:sld>
 </file>
 
@@ -10339,28 +8746,11 @@
           <a:bodyPr/>
           <a:lstStyle/>
           <a:p>
-            <a:pPr lvl="0" marL="0" indent="0">
+            <a:pPr marL="0" lvl="0" indent="0">
               <a:buNone/>
             </a:pPr>
             <a:r>
-              <a:rPr/>
-              <a:t>Doing</a:t>
-            </a:r>
-            <a:r>
-              <a:rPr/>
-              <a:t> </a:t>
-            </a:r>
-            <a:r>
-              <a:rPr/>
-              <a:t>the</a:t>
-            </a:r>
-            <a:r>
-              <a:rPr/>
-              <a:t> </a:t>
-            </a:r>
-            <a:r>
-              <a:rPr/>
-              <a:t>t-test</a:t>
+              <a:t>Doing the t-test</a:t>
             </a:r>
           </a:p>
         </p:txBody>
@@ -10386,7 +8776,7 @@
           <a:bodyPr/>
           <a:lstStyle/>
           <a:p>
-            <a:pPr lvl="0" marL="1270000" indent="0">
+            <a:pPr marL="1270000" lvl="0" indent="0">
               <a:buNone/>
             </a:pPr>
             <a:r>
@@ -10410,6 +8800,9 @@
       </p:sp>
     </p:spTree>
   </p:cSld>
+  <p:clrMapOvr>
+    <a:masterClrMapping/>
+  </p:clrMapOvr>
 </p:sld>
 </file>
 
@@ -10451,20 +8844,11 @@
           <a:bodyPr/>
           <a:lstStyle/>
           <a:p>
-            <a:pPr lvl="0" marL="0" indent="0">
+            <a:pPr marL="0" lvl="0" indent="0">
               <a:buNone/>
             </a:pPr>
             <a:r>
-              <a:rPr/>
-              <a:t>Comparing</a:t>
-            </a:r>
-            <a:r>
-              <a:rPr/>
-              <a:t> </a:t>
-            </a:r>
-            <a:r>
-              <a:rPr/>
-              <a:t>counts</a:t>
+              <a:t>Comparing counts</a:t>
             </a:r>
           </a:p>
         </p:txBody>
@@ -10492,12 +8876,11 @@
           <a:p>
             <a:pPr lvl="1"/>
             <a:r>
-              <a:rPr/>
               <a:t>Is survival different between genders?</a:t>
             </a:r>
           </a:p>
           <a:p>
-            <a:pPr lvl="0" marL="1270000" indent="0">
+            <a:pPr marL="1270000" lvl="0" indent="0">
               <a:buNone/>
             </a:pPr>
             <a:r>
@@ -10547,7 +8930,7 @@
             </a:r>
           </a:p>
           <a:p>
-            <a:pPr lvl="0" marL="1270000" indent="0">
+            <a:pPr marL="1270000" lvl="0" indent="0">
               <a:buNone/>
             </a:pPr>
             <a:r>
@@ -10564,6 +8947,9 @@
       </p:sp>
     </p:spTree>
   </p:cSld>
+  <p:clrMapOvr>
+    <a:masterClrMapping/>
+  </p:clrMapOvr>
 </p:sld>
 </file>
 
@@ -10605,36 +8991,11 @@
           <a:bodyPr/>
           <a:lstStyle/>
           <a:p>
-            <a:pPr lvl="0" marL="0" indent="0">
+            <a:pPr marL="0" lvl="0" indent="0">
               <a:buNone/>
             </a:pPr>
             <a:r>
-              <a:rPr/>
-              <a:t>What</a:t>
-            </a:r>
-            <a:r>
-              <a:rPr/>
-              <a:t> </a:t>
-            </a:r>
-            <a:r>
-              <a:rPr/>
-              <a:t>is</a:t>
-            </a:r>
-            <a:r>
-              <a:rPr/>
-              <a:t> </a:t>
-            </a:r>
-            <a:r>
-              <a:rPr/>
-              <a:t>our</a:t>
-            </a:r>
-            <a:r>
-              <a:rPr/>
-              <a:t> </a:t>
-            </a:r>
-            <a:r>
-              <a:rPr/>
-              <a:t>hypothesis?</a:t>
+              <a:t>What is our hypothesis?</a:t>
             </a:r>
           </a:p>
         </p:txBody>
@@ -10662,28 +9023,24 @@
           <a:p>
             <a:pPr lvl="1"/>
             <a:r>
-              <a:rPr/>
               <a:t>Null hypothesis</a:t>
             </a:r>
           </a:p>
           <a:p>
             <a:pPr lvl="2"/>
             <a:r>
-              <a:rPr/>
               <a:t>There is no difference in survival between men and women</a:t>
             </a:r>
           </a:p>
           <a:p>
             <a:pPr lvl="1"/>
             <a:r>
-              <a:rPr/>
               <a:t>Alternate hypothesis</a:t>
             </a:r>
           </a:p>
           <a:p>
             <a:pPr lvl="2"/>
             <a:r>
-              <a:rPr/>
               <a:t>There is a difference in survival between men and women</a:t>
             </a:r>
           </a:p>
@@ -10691,6 +9048,9 @@
       </p:sp>
     </p:spTree>
   </p:cSld>
+  <p:clrMapOvr>
+    <a:masterClrMapping/>
+  </p:clrMapOvr>
 </p:sld>
 </file>
 
@@ -10732,44 +9092,11 @@
           <a:bodyPr/>
           <a:lstStyle/>
           <a:p>
-            <a:pPr lvl="0" marL="0" indent="0">
+            <a:pPr marL="0" lvl="0" indent="0">
               <a:buNone/>
             </a:pPr>
             <a:r>
-              <a:rPr/>
-              <a:t>Assumptions</a:t>
-            </a:r>
-            <a:r>
-              <a:rPr/>
-              <a:t> </a:t>
-            </a:r>
-            <a:r>
-              <a:rPr/>
-              <a:t>of</a:t>
-            </a:r>
-            <a:r>
-              <a:rPr/>
-              <a:t> </a:t>
-            </a:r>
-            <a:r>
-              <a:rPr/>
-              <a:t>the</a:t>
-            </a:r>
-            <a:r>
-              <a:rPr/>
-              <a:t> </a:t>
-            </a:r>
-            <a:r>
-              <a:rPr/>
-              <a:t>chi-squared</a:t>
-            </a:r>
-            <a:r>
-              <a:rPr/>
-              <a:t> </a:t>
-            </a:r>
-            <a:r>
-              <a:rPr/>
-              <a:t>test.</a:t>
+              <a:t>Assumptions of the chi-squared test.</a:t>
             </a:r>
           </a:p>
         </p:txBody>
@@ -10799,7 +9126,6 @@
               <a:buAutoNum type="arabicPeriod"/>
             </a:pPr>
             <a:r>
-              <a:rPr/>
               <a:t>Data in cells should be frequencies or counts </a:t>
             </a:r>
             <a:r>
@@ -10807,7 +9133,6 @@
               <a:t>not</a:t>
             </a:r>
             <a:r>
-              <a:rPr/>
               <a:t> percentages</a:t>
             </a:r>
           </a:p>
@@ -10816,7 +9141,6 @@
               <a:buAutoNum type="arabicPeriod"/>
             </a:pPr>
             <a:r>
-              <a:rPr/>
               <a:t>Levels/Categories are mutually exclusive – here being a alive/dead applies</a:t>
             </a:r>
           </a:p>
@@ -10825,7 +9149,6 @@
               <a:buAutoNum type="arabicPeriod"/>
             </a:pPr>
             <a:r>
-              <a:rPr/>
               <a:t>Each subject contributes to one cell – can either be male/female and alive/dead</a:t>
             </a:r>
           </a:p>
@@ -10834,7 +9157,6 @@
               <a:buAutoNum type="arabicPeriod"/>
             </a:pPr>
             <a:r>
-              <a:rPr/>
               <a:t>Independent study groups</a:t>
             </a:r>
           </a:p>
@@ -10843,7 +9165,6 @@
               <a:buAutoNum type="arabicPeriod"/>
             </a:pPr>
             <a:r>
-              <a:rPr/>
               <a:t>2 categorical variables</a:t>
             </a:r>
           </a:p>
@@ -10852,12 +9173,11 @@
               <a:buAutoNum type="arabicPeriod"/>
             </a:pPr>
             <a:r>
-              <a:rPr/>
               <a:t>Values in each cell should be 5+</a:t>
             </a:r>
           </a:p>
           <a:p>
-            <a:pPr lvl="0" marL="0" indent="0">
+            <a:pPr marL="0" lvl="0" indent="0">
               <a:buNone/>
             </a:pPr>
             <a:r>
@@ -10871,6 +9191,9 @@
       </p:sp>
     </p:spTree>
   </p:cSld>
+  <p:clrMapOvr>
+    <a:masterClrMapping/>
+  </p:clrMapOvr>
 </p:sld>
 </file>
 
@@ -10912,36 +9235,11 @@
           <a:bodyPr/>
           <a:lstStyle/>
           <a:p>
-            <a:pPr lvl="0" marL="0" indent="0">
+            <a:pPr marL="0" lvl="0" indent="0">
               <a:buNone/>
             </a:pPr>
             <a:r>
-              <a:rPr/>
-              <a:t>Doing</a:t>
-            </a:r>
-            <a:r>
-              <a:rPr/>
-              <a:t> </a:t>
-            </a:r>
-            <a:r>
-              <a:rPr/>
-              <a:t>the</a:t>
-            </a:r>
-            <a:r>
-              <a:rPr/>
-              <a:t> </a:t>
-            </a:r>
-            <a:r>
-              <a:rPr/>
-              <a:t>chi-squared</a:t>
-            </a:r>
-            <a:r>
-              <a:rPr/>
-              <a:t> </a:t>
-            </a:r>
-            <a:r>
-              <a:rPr/>
-              <a:t>test.</a:t>
+              <a:t>Doing the chi-squared test.</a:t>
             </a:r>
           </a:p>
         </p:txBody>
@@ -10967,11 +9265,10 @@
           <a:bodyPr/>
           <a:lstStyle/>
           <a:p>
-            <a:pPr lvl="0" marL="0" indent="0">
+            <a:pPr marL="0" lvl="0" indent="0">
               <a:buNone/>
             </a:pPr>
             <a:r>
-              <a:rPr/>
               <a:t>Start with </a:t>
             </a:r>
             <a:r>
@@ -10981,12 +9278,11 @@
               <a:t>?chisq.test</a:t>
             </a:r>
             <a:r>
-              <a:rPr/>
               <a:t>. Then do the test.</a:t>
             </a:r>
           </a:p>
           <a:p>
-            <a:pPr lvl="0" marL="1270000" indent="0">
+            <a:pPr marL="1270000" lvl="0" indent="0">
               <a:buNone/>
             </a:pPr>
             <a:r>
@@ -11036,7 +9332,7 @@
             </a:r>
           </a:p>
           <a:p>
-            <a:pPr lvl="0" marL="1270000" indent="0">
+            <a:pPr marL="1270000" lvl="0" indent="0">
               <a:buNone/>
             </a:pPr>
             <a:r>
@@ -11054,6 +9350,9 @@
       </p:sp>
     </p:spTree>
   </p:cSld>
+  <p:clrMapOvr>
+    <a:masterClrMapping/>
+  </p:clrMapOvr>
 </p:sld>
 </file>
 
@@ -11095,28 +9394,11 @@
           <a:bodyPr/>
           <a:lstStyle/>
           <a:p>
-            <a:pPr lvl="0" marL="0" indent="0">
+            <a:pPr marL="0" lvl="0" indent="0">
               <a:buNone/>
             </a:pPr>
             <a:r>
-              <a:rPr/>
-              <a:t>Non</a:t>
-            </a:r>
-            <a:r>
-              <a:rPr/>
-              <a:t> </a:t>
-            </a:r>
-            <a:r>
-              <a:rPr/>
-              <a:t>paramteric</a:t>
-            </a:r>
-            <a:r>
-              <a:rPr/>
-              <a:t> </a:t>
-            </a:r>
-            <a:r>
-              <a:rPr/>
-              <a:t>versions</a:t>
+              <a:t>Non paramteric versions</a:t>
             </a:r>
           </a:p>
         </p:txBody>
@@ -11142,16 +9424,15 @@
           <a:bodyPr/>
           <a:lstStyle/>
           <a:p>
-            <a:pPr lvl="0" marL="0" indent="0">
+            <a:pPr marL="0" lvl="0" indent="0">
               <a:buNone/>
             </a:pPr>
             <a:r>
-              <a:rPr/>
               <a:t>Is length of stay different between genders?</a:t>
             </a:r>
           </a:p>
           <a:p>
-            <a:pPr lvl="0" marL="1270000" indent="0">
+            <a:pPr marL="1270000" lvl="0" indent="0">
               <a:buNone/>
             </a:pPr>
             <a:r>
@@ -11302,6 +9583,9 @@
       </p:sp>
     </p:spTree>
   </p:cSld>
+  <p:clrMapOvr>
+    <a:masterClrMapping/>
+  </p:clrMapOvr>
 </p:sld>
 </file>
 
@@ -11324,7 +9608,7 @@
       </p:grpSpPr>
       <p:pic>
         <p:nvPicPr>
-          <p:cNvPr descr="Workshop6_files/figure-pptx/unnamed-chunk-16-1.png" id="0" name="Picture 1"/>
+          <p:cNvPr id="2" name="Picture 1" descr="Workshop6_files/figure-pptx/unnamed-chunk-16-1.png"/>
           <p:cNvPicPr>
             <a:picLocks noGrp="1" noChangeAspect="1"/>
           </p:cNvPicPr>
@@ -11354,6 +9638,9 @@
       </p:pic>
     </p:spTree>
   </p:cSld>
+  <p:clrMapOvr>
+    <a:masterClrMapping/>
+  </p:clrMapOvr>
 </p:sld>
 </file>
 
@@ -11395,11 +9682,10 @@
           <a:bodyPr/>
           <a:lstStyle/>
           <a:p>
-            <a:pPr lvl="0" marL="0" indent="0">
+            <a:pPr marL="0" lvl="0" indent="0">
               <a:buNone/>
             </a:pPr>
             <a:r>
-              <a:rPr/>
               <a:t>Wait!</a:t>
             </a:r>
           </a:p>
@@ -11428,7 +9714,6 @@
           <a:p>
             <a:pPr lvl="1"/>
             <a:r>
-              <a:rPr/>
               <a:t>Make sure </a:t>
             </a:r>
             <a:r>
@@ -11438,14 +9723,12 @@
               <a:t>cchic</a:t>
             </a:r>
             <a:r>
-              <a:rPr/>
               <a:t> R dataframe from your work yesterday is loaded</a:t>
             </a:r>
           </a:p>
           <a:p>
             <a:pPr lvl="1"/>
             <a:r>
-              <a:rPr/>
               <a:t>Ensure this includes the variables you created including </a:t>
             </a:r>
             <a:r>
@@ -11459,6 +9742,9 @@
       </p:sp>
     </p:spTree>
   </p:cSld>
+  <p:clrMapOvr>
+    <a:masterClrMapping/>
+  </p:clrMapOvr>
 </p:sld>
 </file>
 
@@ -11500,60 +9786,11 @@
           <a:bodyPr/>
           <a:lstStyle/>
           <a:p>
-            <a:pPr lvl="0" marL="0" indent="0">
+            <a:pPr marL="0" lvl="0" indent="0">
               <a:buNone/>
             </a:pPr>
             <a:r>
-              <a:rPr/>
-              <a:t>When</a:t>
-            </a:r>
-            <a:r>
-              <a:rPr/>
-              <a:t> </a:t>
-            </a:r>
-            <a:r>
-              <a:rPr/>
-              <a:t>do</a:t>
-            </a:r>
-            <a:r>
-              <a:rPr/>
-              <a:t> </a:t>
-            </a:r>
-            <a:r>
-              <a:rPr/>
-              <a:t>you</a:t>
-            </a:r>
-            <a:r>
-              <a:rPr/>
-              <a:t> </a:t>
-            </a:r>
-            <a:r>
-              <a:rPr/>
-              <a:t>use</a:t>
-            </a:r>
-            <a:r>
-              <a:rPr/>
-              <a:t> </a:t>
-            </a:r>
-            <a:r>
-              <a:rPr/>
-              <a:t>a</a:t>
-            </a:r>
-            <a:r>
-              <a:rPr/>
-              <a:t> </a:t>
-            </a:r>
-            <a:r>
-              <a:rPr/>
-              <a:t>non-parametric</a:t>
-            </a:r>
-            <a:r>
-              <a:rPr/>
-              <a:t> </a:t>
-            </a:r>
-            <a:r>
-              <a:rPr/>
-              <a:t>test?</a:t>
+              <a:t>When do you use a non-parametric test?</a:t>
             </a:r>
           </a:p>
         </p:txBody>
@@ -11581,42 +9818,36 @@
           <a:p>
             <a:pPr lvl="1"/>
             <a:r>
-              <a:rPr/>
               <a:t>When any of the the following are true.</a:t>
             </a:r>
           </a:p>
           <a:p>
             <a:pPr lvl="2"/>
             <a:r>
-              <a:rPr/>
               <a:t>Level of measurement is nominal or ordinal</a:t>
             </a:r>
           </a:p>
           <a:p>
             <a:pPr lvl="2"/>
             <a:r>
-              <a:rPr/>
               <a:t>Unequal sample sizes</a:t>
             </a:r>
           </a:p>
           <a:p>
             <a:pPr lvl="2"/>
             <a:r>
-              <a:rPr/>
               <a:t>Skewed data</a:t>
             </a:r>
           </a:p>
           <a:p>
             <a:pPr lvl="2"/>
             <a:r>
-              <a:rPr/>
               <a:t>Unequal variance</a:t>
             </a:r>
           </a:p>
           <a:p>
             <a:pPr lvl="2"/>
             <a:r>
-              <a:rPr/>
               <a:t>Continuous data collapsed into small number of categories</a:t>
             </a:r>
           </a:p>
@@ -11624,6 +9855,9 @@
       </p:sp>
     </p:spTree>
   </p:cSld>
+  <p:clrMapOvr>
+    <a:masterClrMapping/>
+  </p:clrMapOvr>
 </p:sld>
 </file>
 
@@ -11665,131 +9899,96 @@
           <a:bodyPr/>
           <a:lstStyle/>
           <a:p>
-            <a:pPr lvl="0" marL="0" indent="0">
+            <a:pPr marL="0" lvl="0" indent="0">
               <a:buNone/>
             </a:pPr>
             <a:r>
-              <a:rPr/>
-              <a:t>Using</a:t>
-            </a:r>
-            <a:r>
-              <a:rPr/>
+              <a:t>Using the Mann Whitney test</a:t>
+            </a:r>
+          </a:p>
+        </p:txBody>
+      </p:sp>
+      <p:sp>
+        <p:nvSpPr>
+          <p:cNvPr id="3" name="Content Placeholder 2">
+            <a:extLst>
+              <a:ext uri="{FF2B5EF4-FFF2-40B4-BE49-F238E27FC236}">
+                <a16:creationId xmlns:a16="http://schemas.microsoft.com/office/drawing/2014/main" id="{D10DDA37-E46B-B641-BC9F-636CB92A2C08}"/>
+              </a:ext>
+            </a:extLst>
+          </p:cNvPr>
+          <p:cNvSpPr>
+            <a:spLocks noGrp="1"/>
+          </p:cNvSpPr>
+          <p:nvPr>
+            <p:ph idx="1"/>
+          </p:nvPr>
+        </p:nvSpPr>
+        <p:spPr/>
+        <p:txBody>
+          <a:bodyPr/>
+          <a:lstStyle/>
+          <a:p>
+            <a:pPr marL="0" lvl="0" indent="0">
+              <a:buNone/>
+            </a:pPr>
+            <a:r>
+              <a:rPr sz="1800">
+                <a:latin typeface="Courier"/>
+              </a:rPr>
+              <a:t>??Mann-Whitney</a:t>
+            </a:r>
+            <a:r>
+              <a:t> will show you that the command is actually called </a:t>
+            </a:r>
+            <a:r>
+              <a:rPr sz="1800">
+                <a:latin typeface="Courier"/>
+              </a:rPr>
+              <a:t>wilcox.test</a:t>
+            </a:r>
+            <a:r>
+              <a:t>.t</a:t>
+            </a:r>
+          </a:p>
+          <a:p>
+            <a:pPr marL="1270000" lvl="0" indent="0">
+              <a:buNone/>
+            </a:pPr>
+            <a:r>
+              <a:rPr sz="1800" b="1">
+                <a:solidFill>
+                  <a:srgbClr val="007020"/>
+                </a:solidFill>
+                <a:latin typeface="Courier"/>
+              </a:rPr>
+              <a:t>wilcox.test</a:t>
+            </a:r>
+            <a:r>
+              <a:rPr sz="1800">
+                <a:latin typeface="Courier"/>
+              </a:rPr>
+              <a:t>(los </a:t>
+            </a:r>
+            <a:r>
+              <a:rPr sz="1800">
+                <a:solidFill>
+                  <a:srgbClr val="666666"/>
+                </a:solidFill>
+                <a:latin typeface="Courier"/>
+              </a:rPr>
+              <a:t>~</a:t>
+            </a:r>
+            <a:r>
+              <a:rPr sz="1800">
+                <a:solidFill>
+                  <a:srgbClr val="4070A0"/>
+                </a:solidFill>
+                <a:latin typeface="Courier"/>
+              </a:rPr>
               <a:t> </a:t>
             </a:r>
             <a:r>
-              <a:rPr/>
-              <a:t>the</a:t>
-            </a:r>
-            <a:r>
-              <a:rPr/>
-              <a:t> </a:t>
-            </a:r>
-            <a:r>
-              <a:rPr/>
-              <a:t>Mann</a:t>
-            </a:r>
-            <a:r>
-              <a:rPr/>
-              <a:t> </a:t>
-            </a:r>
-            <a:r>
-              <a:rPr/>
-              <a:t>Whitney</a:t>
-            </a:r>
-            <a:r>
-              <a:rPr/>
-              <a:t> </a:t>
-            </a:r>
-            <a:r>
-              <a:rPr/>
-              <a:t>test</a:t>
-            </a:r>
-          </a:p>
-        </p:txBody>
-      </p:sp>
-      <p:sp>
-        <p:nvSpPr>
-          <p:cNvPr id="3" name="Content Placeholder 2">
-            <a:extLst>
-              <a:ext uri="{FF2B5EF4-FFF2-40B4-BE49-F238E27FC236}">
-                <a16:creationId xmlns:a16="http://schemas.microsoft.com/office/drawing/2014/main" id="{D10DDA37-E46B-B641-BC9F-636CB92A2C08}"/>
-              </a:ext>
-            </a:extLst>
-          </p:cNvPr>
-          <p:cNvSpPr>
-            <a:spLocks noGrp="1"/>
-          </p:cNvSpPr>
-          <p:nvPr>
-            <p:ph idx="1"/>
-          </p:nvPr>
-        </p:nvSpPr>
-        <p:spPr/>
-        <p:txBody>
-          <a:bodyPr/>
-          <a:lstStyle/>
-          <a:p>
-            <a:pPr lvl="0" marL="0" indent="0">
-              <a:buNone/>
-            </a:pPr>
-            <a:r>
-              <a:rPr sz="1800">
-                <a:latin typeface="Courier"/>
-              </a:rPr>
-              <a:t>??Mann-Whitney</a:t>
-            </a:r>
-            <a:r>
-              <a:rPr/>
-              <a:t> will show you that the command is actually called </a:t>
-            </a:r>
-            <a:r>
-              <a:rPr sz="1800">
-                <a:latin typeface="Courier"/>
-              </a:rPr>
-              <a:t>wilcox.test</a:t>
-            </a:r>
-            <a:r>
-              <a:rPr/>
-              <a:t>.t</a:t>
-            </a:r>
-          </a:p>
-          <a:p>
-            <a:pPr lvl="0" marL="1270000" indent="0">
-              <a:buNone/>
-            </a:pPr>
-            <a:r>
-              <a:rPr sz="1800" b="1">
-                <a:solidFill>
-                  <a:srgbClr val="007020"/>
-                </a:solidFill>
-                <a:latin typeface="Courier"/>
-              </a:rPr>
-              <a:t>wilcox.test</a:t>
-            </a:r>
-            <a:r>
-              <a:rPr sz="1800">
-                <a:latin typeface="Courier"/>
-              </a:rPr>
-              <a:t>(los </a:t>
-            </a:r>
-            <a:r>
-              <a:rPr sz="1800">
-                <a:solidFill>
-                  <a:srgbClr val="666666"/>
-                </a:solidFill>
-                <a:latin typeface="Courier"/>
-              </a:rPr>
-              <a:t>~</a:t>
-            </a:r>
-            <a:r>
-              <a:rPr sz="1800">
-                <a:solidFill>
-                  <a:srgbClr val="4070A0"/>
-                </a:solidFill>
-                <a:latin typeface="Courier"/>
-              </a:rPr>
-              <a:t> </a:t>
-            </a:r>
-            <a:r>
               <a:rPr sz="1800">
                 <a:latin typeface="Courier"/>
               </a:rPr>
@@ -11812,7 +10011,7 @@
             </a:r>
           </a:p>
           <a:p>
-            <a:pPr lvl="0" marL="1270000" indent="0">
+            <a:pPr marL="1270000" lvl="0" indent="0">
               <a:buNone/>
             </a:pPr>
             <a:r>
@@ -11831,6 +10030,9 @@
       </p:sp>
     </p:spTree>
   </p:cSld>
+  <p:clrMapOvr>
+    <a:masterClrMapping/>
+  </p:clrMapOvr>
 </p:sld>
 </file>
 
@@ -11872,11 +10074,10 @@
           <a:bodyPr/>
           <a:lstStyle/>
           <a:p>
-            <a:pPr lvl="0" marL="0" indent="0">
+            <a:pPr marL="0" lvl="0" indent="0">
               <a:buNone/>
             </a:pPr>
             <a:r>
-              <a:rPr/>
               <a:t>Lunch</a:t>
             </a:r>
           </a:p>
@@ -11905,7 +10106,6 @@
           <a:p>
             <a:pPr lvl="1"/>
             <a:r>
-              <a:rPr/>
               <a:t>Feel free to explore the handout and go through the exercices again.</a:t>
             </a:r>
           </a:p>
@@ -11913,6 +10113,9 @@
       </p:sp>
     </p:spTree>
   </p:cSld>
+  <p:clrMapOvr>
+    <a:masterClrMapping/>
+  </p:clrMapOvr>
 </p:sld>
 </file>
 
@@ -11954,28 +10157,11 @@
           <a:bodyPr/>
           <a:lstStyle/>
           <a:p>
-            <a:pPr lvl="0" marL="0" indent="0">
+            <a:pPr marL="0" lvl="0" indent="0">
               <a:buNone/>
             </a:pPr>
             <a:r>
-              <a:rPr/>
-              <a:t>The</a:t>
-            </a:r>
-            <a:r>
-              <a:rPr/>
-              <a:t> </a:t>
-            </a:r>
-            <a:r>
-              <a:rPr/>
-              <a:t>big</a:t>
-            </a:r>
-            <a:r>
-              <a:rPr/>
-              <a:t> </a:t>
-            </a:r>
-            <a:r>
-              <a:rPr/>
-              <a:t>picture</a:t>
+              <a:t>The big picture</a:t>
             </a:r>
           </a:p>
         </p:txBody>
@@ -12003,28 +10189,24 @@
           <a:p>
             <a:pPr lvl="1"/>
             <a:r>
-              <a:rPr/>
               <a:t>Research often seeks to answer a question about a larger population by collecting data on a small portion</a:t>
             </a:r>
           </a:p>
           <a:p>
             <a:pPr lvl="1"/>
             <a:r>
-              <a:rPr/>
               <a:t>Data collection:</a:t>
             </a:r>
           </a:p>
           <a:p>
             <a:pPr lvl="2"/>
             <a:r>
-              <a:rPr/>
               <a:t>Many variables</a:t>
             </a:r>
           </a:p>
           <a:p>
             <a:pPr lvl="2"/>
             <a:r>
-              <a:rPr/>
               <a:t>For each person/unit.</a:t>
             </a:r>
           </a:p>
@@ -12032,6 +10214,9 @@
       </p:sp>
     </p:spTree>
   </p:cSld>
+  <p:clrMapOvr>
+    <a:masterClrMapping/>
+  </p:clrMapOvr>
 </p:sld>
 </file>
 
@@ -12073,36 +10258,11 @@
           <a:bodyPr/>
           <a:lstStyle/>
           <a:p>
-            <a:pPr lvl="0" marL="0" indent="0">
+            <a:pPr marL="0" lvl="0" indent="0">
               <a:buNone/>
             </a:pPr>
             <a:r>
-              <a:rPr/>
-              <a:t>Descriptive</a:t>
-            </a:r>
-            <a:r>
-              <a:rPr/>
-              <a:t> </a:t>
-            </a:r>
-            <a:r>
-              <a:rPr/>
-              <a:t>and</a:t>
-            </a:r>
-            <a:r>
-              <a:rPr/>
-              <a:t> </a:t>
-            </a:r>
-            <a:r>
-              <a:rPr/>
-              <a:t>inferential</a:t>
-            </a:r>
-            <a:r>
-              <a:rPr/>
-              <a:t> </a:t>
-            </a:r>
-            <a:r>
-              <a:rPr/>
-              <a:t>statistics</a:t>
+              <a:t>Descriptive and inferential statistics</a:t>
             </a:r>
           </a:p>
         </p:txBody>
@@ -12130,42 +10290,36 @@
           <a:p>
             <a:pPr lvl="1"/>
             <a:r>
-              <a:rPr/>
               <a:t>WAIT!</a:t>
             </a:r>
           </a:p>
           <a:p>
             <a:pPr lvl="1"/>
             <a:r>
-              <a:rPr/>
               <a:t>First be aware of the types of data</a:t>
             </a:r>
           </a:p>
           <a:p>
             <a:pPr lvl="1"/>
             <a:r>
-              <a:rPr/>
               <a:t>Guides:</a:t>
             </a:r>
           </a:p>
           <a:p>
             <a:pPr lvl="2"/>
             <a:r>
-              <a:rPr/>
               <a:t>How best to describe the data you have</a:t>
             </a:r>
           </a:p>
           <a:p>
             <a:pPr lvl="2"/>
             <a:r>
-              <a:rPr/>
               <a:t>How best to analyse (which test)</a:t>
             </a:r>
           </a:p>
           <a:p>
             <a:pPr lvl="3"/>
             <a:r>
-              <a:rPr/>
               <a:t>Note that data scientists and pure statisticians moving away from being ‘test-focused’, but will discuss how to run some basic ones in this lesson.</a:t>
             </a:r>
           </a:p>
@@ -12173,6 +10327,9 @@
       </p:sp>
     </p:spTree>
   </p:cSld>
+  <p:clrMapOvr>
+    <a:masterClrMapping/>
+  </p:clrMapOvr>
 </p:sld>
 </file>
 
@@ -12214,20 +10371,11 @@
           <a:bodyPr/>
           <a:lstStyle/>
           <a:p>
-            <a:pPr lvl="0" marL="0" indent="0">
+            <a:pPr marL="0" lvl="0" indent="0">
               <a:buNone/>
             </a:pPr>
             <a:r>
-              <a:rPr/>
-              <a:t>Data</a:t>
-            </a:r>
-            <a:r>
-              <a:rPr/>
-              <a:t> </a:t>
-            </a:r>
-            <a:r>
-              <a:rPr/>
-              <a:t>types</a:t>
+              <a:t>Data types</a:t>
             </a:r>
           </a:p>
         </p:txBody>
@@ -12255,35 +10403,30 @@
           <a:p>
             <a:pPr lvl="1"/>
             <a:r>
-              <a:rPr/>
               <a:t>Continuous</a:t>
             </a:r>
           </a:p>
           <a:p>
             <a:pPr lvl="1"/>
             <a:r>
-              <a:rPr/>
               <a:t>Discrete</a:t>
             </a:r>
           </a:p>
           <a:p>
             <a:pPr lvl="2"/>
             <a:r>
-              <a:rPr/>
               <a:t>Nominal</a:t>
             </a:r>
           </a:p>
           <a:p>
             <a:pPr lvl="2"/>
             <a:r>
-              <a:rPr/>
               <a:t>Ordinal</a:t>
             </a:r>
           </a:p>
           <a:p>
             <a:pPr lvl="2"/>
             <a:r>
-              <a:rPr/>
               <a:t>Interval</a:t>
             </a:r>
           </a:p>
@@ -12291,6 +10434,9 @@
       </p:sp>
     </p:spTree>
   </p:cSld>
+  <p:clrMapOvr>
+    <a:masterClrMapping/>
+  </p:clrMapOvr>
 </p:sld>
 </file>
 
@@ -12332,20 +10478,11 @@
           <a:bodyPr/>
           <a:lstStyle/>
           <a:p>
-            <a:pPr lvl="0" marL="0" indent="0">
+            <a:pPr marL="0" lvl="0" indent="0">
               <a:buNone/>
             </a:pPr>
             <a:r>
-              <a:rPr/>
-              <a:t>Continuous</a:t>
-            </a:r>
-            <a:r>
-              <a:rPr/>
-              <a:t> </a:t>
-            </a:r>
-            <a:r>
-              <a:rPr/>
-              <a:t>variables</a:t>
+              <a:t>Continuous variables</a:t>
             </a:r>
           </a:p>
         </p:txBody>
@@ -12373,49 +10510,42 @@
           <a:p>
             <a:pPr lvl="1"/>
             <a:r>
-              <a:rPr/>
               <a:t>e.g. age, height, weight</a:t>
             </a:r>
           </a:p>
           <a:p>
             <a:pPr lvl="1"/>
             <a:r>
-              <a:rPr/>
               <a:t>Have distributions:</a:t>
             </a:r>
           </a:p>
           <a:p>
             <a:pPr lvl="2"/>
             <a:r>
-              <a:rPr/>
               <a:t>Gaussian</a:t>
             </a:r>
           </a:p>
           <a:p>
             <a:pPr lvl="2"/>
             <a:r>
-              <a:rPr/>
               <a:t>Poisson</a:t>
             </a:r>
           </a:p>
           <a:p>
             <a:pPr lvl="2"/>
             <a:r>
-              <a:rPr/>
               <a:t>Binomial</a:t>
             </a:r>
           </a:p>
           <a:p>
             <a:pPr lvl="2"/>
             <a:r>
-              <a:rPr/>
               <a:t>Cauchy/Lorenz</a:t>
             </a:r>
           </a:p>
           <a:p>
             <a:pPr lvl="1"/>
             <a:r>
-              <a:rPr/>
               <a:t>Can’t be described</a:t>
             </a:r>
           </a:p>
@@ -12423,7 +10553,7 @@
       </p:sp>
       <p:pic>
         <p:nvPicPr>
-          <p:cNvPr descr="../Images/ContinuousDistribution.png" id="0" name="Picture 1"/>
+          <p:cNvPr id="4" name="Picture 1" descr="../Images/ContinuousDistribution.png"/>
           <p:cNvPicPr>
             <a:picLocks noGrp="1" noChangeAspect="1"/>
           </p:cNvPicPr>
@@ -12453,6 +10583,9 @@
       </p:pic>
     </p:spTree>
   </p:cSld>
+  <p:clrMapOvr>
+    <a:masterClrMapping/>
+  </p:clrMapOvr>
 </p:sld>
 </file>
 
@@ -12494,51 +10627,18 @@
           <a:bodyPr/>
           <a:lstStyle/>
           <a:p>
-            <a:pPr lvl="0" marL="0" indent="0">
+            <a:pPr marL="0" lvl="0" indent="0">
               <a:buNone/>
             </a:pPr>
             <a:r>
-              <a:rPr/>
-              <a:t>What</a:t>
-            </a:r>
-            <a:r>
-              <a:rPr/>
-              <a:t> </a:t>
-            </a:r>
-            <a:r>
-              <a:rPr/>
-              <a:t>is</a:t>
-            </a:r>
-            <a:r>
-              <a:rPr/>
-              <a:t> </a:t>
-            </a:r>
-            <a:r>
-              <a:rPr/>
-              <a:t>normally</a:t>
-            </a:r>
-            <a:r>
-              <a:rPr/>
-              <a:t> </a:t>
-            </a:r>
-            <a:r>
-              <a:rPr/>
-              <a:t>distributed</a:t>
-            </a:r>
-            <a:r>
-              <a:rPr/>
-              <a:t> </a:t>
-            </a:r>
-            <a:r>
-              <a:rPr/>
-              <a:t>data?</a:t>
+              <a:t>What is normally distributed data?</a:t>
             </a:r>
           </a:p>
         </p:txBody>
       </p:sp>
       <p:pic>
         <p:nvPicPr>
-          <p:cNvPr descr="../Images/NormalDistribution.png" id="0" name="Picture 1"/>
+          <p:cNvPr id="3" name="Picture 1" descr="../Images/NormalDistribution.png"/>
           <p:cNvPicPr>
             <a:picLocks noGrp="1" noChangeAspect="1"/>
           </p:cNvPicPr>
@@ -12568,6 +10668,9 @@
       </p:pic>
     </p:spTree>
   </p:cSld>
+  <p:clrMapOvr>
+    <a:masterClrMapping/>
+  </p:clrMapOvr>
 </p:sld>
 </file>
 

--- a/Workshops/Workshop6.pptx
+++ b/Workshops/Workshop6.pptx
@@ -5,7 +5,7 @@
     <p:sldMasterId id="2147483648" r:id="rId1"/>
   </p:sldMasterIdLst>
   <p:notesMasterIdLst>
-    <p:notesMasterId r:id="rId44"/>
+    <p:NotesMasterId r:id="rId41"/>
   </p:notesMasterIdLst>
   <p:sldIdLst>
     <p:sldId id="256" r:id="rId2"/>
@@ -47,9 +47,6 @@
     <p:sldId id="292" r:id="rId38"/>
     <p:sldId id="293" r:id="rId39"/>
     <p:sldId id="294" r:id="rId40"/>
-    <p:sldId id="295" r:id="rId41"/>
-    <p:sldId id="296" r:id="rId42"/>
-    <p:sldId id="297" r:id="rId43"/>
   </p:sldIdLst>
   <p:sldSz cx="12192000" cy="6858000"/>
   <p:notesSz cx="6858000" cy="9144000"/>
@@ -238,7 +235,7 @@
           <a:p>
             <a:fld id="{0F9C1CCF-B725-44A7-AA57-5E433BD85C9F}" type="datetimeFigureOut">
               <a:rPr lang="en-US" smtClean="0"/>
-              <a:t>3/2/20</a:t>
+              <a:t>2/17/2018</a:t>
             </a:fld>
             <a:endParaRPr lang="en-US"/>
           </a:p>
@@ -302,37 +299,38 @@
           <a:p>
             <a:pPr lvl="0"/>
             <a:r>
-              <a:rPr lang="en-US"/>
+              <a:rPr lang="en-US" smtClean="0"/>
               <a:t>Click to edit Master text styles</a:t>
             </a:r>
           </a:p>
           <a:p>
             <a:pPr lvl="1"/>
             <a:r>
-              <a:rPr lang="en-US"/>
+              <a:rPr lang="en-US" smtClean="0"/>
               <a:t>Second level</a:t>
             </a:r>
           </a:p>
           <a:p>
             <a:pPr lvl="2"/>
             <a:r>
-              <a:rPr lang="en-US"/>
+              <a:rPr lang="en-US" smtClean="0"/>
               <a:t>Third level</a:t>
             </a:r>
           </a:p>
           <a:p>
             <a:pPr lvl="3"/>
             <a:r>
-              <a:rPr lang="en-US"/>
+              <a:rPr lang="en-US" smtClean="0"/>
               <a:t>Fourth level</a:t>
             </a:r>
           </a:p>
           <a:p>
             <a:pPr lvl="4"/>
             <a:r>
-              <a:rPr lang="en-US"/>
+              <a:rPr lang="en-US" smtClean="0"/>
               <a:t>Fifth level</a:t>
             </a:r>
+            <a:endParaRPr lang="en-US"/>
           </a:p>
         </p:txBody>
       </p:sp>
@@ -549,11 +547,204 @@
           <a:bodyPr/>
           <a:lstStyle/>
           <a:p>
-            <a:pPr marL="0" lvl="0" indent="0">
+            <a:pPr lvl="0" marL="0" indent="0">
               <a:buNone/>
             </a:pPr>
             <a:r>
-              <a:t>Help them load the dataset if needed. This is the same one they used in the morning. It should include the length of stay variable.</a:t>
+              <a:rPr/>
+              <a:t>Help</a:t>
+            </a:r>
+            <a:r>
+              <a:rPr/>
+              <a:t> </a:t>
+            </a:r>
+            <a:r>
+              <a:rPr/>
+              <a:t>them</a:t>
+            </a:r>
+            <a:r>
+              <a:rPr/>
+              <a:t> </a:t>
+            </a:r>
+            <a:r>
+              <a:rPr/>
+              <a:t>load</a:t>
+            </a:r>
+            <a:r>
+              <a:rPr/>
+              <a:t> </a:t>
+            </a:r>
+            <a:r>
+              <a:rPr/>
+              <a:t>the</a:t>
+            </a:r>
+            <a:r>
+              <a:rPr/>
+              <a:t> </a:t>
+            </a:r>
+            <a:r>
+              <a:rPr/>
+              <a:t>dataset</a:t>
+            </a:r>
+            <a:r>
+              <a:rPr/>
+              <a:t> </a:t>
+            </a:r>
+            <a:r>
+              <a:rPr/>
+              <a:t>if</a:t>
+            </a:r>
+            <a:r>
+              <a:rPr/>
+              <a:t> </a:t>
+            </a:r>
+            <a:r>
+              <a:rPr/>
+              <a:t>needed.</a:t>
+            </a:r>
+            <a:r>
+              <a:rPr/>
+              <a:t> </a:t>
+            </a:r>
+            <a:r>
+              <a:rPr/>
+              <a:t>This</a:t>
+            </a:r>
+            <a:r>
+              <a:rPr/>
+              <a:t> </a:t>
+            </a:r>
+            <a:r>
+              <a:rPr/>
+              <a:t>is</a:t>
+            </a:r>
+            <a:r>
+              <a:rPr/>
+              <a:t> </a:t>
+            </a:r>
+            <a:r>
+              <a:rPr/>
+              <a:t>the</a:t>
+            </a:r>
+            <a:r>
+              <a:rPr/>
+              <a:t> </a:t>
+            </a:r>
+            <a:r>
+              <a:rPr/>
+              <a:t>same</a:t>
+            </a:r>
+            <a:r>
+              <a:rPr/>
+              <a:t> </a:t>
+            </a:r>
+            <a:r>
+              <a:rPr/>
+              <a:t>one</a:t>
+            </a:r>
+            <a:r>
+              <a:rPr/>
+              <a:t> </a:t>
+            </a:r>
+            <a:r>
+              <a:rPr/>
+              <a:t>they</a:t>
+            </a:r>
+            <a:r>
+              <a:rPr/>
+              <a:t> </a:t>
+            </a:r>
+            <a:r>
+              <a:rPr/>
+              <a:t>used</a:t>
+            </a:r>
+            <a:r>
+              <a:rPr/>
+              <a:t> </a:t>
+            </a:r>
+            <a:r>
+              <a:rPr/>
+              <a:t>in</a:t>
+            </a:r>
+            <a:r>
+              <a:rPr/>
+              <a:t> </a:t>
+            </a:r>
+            <a:r>
+              <a:rPr/>
+              <a:t>the</a:t>
+            </a:r>
+            <a:r>
+              <a:rPr/>
+              <a:t> </a:t>
+            </a:r>
+            <a:r>
+              <a:rPr/>
+              <a:t>morning.</a:t>
+            </a:r>
+            <a:r>
+              <a:rPr/>
+              <a:t> </a:t>
+            </a:r>
+            <a:r>
+              <a:rPr/>
+              <a:t>It</a:t>
+            </a:r>
+            <a:r>
+              <a:rPr/>
+              <a:t> </a:t>
+            </a:r>
+            <a:r>
+              <a:rPr/>
+              <a:t>should</a:t>
+            </a:r>
+            <a:r>
+              <a:rPr/>
+              <a:t> </a:t>
+            </a:r>
+            <a:r>
+              <a:rPr/>
+              <a:t>include</a:t>
+            </a:r>
+            <a:r>
+              <a:rPr/>
+              <a:t> </a:t>
+            </a:r>
+            <a:r>
+              <a:rPr/>
+              <a:t>the</a:t>
+            </a:r>
+            <a:r>
+              <a:rPr/>
+              <a:t> </a:t>
+            </a:r>
+            <a:r>
+              <a:rPr/>
+              <a:t>length</a:t>
+            </a:r>
+            <a:r>
+              <a:rPr/>
+              <a:t> </a:t>
+            </a:r>
+            <a:r>
+              <a:rPr/>
+              <a:t>of</a:t>
+            </a:r>
+            <a:r>
+              <a:rPr/>
+              <a:t> </a:t>
+            </a:r>
+            <a:r>
+              <a:rPr/>
+              <a:t>stay</a:t>
+            </a:r>
+            <a:r>
+              <a:rPr/>
+              <a:t> </a:t>
+            </a:r>
+            <a:r>
+              <a:rPr/>
+              <a:t>variable.</a:t>
             </a:r>
           </a:p>
         </p:txBody>
@@ -583,9 +774,6 @@
       </p:sp>
     </p:spTree>
   </p:cSld>
-  <p:clrMapOvr>
-    <a:masterClrMapping/>
-  </p:clrMapOvr>
 </p:notes>
 </file>
 
@@ -633,11 +821,28 @@
           <a:bodyPr/>
           <a:lstStyle/>
           <a:p>
-            <a:pPr marL="0" lvl="0" indent="0">
+            <a:pPr lvl="0" marL="0" indent="0">
               <a:buNone/>
             </a:pPr>
             <a:r>
-              <a:t>Get them to do this, then explain the output.</a:t>
+              <a:rPr/>
+              <a:t>Explain</a:t>
+            </a:r>
+            <a:r>
+              <a:rPr/>
+              <a:t> </a:t>
+            </a:r>
+            <a:r>
+              <a:rPr/>
+              <a:t>the</a:t>
+            </a:r>
+            <a:r>
+              <a:rPr/>
+              <a:t> </a:t>
+            </a:r>
+            <a:r>
+              <a:rPr/>
+              <a:t>output</a:t>
             </a:r>
           </a:p>
         </p:txBody>
@@ -659,7 +864,7 @@
           <a:p>
             <a:fld id="{18BDFEC3-8487-43E8-A154-7C12CBC1FFF2}" type="slidenum">
               <a:rPr lang="en-US"/>
-              <a:t>37</a:t>
+              <a:t>38</a:t>
             </a:fld>
             <a:endParaRPr lang="en-US"/>
           </a:p>
@@ -667,93 +872,6 @@
       </p:sp>
     </p:spTree>
   </p:cSld>
-  <p:clrMapOvr>
-    <a:masterClrMapping/>
-  </p:clrMapOvr>
-</p:notes>
-</file>
-
-<file path=ppt/notesSlides/notesSlide11.xml><?xml version="1.0" encoding="utf-8"?>
-<p:notes xmlns:a="http://schemas.openxmlformats.org/drawingml/2006/main" xmlns:r="http://schemas.openxmlformats.org/officeDocument/2006/relationships" xmlns:p="http://schemas.openxmlformats.org/presentationml/2006/main">
-  <p:cSld>
-    <p:spTree>
-      <p:nvGrpSpPr>
-        <p:cNvPr id="1" name=""/>
-        <p:cNvGrpSpPr/>
-        <p:nvPr/>
-      </p:nvGrpSpPr>
-      <p:grpSpPr>
-        <a:xfrm>
-          <a:off x="0" y="0"/>
-          <a:ext cx="0" cy="0"/>
-          <a:chOff x="0" y="0"/>
-          <a:chExt cx="0" cy="0"/>
-        </a:xfrm>
-      </p:grpSpPr>
-      <p:sp>
-        <p:nvSpPr>
-          <p:cNvPr id="2" name="Slide Image Placeholder 1"/>
-          <p:cNvSpPr>
-            <a:spLocks noGrp="1" noRot="1" noChangeAspect="1"/>
-          </p:cNvSpPr>
-          <p:nvPr>
-            <p:ph type="sldImg"/>
-          </p:nvPr>
-        </p:nvSpPr>
-        <p:spPr/>
-      </p:sp>
-      <p:sp>
-        <p:nvSpPr>
-          <p:cNvPr id="3" name="Notes Placeholder 2"/>
-          <p:cNvSpPr>
-            <a:spLocks noGrp="1"/>
-          </p:cNvSpPr>
-          <p:nvPr>
-            <p:ph type="body" idx="1"/>
-          </p:nvPr>
-        </p:nvSpPr>
-        <p:spPr/>
-        <p:txBody>
-          <a:bodyPr/>
-          <a:lstStyle/>
-          <a:p>
-            <a:pPr marL="0" lvl="0" indent="0">
-              <a:buNone/>
-            </a:pPr>
-            <a:r>
-              <a:t>Explain the output</a:t>
-            </a:r>
-          </a:p>
-        </p:txBody>
-      </p:sp>
-      <p:sp>
-        <p:nvSpPr>
-          <p:cNvPr id="4" name="Slide Number Placeholder 3"/>
-          <p:cNvSpPr>
-            <a:spLocks noGrp="1"/>
-          </p:cNvSpPr>
-          <p:nvPr>
-            <p:ph type="sldNum" sz="quarter" idx="10"/>
-          </p:nvPr>
-        </p:nvSpPr>
-        <p:spPr/>
-        <p:txBody>
-          <a:bodyPr/>
-          <a:lstStyle/>
-          <a:p>
-            <a:fld id="{18BDFEC3-8487-43E8-A154-7C12CBC1FFF2}" type="slidenum">
-              <a:rPr lang="en-US"/>
-              <a:t>41</a:t>
-            </a:fld>
-            <a:endParaRPr lang="en-US"/>
-          </a:p>
-        </p:txBody>
-      </p:sp>
-    </p:spTree>
-  </p:cSld>
-  <p:clrMapOvr>
-    <a:masterClrMapping/>
-  </p:clrMapOvr>
 </p:notes>
 </file>
 
@@ -801,11 +919,156 @@
           <a:bodyPr/>
           <a:lstStyle/>
           <a:p>
-            <a:pPr marL="0" lvl="0" indent="0">
+            <a:pPr lvl="0" marL="0" indent="0">
               <a:buNone/>
             </a:pPr>
             <a:r>
-              <a:t>Data types have been covered in course before. The next few slides should be a bit of a recap.</a:t>
+              <a:rPr/>
+              <a:t>Data</a:t>
+            </a:r>
+            <a:r>
+              <a:rPr/>
+              <a:t> </a:t>
+            </a:r>
+            <a:r>
+              <a:rPr/>
+              <a:t>types</a:t>
+            </a:r>
+            <a:r>
+              <a:rPr/>
+              <a:t> </a:t>
+            </a:r>
+            <a:r>
+              <a:rPr/>
+              <a:t>have</a:t>
+            </a:r>
+            <a:r>
+              <a:rPr/>
+              <a:t> </a:t>
+            </a:r>
+            <a:r>
+              <a:rPr/>
+              <a:t>been</a:t>
+            </a:r>
+            <a:r>
+              <a:rPr/>
+              <a:t> </a:t>
+            </a:r>
+            <a:r>
+              <a:rPr/>
+              <a:t>covered</a:t>
+            </a:r>
+            <a:r>
+              <a:rPr/>
+              <a:t> </a:t>
+            </a:r>
+            <a:r>
+              <a:rPr/>
+              <a:t>in</a:t>
+            </a:r>
+            <a:r>
+              <a:rPr/>
+              <a:t> </a:t>
+            </a:r>
+            <a:r>
+              <a:rPr/>
+              <a:t>course</a:t>
+            </a:r>
+            <a:r>
+              <a:rPr/>
+              <a:t> </a:t>
+            </a:r>
+            <a:r>
+              <a:rPr/>
+              <a:t>before.</a:t>
+            </a:r>
+            <a:r>
+              <a:rPr/>
+              <a:t> </a:t>
+            </a:r>
+            <a:r>
+              <a:rPr/>
+              <a:t>The</a:t>
+            </a:r>
+            <a:r>
+              <a:rPr/>
+              <a:t> </a:t>
+            </a:r>
+            <a:r>
+              <a:rPr/>
+              <a:t>next</a:t>
+            </a:r>
+            <a:r>
+              <a:rPr/>
+              <a:t> </a:t>
+            </a:r>
+            <a:r>
+              <a:rPr/>
+              <a:t>few</a:t>
+            </a:r>
+            <a:r>
+              <a:rPr/>
+              <a:t> </a:t>
+            </a:r>
+            <a:r>
+              <a:rPr/>
+              <a:t>slides</a:t>
+            </a:r>
+            <a:r>
+              <a:rPr/>
+              <a:t> </a:t>
+            </a:r>
+            <a:r>
+              <a:rPr/>
+              <a:t>should</a:t>
+            </a:r>
+            <a:r>
+              <a:rPr/>
+              <a:t> </a:t>
+            </a:r>
+            <a:r>
+              <a:rPr/>
+              <a:t>be</a:t>
+            </a:r>
+            <a:r>
+              <a:rPr/>
+              <a:t> </a:t>
+            </a:r>
+            <a:r>
+              <a:rPr/>
+              <a:t>a</a:t>
+            </a:r>
+            <a:r>
+              <a:rPr/>
+              <a:t> </a:t>
+            </a:r>
+            <a:r>
+              <a:rPr/>
+              <a:t>bit</a:t>
+            </a:r>
+            <a:r>
+              <a:rPr/>
+              <a:t> </a:t>
+            </a:r>
+            <a:r>
+              <a:rPr/>
+              <a:t>of</a:t>
+            </a:r>
+            <a:r>
+              <a:rPr/>
+              <a:t> </a:t>
+            </a:r>
+            <a:r>
+              <a:rPr/>
+              <a:t>a</a:t>
+            </a:r>
+            <a:r>
+              <a:rPr/>
+              <a:t> </a:t>
+            </a:r>
+            <a:r>
+              <a:rPr/>
+              <a:t>recap.</a:t>
             </a:r>
           </a:p>
         </p:txBody>
@@ -827,7 +1090,7 @@
           <a:p>
             <a:fld id="{18BDFEC3-8487-43E8-A154-7C12CBC1FFF2}" type="slidenum">
               <a:rPr lang="en-US"/>
-              <a:t>7</a:t>
+              <a:t>6</a:t>
             </a:fld>
             <a:endParaRPr lang="en-US"/>
           </a:p>
@@ -835,9 +1098,6 @@
       </p:sp>
     </p:spTree>
   </p:cSld>
-  <p:clrMapOvr>
-    <a:masterClrMapping/>
-  </p:clrMapOvr>
 </p:notes>
 </file>
 
@@ -885,11 +1145,124 @@
           <a:bodyPr/>
           <a:lstStyle/>
           <a:p>
-            <a:pPr marL="0" lvl="0" indent="0">
+            <a:pPr lvl="0" marL="0" indent="0">
               <a:buNone/>
             </a:pPr>
             <a:r>
-              <a:t>How do we convey information on what your data looks like, using numbers or figures?</a:t>
+              <a:rPr/>
+              <a:t>How</a:t>
+            </a:r>
+            <a:r>
+              <a:rPr/>
+              <a:t> </a:t>
+            </a:r>
+            <a:r>
+              <a:rPr/>
+              <a:t>do</a:t>
+            </a:r>
+            <a:r>
+              <a:rPr/>
+              <a:t> </a:t>
+            </a:r>
+            <a:r>
+              <a:rPr/>
+              <a:t>we</a:t>
+            </a:r>
+            <a:r>
+              <a:rPr/>
+              <a:t> </a:t>
+            </a:r>
+            <a:r>
+              <a:rPr/>
+              <a:t>convey</a:t>
+            </a:r>
+            <a:r>
+              <a:rPr/>
+              <a:t> </a:t>
+            </a:r>
+            <a:r>
+              <a:rPr/>
+              <a:t>information</a:t>
+            </a:r>
+            <a:r>
+              <a:rPr/>
+              <a:t> </a:t>
+            </a:r>
+            <a:r>
+              <a:rPr/>
+              <a:t>on</a:t>
+            </a:r>
+            <a:r>
+              <a:rPr/>
+              <a:t> </a:t>
+            </a:r>
+            <a:r>
+              <a:rPr/>
+              <a:t>what</a:t>
+            </a:r>
+            <a:r>
+              <a:rPr/>
+              <a:t> </a:t>
+            </a:r>
+            <a:r>
+              <a:rPr/>
+              <a:t>your</a:t>
+            </a:r>
+            <a:r>
+              <a:rPr/>
+              <a:t> </a:t>
+            </a:r>
+            <a:r>
+              <a:rPr/>
+              <a:t>data</a:t>
+            </a:r>
+            <a:r>
+              <a:rPr/>
+              <a:t> </a:t>
+            </a:r>
+            <a:r>
+              <a:rPr/>
+              <a:t>looks</a:t>
+            </a:r>
+            <a:r>
+              <a:rPr/>
+              <a:t> </a:t>
+            </a:r>
+            <a:r>
+              <a:rPr/>
+              <a:t>like,</a:t>
+            </a:r>
+            <a:r>
+              <a:rPr/>
+              <a:t> </a:t>
+            </a:r>
+            <a:r>
+              <a:rPr/>
+              <a:t>using</a:t>
+            </a:r>
+            <a:r>
+              <a:rPr/>
+              <a:t> </a:t>
+            </a:r>
+            <a:r>
+              <a:rPr/>
+              <a:t>numbers</a:t>
+            </a:r>
+            <a:r>
+              <a:rPr/>
+              <a:t> </a:t>
+            </a:r>
+            <a:r>
+              <a:rPr/>
+              <a:t>or</a:t>
+            </a:r>
+            <a:r>
+              <a:rPr/>
+              <a:t> </a:t>
+            </a:r>
+            <a:r>
+              <a:rPr/>
+              <a:t>figures?</a:t>
             </a:r>
           </a:p>
         </p:txBody>
@@ -911,7 +1284,7 @@
           <a:p>
             <a:fld id="{18BDFEC3-8487-43E8-A154-7C12CBC1FFF2}" type="slidenum">
               <a:rPr lang="en-US"/>
-              <a:t>13</a:t>
+              <a:t>12</a:t>
             </a:fld>
             <a:endParaRPr lang="en-US"/>
           </a:p>
@@ -919,9 +1292,6 @@
       </p:sp>
     </p:spTree>
   </p:cSld>
-  <p:clrMapOvr>
-    <a:masterClrMapping/>
-  </p:clrMapOvr>
 </p:notes>
 </file>
 
@@ -969,11 +1339,68 @@
           <a:bodyPr/>
           <a:lstStyle/>
           <a:p>
-            <a:pPr marL="0" lvl="0" indent="0">
+            <a:pPr lvl="0" marL="0" indent="0">
               <a:buNone/>
             </a:pPr>
             <a:r>
-              <a:t>Emphasise that parametric is not equal to normal.</a:t>
+              <a:rPr/>
+              <a:t>Emphasise</a:t>
+            </a:r>
+            <a:r>
+              <a:rPr/>
+              <a:t> </a:t>
+            </a:r>
+            <a:r>
+              <a:rPr/>
+              <a:t>that</a:t>
+            </a:r>
+            <a:r>
+              <a:rPr/>
+              <a:t> </a:t>
+            </a:r>
+            <a:r>
+              <a:rPr/>
+              <a:t>parametric</a:t>
+            </a:r>
+            <a:r>
+              <a:rPr/>
+              <a:t> </a:t>
+            </a:r>
+            <a:r>
+              <a:rPr/>
+              <a:t>is</a:t>
+            </a:r>
+            <a:r>
+              <a:rPr/>
+              <a:t> </a:t>
+            </a:r>
+            <a:r>
+              <a:rPr/>
+              <a:t>not</a:t>
+            </a:r>
+            <a:r>
+              <a:rPr/>
+              <a:t> </a:t>
+            </a:r>
+            <a:r>
+              <a:rPr/>
+              <a:t>equal</a:t>
+            </a:r>
+            <a:r>
+              <a:rPr/>
+              <a:t> </a:t>
+            </a:r>
+            <a:r>
+              <a:rPr/>
+              <a:t>to</a:t>
+            </a:r>
+            <a:r>
+              <a:rPr/>
+              <a:t> </a:t>
+            </a:r>
+            <a:r>
+              <a:rPr/>
+              <a:t>normal.</a:t>
             </a:r>
           </a:p>
         </p:txBody>
@@ -995,7 +1422,7 @@
           <a:p>
             <a:fld id="{18BDFEC3-8487-43E8-A154-7C12CBC1FFF2}" type="slidenum">
               <a:rPr lang="en-US"/>
-              <a:t>16</a:t>
+              <a:t>15</a:t>
             </a:fld>
             <a:endParaRPr lang="en-US"/>
           </a:p>
@@ -1003,9 +1430,6 @@
       </p:sp>
     </p:spTree>
   </p:cSld>
-  <p:clrMapOvr>
-    <a:masterClrMapping/>
-  </p:clrMapOvr>
 </p:notes>
 </file>
 
@@ -1053,11 +1477,156 @@
           <a:bodyPr/>
           <a:lstStyle/>
           <a:p>
-            <a:pPr marL="0" lvl="0" indent="0">
+            <a:pPr lvl="0" marL="0" indent="0">
               <a:buNone/>
             </a:pPr>
             <a:r>
-              <a:t>Get them to plot the graphs. Explain that we are generating ramdom data from different distributions and plotting them.</a:t>
+              <a:rPr/>
+              <a:t>Get</a:t>
+            </a:r>
+            <a:r>
+              <a:rPr/>
+              <a:t> </a:t>
+            </a:r>
+            <a:r>
+              <a:rPr/>
+              <a:t>them</a:t>
+            </a:r>
+            <a:r>
+              <a:rPr/>
+              <a:t> </a:t>
+            </a:r>
+            <a:r>
+              <a:rPr/>
+              <a:t>to</a:t>
+            </a:r>
+            <a:r>
+              <a:rPr/>
+              <a:t> </a:t>
+            </a:r>
+            <a:r>
+              <a:rPr/>
+              <a:t>plot</a:t>
+            </a:r>
+            <a:r>
+              <a:rPr/>
+              <a:t> </a:t>
+            </a:r>
+            <a:r>
+              <a:rPr/>
+              <a:t>the</a:t>
+            </a:r>
+            <a:r>
+              <a:rPr/>
+              <a:t> </a:t>
+            </a:r>
+            <a:r>
+              <a:rPr/>
+              <a:t>graphs.</a:t>
+            </a:r>
+            <a:r>
+              <a:rPr/>
+              <a:t> </a:t>
+            </a:r>
+            <a:r>
+              <a:rPr/>
+              <a:t>Explain</a:t>
+            </a:r>
+            <a:r>
+              <a:rPr/>
+              <a:t> </a:t>
+            </a:r>
+            <a:r>
+              <a:rPr/>
+              <a:t>that</a:t>
+            </a:r>
+            <a:r>
+              <a:rPr/>
+              <a:t> </a:t>
+            </a:r>
+            <a:r>
+              <a:rPr/>
+              <a:t>we</a:t>
+            </a:r>
+            <a:r>
+              <a:rPr/>
+              <a:t> </a:t>
+            </a:r>
+            <a:r>
+              <a:rPr/>
+              <a:t>are</a:t>
+            </a:r>
+            <a:r>
+              <a:rPr/>
+              <a:t> </a:t>
+            </a:r>
+            <a:r>
+              <a:rPr/>
+              <a:t>generating</a:t>
+            </a:r>
+            <a:r>
+              <a:rPr/>
+              <a:t> </a:t>
+            </a:r>
+            <a:r>
+              <a:rPr/>
+              <a:t>ramdom</a:t>
+            </a:r>
+            <a:r>
+              <a:rPr/>
+              <a:t> </a:t>
+            </a:r>
+            <a:r>
+              <a:rPr/>
+              <a:t>data</a:t>
+            </a:r>
+            <a:r>
+              <a:rPr/>
+              <a:t> </a:t>
+            </a:r>
+            <a:r>
+              <a:rPr/>
+              <a:t>from</a:t>
+            </a:r>
+            <a:r>
+              <a:rPr/>
+              <a:t> </a:t>
+            </a:r>
+            <a:r>
+              <a:rPr/>
+              <a:t>different</a:t>
+            </a:r>
+            <a:r>
+              <a:rPr/>
+              <a:t> </a:t>
+            </a:r>
+            <a:r>
+              <a:rPr/>
+              <a:t>distributions</a:t>
+            </a:r>
+            <a:r>
+              <a:rPr/>
+              <a:t> </a:t>
+            </a:r>
+            <a:r>
+              <a:rPr/>
+              <a:t>and</a:t>
+            </a:r>
+            <a:r>
+              <a:rPr/>
+              <a:t> </a:t>
+            </a:r>
+            <a:r>
+              <a:rPr/>
+              <a:t>plotting</a:t>
+            </a:r>
+            <a:r>
+              <a:rPr/>
+              <a:t> </a:t>
+            </a:r>
+            <a:r>
+              <a:rPr/>
+              <a:t>them.</a:t>
             </a:r>
           </a:p>
         </p:txBody>
@@ -1079,7 +1648,7 @@
           <a:p>
             <a:fld id="{18BDFEC3-8487-43E8-A154-7C12CBC1FFF2}" type="slidenum">
               <a:rPr lang="en-US"/>
-              <a:t>18</a:t>
+              <a:t>17</a:t>
             </a:fld>
             <a:endParaRPr lang="en-US"/>
           </a:p>
@@ -1087,9 +1656,6 @@
       </p:sp>
     </p:spTree>
   </p:cSld>
-  <p:clrMapOvr>
-    <a:masterClrMapping/>
-  </p:clrMapOvr>
 </p:notes>
 </file>
 
@@ -1137,11 +1703,228 @@
           <a:bodyPr/>
           <a:lstStyle/>
           <a:p>
-            <a:pPr marL="0" lvl="0" indent="0">
+            <a:pPr lvl="0" marL="0" indent="0">
               <a:buNone/>
             </a:pPr>
             <a:r>
-              <a:t>Describe the golem story, and say that the book is good if you want.</a:t>
+              <a:rPr/>
+              <a:t>Note</a:t>
+            </a:r>
+            <a:r>
+              <a:rPr/>
+              <a:t> </a:t>
+            </a:r>
+            <a:r>
+              <a:rPr/>
+              <a:t>that</a:t>
+            </a:r>
+            <a:r>
+              <a:rPr/>
+              <a:t> </a:t>
+            </a:r>
+            <a:r>
+              <a:rPr/>
+              <a:t>these</a:t>
+            </a:r>
+            <a:r>
+              <a:rPr/>
+              <a:t> </a:t>
+            </a:r>
+            <a:r>
+              <a:rPr/>
+              <a:t>number</a:t>
+            </a:r>
+            <a:r>
+              <a:rPr/>
+              <a:t> </a:t>
+            </a:r>
+            <a:r>
+              <a:rPr/>
+              <a:t>may</a:t>
+            </a:r>
+            <a:r>
+              <a:rPr/>
+              <a:t> </a:t>
+            </a:r>
+            <a:r>
+              <a:rPr/>
+              <a:t>not</a:t>
+            </a:r>
+            <a:r>
+              <a:rPr/>
+              <a:t> </a:t>
+            </a:r>
+            <a:r>
+              <a:rPr/>
+              <a:t>be</a:t>
+            </a:r>
+            <a:r>
+              <a:rPr/>
+              <a:t> </a:t>
+            </a:r>
+            <a:r>
+              <a:rPr/>
+              <a:t>the</a:t>
+            </a:r>
+            <a:r>
+              <a:rPr/>
+              <a:t> </a:t>
+            </a:r>
+            <a:r>
+              <a:rPr/>
+              <a:t>same</a:t>
+            </a:r>
+            <a:r>
+              <a:rPr/>
+              <a:t> </a:t>
+            </a:r>
+            <a:r>
+              <a:rPr/>
+              <a:t>as</a:t>
+            </a:r>
+            <a:r>
+              <a:rPr/>
+              <a:t> </a:t>
+            </a:r>
+            <a:r>
+              <a:rPr/>
+              <a:t>the</a:t>
+            </a:r>
+            <a:r>
+              <a:rPr/>
+              <a:t> </a:t>
+            </a:r>
+            <a:r>
+              <a:rPr/>
+              <a:t>one</a:t>
+            </a:r>
+            <a:r>
+              <a:rPr/>
+              <a:t> </a:t>
+            </a:r>
+            <a:r>
+              <a:rPr/>
+              <a:t>candidates</a:t>
+            </a:r>
+            <a:r>
+              <a:rPr/>
+              <a:t> </a:t>
+            </a:r>
+            <a:r>
+              <a:rPr/>
+              <a:t>see</a:t>
+            </a:r>
+            <a:r>
+              <a:rPr/>
+              <a:t> </a:t>
+            </a:r>
+            <a:r>
+              <a:rPr/>
+              <a:t>on</a:t>
+            </a:r>
+            <a:r>
+              <a:rPr/>
+              <a:t> </a:t>
+            </a:r>
+            <a:r>
+              <a:rPr/>
+              <a:t>their</a:t>
+            </a:r>
+            <a:r>
+              <a:rPr/>
+              <a:t> </a:t>
+            </a:r>
+            <a:r>
+              <a:rPr/>
+              <a:t>screens.</a:t>
+            </a:r>
+            <a:r>
+              <a:rPr/>
+              <a:t> </a:t>
+            </a:r>
+            <a:r>
+              <a:rPr/>
+              <a:t>These</a:t>
+            </a:r>
+            <a:r>
+              <a:rPr/>
+              <a:t> </a:t>
+            </a:r>
+            <a:r>
+              <a:rPr/>
+              <a:t>slides</a:t>
+            </a:r>
+            <a:r>
+              <a:rPr/>
+              <a:t> </a:t>
+            </a:r>
+            <a:r>
+              <a:rPr/>
+              <a:t>are</a:t>
+            </a:r>
+            <a:r>
+              <a:rPr/>
+              <a:t> </a:t>
+            </a:r>
+            <a:r>
+              <a:rPr/>
+              <a:t>based</a:t>
+            </a:r>
+            <a:r>
+              <a:rPr/>
+              <a:t> </a:t>
+            </a:r>
+            <a:r>
+              <a:rPr/>
+              <a:t>on</a:t>
+            </a:r>
+            <a:r>
+              <a:rPr/>
+              <a:t> </a:t>
+            </a:r>
+            <a:r>
+              <a:rPr/>
+              <a:t>a</a:t>
+            </a:r>
+            <a:r>
+              <a:rPr/>
+              <a:t> </a:t>
+            </a:r>
+            <a:r>
+              <a:rPr/>
+              <a:t>smaller</a:t>
+            </a:r>
+            <a:r>
+              <a:rPr/>
+              <a:t> </a:t>
+            </a:r>
+            <a:r>
+              <a:rPr/>
+              <a:t>version</a:t>
+            </a:r>
+            <a:r>
+              <a:rPr/>
+              <a:t> </a:t>
+            </a:r>
+            <a:r>
+              <a:rPr/>
+              <a:t>of</a:t>
+            </a:r>
+            <a:r>
+              <a:rPr/>
+              <a:t> </a:t>
+            </a:r>
+            <a:r>
+              <a:rPr/>
+              <a:t>the</a:t>
+            </a:r>
+            <a:r>
+              <a:rPr/>
+              <a:t> </a:t>
+            </a:r>
+            <a:r>
+              <a:rPr/>
+              <a:t>dataset.</a:t>
             </a:r>
           </a:p>
         </p:txBody>
@@ -1163,7 +1946,7 @@
           <a:p>
             <a:fld id="{18BDFEC3-8487-43E8-A154-7C12CBC1FFF2}" type="slidenum">
               <a:rPr lang="en-US"/>
-              <a:t>22</a:t>
+              <a:t>26</a:t>
             </a:fld>
             <a:endParaRPr lang="en-US"/>
           </a:p>
@@ -1171,9 +1954,6 @@
       </p:sp>
     </p:spTree>
   </p:cSld>
-  <p:clrMapOvr>
-    <a:masterClrMapping/>
-  </p:clrMapOvr>
 </p:notes>
 </file>
 
@@ -1221,11 +2001,44 @@
           <a:bodyPr/>
           <a:lstStyle/>
           <a:p>
-            <a:pPr marL="0" lvl="0" indent="0">
+            <a:pPr lvl="0" marL="0" indent="0">
               <a:buNone/>
             </a:pPr>
             <a:r>
-              <a:t>Note that these number may not be the same as the one candidates see on their screens. These slides are based on a smaller version of the dataset.</a:t>
+              <a:rPr/>
+              <a:t>Tell</a:t>
+            </a:r>
+            <a:r>
+              <a:rPr/>
+              <a:t> </a:t>
+            </a:r>
+            <a:r>
+              <a:rPr/>
+              <a:t>them</a:t>
+            </a:r>
+            <a:r>
+              <a:rPr/>
+              <a:t> </a:t>
+            </a:r>
+            <a:r>
+              <a:rPr/>
+              <a:t>to</a:t>
+            </a:r>
+            <a:r>
+              <a:rPr/>
+              <a:t> </a:t>
+            </a:r>
+            <a:r>
+              <a:rPr/>
+              <a:t>do</a:t>
+            </a:r>
+            <a:r>
+              <a:rPr/>
+              <a:t> </a:t>
+            </a:r>
+            <a:r>
+              <a:rPr/>
+              <a:t>this.</a:t>
             </a:r>
           </a:p>
         </p:txBody>
@@ -1255,9 +2068,6 @@
       </p:sp>
     </p:spTree>
   </p:cSld>
-  <p:clrMapOvr>
-    <a:masterClrMapping/>
-  </p:clrMapOvr>
 </p:notes>
 </file>
 
@@ -1305,11 +2115,68 @@
           <a:bodyPr/>
           <a:lstStyle/>
           <a:p>
-            <a:pPr marL="0" lvl="0" indent="0">
+            <a:pPr lvl="0" marL="0" indent="0">
               <a:buNone/>
             </a:pPr>
             <a:r>
-              <a:t>Tell them to do this.</a:t>
+              <a:rPr/>
+              <a:t>Quickly</a:t>
+            </a:r>
+            <a:r>
+              <a:rPr/>
+              <a:t> </a:t>
+            </a:r>
+            <a:r>
+              <a:rPr/>
+              <a:t>explain</a:t>
+            </a:r>
+            <a:r>
+              <a:rPr/>
+              <a:t> </a:t>
+            </a:r>
+            <a:r>
+              <a:rPr/>
+              <a:t>the</a:t>
+            </a:r>
+            <a:r>
+              <a:rPr/>
+              <a:t> </a:t>
+            </a:r>
+            <a:r>
+              <a:rPr/>
+              <a:t>main</a:t>
+            </a:r>
+            <a:r>
+              <a:rPr/>
+              <a:t> </a:t>
+            </a:r>
+            <a:r>
+              <a:rPr/>
+              <a:t>points</a:t>
+            </a:r>
+            <a:r>
+              <a:rPr/>
+              <a:t> </a:t>
+            </a:r>
+            <a:r>
+              <a:rPr/>
+              <a:t>of</a:t>
+            </a:r>
+            <a:r>
+              <a:rPr/>
+              <a:t> </a:t>
+            </a:r>
+            <a:r>
+              <a:rPr/>
+              <a:t>the</a:t>
+            </a:r>
+            <a:r>
+              <a:rPr/>
+              <a:t> </a:t>
+            </a:r>
+            <a:r>
+              <a:rPr/>
+              <a:t>output</a:t>
             </a:r>
           </a:p>
         </p:txBody>
@@ -1331,7 +2198,7 @@
           <a:p>
             <a:fld id="{18BDFEC3-8487-43E8-A154-7C12CBC1FFF2}" type="slidenum">
               <a:rPr lang="en-US"/>
-              <a:t>32</a:t>
+              <a:t>30</a:t>
             </a:fld>
             <a:endParaRPr lang="en-US"/>
           </a:p>
@@ -1339,9 +2206,6 @@
       </p:sp>
     </p:spTree>
   </p:cSld>
-  <p:clrMapOvr>
-    <a:masterClrMapping/>
-  </p:clrMapOvr>
 </p:notes>
 </file>
 
@@ -1389,11 +2253,76 @@
           <a:bodyPr/>
           <a:lstStyle/>
           <a:p>
-            <a:pPr marL="0" lvl="0" indent="0">
+            <a:pPr lvl="0" marL="0" indent="0">
               <a:buNone/>
             </a:pPr>
             <a:r>
-              <a:t>Quickly explain the main points of the output</a:t>
+              <a:rPr/>
+              <a:t>Get</a:t>
+            </a:r>
+            <a:r>
+              <a:rPr/>
+              <a:t> </a:t>
+            </a:r>
+            <a:r>
+              <a:rPr/>
+              <a:t>them</a:t>
+            </a:r>
+            <a:r>
+              <a:rPr/>
+              <a:t> </a:t>
+            </a:r>
+            <a:r>
+              <a:rPr/>
+              <a:t>to</a:t>
+            </a:r>
+            <a:r>
+              <a:rPr/>
+              <a:t> </a:t>
+            </a:r>
+            <a:r>
+              <a:rPr/>
+              <a:t>do</a:t>
+            </a:r>
+            <a:r>
+              <a:rPr/>
+              <a:t> </a:t>
+            </a:r>
+            <a:r>
+              <a:rPr/>
+              <a:t>this,</a:t>
+            </a:r>
+            <a:r>
+              <a:rPr/>
+              <a:t> </a:t>
+            </a:r>
+            <a:r>
+              <a:rPr/>
+              <a:t>then</a:t>
+            </a:r>
+            <a:r>
+              <a:rPr/>
+              <a:t> </a:t>
+            </a:r>
+            <a:r>
+              <a:rPr/>
+              <a:t>explain</a:t>
+            </a:r>
+            <a:r>
+              <a:rPr/>
+              <a:t> </a:t>
+            </a:r>
+            <a:r>
+              <a:rPr/>
+              <a:t>the</a:t>
+            </a:r>
+            <a:r>
+              <a:rPr/>
+              <a:t> </a:t>
+            </a:r>
+            <a:r>
+              <a:rPr/>
+              <a:t>output.</a:t>
             </a:r>
           </a:p>
         </p:txBody>
@@ -1415,7 +2344,7 @@
           <a:p>
             <a:fld id="{18BDFEC3-8487-43E8-A154-7C12CBC1FFF2}" type="slidenum">
               <a:rPr lang="en-US"/>
-              <a:t>33</a:t>
+              <a:t>34</a:t>
             </a:fld>
             <a:endParaRPr lang="en-US"/>
           </a:p>
@@ -1423,9 +2352,6 @@
       </p:sp>
     </p:spTree>
   </p:cSld>
-  <p:clrMapOvr>
-    <a:masterClrMapping/>
-  </p:clrMapOvr>
 </p:notes>
 </file>
 
@@ -1576,7 +2502,7 @@
           <a:p>
             <a:fld id="{937E6D32-4C03-264D-8FDB-034DA7582E3B}" type="datetimeFigureOut">
               <a:rPr lang="en-US" smtClean="0"/>
-              <a:t>3/2/20</a:t>
+              <a:t>8/27/19</a:t>
             </a:fld>
             <a:endParaRPr lang="en-US"/>
           </a:p>
@@ -1774,7 +2700,7 @@
           <a:p>
             <a:fld id="{937E6D32-4C03-264D-8FDB-034DA7582E3B}" type="datetimeFigureOut">
               <a:rPr lang="en-US" smtClean="0"/>
-              <a:t>3/2/20</a:t>
+              <a:t>8/27/19</a:t>
             </a:fld>
             <a:endParaRPr lang="en-US"/>
           </a:p>
@@ -1982,7 +2908,7 @@
           <a:p>
             <a:fld id="{937E6D32-4C03-264D-8FDB-034DA7582E3B}" type="datetimeFigureOut">
               <a:rPr lang="en-US" smtClean="0"/>
-              <a:t>3/2/20</a:t>
+              <a:t>8/27/19</a:t>
             </a:fld>
             <a:endParaRPr lang="en-US"/>
           </a:p>
@@ -2180,7 +3106,7 @@
           <a:p>
             <a:fld id="{937E6D32-4C03-264D-8FDB-034DA7582E3B}" type="datetimeFigureOut">
               <a:rPr lang="en-US" smtClean="0"/>
-              <a:t>3/2/20</a:t>
+              <a:t>8/27/19</a:t>
             </a:fld>
             <a:endParaRPr lang="en-US"/>
           </a:p>
@@ -2455,7 +3381,7 @@
           <a:p>
             <a:fld id="{937E6D32-4C03-264D-8FDB-034DA7582E3B}" type="datetimeFigureOut">
               <a:rPr lang="en-US" smtClean="0"/>
-              <a:t>3/2/20</a:t>
+              <a:t>8/27/19</a:t>
             </a:fld>
             <a:endParaRPr lang="en-US"/>
           </a:p>
@@ -2720,7 +3646,7 @@
           <a:p>
             <a:fld id="{937E6D32-4C03-264D-8FDB-034DA7582E3B}" type="datetimeFigureOut">
               <a:rPr lang="en-US" smtClean="0"/>
-              <a:t>3/2/20</a:t>
+              <a:t>8/27/19</a:t>
             </a:fld>
             <a:endParaRPr lang="en-US"/>
           </a:p>
@@ -3132,7 +4058,7 @@
           <a:p>
             <a:fld id="{937E6D32-4C03-264D-8FDB-034DA7582E3B}" type="datetimeFigureOut">
               <a:rPr lang="en-US" smtClean="0"/>
-              <a:t>3/2/20</a:t>
+              <a:t>8/27/19</a:t>
             </a:fld>
             <a:endParaRPr lang="en-US"/>
           </a:p>
@@ -3273,7 +4199,7 @@
           <a:p>
             <a:fld id="{937E6D32-4C03-264D-8FDB-034DA7582E3B}" type="datetimeFigureOut">
               <a:rPr lang="en-US" smtClean="0"/>
-              <a:t>3/2/20</a:t>
+              <a:t>8/27/19</a:t>
             </a:fld>
             <a:endParaRPr lang="en-US"/>
           </a:p>
@@ -3386,7 +4312,7 @@
           <a:p>
             <a:fld id="{937E6D32-4C03-264D-8FDB-034DA7582E3B}" type="datetimeFigureOut">
               <a:rPr lang="en-US" smtClean="0"/>
-              <a:t>3/2/20</a:t>
+              <a:t>8/27/19</a:t>
             </a:fld>
             <a:endParaRPr lang="en-US"/>
           </a:p>
@@ -3697,7 +4623,7 @@
           <a:p>
             <a:fld id="{937E6D32-4C03-264D-8FDB-034DA7582E3B}" type="datetimeFigureOut">
               <a:rPr lang="en-US" smtClean="0"/>
-              <a:t>3/2/20</a:t>
+              <a:t>8/27/19</a:t>
             </a:fld>
             <a:endParaRPr lang="en-US"/>
           </a:p>
@@ -3985,7 +4911,7 @@
           <a:p>
             <a:fld id="{937E6D32-4C03-264D-8FDB-034DA7582E3B}" type="datetimeFigureOut">
               <a:rPr lang="en-US" smtClean="0"/>
-              <a:t>3/2/20</a:t>
+              <a:t>8/27/19</a:t>
             </a:fld>
             <a:endParaRPr lang="en-US"/>
           </a:p>
@@ -4226,7 +5152,7 @@
           <a:p>
             <a:fld id="{937E6D32-4C03-264D-8FDB-034DA7582E3B}" type="datetimeFigureOut">
               <a:rPr lang="en-US" smtClean="0"/>
-              <a:t>3/2/20</a:t>
+              <a:t>8/27/19</a:t>
             </a:fld>
             <a:endParaRPr lang="en-US"/>
           </a:p>
@@ -4669,11 +5595,20 @@
           <a:bodyPr/>
           <a:lstStyle/>
           <a:p>
-            <a:pPr marL="0" lvl="0" indent="0">
+            <a:pPr lvl="0" marL="0" indent="0">
               <a:buNone/>
             </a:pPr>
             <a:r>
-              <a:t>Basic Statistics</a:t>
+              <a:rPr/>
+              <a:t>Basic</a:t>
+            </a:r>
+            <a:r>
+              <a:rPr/>
+              <a:t> </a:t>
+            </a:r>
+            <a:r>
+              <a:rPr/>
+              <a:t>Statistics</a:t>
             </a:r>
           </a:p>
         </p:txBody>
@@ -4704,20 +5639,16 @@
           <a:bodyPr/>
           <a:lstStyle/>
           <a:p>
-            <a:pPr marL="0" lvl="0" indent="0">
+            <a:pPr lvl="0" marL="0" indent="0">
               <a:buNone/>
             </a:pPr>
             <a:br/>
             <a:br/>
-            <a:endParaRPr/>
           </a:p>
         </p:txBody>
       </p:sp>
     </p:spTree>
   </p:cSld>
-  <p:clrMapOvr>
-    <a:masterClrMapping/>
-  </p:clrMapOvr>
 </p:sld>
 </file>
 
@@ -4743,7 +5674,7 @@
           <p:cNvPr id="2" name="Title 1">
             <a:extLst>
               <a:ext uri="{FF2B5EF4-FFF2-40B4-BE49-F238E27FC236}">
-                <a16:creationId xmlns:a16="http://schemas.microsoft.com/office/drawing/2014/main" id="{5567D468-EE70-CD4E-A3AC-039CC11EF1FB}"/>
+                <a16:creationId xmlns:a16="http://schemas.microsoft.com/office/drawing/2014/main" id="{0CF11FE2-61CD-2E40-A43A-EED9A845FF8A}"/>
               </a:ext>
             </a:extLst>
           </p:cNvPr>
@@ -4759,11 +5690,36 @@
           <a:bodyPr/>
           <a:lstStyle/>
           <a:p>
-            <a:pPr marL="0" lvl="0" indent="0">
+            <a:pPr lvl="0" marL="0" indent="0">
               <a:buNone/>
             </a:pPr>
             <a:r>
-              <a:t>Types of discrete variables</a:t>
+              <a:rPr/>
+              <a:t>Types</a:t>
+            </a:r>
+            <a:r>
+              <a:rPr/>
+              <a:t> </a:t>
+            </a:r>
+            <a:r>
+              <a:rPr/>
+              <a:t>of</a:t>
+            </a:r>
+            <a:r>
+              <a:rPr/>
+              <a:t> </a:t>
+            </a:r>
+            <a:r>
+              <a:rPr/>
+              <a:t>discrete</a:t>
+            </a:r>
+            <a:r>
+              <a:rPr/>
+              <a:t> </a:t>
+            </a:r>
+            <a:r>
+              <a:rPr/>
+              <a:t>variables</a:t>
             </a:r>
           </a:p>
         </p:txBody>
@@ -4773,15 +5729,15 @@
           <p:cNvPr id="3" name="Content Placeholder 2">
             <a:extLst>
               <a:ext uri="{FF2B5EF4-FFF2-40B4-BE49-F238E27FC236}">
-                <a16:creationId xmlns:a16="http://schemas.microsoft.com/office/drawing/2014/main" id="{D10DDA37-E46B-B641-BC9F-636CB92A2C08}"/>
-              </a:ext>
-            </a:extLst>
-          </p:cNvPr>
-          <p:cNvSpPr>
-            <a:spLocks noGrp="1"/>
-          </p:cNvSpPr>
-          <p:nvPr>
-            <p:ph idx="1"/>
+                <a16:creationId xmlns:a16="http://schemas.microsoft.com/office/drawing/2014/main" id="{C1CB83AA-6B3D-8243-8929-B2C82ECF02B5}"/>
+              </a:ext>
+            </a:extLst>
+          </p:cNvPr>
+          <p:cNvSpPr>
+            <a:spLocks noGrp="1"/>
+          </p:cNvSpPr>
+          <p:nvPr>
+            <p:ph sz="half" idx="1"/>
           </p:nvPr>
         </p:nvSpPr>
         <p:spPr/>
@@ -4791,122 +5747,31 @@
           <a:p>
             <a:pPr lvl="1"/>
             <a:r>
-              <a:t>Nominal</a:t>
+              <a:rPr/>
+              <a:t>Ordinal</a:t>
             </a:r>
           </a:p>
           <a:p>
             <a:pPr lvl="2"/>
             <a:r>
-              <a:t>e.g. hair colour, types of antibiotics</a:t>
+              <a:rPr/>
+              <a:t>There is an order e.g. </a:t>
+            </a:r>
+            <a:r>
+              <a:rPr sz="1800">
+                <a:latin typeface="Courier"/>
+              </a:rPr>
+              <a:t>care_level</a:t>
+            </a:r>
+            <a:r>
+              <a:rPr/>
+              <a:t> where Level 3 &gt; Level 2 &gt; Level 1 etc.</a:t>
             </a:r>
           </a:p>
           <a:p>
             <a:pPr lvl="2"/>
             <a:r>
-              <a:t>There is no order between the data types (e.g. blonde, brunette, red hair)</a:t>
-            </a:r>
-          </a:p>
-        </p:txBody>
-      </p:sp>
-    </p:spTree>
-  </p:cSld>
-  <p:clrMapOvr>
-    <a:masterClrMapping/>
-  </p:clrMapOvr>
-</p:sld>
-</file>
-
-<file path=ppt/slides/slide11.xml><?xml version="1.0" encoding="utf-8"?>
-<p:sld xmlns:a="http://schemas.openxmlformats.org/drawingml/2006/main" xmlns:r="http://schemas.openxmlformats.org/officeDocument/2006/relationships" xmlns:p="http://schemas.openxmlformats.org/presentationml/2006/main">
-  <p:cSld>
-    <p:spTree>
-      <p:nvGrpSpPr>
-        <p:cNvPr id="1" name=""/>
-        <p:cNvGrpSpPr/>
-        <p:nvPr/>
-      </p:nvGrpSpPr>
-      <p:grpSpPr>
-        <a:xfrm>
-          <a:off x="0" y="0"/>
-          <a:ext cx="0" cy="0"/>
-          <a:chOff x="0" y="0"/>
-          <a:chExt cx="0" cy="0"/>
-        </a:xfrm>
-      </p:grpSpPr>
-      <p:sp>
-        <p:nvSpPr>
-          <p:cNvPr id="2" name="Title 1">
-            <a:extLst>
-              <a:ext uri="{FF2B5EF4-FFF2-40B4-BE49-F238E27FC236}">
-                <a16:creationId xmlns:a16="http://schemas.microsoft.com/office/drawing/2014/main" id="{0CF11FE2-61CD-2E40-A43A-EED9A845FF8A}"/>
-              </a:ext>
-            </a:extLst>
-          </p:cNvPr>
-          <p:cNvSpPr>
-            <a:spLocks noGrp="1"/>
-          </p:cNvSpPr>
-          <p:nvPr>
-            <p:ph type="title"/>
-          </p:nvPr>
-        </p:nvSpPr>
-        <p:spPr/>
-        <p:txBody>
-          <a:bodyPr/>
-          <a:lstStyle/>
-          <a:p>
-            <a:pPr marL="0" lvl="0" indent="0">
-              <a:buNone/>
-            </a:pPr>
-            <a:r>
-              <a:t>Types of discrete variables</a:t>
-            </a:r>
-          </a:p>
-        </p:txBody>
-      </p:sp>
-      <p:sp>
-        <p:nvSpPr>
-          <p:cNvPr id="3" name="Content Placeholder 2">
-            <a:extLst>
-              <a:ext uri="{FF2B5EF4-FFF2-40B4-BE49-F238E27FC236}">
-                <a16:creationId xmlns:a16="http://schemas.microsoft.com/office/drawing/2014/main" id="{C1CB83AA-6B3D-8243-8929-B2C82ECF02B5}"/>
-              </a:ext>
-            </a:extLst>
-          </p:cNvPr>
-          <p:cNvSpPr>
-            <a:spLocks noGrp="1"/>
-          </p:cNvSpPr>
-          <p:nvPr>
-            <p:ph sz="half" idx="1"/>
-          </p:nvPr>
-        </p:nvSpPr>
-        <p:spPr/>
-        <p:txBody>
-          <a:bodyPr/>
-          <a:lstStyle/>
-          <a:p>
-            <a:pPr lvl="1"/>
-            <a:r>
-              <a:t>Ordinal</a:t>
-            </a:r>
-          </a:p>
-          <a:p>
-            <a:pPr lvl="2"/>
-            <a:r>
-              <a:t>There is an order e.g. </a:t>
-            </a:r>
-            <a:r>
-              <a:rPr sz="1800">
-                <a:latin typeface="Courier"/>
-              </a:rPr>
-              <a:t>care_level</a:t>
-            </a:r>
-            <a:r>
-              <a:t> where Level 3 &gt; Level 2 &gt; Level 1 etc.</a:t>
-            </a:r>
-          </a:p>
-          <a:p>
-            <a:pPr lvl="2"/>
-            <a:r>
+              <a:rPr/>
               <a:t>However, the difference between Level 1 and Level 2 critical care may not be the same as the difference between Level 2 and Level 3.</a:t>
             </a:r>
           </a:p>
@@ -4914,7 +5779,7 @@
       </p:sp>
       <p:pic>
         <p:nvPicPr>
-          <p:cNvPr id="4" name="Picture 1" descr="../Images/OrdinalData.png"/>
+          <p:cNvPr descr="../Images/OrdinalData.png" id="0" name="Picture 1"/>
           <p:cNvPicPr>
             <a:picLocks noGrp="1" noChangeAspect="1"/>
           </p:cNvPicPr>
@@ -4944,13 +5809,10 @@
       </p:pic>
     </p:spTree>
   </p:cSld>
-  <p:clrMapOvr>
-    <a:masterClrMapping/>
-  </p:clrMapOvr>
 </p:sld>
 </file>
 
-<file path=ppt/slides/slide12.xml><?xml version="1.0" encoding="utf-8"?>
+<file path=ppt/slides/slide11.xml><?xml version="1.0" encoding="utf-8"?>
 <p:sld xmlns:a="http://schemas.openxmlformats.org/drawingml/2006/main" xmlns:r="http://schemas.openxmlformats.org/officeDocument/2006/relationships" xmlns:p="http://schemas.openxmlformats.org/presentationml/2006/main">
   <p:cSld>
     <p:spTree>
@@ -4988,11 +5850,36 @@
           <a:bodyPr/>
           <a:lstStyle/>
           <a:p>
-            <a:pPr marL="0" lvl="0" indent="0">
+            <a:pPr lvl="0" marL="0" indent="0">
               <a:buNone/>
             </a:pPr>
             <a:r>
-              <a:t>Types of discrete data</a:t>
+              <a:rPr/>
+              <a:t>Types</a:t>
+            </a:r>
+            <a:r>
+              <a:rPr/>
+              <a:t> </a:t>
+            </a:r>
+            <a:r>
+              <a:rPr/>
+              <a:t>of</a:t>
+            </a:r>
+            <a:r>
+              <a:rPr/>
+              <a:t> </a:t>
+            </a:r>
+            <a:r>
+              <a:rPr/>
+              <a:t>discrete</a:t>
+            </a:r>
+            <a:r>
+              <a:rPr/>
+              <a:t> </a:t>
+            </a:r>
+            <a:r>
+              <a:rPr/>
+              <a:t>data</a:t>
             </a:r>
           </a:p>
         </p:txBody>
@@ -5020,13 +5907,15 @@
           <a:p>
             <a:pPr lvl="1"/>
             <a:r>
+              <a:rPr/>
               <a:t>Interval</a:t>
             </a:r>
           </a:p>
           <a:p>
             <a:pPr lvl="2"/>
             <a:r>
-              <a:t>There is an order to data points (e.g. </a:t>
+              <a:rPr/>
+              <a:t>There is an order to data points (e.g. </a:t>
             </a:r>
             <a:r>
               <a:rPr sz="1800">
@@ -5035,14 +5924,22 @@
               <a:t>age_cat</a:t>
             </a:r>
             <a:r>
+              <a:rPr/>
               <a:t> for age centile) and the difference between these points are equal (e.g. 10 years)</a:t>
+            </a:r>
+          </a:p>
+          <a:p>
+            <a:pPr lvl="2"/>
+            <a:r>
+              <a:rPr/>
+              <a:t>You can bin a continous variable into intervals.</a:t>
             </a:r>
           </a:p>
         </p:txBody>
       </p:sp>
       <p:pic>
         <p:nvPicPr>
-          <p:cNvPr id="4" name="Picture 1" descr="../Images/IntervalData.png"/>
+          <p:cNvPr descr="../Images/IntervalData.png" id="0" name="Picture 1"/>
           <p:cNvPicPr>
             <a:picLocks noGrp="1" noChangeAspect="1"/>
           </p:cNvPicPr>
@@ -5072,9 +5969,103 @@
       </p:pic>
     </p:spTree>
   </p:cSld>
-  <p:clrMapOvr>
-    <a:masterClrMapping/>
-  </p:clrMapOvr>
+</p:sld>
+</file>
+
+<file path=ppt/slides/slide12.xml><?xml version="1.0" encoding="utf-8"?>
+<p:sld xmlns:a="http://schemas.openxmlformats.org/drawingml/2006/main" xmlns:r="http://schemas.openxmlformats.org/officeDocument/2006/relationships" xmlns:p="http://schemas.openxmlformats.org/presentationml/2006/main">
+  <p:cSld>
+    <p:spTree>
+      <p:nvGrpSpPr>
+        <p:cNvPr id="1" name=""/>
+        <p:cNvGrpSpPr/>
+        <p:nvPr/>
+      </p:nvGrpSpPr>
+      <p:grpSpPr>
+        <a:xfrm>
+          <a:off x="0" y="0"/>
+          <a:ext cx="0" cy="0"/>
+          <a:chOff x="0" y="0"/>
+          <a:chExt cx="0" cy="0"/>
+        </a:xfrm>
+      </p:grpSpPr>
+      <p:sp>
+        <p:nvSpPr>
+          <p:cNvPr id="2" name="Title 1">
+            <a:extLst>
+              <a:ext uri="{FF2B5EF4-FFF2-40B4-BE49-F238E27FC236}">
+                <a16:creationId xmlns:a16="http://schemas.microsoft.com/office/drawing/2014/main" id="{5567D468-EE70-CD4E-A3AC-039CC11EF1FB}"/>
+              </a:ext>
+            </a:extLst>
+          </p:cNvPr>
+          <p:cNvSpPr>
+            <a:spLocks noGrp="1"/>
+          </p:cNvSpPr>
+          <p:nvPr>
+            <p:ph type="title"/>
+          </p:nvPr>
+        </p:nvSpPr>
+        <p:spPr/>
+        <p:txBody>
+          <a:bodyPr/>
+          <a:lstStyle/>
+          <a:p>
+            <a:pPr lvl="0" marL="0" indent="0">
+              <a:buNone/>
+            </a:pPr>
+            <a:r>
+              <a:rPr/>
+              <a:t>Describing</a:t>
+            </a:r>
+            <a:r>
+              <a:rPr/>
+              <a:t> </a:t>
+            </a:r>
+            <a:r>
+              <a:rPr/>
+              <a:t>data</a:t>
+            </a:r>
+          </a:p>
+        </p:txBody>
+      </p:sp>
+      <p:sp>
+        <p:nvSpPr>
+          <p:cNvPr id="3" name="Content Placeholder 2">
+            <a:extLst>
+              <a:ext uri="{FF2B5EF4-FFF2-40B4-BE49-F238E27FC236}">
+                <a16:creationId xmlns:a16="http://schemas.microsoft.com/office/drawing/2014/main" id="{D10DDA37-E46B-B641-BC9F-636CB92A2C08}"/>
+              </a:ext>
+            </a:extLst>
+          </p:cNvPr>
+          <p:cNvSpPr>
+            <a:spLocks noGrp="1"/>
+          </p:cNvSpPr>
+          <p:nvPr>
+            <p:ph idx="1"/>
+          </p:nvPr>
+        </p:nvSpPr>
+        <p:spPr/>
+        <p:txBody>
+          <a:bodyPr/>
+          <a:lstStyle/>
+          <a:p>
+            <a:pPr lvl="1"/>
+            <a:r>
+              <a:rPr/>
+              <a:t>Continuous variables</a:t>
+            </a:r>
+          </a:p>
+          <a:p>
+            <a:pPr lvl="1"/>
+            <a:r>
+              <a:rPr/>
+              <a:t>Discrete variables</a:t>
+            </a:r>
+          </a:p>
+        </p:txBody>
+      </p:sp>
+    </p:spTree>
+  </p:cSld>
 </p:sld>
 </file>
 
@@ -5100,7 +6091,7 @@
           <p:cNvPr id="2" name="Title 1">
             <a:extLst>
               <a:ext uri="{FF2B5EF4-FFF2-40B4-BE49-F238E27FC236}">
-                <a16:creationId xmlns:a16="http://schemas.microsoft.com/office/drawing/2014/main" id="{5567D468-EE70-CD4E-A3AC-039CC11EF1FB}"/>
+                <a16:creationId xmlns:a16="http://schemas.microsoft.com/office/drawing/2014/main" id="{0CF11FE2-61CD-2E40-A43A-EED9A845FF8A}"/>
               </a:ext>
             </a:extLst>
           </p:cNvPr>
@@ -5116,11 +6107,28 @@
           <a:bodyPr/>
           <a:lstStyle/>
           <a:p>
-            <a:pPr marL="0" lvl="0" indent="0">
+            <a:pPr lvl="0" marL="0" indent="0">
               <a:buNone/>
             </a:pPr>
             <a:r>
-              <a:t>Describing data</a:t>
+              <a:rPr/>
+              <a:t>Describing</a:t>
+            </a:r>
+            <a:r>
+              <a:rPr/>
+              <a:t> </a:t>
+            </a:r>
+            <a:r>
+              <a:rPr/>
+              <a:t>continuous</a:t>
+            </a:r>
+            <a:r>
+              <a:rPr/>
+              <a:t> </a:t>
+            </a:r>
+            <a:r>
+              <a:rPr/>
+              <a:t>data.</a:t>
             </a:r>
           </a:p>
         </p:txBody>
@@ -5130,120 +6138,32 @@
           <p:cNvPr id="3" name="Content Placeholder 2">
             <a:extLst>
               <a:ext uri="{FF2B5EF4-FFF2-40B4-BE49-F238E27FC236}">
-                <a16:creationId xmlns:a16="http://schemas.microsoft.com/office/drawing/2014/main" id="{D10DDA37-E46B-B641-BC9F-636CB92A2C08}"/>
-              </a:ext>
-            </a:extLst>
-          </p:cNvPr>
-          <p:cNvSpPr>
-            <a:spLocks noGrp="1"/>
-          </p:cNvSpPr>
-          <p:nvPr>
-            <p:ph idx="1"/>
-          </p:nvPr>
-        </p:nvSpPr>
-        <p:spPr/>
-        <p:txBody>
-          <a:bodyPr/>
-          <a:lstStyle/>
-          <a:p>
-            <a:pPr lvl="1"/>
-            <a:r>
-              <a:t>Continuous variables</a:t>
-            </a:r>
-          </a:p>
-          <a:p>
-            <a:pPr lvl="1"/>
-            <a:r>
-              <a:t>Discrete variables</a:t>
-            </a:r>
-          </a:p>
-        </p:txBody>
-      </p:sp>
-    </p:spTree>
-  </p:cSld>
-  <p:clrMapOvr>
-    <a:masterClrMapping/>
-  </p:clrMapOvr>
-</p:sld>
-</file>
-
-<file path=ppt/slides/slide14.xml><?xml version="1.0" encoding="utf-8"?>
-<p:sld xmlns:a="http://schemas.openxmlformats.org/drawingml/2006/main" xmlns:r="http://schemas.openxmlformats.org/officeDocument/2006/relationships" xmlns:p="http://schemas.openxmlformats.org/presentationml/2006/main">
-  <p:cSld>
-    <p:spTree>
-      <p:nvGrpSpPr>
-        <p:cNvPr id="1" name=""/>
-        <p:cNvGrpSpPr/>
-        <p:nvPr/>
-      </p:nvGrpSpPr>
-      <p:grpSpPr>
-        <a:xfrm>
-          <a:off x="0" y="0"/>
-          <a:ext cx="0" cy="0"/>
-          <a:chOff x="0" y="0"/>
-          <a:chExt cx="0" cy="0"/>
-        </a:xfrm>
-      </p:grpSpPr>
-      <p:sp>
-        <p:nvSpPr>
-          <p:cNvPr id="2" name="Title 1">
-            <a:extLst>
-              <a:ext uri="{FF2B5EF4-FFF2-40B4-BE49-F238E27FC236}">
-                <a16:creationId xmlns:a16="http://schemas.microsoft.com/office/drawing/2014/main" id="{0CF11FE2-61CD-2E40-A43A-EED9A845FF8A}"/>
-              </a:ext>
-            </a:extLst>
-          </p:cNvPr>
-          <p:cNvSpPr>
-            <a:spLocks noGrp="1"/>
-          </p:cNvSpPr>
-          <p:nvPr>
-            <p:ph type="title"/>
-          </p:nvPr>
-        </p:nvSpPr>
-        <p:spPr/>
-        <p:txBody>
-          <a:bodyPr/>
-          <a:lstStyle/>
-          <a:p>
-            <a:pPr marL="0" lvl="0" indent="0">
+                <a16:creationId xmlns:a16="http://schemas.microsoft.com/office/drawing/2014/main" id="{C1CB83AA-6B3D-8243-8929-B2C82ECF02B5}"/>
+              </a:ext>
+            </a:extLst>
+          </p:cNvPr>
+          <p:cNvSpPr>
+            <a:spLocks noGrp="1"/>
+          </p:cNvSpPr>
+          <p:nvPr>
+            <p:ph sz="half" idx="1"/>
+          </p:nvPr>
+        </p:nvSpPr>
+        <p:spPr/>
+        <p:txBody>
+          <a:bodyPr/>
+          <a:lstStyle/>
+          <a:p>
+            <a:pPr lvl="0" marL="0" indent="0">
               <a:buNone/>
             </a:pPr>
             <a:r>
-              <a:t>Describing continuous data.</a:t>
-            </a:r>
-          </a:p>
-        </p:txBody>
-      </p:sp>
-      <p:sp>
-        <p:nvSpPr>
-          <p:cNvPr id="3" name="Content Placeholder 2">
-            <a:extLst>
-              <a:ext uri="{FF2B5EF4-FFF2-40B4-BE49-F238E27FC236}">
-                <a16:creationId xmlns:a16="http://schemas.microsoft.com/office/drawing/2014/main" id="{C1CB83AA-6B3D-8243-8929-B2C82ECF02B5}"/>
-              </a:ext>
-            </a:extLst>
-          </p:cNvPr>
-          <p:cNvSpPr>
-            <a:spLocks noGrp="1"/>
-          </p:cNvSpPr>
-          <p:nvPr>
-            <p:ph sz="half" idx="1"/>
-          </p:nvPr>
-        </p:nvSpPr>
-        <p:spPr/>
-        <p:txBody>
-          <a:bodyPr/>
-          <a:lstStyle/>
-          <a:p>
-            <a:pPr marL="0" lvl="0" indent="0">
-              <a:buNone/>
-            </a:pPr>
-            <a:r>
+              <a:rPr/>
               <a:t>First establish the distribution of the data.</a:t>
             </a:r>
           </a:p>
           <a:p>
-            <a:pPr marL="1270000" lvl="0" indent="0">
+            <a:pPr lvl="0" marL="1270000" indent="0">
               <a:buNone/>
             </a:pPr>
             <a:r>
@@ -5327,10 +6247,11 @@
             </a:r>
           </a:p>
           <a:p>
-            <a:pPr marL="0" lvl="0" indent="0">
+            <a:pPr lvl="0" marL="0" indent="0">
               <a:buNone/>
             </a:pPr>
             <a:r>
+              <a:rPr/>
               <a:t>What is the distribution of this data?</a:t>
             </a:r>
           </a:p>
@@ -5338,7 +6259,7 @@
       </p:sp>
       <p:pic>
         <p:nvPicPr>
-          <p:cNvPr id="4" name="Picture 1" descr="../Images/hist_age.png"/>
+          <p:cNvPr descr="../Images/hist_age.png" id="0" name="Picture 1"/>
           <p:cNvPicPr>
             <a:picLocks noGrp="1" noChangeAspect="1"/>
           </p:cNvPicPr>
@@ -5368,13 +6289,10 @@
       </p:pic>
     </p:spTree>
   </p:cSld>
-  <p:clrMapOvr>
-    <a:masterClrMapping/>
-  </p:clrMapOvr>
 </p:sld>
 </file>
 
-<file path=ppt/slides/slide15.xml><?xml version="1.0" encoding="utf-8"?>
+<file path=ppt/slides/slide14.xml><?xml version="1.0" encoding="utf-8"?>
 <p:sld xmlns:a="http://schemas.openxmlformats.org/drawingml/2006/main" xmlns:r="http://schemas.openxmlformats.org/officeDocument/2006/relationships" xmlns:p="http://schemas.openxmlformats.org/presentationml/2006/main">
   <p:cSld>
     <p:spTree>
@@ -5412,11 +6330,52 @@
           <a:bodyPr/>
           <a:lstStyle/>
           <a:p>
-            <a:pPr marL="0" lvl="0" indent="0">
+            <a:pPr lvl="0" marL="0" indent="0">
               <a:buNone/>
             </a:pPr>
             <a:r>
-              <a:t>What is the distribution of height?</a:t>
+              <a:rPr/>
+              <a:t>What</a:t>
+            </a:r>
+            <a:r>
+              <a:rPr/>
+              <a:t> </a:t>
+            </a:r>
+            <a:r>
+              <a:rPr/>
+              <a:t>is</a:t>
+            </a:r>
+            <a:r>
+              <a:rPr/>
+              <a:t> </a:t>
+            </a:r>
+            <a:r>
+              <a:rPr/>
+              <a:t>the</a:t>
+            </a:r>
+            <a:r>
+              <a:rPr/>
+              <a:t> </a:t>
+            </a:r>
+            <a:r>
+              <a:rPr/>
+              <a:t>distribution</a:t>
+            </a:r>
+            <a:r>
+              <a:rPr/>
+              <a:t> </a:t>
+            </a:r>
+            <a:r>
+              <a:rPr/>
+              <a:t>of</a:t>
+            </a:r>
+            <a:r>
+              <a:rPr/>
+              <a:t> </a:t>
+            </a:r>
+            <a:r>
+              <a:rPr/>
+              <a:t>height?</a:t>
             </a:r>
           </a:p>
         </p:txBody>
@@ -5442,15 +6401,16 @@
           <a:bodyPr/>
           <a:lstStyle/>
           <a:p>
-            <a:pPr marL="0" lvl="0" indent="0">
+            <a:pPr lvl="0" marL="0" indent="0">
               <a:buNone/>
             </a:pPr>
             <a:r>
+              <a:rPr/>
               <a:t>Try this command</a:t>
             </a:r>
           </a:p>
           <a:p>
-            <a:pPr marL="1270000" lvl="0" indent="0">
+            <a:pPr lvl="0" marL="1270000" indent="0">
               <a:buNone/>
             </a:pPr>
             <a:r>
@@ -5549,10 +6509,11 @@
             </a:r>
           </a:p>
           <a:p>
-            <a:pPr marL="0" lvl="0" indent="0">
+            <a:pPr lvl="0" marL="0" indent="0">
               <a:buNone/>
             </a:pPr>
             <a:r>
+              <a:rPr/>
               <a:t>What is the distribution of this data?</a:t>
             </a:r>
           </a:p>
@@ -5560,7 +6521,7 @@
       </p:sp>
       <p:pic>
         <p:nvPicPr>
-          <p:cNvPr id="4" name="Picture 1" descr="../Images/hist_height.png"/>
+          <p:cNvPr descr="../Images/hist_height.png" id="0" name="Picture 1"/>
           <p:cNvPicPr>
             <a:picLocks noGrp="1" noChangeAspect="1"/>
           </p:cNvPicPr>
@@ -5590,9 +6551,151 @@
       </p:pic>
     </p:spTree>
   </p:cSld>
-  <p:clrMapOvr>
-    <a:masterClrMapping/>
-  </p:clrMapOvr>
+</p:sld>
+</file>
+
+<file path=ppt/slides/slide15.xml><?xml version="1.0" encoding="utf-8"?>
+<p:sld xmlns:a="http://schemas.openxmlformats.org/drawingml/2006/main" xmlns:r="http://schemas.openxmlformats.org/officeDocument/2006/relationships" xmlns:p="http://schemas.openxmlformats.org/presentationml/2006/main">
+  <p:cSld>
+    <p:spTree>
+      <p:nvGrpSpPr>
+        <p:cNvPr id="1" name=""/>
+        <p:cNvGrpSpPr/>
+        <p:nvPr/>
+      </p:nvGrpSpPr>
+      <p:grpSpPr>
+        <a:xfrm>
+          <a:off x="0" y="0"/>
+          <a:ext cx="0" cy="0"/>
+          <a:chOff x="0" y="0"/>
+          <a:chExt cx="0" cy="0"/>
+        </a:xfrm>
+      </p:grpSpPr>
+      <p:sp>
+        <p:nvSpPr>
+          <p:cNvPr id="2" name="Title 1">
+            <a:extLst>
+              <a:ext uri="{FF2B5EF4-FFF2-40B4-BE49-F238E27FC236}">
+                <a16:creationId xmlns:a16="http://schemas.microsoft.com/office/drawing/2014/main" id="{5567D468-EE70-CD4E-A3AC-039CC11EF1FB}"/>
+              </a:ext>
+            </a:extLst>
+          </p:cNvPr>
+          <p:cNvSpPr>
+            <a:spLocks noGrp="1"/>
+          </p:cNvSpPr>
+          <p:nvPr>
+            <p:ph type="title"/>
+          </p:nvPr>
+        </p:nvSpPr>
+        <p:spPr/>
+        <p:txBody>
+          <a:bodyPr/>
+          <a:lstStyle/>
+          <a:p>
+            <a:pPr lvl="0" marL="0" indent="0">
+              <a:buNone/>
+            </a:pPr>
+            <a:r>
+              <a:rPr/>
+              <a:t>Parametric</a:t>
+            </a:r>
+            <a:r>
+              <a:rPr/>
+              <a:t> </a:t>
+            </a:r>
+            <a:r>
+              <a:rPr/>
+              <a:t>vs</a:t>
+            </a:r>
+            <a:r>
+              <a:rPr/>
+              <a:t> </a:t>
+            </a:r>
+            <a:r>
+              <a:rPr/>
+              <a:t>non-parametric</a:t>
+            </a:r>
+            <a:r>
+              <a:rPr/>
+              <a:t> </a:t>
+            </a:r>
+            <a:r>
+              <a:rPr/>
+              <a:t>data</a:t>
+            </a:r>
+          </a:p>
+        </p:txBody>
+      </p:sp>
+      <p:sp>
+        <p:nvSpPr>
+          <p:cNvPr id="3" name="Content Placeholder 2">
+            <a:extLst>
+              <a:ext uri="{FF2B5EF4-FFF2-40B4-BE49-F238E27FC236}">
+                <a16:creationId xmlns:a16="http://schemas.microsoft.com/office/drawing/2014/main" id="{D10DDA37-E46B-B641-BC9F-636CB92A2C08}"/>
+              </a:ext>
+            </a:extLst>
+          </p:cNvPr>
+          <p:cNvSpPr>
+            <a:spLocks noGrp="1"/>
+          </p:cNvSpPr>
+          <p:nvPr>
+            <p:ph idx="1"/>
+          </p:nvPr>
+        </p:nvSpPr>
+        <p:spPr/>
+        <p:txBody>
+          <a:bodyPr/>
+          <a:lstStyle/>
+          <a:p>
+            <a:pPr lvl="1"/>
+            <a:r>
+              <a:rPr/>
+              <a:t>Parametric data</a:t>
+            </a:r>
+          </a:p>
+          <a:p>
+            <a:pPr lvl="2"/>
+            <a:r>
+              <a:rPr/>
+              <a:t>The data follows a known distribution</a:t>
+            </a:r>
+          </a:p>
+          <a:p>
+            <a:pPr lvl="2"/>
+            <a:r>
+              <a:rPr/>
+              <a:t>It can be described using </a:t>
+            </a:r>
+            <a:r>
+              <a:rPr i="1"/>
+              <a:t>parameters</a:t>
+            </a:r>
+          </a:p>
+          <a:p>
+            <a:pPr lvl="2"/>
+            <a:r>
+              <a:rPr/>
+              <a:t>Examples of distributions include normal, poission, exponential.</a:t>
+            </a:r>
+          </a:p>
+          <a:p>
+            <a:pPr lvl="1"/>
+            <a:r>
+              <a:rPr/>
+              <a:t>Non parametric data</a:t>
+            </a:r>
+          </a:p>
+          <a:p>
+            <a:pPr lvl="2"/>
+            <a:r>
+              <a:rPr/>
+              <a:t>The data can’t be said to follow a known distribution</a:t>
+            </a:r>
+          </a:p>
+        </p:txBody>
+      </p:sp>
+    </p:spTree>
+  </p:cSld>
 </p:sld>
 </file>
 
@@ -5634,11 +6737,44 @@
           <a:bodyPr/>
           <a:lstStyle/>
           <a:p>
-            <a:pPr marL="0" lvl="0" indent="0">
+            <a:pPr lvl="0" marL="0" indent="0">
               <a:buNone/>
             </a:pPr>
             <a:r>
-              <a:t>Parametric vs non-parametric data</a:t>
+              <a:rPr/>
+              <a:t>Describing</a:t>
+            </a:r>
+            <a:r>
+              <a:rPr/>
+              <a:t> </a:t>
+            </a:r>
+            <a:r>
+              <a:rPr/>
+              <a:t>parametric</a:t>
+            </a:r>
+            <a:r>
+              <a:rPr/>
+              <a:t> </a:t>
+            </a:r>
+            <a:r>
+              <a:rPr/>
+              <a:t>and</a:t>
+            </a:r>
+            <a:r>
+              <a:rPr/>
+              <a:t> </a:t>
+            </a:r>
+            <a:r>
+              <a:rPr/>
+              <a:t>non-parametric</a:t>
+            </a:r>
+            <a:r>
+              <a:rPr/>
+              <a:t> </a:t>
+            </a:r>
+            <a:r>
+              <a:rPr/>
+              <a:t>data</a:t>
             </a:r>
           </a:p>
         </p:txBody>
@@ -5664,52 +6800,84 @@
           <a:bodyPr/>
           <a:lstStyle/>
           <a:p>
+            <a:pPr lvl="0" marL="0" indent="0">
+              <a:buNone/>
+            </a:pPr>
+            <a:r>
+              <a:rPr/>
+              <a:t>How do you use numbers to convey what your data looks like.</a:t>
+            </a:r>
+          </a:p>
+          <a:p>
             <a:pPr lvl="1"/>
             <a:r>
+              <a:rPr/>
               <a:t>Parametric data</a:t>
             </a:r>
           </a:p>
           <a:p>
             <a:pPr lvl="2"/>
             <a:r>
-              <a:t>The data follows a known distribution</a:t>
+              <a:rPr/>
+              <a:t>Use the parameters that describe the distribution.</a:t>
             </a:r>
           </a:p>
           <a:p>
             <a:pPr lvl="2"/>
             <a:r>
-              <a:t>It can be described using </a:t>
-            </a:r>
-            <a:r>
-              <a:rPr i="1"/>
-              <a:t>parameters</a:t>
+              <a:rPr/>
+              <a:t>For a Gaussian (normal) distribution - use mean and standard deviation</a:t>
             </a:r>
           </a:p>
           <a:p>
             <a:pPr lvl="2"/>
             <a:r>
-              <a:t>Examples of distributions include, normal, poission, exponential.</a:t>
+              <a:rPr/>
+              <a:t>For a Poission distribution - use average event rate</a:t>
+            </a:r>
+          </a:p>
+          <a:p>
+            <a:pPr lvl="2"/>
+            <a:r>
+              <a:rPr/>
+              <a:t>etc.</a:t>
             </a:r>
           </a:p>
           <a:p>
             <a:pPr lvl="1"/>
             <a:r>
-              <a:t>Non parametric data</a:t>
+              <a:rPr/>
+              <a:t>Non-parametric data</a:t>
             </a:r>
           </a:p>
           <a:p>
             <a:pPr lvl="2"/>
             <a:r>
-              <a:t>The data can’t be said to follow a known distribution</a:t>
+              <a:rPr/>
+              <a:t>Use the median (the middle number when they are ranked from lowest to highest) and the interquartile range (the number 75% of the way up the list when ranked minus the number 25% of the way)</a:t>
+            </a:r>
+          </a:p>
+          <a:p>
+            <a:pPr lvl="1"/>
+            <a:r>
+              <a:rPr/>
+              <a:t>You can use the command </a:t>
+            </a:r>
+            <a:r>
+              <a:rPr sz="1800">
+                <a:latin typeface="Courier"/>
+              </a:rPr>
+              <a:t>summary(data_frame_name)</a:t>
+            </a:r>
+            <a:r>
+              <a:rPr/>
+              <a:t> to get these numbers for each variable.</a:t>
             </a:r>
           </a:p>
         </p:txBody>
       </p:sp>
     </p:spTree>
   </p:cSld>
-  <p:clrMapOvr>
-    <a:masterClrMapping/>
-  </p:clrMapOvr>
 </p:sld>
 </file>
 
@@ -5751,11 +6919,36 @@
           <a:bodyPr/>
           <a:lstStyle/>
           <a:p>
-            <a:pPr marL="0" lvl="0" indent="0">
+            <a:pPr lvl="0" marL="0" indent="0">
               <a:buNone/>
             </a:pPr>
             <a:r>
-              <a:t>Describing parametric and non-parametric data</a:t>
+              <a:rPr/>
+              <a:t>Mean</a:t>
+            </a:r>
+            <a:r>
+              <a:rPr/>
+              <a:t> </a:t>
+            </a:r>
+            <a:r>
+              <a:rPr/>
+              <a:t>versus</a:t>
+            </a:r>
+            <a:r>
+              <a:rPr/>
+              <a:t> </a:t>
+            </a:r>
+            <a:r>
+              <a:rPr/>
+              <a:t>standard</a:t>
+            </a:r>
+            <a:r>
+              <a:rPr/>
+              <a:t> </a:t>
+            </a:r>
+            <a:r>
+              <a:rPr/>
+              <a:t>deviation</a:t>
             </a:r>
           </a:p>
         </p:txBody>
@@ -5781,77 +6974,632 @@
           <a:bodyPr/>
           <a:lstStyle/>
           <a:p>
-            <a:pPr marL="0" lvl="0" indent="0">
+            <a:pPr lvl="1"/>
+            <a:r>
+              <a:rPr/>
+              <a:t>What does standard deviation mean?</a:t>
+            </a:r>
+          </a:p>
+          <a:p>
+            <a:pPr lvl="1"/>
+            <a:r>
+              <a:rPr/>
+              <a:t>Both graphs have the same mean (center), but the second one has data which is more spread out.</a:t>
+            </a:r>
+          </a:p>
+          <a:p>
+            <a:pPr lvl="0" marL="1270000" indent="0">
               <a:buNone/>
             </a:pPr>
             <a:r>
-              <a:t>How do you use numbers to convey what your data looks like.</a:t>
-            </a:r>
-          </a:p>
-          <a:p>
-            <a:pPr lvl="1"/>
-            <a:r>
-              <a:t>Parametric data</a:t>
-            </a:r>
-          </a:p>
-          <a:p>
-            <a:pPr lvl="2"/>
-            <a:r>
-              <a:t>Use the parameters that describe the distribution.</a:t>
-            </a:r>
-          </a:p>
-          <a:p>
-            <a:pPr lvl="2"/>
-            <a:r>
-              <a:t>For a Gaussian (normal) distribution - use mean and standard deviation</a:t>
-            </a:r>
-          </a:p>
-          <a:p>
-            <a:pPr lvl="2"/>
-            <a:r>
-              <a:t>For a Poission distribution - use average event rate</a:t>
-            </a:r>
-          </a:p>
-          <a:p>
-            <a:pPr lvl="2"/>
-            <a:r>
-              <a:t>etc.</a:t>
-            </a:r>
-          </a:p>
-          <a:p>
-            <a:pPr lvl="1"/>
-            <a:r>
-              <a:t>Non Parametric data</a:t>
-            </a:r>
-          </a:p>
-          <a:p>
-            <a:pPr lvl="2"/>
-            <a:r>
-              <a:t>Use the median (the middle number when they are ranked from lowest to highest) and the interquartile range (the number 75% of the way up the list when ranked minus the number 25% of the way)</a:t>
-            </a:r>
-          </a:p>
-          <a:p>
-            <a:pPr lvl="1"/>
-            <a:r>
-              <a:t>You can use the command </a:t>
-            </a:r>
-            <a:r>
-              <a:rPr sz="1800">
-                <a:latin typeface="Courier"/>
-              </a:rPr>
-              <a:t>summary(data_frame_name)</a:t>
-            </a:r>
-            <a:r>
-              <a:t> to get these numbers for each variable.</a:t>
+              <a:rPr sz="1800" i="1">
+                <a:solidFill>
+                  <a:srgbClr val="60A0B0"/>
+                </a:solidFill>
+                <a:latin typeface="Courier"/>
+              </a:rPr>
+              <a:t># small standard deviation</a:t>
+            </a:r>
+            <a:br/>
+            <a:r>
+              <a:rPr sz="1800">
+                <a:latin typeface="Courier"/>
+              </a:rPr>
+              <a:t>dummy_</a:t>
+            </a:r>
+            <a:r>
+              <a:rPr sz="1800">
+                <a:solidFill>
+                  <a:srgbClr val="40A070"/>
+                </a:solidFill>
+                <a:latin typeface="Courier"/>
+              </a:rPr>
+              <a:t>1</a:t>
+            </a:r>
+            <a:r>
+              <a:rPr sz="1800">
+                <a:latin typeface="Courier"/>
+              </a:rPr>
+              <a:t> &lt;-</a:t>
+            </a:r>
+            <a:r>
+              <a:rPr sz="1800">
+                <a:solidFill>
+                  <a:srgbClr val="4070A0"/>
+                </a:solidFill>
+                <a:latin typeface="Courier"/>
+              </a:rPr>
+              <a:t> </a:t>
+            </a:r>
+            <a:r>
+              <a:rPr sz="1800" b="1">
+                <a:solidFill>
+                  <a:srgbClr val="007020"/>
+                </a:solidFill>
+                <a:latin typeface="Courier"/>
+              </a:rPr>
+              <a:t>rnorm</a:t>
+            </a:r>
+            <a:r>
+              <a:rPr sz="1800">
+                <a:latin typeface="Courier"/>
+              </a:rPr>
+              <a:t>(</a:t>
+            </a:r>
+            <a:r>
+              <a:rPr sz="1800">
+                <a:solidFill>
+                  <a:srgbClr val="40A070"/>
+                </a:solidFill>
+                <a:latin typeface="Courier"/>
+              </a:rPr>
+              <a:t>1000</a:t>
+            </a:r>
+            <a:r>
+              <a:rPr sz="1800">
+                <a:latin typeface="Courier"/>
+              </a:rPr>
+              <a:t>, </a:t>
+            </a:r>
+            <a:r>
+              <a:rPr sz="1800">
+                <a:solidFill>
+                  <a:srgbClr val="902000"/>
+                </a:solidFill>
+                <a:latin typeface="Courier"/>
+              </a:rPr>
+              <a:t>mean =</a:t>
+            </a:r>
+            <a:r>
+              <a:rPr sz="1800">
+                <a:latin typeface="Courier"/>
+              </a:rPr>
+              <a:t> </a:t>
+            </a:r>
+            <a:r>
+              <a:rPr sz="1800">
+                <a:solidFill>
+                  <a:srgbClr val="40A070"/>
+                </a:solidFill>
+                <a:latin typeface="Courier"/>
+              </a:rPr>
+              <a:t>10</a:t>
+            </a:r>
+            <a:r>
+              <a:rPr sz="1800">
+                <a:latin typeface="Courier"/>
+              </a:rPr>
+              <a:t>, </a:t>
+            </a:r>
+            <a:r>
+              <a:rPr sz="1800">
+                <a:solidFill>
+                  <a:srgbClr val="902000"/>
+                </a:solidFill>
+                <a:latin typeface="Courier"/>
+              </a:rPr>
+              <a:t>sd =</a:t>
+            </a:r>
+            <a:r>
+              <a:rPr sz="1800">
+                <a:latin typeface="Courier"/>
+              </a:rPr>
+              <a:t> </a:t>
+            </a:r>
+            <a:r>
+              <a:rPr sz="1800">
+                <a:solidFill>
+                  <a:srgbClr val="40A070"/>
+                </a:solidFill>
+                <a:latin typeface="Courier"/>
+              </a:rPr>
+              <a:t>0.5</a:t>
+            </a:r>
+            <a:r>
+              <a:rPr sz="1800">
+                <a:latin typeface="Courier"/>
+              </a:rPr>
+              <a:t>)</a:t>
+            </a:r>
+            <a:br/>
+            <a:r>
+              <a:rPr sz="1800">
+                <a:latin typeface="Courier"/>
+              </a:rPr>
+              <a:t>dummy_</a:t>
+            </a:r>
+            <a:r>
+              <a:rPr sz="1800">
+                <a:solidFill>
+                  <a:srgbClr val="40A070"/>
+                </a:solidFill>
+                <a:latin typeface="Courier"/>
+              </a:rPr>
+              <a:t>1</a:t>
+            </a:r>
+            <a:r>
+              <a:rPr sz="1800">
+                <a:latin typeface="Courier"/>
+              </a:rPr>
+              <a:t> &lt;-</a:t>
+            </a:r>
+            <a:r>
+              <a:rPr sz="1800">
+                <a:solidFill>
+                  <a:srgbClr val="4070A0"/>
+                </a:solidFill>
+                <a:latin typeface="Courier"/>
+              </a:rPr>
+              <a:t> </a:t>
+            </a:r>
+            <a:r>
+              <a:rPr sz="1800" b="1">
+                <a:solidFill>
+                  <a:srgbClr val="007020"/>
+                </a:solidFill>
+                <a:latin typeface="Courier"/>
+              </a:rPr>
+              <a:t>as.data.frame</a:t>
+            </a:r>
+            <a:r>
+              <a:rPr sz="1800">
+                <a:latin typeface="Courier"/>
+              </a:rPr>
+              <a:t>(dummy_</a:t>
+            </a:r>
+            <a:r>
+              <a:rPr sz="1800">
+                <a:solidFill>
+                  <a:srgbClr val="40A070"/>
+                </a:solidFill>
+                <a:latin typeface="Courier"/>
+              </a:rPr>
+              <a:t>1</a:t>
+            </a:r>
+            <a:r>
+              <a:rPr sz="1800">
+                <a:latin typeface="Courier"/>
+              </a:rPr>
+              <a:t>)</a:t>
+            </a:r>
+            <a:br/>
+            <a:r>
+              <a:rPr sz="1800" b="1">
+                <a:solidFill>
+                  <a:srgbClr val="007020"/>
+                </a:solidFill>
+                <a:latin typeface="Courier"/>
+              </a:rPr>
+              <a:t>ggplot</a:t>
+            </a:r>
+            <a:r>
+              <a:rPr sz="1800">
+                <a:latin typeface="Courier"/>
+              </a:rPr>
+              <a:t>(dummy_</a:t>
+            </a:r>
+            <a:r>
+              <a:rPr sz="1800">
+                <a:solidFill>
+                  <a:srgbClr val="40A070"/>
+                </a:solidFill>
+                <a:latin typeface="Courier"/>
+              </a:rPr>
+              <a:t>1</a:t>
+            </a:r>
+            <a:r>
+              <a:rPr sz="1800">
+                <a:latin typeface="Courier"/>
+              </a:rPr>
+              <a:t>, </a:t>
+            </a:r>
+            <a:r>
+              <a:rPr sz="1800" b="1">
+                <a:solidFill>
+                  <a:srgbClr val="007020"/>
+                </a:solidFill>
+                <a:latin typeface="Courier"/>
+              </a:rPr>
+              <a:t>aes</a:t>
+            </a:r>
+            <a:r>
+              <a:rPr sz="1800">
+                <a:latin typeface="Courier"/>
+              </a:rPr>
+              <a:t>(</a:t>
+            </a:r>
+            <a:r>
+              <a:rPr sz="1800">
+                <a:solidFill>
+                  <a:srgbClr val="902000"/>
+                </a:solidFill>
+                <a:latin typeface="Courier"/>
+              </a:rPr>
+              <a:t>x =</a:t>
+            </a:r>
+            <a:r>
+              <a:rPr sz="1800">
+                <a:latin typeface="Courier"/>
+              </a:rPr>
+              <a:t> dummy_</a:t>
+            </a:r>
+            <a:r>
+              <a:rPr sz="1800">
+                <a:solidFill>
+                  <a:srgbClr val="40A070"/>
+                </a:solidFill>
+                <a:latin typeface="Courier"/>
+              </a:rPr>
+              <a:t>1</a:t>
+            </a:r>
+            <a:r>
+              <a:rPr sz="1800">
+                <a:latin typeface="Courier"/>
+              </a:rPr>
+              <a:t>)) </a:t>
+            </a:r>
+            <a:r>
+              <a:rPr sz="1800">
+                <a:solidFill>
+                  <a:srgbClr val="666666"/>
+                </a:solidFill>
+                <a:latin typeface="Courier"/>
+              </a:rPr>
+              <a:t>+</a:t>
+            </a:r>
+            <a:br/>
+            <a:r>
+              <a:rPr sz="1800">
+                <a:solidFill>
+                  <a:srgbClr val="4070A0"/>
+                </a:solidFill>
+                <a:latin typeface="Courier"/>
+              </a:rPr>
+              <a:t>  </a:t>
+            </a:r>
+            <a:r>
+              <a:rPr sz="1800" b="1">
+                <a:solidFill>
+                  <a:srgbClr val="007020"/>
+                </a:solidFill>
+                <a:latin typeface="Courier"/>
+              </a:rPr>
+              <a:t>geom_histogram</a:t>
+            </a:r>
+            <a:r>
+              <a:rPr sz="1800">
+                <a:latin typeface="Courier"/>
+              </a:rPr>
+              <a:t>()</a:t>
+            </a:r>
+            <a:br/>
+            <a:br/>
+            <a:r>
+              <a:rPr sz="1800" i="1">
+                <a:solidFill>
+                  <a:srgbClr val="60A0B0"/>
+                </a:solidFill>
+                <a:latin typeface="Courier"/>
+              </a:rPr>
+              <a:t># larger standard deviation</a:t>
+            </a:r>
+            <a:br/>
+            <a:r>
+              <a:rPr sz="1800">
+                <a:latin typeface="Courier"/>
+              </a:rPr>
+              <a:t>dummy_</a:t>
+            </a:r>
+            <a:r>
+              <a:rPr sz="1800">
+                <a:solidFill>
+                  <a:srgbClr val="40A070"/>
+                </a:solidFill>
+                <a:latin typeface="Courier"/>
+              </a:rPr>
+              <a:t>2</a:t>
+            </a:r>
+            <a:r>
+              <a:rPr sz="1800">
+                <a:latin typeface="Courier"/>
+              </a:rPr>
+              <a:t> &lt;-</a:t>
+            </a:r>
+            <a:r>
+              <a:rPr sz="1800">
+                <a:solidFill>
+                  <a:srgbClr val="4070A0"/>
+                </a:solidFill>
+                <a:latin typeface="Courier"/>
+              </a:rPr>
+              <a:t> </a:t>
+            </a:r>
+            <a:r>
+              <a:rPr sz="1800" b="1">
+                <a:solidFill>
+                  <a:srgbClr val="007020"/>
+                </a:solidFill>
+                <a:latin typeface="Courier"/>
+              </a:rPr>
+              <a:t>rnorm</a:t>
+            </a:r>
+            <a:r>
+              <a:rPr sz="1800">
+                <a:latin typeface="Courier"/>
+              </a:rPr>
+              <a:t>(</a:t>
+            </a:r>
+            <a:r>
+              <a:rPr sz="1800">
+                <a:solidFill>
+                  <a:srgbClr val="40A070"/>
+                </a:solidFill>
+                <a:latin typeface="Courier"/>
+              </a:rPr>
+              <a:t>1000</a:t>
+            </a:r>
+            <a:r>
+              <a:rPr sz="1800">
+                <a:latin typeface="Courier"/>
+              </a:rPr>
+              <a:t>, </a:t>
+            </a:r>
+            <a:r>
+              <a:rPr sz="1800">
+                <a:solidFill>
+                  <a:srgbClr val="902000"/>
+                </a:solidFill>
+                <a:latin typeface="Courier"/>
+              </a:rPr>
+              <a:t>mean =</a:t>
+            </a:r>
+            <a:r>
+              <a:rPr sz="1800">
+                <a:latin typeface="Courier"/>
+              </a:rPr>
+              <a:t> </a:t>
+            </a:r>
+            <a:r>
+              <a:rPr sz="1800">
+                <a:solidFill>
+                  <a:srgbClr val="40A070"/>
+                </a:solidFill>
+                <a:latin typeface="Courier"/>
+              </a:rPr>
+              <a:t>10</a:t>
+            </a:r>
+            <a:r>
+              <a:rPr sz="1800">
+                <a:latin typeface="Courier"/>
+              </a:rPr>
+              <a:t>, </a:t>
+            </a:r>
+            <a:r>
+              <a:rPr sz="1800">
+                <a:solidFill>
+                  <a:srgbClr val="902000"/>
+                </a:solidFill>
+                <a:latin typeface="Courier"/>
+              </a:rPr>
+              <a:t>sd =</a:t>
+            </a:r>
+            <a:r>
+              <a:rPr sz="1800">
+                <a:latin typeface="Courier"/>
+              </a:rPr>
+              <a:t> </a:t>
+            </a:r>
+            <a:r>
+              <a:rPr sz="1800">
+                <a:solidFill>
+                  <a:srgbClr val="40A070"/>
+                </a:solidFill>
+                <a:latin typeface="Courier"/>
+              </a:rPr>
+              <a:t>20</a:t>
+            </a:r>
+            <a:r>
+              <a:rPr sz="1800">
+                <a:latin typeface="Courier"/>
+              </a:rPr>
+              <a:t>)</a:t>
+            </a:r>
+            <a:br/>
+            <a:r>
+              <a:rPr sz="1800">
+                <a:latin typeface="Courier"/>
+              </a:rPr>
+              <a:t>dummy_</a:t>
+            </a:r>
+            <a:r>
+              <a:rPr sz="1800">
+                <a:solidFill>
+                  <a:srgbClr val="40A070"/>
+                </a:solidFill>
+                <a:latin typeface="Courier"/>
+              </a:rPr>
+              <a:t>2</a:t>
+            </a:r>
+            <a:r>
+              <a:rPr sz="1800">
+                <a:latin typeface="Courier"/>
+              </a:rPr>
+              <a:t> &lt;-</a:t>
+            </a:r>
+            <a:r>
+              <a:rPr sz="1800">
+                <a:solidFill>
+                  <a:srgbClr val="4070A0"/>
+                </a:solidFill>
+                <a:latin typeface="Courier"/>
+              </a:rPr>
+              <a:t> </a:t>
+            </a:r>
+            <a:r>
+              <a:rPr sz="1800" b="1">
+                <a:solidFill>
+                  <a:srgbClr val="007020"/>
+                </a:solidFill>
+                <a:latin typeface="Courier"/>
+              </a:rPr>
+              <a:t>as.data.frame</a:t>
+            </a:r>
+            <a:r>
+              <a:rPr sz="1800">
+                <a:latin typeface="Courier"/>
+              </a:rPr>
+              <a:t>(dummy_</a:t>
+            </a:r>
+            <a:r>
+              <a:rPr sz="1800">
+                <a:solidFill>
+                  <a:srgbClr val="40A070"/>
+                </a:solidFill>
+                <a:latin typeface="Courier"/>
+              </a:rPr>
+              <a:t>2</a:t>
+            </a:r>
+            <a:r>
+              <a:rPr sz="1800">
+                <a:latin typeface="Courier"/>
+              </a:rPr>
+              <a:t>)</a:t>
+            </a:r>
+            <a:br/>
+            <a:r>
+              <a:rPr sz="1800" b="1">
+                <a:solidFill>
+                  <a:srgbClr val="007020"/>
+                </a:solidFill>
+                <a:latin typeface="Courier"/>
+              </a:rPr>
+              <a:t>ggplot</a:t>
+            </a:r>
+            <a:r>
+              <a:rPr sz="1800">
+                <a:latin typeface="Courier"/>
+              </a:rPr>
+              <a:t>(dummy_</a:t>
+            </a:r>
+            <a:r>
+              <a:rPr sz="1800">
+                <a:solidFill>
+                  <a:srgbClr val="40A070"/>
+                </a:solidFill>
+                <a:latin typeface="Courier"/>
+              </a:rPr>
+              <a:t>2</a:t>
+            </a:r>
+            <a:r>
+              <a:rPr sz="1800">
+                <a:latin typeface="Courier"/>
+              </a:rPr>
+              <a:t>, </a:t>
+            </a:r>
+            <a:r>
+              <a:rPr sz="1800" b="1">
+                <a:solidFill>
+                  <a:srgbClr val="007020"/>
+                </a:solidFill>
+                <a:latin typeface="Courier"/>
+              </a:rPr>
+              <a:t>aes</a:t>
+            </a:r>
+            <a:r>
+              <a:rPr sz="1800">
+                <a:latin typeface="Courier"/>
+              </a:rPr>
+              <a:t>(</a:t>
+            </a:r>
+            <a:r>
+              <a:rPr sz="1800">
+                <a:solidFill>
+                  <a:srgbClr val="902000"/>
+                </a:solidFill>
+                <a:latin typeface="Courier"/>
+              </a:rPr>
+              <a:t>x =</a:t>
+            </a:r>
+            <a:r>
+              <a:rPr sz="1800">
+                <a:latin typeface="Courier"/>
+              </a:rPr>
+              <a:t> dummy_</a:t>
+            </a:r>
+            <a:r>
+              <a:rPr sz="1800">
+                <a:solidFill>
+                  <a:srgbClr val="40A070"/>
+                </a:solidFill>
+                <a:latin typeface="Courier"/>
+              </a:rPr>
+              <a:t>2</a:t>
+            </a:r>
+            <a:r>
+              <a:rPr sz="1800">
+                <a:latin typeface="Courier"/>
+              </a:rPr>
+              <a:t>)) </a:t>
+            </a:r>
+            <a:r>
+              <a:rPr sz="1800">
+                <a:solidFill>
+                  <a:srgbClr val="666666"/>
+                </a:solidFill>
+                <a:latin typeface="Courier"/>
+              </a:rPr>
+              <a:t>+</a:t>
+            </a:r>
+            <a:br/>
+            <a:r>
+              <a:rPr sz="1800">
+                <a:solidFill>
+                  <a:srgbClr val="4070A0"/>
+                </a:solidFill>
+                <a:latin typeface="Courier"/>
+              </a:rPr>
+              <a:t>  </a:t>
+            </a:r>
+            <a:r>
+              <a:rPr sz="1800" b="1">
+                <a:solidFill>
+                  <a:srgbClr val="007020"/>
+                </a:solidFill>
+                <a:latin typeface="Courier"/>
+              </a:rPr>
+              <a:t>geom_histogram</a:t>
+            </a:r>
+            <a:r>
+              <a:rPr sz="1800">
+                <a:latin typeface="Courier"/>
+              </a:rPr>
+              <a:t>()</a:t>
             </a:r>
           </a:p>
         </p:txBody>
       </p:sp>
     </p:spTree>
   </p:cSld>
-  <p:clrMapOvr>
-    <a:masterClrMapping/>
-  </p:clrMapOvr>
 </p:sld>
 </file>
 
@@ -5893,11 +7641,44 @@
           <a:bodyPr/>
           <a:lstStyle/>
           <a:p>
-            <a:pPr marL="0" lvl="0" indent="0">
+            <a:pPr lvl="0" marL="0" indent="0">
               <a:buNone/>
             </a:pPr>
             <a:r>
-              <a:t>Mean versus standard deviation</a:t>
+              <a:rPr/>
+              <a:t>Calculating</a:t>
+            </a:r>
+            <a:r>
+              <a:rPr/>
+              <a:t> </a:t>
+            </a:r>
+            <a:r>
+              <a:rPr/>
+              <a:t>mean</a:t>
+            </a:r>
+            <a:r>
+              <a:rPr/>
+              <a:t> </a:t>
+            </a:r>
+            <a:r>
+              <a:rPr/>
+              <a:t>and</a:t>
+            </a:r>
+            <a:r>
+              <a:rPr/>
+              <a:t> </a:t>
+            </a:r>
+            <a:r>
+              <a:rPr/>
+              <a:t>standard</a:t>
+            </a:r>
+            <a:r>
+              <a:rPr/>
+              <a:t> </a:t>
+            </a:r>
+            <a:r>
+              <a:rPr/>
+              <a:t>deviation</a:t>
             </a:r>
           </a:p>
         </p:txBody>
@@ -5923,61 +7704,9 @@
           <a:bodyPr/>
           <a:lstStyle/>
           <a:p>
-            <a:pPr lvl="1"/>
-            <a:r>
-              <a:t>What does standard deviation mean?</a:t>
-            </a:r>
-          </a:p>
-          <a:p>
-            <a:pPr lvl="1"/>
-            <a:r>
-              <a:t>Both graphs have the same mean (center), but the second one has data which is more spread out.</a:t>
-            </a:r>
-          </a:p>
-          <a:p>
-            <a:pPr marL="1270000" lvl="0" indent="0">
+            <a:pPr lvl="0" marL="1270000" indent="0">
               <a:buNone/>
             </a:pPr>
-            <a:r>
-              <a:rPr sz="1800" i="1">
-                <a:solidFill>
-                  <a:srgbClr val="60A0B0"/>
-                </a:solidFill>
-                <a:latin typeface="Courier"/>
-              </a:rPr>
-              <a:t># small standard deviation</a:t>
-            </a:r>
-            <a:br/>
-            <a:r>
-              <a:rPr sz="1800">
-                <a:latin typeface="Courier"/>
-              </a:rPr>
-              <a:t>dummy_</a:t>
-            </a:r>
-            <a:r>
-              <a:rPr sz="1800">
-                <a:solidFill>
-                  <a:srgbClr val="40A070"/>
-                </a:solidFill>
-                <a:latin typeface="Courier"/>
-              </a:rPr>
-              <a:t>1</a:t>
-            </a:r>
-            <a:r>
-              <a:rPr sz="1800">
-                <a:latin typeface="Courier"/>
-              </a:rPr>
-              <a:t> &lt;-</a:t>
-            </a:r>
-            <a:r>
-              <a:rPr sz="1800">
-                <a:solidFill>
-                  <a:srgbClr val="4070A0"/>
-                </a:solidFill>
-                <a:latin typeface="Courier"/>
-              </a:rPr>
-              <a:t> </a:t>
-            </a:r>
             <a:r>
               <a:rPr sz="1800" b="1">
                 <a:solidFill>
@@ -5985,28 +7714,28 @@
                 </a:solidFill>
                 <a:latin typeface="Courier"/>
               </a:rPr>
-              <a:t>rnorm</a:t>
-            </a:r>
-            <a:r>
-              <a:rPr sz="1800">
-                <a:latin typeface="Courier"/>
-              </a:rPr>
-              <a:t>(</a:t>
+              <a:t>mean</a:t>
+            </a:r>
+            <a:r>
+              <a:rPr sz="1800">
+                <a:latin typeface="Courier"/>
+              </a:rPr>
+              <a:t>(cchic</a:t>
             </a:r>
             <a:r>
               <a:rPr sz="1800">
                 <a:solidFill>
-                  <a:srgbClr val="40A070"/>
+                  <a:srgbClr val="666666"/>
                 </a:solidFill>
                 <a:latin typeface="Courier"/>
               </a:rPr>
-              <a:t>1000</a:t>
-            </a:r>
-            <a:r>
-              <a:rPr sz="1800">
-                <a:latin typeface="Courier"/>
-              </a:rPr>
-              <a:t>, </a:t>
+              <a:t>$</a:t>
+            </a:r>
+            <a:r>
+              <a:rPr sz="1800">
+                <a:latin typeface="Courier"/>
+              </a:rPr>
+              <a:t>height, </a:t>
             </a:r>
             <a:r>
               <a:rPr sz="1800">
@@ -6015,7 +7744,7 @@
                 </a:solidFill>
                 <a:latin typeface="Courier"/>
               </a:rPr>
-              <a:t>mean =</a:t>
+              <a:t>na.rm =</a:t>
             </a:r>
             <a:r>
               <a:rPr sz="1800">
@@ -6026,41 +7755,11 @@
             <a:r>
               <a:rPr sz="1800">
                 <a:solidFill>
-                  <a:srgbClr val="40A070"/>
+                  <a:srgbClr val="007020"/>
                 </a:solidFill>
                 <a:latin typeface="Courier"/>
               </a:rPr>
-              <a:t>10</a:t>
-            </a:r>
-            <a:r>
-              <a:rPr sz="1800">
-                <a:latin typeface="Courier"/>
-              </a:rPr>
-              <a:t>, </a:t>
-            </a:r>
-            <a:r>
-              <a:rPr sz="1800">
-                <a:solidFill>
-                  <a:srgbClr val="902000"/>
-                </a:solidFill>
-                <a:latin typeface="Courier"/>
-              </a:rPr>
-              <a:t>sd =</a:t>
-            </a:r>
-            <a:r>
-              <a:rPr sz="1800">
-                <a:latin typeface="Courier"/>
-              </a:rPr>
-              <a:t> </a:t>
-            </a:r>
-            <a:r>
-              <a:rPr sz="1800">
-                <a:solidFill>
-                  <a:srgbClr val="40A070"/>
-                </a:solidFill>
-                <a:latin typeface="Courier"/>
-              </a:rPr>
-              <a:t>0.5</a:t>
+              <a:t>TRUE</a:t>
             </a:r>
             <a:r>
               <a:rPr sz="1800">
@@ -6068,37 +7767,22 @@
               </a:rPr>
               <a:t>)</a:t>
             </a:r>
-            <a:br/>
-            <a:r>
-              <a:rPr sz="1800">
-                <a:latin typeface="Courier"/>
-              </a:rPr>
-              <a:t>dummy_</a:t>
-            </a:r>
-            <a:r>
-              <a:rPr sz="1800">
-                <a:solidFill>
-                  <a:srgbClr val="40A070"/>
-                </a:solidFill>
-                <a:latin typeface="Courier"/>
-              </a:rPr>
-              <a:t>1</a:t>
-            </a:r>
-            <a:r>
-              <a:rPr sz="1800">
-                <a:latin typeface="Courier"/>
-              </a:rPr>
-              <a:t> &lt;-</a:t>
-            </a:r>
-            <a:r>
-              <a:rPr sz="1800">
-                <a:solidFill>
-                  <a:srgbClr val="4070A0"/>
-                </a:solidFill>
-                <a:latin typeface="Courier"/>
-              </a:rPr>
-              <a:t> </a:t>
-            </a:r>
+          </a:p>
+          <a:p>
+            <a:pPr lvl="0" marL="1270000" indent="0">
+              <a:buNone/>
+            </a:pPr>
+            <a:r>
+              <a:rPr sz="1800">
+                <a:latin typeface="Courier"/>
+              </a:rPr>
+              <a:t>## [1] 1.68634</a:t>
+            </a:r>
+          </a:p>
+          <a:p>
+            <a:pPr lvl="0" marL="1270000" indent="0">
+              <a:buNone/>
+            </a:pPr>
             <a:r>
               <a:rPr sz="1800" b="1">
                 <a:solidFill>
@@ -6106,264 +7790,52 @@
                 </a:solidFill>
                 <a:latin typeface="Courier"/>
               </a:rPr>
-              <a:t>as.data.frame</a:t>
-            </a:r>
-            <a:r>
-              <a:rPr sz="1800">
-                <a:latin typeface="Courier"/>
-              </a:rPr>
-              <a:t>(dummy_</a:t>
+              <a:t>sd</a:t>
+            </a:r>
+            <a:r>
+              <a:rPr sz="1800">
+                <a:latin typeface="Courier"/>
+              </a:rPr>
+              <a:t>(cchic</a:t>
             </a:r>
             <a:r>
               <a:rPr sz="1800">
                 <a:solidFill>
-                  <a:srgbClr val="40A070"/>
+                  <a:srgbClr val="666666"/>
                 </a:solidFill>
                 <a:latin typeface="Courier"/>
               </a:rPr>
-              <a:t>1</a:t>
-            </a:r>
-            <a:r>
-              <a:rPr sz="1800">
-                <a:latin typeface="Courier"/>
-              </a:rPr>
-              <a:t>)</a:t>
-            </a:r>
-            <a:br/>
-            <a:r>
-              <a:rPr sz="1800" b="1">
+              <a:t>$</a:t>
+            </a:r>
+            <a:r>
+              <a:rPr sz="1800">
+                <a:latin typeface="Courier"/>
+              </a:rPr>
+              <a:t>height, </a:t>
+            </a:r>
+            <a:r>
+              <a:rPr sz="1800">
+                <a:solidFill>
+                  <a:srgbClr val="902000"/>
+                </a:solidFill>
+                <a:latin typeface="Courier"/>
+              </a:rPr>
+              <a:t>na.rm =</a:t>
+            </a:r>
+            <a:r>
+              <a:rPr sz="1800">
+                <a:latin typeface="Courier"/>
+              </a:rPr>
+              <a:t> </a:t>
+            </a:r>
+            <a:r>
+              <a:rPr sz="1800">
                 <a:solidFill>
                   <a:srgbClr val="007020"/>
                 </a:solidFill>
                 <a:latin typeface="Courier"/>
               </a:rPr>
-              <a:t>ggplot</a:t>
-            </a:r>
-            <a:r>
-              <a:rPr sz="1800">
-                <a:latin typeface="Courier"/>
-              </a:rPr>
-              <a:t>(dummy_</a:t>
-            </a:r>
-            <a:r>
-              <a:rPr sz="1800">
-                <a:solidFill>
-                  <a:srgbClr val="40A070"/>
-                </a:solidFill>
-                <a:latin typeface="Courier"/>
-              </a:rPr>
-              <a:t>1</a:t>
-            </a:r>
-            <a:r>
-              <a:rPr sz="1800">
-                <a:latin typeface="Courier"/>
-              </a:rPr>
-              <a:t>, </a:t>
-            </a:r>
-            <a:r>
-              <a:rPr sz="1800" b="1">
-                <a:solidFill>
-                  <a:srgbClr val="007020"/>
-                </a:solidFill>
-                <a:latin typeface="Courier"/>
-              </a:rPr>
-              <a:t>aes</a:t>
-            </a:r>
-            <a:r>
-              <a:rPr sz="1800">
-                <a:latin typeface="Courier"/>
-              </a:rPr>
-              <a:t>(</a:t>
-            </a:r>
-            <a:r>
-              <a:rPr sz="1800">
-                <a:solidFill>
-                  <a:srgbClr val="902000"/>
-                </a:solidFill>
-                <a:latin typeface="Courier"/>
-              </a:rPr>
-              <a:t>x =</a:t>
-            </a:r>
-            <a:r>
-              <a:rPr sz="1800">
-                <a:latin typeface="Courier"/>
-              </a:rPr>
-              <a:t> dummy_</a:t>
-            </a:r>
-            <a:r>
-              <a:rPr sz="1800">
-                <a:solidFill>
-                  <a:srgbClr val="40A070"/>
-                </a:solidFill>
-                <a:latin typeface="Courier"/>
-              </a:rPr>
-              <a:t>1</a:t>
-            </a:r>
-            <a:r>
-              <a:rPr sz="1800">
-                <a:latin typeface="Courier"/>
-              </a:rPr>
-              <a:t>)) </a:t>
-            </a:r>
-            <a:r>
-              <a:rPr sz="1800">
-                <a:solidFill>
-                  <a:srgbClr val="666666"/>
-                </a:solidFill>
-                <a:latin typeface="Courier"/>
-              </a:rPr>
-              <a:t>+</a:t>
-            </a:r>
-            <a:br/>
-            <a:r>
-              <a:rPr sz="1800">
-                <a:solidFill>
-                  <a:srgbClr val="4070A0"/>
-                </a:solidFill>
-                <a:latin typeface="Courier"/>
-              </a:rPr>
-              <a:t>  </a:t>
-            </a:r>
-            <a:r>
-              <a:rPr sz="1800" b="1">
-                <a:solidFill>
-                  <a:srgbClr val="007020"/>
-                </a:solidFill>
-                <a:latin typeface="Courier"/>
-              </a:rPr>
-              <a:t>geom_histogram</a:t>
-            </a:r>
-            <a:r>
-              <a:rPr sz="1800">
-                <a:latin typeface="Courier"/>
-              </a:rPr>
-              <a:t>()</a:t>
-            </a:r>
-            <a:br/>
-            <a:br/>
-            <a:r>
-              <a:rPr sz="1800" i="1">
-                <a:solidFill>
-                  <a:srgbClr val="60A0B0"/>
-                </a:solidFill>
-                <a:latin typeface="Courier"/>
-              </a:rPr>
-              <a:t># larger standard deviation</a:t>
-            </a:r>
-            <a:br/>
-            <a:r>
-              <a:rPr sz="1800">
-                <a:latin typeface="Courier"/>
-              </a:rPr>
-              <a:t>dummy_</a:t>
-            </a:r>
-            <a:r>
-              <a:rPr sz="1800">
-                <a:solidFill>
-                  <a:srgbClr val="40A070"/>
-                </a:solidFill>
-                <a:latin typeface="Courier"/>
-              </a:rPr>
-              <a:t>2</a:t>
-            </a:r>
-            <a:r>
-              <a:rPr sz="1800">
-                <a:latin typeface="Courier"/>
-              </a:rPr>
-              <a:t> &lt;-</a:t>
-            </a:r>
-            <a:r>
-              <a:rPr sz="1800">
-                <a:solidFill>
-                  <a:srgbClr val="4070A0"/>
-                </a:solidFill>
-                <a:latin typeface="Courier"/>
-              </a:rPr>
-              <a:t> </a:t>
-            </a:r>
-            <a:r>
-              <a:rPr sz="1800" b="1">
-                <a:solidFill>
-                  <a:srgbClr val="007020"/>
-                </a:solidFill>
-                <a:latin typeface="Courier"/>
-              </a:rPr>
-              <a:t>rnorm</a:t>
-            </a:r>
-            <a:r>
-              <a:rPr sz="1800">
-                <a:latin typeface="Courier"/>
-              </a:rPr>
-              <a:t>(</a:t>
-            </a:r>
-            <a:r>
-              <a:rPr sz="1800">
-                <a:solidFill>
-                  <a:srgbClr val="40A070"/>
-                </a:solidFill>
-                <a:latin typeface="Courier"/>
-              </a:rPr>
-              <a:t>1000</a:t>
-            </a:r>
-            <a:r>
-              <a:rPr sz="1800">
-                <a:latin typeface="Courier"/>
-              </a:rPr>
-              <a:t>, </a:t>
-            </a:r>
-            <a:r>
-              <a:rPr sz="1800">
-                <a:solidFill>
-                  <a:srgbClr val="902000"/>
-                </a:solidFill>
-                <a:latin typeface="Courier"/>
-              </a:rPr>
-              <a:t>mean =</a:t>
-            </a:r>
-            <a:r>
-              <a:rPr sz="1800">
-                <a:latin typeface="Courier"/>
-              </a:rPr>
-              <a:t> </a:t>
-            </a:r>
-            <a:r>
-              <a:rPr sz="1800">
-                <a:solidFill>
-                  <a:srgbClr val="40A070"/>
-                </a:solidFill>
-                <a:latin typeface="Courier"/>
-              </a:rPr>
-              <a:t>10</a:t>
-            </a:r>
-            <a:r>
-              <a:rPr sz="1800">
-                <a:latin typeface="Courier"/>
-              </a:rPr>
-              <a:t>, </a:t>
-            </a:r>
-            <a:r>
-              <a:rPr sz="1800">
-                <a:solidFill>
-                  <a:srgbClr val="902000"/>
-                </a:solidFill>
-                <a:latin typeface="Courier"/>
-              </a:rPr>
-              <a:t>sd =</a:t>
-            </a:r>
-            <a:r>
-              <a:rPr sz="1800">
-                <a:latin typeface="Courier"/>
-              </a:rPr>
-              <a:t> </a:t>
-            </a:r>
-            <a:r>
-              <a:rPr sz="1800">
-                <a:solidFill>
-                  <a:srgbClr val="40A070"/>
-                </a:solidFill>
-                <a:latin typeface="Courier"/>
-              </a:rPr>
-              <a:t>20</a:t>
+              <a:t>TRUE</a:t>
             </a:r>
             <a:r>
               <a:rPr sz="1800">
@@ -6371,185 +7843,41 @@
               </a:rPr>
               <a:t>)</a:t>
             </a:r>
-            <a:br/>
-            <a:r>
-              <a:rPr sz="1800">
-                <a:latin typeface="Courier"/>
-              </a:rPr>
-              <a:t>dummy_</a:t>
-            </a:r>
-            <a:r>
-              <a:rPr sz="1800">
-                <a:solidFill>
-                  <a:srgbClr val="40A070"/>
-                </a:solidFill>
-                <a:latin typeface="Courier"/>
-              </a:rPr>
-              <a:t>2</a:t>
-            </a:r>
-            <a:r>
-              <a:rPr sz="1800">
-                <a:latin typeface="Courier"/>
-              </a:rPr>
-              <a:t> &lt;-</a:t>
-            </a:r>
-            <a:r>
-              <a:rPr sz="1800">
-                <a:solidFill>
-                  <a:srgbClr val="4070A0"/>
-                </a:solidFill>
-                <a:latin typeface="Courier"/>
-              </a:rPr>
-              <a:t> </a:t>
-            </a:r>
-            <a:r>
-              <a:rPr sz="1800" b="1">
-                <a:solidFill>
-                  <a:srgbClr val="007020"/>
-                </a:solidFill>
-                <a:latin typeface="Courier"/>
-              </a:rPr>
-              <a:t>as.data.frame</a:t>
-            </a:r>
-            <a:r>
-              <a:rPr sz="1800">
-                <a:latin typeface="Courier"/>
-              </a:rPr>
-              <a:t>(dummy_</a:t>
-            </a:r>
-            <a:r>
-              <a:rPr sz="1800">
-                <a:solidFill>
-                  <a:srgbClr val="40A070"/>
-                </a:solidFill>
-                <a:latin typeface="Courier"/>
-              </a:rPr>
-              <a:t>2</a:t>
-            </a:r>
-            <a:r>
-              <a:rPr sz="1800">
-                <a:latin typeface="Courier"/>
-              </a:rPr>
-              <a:t>)</a:t>
-            </a:r>
-            <a:br/>
-            <a:r>
-              <a:rPr sz="1800" b="1">
-                <a:solidFill>
-                  <a:srgbClr val="007020"/>
-                </a:solidFill>
-                <a:latin typeface="Courier"/>
-              </a:rPr>
-              <a:t>ggplot</a:t>
-            </a:r>
-            <a:r>
-              <a:rPr sz="1800">
-                <a:latin typeface="Courier"/>
-              </a:rPr>
-              <a:t>(dummy_</a:t>
-            </a:r>
-            <a:r>
-              <a:rPr sz="1800">
-                <a:solidFill>
-                  <a:srgbClr val="40A070"/>
-                </a:solidFill>
-                <a:latin typeface="Courier"/>
-              </a:rPr>
-              <a:t>2</a:t>
-            </a:r>
-            <a:r>
-              <a:rPr sz="1800">
-                <a:latin typeface="Courier"/>
-              </a:rPr>
-              <a:t>, </a:t>
-            </a:r>
-            <a:r>
-              <a:rPr sz="1800" b="1">
-                <a:solidFill>
-                  <a:srgbClr val="007020"/>
-                </a:solidFill>
-                <a:latin typeface="Courier"/>
-              </a:rPr>
-              <a:t>aes</a:t>
-            </a:r>
-            <a:r>
-              <a:rPr sz="1800">
-                <a:latin typeface="Courier"/>
-              </a:rPr>
-              <a:t>(</a:t>
-            </a:r>
-            <a:r>
-              <a:rPr sz="1800">
-                <a:solidFill>
-                  <a:srgbClr val="902000"/>
-                </a:solidFill>
-                <a:latin typeface="Courier"/>
-              </a:rPr>
-              <a:t>x =</a:t>
-            </a:r>
-            <a:r>
-              <a:rPr sz="1800">
-                <a:latin typeface="Courier"/>
-              </a:rPr>
-              <a:t> dummy_</a:t>
-            </a:r>
-            <a:r>
-              <a:rPr sz="1800">
-                <a:solidFill>
-                  <a:srgbClr val="40A070"/>
-                </a:solidFill>
-                <a:latin typeface="Courier"/>
-              </a:rPr>
-              <a:t>2</a:t>
-            </a:r>
-            <a:r>
-              <a:rPr sz="1800">
-                <a:latin typeface="Courier"/>
-              </a:rPr>
-              <a:t>)) </a:t>
-            </a:r>
-            <a:r>
-              <a:rPr sz="1800">
-                <a:solidFill>
-                  <a:srgbClr val="666666"/>
-                </a:solidFill>
-                <a:latin typeface="Courier"/>
-              </a:rPr>
-              <a:t>+</a:t>
-            </a:r>
-            <a:br/>
-            <a:r>
-              <a:rPr sz="1800">
-                <a:solidFill>
-                  <a:srgbClr val="4070A0"/>
-                </a:solidFill>
-                <a:latin typeface="Courier"/>
-              </a:rPr>
-              <a:t>  </a:t>
-            </a:r>
-            <a:r>
-              <a:rPr sz="1800" b="1">
-                <a:solidFill>
-                  <a:srgbClr val="007020"/>
-                </a:solidFill>
-                <a:latin typeface="Courier"/>
-              </a:rPr>
-              <a:t>geom_histogram</a:t>
-            </a:r>
-            <a:r>
-              <a:rPr sz="1800">
-                <a:latin typeface="Courier"/>
-              </a:rPr>
-              <a:t>()</a:t>
+          </a:p>
+          <a:p>
+            <a:pPr lvl="0" marL="1270000" indent="0">
+              <a:buNone/>
+            </a:pPr>
+            <a:r>
+              <a:rPr sz="1800">
+                <a:latin typeface="Courier"/>
+              </a:rPr>
+              <a:t>## [1] 0.1011704</a:t>
+            </a:r>
+          </a:p>
+          <a:p>
+            <a:pPr lvl="0" marL="0" indent="0">
+              <a:buNone/>
+            </a:pPr>
+            <a:r>
+              <a:rPr/>
+              <a:t>The </a:t>
+            </a:r>
+            <a:r>
+              <a:rPr sz="1800">
+                <a:latin typeface="Courier"/>
+              </a:rPr>
+              <a:t>na.rm</a:t>
+            </a:r>
+            <a:r>
+              <a:rPr/>
+              <a:t> argument tells R to ignore missing values in the variable.</a:t>
             </a:r>
           </a:p>
         </p:txBody>
       </p:sp>
     </p:spTree>
   </p:cSld>
-  <p:clrMapOvr>
-    <a:masterClrMapping/>
-  </p:clrMapOvr>
 </p:sld>
 </file>
 
@@ -6591,11 +7919,44 @@
           <a:bodyPr/>
           <a:lstStyle/>
           <a:p>
-            <a:pPr marL="0" lvl="0" indent="0">
+            <a:pPr lvl="0" marL="0" indent="0">
               <a:buNone/>
             </a:pPr>
             <a:r>
-              <a:t>Calculating mean and standard deviation</a:t>
+              <a:rPr/>
+              <a:t>Calculating</a:t>
+            </a:r>
+            <a:r>
+              <a:rPr/>
+              <a:t> </a:t>
+            </a:r>
+            <a:r>
+              <a:rPr/>
+              <a:t>median</a:t>
+            </a:r>
+            <a:r>
+              <a:rPr/>
+              <a:t> </a:t>
+            </a:r>
+            <a:r>
+              <a:rPr/>
+              <a:t>and</a:t>
+            </a:r>
+            <a:r>
+              <a:rPr/>
+              <a:t> </a:t>
+            </a:r>
+            <a:r>
+              <a:rPr/>
+              <a:t>interquartile</a:t>
+            </a:r>
+            <a:r>
+              <a:rPr/>
+              <a:t> </a:t>
+            </a:r>
+            <a:r>
+              <a:rPr/>
+              <a:t>range</a:t>
             </a:r>
           </a:p>
         </p:txBody>
@@ -6621,7 +7982,7 @@
           <a:bodyPr/>
           <a:lstStyle/>
           <a:p>
-            <a:pPr marL="1270000" lvl="0" indent="0">
+            <a:pPr lvl="0" marL="1270000" indent="0">
               <a:buNone/>
             </a:pPr>
             <a:r>
@@ -6631,7 +7992,7 @@
                 </a:solidFill>
                 <a:latin typeface="Courier"/>
               </a:rPr>
-              <a:t>mean</a:t>
+              <a:t>median</a:t>
             </a:r>
             <a:r>
               <a:rPr sz="1800">
@@ -6652,7 +8013,7 @@
               <a:rPr sz="1800">
                 <a:latin typeface="Courier"/>
               </a:rPr>
-              <a:t>height, </a:t>
+              <a:t>age_years, </a:t>
             </a:r>
             <a:r>
               <a:rPr sz="1800">
@@ -6686,18 +8047,18 @@
             </a:r>
           </a:p>
           <a:p>
-            <a:pPr marL="1270000" lvl="0" indent="0">
+            <a:pPr lvl="0" marL="1270000" indent="0">
               <a:buNone/>
             </a:pPr>
             <a:r>
               <a:rPr sz="1800">
                 <a:latin typeface="Courier"/>
               </a:rPr>
-              <a:t>## [1] 1.68634</a:t>
-            </a:r>
-          </a:p>
-          <a:p>
-            <a:pPr marL="1270000" lvl="0" indent="0">
+              <a:t>## [1] 60</a:t>
+            </a:r>
+          </a:p>
+          <a:p>
+            <a:pPr lvl="0" marL="1270000" indent="0">
               <a:buNone/>
             </a:pPr>
             <a:r>
@@ -6707,7 +8068,7 @@
                 </a:solidFill>
                 <a:latin typeface="Courier"/>
               </a:rPr>
-              <a:t>sd</a:t>
+              <a:t>IQR</a:t>
             </a:r>
             <a:r>
               <a:rPr sz="1800">
@@ -6728,7 +8089,7 @@
               <a:rPr sz="1800">
                 <a:latin typeface="Courier"/>
               </a:rPr>
-              <a:t>height, </a:t>
+              <a:t>age_years, </a:t>
             </a:r>
             <a:r>
               <a:rPr sz="1800">
@@ -6762,40 +8123,29 @@
             </a:r>
           </a:p>
           <a:p>
-            <a:pPr marL="1270000" lvl="0" indent="0">
+            <a:pPr lvl="0" marL="1270000" indent="0">
               <a:buNone/>
             </a:pPr>
             <a:r>
               <a:rPr sz="1800">
                 <a:latin typeface="Courier"/>
               </a:rPr>
-              <a:t>## [1] 0.1011704</a:t>
-            </a:r>
-          </a:p>
-          <a:p>
-            <a:pPr marL="0" lvl="0" indent="0">
+              <a:t>## [1] 20</a:t>
+            </a:r>
+          </a:p>
+          <a:p>
+            <a:pPr lvl="0" marL="0" indent="0">
               <a:buNone/>
             </a:pPr>
             <a:r>
-              <a:t>The </a:t>
-            </a:r>
-            <a:r>
-              <a:rPr sz="1800">
-                <a:latin typeface="Courier"/>
-              </a:rPr>
-              <a:t>na.rm</a:t>
-            </a:r>
-            <a:r>
-              <a:t> argument tells R to ignore missing values in the variable.</a:t>
+              <a:rPr/>
+              <a:t>Again, we ignore the missing values.</a:t>
             </a:r>
           </a:p>
         </p:txBody>
       </p:sp>
     </p:spTree>
   </p:cSld>
-  <p:clrMapOvr>
-    <a:masterClrMapping/>
-  </p:clrMapOvr>
 </p:sld>
 </file>
 
@@ -6818,7 +8168,7 @@
       </p:grpSpPr>
       <p:pic>
         <p:nvPicPr>
-          <p:cNvPr id="2" name="Picture 1" descr="../Images/Clinician%20Coders%20Branding_FINAL_CMYK_Colour.png"/>
+          <p:cNvPr descr="../Images/Clinician%20Coders%20Branding_FINAL_CMYK_Colour.png" id="0" name="Picture 1"/>
           <p:cNvPicPr>
             <a:picLocks noGrp="1" noChangeAspect="1"/>
           </p:cNvPicPr>
@@ -6848,9 +8198,6 @@
       </p:pic>
     </p:spTree>
   </p:cSld>
-  <p:clrMapOvr>
-    <a:masterClrMapping/>
-  </p:clrMapOvr>
 </p:sld>
 </file>
 
@@ -6892,11 +8239,28 @@
           <a:bodyPr/>
           <a:lstStyle/>
           <a:p>
-            <a:pPr marL="0" lvl="0" indent="0">
+            <a:pPr lvl="0" marL="0" indent="0">
               <a:buNone/>
             </a:pPr>
             <a:r>
-              <a:t>Calculating median and interquartile range</a:t>
+              <a:rPr/>
+              <a:t>Describing</a:t>
+            </a:r>
+            <a:r>
+              <a:rPr/>
+              <a:t> </a:t>
+            </a:r>
+            <a:r>
+              <a:rPr/>
+              <a:t>discrete</a:t>
+            </a:r>
+            <a:r>
+              <a:rPr/>
+              <a:t> </a:t>
+            </a:r>
+            <a:r>
+              <a:rPr/>
+              <a:t>data</a:t>
             </a:r>
           </a:p>
         </p:txBody>
@@ -6922,7 +8286,14 @@
           <a:bodyPr/>
           <a:lstStyle/>
           <a:p>
-            <a:pPr marL="1270000" lvl="0" indent="0">
+            <a:pPr lvl="1"/>
+            <a:r>
+              <a:rPr/>
+              <a:t>Frequencies</a:t>
+            </a:r>
+          </a:p>
+          <a:p>
+            <a:pPr lvl="0" marL="1270000" indent="0">
               <a:buNone/>
             </a:pPr>
             <a:r>
@@ -6932,7 +8303,7 @@
                 </a:solidFill>
                 <a:latin typeface="Courier"/>
               </a:rPr>
-              <a:t>median</a:t>
+              <a:t>table</a:t>
             </a:r>
             <a:r>
               <a:rPr sz="1800">
@@ -6953,54 +8324,48 @@
               <a:rPr sz="1800">
                 <a:latin typeface="Courier"/>
               </a:rPr>
-              <a:t>age_years, </a:t>
+              <a:t>vital_status)</a:t>
+            </a:r>
+          </a:p>
+          <a:p>
+            <a:pPr lvl="0" marL="1270000" indent="0">
+              <a:buNone/>
+            </a:pPr>
+            <a:r>
+              <a:rPr sz="1800">
+                <a:latin typeface="Courier"/>
+              </a:rPr>
+              <a:t>## 
+##    A    D 
+## 4444  556</a:t>
+            </a:r>
+          </a:p>
+          <a:p>
+            <a:pPr lvl="1"/>
+            <a:r>
+              <a:rPr/>
+              <a:t>Proportions</a:t>
+            </a:r>
+          </a:p>
+          <a:p>
+            <a:pPr lvl="0" marL="1270000" indent="0">
+              <a:buNone/>
+            </a:pPr>
+            <a:r>
+              <a:rPr sz="1800">
+                <a:latin typeface="Courier"/>
+              </a:rPr>
+              <a:t>status &lt;-</a:t>
             </a:r>
             <a:r>
               <a:rPr sz="1800">
                 <a:solidFill>
-                  <a:srgbClr val="902000"/>
+                  <a:srgbClr val="4070A0"/>
                 </a:solidFill>
                 <a:latin typeface="Courier"/>
               </a:rPr>
-              <a:t>na.rm =</a:t>
-            </a:r>
-            <a:r>
-              <a:rPr sz="1800">
-                <a:latin typeface="Courier"/>
-              </a:rPr>
-              <a:t> </a:t>
-            </a:r>
-            <a:r>
-              <a:rPr sz="1800">
-                <a:solidFill>
-                  <a:srgbClr val="007020"/>
-                </a:solidFill>
-                <a:latin typeface="Courier"/>
-              </a:rPr>
-              <a:t>TRUE</a:t>
-            </a:r>
-            <a:r>
-              <a:rPr sz="1800">
-                <a:latin typeface="Courier"/>
-              </a:rPr>
-              <a:t>)</a:t>
-            </a:r>
-          </a:p>
-          <a:p>
-            <a:pPr marL="1270000" lvl="0" indent="0">
-              <a:buNone/>
-            </a:pPr>
-            <a:r>
-              <a:rPr sz="1800">
-                <a:latin typeface="Courier"/>
-              </a:rPr>
-              <a:t>## [1] 60</a:t>
-            </a:r>
-          </a:p>
-          <a:p>
-            <a:pPr marL="1270000" lvl="0" indent="0">
-              <a:buNone/>
-            </a:pPr>
+              <a:t> </a:t>
+            </a:r>
             <a:r>
               <a:rPr sz="1800" b="1">
                 <a:solidFill>
@@ -7008,7 +8373,7 @@
                 </a:solidFill>
                 <a:latin typeface="Courier"/>
               </a:rPr>
-              <a:t>IQR</a:t>
+              <a:t>table</a:t>
             </a:r>
             <a:r>
               <a:rPr sz="1800">
@@ -7029,65 +8394,42 @@
               <a:rPr sz="1800">
                 <a:latin typeface="Courier"/>
               </a:rPr>
-              <a:t>age_years, </a:t>
-            </a:r>
-            <a:r>
-              <a:rPr sz="1800">
-                <a:solidFill>
-                  <a:srgbClr val="902000"/>
-                </a:solidFill>
-                <a:latin typeface="Courier"/>
-              </a:rPr>
-              <a:t>na.rm =</a:t>
-            </a:r>
-            <a:r>
-              <a:rPr sz="1800">
-                <a:latin typeface="Courier"/>
-              </a:rPr>
-              <a:t> </a:t>
-            </a:r>
-            <a:r>
-              <a:rPr sz="1800">
+              <a:t>vital_status)</a:t>
+            </a:r>
+            <a:br/>
+            <a:r>
+              <a:rPr sz="1800" b="1">
                 <a:solidFill>
                   <a:srgbClr val="007020"/>
                 </a:solidFill>
                 <a:latin typeface="Courier"/>
               </a:rPr>
-              <a:t>TRUE</a:t>
-            </a:r>
-            <a:r>
-              <a:rPr sz="1800">
-                <a:latin typeface="Courier"/>
-              </a:rPr>
-              <a:t>)</a:t>
-            </a:r>
-          </a:p>
-          <a:p>
-            <a:pPr marL="1270000" lvl="0" indent="0">
+              <a:t>prop.table</a:t>
+            </a:r>
+            <a:r>
+              <a:rPr sz="1800">
+                <a:latin typeface="Courier"/>
+              </a:rPr>
+              <a:t>(status)</a:t>
+            </a:r>
+          </a:p>
+          <a:p>
+            <a:pPr lvl="0" marL="1270000" indent="0">
               <a:buNone/>
             </a:pPr>
             <a:r>
               <a:rPr sz="1800">
                 <a:latin typeface="Courier"/>
               </a:rPr>
-              <a:t>## [1] 20</a:t>
-            </a:r>
-          </a:p>
-          <a:p>
-            <a:pPr marL="0" lvl="0" indent="0">
-              <a:buNone/>
-            </a:pPr>
-            <a:r>
-              <a:t>Again, we ignore the missing values.</a:t>
+              <a:t>## 
+##      A      D 
+## 0.8888 0.1112</a:t>
             </a:r>
           </a:p>
         </p:txBody>
       </p:sp>
     </p:spTree>
   </p:cSld>
-  <p:clrMapOvr>
-    <a:masterClrMapping/>
-  </p:clrMapOvr>
 </p:sld>
 </file>
 
@@ -7129,11 +8471,20 @@
           <a:bodyPr/>
           <a:lstStyle/>
           <a:p>
-            <a:pPr marL="0" lvl="0" indent="0">
+            <a:pPr lvl="0" marL="0" indent="0">
               <a:buNone/>
             </a:pPr>
             <a:r>
-              <a:t>Describing discrete data</a:t>
+              <a:rPr/>
+              <a:t>Meaningful</a:t>
+            </a:r>
+            <a:r>
+              <a:rPr/>
+              <a:t> </a:t>
+            </a:r>
+            <a:r>
+              <a:rPr/>
+              <a:t>analysis</a:t>
             </a:r>
           </a:p>
         </p:txBody>
@@ -7161,149 +8512,35 @@
           <a:p>
             <a:pPr lvl="1"/>
             <a:r>
-              <a:t>Frequencies</a:t>
-            </a:r>
-          </a:p>
-          <a:p>
-            <a:pPr marL="1270000" lvl="0" indent="0">
-              <a:buNone/>
-            </a:pPr>
-            <a:r>
-              <a:rPr sz="1800" b="1">
-                <a:solidFill>
-                  <a:srgbClr val="007020"/>
-                </a:solidFill>
-                <a:latin typeface="Courier"/>
-              </a:rPr>
-              <a:t>table</a:t>
-            </a:r>
-            <a:r>
-              <a:rPr sz="1800">
-                <a:latin typeface="Courier"/>
-              </a:rPr>
-              <a:t>(cchic</a:t>
-            </a:r>
-            <a:r>
-              <a:rPr sz="1800">
-                <a:solidFill>
-                  <a:srgbClr val="666666"/>
-                </a:solidFill>
-                <a:latin typeface="Courier"/>
-              </a:rPr>
-              <a:t>$</a:t>
-            </a:r>
-            <a:r>
-              <a:rPr sz="1800">
-                <a:latin typeface="Courier"/>
-              </a:rPr>
-              <a:t>vital_status)</a:t>
-            </a:r>
-          </a:p>
-          <a:p>
-            <a:pPr marL="1270000" lvl="0" indent="0">
-              <a:buNone/>
-            </a:pPr>
-            <a:r>
-              <a:rPr sz="1800">
-                <a:latin typeface="Courier"/>
-              </a:rPr>
-              <a:t>## 
-##    A    D 
-## 4444  556</a:t>
+              <a:rPr/>
+              <a:t>What is your hypothesis</a:t>
             </a:r>
           </a:p>
           <a:p>
             <a:pPr lvl="1"/>
             <a:r>
-              <a:t>Proportions</a:t>
-            </a:r>
-          </a:p>
-          <a:p>
-            <a:pPr marL="1270000" lvl="0" indent="0">
-              <a:buNone/>
-            </a:pPr>
-            <a:r>
-              <a:rPr sz="1800">
-                <a:latin typeface="Courier"/>
-              </a:rPr>
-              <a:t>status &lt;-</a:t>
-            </a:r>
-            <a:r>
-              <a:rPr sz="1800">
-                <a:solidFill>
-                  <a:srgbClr val="4070A0"/>
-                </a:solidFill>
-                <a:latin typeface="Courier"/>
-              </a:rPr>
-              <a:t> </a:t>
-            </a:r>
-            <a:r>
-              <a:rPr sz="1800" b="1">
-                <a:solidFill>
-                  <a:srgbClr val="007020"/>
-                </a:solidFill>
-                <a:latin typeface="Courier"/>
-              </a:rPr>
-              <a:t>table</a:t>
-            </a:r>
-            <a:r>
-              <a:rPr sz="1800">
-                <a:latin typeface="Courier"/>
-              </a:rPr>
-              <a:t>(cchic</a:t>
-            </a:r>
-            <a:r>
-              <a:rPr sz="1800">
-                <a:solidFill>
-                  <a:srgbClr val="666666"/>
-                </a:solidFill>
-                <a:latin typeface="Courier"/>
-              </a:rPr>
-              <a:t>$</a:t>
-            </a:r>
-            <a:r>
-              <a:rPr sz="1800">
-                <a:latin typeface="Courier"/>
-              </a:rPr>
-              <a:t>vital_status)</a:t>
-            </a:r>
-            <a:br/>
-            <a:r>
-              <a:rPr sz="1800" b="1">
-                <a:solidFill>
-                  <a:srgbClr val="007020"/>
-                </a:solidFill>
-                <a:latin typeface="Courier"/>
-              </a:rPr>
-              <a:t>prop.table</a:t>
-            </a:r>
-            <a:r>
-              <a:rPr sz="1800">
-                <a:latin typeface="Courier"/>
-              </a:rPr>
-              <a:t>(status)</a:t>
-            </a:r>
-          </a:p>
-          <a:p>
-            <a:pPr marL="1270000" lvl="0" indent="0">
-              <a:buNone/>
-            </a:pPr>
-            <a:r>
-              <a:rPr sz="1800">
-                <a:latin typeface="Courier"/>
-              </a:rPr>
-              <a:t>## 
-##      A      D 
-## 0.8888 0.1112</a:t>
+              <a:rPr/>
+              <a:t>What type of variables (data type) do you have?</a:t>
+            </a:r>
+          </a:p>
+          <a:p>
+            <a:pPr lvl="1"/>
+            <a:r>
+              <a:rPr/>
+              <a:t>What are the assumptions of the test you are using?</a:t>
+            </a:r>
+          </a:p>
+          <a:p>
+            <a:pPr lvl="1"/>
+            <a:r>
+              <a:rPr/>
+              <a:t>Interpreting the result</a:t>
             </a:r>
           </a:p>
         </p:txBody>
       </p:sp>
     </p:spTree>
   </p:cSld>
-  <p:clrMapOvr>
-    <a:masterClrMapping/>
-  </p:clrMapOvr>
 </p:sld>
 </file>
 
@@ -7329,7 +8566,7 @@
           <p:cNvPr id="2" name="Title 1">
             <a:extLst>
               <a:ext uri="{FF2B5EF4-FFF2-40B4-BE49-F238E27FC236}">
-                <a16:creationId xmlns:a16="http://schemas.microsoft.com/office/drawing/2014/main" id="{0CF11FE2-61CD-2E40-A43A-EED9A845FF8A}"/>
+                <a16:creationId xmlns:a16="http://schemas.microsoft.com/office/drawing/2014/main" id="{5567D468-EE70-CD4E-A3AC-039CC11EF1FB}"/>
               </a:ext>
             </a:extLst>
           </p:cNvPr>
@@ -7345,234 +8582,43 @@
           <a:bodyPr/>
           <a:lstStyle/>
           <a:p>
-            <a:pPr marL="0" lvl="0" indent="0">
+            <a:pPr lvl="0" marL="0" indent="0">
               <a:buNone/>
             </a:pPr>
             <a:r>
-              <a:t>Inferential statistics</a:t>
+              <a:rPr/>
+              <a:t>What</a:t>
+            </a:r>
+            <a:r>
+              <a:rPr/>
+              <a:t> </a:t>
+            </a:r>
+            <a:r>
+              <a:rPr/>
+              <a:t>is</a:t>
+            </a:r>
+            <a:r>
+              <a:rPr/>
+              <a:t> </a:t>
+            </a:r>
+            <a:r>
+              <a:rPr/>
+              <a:t>a</a:t>
+            </a:r>
+            <a:r>
+              <a:rPr/>
+              <a:t> </a:t>
+            </a:r>
+            <a:r>
+              <a:rPr/>
+              <a:t>p-value?</a:t>
             </a:r>
           </a:p>
         </p:txBody>
       </p:sp>
       <p:pic>
         <p:nvPicPr>
-          <p:cNvPr id="3" name="Picture 1" descr="../Images/Golem.png"/>
-          <p:cNvPicPr>
-            <a:picLocks noGrp="1" noChangeAspect="1"/>
-          </p:cNvPicPr>
-          <p:nvPr/>
-        </p:nvPicPr>
-        <p:blipFill>
-          <a:blip r:embed="rId3"/>
-          <a:stretch>
-            <a:fillRect/>
-          </a:stretch>
-        </p:blipFill>
-        <p:spPr bwMode="auto">
-          <a:xfrm>
-            <a:off x="1460500" y="1816100"/>
-            <a:ext cx="3937000" cy="4343400"/>
-          </a:xfrm>
-          <a:prstGeom prst="rect">
-            <a:avLst/>
-          </a:prstGeom>
-          <a:noFill/>
-          <a:ln w="9525">
-            <a:noFill/>
-            <a:headEnd/>
-            <a:tailEnd/>
-          </a:ln>
-        </p:spPr>
-      </p:pic>
-      <p:pic>
-        <p:nvPicPr>
-          <p:cNvPr id="4" name="Picture 1" descr="../Images/StatisticalRethinking.png"/>
-          <p:cNvPicPr>
-            <a:picLocks noGrp="1" noChangeAspect="1"/>
-          </p:cNvPicPr>
-          <p:nvPr/>
-        </p:nvPicPr>
-        <p:blipFill>
-          <a:blip r:embed="rId4"/>
-          <a:stretch>
-            <a:fillRect/>
-          </a:stretch>
-        </p:blipFill>
-        <p:spPr bwMode="auto">
-          <a:xfrm>
-            <a:off x="7327900" y="1816100"/>
-            <a:ext cx="2870200" cy="4343400"/>
-          </a:xfrm>
-          <a:prstGeom prst="rect">
-            <a:avLst/>
-          </a:prstGeom>
-          <a:noFill/>
-          <a:ln w="9525">
-            <a:noFill/>
-            <a:headEnd/>
-            <a:tailEnd/>
-          </a:ln>
-        </p:spPr>
-      </p:pic>
-    </p:spTree>
-  </p:cSld>
-  <p:clrMapOvr>
-    <a:masterClrMapping/>
-  </p:clrMapOvr>
-</p:sld>
-</file>
-
-<file path=ppt/slides/slide23.xml><?xml version="1.0" encoding="utf-8"?>
-<p:sld xmlns:a="http://schemas.openxmlformats.org/drawingml/2006/main" xmlns:r="http://schemas.openxmlformats.org/officeDocument/2006/relationships" xmlns:p="http://schemas.openxmlformats.org/presentationml/2006/main">
-  <p:cSld>
-    <p:spTree>
-      <p:nvGrpSpPr>
-        <p:cNvPr id="1" name=""/>
-        <p:cNvGrpSpPr/>
-        <p:nvPr/>
-      </p:nvGrpSpPr>
-      <p:grpSpPr>
-        <a:xfrm>
-          <a:off x="0" y="0"/>
-          <a:ext cx="0" cy="0"/>
-          <a:chOff x="0" y="0"/>
-          <a:chExt cx="0" cy="0"/>
-        </a:xfrm>
-      </p:grpSpPr>
-      <p:sp>
-        <p:nvSpPr>
-          <p:cNvPr id="2" name="Title 1">
-            <a:extLst>
-              <a:ext uri="{FF2B5EF4-FFF2-40B4-BE49-F238E27FC236}">
-                <a16:creationId xmlns:a16="http://schemas.microsoft.com/office/drawing/2014/main" id="{5567D468-EE70-CD4E-A3AC-039CC11EF1FB}"/>
-              </a:ext>
-            </a:extLst>
-          </p:cNvPr>
-          <p:cNvSpPr>
-            <a:spLocks noGrp="1"/>
-          </p:cNvSpPr>
-          <p:nvPr>
-            <p:ph type="title"/>
-          </p:nvPr>
-        </p:nvSpPr>
-        <p:spPr/>
-        <p:txBody>
-          <a:bodyPr/>
-          <a:lstStyle/>
-          <a:p>
-            <a:pPr marL="0" lvl="0" indent="0">
-              <a:buNone/>
-            </a:pPr>
-            <a:r>
-              <a:t>Meaningful analysis</a:t>
-            </a:r>
-          </a:p>
-        </p:txBody>
-      </p:sp>
-      <p:sp>
-        <p:nvSpPr>
-          <p:cNvPr id="3" name="Content Placeholder 2">
-            <a:extLst>
-              <a:ext uri="{FF2B5EF4-FFF2-40B4-BE49-F238E27FC236}">
-                <a16:creationId xmlns:a16="http://schemas.microsoft.com/office/drawing/2014/main" id="{D10DDA37-E46B-B641-BC9F-636CB92A2C08}"/>
-              </a:ext>
-            </a:extLst>
-          </p:cNvPr>
-          <p:cNvSpPr>
-            <a:spLocks noGrp="1"/>
-          </p:cNvSpPr>
-          <p:nvPr>
-            <p:ph idx="1"/>
-          </p:nvPr>
-        </p:nvSpPr>
-        <p:spPr/>
-        <p:txBody>
-          <a:bodyPr/>
-          <a:lstStyle/>
-          <a:p>
-            <a:pPr lvl="1"/>
-            <a:r>
-              <a:t>What is your hypothesis</a:t>
-            </a:r>
-          </a:p>
-          <a:p>
-            <a:pPr lvl="1"/>
-            <a:r>
-              <a:t>What type of variables (data type) do you have?</a:t>
-            </a:r>
-          </a:p>
-          <a:p>
-            <a:pPr lvl="1"/>
-            <a:r>
-              <a:t>What are the assumptions of the test you are using?</a:t>
-            </a:r>
-          </a:p>
-          <a:p>
-            <a:pPr lvl="1"/>
-            <a:r>
-              <a:t>Interpreting the result</a:t>
-            </a:r>
-          </a:p>
-        </p:txBody>
-      </p:sp>
-    </p:spTree>
-  </p:cSld>
-  <p:clrMapOvr>
-    <a:masterClrMapping/>
-  </p:clrMapOvr>
-</p:sld>
-</file>
-
-<file path=ppt/slides/slide24.xml><?xml version="1.0" encoding="utf-8"?>
-<p:sld xmlns:a="http://schemas.openxmlformats.org/drawingml/2006/main" xmlns:r="http://schemas.openxmlformats.org/officeDocument/2006/relationships" xmlns:p="http://schemas.openxmlformats.org/presentationml/2006/main">
-  <p:cSld>
-    <p:spTree>
-      <p:nvGrpSpPr>
-        <p:cNvPr id="1" name=""/>
-        <p:cNvGrpSpPr/>
-        <p:nvPr/>
-      </p:nvGrpSpPr>
-      <p:grpSpPr>
-        <a:xfrm>
-          <a:off x="0" y="0"/>
-          <a:ext cx="0" cy="0"/>
-          <a:chOff x="0" y="0"/>
-          <a:chExt cx="0" cy="0"/>
-        </a:xfrm>
-      </p:grpSpPr>
-      <p:sp>
-        <p:nvSpPr>
-          <p:cNvPr id="2" name="Title 1">
-            <a:extLst>
-              <a:ext uri="{FF2B5EF4-FFF2-40B4-BE49-F238E27FC236}">
-                <a16:creationId xmlns:a16="http://schemas.microsoft.com/office/drawing/2014/main" id="{5567D468-EE70-CD4E-A3AC-039CC11EF1FB}"/>
-              </a:ext>
-            </a:extLst>
-          </p:cNvPr>
-          <p:cNvSpPr>
-            <a:spLocks noGrp="1"/>
-          </p:cNvSpPr>
-          <p:nvPr>
-            <p:ph type="title"/>
-          </p:nvPr>
-        </p:nvSpPr>
-        <p:spPr/>
-        <p:txBody>
-          <a:bodyPr/>
-          <a:lstStyle/>
-          <a:p>
-            <a:pPr marL="0" lvl="0" indent="0">
-              <a:buNone/>
-            </a:pPr>
-            <a:r>
-              <a:t>What is a p-value?</a:t>
-            </a:r>
-          </a:p>
-        </p:txBody>
-      </p:sp>
-      <p:pic>
-        <p:nvPicPr>
-          <p:cNvPr id="3" name="Picture 1" descr="../Images/pValue.png"/>
+          <p:cNvPr descr="../Images/pValue.png" id="0" name="Picture 1"/>
           <p:cNvPicPr>
             <a:picLocks noGrp="1" noChangeAspect="1"/>
           </p:cNvPicPr>
@@ -7602,13 +8648,10 @@
       </p:pic>
     </p:spTree>
   </p:cSld>
-  <p:clrMapOvr>
-    <a:masterClrMapping/>
-  </p:clrMapOvr>
 </p:sld>
 </file>
 
-<file path=ppt/slides/slide25.xml><?xml version="1.0" encoding="utf-8"?>
+<file path=ppt/slides/slide23.xml><?xml version="1.0" encoding="utf-8"?>
 <p:sld xmlns:a="http://schemas.openxmlformats.org/drawingml/2006/main" xmlns:r="http://schemas.openxmlformats.org/officeDocument/2006/relationships" xmlns:p="http://schemas.openxmlformats.org/presentationml/2006/main">
   <p:cSld>
     <p:spTree>
@@ -7646,18 +8689,51 @@
           <a:bodyPr/>
           <a:lstStyle/>
           <a:p>
-            <a:pPr marL="0" lvl="0" indent="0">
+            <a:pPr lvl="0" marL="0" indent="0">
               <a:buNone/>
             </a:pPr>
             <a:r>
-              <a:t>What we are usually hoping…</a:t>
+              <a:rPr/>
+              <a:t>What</a:t>
+            </a:r>
+            <a:r>
+              <a:rPr/>
+              <a:t> </a:t>
+            </a:r>
+            <a:r>
+              <a:rPr/>
+              <a:t>we</a:t>
+            </a:r>
+            <a:r>
+              <a:rPr/>
+              <a:t> </a:t>
+            </a:r>
+            <a:r>
+              <a:rPr/>
+              <a:t>are</a:t>
+            </a:r>
+            <a:r>
+              <a:rPr/>
+              <a:t> </a:t>
+            </a:r>
+            <a:r>
+              <a:rPr/>
+              <a:t>usually</a:t>
+            </a:r>
+            <a:r>
+              <a:rPr/>
+              <a:t> </a:t>
+            </a:r>
+            <a:r>
+              <a:rPr/>
+              <a:t>hoping…</a:t>
             </a:r>
           </a:p>
         </p:txBody>
       </p:sp>
       <p:pic>
         <p:nvPicPr>
-          <p:cNvPr id="3" name="Picture 1" descr="../Images/pValue2.png"/>
+          <p:cNvPr descr="../Images/pValue2.png" id="0" name="Picture 1"/>
           <p:cNvPicPr>
             <a:picLocks noGrp="1" noChangeAspect="1"/>
           </p:cNvPicPr>
@@ -7687,9 +8763,237 @@
       </p:pic>
     </p:spTree>
   </p:cSld>
-  <p:clrMapOvr>
-    <a:masterClrMapping/>
-  </p:clrMapOvr>
+</p:sld>
+</file>
+
+<file path=ppt/slides/slide24.xml><?xml version="1.0" encoding="utf-8"?>
+<p:sld xmlns:a="http://schemas.openxmlformats.org/drawingml/2006/main" xmlns:r="http://schemas.openxmlformats.org/officeDocument/2006/relationships" xmlns:p="http://schemas.openxmlformats.org/presentationml/2006/main">
+  <p:cSld>
+    <p:spTree>
+      <p:nvGrpSpPr>
+        <p:cNvPr id="1" name=""/>
+        <p:cNvGrpSpPr/>
+        <p:nvPr/>
+      </p:nvGrpSpPr>
+      <p:grpSpPr>
+        <a:xfrm>
+          <a:off x="0" y="0"/>
+          <a:ext cx="0" cy="0"/>
+          <a:chOff x="0" y="0"/>
+          <a:chExt cx="0" cy="0"/>
+        </a:xfrm>
+      </p:grpSpPr>
+      <p:sp>
+        <p:nvSpPr>
+          <p:cNvPr id="2" name="Title 1">
+            <a:extLst>
+              <a:ext uri="{FF2B5EF4-FFF2-40B4-BE49-F238E27FC236}">
+                <a16:creationId xmlns:a16="http://schemas.microsoft.com/office/drawing/2014/main" id="{5567D468-EE70-CD4E-A3AC-039CC11EF1FB}"/>
+              </a:ext>
+            </a:extLst>
+          </p:cNvPr>
+          <p:cNvSpPr>
+            <a:spLocks noGrp="1"/>
+          </p:cNvSpPr>
+          <p:nvPr>
+            <p:ph type="title"/>
+          </p:nvPr>
+        </p:nvSpPr>
+        <p:spPr/>
+        <p:txBody>
+          <a:bodyPr/>
+          <a:lstStyle/>
+          <a:p>
+            <a:pPr lvl="0" marL="0" indent="0">
+              <a:buNone/>
+            </a:pPr>
+            <a:r>
+              <a:rPr/>
+              <a:t>Testing</a:t>
+            </a:r>
+            <a:r>
+              <a:rPr/>
+              <a:t> </a:t>
+            </a:r>
+            <a:r>
+              <a:rPr/>
+              <a:t>significance</a:t>
+            </a:r>
+          </a:p>
+        </p:txBody>
+      </p:sp>
+      <p:sp>
+        <p:nvSpPr>
+          <p:cNvPr id="3" name="Content Placeholder 2">
+            <a:extLst>
+              <a:ext uri="{FF2B5EF4-FFF2-40B4-BE49-F238E27FC236}">
+                <a16:creationId xmlns:a16="http://schemas.microsoft.com/office/drawing/2014/main" id="{D10DDA37-E46B-B641-BC9F-636CB92A2C08}"/>
+              </a:ext>
+            </a:extLst>
+          </p:cNvPr>
+          <p:cNvSpPr>
+            <a:spLocks noGrp="1"/>
+          </p:cNvSpPr>
+          <p:nvPr>
+            <p:ph idx="1"/>
+          </p:nvPr>
+        </p:nvSpPr>
+        <p:spPr/>
+        <p:txBody>
+          <a:bodyPr/>
+          <a:lstStyle/>
+          <a:p>
+            <a:pPr lvl="1"/>
+            <a:r>
+              <a:rPr/>
+              <a:t>p-value</a:t>
+            </a:r>
+          </a:p>
+          <a:p>
+            <a:pPr lvl="1"/>
+            <a:r>
+              <a:rPr/>
+              <a:t>&lt;0.05</a:t>
+            </a:r>
+          </a:p>
+          <a:p>
+            <a:pPr lvl="1"/>
+            <a:r>
+              <a:rPr/>
+              <a:t>0.03-0.049</a:t>
+            </a:r>
+          </a:p>
+          <a:p>
+            <a:pPr lvl="2"/>
+            <a:r>
+              <a:rPr/>
+              <a:t>Would benefit from further testing.</a:t>
+            </a:r>
+          </a:p>
+        </p:txBody>
+      </p:sp>
+    </p:spTree>
+  </p:cSld>
+</p:sld>
+</file>
+
+<file path=ppt/slides/slide25.xml><?xml version="1.0" encoding="utf-8"?>
+<p:sld xmlns:a="http://schemas.openxmlformats.org/drawingml/2006/main" xmlns:r="http://schemas.openxmlformats.org/officeDocument/2006/relationships" xmlns:p="http://schemas.openxmlformats.org/presentationml/2006/main">
+  <p:cSld>
+    <p:spTree>
+      <p:nvGrpSpPr>
+        <p:cNvPr id="1" name=""/>
+        <p:cNvGrpSpPr/>
+        <p:nvPr/>
+      </p:nvGrpSpPr>
+      <p:grpSpPr>
+        <a:xfrm>
+          <a:off x="0" y="0"/>
+          <a:ext cx="0" cy="0"/>
+          <a:chOff x="0" y="0"/>
+          <a:chExt cx="0" cy="0"/>
+        </a:xfrm>
+      </p:grpSpPr>
+      <p:sp>
+        <p:nvSpPr>
+          <p:cNvPr id="2" name="Title 1">
+            <a:extLst>
+              <a:ext uri="{FF2B5EF4-FFF2-40B4-BE49-F238E27FC236}">
+                <a16:creationId xmlns:a16="http://schemas.microsoft.com/office/drawing/2014/main" id="{5567D468-EE70-CD4E-A3AC-039CC11EF1FB}"/>
+              </a:ext>
+            </a:extLst>
+          </p:cNvPr>
+          <p:cNvSpPr>
+            <a:spLocks noGrp="1"/>
+          </p:cNvSpPr>
+          <p:nvPr>
+            <p:ph type="title"/>
+          </p:nvPr>
+        </p:nvSpPr>
+        <p:spPr/>
+        <p:txBody>
+          <a:bodyPr/>
+          <a:lstStyle/>
+          <a:p>
+            <a:pPr lvl="0" marL="0" indent="0">
+              <a:buNone/>
+            </a:pPr>
+            <a:r>
+              <a:rPr/>
+              <a:t>Comparing</a:t>
+            </a:r>
+            <a:r>
+              <a:rPr/>
+              <a:t> </a:t>
+            </a:r>
+            <a:r>
+              <a:rPr/>
+              <a:t>means</a:t>
+            </a:r>
+          </a:p>
+        </p:txBody>
+      </p:sp>
+      <p:sp>
+        <p:nvSpPr>
+          <p:cNvPr id="3" name="Content Placeholder 2">
+            <a:extLst>
+              <a:ext uri="{FF2B5EF4-FFF2-40B4-BE49-F238E27FC236}">
+                <a16:creationId xmlns:a16="http://schemas.microsoft.com/office/drawing/2014/main" id="{D10DDA37-E46B-B641-BC9F-636CB92A2C08}"/>
+              </a:ext>
+            </a:extLst>
+          </p:cNvPr>
+          <p:cNvSpPr>
+            <a:spLocks noGrp="1"/>
+          </p:cNvSpPr>
+          <p:nvPr>
+            <p:ph idx="1"/>
+          </p:nvPr>
+        </p:nvSpPr>
+        <p:spPr/>
+        <p:txBody>
+          <a:bodyPr/>
+          <a:lstStyle/>
+          <a:p>
+            <a:pPr lvl="0" marL="0" indent="0">
+              <a:buNone/>
+            </a:pPr>
+            <a:r>
+              <a:rPr/>
+              <a:t>It all starts with a hypothesis</a:t>
+            </a:r>
+          </a:p>
+          <a:p>
+            <a:pPr lvl="1"/>
+            <a:r>
+              <a:rPr/>
+              <a:t>Null hypothesis</a:t>
+            </a:r>
+          </a:p>
+          <a:p>
+            <a:pPr lvl="2"/>
+            <a:r>
+              <a:rPr/>
+              <a:t>“There is no difference in mean height between men and women”</a:t>
+            </a:r>
+          </a:p>
+          <a:p>
+            <a:pPr lvl="1"/>
+            <a:r>
+              <a:rPr/>
+              <a:t>Alternate hypothesis</a:t>
+            </a:r>
+          </a:p>
+          <a:p>
+            <a:pPr lvl="2"/>
+            <a:r>
+              <a:rPr/>
+              <a:t>“There is a difference in mean height between men and women”</a:t>
+            </a:r>
+          </a:p>
+        </p:txBody>
+      </p:sp>
+    </p:spTree>
+  </p:cSld>
 </p:sld>
 </file>
 
@@ -7731,11 +9035,20 @@
           <a:bodyPr/>
           <a:lstStyle/>
           <a:p>
-            <a:pPr marL="0" lvl="0" indent="0">
+            <a:pPr lvl="0" marL="0" indent="0">
               <a:buNone/>
             </a:pPr>
             <a:r>
-              <a:t>Testing significance</a:t>
+              <a:rPr/>
+              <a:t>Comparing</a:t>
+            </a:r>
+            <a:r>
+              <a:rPr/>
+              <a:t> </a:t>
+            </a:r>
+            <a:r>
+              <a:rPr/>
+              <a:t>means</a:t>
             </a:r>
           </a:p>
         </p:txBody>
@@ -7761,36 +9074,181 @@
           <a:bodyPr/>
           <a:lstStyle/>
           <a:p>
-            <a:pPr lvl="1"/>
-            <a:r>
-              <a:t>p-value</a:t>
-            </a:r>
-          </a:p>
-          <a:p>
-            <a:pPr lvl="1"/>
-            <a:r>
-              <a:t>&lt;0.05</a:t>
-            </a:r>
-          </a:p>
-          <a:p>
-            <a:pPr lvl="1"/>
-            <a:r>
-              <a:t>0.03-0.049</a:t>
-            </a:r>
-          </a:p>
-          <a:p>
-            <a:pPr lvl="2"/>
-            <a:r>
-              <a:t>Would benefit from further testing.</a:t>
+            <a:pPr lvl="0" marL="0" indent="0">
+              <a:buNone/>
+            </a:pPr>
+            <a:r>
+              <a:rPr/>
+              <a:t>Is there a difference between the heights of males and females?</a:t>
+            </a:r>
+          </a:p>
+          <a:p>
+            <a:pPr lvl="0" marL="1270000" indent="0">
+              <a:buNone/>
+            </a:pPr>
+            <a:r>
+              <a:rPr sz="1800">
+                <a:latin typeface="Courier"/>
+              </a:rPr>
+              <a:t>cchic </a:t>
+            </a:r>
+            <a:r>
+              <a:rPr sz="1800">
+                <a:solidFill>
+                  <a:srgbClr val="666666"/>
+                </a:solidFill>
+                <a:latin typeface="Courier"/>
+              </a:rPr>
+              <a:t>%&gt;%</a:t>
+            </a:r>
+            <a:br/>
+            <a:r>
+              <a:rPr sz="1800">
+                <a:solidFill>
+                  <a:srgbClr val="4070A0"/>
+                </a:solidFill>
+                <a:latin typeface="Courier"/>
+              </a:rPr>
+              <a:t>  </a:t>
+            </a:r>
+            <a:r>
+              <a:rPr sz="1800" b="1">
+                <a:solidFill>
+                  <a:srgbClr val="007020"/>
+                </a:solidFill>
+                <a:latin typeface="Courier"/>
+              </a:rPr>
+              <a:t>group_by</a:t>
+            </a:r>
+            <a:r>
+              <a:rPr sz="1800">
+                <a:latin typeface="Courier"/>
+              </a:rPr>
+              <a:t>(sex) </a:t>
+            </a:r>
+            <a:r>
+              <a:rPr sz="1800">
+                <a:solidFill>
+                  <a:srgbClr val="666666"/>
+                </a:solidFill>
+                <a:latin typeface="Courier"/>
+              </a:rPr>
+              <a:t>%&gt;%</a:t>
+            </a:r>
+            <a:br/>
+            <a:r>
+              <a:rPr sz="1800">
+                <a:solidFill>
+                  <a:srgbClr val="4070A0"/>
+                </a:solidFill>
+                <a:latin typeface="Courier"/>
+              </a:rPr>
+              <a:t>  </a:t>
+            </a:r>
+            <a:r>
+              <a:rPr sz="1800" b="1">
+                <a:solidFill>
+                  <a:srgbClr val="007020"/>
+                </a:solidFill>
+                <a:latin typeface="Courier"/>
+              </a:rPr>
+              <a:t>summarise</a:t>
+            </a:r>
+            <a:r>
+              <a:rPr sz="1800">
+                <a:latin typeface="Courier"/>
+              </a:rPr>
+              <a:t>(</a:t>
+            </a:r>
+            <a:r>
+              <a:rPr sz="1800">
+                <a:solidFill>
+                  <a:srgbClr val="902000"/>
+                </a:solidFill>
+                <a:latin typeface="Courier"/>
+              </a:rPr>
+              <a:t>av.height =</a:t>
+            </a:r>
+            <a:r>
+              <a:rPr sz="1800">
+                <a:latin typeface="Courier"/>
+              </a:rPr>
+              <a:t> </a:t>
+            </a:r>
+            <a:r>
+              <a:rPr sz="1800" b="1">
+                <a:solidFill>
+                  <a:srgbClr val="007020"/>
+                </a:solidFill>
+                <a:latin typeface="Courier"/>
+              </a:rPr>
+              <a:t>mean</a:t>
+            </a:r>
+            <a:r>
+              <a:rPr sz="1800">
+                <a:latin typeface="Courier"/>
+              </a:rPr>
+              <a:t>(height, </a:t>
+            </a:r>
+            <a:r>
+              <a:rPr sz="1800">
+                <a:solidFill>
+                  <a:srgbClr val="902000"/>
+                </a:solidFill>
+                <a:latin typeface="Courier"/>
+              </a:rPr>
+              <a:t>na.rm =</a:t>
+            </a:r>
+            <a:r>
+              <a:rPr sz="1800">
+                <a:latin typeface="Courier"/>
+              </a:rPr>
+              <a:t> </a:t>
+            </a:r>
+            <a:r>
+              <a:rPr sz="1800">
+                <a:solidFill>
+                  <a:srgbClr val="007020"/>
+                </a:solidFill>
+                <a:latin typeface="Courier"/>
+              </a:rPr>
+              <a:t>TRUE</a:t>
+            </a:r>
+            <a:r>
+              <a:rPr sz="1800">
+                <a:latin typeface="Courier"/>
+              </a:rPr>
+              <a:t>))</a:t>
+            </a:r>
+          </a:p>
+          <a:p>
+            <a:pPr lvl="0" marL="1270000" indent="0">
+              <a:buNone/>
+            </a:pPr>
+            <a:r>
+              <a:rPr sz="1800">
+                <a:latin typeface="Courier"/>
+              </a:rPr>
+              <a:t>## # A tibble: 2 x 2
+##   sex   av.height
+##   &lt;chr&gt;     &lt;dbl&gt;
+## 1 F          1.62
+## 2 M          1.74</a:t>
+            </a:r>
+          </a:p>
+          <a:p>
+            <a:pPr lvl="0" marL="0" indent="0">
+              <a:buNone/>
+            </a:pPr>
+            <a:r>
+              <a:rPr/>
+              <a:t>Is the difference between heights statistically significant?</a:t>
             </a:r>
           </a:p>
         </p:txBody>
       </p:sp>
     </p:spTree>
   </p:cSld>
-  <p:clrMapOvr>
-    <a:masterClrMapping/>
-  </p:clrMapOvr>
 </p:sld>
 </file>
 
@@ -7816,7 +9274,7 @@
           <p:cNvPr id="2" name="Title 1">
             <a:extLst>
               <a:ext uri="{FF2B5EF4-FFF2-40B4-BE49-F238E27FC236}">
-                <a16:creationId xmlns:a16="http://schemas.microsoft.com/office/drawing/2014/main" id="{5567D468-EE70-CD4E-A3AC-039CC11EF1FB}"/>
+                <a16:creationId xmlns:a16="http://schemas.microsoft.com/office/drawing/2014/main" id="{0CF11FE2-61CD-2E40-A43A-EED9A845FF8A}"/>
               </a:ext>
             </a:extLst>
           </p:cNvPr>
@@ -7832,11 +9290,12 @@
           <a:bodyPr/>
           <a:lstStyle/>
           <a:p>
-            <a:pPr marL="0" lvl="0" indent="0">
+            <a:pPr lvl="0" marL="0" indent="0">
               <a:buNone/>
             </a:pPr>
             <a:r>
-              <a:t>Comparing means</a:t>
+              <a:rPr/>
+              <a:t>t-test</a:t>
             </a:r>
           </a:p>
         </p:txBody>
@@ -7846,594 +9305,32 @@
           <p:cNvPr id="3" name="Content Placeholder 2">
             <a:extLst>
               <a:ext uri="{FF2B5EF4-FFF2-40B4-BE49-F238E27FC236}">
-                <a16:creationId xmlns:a16="http://schemas.microsoft.com/office/drawing/2014/main" id="{D10DDA37-E46B-B641-BC9F-636CB92A2C08}"/>
-              </a:ext>
-            </a:extLst>
-          </p:cNvPr>
-          <p:cNvSpPr>
-            <a:spLocks noGrp="1"/>
-          </p:cNvSpPr>
-          <p:nvPr>
-            <p:ph idx="1"/>
-          </p:nvPr>
-        </p:nvSpPr>
-        <p:spPr/>
-        <p:txBody>
-          <a:bodyPr/>
-          <a:lstStyle/>
-          <a:p>
-            <a:pPr marL="0" lvl="0" indent="0">
-              <a:buNone/>
-            </a:pPr>
-            <a:r>
-              <a:t>It all starts with a hypothesis</a:t>
-            </a:r>
-          </a:p>
+                <a16:creationId xmlns:a16="http://schemas.microsoft.com/office/drawing/2014/main" id="{C1CB83AA-6B3D-8243-8929-B2C82ECF02B5}"/>
+              </a:ext>
+            </a:extLst>
+          </p:cNvPr>
+          <p:cNvSpPr>
+            <a:spLocks noGrp="1"/>
+          </p:cNvSpPr>
+          <p:nvPr>
+            <p:ph sz="half" idx="1"/>
+          </p:nvPr>
+        </p:nvSpPr>
+        <p:spPr/>
+        <p:txBody>
+          <a:bodyPr/>
+          <a:lstStyle/>
           <a:p>
             <a:pPr lvl="1"/>
             <a:r>
-              <a:t>Null hypothesis</a:t>
-            </a:r>
-          </a:p>
-          <a:p>
-            <a:pPr lvl="2"/>
-            <a:r>
-              <a:t>“There is no difference in mean height between men and women”</a:t>
+              <a:rPr/>
+              <a:t>Compares means between two populations</a:t>
             </a:r>
           </a:p>
           <a:p>
             <a:pPr lvl="1"/>
             <a:r>
-              <a:t>Alternate hypothesis</a:t>
-            </a:r>
-          </a:p>
-          <a:p>
-            <a:pPr lvl="2"/>
-            <a:r>
-              <a:t>“There is a difference in mean height between men and women”</a:t>
-            </a:r>
-          </a:p>
-        </p:txBody>
-      </p:sp>
-    </p:spTree>
-  </p:cSld>
-  <p:clrMapOvr>
-    <a:masterClrMapping/>
-  </p:clrMapOvr>
-</p:sld>
-</file>
-
-<file path=ppt/slides/slide28.xml><?xml version="1.0" encoding="utf-8"?>
-<p:sld xmlns:a="http://schemas.openxmlformats.org/drawingml/2006/main" xmlns:r="http://schemas.openxmlformats.org/officeDocument/2006/relationships" xmlns:p="http://schemas.openxmlformats.org/presentationml/2006/main">
-  <p:cSld>
-    <p:spTree>
-      <p:nvGrpSpPr>
-        <p:cNvPr id="1" name=""/>
-        <p:cNvGrpSpPr/>
-        <p:nvPr/>
-      </p:nvGrpSpPr>
-      <p:grpSpPr>
-        <a:xfrm>
-          <a:off x="0" y="0"/>
-          <a:ext cx="0" cy="0"/>
-          <a:chOff x="0" y="0"/>
-          <a:chExt cx="0" cy="0"/>
-        </a:xfrm>
-      </p:grpSpPr>
-      <p:sp>
-        <p:nvSpPr>
-          <p:cNvPr id="2" name="Title 1">
-            <a:extLst>
-              <a:ext uri="{FF2B5EF4-FFF2-40B4-BE49-F238E27FC236}">
-                <a16:creationId xmlns:a16="http://schemas.microsoft.com/office/drawing/2014/main" id="{5567D468-EE70-CD4E-A3AC-039CC11EF1FB}"/>
-              </a:ext>
-            </a:extLst>
-          </p:cNvPr>
-          <p:cNvSpPr>
-            <a:spLocks noGrp="1"/>
-          </p:cNvSpPr>
-          <p:nvPr>
-            <p:ph type="title"/>
-          </p:nvPr>
-        </p:nvSpPr>
-        <p:spPr/>
-        <p:txBody>
-          <a:bodyPr/>
-          <a:lstStyle/>
-          <a:p>
-            <a:pPr marL="0" lvl="0" indent="0">
-              <a:buNone/>
-            </a:pPr>
-            <a:r>
-              <a:t>More on hypothesis testing</a:t>
-            </a:r>
-          </a:p>
-        </p:txBody>
-      </p:sp>
-      <p:sp>
-        <p:nvSpPr>
-          <p:cNvPr id="3" name="Content Placeholder 2">
-            <a:extLst>
-              <a:ext uri="{FF2B5EF4-FFF2-40B4-BE49-F238E27FC236}">
-                <a16:creationId xmlns:a16="http://schemas.microsoft.com/office/drawing/2014/main" id="{D10DDA37-E46B-B641-BC9F-636CB92A2C08}"/>
-              </a:ext>
-            </a:extLst>
-          </p:cNvPr>
-          <p:cNvSpPr>
-            <a:spLocks noGrp="1"/>
-          </p:cNvSpPr>
-          <p:nvPr>
-            <p:ph idx="1"/>
-          </p:nvPr>
-        </p:nvSpPr>
-        <p:spPr/>
-        <p:txBody>
-          <a:bodyPr/>
-          <a:lstStyle/>
-          <a:p>
-            <a:pPr lvl="1"/>
-            <a:r>
-              <a:t>The null hypothesis (H0) assumes that the true mean difference (μd) is equal to zero.</a:t>
-            </a:r>
-          </a:p>
-          <a:p>
-            <a:pPr lvl="1"/>
-            <a:r>
-              <a:t>The two-tailed alternative hypothesis (H1) assumes that μd is not equal to zero.</a:t>
-            </a:r>
-          </a:p>
-          <a:p>
-            <a:pPr lvl="1"/>
-            <a:r>
-              <a:t>The upper-tailed alternative hypothesis (H1) assumes that μd is greater than zero.</a:t>
-            </a:r>
-          </a:p>
-          <a:p>
-            <a:pPr lvl="1"/>
-            <a:r>
-              <a:t>The lower-tailed alternative hypothesis (H1) assumes that μd is less than zero.</a:t>
-            </a:r>
-          </a:p>
-          <a:p>
-            <a:pPr lvl="1"/>
-            <a:r>
-              <a:t>Remember: hypotheses are never about data, they are about the processes which produce the data. The value of μd is unknown. The goal of hypothesis testing is to determine the hypothesis (null or alternative) with which the data are more consistent.</a:t>
-            </a:r>
-          </a:p>
-        </p:txBody>
-      </p:sp>
-    </p:spTree>
-  </p:cSld>
-  <p:clrMapOvr>
-    <a:masterClrMapping/>
-  </p:clrMapOvr>
-</p:sld>
-</file>
-
-<file path=ppt/slides/slide29.xml><?xml version="1.0" encoding="utf-8"?>
-<p:sld xmlns:a="http://schemas.openxmlformats.org/drawingml/2006/main" xmlns:r="http://schemas.openxmlformats.org/officeDocument/2006/relationships" xmlns:p="http://schemas.openxmlformats.org/presentationml/2006/main">
-  <p:cSld>
-    <p:spTree>
-      <p:nvGrpSpPr>
-        <p:cNvPr id="1" name=""/>
-        <p:cNvGrpSpPr/>
-        <p:nvPr/>
-      </p:nvGrpSpPr>
-      <p:grpSpPr>
-        <a:xfrm>
-          <a:off x="0" y="0"/>
-          <a:ext cx="0" cy="0"/>
-          <a:chOff x="0" y="0"/>
-          <a:chExt cx="0" cy="0"/>
-        </a:xfrm>
-      </p:grpSpPr>
-      <p:sp>
-        <p:nvSpPr>
-          <p:cNvPr id="2" name="Title 1">
-            <a:extLst>
-              <a:ext uri="{FF2B5EF4-FFF2-40B4-BE49-F238E27FC236}">
-                <a16:creationId xmlns:a16="http://schemas.microsoft.com/office/drawing/2014/main" id="{5567D468-EE70-CD4E-A3AC-039CC11EF1FB}"/>
-              </a:ext>
-            </a:extLst>
-          </p:cNvPr>
-          <p:cNvSpPr>
-            <a:spLocks noGrp="1"/>
-          </p:cNvSpPr>
-          <p:nvPr>
-            <p:ph type="title"/>
-          </p:nvPr>
-        </p:nvSpPr>
-        <p:spPr/>
-        <p:txBody>
-          <a:bodyPr/>
-          <a:lstStyle/>
-          <a:p>
-            <a:pPr marL="0" lvl="0" indent="0">
-              <a:buNone/>
-            </a:pPr>
-            <a:r>
-              <a:t>Comparing means</a:t>
-            </a:r>
-          </a:p>
-        </p:txBody>
-      </p:sp>
-      <p:sp>
-        <p:nvSpPr>
-          <p:cNvPr id="3" name="Content Placeholder 2">
-            <a:extLst>
-              <a:ext uri="{FF2B5EF4-FFF2-40B4-BE49-F238E27FC236}">
-                <a16:creationId xmlns:a16="http://schemas.microsoft.com/office/drawing/2014/main" id="{D10DDA37-E46B-B641-BC9F-636CB92A2C08}"/>
-              </a:ext>
-            </a:extLst>
-          </p:cNvPr>
-          <p:cNvSpPr>
-            <a:spLocks noGrp="1"/>
-          </p:cNvSpPr>
-          <p:nvPr>
-            <p:ph idx="1"/>
-          </p:nvPr>
-        </p:nvSpPr>
-        <p:spPr/>
-        <p:txBody>
-          <a:bodyPr/>
-          <a:lstStyle/>
-          <a:p>
-            <a:pPr marL="0" lvl="0" indent="0">
-              <a:buNone/>
-            </a:pPr>
-            <a:r>
-              <a:t>Is there a difference between the heights of males and females?</a:t>
-            </a:r>
-          </a:p>
-          <a:p>
-            <a:pPr marL="1270000" lvl="0" indent="0">
-              <a:buNone/>
-            </a:pPr>
-            <a:r>
-              <a:rPr sz="1800">
-                <a:latin typeface="Courier"/>
-              </a:rPr>
-              <a:t>cchic </a:t>
-            </a:r>
-            <a:r>
-              <a:rPr sz="1800">
-                <a:solidFill>
-                  <a:srgbClr val="666666"/>
-                </a:solidFill>
-                <a:latin typeface="Courier"/>
-              </a:rPr>
-              <a:t>%&gt;%</a:t>
-            </a:r>
-            <a:br/>
-            <a:r>
-              <a:rPr sz="1800">
-                <a:solidFill>
-                  <a:srgbClr val="4070A0"/>
-                </a:solidFill>
-                <a:latin typeface="Courier"/>
-              </a:rPr>
-              <a:t>  </a:t>
-            </a:r>
-            <a:r>
-              <a:rPr sz="1800" b="1">
-                <a:solidFill>
-                  <a:srgbClr val="007020"/>
-                </a:solidFill>
-                <a:latin typeface="Courier"/>
-              </a:rPr>
-              <a:t>group_by</a:t>
-            </a:r>
-            <a:r>
-              <a:rPr sz="1800">
-                <a:latin typeface="Courier"/>
-              </a:rPr>
-              <a:t>(sex) </a:t>
-            </a:r>
-            <a:r>
-              <a:rPr sz="1800">
-                <a:solidFill>
-                  <a:srgbClr val="666666"/>
-                </a:solidFill>
-                <a:latin typeface="Courier"/>
-              </a:rPr>
-              <a:t>%&gt;%</a:t>
-            </a:r>
-            <a:br/>
-            <a:r>
-              <a:rPr sz="1800">
-                <a:solidFill>
-                  <a:srgbClr val="4070A0"/>
-                </a:solidFill>
-                <a:latin typeface="Courier"/>
-              </a:rPr>
-              <a:t>  </a:t>
-            </a:r>
-            <a:r>
-              <a:rPr sz="1800" b="1">
-                <a:solidFill>
-                  <a:srgbClr val="007020"/>
-                </a:solidFill>
-                <a:latin typeface="Courier"/>
-              </a:rPr>
-              <a:t>summarise</a:t>
-            </a:r>
-            <a:r>
-              <a:rPr sz="1800">
-                <a:latin typeface="Courier"/>
-              </a:rPr>
-              <a:t>(</a:t>
-            </a:r>
-            <a:r>
-              <a:rPr sz="1800">
-                <a:solidFill>
-                  <a:srgbClr val="902000"/>
-                </a:solidFill>
-                <a:latin typeface="Courier"/>
-              </a:rPr>
-              <a:t>av.height =</a:t>
-            </a:r>
-            <a:r>
-              <a:rPr sz="1800">
-                <a:latin typeface="Courier"/>
-              </a:rPr>
-              <a:t> </a:t>
-            </a:r>
-            <a:r>
-              <a:rPr sz="1800" b="1">
-                <a:solidFill>
-                  <a:srgbClr val="007020"/>
-                </a:solidFill>
-                <a:latin typeface="Courier"/>
-              </a:rPr>
-              <a:t>mean</a:t>
-            </a:r>
-            <a:r>
-              <a:rPr sz="1800">
-                <a:latin typeface="Courier"/>
-              </a:rPr>
-              <a:t>(height, </a:t>
-            </a:r>
-            <a:r>
-              <a:rPr sz="1800">
-                <a:solidFill>
-                  <a:srgbClr val="902000"/>
-                </a:solidFill>
-                <a:latin typeface="Courier"/>
-              </a:rPr>
-              <a:t>na.rm =</a:t>
-            </a:r>
-            <a:r>
-              <a:rPr sz="1800">
-                <a:latin typeface="Courier"/>
-              </a:rPr>
-              <a:t> </a:t>
-            </a:r>
-            <a:r>
-              <a:rPr sz="1800">
-                <a:solidFill>
-                  <a:srgbClr val="007020"/>
-                </a:solidFill>
-                <a:latin typeface="Courier"/>
-              </a:rPr>
-              <a:t>TRUE</a:t>
-            </a:r>
-            <a:r>
-              <a:rPr sz="1800">
-                <a:latin typeface="Courier"/>
-              </a:rPr>
-              <a:t>))</a:t>
-            </a:r>
-          </a:p>
-          <a:p>
-            <a:pPr marL="1270000" lvl="0" indent="0">
-              <a:buNone/>
-            </a:pPr>
-            <a:r>
-              <a:rPr sz="1800">
-                <a:latin typeface="Courier"/>
-              </a:rPr>
-              <a:t>## # A tibble: 2 x 2
-##   sex   av.height
-##   &lt;chr&gt;     &lt;dbl&gt;
-## 1 F          1.62
-## 2 M          1.74</a:t>
-            </a:r>
-          </a:p>
-          <a:p>
-            <a:pPr marL="0" lvl="0" indent="0">
-              <a:buNone/>
-            </a:pPr>
-            <a:r>
-              <a:t>Is the difference between heights statistically significant?</a:t>
-            </a:r>
-          </a:p>
-        </p:txBody>
-      </p:sp>
-    </p:spTree>
-  </p:cSld>
-  <p:clrMapOvr>
-    <a:masterClrMapping/>
-  </p:clrMapOvr>
-</p:sld>
-</file>
-
-<file path=ppt/slides/slide3.xml><?xml version="1.0" encoding="utf-8"?>
-<p:sld xmlns:a="http://schemas.openxmlformats.org/drawingml/2006/main" xmlns:r="http://schemas.openxmlformats.org/officeDocument/2006/relationships" xmlns:p="http://schemas.openxmlformats.org/presentationml/2006/main">
-  <p:cSld>
-    <p:spTree>
-      <p:nvGrpSpPr>
-        <p:cNvPr id="1" name=""/>
-        <p:cNvGrpSpPr/>
-        <p:nvPr/>
-      </p:nvGrpSpPr>
-      <p:grpSpPr>
-        <a:xfrm>
-          <a:off x="0" y="0"/>
-          <a:ext cx="0" cy="0"/>
-          <a:chOff x="0" y="0"/>
-          <a:chExt cx="0" cy="0"/>
-        </a:xfrm>
-      </p:grpSpPr>
-      <p:sp>
-        <p:nvSpPr>
-          <p:cNvPr id="2" name="Title 1">
-            <a:extLst>
-              <a:ext uri="{FF2B5EF4-FFF2-40B4-BE49-F238E27FC236}">
-                <a16:creationId xmlns:a16="http://schemas.microsoft.com/office/drawing/2014/main" id="{5567D468-EE70-CD4E-A3AC-039CC11EF1FB}"/>
-              </a:ext>
-            </a:extLst>
-          </p:cNvPr>
-          <p:cNvSpPr>
-            <a:spLocks noGrp="1"/>
-          </p:cNvSpPr>
-          <p:nvPr>
-            <p:ph type="title"/>
-          </p:nvPr>
-        </p:nvSpPr>
-        <p:spPr/>
-        <p:txBody>
-          <a:bodyPr/>
-          <a:lstStyle/>
-          <a:p>
-            <a:pPr marL="0" lvl="0" indent="0">
-              <a:buNone/>
-            </a:pPr>
-            <a:r>
-              <a:t>Content</a:t>
-            </a:r>
-          </a:p>
-        </p:txBody>
-      </p:sp>
-      <p:sp>
-        <p:nvSpPr>
-          <p:cNvPr id="3" name="Content Placeholder 2">
-            <a:extLst>
-              <a:ext uri="{FF2B5EF4-FFF2-40B4-BE49-F238E27FC236}">
-                <a16:creationId xmlns:a16="http://schemas.microsoft.com/office/drawing/2014/main" id="{D10DDA37-E46B-B641-BC9F-636CB92A2C08}"/>
-              </a:ext>
-            </a:extLst>
-          </p:cNvPr>
-          <p:cNvSpPr>
-            <a:spLocks noGrp="1"/>
-          </p:cNvSpPr>
-          <p:nvPr>
-            <p:ph idx="1"/>
-          </p:nvPr>
-        </p:nvSpPr>
-        <p:spPr/>
-        <p:txBody>
-          <a:bodyPr/>
-          <a:lstStyle/>
-          <a:p>
-            <a:pPr lvl="1"/>
-            <a:r>
-              <a:t>Types of Data</a:t>
-            </a:r>
-          </a:p>
-          <a:p>
-            <a:pPr lvl="1"/>
-            <a:r>
-              <a:t>Exploring your dataset</a:t>
-            </a:r>
-          </a:p>
-          <a:p>
-            <a:pPr lvl="1"/>
-            <a:r>
-              <a:t>Descriptive Statistics</a:t>
-            </a:r>
-          </a:p>
-          <a:p>
-            <a:pPr lvl="1"/>
-            <a:r>
-              <a:t>Inferential Statistics</a:t>
-            </a:r>
-          </a:p>
-        </p:txBody>
-      </p:sp>
-    </p:spTree>
-  </p:cSld>
-  <p:clrMapOvr>
-    <a:masterClrMapping/>
-  </p:clrMapOvr>
-</p:sld>
-</file>
-
-<file path=ppt/slides/slide30.xml><?xml version="1.0" encoding="utf-8"?>
-<p:sld xmlns:a="http://schemas.openxmlformats.org/drawingml/2006/main" xmlns:r="http://schemas.openxmlformats.org/officeDocument/2006/relationships" xmlns:p="http://schemas.openxmlformats.org/presentationml/2006/main">
-  <p:cSld>
-    <p:spTree>
-      <p:nvGrpSpPr>
-        <p:cNvPr id="1" name=""/>
-        <p:cNvGrpSpPr/>
-        <p:nvPr/>
-      </p:nvGrpSpPr>
-      <p:grpSpPr>
-        <a:xfrm>
-          <a:off x="0" y="0"/>
-          <a:ext cx="0" cy="0"/>
-          <a:chOff x="0" y="0"/>
-          <a:chExt cx="0" cy="0"/>
-        </a:xfrm>
-      </p:grpSpPr>
-      <p:sp>
-        <p:nvSpPr>
-          <p:cNvPr id="2" name="Title 1">
-            <a:extLst>
-              <a:ext uri="{FF2B5EF4-FFF2-40B4-BE49-F238E27FC236}">
-                <a16:creationId xmlns:a16="http://schemas.microsoft.com/office/drawing/2014/main" id="{0CF11FE2-61CD-2E40-A43A-EED9A845FF8A}"/>
-              </a:ext>
-            </a:extLst>
-          </p:cNvPr>
-          <p:cNvSpPr>
-            <a:spLocks noGrp="1"/>
-          </p:cNvSpPr>
-          <p:nvPr>
-            <p:ph type="title"/>
-          </p:nvPr>
-        </p:nvSpPr>
-        <p:spPr/>
-        <p:txBody>
-          <a:bodyPr/>
-          <a:lstStyle/>
-          <a:p>
-            <a:pPr marL="0" lvl="0" indent="0">
-              <a:buNone/>
-            </a:pPr>
-            <a:r>
-              <a:t>t-test</a:t>
-            </a:r>
-          </a:p>
-        </p:txBody>
-      </p:sp>
-      <p:sp>
-        <p:nvSpPr>
-          <p:cNvPr id="3" name="Content Placeholder 2">
-            <a:extLst>
-              <a:ext uri="{FF2B5EF4-FFF2-40B4-BE49-F238E27FC236}">
-                <a16:creationId xmlns:a16="http://schemas.microsoft.com/office/drawing/2014/main" id="{C1CB83AA-6B3D-8243-8929-B2C82ECF02B5}"/>
-              </a:ext>
-            </a:extLst>
-          </p:cNvPr>
-          <p:cNvSpPr>
-            <a:spLocks noGrp="1"/>
-          </p:cNvSpPr>
-          <p:nvPr>
-            <p:ph sz="half" idx="1"/>
-          </p:nvPr>
-        </p:nvSpPr>
-        <p:spPr/>
-        <p:txBody>
-          <a:bodyPr/>
-          <a:lstStyle/>
-          <a:p>
-            <a:pPr lvl="1"/>
-            <a:r>
-              <a:t>Compares means between two populations</a:t>
-            </a:r>
-          </a:p>
-          <a:p>
-            <a:pPr lvl="1"/>
-            <a:r>
+              <a:rPr/>
               <a:t>Paired vs. Unpaired</a:t>
             </a:r>
           </a:p>
@@ -8441,7 +9338,7 @@
       </p:sp>
       <p:pic>
         <p:nvPicPr>
-          <p:cNvPr id="4" name="Picture 1" descr="../Images/Ttest.png"/>
+          <p:cNvPr descr="../Images/Ttest.png" id="0" name="Picture 1"/>
           <p:cNvPicPr>
             <a:picLocks noGrp="1" noChangeAspect="1"/>
           </p:cNvPicPr>
@@ -8471,9 +9368,491 @@
       </p:pic>
     </p:spTree>
   </p:cSld>
-  <p:clrMapOvr>
-    <a:masterClrMapping/>
-  </p:clrMapOvr>
+</p:sld>
+</file>
+
+<file path=ppt/slides/slide28.xml><?xml version="1.0" encoding="utf-8"?>
+<p:sld xmlns:a="http://schemas.openxmlformats.org/drawingml/2006/main" xmlns:r="http://schemas.openxmlformats.org/officeDocument/2006/relationships" xmlns:p="http://schemas.openxmlformats.org/presentationml/2006/main">
+  <p:cSld>
+    <p:spTree>
+      <p:nvGrpSpPr>
+        <p:cNvPr id="1" name=""/>
+        <p:cNvGrpSpPr/>
+        <p:nvPr/>
+      </p:nvGrpSpPr>
+      <p:grpSpPr>
+        <a:xfrm>
+          <a:off x="0" y="0"/>
+          <a:ext cx="0" cy="0"/>
+          <a:chOff x="0" y="0"/>
+          <a:chExt cx="0" cy="0"/>
+        </a:xfrm>
+      </p:grpSpPr>
+      <p:sp>
+        <p:nvSpPr>
+          <p:cNvPr id="2" name="Title 1">
+            <a:extLst>
+              <a:ext uri="{FF2B5EF4-FFF2-40B4-BE49-F238E27FC236}">
+                <a16:creationId xmlns:a16="http://schemas.microsoft.com/office/drawing/2014/main" id="{5567D468-EE70-CD4E-A3AC-039CC11EF1FB}"/>
+              </a:ext>
+            </a:extLst>
+          </p:cNvPr>
+          <p:cNvSpPr>
+            <a:spLocks noGrp="1"/>
+          </p:cNvSpPr>
+          <p:nvPr>
+            <p:ph type="title"/>
+          </p:nvPr>
+        </p:nvSpPr>
+        <p:spPr/>
+        <p:txBody>
+          <a:bodyPr/>
+          <a:lstStyle/>
+          <a:p>
+            <a:pPr lvl="0" marL="0" indent="0">
+              <a:buNone/>
+            </a:pPr>
+            <a:r>
+              <a:rPr/>
+              <a:t>Assumptions</a:t>
+            </a:r>
+            <a:r>
+              <a:rPr/>
+              <a:t> </a:t>
+            </a:r>
+            <a:r>
+              <a:rPr/>
+              <a:t>of</a:t>
+            </a:r>
+            <a:r>
+              <a:rPr/>
+              <a:t> </a:t>
+            </a:r>
+            <a:r>
+              <a:rPr/>
+              <a:t>a</a:t>
+            </a:r>
+            <a:r>
+              <a:rPr/>
+              <a:t> </a:t>
+            </a:r>
+            <a:r>
+              <a:rPr/>
+              <a:t>t-test</a:t>
+            </a:r>
+          </a:p>
+        </p:txBody>
+      </p:sp>
+      <p:sp>
+        <p:nvSpPr>
+          <p:cNvPr id="3" name="Content Placeholder 2">
+            <a:extLst>
+              <a:ext uri="{FF2B5EF4-FFF2-40B4-BE49-F238E27FC236}">
+                <a16:creationId xmlns:a16="http://schemas.microsoft.com/office/drawing/2014/main" id="{D10DDA37-E46B-B641-BC9F-636CB92A2C08}"/>
+              </a:ext>
+            </a:extLst>
+          </p:cNvPr>
+          <p:cNvSpPr>
+            <a:spLocks noGrp="1"/>
+          </p:cNvSpPr>
+          <p:nvPr>
+            <p:ph idx="1"/>
+          </p:nvPr>
+        </p:nvSpPr>
+        <p:spPr/>
+        <p:txBody>
+          <a:bodyPr/>
+          <a:lstStyle/>
+          <a:p>
+            <a:pPr lvl="1"/>
+            <a:r>
+              <a:rPr/>
+              <a:t>One independent categorical variable with 2 groups and one dependent continuous variable</a:t>
+            </a:r>
+          </a:p>
+          <a:p>
+            <a:pPr lvl="1"/>
+            <a:r>
+              <a:rPr/>
+              <a:t>The dependent variable is approximately normally distributed in each group</a:t>
+            </a:r>
+          </a:p>
+          <a:p>
+            <a:pPr lvl="1"/>
+            <a:r>
+              <a:rPr/>
+              <a:t>The observations are independent of each other</a:t>
+            </a:r>
+          </a:p>
+        </p:txBody>
+      </p:sp>
+    </p:spTree>
+  </p:cSld>
+</p:sld>
+</file>
+
+<file path=ppt/slides/slide29.xml><?xml version="1.0" encoding="utf-8"?>
+<p:sld xmlns:a="http://schemas.openxmlformats.org/drawingml/2006/main" xmlns:r="http://schemas.openxmlformats.org/officeDocument/2006/relationships" xmlns:p="http://schemas.openxmlformats.org/presentationml/2006/main">
+  <p:cSld>
+    <p:spTree>
+      <p:nvGrpSpPr>
+        <p:cNvPr id="1" name=""/>
+        <p:cNvGrpSpPr/>
+        <p:nvPr/>
+      </p:nvGrpSpPr>
+      <p:grpSpPr>
+        <a:xfrm>
+          <a:off x="0" y="0"/>
+          <a:ext cx="0" cy="0"/>
+          <a:chOff x="0" y="0"/>
+          <a:chExt cx="0" cy="0"/>
+        </a:xfrm>
+      </p:grpSpPr>
+      <p:sp>
+        <p:nvSpPr>
+          <p:cNvPr id="2" name="Title 1">
+            <a:extLst>
+              <a:ext uri="{FF2B5EF4-FFF2-40B4-BE49-F238E27FC236}">
+                <a16:creationId xmlns:a16="http://schemas.microsoft.com/office/drawing/2014/main" id="{5567D468-EE70-CD4E-A3AC-039CC11EF1FB}"/>
+              </a:ext>
+            </a:extLst>
+          </p:cNvPr>
+          <p:cNvSpPr>
+            <a:spLocks noGrp="1"/>
+          </p:cNvSpPr>
+          <p:nvPr>
+            <p:ph type="title"/>
+          </p:nvPr>
+        </p:nvSpPr>
+        <p:spPr/>
+        <p:txBody>
+          <a:bodyPr/>
+          <a:lstStyle/>
+          <a:p>
+            <a:pPr lvl="0" marL="0" indent="0">
+              <a:buNone/>
+            </a:pPr>
+            <a:r>
+              <a:rPr/>
+              <a:t>Doing</a:t>
+            </a:r>
+            <a:r>
+              <a:rPr/>
+              <a:t> </a:t>
+            </a:r>
+            <a:r>
+              <a:rPr/>
+              <a:t>a</a:t>
+            </a:r>
+            <a:r>
+              <a:rPr/>
+              <a:t> </a:t>
+            </a:r>
+            <a:r>
+              <a:rPr/>
+              <a:t>t-test</a:t>
+            </a:r>
+          </a:p>
+        </p:txBody>
+      </p:sp>
+      <p:sp>
+        <p:nvSpPr>
+          <p:cNvPr id="3" name="Content Placeholder 2">
+            <a:extLst>
+              <a:ext uri="{FF2B5EF4-FFF2-40B4-BE49-F238E27FC236}">
+                <a16:creationId xmlns:a16="http://schemas.microsoft.com/office/drawing/2014/main" id="{D10DDA37-E46B-B641-BC9F-636CB92A2C08}"/>
+              </a:ext>
+            </a:extLst>
+          </p:cNvPr>
+          <p:cNvSpPr>
+            <a:spLocks noGrp="1"/>
+          </p:cNvSpPr>
+          <p:nvPr>
+            <p:ph idx="1"/>
+          </p:nvPr>
+        </p:nvSpPr>
+        <p:spPr/>
+        <p:txBody>
+          <a:bodyPr/>
+          <a:lstStyle/>
+          <a:p>
+            <a:pPr lvl="0" marL="1270000" indent="0">
+              <a:buNone/>
+            </a:pPr>
+            <a:r>
+              <a:rPr sz="1800" b="1">
+                <a:solidFill>
+                  <a:srgbClr val="007020"/>
+                </a:solidFill>
+                <a:latin typeface="Courier"/>
+              </a:rPr>
+              <a:t>t.test</a:t>
+            </a:r>
+            <a:r>
+              <a:rPr sz="1800">
+                <a:latin typeface="Courier"/>
+              </a:rPr>
+              <a:t>(height </a:t>
+            </a:r>
+            <a:r>
+              <a:rPr sz="1800">
+                <a:solidFill>
+                  <a:srgbClr val="666666"/>
+                </a:solidFill>
+                <a:latin typeface="Courier"/>
+              </a:rPr>
+              <a:t>~</a:t>
+            </a:r>
+            <a:r>
+              <a:rPr sz="1800">
+                <a:solidFill>
+                  <a:srgbClr val="4070A0"/>
+                </a:solidFill>
+                <a:latin typeface="Courier"/>
+              </a:rPr>
+              <a:t> </a:t>
+            </a:r>
+            <a:r>
+              <a:rPr sz="1800">
+                <a:latin typeface="Courier"/>
+              </a:rPr>
+              <a:t>sex, </a:t>
+            </a:r>
+            <a:r>
+              <a:rPr sz="1800">
+                <a:solidFill>
+                  <a:srgbClr val="902000"/>
+                </a:solidFill>
+                <a:latin typeface="Courier"/>
+              </a:rPr>
+              <a:t>data =</a:t>
+            </a:r>
+            <a:r>
+              <a:rPr sz="1800">
+                <a:latin typeface="Courier"/>
+              </a:rPr>
+              <a:t> cchic)</a:t>
+            </a:r>
+          </a:p>
+        </p:txBody>
+      </p:sp>
+    </p:spTree>
+  </p:cSld>
+</p:sld>
+</file>
+
+<file path=ppt/slides/slide3.xml><?xml version="1.0" encoding="utf-8"?>
+<p:sld xmlns:a="http://schemas.openxmlformats.org/drawingml/2006/main" xmlns:r="http://schemas.openxmlformats.org/officeDocument/2006/relationships" xmlns:p="http://schemas.openxmlformats.org/presentationml/2006/main">
+  <p:cSld>
+    <p:spTree>
+      <p:nvGrpSpPr>
+        <p:cNvPr id="1" name=""/>
+        <p:cNvGrpSpPr/>
+        <p:nvPr/>
+      </p:nvGrpSpPr>
+      <p:grpSpPr>
+        <a:xfrm>
+          <a:off x="0" y="0"/>
+          <a:ext cx="0" cy="0"/>
+          <a:chOff x="0" y="0"/>
+          <a:chExt cx="0" cy="0"/>
+        </a:xfrm>
+      </p:grpSpPr>
+      <p:sp>
+        <p:nvSpPr>
+          <p:cNvPr id="2" name="Title 1">
+            <a:extLst>
+              <a:ext uri="{FF2B5EF4-FFF2-40B4-BE49-F238E27FC236}">
+                <a16:creationId xmlns:a16="http://schemas.microsoft.com/office/drawing/2014/main" id="{5567D468-EE70-CD4E-A3AC-039CC11EF1FB}"/>
+              </a:ext>
+            </a:extLst>
+          </p:cNvPr>
+          <p:cNvSpPr>
+            <a:spLocks noGrp="1"/>
+          </p:cNvSpPr>
+          <p:nvPr>
+            <p:ph type="title"/>
+          </p:nvPr>
+        </p:nvSpPr>
+        <p:spPr/>
+        <p:txBody>
+          <a:bodyPr/>
+          <a:lstStyle/>
+          <a:p>
+            <a:pPr lvl="0" marL="0" indent="0">
+              <a:buNone/>
+            </a:pPr>
+            <a:r>
+              <a:rPr/>
+              <a:t>Content</a:t>
+            </a:r>
+          </a:p>
+        </p:txBody>
+      </p:sp>
+      <p:sp>
+        <p:nvSpPr>
+          <p:cNvPr id="3" name="Content Placeholder 2">
+            <a:extLst>
+              <a:ext uri="{FF2B5EF4-FFF2-40B4-BE49-F238E27FC236}">
+                <a16:creationId xmlns:a16="http://schemas.microsoft.com/office/drawing/2014/main" id="{D10DDA37-E46B-B641-BC9F-636CB92A2C08}"/>
+              </a:ext>
+            </a:extLst>
+          </p:cNvPr>
+          <p:cNvSpPr>
+            <a:spLocks noGrp="1"/>
+          </p:cNvSpPr>
+          <p:nvPr>
+            <p:ph idx="1"/>
+          </p:nvPr>
+        </p:nvSpPr>
+        <p:spPr/>
+        <p:txBody>
+          <a:bodyPr/>
+          <a:lstStyle/>
+          <a:p>
+            <a:pPr lvl="1"/>
+            <a:r>
+              <a:rPr/>
+              <a:t>Types of Data</a:t>
+            </a:r>
+          </a:p>
+          <a:p>
+            <a:pPr lvl="1"/>
+            <a:r>
+              <a:rPr/>
+              <a:t>Exploring your dataset</a:t>
+            </a:r>
+          </a:p>
+          <a:p>
+            <a:pPr lvl="1"/>
+            <a:r>
+              <a:rPr/>
+              <a:t>Descriptive statistics</a:t>
+            </a:r>
+          </a:p>
+          <a:p>
+            <a:pPr lvl="1"/>
+            <a:r>
+              <a:rPr/>
+              <a:t>Conducting statistical tests in R</a:t>
+            </a:r>
+          </a:p>
+        </p:txBody>
+      </p:sp>
+    </p:spTree>
+  </p:cSld>
+</p:sld>
+</file>
+
+<file path=ppt/slides/slide30.xml><?xml version="1.0" encoding="utf-8"?>
+<p:sld xmlns:a="http://schemas.openxmlformats.org/drawingml/2006/main" xmlns:r="http://schemas.openxmlformats.org/officeDocument/2006/relationships" xmlns:p="http://schemas.openxmlformats.org/presentationml/2006/main">
+  <p:cSld>
+    <p:spTree>
+      <p:nvGrpSpPr>
+        <p:cNvPr id="1" name=""/>
+        <p:cNvGrpSpPr/>
+        <p:nvPr/>
+      </p:nvGrpSpPr>
+      <p:grpSpPr>
+        <a:xfrm>
+          <a:off x="0" y="0"/>
+          <a:ext cx="0" cy="0"/>
+          <a:chOff x="0" y="0"/>
+          <a:chExt cx="0" cy="0"/>
+        </a:xfrm>
+      </p:grpSpPr>
+      <p:sp>
+        <p:nvSpPr>
+          <p:cNvPr id="2" name="Title 1">
+            <a:extLst>
+              <a:ext uri="{FF2B5EF4-FFF2-40B4-BE49-F238E27FC236}">
+                <a16:creationId xmlns:a16="http://schemas.microsoft.com/office/drawing/2014/main" id="{5567D468-EE70-CD4E-A3AC-039CC11EF1FB}"/>
+              </a:ext>
+            </a:extLst>
+          </p:cNvPr>
+          <p:cNvSpPr>
+            <a:spLocks noGrp="1"/>
+          </p:cNvSpPr>
+          <p:nvPr>
+            <p:ph type="title"/>
+          </p:nvPr>
+        </p:nvSpPr>
+        <p:spPr/>
+        <p:txBody>
+          <a:bodyPr/>
+          <a:lstStyle/>
+          <a:p>
+            <a:pPr lvl="0" marL="0" indent="0">
+              <a:buNone/>
+            </a:pPr>
+            <a:r>
+              <a:rPr/>
+              <a:t>Doing</a:t>
+            </a:r>
+            <a:r>
+              <a:rPr/>
+              <a:t> </a:t>
+            </a:r>
+            <a:r>
+              <a:rPr/>
+              <a:t>the</a:t>
+            </a:r>
+            <a:r>
+              <a:rPr/>
+              <a:t> </a:t>
+            </a:r>
+            <a:r>
+              <a:rPr/>
+              <a:t>t-test</a:t>
+            </a:r>
+          </a:p>
+        </p:txBody>
+      </p:sp>
+      <p:sp>
+        <p:nvSpPr>
+          <p:cNvPr id="3" name="Content Placeholder 2">
+            <a:extLst>
+              <a:ext uri="{FF2B5EF4-FFF2-40B4-BE49-F238E27FC236}">
+                <a16:creationId xmlns:a16="http://schemas.microsoft.com/office/drawing/2014/main" id="{D10DDA37-E46B-B641-BC9F-636CB92A2C08}"/>
+              </a:ext>
+            </a:extLst>
+          </p:cNvPr>
+          <p:cNvSpPr>
+            <a:spLocks noGrp="1"/>
+          </p:cNvSpPr>
+          <p:nvPr>
+            <p:ph idx="1"/>
+          </p:nvPr>
+        </p:nvSpPr>
+        <p:spPr/>
+        <p:txBody>
+          <a:bodyPr/>
+          <a:lstStyle/>
+          <a:p>
+            <a:pPr lvl="0" marL="1270000" indent="0">
+              <a:buNone/>
+            </a:pPr>
+            <a:r>
+              <a:rPr sz="1800">
+                <a:latin typeface="Courier"/>
+              </a:rPr>
+              <a:t>## 
+##  Welch Two Sample t-test
+## 
+## data:  height by sex
+## t = -53.367, df = 4925.5, p-value &lt; 2.2e-16
+## alternative hypothesis: true difference in means is not equal to 0
+## 95 percent confidence interval:
+##  -0.1263508 -0.1173967
+## sample estimates:
+## mean in group F mean in group M 
+##        1.619212        1.741086</a:t>
+            </a:r>
+          </a:p>
+        </p:txBody>
+      </p:sp>
+    </p:spTree>
+  </p:cSld>
 </p:sld>
 </file>
 
@@ -8515,11 +9894,20 @@
           <a:bodyPr/>
           <a:lstStyle/>
           <a:p>
-            <a:pPr marL="0" lvl="0" indent="0">
+            <a:pPr lvl="0" marL="0" indent="0">
               <a:buNone/>
             </a:pPr>
             <a:r>
-              <a:t>Assumptions of a t-test</a:t>
+              <a:rPr/>
+              <a:t>Comparing</a:t>
+            </a:r>
+            <a:r>
+              <a:rPr/>
+              <a:t> </a:t>
+            </a:r>
+            <a:r>
+              <a:rPr/>
+              <a:t>counts</a:t>
             </a:r>
           </a:p>
         </p:txBody>
@@ -8547,28 +9935,78 @@
           <a:p>
             <a:pPr lvl="1"/>
             <a:r>
-              <a:t>One independent categorical variable with 2 groups and one dependent continuous variable</a:t>
-            </a:r>
-          </a:p>
-          <a:p>
-            <a:pPr lvl="1"/>
-            <a:r>
-              <a:t>The dependent variable is approximately normally distributed in each group</a:t>
-            </a:r>
-          </a:p>
-          <a:p>
-            <a:pPr lvl="1"/>
-            <a:r>
-              <a:t>The observations are independent of each other</a:t>
+              <a:rPr/>
+              <a:t>Is survival different between genders?</a:t>
+            </a:r>
+          </a:p>
+          <a:p>
+            <a:pPr lvl="0" marL="1270000" indent="0">
+              <a:buNone/>
+            </a:pPr>
+            <a:r>
+              <a:rPr sz="1800" b="1">
+                <a:solidFill>
+                  <a:srgbClr val="007020"/>
+                </a:solidFill>
+                <a:latin typeface="Courier"/>
+              </a:rPr>
+              <a:t>table</a:t>
+            </a:r>
+            <a:r>
+              <a:rPr sz="1800">
+                <a:latin typeface="Courier"/>
+              </a:rPr>
+              <a:t>(cchic</a:t>
+            </a:r>
+            <a:r>
+              <a:rPr sz="1800">
+                <a:solidFill>
+                  <a:srgbClr val="666666"/>
+                </a:solidFill>
+                <a:latin typeface="Courier"/>
+              </a:rPr>
+              <a:t>$</a:t>
+            </a:r>
+            <a:r>
+              <a:rPr sz="1800">
+                <a:latin typeface="Courier"/>
+              </a:rPr>
+              <a:t>sex, cchic</a:t>
+            </a:r>
+            <a:r>
+              <a:rPr sz="1800">
+                <a:solidFill>
+                  <a:srgbClr val="666666"/>
+                </a:solidFill>
+                <a:latin typeface="Courier"/>
+              </a:rPr>
+              <a:t>$</a:t>
+            </a:r>
+            <a:r>
+              <a:rPr sz="1800">
+                <a:latin typeface="Courier"/>
+              </a:rPr>
+              <a:t>vital_status)</a:t>
+            </a:r>
+          </a:p>
+          <a:p>
+            <a:pPr lvl="0" marL="1270000" indent="0">
+              <a:buNone/>
+            </a:pPr>
+            <a:r>
+              <a:rPr sz="1800">
+                <a:latin typeface="Courier"/>
+              </a:rPr>
+              <a:t>##    
+##        A    D
+##   F 1986  260
+##   M 2458  296</a:t>
             </a:r>
           </a:p>
         </p:txBody>
       </p:sp>
     </p:spTree>
   </p:cSld>
-  <p:clrMapOvr>
-    <a:masterClrMapping/>
-  </p:clrMapOvr>
 </p:sld>
 </file>
 
@@ -8610,11 +10048,36 @@
           <a:bodyPr/>
           <a:lstStyle/>
           <a:p>
-            <a:pPr marL="0" lvl="0" indent="0">
+            <a:pPr lvl="0" marL="0" indent="0">
               <a:buNone/>
             </a:pPr>
             <a:r>
-              <a:t>Doing a t-test</a:t>
+              <a:rPr/>
+              <a:t>What</a:t>
+            </a:r>
+            <a:r>
+              <a:rPr/>
+              <a:t> </a:t>
+            </a:r>
+            <a:r>
+              <a:rPr/>
+              <a:t>is</a:t>
+            </a:r>
+            <a:r>
+              <a:rPr/>
+              <a:t> </a:t>
+            </a:r>
+            <a:r>
+              <a:rPr/>
+              <a:t>our</a:t>
+            </a:r>
+            <a:r>
+              <a:rPr/>
+              <a:t> </a:t>
+            </a:r>
+            <a:r>
+              <a:rPr/>
+              <a:t>hypothesis?</a:t>
             </a:r>
           </a:p>
         </p:txBody>
@@ -8640,71 +10103,37 @@
           <a:bodyPr/>
           <a:lstStyle/>
           <a:p>
-            <a:pPr marL="1270000" lvl="0" indent="0">
-              <a:buNone/>
-            </a:pPr>
-            <a:r>
-              <a:rPr sz="1800" b="1">
-                <a:solidFill>
-                  <a:srgbClr val="007020"/>
-                </a:solidFill>
-                <a:latin typeface="Courier"/>
-              </a:rPr>
-              <a:t>t.test</a:t>
-            </a:r>
-            <a:r>
-              <a:rPr sz="1800">
-                <a:latin typeface="Courier"/>
-              </a:rPr>
-              <a:t>(height </a:t>
-            </a:r>
-            <a:r>
-              <a:rPr sz="1800">
-                <a:solidFill>
-                  <a:srgbClr val="666666"/>
-                </a:solidFill>
-                <a:latin typeface="Courier"/>
-              </a:rPr>
-              <a:t>~</a:t>
-            </a:r>
-            <a:r>
-              <a:rPr sz="1800">
-                <a:solidFill>
-                  <a:srgbClr val="4070A0"/>
-                </a:solidFill>
-                <a:latin typeface="Courier"/>
-              </a:rPr>
-              <a:t> </a:t>
-            </a:r>
-            <a:r>
-              <a:rPr sz="1800">
-                <a:latin typeface="Courier"/>
-              </a:rPr>
-              <a:t>sex, </a:t>
-            </a:r>
-            <a:r>
-              <a:rPr sz="1800">
-                <a:solidFill>
-                  <a:srgbClr val="902000"/>
-                </a:solidFill>
-                <a:latin typeface="Courier"/>
-              </a:rPr>
-              <a:t>data =</a:t>
-            </a:r>
-            <a:r>
-              <a:rPr sz="1800">
-                <a:latin typeface="Courier"/>
-              </a:rPr>
-              <a:t> cchic)</a:t>
+            <a:pPr lvl="1"/>
+            <a:r>
+              <a:rPr/>
+              <a:t>Null hypothesis</a:t>
+            </a:r>
+          </a:p>
+          <a:p>
+            <a:pPr lvl="2"/>
+            <a:r>
+              <a:rPr/>
+              <a:t>There is no difference in survival between men and women</a:t>
+            </a:r>
+          </a:p>
+          <a:p>
+            <a:pPr lvl="1"/>
+            <a:r>
+              <a:rPr/>
+              <a:t>Alternate hypothesis</a:t>
+            </a:r>
+          </a:p>
+          <a:p>
+            <a:pPr lvl="2"/>
+            <a:r>
+              <a:rPr/>
+              <a:t>There is a difference in survival between men and women</a:t>
             </a:r>
           </a:p>
         </p:txBody>
       </p:sp>
     </p:spTree>
   </p:cSld>
-  <p:clrMapOvr>
-    <a:masterClrMapping/>
-  </p:clrMapOvr>
 </p:sld>
 </file>
 
@@ -8746,11 +10175,44 @@
           <a:bodyPr/>
           <a:lstStyle/>
           <a:p>
-            <a:pPr marL="0" lvl="0" indent="0">
+            <a:pPr lvl="0" marL="0" indent="0">
               <a:buNone/>
             </a:pPr>
             <a:r>
-              <a:t>Doing the t-test</a:t>
+              <a:rPr/>
+              <a:t>Assumptions</a:t>
+            </a:r>
+            <a:r>
+              <a:rPr/>
+              <a:t> </a:t>
+            </a:r>
+            <a:r>
+              <a:rPr/>
+              <a:t>of</a:t>
+            </a:r>
+            <a:r>
+              <a:rPr/>
+              <a:t> </a:t>
+            </a:r>
+            <a:r>
+              <a:rPr/>
+              <a:t>the</a:t>
+            </a:r>
+            <a:r>
+              <a:rPr/>
+              <a:t> </a:t>
+            </a:r>
+            <a:r>
+              <a:rPr/>
+              <a:t>chi-squared</a:t>
+            </a:r>
+            <a:r>
+              <a:rPr/>
+              <a:t> </a:t>
+            </a:r>
+            <a:r>
+              <a:rPr/>
+              <a:t>test.</a:t>
             </a:r>
           </a:p>
         </p:txBody>
@@ -8776,33 +10238,82 @@
           <a:bodyPr/>
           <a:lstStyle/>
           <a:p>
-            <a:pPr marL="1270000" lvl="0" indent="0">
-              <a:buNone/>
+            <a:pPr lvl="1">
+              <a:buAutoNum type="arabicPeriod"/>
             </a:pPr>
             <a:r>
-              <a:rPr sz="1800">
-                <a:latin typeface="Courier"/>
-              </a:rPr>
-              <a:t>## 
-##  Welch Two Sample t-test
-## 
-## data:  height by sex
-## t = -53.367, df = 4925.5, p-value &lt; 2.2e-16
-## alternative hypothesis: true difference in means is not equal to 0
-## 95 percent confidence interval:
-##  -0.1263508 -0.1173967
-## sample estimates:
-## mean in group F mean in group M 
-##        1.619212        1.741086</a:t>
+              <a:rPr/>
+              <a:t>Data in cells should be frequencies or counts </a:t>
+            </a:r>
+            <a:r>
+              <a:rPr i="1"/>
+              <a:t>not</a:t>
+            </a:r>
+            <a:r>
+              <a:rPr/>
+              <a:t> percentages</a:t>
+            </a:r>
+          </a:p>
+          <a:p>
+            <a:pPr lvl="1">
+              <a:buAutoNum type="arabicPeriod"/>
+            </a:pPr>
+            <a:r>
+              <a:rPr/>
+              <a:t>Levels/Categories are mutually exclusive – here being a alive/dead applies</a:t>
+            </a:r>
+          </a:p>
+          <a:p>
+            <a:pPr lvl="1">
+              <a:buAutoNum type="arabicPeriod"/>
+            </a:pPr>
+            <a:r>
+              <a:rPr/>
+              <a:t>Each subject contributes to one cell – can either be male/female and alive/dead</a:t>
+            </a:r>
+          </a:p>
+          <a:p>
+            <a:pPr lvl="1">
+              <a:buAutoNum type="arabicPeriod"/>
+            </a:pPr>
+            <a:r>
+              <a:rPr/>
+              <a:t>Independent study groups</a:t>
+            </a:r>
+          </a:p>
+          <a:p>
+            <a:pPr lvl="1">
+              <a:buAutoNum type="arabicPeriod"/>
+            </a:pPr>
+            <a:r>
+              <a:rPr/>
+              <a:t>2 categorical variables</a:t>
+            </a:r>
+          </a:p>
+          <a:p>
+            <a:pPr lvl="1">
+              <a:buAutoNum type="arabicPeriod"/>
+            </a:pPr>
+            <a:r>
+              <a:rPr/>
+              <a:t>Values in each cell should be 5+</a:t>
+            </a:r>
+          </a:p>
+          <a:p>
+            <a:pPr lvl="0" marL="0" indent="0">
+              <a:buNone/>
+            </a:pPr>
+            <a:r>
+              <a:rPr sz="1800">
+                <a:latin typeface="Courier"/>
+              </a:rPr>
+              <a:t>Biochem Med (Zagreb). 2013 Jun; 23(2): 143–149.</a:t>
             </a:r>
           </a:p>
         </p:txBody>
       </p:sp>
     </p:spTree>
   </p:cSld>
-  <p:clrMapOvr>
-    <a:masterClrMapping/>
-  </p:clrMapOvr>
 </p:sld>
 </file>
 
@@ -8844,11 +10355,36 @@
           <a:bodyPr/>
           <a:lstStyle/>
           <a:p>
-            <a:pPr marL="0" lvl="0" indent="0">
+            <a:pPr lvl="0" marL="0" indent="0">
               <a:buNone/>
             </a:pPr>
             <a:r>
-              <a:t>Comparing counts</a:t>
+              <a:rPr/>
+              <a:t>Doing</a:t>
+            </a:r>
+            <a:r>
+              <a:rPr/>
+              <a:t> </a:t>
+            </a:r>
+            <a:r>
+              <a:rPr/>
+              <a:t>the</a:t>
+            </a:r>
+            <a:r>
+              <a:rPr/>
+              <a:t> </a:t>
+            </a:r>
+            <a:r>
+              <a:rPr/>
+              <a:t>chi-squared</a:t>
+            </a:r>
+            <a:r>
+              <a:rPr/>
+              <a:t> </a:t>
+            </a:r>
+            <a:r>
+              <a:rPr/>
+              <a:t>test.</a:t>
             </a:r>
           </a:p>
         </p:txBody>
@@ -8874,13 +10410,26 @@
           <a:bodyPr/>
           <a:lstStyle/>
           <a:p>
-            <a:pPr lvl="1"/>
-            <a:r>
-              <a:t>Is survival different between genders?</a:t>
-            </a:r>
-          </a:p>
-          <a:p>
-            <a:pPr marL="1270000" lvl="0" indent="0">
+            <a:pPr lvl="0" marL="0" indent="0">
+              <a:buNone/>
+            </a:pPr>
+            <a:r>
+              <a:rPr/>
+              <a:t>Start with </a:t>
+            </a:r>
+            <a:r>
+              <a:rPr sz="1800">
+                <a:latin typeface="Courier"/>
+              </a:rPr>
+              <a:t>?chisq.test</a:t>
+            </a:r>
+            <a:r>
+              <a:rPr/>
+              <a:t>. Then do the test.</a:t>
+            </a:r>
+          </a:p>
+          <a:p>
+            <a:pPr lvl="0" marL="1270000" indent="0">
               <a:buNone/>
             </a:pPr>
             <a:r>
@@ -8890,7 +10439,7 @@
                 </a:solidFill>
                 <a:latin typeface="Courier"/>
               </a:rPr>
-              <a:t>table</a:t>
+              <a:t>chisq.test</a:t>
             </a:r>
             <a:r>
               <a:rPr sz="1800">
@@ -8930,26 +10479,24 @@
             </a:r>
           </a:p>
           <a:p>
-            <a:pPr marL="1270000" lvl="0" indent="0">
+            <a:pPr lvl="0" marL="1270000" indent="0">
               <a:buNone/>
             </a:pPr>
             <a:r>
               <a:rPr sz="1800">
                 <a:latin typeface="Courier"/>
               </a:rPr>
-              <a:t>##    
-##        A    D
-##   F 1986  260
-##   M 2458  296</a:t>
+              <a:t>## 
+##  Pearson's Chi-squared test with Yates' continuity correction
+## 
+## data:  cchic$sex and cchic$vital_status
+## X-squared = 0.77666, df = 1, p-value = 0.3782</a:t>
             </a:r>
           </a:p>
         </p:txBody>
       </p:sp>
     </p:spTree>
   </p:cSld>
-  <p:clrMapOvr>
-    <a:masterClrMapping/>
-  </p:clrMapOvr>
 </p:sld>
 </file>
 
@@ -8991,11 +10538,20 @@
           <a:bodyPr/>
           <a:lstStyle/>
           <a:p>
-            <a:pPr marL="0" lvl="0" indent="0">
+            <a:pPr lvl="0" marL="0" indent="0">
               <a:buNone/>
             </a:pPr>
             <a:r>
-              <a:t>What is our hypothesis?</a:t>
+              <a:rPr/>
+              <a:t>Non-parametric</a:t>
+            </a:r>
+            <a:r>
+              <a:rPr/>
+              <a:t> </a:t>
+            </a:r>
+            <a:r>
+              <a:rPr/>
+              <a:t>versions</a:t>
             </a:r>
           </a:p>
         </p:txBody>
@@ -9021,36 +10577,166 @@
           <a:bodyPr/>
           <a:lstStyle/>
           <a:p>
-            <a:pPr lvl="1"/>
-            <a:r>
-              <a:t>Null hypothesis</a:t>
-            </a:r>
-          </a:p>
-          <a:p>
-            <a:pPr lvl="2"/>
-            <a:r>
-              <a:t>There is no difference in survival between men and women</a:t>
-            </a:r>
-          </a:p>
-          <a:p>
-            <a:pPr lvl="1"/>
-            <a:r>
-              <a:t>Alternate hypothesis</a:t>
-            </a:r>
-          </a:p>
-          <a:p>
-            <a:pPr lvl="2"/>
-            <a:r>
-              <a:t>There is a difference in survival between men and women</a:t>
+            <a:pPr lvl="0" marL="0" indent="0">
+              <a:buNone/>
+            </a:pPr>
+            <a:r>
+              <a:rPr/>
+              <a:t>Is length of stay different between genders?</a:t>
+            </a:r>
+          </a:p>
+          <a:p>
+            <a:pPr lvl="0" marL="1270000" indent="0">
+              <a:buNone/>
+            </a:pPr>
+            <a:r>
+              <a:rPr sz="1800" b="1">
+                <a:solidFill>
+                  <a:srgbClr val="007020"/>
+                </a:solidFill>
+                <a:latin typeface="Courier"/>
+              </a:rPr>
+              <a:t>ggplot</a:t>
+            </a:r>
+            <a:r>
+              <a:rPr sz="1800">
+                <a:latin typeface="Courier"/>
+              </a:rPr>
+              <a:t>(</a:t>
+            </a:r>
+            <a:r>
+              <a:rPr sz="1800">
+                <a:solidFill>
+                  <a:srgbClr val="902000"/>
+                </a:solidFill>
+                <a:latin typeface="Courier"/>
+              </a:rPr>
+              <a:t>data =</a:t>
+            </a:r>
+            <a:r>
+              <a:rPr sz="1800">
+                <a:latin typeface="Courier"/>
+              </a:rPr>
+              <a:t> cchic, </a:t>
+            </a:r>
+            <a:r>
+              <a:rPr sz="1800" b="1">
+                <a:solidFill>
+                  <a:srgbClr val="007020"/>
+                </a:solidFill>
+                <a:latin typeface="Courier"/>
+              </a:rPr>
+              <a:t>aes</a:t>
+            </a:r>
+            <a:r>
+              <a:rPr sz="1800">
+                <a:latin typeface="Courier"/>
+              </a:rPr>
+              <a:t>(</a:t>
+            </a:r>
+            <a:r>
+              <a:rPr sz="1800">
+                <a:solidFill>
+                  <a:srgbClr val="902000"/>
+                </a:solidFill>
+                <a:latin typeface="Courier"/>
+              </a:rPr>
+              <a:t>x =</a:t>
+            </a:r>
+            <a:r>
+              <a:rPr sz="1800">
+                <a:latin typeface="Courier"/>
+              </a:rPr>
+              <a:t> los)) </a:t>
+            </a:r>
+            <a:r>
+              <a:rPr sz="1800">
+                <a:solidFill>
+                  <a:srgbClr val="666666"/>
+                </a:solidFill>
+                <a:latin typeface="Courier"/>
+              </a:rPr>
+              <a:t>+</a:t>
+            </a:r>
+            <a:br/>
+            <a:r>
+              <a:rPr sz="1800">
+                <a:solidFill>
+                  <a:srgbClr val="4070A0"/>
+                </a:solidFill>
+                <a:latin typeface="Courier"/>
+              </a:rPr>
+              <a:t>  </a:t>
+            </a:r>
+            <a:r>
+              <a:rPr sz="1800" b="1">
+                <a:solidFill>
+                  <a:srgbClr val="007020"/>
+                </a:solidFill>
+                <a:latin typeface="Courier"/>
+              </a:rPr>
+              <a:t>geom_histogram</a:t>
+            </a:r>
+            <a:r>
+              <a:rPr sz="1800">
+                <a:latin typeface="Courier"/>
+              </a:rPr>
+              <a:t>() </a:t>
+            </a:r>
+            <a:r>
+              <a:rPr sz="1800">
+                <a:solidFill>
+                  <a:srgbClr val="666666"/>
+                </a:solidFill>
+                <a:latin typeface="Courier"/>
+              </a:rPr>
+              <a:t>+</a:t>
+            </a:r>
+            <a:br/>
+            <a:r>
+              <a:rPr sz="1800">
+                <a:solidFill>
+                  <a:srgbClr val="4070A0"/>
+                </a:solidFill>
+                <a:latin typeface="Courier"/>
+              </a:rPr>
+              <a:t>  </a:t>
+            </a:r>
+            <a:r>
+              <a:rPr sz="1800" b="1">
+                <a:solidFill>
+                  <a:srgbClr val="007020"/>
+                </a:solidFill>
+                <a:latin typeface="Courier"/>
+              </a:rPr>
+              <a:t>facet_grid</a:t>
+            </a:r>
+            <a:r>
+              <a:rPr sz="1800">
+                <a:latin typeface="Courier"/>
+              </a:rPr>
+              <a:t>(</a:t>
+            </a:r>
+            <a:r>
+              <a:rPr sz="1800">
+                <a:solidFill>
+                  <a:srgbClr val="666666"/>
+                </a:solidFill>
+                <a:latin typeface="Courier"/>
+              </a:rPr>
+              <a:t>~</a:t>
+            </a:r>
+            <a:r>
+              <a:rPr sz="1800">
+                <a:latin typeface="Courier"/>
+              </a:rPr>
+              <a:t>sex)</a:t>
             </a:r>
           </a:p>
         </p:txBody>
       </p:sp>
     </p:spTree>
   </p:cSld>
-  <p:clrMapOvr>
-    <a:masterClrMapping/>
-  </p:clrMapOvr>
 </p:sld>
 </file>
 
@@ -9071,544 +10757,9 @@
           <a:chExt cx="0" cy="0"/>
         </a:xfrm>
       </p:grpSpPr>
-      <p:sp>
-        <p:nvSpPr>
-          <p:cNvPr id="2" name="Title 1">
-            <a:extLst>
-              <a:ext uri="{FF2B5EF4-FFF2-40B4-BE49-F238E27FC236}">
-                <a16:creationId xmlns:a16="http://schemas.microsoft.com/office/drawing/2014/main" id="{5567D468-EE70-CD4E-A3AC-039CC11EF1FB}"/>
-              </a:ext>
-            </a:extLst>
-          </p:cNvPr>
-          <p:cNvSpPr>
-            <a:spLocks noGrp="1"/>
-          </p:cNvSpPr>
-          <p:nvPr>
-            <p:ph type="title"/>
-          </p:nvPr>
-        </p:nvSpPr>
-        <p:spPr/>
-        <p:txBody>
-          <a:bodyPr/>
-          <a:lstStyle/>
-          <a:p>
-            <a:pPr marL="0" lvl="0" indent="0">
-              <a:buNone/>
-            </a:pPr>
-            <a:r>
-              <a:t>Assumptions of the chi-squared test.</a:t>
-            </a:r>
-          </a:p>
-        </p:txBody>
-      </p:sp>
-      <p:sp>
-        <p:nvSpPr>
-          <p:cNvPr id="3" name="Content Placeholder 2">
-            <a:extLst>
-              <a:ext uri="{FF2B5EF4-FFF2-40B4-BE49-F238E27FC236}">
-                <a16:creationId xmlns:a16="http://schemas.microsoft.com/office/drawing/2014/main" id="{D10DDA37-E46B-B641-BC9F-636CB92A2C08}"/>
-              </a:ext>
-            </a:extLst>
-          </p:cNvPr>
-          <p:cNvSpPr>
-            <a:spLocks noGrp="1"/>
-          </p:cNvSpPr>
-          <p:nvPr>
-            <p:ph idx="1"/>
-          </p:nvPr>
-        </p:nvSpPr>
-        <p:spPr/>
-        <p:txBody>
-          <a:bodyPr/>
-          <a:lstStyle/>
-          <a:p>
-            <a:pPr lvl="1">
-              <a:buAutoNum type="arabicPeriod"/>
-            </a:pPr>
-            <a:r>
-              <a:t>Data in cells should be frequencies or counts </a:t>
-            </a:r>
-            <a:r>
-              <a:rPr i="1"/>
-              <a:t>not</a:t>
-            </a:r>
-            <a:r>
-              <a:t> percentages</a:t>
-            </a:r>
-          </a:p>
-          <a:p>
-            <a:pPr lvl="1">
-              <a:buAutoNum type="arabicPeriod"/>
-            </a:pPr>
-            <a:r>
-              <a:t>Levels/Categories are mutually exclusive – here being a alive/dead applies</a:t>
-            </a:r>
-          </a:p>
-          <a:p>
-            <a:pPr lvl="1">
-              <a:buAutoNum type="arabicPeriod"/>
-            </a:pPr>
-            <a:r>
-              <a:t>Each subject contributes to one cell – can either be male/female and alive/dead</a:t>
-            </a:r>
-          </a:p>
-          <a:p>
-            <a:pPr lvl="1">
-              <a:buAutoNum type="arabicPeriod"/>
-            </a:pPr>
-            <a:r>
-              <a:t>Independent study groups</a:t>
-            </a:r>
-          </a:p>
-          <a:p>
-            <a:pPr lvl="1">
-              <a:buAutoNum type="arabicPeriod"/>
-            </a:pPr>
-            <a:r>
-              <a:t>2 categorical variables</a:t>
-            </a:r>
-          </a:p>
-          <a:p>
-            <a:pPr lvl="1">
-              <a:buAutoNum type="arabicPeriod"/>
-            </a:pPr>
-            <a:r>
-              <a:t>Values in each cell should be 5+</a:t>
-            </a:r>
-          </a:p>
-          <a:p>
-            <a:pPr marL="0" lvl="0" indent="0">
-              <a:buNone/>
-            </a:pPr>
-            <a:r>
-              <a:rPr sz="1800">
-                <a:latin typeface="Courier"/>
-              </a:rPr>
-              <a:t>Biochem Med (Zagreb). 2013 Jun; 23(2): 143–149.</a:t>
-            </a:r>
-          </a:p>
-        </p:txBody>
-      </p:sp>
-    </p:spTree>
-  </p:cSld>
-  <p:clrMapOvr>
-    <a:masterClrMapping/>
-  </p:clrMapOvr>
-</p:sld>
-</file>
-
-<file path=ppt/slides/slide37.xml><?xml version="1.0" encoding="utf-8"?>
-<p:sld xmlns:a="http://schemas.openxmlformats.org/drawingml/2006/main" xmlns:r="http://schemas.openxmlformats.org/officeDocument/2006/relationships" xmlns:p="http://schemas.openxmlformats.org/presentationml/2006/main">
-  <p:cSld>
-    <p:spTree>
-      <p:nvGrpSpPr>
-        <p:cNvPr id="1" name=""/>
-        <p:cNvGrpSpPr/>
-        <p:nvPr/>
-      </p:nvGrpSpPr>
-      <p:grpSpPr>
-        <a:xfrm>
-          <a:off x="0" y="0"/>
-          <a:ext cx="0" cy="0"/>
-          <a:chOff x="0" y="0"/>
-          <a:chExt cx="0" cy="0"/>
-        </a:xfrm>
-      </p:grpSpPr>
-      <p:sp>
-        <p:nvSpPr>
-          <p:cNvPr id="2" name="Title 1">
-            <a:extLst>
-              <a:ext uri="{FF2B5EF4-FFF2-40B4-BE49-F238E27FC236}">
-                <a16:creationId xmlns:a16="http://schemas.microsoft.com/office/drawing/2014/main" id="{5567D468-EE70-CD4E-A3AC-039CC11EF1FB}"/>
-              </a:ext>
-            </a:extLst>
-          </p:cNvPr>
-          <p:cNvSpPr>
-            <a:spLocks noGrp="1"/>
-          </p:cNvSpPr>
-          <p:nvPr>
-            <p:ph type="title"/>
-          </p:nvPr>
-        </p:nvSpPr>
-        <p:spPr/>
-        <p:txBody>
-          <a:bodyPr/>
-          <a:lstStyle/>
-          <a:p>
-            <a:pPr marL="0" lvl="0" indent="0">
-              <a:buNone/>
-            </a:pPr>
-            <a:r>
-              <a:t>Doing the chi-squared test.</a:t>
-            </a:r>
-          </a:p>
-        </p:txBody>
-      </p:sp>
-      <p:sp>
-        <p:nvSpPr>
-          <p:cNvPr id="3" name="Content Placeholder 2">
-            <a:extLst>
-              <a:ext uri="{FF2B5EF4-FFF2-40B4-BE49-F238E27FC236}">
-                <a16:creationId xmlns:a16="http://schemas.microsoft.com/office/drawing/2014/main" id="{D10DDA37-E46B-B641-BC9F-636CB92A2C08}"/>
-              </a:ext>
-            </a:extLst>
-          </p:cNvPr>
-          <p:cNvSpPr>
-            <a:spLocks noGrp="1"/>
-          </p:cNvSpPr>
-          <p:nvPr>
-            <p:ph idx="1"/>
-          </p:nvPr>
-        </p:nvSpPr>
-        <p:spPr/>
-        <p:txBody>
-          <a:bodyPr/>
-          <a:lstStyle/>
-          <a:p>
-            <a:pPr marL="0" lvl="0" indent="0">
-              <a:buNone/>
-            </a:pPr>
-            <a:r>
-              <a:t>Start with </a:t>
-            </a:r>
-            <a:r>
-              <a:rPr sz="1800">
-                <a:latin typeface="Courier"/>
-              </a:rPr>
-              <a:t>?chisq.test</a:t>
-            </a:r>
-            <a:r>
-              <a:t>. Then do the test.</a:t>
-            </a:r>
-          </a:p>
-          <a:p>
-            <a:pPr marL="1270000" lvl="0" indent="0">
-              <a:buNone/>
-            </a:pPr>
-            <a:r>
-              <a:rPr sz="1800" b="1">
-                <a:solidFill>
-                  <a:srgbClr val="007020"/>
-                </a:solidFill>
-                <a:latin typeface="Courier"/>
-              </a:rPr>
-              <a:t>chisq.test</a:t>
-            </a:r>
-            <a:r>
-              <a:rPr sz="1800">
-                <a:latin typeface="Courier"/>
-              </a:rPr>
-              <a:t>(cchic</a:t>
-            </a:r>
-            <a:r>
-              <a:rPr sz="1800">
-                <a:solidFill>
-                  <a:srgbClr val="666666"/>
-                </a:solidFill>
-                <a:latin typeface="Courier"/>
-              </a:rPr>
-              <a:t>$</a:t>
-            </a:r>
-            <a:r>
-              <a:rPr sz="1800">
-                <a:latin typeface="Courier"/>
-              </a:rPr>
-              <a:t>sex, cchic</a:t>
-            </a:r>
-            <a:r>
-              <a:rPr sz="1800">
-                <a:solidFill>
-                  <a:srgbClr val="666666"/>
-                </a:solidFill>
-                <a:latin typeface="Courier"/>
-              </a:rPr>
-              <a:t>$</a:t>
-            </a:r>
-            <a:r>
-              <a:rPr sz="1800">
-                <a:latin typeface="Courier"/>
-              </a:rPr>
-              <a:t>vital_status)</a:t>
-            </a:r>
-          </a:p>
-          <a:p>
-            <a:pPr marL="1270000" lvl="0" indent="0">
-              <a:buNone/>
-            </a:pPr>
-            <a:r>
-              <a:rPr sz="1800">
-                <a:latin typeface="Courier"/>
-              </a:rPr>
-              <a:t>## 
-##  Pearson's Chi-squared test with Yates' continuity correction
-## 
-## data:  cchic$sex and cchic$vital_status
-## X-squared = 0.77666, df = 1, p-value = 0.3782</a:t>
-            </a:r>
-          </a:p>
-        </p:txBody>
-      </p:sp>
-    </p:spTree>
-  </p:cSld>
-  <p:clrMapOvr>
-    <a:masterClrMapping/>
-  </p:clrMapOvr>
-</p:sld>
-</file>
-
-<file path=ppt/slides/slide38.xml><?xml version="1.0" encoding="utf-8"?>
-<p:sld xmlns:a="http://schemas.openxmlformats.org/drawingml/2006/main" xmlns:r="http://schemas.openxmlformats.org/officeDocument/2006/relationships" xmlns:p="http://schemas.openxmlformats.org/presentationml/2006/main">
-  <p:cSld>
-    <p:spTree>
-      <p:nvGrpSpPr>
-        <p:cNvPr id="1" name=""/>
-        <p:cNvGrpSpPr/>
-        <p:nvPr/>
-      </p:nvGrpSpPr>
-      <p:grpSpPr>
-        <a:xfrm>
-          <a:off x="0" y="0"/>
-          <a:ext cx="0" cy="0"/>
-          <a:chOff x="0" y="0"/>
-          <a:chExt cx="0" cy="0"/>
-        </a:xfrm>
-      </p:grpSpPr>
-      <p:sp>
-        <p:nvSpPr>
-          <p:cNvPr id="2" name="Title 1">
-            <a:extLst>
-              <a:ext uri="{FF2B5EF4-FFF2-40B4-BE49-F238E27FC236}">
-                <a16:creationId xmlns:a16="http://schemas.microsoft.com/office/drawing/2014/main" id="{5567D468-EE70-CD4E-A3AC-039CC11EF1FB}"/>
-              </a:ext>
-            </a:extLst>
-          </p:cNvPr>
-          <p:cNvSpPr>
-            <a:spLocks noGrp="1"/>
-          </p:cNvSpPr>
-          <p:nvPr>
-            <p:ph type="title"/>
-          </p:nvPr>
-        </p:nvSpPr>
-        <p:spPr/>
-        <p:txBody>
-          <a:bodyPr/>
-          <a:lstStyle/>
-          <a:p>
-            <a:pPr marL="0" lvl="0" indent="0">
-              <a:buNone/>
-            </a:pPr>
-            <a:r>
-              <a:t>Non paramteric versions</a:t>
-            </a:r>
-          </a:p>
-        </p:txBody>
-      </p:sp>
-      <p:sp>
-        <p:nvSpPr>
-          <p:cNvPr id="3" name="Content Placeholder 2">
-            <a:extLst>
-              <a:ext uri="{FF2B5EF4-FFF2-40B4-BE49-F238E27FC236}">
-                <a16:creationId xmlns:a16="http://schemas.microsoft.com/office/drawing/2014/main" id="{D10DDA37-E46B-B641-BC9F-636CB92A2C08}"/>
-              </a:ext>
-            </a:extLst>
-          </p:cNvPr>
-          <p:cNvSpPr>
-            <a:spLocks noGrp="1"/>
-          </p:cNvSpPr>
-          <p:nvPr>
-            <p:ph idx="1"/>
-          </p:nvPr>
-        </p:nvSpPr>
-        <p:spPr/>
-        <p:txBody>
-          <a:bodyPr/>
-          <a:lstStyle/>
-          <a:p>
-            <a:pPr marL="0" lvl="0" indent="0">
-              <a:buNone/>
-            </a:pPr>
-            <a:r>
-              <a:t>Is length of stay different between genders?</a:t>
-            </a:r>
-          </a:p>
-          <a:p>
-            <a:pPr marL="1270000" lvl="0" indent="0">
-              <a:buNone/>
-            </a:pPr>
-            <a:r>
-              <a:rPr sz="1800" b="1">
-                <a:solidFill>
-                  <a:srgbClr val="007020"/>
-                </a:solidFill>
-                <a:latin typeface="Courier"/>
-              </a:rPr>
-              <a:t>ggplot</a:t>
-            </a:r>
-            <a:r>
-              <a:rPr sz="1800">
-                <a:latin typeface="Courier"/>
-              </a:rPr>
-              <a:t>(</a:t>
-            </a:r>
-            <a:r>
-              <a:rPr sz="1800">
-                <a:solidFill>
-                  <a:srgbClr val="902000"/>
-                </a:solidFill>
-                <a:latin typeface="Courier"/>
-              </a:rPr>
-              <a:t>data =</a:t>
-            </a:r>
-            <a:r>
-              <a:rPr sz="1800">
-                <a:latin typeface="Courier"/>
-              </a:rPr>
-              <a:t> cchic, </a:t>
-            </a:r>
-            <a:r>
-              <a:rPr sz="1800" b="1">
-                <a:solidFill>
-                  <a:srgbClr val="007020"/>
-                </a:solidFill>
-                <a:latin typeface="Courier"/>
-              </a:rPr>
-              <a:t>aes</a:t>
-            </a:r>
-            <a:r>
-              <a:rPr sz="1800">
-                <a:latin typeface="Courier"/>
-              </a:rPr>
-              <a:t>(</a:t>
-            </a:r>
-            <a:r>
-              <a:rPr sz="1800">
-                <a:solidFill>
-                  <a:srgbClr val="902000"/>
-                </a:solidFill>
-                <a:latin typeface="Courier"/>
-              </a:rPr>
-              <a:t>x =</a:t>
-            </a:r>
-            <a:r>
-              <a:rPr sz="1800">
-                <a:latin typeface="Courier"/>
-              </a:rPr>
-              <a:t> los)) </a:t>
-            </a:r>
-            <a:r>
-              <a:rPr sz="1800">
-                <a:solidFill>
-                  <a:srgbClr val="666666"/>
-                </a:solidFill>
-                <a:latin typeface="Courier"/>
-              </a:rPr>
-              <a:t>+</a:t>
-            </a:r>
-            <a:br/>
-            <a:r>
-              <a:rPr sz="1800">
-                <a:solidFill>
-                  <a:srgbClr val="4070A0"/>
-                </a:solidFill>
-                <a:latin typeface="Courier"/>
-              </a:rPr>
-              <a:t>  </a:t>
-            </a:r>
-            <a:r>
-              <a:rPr sz="1800" b="1">
-                <a:solidFill>
-                  <a:srgbClr val="007020"/>
-                </a:solidFill>
-                <a:latin typeface="Courier"/>
-              </a:rPr>
-              <a:t>geom_histogram</a:t>
-            </a:r>
-            <a:r>
-              <a:rPr sz="1800">
-                <a:latin typeface="Courier"/>
-              </a:rPr>
-              <a:t>() </a:t>
-            </a:r>
-            <a:r>
-              <a:rPr sz="1800">
-                <a:solidFill>
-                  <a:srgbClr val="666666"/>
-                </a:solidFill>
-                <a:latin typeface="Courier"/>
-              </a:rPr>
-              <a:t>+</a:t>
-            </a:r>
-            <a:br/>
-            <a:r>
-              <a:rPr sz="1800">
-                <a:solidFill>
-                  <a:srgbClr val="4070A0"/>
-                </a:solidFill>
-                <a:latin typeface="Courier"/>
-              </a:rPr>
-              <a:t>  </a:t>
-            </a:r>
-            <a:r>
-              <a:rPr sz="1800" b="1">
-                <a:solidFill>
-                  <a:srgbClr val="007020"/>
-                </a:solidFill>
-                <a:latin typeface="Courier"/>
-              </a:rPr>
-              <a:t>facet_grid</a:t>
-            </a:r>
-            <a:r>
-              <a:rPr sz="1800">
-                <a:latin typeface="Courier"/>
-              </a:rPr>
-              <a:t>(</a:t>
-            </a:r>
-            <a:r>
-              <a:rPr sz="1800">
-                <a:solidFill>
-                  <a:srgbClr val="666666"/>
-                </a:solidFill>
-                <a:latin typeface="Courier"/>
-              </a:rPr>
-              <a:t>~</a:t>
-            </a:r>
-            <a:r>
-              <a:rPr sz="1800">
-                <a:latin typeface="Courier"/>
-              </a:rPr>
-              <a:t>sex)</a:t>
-            </a:r>
-          </a:p>
-        </p:txBody>
-      </p:sp>
-    </p:spTree>
-  </p:cSld>
-  <p:clrMapOvr>
-    <a:masterClrMapping/>
-  </p:clrMapOvr>
-</p:sld>
-</file>
-
-<file path=ppt/slides/slide39.xml><?xml version="1.0" encoding="utf-8"?>
-<p:sld xmlns:a="http://schemas.openxmlformats.org/drawingml/2006/main" xmlns:r="http://schemas.openxmlformats.org/officeDocument/2006/relationships" xmlns:p="http://schemas.openxmlformats.org/presentationml/2006/main">
-  <p:cSld>
-    <p:spTree>
-      <p:nvGrpSpPr>
-        <p:cNvPr id="1" name=""/>
-        <p:cNvGrpSpPr/>
-        <p:nvPr/>
-      </p:nvGrpSpPr>
-      <p:grpSpPr>
-        <a:xfrm>
-          <a:off x="0" y="0"/>
-          <a:ext cx="0" cy="0"/>
-          <a:chOff x="0" y="0"/>
-          <a:chExt cx="0" cy="0"/>
-        </a:xfrm>
-      </p:grpSpPr>
       <p:pic>
         <p:nvPicPr>
-          <p:cNvPr id="2" name="Picture 1" descr="Workshop6_files/figure-pptx/unnamed-chunk-16-1.png"/>
+          <p:cNvPr descr="Workshop6_files/figure-pptx/unnamed-chunk-16-1.png" id="0" name="Picture 1"/>
           <p:cNvPicPr>
             <a:picLocks noGrp="1" noChangeAspect="1"/>
           </p:cNvPicPr>
@@ -9638,9 +10789,460 @@
       </p:pic>
     </p:spTree>
   </p:cSld>
-  <p:clrMapOvr>
-    <a:masterClrMapping/>
-  </p:clrMapOvr>
+</p:sld>
+</file>
+
+<file path=ppt/slides/slide37.xml><?xml version="1.0" encoding="utf-8"?>
+<p:sld xmlns:a="http://schemas.openxmlformats.org/drawingml/2006/main" xmlns:r="http://schemas.openxmlformats.org/officeDocument/2006/relationships" xmlns:p="http://schemas.openxmlformats.org/presentationml/2006/main">
+  <p:cSld>
+    <p:spTree>
+      <p:nvGrpSpPr>
+        <p:cNvPr id="1" name=""/>
+        <p:cNvGrpSpPr/>
+        <p:nvPr/>
+      </p:nvGrpSpPr>
+      <p:grpSpPr>
+        <a:xfrm>
+          <a:off x="0" y="0"/>
+          <a:ext cx="0" cy="0"/>
+          <a:chOff x="0" y="0"/>
+          <a:chExt cx="0" cy="0"/>
+        </a:xfrm>
+      </p:grpSpPr>
+      <p:sp>
+        <p:nvSpPr>
+          <p:cNvPr id="2" name="Title 1">
+            <a:extLst>
+              <a:ext uri="{FF2B5EF4-FFF2-40B4-BE49-F238E27FC236}">
+                <a16:creationId xmlns:a16="http://schemas.microsoft.com/office/drawing/2014/main" id="{5567D468-EE70-CD4E-A3AC-039CC11EF1FB}"/>
+              </a:ext>
+            </a:extLst>
+          </p:cNvPr>
+          <p:cNvSpPr>
+            <a:spLocks noGrp="1"/>
+          </p:cNvSpPr>
+          <p:nvPr>
+            <p:ph type="title"/>
+          </p:nvPr>
+        </p:nvSpPr>
+        <p:spPr/>
+        <p:txBody>
+          <a:bodyPr/>
+          <a:lstStyle/>
+          <a:p>
+            <a:pPr lvl="0" marL="0" indent="0">
+              <a:buNone/>
+            </a:pPr>
+            <a:r>
+              <a:rPr/>
+              <a:t>When</a:t>
+            </a:r>
+            <a:r>
+              <a:rPr/>
+              <a:t> </a:t>
+            </a:r>
+            <a:r>
+              <a:rPr/>
+              <a:t>do</a:t>
+            </a:r>
+            <a:r>
+              <a:rPr/>
+              <a:t> </a:t>
+            </a:r>
+            <a:r>
+              <a:rPr/>
+              <a:t>you</a:t>
+            </a:r>
+            <a:r>
+              <a:rPr/>
+              <a:t> </a:t>
+            </a:r>
+            <a:r>
+              <a:rPr/>
+              <a:t>use</a:t>
+            </a:r>
+            <a:r>
+              <a:rPr/>
+              <a:t> </a:t>
+            </a:r>
+            <a:r>
+              <a:rPr/>
+              <a:t>a</a:t>
+            </a:r>
+            <a:r>
+              <a:rPr/>
+              <a:t> </a:t>
+            </a:r>
+            <a:r>
+              <a:rPr/>
+              <a:t>non-parametric</a:t>
+            </a:r>
+            <a:r>
+              <a:rPr/>
+              <a:t> </a:t>
+            </a:r>
+            <a:r>
+              <a:rPr/>
+              <a:t>test?</a:t>
+            </a:r>
+          </a:p>
+        </p:txBody>
+      </p:sp>
+      <p:sp>
+        <p:nvSpPr>
+          <p:cNvPr id="3" name="Content Placeholder 2">
+            <a:extLst>
+              <a:ext uri="{FF2B5EF4-FFF2-40B4-BE49-F238E27FC236}">
+                <a16:creationId xmlns:a16="http://schemas.microsoft.com/office/drawing/2014/main" id="{D10DDA37-E46B-B641-BC9F-636CB92A2C08}"/>
+              </a:ext>
+            </a:extLst>
+          </p:cNvPr>
+          <p:cNvSpPr>
+            <a:spLocks noGrp="1"/>
+          </p:cNvSpPr>
+          <p:nvPr>
+            <p:ph idx="1"/>
+          </p:nvPr>
+        </p:nvSpPr>
+        <p:spPr/>
+        <p:txBody>
+          <a:bodyPr/>
+          <a:lstStyle/>
+          <a:p>
+            <a:pPr lvl="1"/>
+            <a:r>
+              <a:rPr/>
+              <a:t>When any of the the following are true.</a:t>
+            </a:r>
+          </a:p>
+          <a:p>
+            <a:pPr lvl="2"/>
+            <a:r>
+              <a:rPr/>
+              <a:t>Level of measurement is nominal or ordinal</a:t>
+            </a:r>
+          </a:p>
+          <a:p>
+            <a:pPr lvl="2"/>
+            <a:r>
+              <a:rPr/>
+              <a:t>Unequal sample sizes</a:t>
+            </a:r>
+          </a:p>
+          <a:p>
+            <a:pPr lvl="2"/>
+            <a:r>
+              <a:rPr/>
+              <a:t>Skewed data</a:t>
+            </a:r>
+          </a:p>
+          <a:p>
+            <a:pPr lvl="2"/>
+            <a:r>
+              <a:rPr/>
+              <a:t>Unequal variance</a:t>
+            </a:r>
+          </a:p>
+          <a:p>
+            <a:pPr lvl="2"/>
+            <a:r>
+              <a:rPr/>
+              <a:t>Continuous data collapsed into small number of categories</a:t>
+            </a:r>
+          </a:p>
+        </p:txBody>
+      </p:sp>
+    </p:spTree>
+  </p:cSld>
+</p:sld>
+</file>
+
+<file path=ppt/slides/slide38.xml><?xml version="1.0" encoding="utf-8"?>
+<p:sld xmlns:a="http://schemas.openxmlformats.org/drawingml/2006/main" xmlns:r="http://schemas.openxmlformats.org/officeDocument/2006/relationships" xmlns:p="http://schemas.openxmlformats.org/presentationml/2006/main">
+  <p:cSld>
+    <p:spTree>
+      <p:nvGrpSpPr>
+        <p:cNvPr id="1" name=""/>
+        <p:cNvGrpSpPr/>
+        <p:nvPr/>
+      </p:nvGrpSpPr>
+      <p:grpSpPr>
+        <a:xfrm>
+          <a:off x="0" y="0"/>
+          <a:ext cx="0" cy="0"/>
+          <a:chOff x="0" y="0"/>
+          <a:chExt cx="0" cy="0"/>
+        </a:xfrm>
+      </p:grpSpPr>
+      <p:sp>
+        <p:nvSpPr>
+          <p:cNvPr id="2" name="Title 1">
+            <a:extLst>
+              <a:ext uri="{FF2B5EF4-FFF2-40B4-BE49-F238E27FC236}">
+                <a16:creationId xmlns:a16="http://schemas.microsoft.com/office/drawing/2014/main" id="{5567D468-EE70-CD4E-A3AC-039CC11EF1FB}"/>
+              </a:ext>
+            </a:extLst>
+          </p:cNvPr>
+          <p:cNvSpPr>
+            <a:spLocks noGrp="1"/>
+          </p:cNvSpPr>
+          <p:nvPr>
+            <p:ph type="title"/>
+          </p:nvPr>
+        </p:nvSpPr>
+        <p:spPr/>
+        <p:txBody>
+          <a:bodyPr/>
+          <a:lstStyle/>
+          <a:p>
+            <a:pPr lvl="0" marL="0" indent="0">
+              <a:buNone/>
+            </a:pPr>
+            <a:r>
+              <a:rPr/>
+              <a:t>Using</a:t>
+            </a:r>
+            <a:r>
+              <a:rPr/>
+              <a:t> </a:t>
+            </a:r>
+            <a:r>
+              <a:rPr/>
+              <a:t>the</a:t>
+            </a:r>
+            <a:r>
+              <a:rPr/>
+              <a:t> </a:t>
+            </a:r>
+            <a:r>
+              <a:rPr/>
+              <a:t>Mann</a:t>
+            </a:r>
+            <a:r>
+              <a:rPr/>
+              <a:t> </a:t>
+            </a:r>
+            <a:r>
+              <a:rPr/>
+              <a:t>Whitney</a:t>
+            </a:r>
+            <a:r>
+              <a:rPr/>
+              <a:t> </a:t>
+            </a:r>
+            <a:r>
+              <a:rPr/>
+              <a:t>test</a:t>
+            </a:r>
+          </a:p>
+        </p:txBody>
+      </p:sp>
+      <p:sp>
+        <p:nvSpPr>
+          <p:cNvPr id="3" name="Content Placeholder 2">
+            <a:extLst>
+              <a:ext uri="{FF2B5EF4-FFF2-40B4-BE49-F238E27FC236}">
+                <a16:creationId xmlns:a16="http://schemas.microsoft.com/office/drawing/2014/main" id="{D10DDA37-E46B-B641-BC9F-636CB92A2C08}"/>
+              </a:ext>
+            </a:extLst>
+          </p:cNvPr>
+          <p:cNvSpPr>
+            <a:spLocks noGrp="1"/>
+          </p:cNvSpPr>
+          <p:nvPr>
+            <p:ph idx="1"/>
+          </p:nvPr>
+        </p:nvSpPr>
+        <p:spPr/>
+        <p:txBody>
+          <a:bodyPr/>
+          <a:lstStyle/>
+          <a:p>
+            <a:pPr lvl="0" marL="0" indent="0">
+              <a:buNone/>
+            </a:pPr>
+            <a:r>
+              <a:rPr sz="1800">
+                <a:latin typeface="Courier"/>
+              </a:rPr>
+              <a:t>??Mann-Whitney</a:t>
+            </a:r>
+            <a:r>
+              <a:rPr/>
+              <a:t> will show you that the command is actually called </a:t>
+            </a:r>
+            <a:r>
+              <a:rPr sz="1800">
+                <a:latin typeface="Courier"/>
+              </a:rPr>
+              <a:t>wilcox.test</a:t>
+            </a:r>
+            <a:r>
+              <a:rPr/>
+              <a:t>.t</a:t>
+            </a:r>
+          </a:p>
+          <a:p>
+            <a:pPr lvl="0" marL="1270000" indent="0">
+              <a:buNone/>
+            </a:pPr>
+            <a:r>
+              <a:rPr sz="1800" b="1">
+                <a:solidFill>
+                  <a:srgbClr val="007020"/>
+                </a:solidFill>
+                <a:latin typeface="Courier"/>
+              </a:rPr>
+              <a:t>wilcox.test</a:t>
+            </a:r>
+            <a:r>
+              <a:rPr sz="1800">
+                <a:latin typeface="Courier"/>
+              </a:rPr>
+              <a:t>(los </a:t>
+            </a:r>
+            <a:r>
+              <a:rPr sz="1800">
+                <a:solidFill>
+                  <a:srgbClr val="666666"/>
+                </a:solidFill>
+                <a:latin typeface="Courier"/>
+              </a:rPr>
+              <a:t>~</a:t>
+            </a:r>
+            <a:r>
+              <a:rPr sz="1800">
+                <a:solidFill>
+                  <a:srgbClr val="4070A0"/>
+                </a:solidFill>
+                <a:latin typeface="Courier"/>
+              </a:rPr>
+              <a:t> </a:t>
+            </a:r>
+            <a:r>
+              <a:rPr sz="1800">
+                <a:latin typeface="Courier"/>
+              </a:rPr>
+              <a:t>sex, </a:t>
+            </a:r>
+            <a:r>
+              <a:rPr sz="1800">
+                <a:solidFill>
+                  <a:srgbClr val="902000"/>
+                </a:solidFill>
+                <a:latin typeface="Courier"/>
+              </a:rPr>
+              <a:t>data =</a:t>
+            </a:r>
+            <a:r>
+              <a:rPr sz="1800">
+                <a:latin typeface="Courier"/>
+              </a:rPr>
+              <a:t> cchic)</a:t>
+            </a:r>
+          </a:p>
+          <a:p>
+            <a:pPr lvl="0" marL="1270000" indent="0">
+              <a:buNone/>
+            </a:pPr>
+            <a:r>
+              <a:rPr sz="1800">
+                <a:latin typeface="Courier"/>
+              </a:rPr>
+              <a:t>## 
+##  Wilcoxon rank sum test with continuity correction
+## 
+## data:  los by sex
+## W = 3104000, p-value = 0.8218
+## alternative hypothesis: true location shift is not equal to 0</a:t>
+            </a:r>
+          </a:p>
+        </p:txBody>
+      </p:sp>
+    </p:spTree>
+  </p:cSld>
+</p:sld>
+</file>
+
+<file path=ppt/slides/slide39.xml><?xml version="1.0" encoding="utf-8"?>
+<p:sld xmlns:a="http://schemas.openxmlformats.org/drawingml/2006/main" xmlns:r="http://schemas.openxmlformats.org/officeDocument/2006/relationships" xmlns:p="http://schemas.openxmlformats.org/presentationml/2006/main">
+  <p:cSld>
+    <p:spTree>
+      <p:nvGrpSpPr>
+        <p:cNvPr id="1" name=""/>
+        <p:cNvGrpSpPr/>
+        <p:nvPr/>
+      </p:nvGrpSpPr>
+      <p:grpSpPr>
+        <a:xfrm>
+          <a:off x="0" y="0"/>
+          <a:ext cx="0" cy="0"/>
+          <a:chOff x="0" y="0"/>
+          <a:chExt cx="0" cy="0"/>
+        </a:xfrm>
+      </p:grpSpPr>
+      <p:sp>
+        <p:nvSpPr>
+          <p:cNvPr id="2" name="Title 1">
+            <a:extLst>
+              <a:ext uri="{FF2B5EF4-FFF2-40B4-BE49-F238E27FC236}">
+                <a16:creationId xmlns:a16="http://schemas.microsoft.com/office/drawing/2014/main" id="{5567D468-EE70-CD4E-A3AC-039CC11EF1FB}"/>
+              </a:ext>
+            </a:extLst>
+          </p:cNvPr>
+          <p:cNvSpPr>
+            <a:spLocks noGrp="1"/>
+          </p:cNvSpPr>
+          <p:nvPr>
+            <p:ph type="title"/>
+          </p:nvPr>
+        </p:nvSpPr>
+        <p:spPr/>
+        <p:txBody>
+          <a:bodyPr/>
+          <a:lstStyle/>
+          <a:p>
+            <a:pPr lvl="0" marL="0" indent="0">
+              <a:buNone/>
+            </a:pPr>
+            <a:r>
+              <a:rPr/>
+              <a:t>Lunch</a:t>
+            </a:r>
+          </a:p>
+        </p:txBody>
+      </p:sp>
+      <p:sp>
+        <p:nvSpPr>
+          <p:cNvPr id="3" name="Content Placeholder 2">
+            <a:extLst>
+              <a:ext uri="{FF2B5EF4-FFF2-40B4-BE49-F238E27FC236}">
+                <a16:creationId xmlns:a16="http://schemas.microsoft.com/office/drawing/2014/main" id="{D10DDA37-E46B-B641-BC9F-636CB92A2C08}"/>
+              </a:ext>
+            </a:extLst>
+          </p:cNvPr>
+          <p:cNvSpPr>
+            <a:spLocks noGrp="1"/>
+          </p:cNvSpPr>
+          <p:nvPr>
+            <p:ph idx="1"/>
+          </p:nvPr>
+        </p:nvSpPr>
+        <p:spPr/>
+        <p:txBody>
+          <a:bodyPr/>
+          <a:lstStyle/>
+          <a:p>
+            <a:pPr lvl="1"/>
+            <a:r>
+              <a:rPr/>
+              <a:t>Feel free to explore the handout and go through the exercises again.</a:t>
+            </a:r>
+          </a:p>
+        </p:txBody>
+      </p:sp>
+    </p:spTree>
+  </p:cSld>
 </p:sld>
 </file>
 
@@ -9682,10 +11284,11 @@
           <a:bodyPr/>
           <a:lstStyle/>
           <a:p>
-            <a:pPr marL="0" lvl="0" indent="0">
+            <a:pPr lvl="0" marL="0" indent="0">
               <a:buNone/>
             </a:pPr>
             <a:r>
+              <a:rPr/>
               <a:t>Wait!</a:t>
             </a:r>
           </a:p>
@@ -9714,6 +11317,7 @@
           <a:p>
             <a:pPr lvl="1"/>
             <a:r>
+              <a:rPr/>
               <a:t>Make sure </a:t>
             </a:r>
             <a:r>
@@ -9723,12 +11327,14 @@
               <a:t>cchic</a:t>
             </a:r>
             <a:r>
+              <a:rPr/>
               <a:t> R dataframe from your work yesterday is loaded</a:t>
             </a:r>
           </a:p>
           <a:p>
             <a:pPr lvl="1"/>
             <a:r>
+              <a:rPr/>
               <a:t>Ensure this includes the variables you created including </a:t>
             </a:r>
             <a:r>
@@ -9736,386 +11342,39 @@
                 <a:latin typeface="Courier"/>
               </a:rPr>
               <a:t>los</a:t>
+            </a:r>
+          </a:p>
+          <a:p>
+            <a:pPr lvl="1"/>
+            <a:r>
+              <a:rPr/>
+              <a:t>The </a:t>
+            </a:r>
+            <a:r>
+              <a:rPr sz="1800">
+                <a:latin typeface="Courier"/>
+              </a:rPr>
+              <a:t>los</a:t>
+            </a:r>
+            <a:r>
+              <a:rPr/>
+              <a:t> columns comes pre-generated in the </a:t>
+            </a:r>
+            <a:r>
+              <a:rPr sz="1800">
+                <a:latin typeface="Courier"/>
+              </a:rPr>
+              <a:t>intermediate_CCHIC.csv</a:t>
+            </a:r>
+            <a:r>
+              <a:rPr/>
+              <a:t> file.</a:t>
             </a:r>
           </a:p>
         </p:txBody>
       </p:sp>
     </p:spTree>
   </p:cSld>
-  <p:clrMapOvr>
-    <a:masterClrMapping/>
-  </p:clrMapOvr>
-</p:sld>
-</file>
-
-<file path=ppt/slides/slide40.xml><?xml version="1.0" encoding="utf-8"?>
-<p:sld xmlns:a="http://schemas.openxmlformats.org/drawingml/2006/main" xmlns:r="http://schemas.openxmlformats.org/officeDocument/2006/relationships" xmlns:p="http://schemas.openxmlformats.org/presentationml/2006/main">
-  <p:cSld>
-    <p:spTree>
-      <p:nvGrpSpPr>
-        <p:cNvPr id="1" name=""/>
-        <p:cNvGrpSpPr/>
-        <p:nvPr/>
-      </p:nvGrpSpPr>
-      <p:grpSpPr>
-        <a:xfrm>
-          <a:off x="0" y="0"/>
-          <a:ext cx="0" cy="0"/>
-          <a:chOff x="0" y="0"/>
-          <a:chExt cx="0" cy="0"/>
-        </a:xfrm>
-      </p:grpSpPr>
-      <p:sp>
-        <p:nvSpPr>
-          <p:cNvPr id="2" name="Title 1">
-            <a:extLst>
-              <a:ext uri="{FF2B5EF4-FFF2-40B4-BE49-F238E27FC236}">
-                <a16:creationId xmlns:a16="http://schemas.microsoft.com/office/drawing/2014/main" id="{5567D468-EE70-CD4E-A3AC-039CC11EF1FB}"/>
-              </a:ext>
-            </a:extLst>
-          </p:cNvPr>
-          <p:cNvSpPr>
-            <a:spLocks noGrp="1"/>
-          </p:cNvSpPr>
-          <p:nvPr>
-            <p:ph type="title"/>
-          </p:nvPr>
-        </p:nvSpPr>
-        <p:spPr/>
-        <p:txBody>
-          <a:bodyPr/>
-          <a:lstStyle/>
-          <a:p>
-            <a:pPr marL="0" lvl="0" indent="0">
-              <a:buNone/>
-            </a:pPr>
-            <a:r>
-              <a:t>When do you use a non-parametric test?</a:t>
-            </a:r>
-          </a:p>
-        </p:txBody>
-      </p:sp>
-      <p:sp>
-        <p:nvSpPr>
-          <p:cNvPr id="3" name="Content Placeholder 2">
-            <a:extLst>
-              <a:ext uri="{FF2B5EF4-FFF2-40B4-BE49-F238E27FC236}">
-                <a16:creationId xmlns:a16="http://schemas.microsoft.com/office/drawing/2014/main" id="{D10DDA37-E46B-B641-BC9F-636CB92A2C08}"/>
-              </a:ext>
-            </a:extLst>
-          </p:cNvPr>
-          <p:cNvSpPr>
-            <a:spLocks noGrp="1"/>
-          </p:cNvSpPr>
-          <p:nvPr>
-            <p:ph idx="1"/>
-          </p:nvPr>
-        </p:nvSpPr>
-        <p:spPr/>
-        <p:txBody>
-          <a:bodyPr/>
-          <a:lstStyle/>
-          <a:p>
-            <a:pPr lvl="1"/>
-            <a:r>
-              <a:t>When any of the the following are true.</a:t>
-            </a:r>
-          </a:p>
-          <a:p>
-            <a:pPr lvl="2"/>
-            <a:r>
-              <a:t>Level of measurement is nominal or ordinal</a:t>
-            </a:r>
-          </a:p>
-          <a:p>
-            <a:pPr lvl="2"/>
-            <a:r>
-              <a:t>Unequal sample sizes</a:t>
-            </a:r>
-          </a:p>
-          <a:p>
-            <a:pPr lvl="2"/>
-            <a:r>
-              <a:t>Skewed data</a:t>
-            </a:r>
-          </a:p>
-          <a:p>
-            <a:pPr lvl="2"/>
-            <a:r>
-              <a:t>Unequal variance</a:t>
-            </a:r>
-          </a:p>
-          <a:p>
-            <a:pPr lvl="2"/>
-            <a:r>
-              <a:t>Continuous data collapsed into small number of categories</a:t>
-            </a:r>
-          </a:p>
-        </p:txBody>
-      </p:sp>
-    </p:spTree>
-  </p:cSld>
-  <p:clrMapOvr>
-    <a:masterClrMapping/>
-  </p:clrMapOvr>
-</p:sld>
-</file>
-
-<file path=ppt/slides/slide41.xml><?xml version="1.0" encoding="utf-8"?>
-<p:sld xmlns:a="http://schemas.openxmlformats.org/drawingml/2006/main" xmlns:r="http://schemas.openxmlformats.org/officeDocument/2006/relationships" xmlns:p="http://schemas.openxmlformats.org/presentationml/2006/main">
-  <p:cSld>
-    <p:spTree>
-      <p:nvGrpSpPr>
-        <p:cNvPr id="1" name=""/>
-        <p:cNvGrpSpPr/>
-        <p:nvPr/>
-      </p:nvGrpSpPr>
-      <p:grpSpPr>
-        <a:xfrm>
-          <a:off x="0" y="0"/>
-          <a:ext cx="0" cy="0"/>
-          <a:chOff x="0" y="0"/>
-          <a:chExt cx="0" cy="0"/>
-        </a:xfrm>
-      </p:grpSpPr>
-      <p:sp>
-        <p:nvSpPr>
-          <p:cNvPr id="2" name="Title 1">
-            <a:extLst>
-              <a:ext uri="{FF2B5EF4-FFF2-40B4-BE49-F238E27FC236}">
-                <a16:creationId xmlns:a16="http://schemas.microsoft.com/office/drawing/2014/main" id="{5567D468-EE70-CD4E-A3AC-039CC11EF1FB}"/>
-              </a:ext>
-            </a:extLst>
-          </p:cNvPr>
-          <p:cNvSpPr>
-            <a:spLocks noGrp="1"/>
-          </p:cNvSpPr>
-          <p:nvPr>
-            <p:ph type="title"/>
-          </p:nvPr>
-        </p:nvSpPr>
-        <p:spPr/>
-        <p:txBody>
-          <a:bodyPr/>
-          <a:lstStyle/>
-          <a:p>
-            <a:pPr marL="0" lvl="0" indent="0">
-              <a:buNone/>
-            </a:pPr>
-            <a:r>
-              <a:t>Using the Mann Whitney test</a:t>
-            </a:r>
-          </a:p>
-        </p:txBody>
-      </p:sp>
-      <p:sp>
-        <p:nvSpPr>
-          <p:cNvPr id="3" name="Content Placeholder 2">
-            <a:extLst>
-              <a:ext uri="{FF2B5EF4-FFF2-40B4-BE49-F238E27FC236}">
-                <a16:creationId xmlns:a16="http://schemas.microsoft.com/office/drawing/2014/main" id="{D10DDA37-E46B-B641-BC9F-636CB92A2C08}"/>
-              </a:ext>
-            </a:extLst>
-          </p:cNvPr>
-          <p:cNvSpPr>
-            <a:spLocks noGrp="1"/>
-          </p:cNvSpPr>
-          <p:nvPr>
-            <p:ph idx="1"/>
-          </p:nvPr>
-        </p:nvSpPr>
-        <p:spPr/>
-        <p:txBody>
-          <a:bodyPr/>
-          <a:lstStyle/>
-          <a:p>
-            <a:pPr marL="0" lvl="0" indent="0">
-              <a:buNone/>
-            </a:pPr>
-            <a:r>
-              <a:rPr sz="1800">
-                <a:latin typeface="Courier"/>
-              </a:rPr>
-              <a:t>??Mann-Whitney</a:t>
-            </a:r>
-            <a:r>
-              <a:t> will show you that the command is actually called </a:t>
-            </a:r>
-            <a:r>
-              <a:rPr sz="1800">
-                <a:latin typeface="Courier"/>
-              </a:rPr>
-              <a:t>wilcox.test</a:t>
-            </a:r>
-            <a:r>
-              <a:t>.t</a:t>
-            </a:r>
-          </a:p>
-          <a:p>
-            <a:pPr marL="1270000" lvl="0" indent="0">
-              <a:buNone/>
-            </a:pPr>
-            <a:r>
-              <a:rPr sz="1800" b="1">
-                <a:solidFill>
-                  <a:srgbClr val="007020"/>
-                </a:solidFill>
-                <a:latin typeface="Courier"/>
-              </a:rPr>
-              <a:t>wilcox.test</a:t>
-            </a:r>
-            <a:r>
-              <a:rPr sz="1800">
-                <a:latin typeface="Courier"/>
-              </a:rPr>
-              <a:t>(los </a:t>
-            </a:r>
-            <a:r>
-              <a:rPr sz="1800">
-                <a:solidFill>
-                  <a:srgbClr val="666666"/>
-                </a:solidFill>
-                <a:latin typeface="Courier"/>
-              </a:rPr>
-              <a:t>~</a:t>
-            </a:r>
-            <a:r>
-              <a:rPr sz="1800">
-                <a:solidFill>
-                  <a:srgbClr val="4070A0"/>
-                </a:solidFill>
-                <a:latin typeface="Courier"/>
-              </a:rPr>
-              <a:t> </a:t>
-            </a:r>
-            <a:r>
-              <a:rPr sz="1800">
-                <a:latin typeface="Courier"/>
-              </a:rPr>
-              <a:t>sex, </a:t>
-            </a:r>
-            <a:r>
-              <a:rPr sz="1800">
-                <a:solidFill>
-                  <a:srgbClr val="902000"/>
-                </a:solidFill>
-                <a:latin typeface="Courier"/>
-              </a:rPr>
-              <a:t>data =</a:t>
-            </a:r>
-            <a:r>
-              <a:rPr sz="1800">
-                <a:latin typeface="Courier"/>
-              </a:rPr>
-              <a:t> cchic)</a:t>
-            </a:r>
-          </a:p>
-          <a:p>
-            <a:pPr marL="1270000" lvl="0" indent="0">
-              <a:buNone/>
-            </a:pPr>
-            <a:r>
-              <a:rPr sz="1800">
-                <a:latin typeface="Courier"/>
-              </a:rPr>
-              <a:t>## 
-##  Wilcoxon rank sum test with continuity correction
-## 
-## data:  los by sex
-## W = 3104046, p-value = 0.8218
-## alternative hypothesis: true location shift is not equal to 0</a:t>
-            </a:r>
-          </a:p>
-        </p:txBody>
-      </p:sp>
-    </p:spTree>
-  </p:cSld>
-  <p:clrMapOvr>
-    <a:masterClrMapping/>
-  </p:clrMapOvr>
-</p:sld>
-</file>
-
-<file path=ppt/slides/slide42.xml><?xml version="1.0" encoding="utf-8"?>
-<p:sld xmlns:a="http://schemas.openxmlformats.org/drawingml/2006/main" xmlns:r="http://schemas.openxmlformats.org/officeDocument/2006/relationships" xmlns:p="http://schemas.openxmlformats.org/presentationml/2006/main">
-  <p:cSld>
-    <p:spTree>
-      <p:nvGrpSpPr>
-        <p:cNvPr id="1" name=""/>
-        <p:cNvGrpSpPr/>
-        <p:nvPr/>
-      </p:nvGrpSpPr>
-      <p:grpSpPr>
-        <a:xfrm>
-          <a:off x="0" y="0"/>
-          <a:ext cx="0" cy="0"/>
-          <a:chOff x="0" y="0"/>
-          <a:chExt cx="0" cy="0"/>
-        </a:xfrm>
-      </p:grpSpPr>
-      <p:sp>
-        <p:nvSpPr>
-          <p:cNvPr id="2" name="Title 1">
-            <a:extLst>
-              <a:ext uri="{FF2B5EF4-FFF2-40B4-BE49-F238E27FC236}">
-                <a16:creationId xmlns:a16="http://schemas.microsoft.com/office/drawing/2014/main" id="{5567D468-EE70-CD4E-A3AC-039CC11EF1FB}"/>
-              </a:ext>
-            </a:extLst>
-          </p:cNvPr>
-          <p:cNvSpPr>
-            <a:spLocks noGrp="1"/>
-          </p:cNvSpPr>
-          <p:nvPr>
-            <p:ph type="title"/>
-          </p:nvPr>
-        </p:nvSpPr>
-        <p:spPr/>
-        <p:txBody>
-          <a:bodyPr/>
-          <a:lstStyle/>
-          <a:p>
-            <a:pPr marL="0" lvl="0" indent="0">
-              <a:buNone/>
-            </a:pPr>
-            <a:r>
-              <a:t>Lunch</a:t>
-            </a:r>
-          </a:p>
-        </p:txBody>
-      </p:sp>
-      <p:sp>
-        <p:nvSpPr>
-          <p:cNvPr id="3" name="Content Placeholder 2">
-            <a:extLst>
-              <a:ext uri="{FF2B5EF4-FFF2-40B4-BE49-F238E27FC236}">
-                <a16:creationId xmlns:a16="http://schemas.microsoft.com/office/drawing/2014/main" id="{D10DDA37-E46B-B641-BC9F-636CB92A2C08}"/>
-              </a:ext>
-            </a:extLst>
-          </p:cNvPr>
-          <p:cNvSpPr>
-            <a:spLocks noGrp="1"/>
-          </p:cNvSpPr>
-          <p:nvPr>
-            <p:ph idx="1"/>
-          </p:nvPr>
-        </p:nvSpPr>
-        <p:spPr/>
-        <p:txBody>
-          <a:bodyPr/>
-          <a:lstStyle/>
-          <a:p>
-            <a:pPr lvl="1"/>
-            <a:r>
-              <a:t>Feel free to explore the handout and go through the exercices again.</a:t>
-            </a:r>
-          </a:p>
-        </p:txBody>
-      </p:sp>
-    </p:spTree>
-  </p:cSld>
-  <p:clrMapOvr>
-    <a:masterClrMapping/>
-  </p:clrMapOvr>
 </p:sld>
 </file>
 
@@ -10157,11 +11416,28 @@
           <a:bodyPr/>
           <a:lstStyle/>
           <a:p>
-            <a:pPr marL="0" lvl="0" indent="0">
+            <a:pPr lvl="0" marL="0" indent="0">
               <a:buNone/>
             </a:pPr>
             <a:r>
-              <a:t>The big picture</a:t>
+              <a:rPr/>
+              <a:t>The</a:t>
+            </a:r>
+            <a:r>
+              <a:rPr/>
+              <a:t> </a:t>
+            </a:r>
+            <a:r>
+              <a:rPr/>
+              <a:t>big</a:t>
+            </a:r>
+            <a:r>
+              <a:rPr/>
+              <a:t> </a:t>
+            </a:r>
+            <a:r>
+              <a:rPr/>
+              <a:t>picture</a:t>
             </a:r>
           </a:p>
         </p:txBody>
@@ -10189,34 +11465,21 @@
           <a:p>
             <a:pPr lvl="1"/>
             <a:r>
+              <a:rPr/>
               <a:t>Research often seeks to answer a question about a larger population by collecting data on a small portion</a:t>
             </a:r>
           </a:p>
           <a:p>
             <a:pPr lvl="1"/>
             <a:r>
-              <a:t>Data collection:</a:t>
-            </a:r>
-          </a:p>
-          <a:p>
-            <a:pPr lvl="2"/>
-            <a:r>
-              <a:t>Many variables</a:t>
-            </a:r>
-          </a:p>
-          <a:p>
-            <a:pPr lvl="2"/>
-            <a:r>
-              <a:t>For each person/unit.</a:t>
+              <a:rPr/>
+              <a:t>Hypothesis driven</a:t>
             </a:r>
           </a:p>
         </p:txBody>
       </p:sp>
     </p:spTree>
   </p:cSld>
-  <p:clrMapOvr>
-    <a:masterClrMapping/>
-  </p:clrMapOvr>
 </p:sld>
 </file>
 
@@ -10258,11 +11521,20 @@
           <a:bodyPr/>
           <a:lstStyle/>
           <a:p>
-            <a:pPr marL="0" lvl="0" indent="0">
+            <a:pPr lvl="0" marL="0" indent="0">
               <a:buNone/>
             </a:pPr>
             <a:r>
-              <a:t>Descriptive and inferential statistics</a:t>
+              <a:rPr/>
+              <a:t>Data</a:t>
+            </a:r>
+            <a:r>
+              <a:rPr/>
+              <a:t> </a:t>
+            </a:r>
+            <a:r>
+              <a:rPr/>
+              <a:t>types</a:t>
             </a:r>
           </a:p>
         </p:txBody>
@@ -10290,46 +11562,42 @@
           <a:p>
             <a:pPr lvl="1"/>
             <a:r>
-              <a:t>WAIT!</a:t>
+              <a:rPr/>
+              <a:t>Continuous</a:t>
             </a:r>
           </a:p>
           <a:p>
             <a:pPr lvl="1"/>
             <a:r>
-              <a:t>First be aware of the types of data</a:t>
-            </a:r>
-          </a:p>
-          <a:p>
-            <a:pPr lvl="1"/>
-            <a:r>
-              <a:t>Guides:</a:t>
+              <a:rPr/>
+              <a:t>Discrete</a:t>
             </a:r>
           </a:p>
           <a:p>
             <a:pPr lvl="2"/>
             <a:r>
-              <a:t>How best to describe the data you have</a:t>
+              <a:rPr/>
+              <a:t>Nominal</a:t>
             </a:r>
           </a:p>
           <a:p>
             <a:pPr lvl="2"/>
             <a:r>
-              <a:t>How best to analyse (which test)</a:t>
-            </a:r>
-          </a:p>
-          <a:p>
-            <a:pPr lvl="3"/>
-            <a:r>
-              <a:t>Note that data scientists and pure statisticians moving away from being ‘test-focused’, but will discuss how to run some basic ones in this lesson.</a:t>
+              <a:rPr/>
+              <a:t>Ordinal</a:t>
+            </a:r>
+          </a:p>
+          <a:p>
+            <a:pPr lvl="2"/>
+            <a:r>
+              <a:rPr/>
+              <a:t>Interval</a:t>
             </a:r>
           </a:p>
         </p:txBody>
       </p:sp>
     </p:spTree>
   </p:cSld>
-  <p:clrMapOvr>
-    <a:masterClrMapping/>
-  </p:clrMapOvr>
 </p:sld>
 </file>
 
@@ -10355,7 +11623,7 @@
           <p:cNvPr id="2" name="Title 1">
             <a:extLst>
               <a:ext uri="{FF2B5EF4-FFF2-40B4-BE49-F238E27FC236}">
-                <a16:creationId xmlns:a16="http://schemas.microsoft.com/office/drawing/2014/main" id="{5567D468-EE70-CD4E-A3AC-039CC11EF1FB}"/>
+                <a16:creationId xmlns:a16="http://schemas.microsoft.com/office/drawing/2014/main" id="{0CF11FE2-61CD-2E40-A43A-EED9A845FF8A}"/>
               </a:ext>
             </a:extLst>
           </p:cNvPr>
@@ -10371,11 +11639,20 @@
           <a:bodyPr/>
           <a:lstStyle/>
           <a:p>
-            <a:pPr marL="0" lvl="0" indent="0">
+            <a:pPr lvl="0" marL="0" indent="0">
               <a:buNone/>
             </a:pPr>
             <a:r>
-              <a:t>Data types</a:t>
+              <a:rPr/>
+              <a:t>Continuous</a:t>
+            </a:r>
+            <a:r>
+              <a:rPr/>
+              <a:t> </a:t>
+            </a:r>
+            <a:r>
+              <a:rPr/>
+              <a:t>variables</a:t>
             </a:r>
           </a:p>
         </p:txBody>
@@ -10385,15 +11662,15 @@
           <p:cNvPr id="3" name="Content Placeholder 2">
             <a:extLst>
               <a:ext uri="{FF2B5EF4-FFF2-40B4-BE49-F238E27FC236}">
-                <a16:creationId xmlns:a16="http://schemas.microsoft.com/office/drawing/2014/main" id="{D10DDA37-E46B-B641-BC9F-636CB92A2C08}"/>
-              </a:ext>
-            </a:extLst>
-          </p:cNvPr>
-          <p:cNvSpPr>
-            <a:spLocks noGrp="1"/>
-          </p:cNvSpPr>
-          <p:nvPr>
-            <p:ph idx="1"/>
+                <a16:creationId xmlns:a16="http://schemas.microsoft.com/office/drawing/2014/main" id="{C1CB83AA-6B3D-8243-8929-B2C82ECF02B5}"/>
+              </a:ext>
+            </a:extLst>
+          </p:cNvPr>
+          <p:cNvSpPr>
+            <a:spLocks noGrp="1"/>
+          </p:cNvSpPr>
+          <p:nvPr>
+            <p:ph sz="half" idx="1"/>
           </p:nvPr>
         </p:nvSpPr>
         <p:spPr/>
@@ -10403,157 +11680,43 @@
           <a:p>
             <a:pPr lvl="1"/>
             <a:r>
-              <a:t>Continuous</a:t>
+              <a:rPr/>
+              <a:t>e.g. age, height, weight</a:t>
             </a:r>
           </a:p>
           <a:p>
             <a:pPr lvl="1"/>
             <a:r>
-              <a:t>Discrete</a:t>
+              <a:rPr/>
+              <a:t>Have distributions:</a:t>
             </a:r>
           </a:p>
           <a:p>
             <a:pPr lvl="2"/>
             <a:r>
-              <a:t>Nominal</a:t>
+              <a:rPr/>
+              <a:t>Gaussian</a:t>
             </a:r>
           </a:p>
           <a:p>
             <a:pPr lvl="2"/>
             <a:r>
-              <a:t>Ordinal</a:t>
+              <a:rPr/>
+              <a:t>Poisson</a:t>
             </a:r>
           </a:p>
           <a:p>
             <a:pPr lvl="2"/>
             <a:r>
-              <a:t>Interval</a:t>
-            </a:r>
-          </a:p>
-        </p:txBody>
-      </p:sp>
-    </p:spTree>
-  </p:cSld>
-  <p:clrMapOvr>
-    <a:masterClrMapping/>
-  </p:clrMapOvr>
-</p:sld>
-</file>
-
-<file path=ppt/slides/slide8.xml><?xml version="1.0" encoding="utf-8"?>
-<p:sld xmlns:a="http://schemas.openxmlformats.org/drawingml/2006/main" xmlns:r="http://schemas.openxmlformats.org/officeDocument/2006/relationships" xmlns:p="http://schemas.openxmlformats.org/presentationml/2006/main">
-  <p:cSld>
-    <p:spTree>
-      <p:nvGrpSpPr>
-        <p:cNvPr id="1" name=""/>
-        <p:cNvGrpSpPr/>
-        <p:nvPr/>
-      </p:nvGrpSpPr>
-      <p:grpSpPr>
-        <a:xfrm>
-          <a:off x="0" y="0"/>
-          <a:ext cx="0" cy="0"/>
-          <a:chOff x="0" y="0"/>
-          <a:chExt cx="0" cy="0"/>
-        </a:xfrm>
-      </p:grpSpPr>
-      <p:sp>
-        <p:nvSpPr>
-          <p:cNvPr id="2" name="Title 1">
-            <a:extLst>
-              <a:ext uri="{FF2B5EF4-FFF2-40B4-BE49-F238E27FC236}">
-                <a16:creationId xmlns:a16="http://schemas.microsoft.com/office/drawing/2014/main" id="{0CF11FE2-61CD-2E40-A43A-EED9A845FF8A}"/>
-              </a:ext>
-            </a:extLst>
-          </p:cNvPr>
-          <p:cNvSpPr>
-            <a:spLocks noGrp="1"/>
-          </p:cNvSpPr>
-          <p:nvPr>
-            <p:ph type="title"/>
-          </p:nvPr>
-        </p:nvSpPr>
-        <p:spPr/>
-        <p:txBody>
-          <a:bodyPr/>
-          <a:lstStyle/>
-          <a:p>
-            <a:pPr marL="0" lvl="0" indent="0">
-              <a:buNone/>
-            </a:pPr>
-            <a:r>
-              <a:t>Continuous variables</a:t>
-            </a:r>
-          </a:p>
-        </p:txBody>
-      </p:sp>
-      <p:sp>
-        <p:nvSpPr>
-          <p:cNvPr id="3" name="Content Placeholder 2">
-            <a:extLst>
-              <a:ext uri="{FF2B5EF4-FFF2-40B4-BE49-F238E27FC236}">
-                <a16:creationId xmlns:a16="http://schemas.microsoft.com/office/drawing/2014/main" id="{C1CB83AA-6B3D-8243-8929-B2C82ECF02B5}"/>
-              </a:ext>
-            </a:extLst>
-          </p:cNvPr>
-          <p:cNvSpPr>
-            <a:spLocks noGrp="1"/>
-          </p:cNvSpPr>
-          <p:nvPr>
-            <p:ph sz="half" idx="1"/>
-          </p:nvPr>
-        </p:nvSpPr>
-        <p:spPr/>
-        <p:txBody>
-          <a:bodyPr/>
-          <a:lstStyle/>
-          <a:p>
-            <a:pPr lvl="1"/>
-            <a:r>
-              <a:t>e.g. age, height, weight</a:t>
-            </a:r>
-          </a:p>
-          <a:p>
-            <a:pPr lvl="1"/>
-            <a:r>
-              <a:t>Have distributions:</a:t>
-            </a:r>
-          </a:p>
-          <a:p>
-            <a:pPr lvl="2"/>
-            <a:r>
-              <a:t>Gaussian</a:t>
-            </a:r>
-          </a:p>
-          <a:p>
-            <a:pPr lvl="2"/>
-            <a:r>
-              <a:t>Poisson</a:t>
-            </a:r>
-          </a:p>
-          <a:p>
-            <a:pPr lvl="2"/>
-            <a:r>
+              <a:rPr/>
               <a:t>Binomial</a:t>
-            </a:r>
-          </a:p>
-          <a:p>
-            <a:pPr lvl="2"/>
-            <a:r>
-              <a:t>Cauchy/Lorenz</a:t>
-            </a:r>
-          </a:p>
-          <a:p>
-            <a:pPr lvl="1"/>
-            <a:r>
-              <a:t>Can’t be described</a:t>
             </a:r>
           </a:p>
         </p:txBody>
       </p:sp>
       <p:pic>
         <p:nvPicPr>
-          <p:cNvPr id="4" name="Picture 1" descr="../Images/ContinuousDistribution.png"/>
+          <p:cNvPr descr="../Images/ContinuousDistribution.png" id="0" name="Picture 1"/>
           <p:cNvPicPr>
             <a:picLocks noGrp="1" noChangeAspect="1"/>
           </p:cNvPicPr>
@@ -10583,13 +11746,10 @@
       </p:pic>
     </p:spTree>
   </p:cSld>
-  <p:clrMapOvr>
-    <a:masterClrMapping/>
-  </p:clrMapOvr>
 </p:sld>
 </file>
 
-<file path=ppt/slides/slide9.xml><?xml version="1.0" encoding="utf-8"?>
+<file path=ppt/slides/slide8.xml><?xml version="1.0" encoding="utf-8"?>
 <p:sld xmlns:a="http://schemas.openxmlformats.org/drawingml/2006/main" xmlns:r="http://schemas.openxmlformats.org/officeDocument/2006/relationships" xmlns:p="http://schemas.openxmlformats.org/presentationml/2006/main">
   <p:cSld>
     <p:spTree>
@@ -10627,18 +11787,51 @@
           <a:bodyPr/>
           <a:lstStyle/>
           <a:p>
-            <a:pPr marL="0" lvl="0" indent="0">
+            <a:pPr lvl="0" marL="0" indent="0">
               <a:buNone/>
             </a:pPr>
             <a:r>
-              <a:t>What is normally distributed data?</a:t>
+              <a:rPr/>
+              <a:t>What</a:t>
+            </a:r>
+            <a:r>
+              <a:rPr/>
+              <a:t> </a:t>
+            </a:r>
+            <a:r>
+              <a:rPr/>
+              <a:t>is</a:t>
+            </a:r>
+            <a:r>
+              <a:rPr/>
+              <a:t> </a:t>
+            </a:r>
+            <a:r>
+              <a:rPr/>
+              <a:t>normally</a:t>
+            </a:r>
+            <a:r>
+              <a:rPr/>
+              <a:t> </a:t>
+            </a:r>
+            <a:r>
+              <a:rPr/>
+              <a:t>distributed</a:t>
+            </a:r>
+            <a:r>
+              <a:rPr/>
+              <a:t> </a:t>
+            </a:r>
+            <a:r>
+              <a:rPr/>
+              <a:t>data?</a:t>
             </a:r>
           </a:p>
         </p:txBody>
       </p:sp>
       <p:pic>
         <p:nvPicPr>
-          <p:cNvPr id="3" name="Picture 1" descr="../Images/NormalDistribution.png"/>
+          <p:cNvPr descr="../Images/NormalDistribution.png" id="0" name="Picture 1"/>
           <p:cNvPicPr>
             <a:picLocks noGrp="1" noChangeAspect="1"/>
           </p:cNvPicPr>
@@ -10668,9 +11861,126 @@
       </p:pic>
     </p:spTree>
   </p:cSld>
-  <p:clrMapOvr>
-    <a:masterClrMapping/>
-  </p:clrMapOvr>
+</p:sld>
+</file>
+
+<file path=ppt/slides/slide9.xml><?xml version="1.0" encoding="utf-8"?>
+<p:sld xmlns:a="http://schemas.openxmlformats.org/drawingml/2006/main" xmlns:r="http://schemas.openxmlformats.org/officeDocument/2006/relationships" xmlns:p="http://schemas.openxmlformats.org/presentationml/2006/main">
+  <p:cSld>
+    <p:spTree>
+      <p:nvGrpSpPr>
+        <p:cNvPr id="1" name=""/>
+        <p:cNvGrpSpPr/>
+        <p:nvPr/>
+      </p:nvGrpSpPr>
+      <p:grpSpPr>
+        <a:xfrm>
+          <a:off x="0" y="0"/>
+          <a:ext cx="0" cy="0"/>
+          <a:chOff x="0" y="0"/>
+          <a:chExt cx="0" cy="0"/>
+        </a:xfrm>
+      </p:grpSpPr>
+      <p:sp>
+        <p:nvSpPr>
+          <p:cNvPr id="2" name="Title 1">
+            <a:extLst>
+              <a:ext uri="{FF2B5EF4-FFF2-40B4-BE49-F238E27FC236}">
+                <a16:creationId xmlns:a16="http://schemas.microsoft.com/office/drawing/2014/main" id="{5567D468-EE70-CD4E-A3AC-039CC11EF1FB}"/>
+              </a:ext>
+            </a:extLst>
+          </p:cNvPr>
+          <p:cNvSpPr>
+            <a:spLocks noGrp="1"/>
+          </p:cNvSpPr>
+          <p:nvPr>
+            <p:ph type="title"/>
+          </p:nvPr>
+        </p:nvSpPr>
+        <p:spPr/>
+        <p:txBody>
+          <a:bodyPr/>
+          <a:lstStyle/>
+          <a:p>
+            <a:pPr lvl="0" marL="0" indent="0">
+              <a:buNone/>
+            </a:pPr>
+            <a:r>
+              <a:rPr/>
+              <a:t>Types</a:t>
+            </a:r>
+            <a:r>
+              <a:rPr/>
+              <a:t> </a:t>
+            </a:r>
+            <a:r>
+              <a:rPr/>
+              <a:t>of</a:t>
+            </a:r>
+            <a:r>
+              <a:rPr/>
+              <a:t> </a:t>
+            </a:r>
+            <a:r>
+              <a:rPr/>
+              <a:t>discrete</a:t>
+            </a:r>
+            <a:r>
+              <a:rPr/>
+              <a:t> </a:t>
+            </a:r>
+            <a:r>
+              <a:rPr/>
+              <a:t>variables</a:t>
+            </a:r>
+          </a:p>
+        </p:txBody>
+      </p:sp>
+      <p:sp>
+        <p:nvSpPr>
+          <p:cNvPr id="3" name="Content Placeholder 2">
+            <a:extLst>
+              <a:ext uri="{FF2B5EF4-FFF2-40B4-BE49-F238E27FC236}">
+                <a16:creationId xmlns:a16="http://schemas.microsoft.com/office/drawing/2014/main" id="{D10DDA37-E46B-B641-BC9F-636CB92A2C08}"/>
+              </a:ext>
+            </a:extLst>
+          </p:cNvPr>
+          <p:cNvSpPr>
+            <a:spLocks noGrp="1"/>
+          </p:cNvSpPr>
+          <p:nvPr>
+            <p:ph idx="1"/>
+          </p:nvPr>
+        </p:nvSpPr>
+        <p:spPr/>
+        <p:txBody>
+          <a:bodyPr/>
+          <a:lstStyle/>
+          <a:p>
+            <a:pPr lvl="1"/>
+            <a:r>
+              <a:rPr/>
+              <a:t>Nominal</a:t>
+            </a:r>
+          </a:p>
+          <a:p>
+            <a:pPr lvl="2"/>
+            <a:r>
+              <a:rPr/>
+              <a:t>e.g. hair colour, types of antibiotics</a:t>
+            </a:r>
+          </a:p>
+          <a:p>
+            <a:pPr lvl="2"/>
+            <a:r>
+              <a:rPr/>
+              <a:t>There is no order between the data types (e.g. blonde, brunette, red hair)</a:t>
+            </a:r>
+          </a:p>
+        </p:txBody>
+      </p:sp>
+    </p:spTree>
+  </p:cSld>
 </p:sld>
 </file>
 

--- a/Workshops/Workshop6.pptx
+++ b/Workshops/Workshop6.pptx
@@ -5107,7 +5107,7 @@
             </a:r>
             <a:r>
               <a:rPr/>
-              <a:t> to print our your result. Remeber to remove NA’s if needed.</a:t>
+              <a:t> to print our your result. Remember to remove NA’s if needed.</a:t>
             </a:r>
           </a:p>
         </p:txBody>

--- a/Workshops/Workshop6.pptx
+++ b/Workshops/Workshop6.pptx
@@ -4443,17 +4443,17 @@
           <a:bodyPr/>
           <a:lstStyle/>
           <a:p>
-            <a:pPr lvl="0" indent="0">
+            <a:pPr lvl="0" marL="1270000" indent="0">
               <a:buNone/>
             </a:pPr>
             <a:r>
-              <a:rPr>
+              <a:rPr sz="1800">
                 <a:latin typeface="Courier"/>
               </a:rPr>
               <a:t>temp &lt;-</a:t>
             </a:r>
             <a:r>
-              <a:rPr>
+              <a:rPr sz="1800">
                 <a:solidFill>
                   <a:srgbClr val="4070A0"/>
                 </a:solidFill>
@@ -4462,7 +4462,7 @@
               <a:t> </a:t>
             </a:r>
             <a:r>
-              <a:rPr>
+              <a:rPr sz="1800">
                 <a:solidFill>
                   <a:srgbClr val="40A070"/>
                 </a:solidFill>
@@ -4473,7 +4473,7 @@
             <a:br/>
             <a:br/>
             <a:r>
-              <a:rPr b="1">
+              <a:rPr sz="1800" b="1">
                 <a:solidFill>
                   <a:srgbClr val="007020"/>
                 </a:solidFill>
@@ -4482,13 +4482,13 @@
               <a:t>if</a:t>
             </a:r>
             <a:r>
-              <a:rPr>
+              <a:rPr sz="1800">
                 <a:latin typeface="Courier"/>
               </a:rPr>
               <a:t>(temp </a:t>
             </a:r>
             <a:r>
-              <a:rPr>
+              <a:rPr sz="1800">
                 <a:solidFill>
                   <a:srgbClr val="666666"/>
                 </a:solidFill>
@@ -4497,7 +4497,7 @@
               <a:t>&gt;=</a:t>
             </a:r>
             <a:r>
-              <a:rPr>
+              <a:rPr sz="1800">
                 <a:solidFill>
                   <a:srgbClr val="4070A0"/>
                 </a:solidFill>
@@ -4506,7 +4506,7 @@
               <a:t> </a:t>
             </a:r>
             <a:r>
-              <a:rPr>
+              <a:rPr sz="1800">
                 <a:solidFill>
                   <a:srgbClr val="40A070"/>
                 </a:solidFill>
@@ -4515,27 +4515,27 @@
               <a:t>25</a:t>
             </a:r>
             <a:r>
-              <a:rPr>
+              <a:rPr sz="1800">
                 <a:latin typeface="Courier"/>
               </a:rPr>
               <a:t>){</a:t>
             </a:r>
             <a:br/>
             <a:r>
-              <a:rPr>
+              <a:rPr sz="1800">
                 <a:latin typeface="Courier"/>
               </a:rPr>
               <a:t>  </a:t>
             </a:r>
             <a:br/>
             <a:r>
-              <a:rPr>
+              <a:rPr sz="1800">
                 <a:latin typeface="Courier"/>
               </a:rPr>
               <a:t>  </a:t>
             </a:r>
             <a:r>
-              <a:rPr b="1">
+              <a:rPr sz="1800" b="1">
                 <a:solidFill>
                   <a:srgbClr val="007020"/>
                 </a:solidFill>
@@ -4544,13 +4544,13 @@
               <a:t>print</a:t>
             </a:r>
             <a:r>
-              <a:rPr>
+              <a:rPr sz="1800">
                 <a:latin typeface="Courier"/>
               </a:rPr>
               <a:t>(</a:t>
             </a:r>
             <a:r>
-              <a:rPr>
+              <a:rPr sz="1800">
                 <a:solidFill>
                   <a:srgbClr val="4070A0"/>
                 </a:solidFill>
@@ -4559,32 +4559,32 @@
               <a:t>"Put on sunscreen"</a:t>
             </a:r>
             <a:r>
-              <a:rPr>
+              <a:rPr sz="1800">
                 <a:latin typeface="Courier"/>
               </a:rPr>
               <a:t>)</a:t>
             </a:r>
             <a:br/>
             <a:r>
-              <a:rPr>
+              <a:rPr sz="1800">
                 <a:latin typeface="Courier"/>
               </a:rPr>
               <a:t>  </a:t>
             </a:r>
             <a:br/>
             <a:r>
-              <a:rPr>
+              <a:rPr sz="1800">
                 <a:latin typeface="Courier"/>
               </a:rPr>
               <a:t>}</a:t>
             </a:r>
           </a:p>
           <a:p>
-            <a:pPr lvl="0" indent="0">
+            <a:pPr lvl="0" marL="1270000" indent="0">
               <a:buNone/>
             </a:pPr>
             <a:r>
-              <a:rPr>
+              <a:rPr sz="1800">
                 <a:latin typeface="Courier"/>
               </a:rPr>
               <a:t>## [1] "Put on sunscreen"</a:t>
@@ -4756,17 +4756,17 @@
           <a:bodyPr/>
           <a:lstStyle/>
           <a:p>
-            <a:pPr lvl="0" indent="0">
+            <a:pPr lvl="0" marL="1270000" indent="0">
               <a:buNone/>
             </a:pPr>
             <a:r>
-              <a:rPr>
+              <a:rPr sz="1800">
                 <a:latin typeface="Courier"/>
               </a:rPr>
               <a:t>username &lt;-</a:t>
             </a:r>
             <a:r>
-              <a:rPr>
+              <a:rPr sz="1800">
                 <a:solidFill>
                   <a:srgbClr val="4070A0"/>
                 </a:solidFill>
@@ -4777,7 +4777,7 @@
             <a:br/>
             <a:br/>
             <a:r>
-              <a:rPr b="1">
+              <a:rPr sz="1800" b="1">
                 <a:solidFill>
                   <a:srgbClr val="007020"/>
                 </a:solidFill>
@@ -4786,13 +4786,13 @@
               <a:t>if</a:t>
             </a:r>
             <a:r>
-              <a:rPr>
+              <a:rPr sz="1800">
                 <a:latin typeface="Courier"/>
               </a:rPr>
               <a:t>(username </a:t>
             </a:r>
             <a:r>
-              <a:rPr>
+              <a:rPr sz="1800">
                 <a:solidFill>
                   <a:srgbClr val="666666"/>
                 </a:solidFill>
@@ -4801,7 +4801,7 @@
               <a:t>==</a:t>
             </a:r>
             <a:r>
-              <a:rPr>
+              <a:rPr sz="1800">
                 <a:solidFill>
                   <a:srgbClr val="4070A0"/>
                 </a:solidFill>
@@ -4810,27 +4810,27 @@
               <a:t> "the1andonly"</a:t>
             </a:r>
             <a:r>
-              <a:rPr>
+              <a:rPr sz="1800">
                 <a:latin typeface="Courier"/>
               </a:rPr>
               <a:t>){</a:t>
             </a:r>
             <a:br/>
             <a:r>
-              <a:rPr>
+              <a:rPr sz="1800">
                 <a:latin typeface="Courier"/>
               </a:rPr>
               <a:t>  </a:t>
             </a:r>
             <a:br/>
             <a:r>
-              <a:rPr>
+              <a:rPr sz="1800">
                 <a:latin typeface="Courier"/>
               </a:rPr>
               <a:t>  </a:t>
             </a:r>
             <a:r>
-              <a:rPr b="1">
+              <a:rPr sz="1800" b="1">
                 <a:solidFill>
                   <a:srgbClr val="007020"/>
                 </a:solidFill>
@@ -4839,13 +4839,13 @@
               <a:t>print</a:t>
             </a:r>
             <a:r>
-              <a:rPr>
+              <a:rPr sz="1800">
                 <a:latin typeface="Courier"/>
               </a:rPr>
               <a:t>(</a:t>
             </a:r>
             <a:r>
-              <a:rPr>
+              <a:rPr sz="1800">
                 <a:solidFill>
                   <a:srgbClr val="4070A0"/>
                 </a:solidFill>
@@ -4854,27 +4854,27 @@
               <a:t>"Welcome!"</a:t>
             </a:r>
             <a:r>
-              <a:rPr>
+              <a:rPr sz="1800">
                 <a:latin typeface="Courier"/>
               </a:rPr>
               <a:t>)</a:t>
             </a:r>
             <a:br/>
             <a:r>
-              <a:rPr>
+              <a:rPr sz="1800">
                 <a:latin typeface="Courier"/>
               </a:rPr>
               <a:t>  </a:t>
             </a:r>
             <a:br/>
             <a:r>
-              <a:rPr>
+              <a:rPr sz="1800">
                 <a:latin typeface="Courier"/>
               </a:rPr>
               <a:t>}</a:t>
             </a:r>
             <a:r>
-              <a:rPr b="1">
+              <a:rPr sz="1800" b="1">
                 <a:solidFill>
                   <a:srgbClr val="007020"/>
                 </a:solidFill>
@@ -4883,27 +4883,27 @@
               <a:t>else</a:t>
             </a:r>
             <a:r>
-              <a:rPr>
+              <a:rPr sz="1800">
                 <a:latin typeface="Courier"/>
               </a:rPr>
               <a:t>{</a:t>
             </a:r>
             <a:br/>
             <a:r>
-              <a:rPr>
+              <a:rPr sz="1800">
                 <a:latin typeface="Courier"/>
               </a:rPr>
               <a:t>  </a:t>
             </a:r>
             <a:br/>
             <a:r>
-              <a:rPr>
+              <a:rPr sz="1800">
                 <a:latin typeface="Courier"/>
               </a:rPr>
               <a:t>  </a:t>
             </a:r>
             <a:r>
-              <a:rPr b="1">
+              <a:rPr sz="1800" b="1">
                 <a:solidFill>
                   <a:srgbClr val="007020"/>
                 </a:solidFill>
@@ -4912,13 +4912,13 @@
               <a:t>print</a:t>
             </a:r>
             <a:r>
-              <a:rPr>
+              <a:rPr sz="1800">
                 <a:latin typeface="Courier"/>
               </a:rPr>
               <a:t>(</a:t>
             </a:r>
             <a:r>
-              <a:rPr b="1">
+              <a:rPr sz="1800" b="1">
                 <a:solidFill>
                   <a:srgbClr val="007020"/>
                 </a:solidFill>
@@ -4927,13 +4927,13 @@
               <a:t>paste</a:t>
             </a:r>
             <a:r>
-              <a:rPr>
+              <a:rPr sz="1800">
                 <a:latin typeface="Courier"/>
               </a:rPr>
               <a:t>(</a:t>
             </a:r>
             <a:r>
-              <a:rPr>
+              <a:rPr sz="1800">
                 <a:solidFill>
                   <a:srgbClr val="4070A0"/>
                 </a:solidFill>
@@ -4942,32 +4942,32 @@
               <a:t>"Intruder alert! Move away from the machine"</a:t>
             </a:r>
             <a:r>
-              <a:rPr>
+              <a:rPr sz="1800">
                 <a:latin typeface="Courier"/>
               </a:rPr>
               <a:t>, username))</a:t>
             </a:r>
             <a:br/>
             <a:r>
-              <a:rPr>
+              <a:rPr sz="1800">
                 <a:latin typeface="Courier"/>
               </a:rPr>
               <a:t>  </a:t>
             </a:r>
             <a:br/>
             <a:r>
-              <a:rPr>
+              <a:rPr sz="1800">
                 <a:latin typeface="Courier"/>
               </a:rPr>
               <a:t>}</a:t>
             </a:r>
           </a:p>
           <a:p>
-            <a:pPr lvl="0" indent="0">
+            <a:pPr lvl="0" marL="1270000" indent="0">
               <a:buNone/>
             </a:pPr>
             <a:r>
-              <a:rPr>
+              <a:rPr sz="1800">
                 <a:latin typeface="Courier"/>
               </a:rPr>
               <a:t>## [1] "Welcome!"</a:t>
@@ -5070,7 +5070,7 @@
               <a:t>Try filling in the practice to compute the correct summary statistic (</a:t>
             </a:r>
             <a:r>
-              <a:rPr>
+              <a:rPr sz="1800">
                 <a:latin typeface="Courier"/>
               </a:rPr>
               <a:t>mean</a:t>
@@ -5080,7 +5080,7 @@
               <a:t> or </a:t>
             </a:r>
             <a:r>
-              <a:rPr>
+              <a:rPr sz="1800">
                 <a:latin typeface="Courier"/>
               </a:rPr>
               <a:t>median</a:t>
@@ -5090,7 +5090,7 @@
               <a:t>) on the variable </a:t>
             </a:r>
             <a:r>
-              <a:rPr>
+              <a:rPr sz="1800">
                 <a:latin typeface="Courier"/>
               </a:rPr>
               <a:t>cchic$urea</a:t>
@@ -5100,7 +5100,7 @@
               <a:t>. Use </a:t>
             </a:r>
             <a:r>
-              <a:rPr>
+              <a:rPr sz="1800">
                 <a:latin typeface="Courier"/>
               </a:rPr>
               <a:t>print</a:t>
@@ -5194,17 +5194,17 @@
           <a:bodyPr/>
           <a:lstStyle/>
           <a:p>
-            <a:pPr lvl="0" indent="0">
+            <a:pPr lvl="0" marL="1270000" indent="0">
               <a:buNone/>
             </a:pPr>
             <a:r>
-              <a:rPr>
+              <a:rPr sz="1800">
                 <a:latin typeface="Courier"/>
               </a:rPr>
               <a:t>username &lt;-</a:t>
             </a:r>
             <a:r>
-              <a:rPr>
+              <a:rPr sz="1800">
                 <a:solidFill>
                   <a:srgbClr val="4070A0"/>
                 </a:solidFill>
@@ -5215,7 +5215,7 @@
             <a:br/>
             <a:br/>
             <a:r>
-              <a:rPr b="1">
+              <a:rPr sz="1800" b="1">
                 <a:solidFill>
                   <a:srgbClr val="007020"/>
                 </a:solidFill>
@@ -5224,13 +5224,13 @@
               <a:t>if</a:t>
             </a:r>
             <a:r>
-              <a:rPr>
+              <a:rPr sz="1800">
                 <a:latin typeface="Courier"/>
               </a:rPr>
               <a:t>(username </a:t>
             </a:r>
             <a:r>
-              <a:rPr>
+              <a:rPr sz="1800">
                 <a:solidFill>
                   <a:srgbClr val="666666"/>
                 </a:solidFill>
@@ -5239,7 +5239,7 @@
               <a:t>==</a:t>
             </a:r>
             <a:r>
-              <a:rPr>
+              <a:rPr sz="1800">
                 <a:solidFill>
                   <a:srgbClr val="4070A0"/>
                 </a:solidFill>
@@ -5248,27 +5248,27 @@
               <a:t> "the1andonly"</a:t>
             </a:r>
             <a:r>
-              <a:rPr>
+              <a:rPr sz="1800">
                 <a:latin typeface="Courier"/>
               </a:rPr>
               <a:t>){</a:t>
             </a:r>
             <a:br/>
             <a:r>
-              <a:rPr>
+              <a:rPr sz="1800">
                 <a:latin typeface="Courier"/>
               </a:rPr>
               <a:t>  </a:t>
             </a:r>
             <a:br/>
             <a:r>
-              <a:rPr>
+              <a:rPr sz="1800">
                 <a:latin typeface="Courier"/>
               </a:rPr>
               <a:t>  </a:t>
             </a:r>
             <a:r>
-              <a:rPr b="1">
+              <a:rPr sz="1800" b="1">
                 <a:solidFill>
                   <a:srgbClr val="007020"/>
                 </a:solidFill>
@@ -5277,13 +5277,13 @@
               <a:t>print</a:t>
             </a:r>
             <a:r>
-              <a:rPr>
+              <a:rPr sz="1800">
                 <a:latin typeface="Courier"/>
               </a:rPr>
               <a:t>(</a:t>
             </a:r>
             <a:r>
-              <a:rPr>
+              <a:rPr sz="1800">
                 <a:solidFill>
                   <a:srgbClr val="4070A0"/>
                 </a:solidFill>
@@ -5292,27 +5292,27 @@
               <a:t>"Welcome!"</a:t>
             </a:r>
             <a:r>
-              <a:rPr>
+              <a:rPr sz="1800">
                 <a:latin typeface="Courier"/>
               </a:rPr>
               <a:t>)</a:t>
             </a:r>
             <a:br/>
             <a:r>
-              <a:rPr>
+              <a:rPr sz="1800">
                 <a:latin typeface="Courier"/>
               </a:rPr>
               <a:t>  </a:t>
             </a:r>
             <a:br/>
             <a:r>
-              <a:rPr>
+              <a:rPr sz="1800">
                 <a:latin typeface="Courier"/>
               </a:rPr>
               <a:t>}</a:t>
             </a:r>
             <a:r>
-              <a:rPr b="1">
+              <a:rPr sz="1800" b="1">
                 <a:solidFill>
                   <a:srgbClr val="007020"/>
                 </a:solidFill>
@@ -5321,27 +5321,27 @@
               <a:t>else</a:t>
             </a:r>
             <a:r>
-              <a:rPr>
+              <a:rPr sz="1800">
                 <a:latin typeface="Courier"/>
               </a:rPr>
               <a:t>{</a:t>
             </a:r>
             <a:br/>
             <a:r>
-              <a:rPr>
+              <a:rPr sz="1800">
                 <a:latin typeface="Courier"/>
               </a:rPr>
               <a:t>  </a:t>
             </a:r>
             <a:br/>
             <a:r>
-              <a:rPr>
+              <a:rPr sz="1800">
                 <a:latin typeface="Courier"/>
               </a:rPr>
               <a:t>  </a:t>
             </a:r>
             <a:r>
-              <a:rPr b="1">
+              <a:rPr sz="1800" b="1">
                 <a:solidFill>
                   <a:srgbClr val="007020"/>
                 </a:solidFill>
@@ -5350,13 +5350,13 @@
               <a:t>print</a:t>
             </a:r>
             <a:r>
-              <a:rPr>
+              <a:rPr sz="1800">
                 <a:latin typeface="Courier"/>
               </a:rPr>
               <a:t>(</a:t>
             </a:r>
             <a:r>
-              <a:rPr b="1">
+              <a:rPr sz="1800" b="1">
                 <a:solidFill>
                   <a:srgbClr val="007020"/>
                 </a:solidFill>
@@ -5365,13 +5365,13 @@
               <a:t>paste</a:t>
             </a:r>
             <a:r>
-              <a:rPr>
+              <a:rPr sz="1800">
                 <a:latin typeface="Courier"/>
               </a:rPr>
               <a:t>(</a:t>
             </a:r>
             <a:r>
-              <a:rPr>
+              <a:rPr sz="1800">
                 <a:solidFill>
                   <a:srgbClr val="4070A0"/>
                 </a:solidFill>
@@ -5380,32 +5380,32 @@
               <a:t>"Intruder alert! Move away from the machine"</a:t>
             </a:r>
             <a:r>
-              <a:rPr>
+              <a:rPr sz="1800">
                 <a:latin typeface="Courier"/>
               </a:rPr>
               <a:t>, username))</a:t>
             </a:r>
             <a:br/>
             <a:r>
-              <a:rPr>
+              <a:rPr sz="1800">
                 <a:latin typeface="Courier"/>
               </a:rPr>
               <a:t>  </a:t>
             </a:r>
             <a:br/>
             <a:r>
-              <a:rPr>
+              <a:rPr sz="1800">
                 <a:latin typeface="Courier"/>
               </a:rPr>
               <a:t>}</a:t>
             </a:r>
           </a:p>
           <a:p>
-            <a:pPr lvl="0" indent="0">
+            <a:pPr lvl="0" marL="1270000" indent="0">
               <a:buNone/>
             </a:pPr>
             <a:r>
-              <a:rPr>
+              <a:rPr sz="1800">
                 <a:latin typeface="Courier"/>
               </a:rPr>
               <a:t>## [1] "Intruder alert! Move away from the machine David"</a:t>
@@ -5495,11 +5495,11 @@
           <a:bodyPr/>
           <a:lstStyle/>
           <a:p>
-            <a:pPr lvl="0" indent="0">
+            <a:pPr lvl="0" marL="1270000" indent="0">
               <a:buNone/>
             </a:pPr>
             <a:r>
-              <a:rPr b="1">
+              <a:rPr sz="1800" b="1">
                 <a:solidFill>
                   <a:srgbClr val="007020"/>
                 </a:solidFill>
@@ -5508,13 +5508,13 @@
               <a:t>ggplot</a:t>
             </a:r>
             <a:r>
-              <a:rPr>
+              <a:rPr sz="1800">
                 <a:latin typeface="Courier"/>
               </a:rPr>
               <a:t>(</a:t>
             </a:r>
             <a:r>
-              <a:rPr>
+              <a:rPr sz="1800">
                 <a:solidFill>
                   <a:srgbClr val="902000"/>
                 </a:solidFill>
@@ -5523,13 +5523,13 @@
               <a:t>data =</a:t>
             </a:r>
             <a:r>
-              <a:rPr>
+              <a:rPr sz="1800">
                 <a:latin typeface="Courier"/>
               </a:rPr>
               <a:t> cchic) </a:t>
             </a:r>
             <a:r>
-              <a:rPr>
+              <a:rPr sz="1800">
                 <a:solidFill>
                   <a:srgbClr val="666666"/>
                 </a:solidFill>
@@ -5538,7 +5538,7 @@
               <a:t>+</a:t>
             </a:r>
             <a:r>
-              <a:rPr>
+              <a:rPr sz="1800">
                 <a:solidFill>
                   <a:srgbClr val="4070A0"/>
                 </a:solidFill>
@@ -5548,7 +5548,7 @@
             </a:r>
             <a:br/>
             <a:r>
-              <a:rPr>
+              <a:rPr sz="1800">
                 <a:solidFill>
                   <a:srgbClr val="4070A0"/>
                 </a:solidFill>
@@ -5557,7 +5557,7 @@
               <a:t>  </a:t>
             </a:r>
             <a:r>
-              <a:rPr b="1">
+              <a:rPr sz="1800" b="1">
                 <a:solidFill>
                   <a:srgbClr val="007020"/>
                 </a:solidFill>
@@ -5566,13 +5566,13 @@
               <a:t>geom_histogram</a:t>
             </a:r>
             <a:r>
-              <a:rPr>
+              <a:rPr sz="1800">
                 <a:latin typeface="Courier"/>
               </a:rPr>
               <a:t>(</a:t>
             </a:r>
             <a:r>
-              <a:rPr b="1">
+              <a:rPr sz="1800" b="1">
                 <a:solidFill>
                   <a:srgbClr val="007020"/>
                 </a:solidFill>
@@ -5581,13 +5581,13 @@
               <a:t>aes</a:t>
             </a:r>
             <a:r>
-              <a:rPr>
+              <a:rPr sz="1800">
                 <a:latin typeface="Courier"/>
               </a:rPr>
               <a:t>(</a:t>
             </a:r>
             <a:r>
-              <a:rPr>
+              <a:rPr sz="1800">
                 <a:solidFill>
                   <a:srgbClr val="902000"/>
                 </a:solidFill>
@@ -5596,13 +5596,13 @@
               <a:t>x =</a:t>
             </a:r>
             <a:r>
-              <a:rPr>
+              <a:rPr sz="1800">
                 <a:latin typeface="Courier"/>
               </a:rPr>
               <a:t> urea), </a:t>
             </a:r>
             <a:r>
-              <a:rPr>
+              <a:rPr sz="1800">
                 <a:solidFill>
                   <a:srgbClr val="902000"/>
                 </a:solidFill>
@@ -5611,13 +5611,13 @@
               <a:t>bins =</a:t>
             </a:r>
             <a:r>
-              <a:rPr>
-                <a:latin typeface="Courier"/>
-              </a:rPr>
-              <a:t> </a:t>
-            </a:r>
-            <a:r>
-              <a:rPr>
+              <a:rPr sz="1800">
+                <a:latin typeface="Courier"/>
+              </a:rPr>
+              <a:t> </a:t>
+            </a:r>
+            <a:r>
+              <a:rPr sz="1800">
                 <a:solidFill>
                   <a:srgbClr val="40A070"/>
                 </a:solidFill>
@@ -5626,18 +5626,18 @@
               <a:t>30</a:t>
             </a:r>
             <a:r>
-              <a:rPr>
+              <a:rPr sz="1800">
                 <a:latin typeface="Courier"/>
               </a:rPr>
               <a:t>)</a:t>
             </a:r>
           </a:p>
           <a:p>
-            <a:pPr lvl="0" indent="0">
+            <a:pPr lvl="0" marL="1270000" indent="0">
               <a:buNone/>
             </a:pPr>
             <a:r>
-              <a:rPr>
+              <a:rPr sz="1800">
                 <a:latin typeface="Courier"/>
               </a:rPr>
               <a:t>## Warning: Removed 542 rows containing non-finite values (stat_bin).</a:t>
@@ -5745,17 +5745,17 @@
             </a:pPr>
           </a:p>
           <a:p>
-            <a:pPr lvl="0" indent="0">
+            <a:pPr lvl="0" marL="1270000" indent="0">
               <a:buNone/>
             </a:pPr>
             <a:r>
-              <a:rPr>
+              <a:rPr sz="1800">
                 <a:latin typeface="Courier"/>
               </a:rPr>
               <a:t>normal &lt;-</a:t>
             </a:r>
             <a:r>
-              <a:rPr>
+              <a:rPr sz="1800">
                 <a:solidFill>
                   <a:srgbClr val="4070A0"/>
                 </a:solidFill>
@@ -5764,7 +5764,7 @@
               <a:t> </a:t>
             </a:r>
             <a:r>
-              <a:rPr>
+              <a:rPr sz="1800">
                 <a:solidFill>
                   <a:srgbClr val="007020"/>
                 </a:solidFill>
@@ -5775,7 +5775,7 @@
             <a:br/>
             <a:br/>
             <a:r>
-              <a:rPr b="1">
+              <a:rPr sz="1800" b="1">
                 <a:solidFill>
                   <a:srgbClr val="007020"/>
                 </a:solidFill>
@@ -5784,13 +5784,13 @@
               <a:t>if</a:t>
             </a:r>
             <a:r>
-              <a:rPr>
+              <a:rPr sz="1800">
                 <a:latin typeface="Courier"/>
               </a:rPr>
               <a:t>(normal </a:t>
             </a:r>
             <a:r>
-              <a:rPr>
+              <a:rPr sz="1800">
                 <a:solidFill>
                   <a:srgbClr val="666666"/>
                 </a:solidFill>
@@ -5799,7 +5799,7 @@
               <a:t>==</a:t>
             </a:r>
             <a:r>
-              <a:rPr>
+              <a:rPr sz="1800">
                 <a:solidFill>
                   <a:srgbClr val="4070A0"/>
                 </a:solidFill>
@@ -5808,7 +5808,7 @@
               <a:t> </a:t>
             </a:r>
             <a:r>
-              <a:rPr>
+              <a:rPr sz="1800">
                 <a:solidFill>
                   <a:srgbClr val="007020"/>
                 </a:solidFill>
@@ -5817,27 +5817,27 @@
               <a:t>TRUE</a:t>
             </a:r>
             <a:r>
-              <a:rPr>
+              <a:rPr sz="1800">
                 <a:latin typeface="Courier"/>
               </a:rPr>
               <a:t>){</a:t>
             </a:r>
             <a:br/>
             <a:r>
-              <a:rPr>
+              <a:rPr sz="1800">
                 <a:latin typeface="Courier"/>
               </a:rPr>
               <a:t>  </a:t>
             </a:r>
             <a:br/>
             <a:r>
-              <a:rPr>
+              <a:rPr sz="1800">
                 <a:latin typeface="Courier"/>
               </a:rPr>
               <a:t>  </a:t>
             </a:r>
             <a:r>
-              <a:rPr b="1">
+              <a:rPr sz="1800" b="1">
                 <a:solidFill>
                   <a:srgbClr val="007020"/>
                 </a:solidFill>
@@ -5846,13 +5846,13 @@
               <a:t>print</a:t>
             </a:r>
             <a:r>
-              <a:rPr>
+              <a:rPr sz="1800">
                 <a:latin typeface="Courier"/>
               </a:rPr>
               <a:t>(</a:t>
             </a:r>
             <a:r>
-              <a:rPr b="1">
+              <a:rPr sz="1800" b="1">
                 <a:solidFill>
                   <a:srgbClr val="007020"/>
                 </a:solidFill>
@@ -5861,13 +5861,13 @@
               <a:t>mean</a:t>
             </a:r>
             <a:r>
-              <a:rPr>
+              <a:rPr sz="1800">
                 <a:latin typeface="Courier"/>
               </a:rPr>
               <a:t>(cchic</a:t>
             </a:r>
             <a:r>
-              <a:rPr>
+              <a:rPr sz="1800">
                 <a:solidFill>
                   <a:srgbClr val="666666"/>
                 </a:solidFill>
@@ -5876,13 +5876,13 @@
               <a:t>$</a:t>
             </a:r>
             <a:r>
-              <a:rPr>
+              <a:rPr sz="1800">
                 <a:latin typeface="Courier"/>
               </a:rPr>
               <a:t>urea, </a:t>
             </a:r>
             <a:r>
-              <a:rPr>
+              <a:rPr sz="1800">
                 <a:solidFill>
                   <a:srgbClr val="902000"/>
                 </a:solidFill>
@@ -5891,27 +5891,27 @@
               <a:t>na.rm =</a:t>
             </a:r>
             <a:r>
-              <a:rPr>
+              <a:rPr sz="1800">
                 <a:latin typeface="Courier"/>
               </a:rPr>
               <a:t> T))</a:t>
             </a:r>
             <a:br/>
             <a:r>
-              <a:rPr>
+              <a:rPr sz="1800">
                 <a:latin typeface="Courier"/>
               </a:rPr>
               <a:t>  </a:t>
             </a:r>
             <a:br/>
             <a:r>
-              <a:rPr>
+              <a:rPr sz="1800">
                 <a:latin typeface="Courier"/>
               </a:rPr>
               <a:t>}</a:t>
             </a:r>
             <a:r>
-              <a:rPr b="1">
+              <a:rPr sz="1800" b="1">
                 <a:solidFill>
                   <a:srgbClr val="007020"/>
                 </a:solidFill>
@@ -5920,27 +5920,27 @@
               <a:t>else</a:t>
             </a:r>
             <a:r>
-              <a:rPr>
+              <a:rPr sz="1800">
                 <a:latin typeface="Courier"/>
               </a:rPr>
               <a:t>{</a:t>
             </a:r>
             <a:br/>
             <a:r>
-              <a:rPr>
+              <a:rPr sz="1800">
                 <a:latin typeface="Courier"/>
               </a:rPr>
               <a:t>  </a:t>
             </a:r>
             <a:br/>
             <a:r>
-              <a:rPr>
+              <a:rPr sz="1800">
                 <a:latin typeface="Courier"/>
               </a:rPr>
               <a:t>  </a:t>
             </a:r>
             <a:r>
-              <a:rPr b="1">
+              <a:rPr sz="1800" b="1">
                 <a:solidFill>
                   <a:srgbClr val="007020"/>
                 </a:solidFill>
@@ -5949,13 +5949,13 @@
               <a:t>print</a:t>
             </a:r>
             <a:r>
-              <a:rPr>
+              <a:rPr sz="1800">
                 <a:latin typeface="Courier"/>
               </a:rPr>
               <a:t>(</a:t>
             </a:r>
             <a:r>
-              <a:rPr b="1">
+              <a:rPr sz="1800" b="1">
                 <a:solidFill>
                   <a:srgbClr val="007020"/>
                 </a:solidFill>
@@ -5964,13 +5964,13 @@
               <a:t>median</a:t>
             </a:r>
             <a:r>
-              <a:rPr>
+              <a:rPr sz="1800">
                 <a:latin typeface="Courier"/>
               </a:rPr>
               <a:t>(cchic</a:t>
             </a:r>
             <a:r>
-              <a:rPr>
+              <a:rPr sz="1800">
                 <a:solidFill>
                   <a:srgbClr val="666666"/>
                 </a:solidFill>
@@ -5979,13 +5979,13 @@
               <a:t>$</a:t>
             </a:r>
             <a:r>
-              <a:rPr>
+              <a:rPr sz="1800">
                 <a:latin typeface="Courier"/>
               </a:rPr>
               <a:t>urea, </a:t>
             </a:r>
             <a:r>
-              <a:rPr>
+              <a:rPr sz="1800">
                 <a:solidFill>
                   <a:srgbClr val="902000"/>
                 </a:solidFill>
@@ -5994,32 +5994,32 @@
               <a:t>na.rm =</a:t>
             </a:r>
             <a:r>
-              <a:rPr>
+              <a:rPr sz="1800">
                 <a:latin typeface="Courier"/>
               </a:rPr>
               <a:t> T))</a:t>
             </a:r>
             <a:br/>
             <a:r>
-              <a:rPr>
+              <a:rPr sz="1800">
                 <a:latin typeface="Courier"/>
               </a:rPr>
               <a:t>  </a:t>
             </a:r>
             <a:br/>
             <a:r>
-              <a:rPr>
+              <a:rPr sz="1800">
                 <a:latin typeface="Courier"/>
               </a:rPr>
               <a:t>}</a:t>
             </a:r>
           </a:p>
           <a:p>
-            <a:pPr lvl="0" indent="0">
+            <a:pPr lvl="0" marL="1270000" indent="0">
               <a:buNone/>
             </a:pPr>
             <a:r>
-              <a:rPr>
+              <a:rPr sz="1800">
                 <a:latin typeface="Courier"/>
               </a:rPr>
               <a:t>## [1] 6.1</a:t>
@@ -6130,7 +6130,7 @@
               <a:t>Here, we can string together multiple (as many as you like) </a:t>
             </a:r>
             <a:r>
-              <a:rPr>
+              <a:rPr sz="1800">
                 <a:latin typeface="Courier"/>
               </a:rPr>
               <a:t>else if</a:t>
@@ -6224,17 +6224,17 @@
           <a:bodyPr/>
           <a:lstStyle/>
           <a:p>
-            <a:pPr lvl="0" indent="0">
+            <a:pPr lvl="0" marL="1270000" indent="0">
               <a:buNone/>
             </a:pPr>
             <a:r>
-              <a:rPr>
+              <a:rPr sz="1800">
                 <a:latin typeface="Courier"/>
               </a:rPr>
               <a:t>mean_urea &lt;-</a:t>
             </a:r>
             <a:r>
-              <a:rPr>
+              <a:rPr sz="1800">
                 <a:solidFill>
                   <a:srgbClr val="4070A0"/>
                 </a:solidFill>
@@ -6243,7 +6243,7 @@
               <a:t> </a:t>
             </a:r>
             <a:r>
-              <a:rPr b="1">
+              <a:rPr sz="1800" b="1">
                 <a:solidFill>
                   <a:srgbClr val="007020"/>
                 </a:solidFill>
@@ -6252,13 +6252,13 @@
               <a:t>mean</a:t>
             </a:r>
             <a:r>
-              <a:rPr>
+              <a:rPr sz="1800">
                 <a:latin typeface="Courier"/>
               </a:rPr>
               <a:t>(cchic</a:t>
             </a:r>
             <a:r>
-              <a:rPr>
+              <a:rPr sz="1800">
                 <a:solidFill>
                   <a:srgbClr val="666666"/>
                 </a:solidFill>
@@ -6267,13 +6267,13 @@
               <a:t>$</a:t>
             </a:r>
             <a:r>
-              <a:rPr>
+              <a:rPr sz="1800">
                 <a:latin typeface="Courier"/>
               </a:rPr>
               <a:t>urea, </a:t>
             </a:r>
             <a:r>
-              <a:rPr>
+              <a:rPr sz="1800">
                 <a:solidFill>
                   <a:srgbClr val="902000"/>
                 </a:solidFill>
@@ -6282,20 +6282,20 @@
               <a:t>na.rm =</a:t>
             </a:r>
             <a:r>
-              <a:rPr>
+              <a:rPr sz="1800">
                 <a:latin typeface="Courier"/>
               </a:rPr>
               <a:t> T)</a:t>
             </a:r>
             <a:br/>
             <a:r>
-              <a:rPr>
+              <a:rPr sz="1800">
                 <a:latin typeface="Courier"/>
               </a:rPr>
               <a:t>median_urea &lt;-</a:t>
             </a:r>
             <a:r>
-              <a:rPr>
+              <a:rPr sz="1800">
                 <a:solidFill>
                   <a:srgbClr val="4070A0"/>
                 </a:solidFill>
@@ -6304,7 +6304,7 @@
               <a:t> </a:t>
             </a:r>
             <a:r>
-              <a:rPr b="1">
+              <a:rPr sz="1800" b="1">
                 <a:solidFill>
                   <a:srgbClr val="007020"/>
                 </a:solidFill>
@@ -6313,13 +6313,13 @@
               <a:t>median</a:t>
             </a:r>
             <a:r>
-              <a:rPr>
+              <a:rPr sz="1800">
                 <a:latin typeface="Courier"/>
               </a:rPr>
               <a:t>(cchic</a:t>
             </a:r>
             <a:r>
-              <a:rPr>
+              <a:rPr sz="1800">
                 <a:solidFill>
                   <a:srgbClr val="666666"/>
                 </a:solidFill>
@@ -6328,13 +6328,13 @@
               <a:t>$</a:t>
             </a:r>
             <a:r>
-              <a:rPr>
+              <a:rPr sz="1800">
                 <a:latin typeface="Courier"/>
               </a:rPr>
               <a:t>urea, </a:t>
             </a:r>
             <a:r>
-              <a:rPr>
+              <a:rPr sz="1800">
                 <a:solidFill>
                   <a:srgbClr val="902000"/>
                 </a:solidFill>
@@ -6343,7 +6343,7 @@
               <a:t>na.rm =</a:t>
             </a:r>
             <a:r>
-              <a:rPr>
+              <a:rPr sz="1800">
                 <a:latin typeface="Courier"/>
               </a:rPr>
               <a:t> T)</a:t>
@@ -6351,7 +6351,7 @@
             <a:br/>
             <a:br/>
             <a:r>
-              <a:rPr b="1">
+              <a:rPr sz="1800" b="1">
                 <a:solidFill>
                   <a:srgbClr val="007020"/>
                 </a:solidFill>
@@ -6360,13 +6360,13 @@
               <a:t>if</a:t>
             </a:r>
             <a:r>
-              <a:rPr>
+              <a:rPr sz="1800">
                 <a:latin typeface="Courier"/>
               </a:rPr>
               <a:t>(median_urea </a:t>
             </a:r>
             <a:r>
-              <a:rPr>
+              <a:rPr sz="1800">
                 <a:solidFill>
                   <a:srgbClr val="666666"/>
                 </a:solidFill>
@@ -6375,7 +6375,7 @@
               <a:t>&lt;</a:t>
             </a:r>
             <a:r>
-              <a:rPr>
+              <a:rPr sz="1800">
                 <a:solidFill>
                   <a:srgbClr val="4070A0"/>
                 </a:solidFill>
@@ -6384,27 +6384,27 @@
               <a:t> </a:t>
             </a:r>
             <a:r>
-              <a:rPr>
+              <a:rPr sz="1800">
                 <a:latin typeface="Courier"/>
               </a:rPr>
               <a:t>mean_urea){</a:t>
             </a:r>
             <a:br/>
             <a:r>
-              <a:rPr>
+              <a:rPr sz="1800">
                 <a:latin typeface="Courier"/>
               </a:rPr>
               <a:t>  </a:t>
             </a:r>
             <a:br/>
             <a:r>
-              <a:rPr>
+              <a:rPr sz="1800">
                 <a:latin typeface="Courier"/>
               </a:rPr>
               <a:t>  </a:t>
             </a:r>
             <a:r>
-              <a:rPr b="1">
+              <a:rPr sz="1800" b="1">
                 <a:solidFill>
                   <a:srgbClr val="007020"/>
                 </a:solidFill>
@@ -6413,13 +6413,13 @@
               <a:t>print</a:t>
             </a:r>
             <a:r>
-              <a:rPr>
+              <a:rPr sz="1800">
                 <a:latin typeface="Courier"/>
               </a:rPr>
               <a:t>(</a:t>
             </a:r>
             <a:r>
-              <a:rPr>
+              <a:rPr sz="1800">
                 <a:solidFill>
                   <a:srgbClr val="4070A0"/>
                 </a:solidFill>
@@ -6428,27 +6428,27 @@
               <a:t>"Data is negatively skewed"</a:t>
             </a:r>
             <a:r>
-              <a:rPr>
+              <a:rPr sz="1800">
                 <a:latin typeface="Courier"/>
               </a:rPr>
               <a:t>)</a:t>
             </a:r>
             <a:br/>
             <a:r>
-              <a:rPr>
+              <a:rPr sz="1800">
                 <a:latin typeface="Courier"/>
               </a:rPr>
               <a:t>  </a:t>
             </a:r>
             <a:br/>
             <a:r>
-              <a:rPr>
+              <a:rPr sz="1800">
                 <a:latin typeface="Courier"/>
               </a:rPr>
               <a:t>}</a:t>
             </a:r>
             <a:r>
-              <a:rPr b="1">
+              <a:rPr sz="1800" b="1">
                 <a:solidFill>
                   <a:srgbClr val="007020"/>
                 </a:solidFill>
@@ -6457,13 +6457,13 @@
               <a:t>else</a:t>
             </a:r>
             <a:r>
-              <a:rPr>
-                <a:latin typeface="Courier"/>
-              </a:rPr>
-              <a:t> </a:t>
-            </a:r>
-            <a:r>
-              <a:rPr b="1">
+              <a:rPr sz="1800">
+                <a:latin typeface="Courier"/>
+              </a:rPr>
+              <a:t> </a:t>
+            </a:r>
+            <a:r>
+              <a:rPr sz="1800" b="1">
                 <a:solidFill>
                   <a:srgbClr val="007020"/>
                 </a:solidFill>
@@ -6472,13 +6472,13 @@
               <a:t>if</a:t>
             </a:r>
             <a:r>
-              <a:rPr>
+              <a:rPr sz="1800">
                 <a:latin typeface="Courier"/>
               </a:rPr>
               <a:t>(median_urea </a:t>
             </a:r>
             <a:r>
-              <a:rPr>
+              <a:rPr sz="1800">
                 <a:solidFill>
                   <a:srgbClr val="666666"/>
                 </a:solidFill>
@@ -6487,7 +6487,7 @@
               <a:t>&gt;</a:t>
             </a:r>
             <a:r>
-              <a:rPr>
+              <a:rPr sz="1800">
                 <a:solidFill>
                   <a:srgbClr val="4070A0"/>
                 </a:solidFill>
@@ -6496,7 +6496,7 @@
               <a:t> </a:t>
             </a:r>
             <a:r>
-              <a:rPr>
+              <a:rPr sz="1800">
                 <a:latin typeface="Courier"/>
               </a:rPr>
               <a:t>mean_urea){</a:t>
@@ -6504,13 +6504,13 @@
             <a:br/>
             <a:br/>
             <a:r>
-              <a:rPr>
+              <a:rPr sz="1800">
                 <a:latin typeface="Courier"/>
               </a:rPr>
               <a:t>  </a:t>
             </a:r>
             <a:r>
-              <a:rPr b="1">
+              <a:rPr sz="1800" b="1">
                 <a:solidFill>
                   <a:srgbClr val="007020"/>
                 </a:solidFill>
@@ -6519,13 +6519,13 @@
               <a:t>print</a:t>
             </a:r>
             <a:r>
-              <a:rPr>
+              <a:rPr sz="1800">
                 <a:latin typeface="Courier"/>
               </a:rPr>
               <a:t>(</a:t>
             </a:r>
             <a:r>
-              <a:rPr>
+              <a:rPr sz="1800">
                 <a:solidFill>
                   <a:srgbClr val="4070A0"/>
                 </a:solidFill>
@@ -6534,27 +6534,27 @@
               <a:t>"Data is positively skewed"</a:t>
             </a:r>
             <a:r>
-              <a:rPr>
+              <a:rPr sz="1800">
                 <a:latin typeface="Courier"/>
               </a:rPr>
               <a:t>)</a:t>
             </a:r>
             <a:br/>
             <a:r>
-              <a:rPr>
+              <a:rPr sz="1800">
                 <a:latin typeface="Courier"/>
               </a:rPr>
               <a:t>  </a:t>
             </a:r>
             <a:br/>
             <a:r>
-              <a:rPr>
+              <a:rPr sz="1800">
                 <a:latin typeface="Courier"/>
               </a:rPr>
               <a:t>}</a:t>
             </a:r>
             <a:r>
-              <a:rPr b="1">
+              <a:rPr sz="1800" b="1">
                 <a:solidFill>
                   <a:srgbClr val="007020"/>
                 </a:solidFill>
@@ -6563,27 +6563,27 @@
               <a:t>else</a:t>
             </a:r>
             <a:r>
-              <a:rPr>
+              <a:rPr sz="1800">
                 <a:latin typeface="Courier"/>
               </a:rPr>
               <a:t>{</a:t>
             </a:r>
             <a:br/>
             <a:r>
-              <a:rPr>
+              <a:rPr sz="1800">
                 <a:latin typeface="Courier"/>
               </a:rPr>
               <a:t>  </a:t>
             </a:r>
             <a:br/>
             <a:r>
-              <a:rPr>
+              <a:rPr sz="1800">
                 <a:latin typeface="Courier"/>
               </a:rPr>
               <a:t>  </a:t>
             </a:r>
             <a:r>
-              <a:rPr b="1">
+              <a:rPr sz="1800" b="1">
                 <a:solidFill>
                   <a:srgbClr val="007020"/>
                 </a:solidFill>
@@ -6592,13 +6592,13 @@
               <a:t>print</a:t>
             </a:r>
             <a:r>
-              <a:rPr>
+              <a:rPr sz="1800">
                 <a:latin typeface="Courier"/>
               </a:rPr>
               <a:t>(</a:t>
             </a:r>
             <a:r>
-              <a:rPr>
+              <a:rPr sz="1800">
                 <a:solidFill>
                   <a:srgbClr val="4070A0"/>
                 </a:solidFill>
@@ -6607,32 +6607,32 @@
               <a:t>"Data is normally distributed"</a:t>
             </a:r>
             <a:r>
-              <a:rPr>
+              <a:rPr sz="1800">
                 <a:latin typeface="Courier"/>
               </a:rPr>
               <a:t>)</a:t>
             </a:r>
             <a:br/>
             <a:r>
-              <a:rPr>
+              <a:rPr sz="1800">
                 <a:latin typeface="Courier"/>
               </a:rPr>
               <a:t>  </a:t>
             </a:r>
             <a:br/>
             <a:r>
-              <a:rPr>
+              <a:rPr sz="1800">
                 <a:latin typeface="Courier"/>
               </a:rPr>
               <a:t>}</a:t>
             </a:r>
           </a:p>
           <a:p>
-            <a:pPr lvl="0" indent="0">
+            <a:pPr lvl="0" marL="1270000" indent="0">
               <a:buNone/>
             </a:pPr>
             <a:r>
-              <a:rPr>
+              <a:rPr sz="1800">
                 <a:latin typeface="Courier"/>
               </a:rPr>
               <a:t>## [1] "Data is negatively skewed"</a:t>
@@ -7011,11 +7011,11 @@
           <a:bodyPr/>
           <a:lstStyle/>
           <a:p>
-            <a:pPr lvl="0" indent="0">
+            <a:pPr lvl="0" marL="1270000" indent="0">
               <a:buNone/>
             </a:pPr>
             <a:r>
-              <a:rPr b="1">
+              <a:rPr sz="1800" b="1">
                 <a:solidFill>
                   <a:srgbClr val="007020"/>
                 </a:solidFill>
@@ -7024,13 +7024,13 @@
               <a:t>for</a:t>
             </a:r>
             <a:r>
-              <a:rPr>
+              <a:rPr sz="1800">
                 <a:latin typeface="Courier"/>
               </a:rPr>
               <a:t>(i </a:t>
             </a:r>
             <a:r>
-              <a:rPr b="1">
+              <a:rPr sz="1800" b="1">
                 <a:solidFill>
                   <a:srgbClr val="007020"/>
                 </a:solidFill>
@@ -7039,13 +7039,13 @@
               <a:t>in</a:t>
             </a:r>
             <a:r>
-              <a:rPr>
-                <a:latin typeface="Courier"/>
-              </a:rPr>
-              <a:t> </a:t>
-            </a:r>
-            <a:r>
-              <a:rPr>
+              <a:rPr sz="1800">
+                <a:latin typeface="Courier"/>
+              </a:rPr>
+              <a:t> </a:t>
+            </a:r>
+            <a:r>
+              <a:rPr sz="1800">
                 <a:solidFill>
                   <a:srgbClr val="40A070"/>
                 </a:solidFill>
@@ -7054,7 +7054,7 @@
               <a:t>1</a:t>
             </a:r>
             <a:r>
-              <a:rPr>
+              <a:rPr sz="1800">
                 <a:solidFill>
                   <a:srgbClr val="666666"/>
                 </a:solidFill>
@@ -7063,7 +7063,7 @@
               <a:t>:</a:t>
             </a:r>
             <a:r>
-              <a:rPr>
+              <a:rPr sz="1800">
                 <a:solidFill>
                   <a:srgbClr val="40A070"/>
                 </a:solidFill>
@@ -7072,27 +7072,27 @@
               <a:t>5</a:t>
             </a:r>
             <a:r>
-              <a:rPr>
+              <a:rPr sz="1800">
                 <a:latin typeface="Courier"/>
               </a:rPr>
               <a:t>){</a:t>
             </a:r>
             <a:br/>
             <a:r>
-              <a:rPr>
+              <a:rPr sz="1800">
                 <a:latin typeface="Courier"/>
               </a:rPr>
               <a:t>  </a:t>
             </a:r>
             <a:br/>
             <a:r>
-              <a:rPr>
+              <a:rPr sz="1800">
                 <a:latin typeface="Courier"/>
               </a:rPr>
               <a:t>  </a:t>
             </a:r>
             <a:r>
-              <a:rPr b="1">
+              <a:rPr sz="1800" b="1">
                 <a:solidFill>
                   <a:srgbClr val="007020"/>
                 </a:solidFill>
@@ -7101,32 +7101,32 @@
               <a:t>print</a:t>
             </a:r>
             <a:r>
-              <a:rPr>
+              <a:rPr sz="1800">
                 <a:latin typeface="Courier"/>
               </a:rPr>
               <a:t>(i)</a:t>
             </a:r>
             <a:br/>
             <a:r>
-              <a:rPr>
+              <a:rPr sz="1800">
                 <a:latin typeface="Courier"/>
               </a:rPr>
               <a:t>  </a:t>
             </a:r>
             <a:br/>
             <a:r>
-              <a:rPr>
+              <a:rPr sz="1800">
                 <a:latin typeface="Courier"/>
               </a:rPr>
               <a:t>}</a:t>
             </a:r>
           </a:p>
           <a:p>
-            <a:pPr lvl="0" indent="0">
+            <a:pPr lvl="0" marL="1270000" indent="0">
               <a:buNone/>
             </a:pPr>
             <a:r>
-              <a:rPr>
+              <a:rPr sz="1800">
                 <a:latin typeface="Courier"/>
               </a:rPr>
               <a:t>## [1] 1
@@ -7236,17 +7236,17 @@
           <a:bodyPr/>
           <a:lstStyle/>
           <a:p>
-            <a:pPr lvl="0" indent="0">
+            <a:pPr lvl="0" marL="1270000" indent="0">
               <a:buNone/>
             </a:pPr>
             <a:r>
-              <a:rPr>
+              <a:rPr sz="1800">
                 <a:latin typeface="Courier"/>
               </a:rPr>
               <a:t>x &lt;-</a:t>
             </a:r>
             <a:r>
-              <a:rPr>
+              <a:rPr sz="1800">
                 <a:solidFill>
                   <a:srgbClr val="4070A0"/>
                 </a:solidFill>
@@ -7255,7 +7255,7 @@
               <a:t> </a:t>
             </a:r>
             <a:r>
-              <a:rPr b="1">
+              <a:rPr sz="1800" b="1">
                 <a:solidFill>
                   <a:srgbClr val="007020"/>
                 </a:solidFill>
@@ -7264,13 +7264,13 @@
               <a:t>c</a:t>
             </a:r>
             <a:r>
-              <a:rPr>
+              <a:rPr sz="1800">
                 <a:latin typeface="Courier"/>
               </a:rPr>
               <a:t>(</a:t>
             </a:r>
             <a:r>
-              <a:rPr>
+              <a:rPr sz="1800">
                 <a:solidFill>
                   <a:srgbClr val="4070A0"/>
                 </a:solidFill>
@@ -7279,13 +7279,13 @@
               <a:t>"the"</a:t>
             </a:r>
             <a:r>
-              <a:rPr>
+              <a:rPr sz="1800">
                 <a:latin typeface="Courier"/>
               </a:rPr>
               <a:t>, </a:t>
             </a:r>
             <a:r>
-              <a:rPr>
+              <a:rPr sz="1800">
                 <a:solidFill>
                   <a:srgbClr val="4070A0"/>
                 </a:solidFill>
@@ -7294,13 +7294,13 @@
               <a:t>"classic"</a:t>
             </a:r>
             <a:r>
-              <a:rPr>
+              <a:rPr sz="1800">
                 <a:latin typeface="Courier"/>
               </a:rPr>
               <a:t>, </a:t>
             </a:r>
             <a:r>
-              <a:rPr>
+              <a:rPr sz="1800">
                 <a:solidFill>
                   <a:srgbClr val="4070A0"/>
                 </a:solidFill>
@@ -7309,13 +7309,13 @@
               <a:t>"hello"</a:t>
             </a:r>
             <a:r>
-              <a:rPr>
+              <a:rPr sz="1800">
                 <a:latin typeface="Courier"/>
               </a:rPr>
               <a:t>, </a:t>
             </a:r>
             <a:r>
-              <a:rPr>
+              <a:rPr sz="1800">
                 <a:solidFill>
                   <a:srgbClr val="4070A0"/>
                 </a:solidFill>
@@ -7324,13 +7324,13 @@
               <a:t>"world"</a:t>
             </a:r>
             <a:r>
-              <a:rPr>
+              <a:rPr sz="1800">
                 <a:latin typeface="Courier"/>
               </a:rPr>
               <a:t>, </a:t>
             </a:r>
             <a:r>
-              <a:rPr>
+              <a:rPr sz="1800">
                 <a:solidFill>
                   <a:srgbClr val="4070A0"/>
                 </a:solidFill>
@@ -7339,14 +7339,14 @@
               <a:t>"example"</a:t>
             </a:r>
             <a:r>
-              <a:rPr>
+              <a:rPr sz="1800">
                 <a:latin typeface="Courier"/>
               </a:rPr>
               <a:t>)</a:t>
             </a:r>
             <a:br/>
             <a:r>
-              <a:rPr b="1">
+              <a:rPr sz="1800" b="1">
                 <a:solidFill>
                   <a:srgbClr val="007020"/>
                 </a:solidFill>
@@ -7355,13 +7355,13 @@
               <a:t>print</a:t>
             </a:r>
             <a:r>
-              <a:rPr>
+              <a:rPr sz="1800">
                 <a:latin typeface="Courier"/>
               </a:rPr>
               <a:t>(x[</a:t>
             </a:r>
             <a:r>
-              <a:rPr>
+              <a:rPr sz="1800">
                 <a:solidFill>
                   <a:srgbClr val="40A070"/>
                 </a:solidFill>
@@ -7370,29 +7370,29 @@
               <a:t>1</a:t>
             </a:r>
             <a:r>
-              <a:rPr>
+              <a:rPr sz="1800">
                 <a:latin typeface="Courier"/>
               </a:rPr>
               <a:t>])</a:t>
             </a:r>
           </a:p>
           <a:p>
-            <a:pPr lvl="0" indent="0">
+            <a:pPr lvl="0" marL="1270000" indent="0">
               <a:buNone/>
             </a:pPr>
             <a:r>
-              <a:rPr>
+              <a:rPr sz="1800">
                 <a:latin typeface="Courier"/>
               </a:rPr>
               <a:t>## [1] "the"</a:t>
             </a:r>
           </a:p>
           <a:p>
-            <a:pPr lvl="0" indent="0">
+            <a:pPr lvl="0" marL="1270000" indent="0">
               <a:buNone/>
             </a:pPr>
             <a:r>
-              <a:rPr b="1">
+              <a:rPr sz="1800" b="1">
                 <a:solidFill>
                   <a:srgbClr val="007020"/>
                 </a:solidFill>
@@ -7401,13 +7401,13 @@
               <a:t>print</a:t>
             </a:r>
             <a:r>
-              <a:rPr>
+              <a:rPr sz="1800">
                 <a:latin typeface="Courier"/>
               </a:rPr>
               <a:t>(x[</a:t>
             </a:r>
             <a:r>
-              <a:rPr>
+              <a:rPr sz="1800">
                 <a:solidFill>
                   <a:srgbClr val="40A070"/>
                 </a:solidFill>
@@ -7416,29 +7416,29 @@
               <a:t>2</a:t>
             </a:r>
             <a:r>
-              <a:rPr>
+              <a:rPr sz="1800">
                 <a:latin typeface="Courier"/>
               </a:rPr>
               <a:t>])</a:t>
             </a:r>
           </a:p>
           <a:p>
-            <a:pPr lvl="0" indent="0">
+            <a:pPr lvl="0" marL="1270000" indent="0">
               <a:buNone/>
             </a:pPr>
             <a:r>
-              <a:rPr>
+              <a:rPr sz="1800">
                 <a:latin typeface="Courier"/>
               </a:rPr>
               <a:t>## [1] "classic"</a:t>
             </a:r>
           </a:p>
           <a:p>
-            <a:pPr lvl="0" indent="0">
+            <a:pPr lvl="0" marL="1270000" indent="0">
               <a:buNone/>
             </a:pPr>
             <a:r>
-              <a:rPr b="1">
+              <a:rPr sz="1800" b="1">
                 <a:solidFill>
                   <a:srgbClr val="007020"/>
                 </a:solidFill>
@@ -7447,13 +7447,13 @@
               <a:t>print</a:t>
             </a:r>
             <a:r>
-              <a:rPr>
+              <a:rPr sz="1800">
                 <a:latin typeface="Courier"/>
               </a:rPr>
               <a:t>(x[</a:t>
             </a:r>
             <a:r>
-              <a:rPr>
+              <a:rPr sz="1800">
                 <a:solidFill>
                   <a:srgbClr val="40A070"/>
                 </a:solidFill>
@@ -7462,29 +7462,29 @@
               <a:t>3</a:t>
             </a:r>
             <a:r>
-              <a:rPr>
+              <a:rPr sz="1800">
                 <a:latin typeface="Courier"/>
               </a:rPr>
               <a:t>])</a:t>
             </a:r>
           </a:p>
           <a:p>
-            <a:pPr lvl="0" indent="0">
+            <a:pPr lvl="0" marL="1270000" indent="0">
               <a:buNone/>
             </a:pPr>
             <a:r>
-              <a:rPr>
+              <a:rPr sz="1800">
                 <a:latin typeface="Courier"/>
               </a:rPr>
               <a:t>## [1] "hello"</a:t>
             </a:r>
           </a:p>
           <a:p>
-            <a:pPr lvl="0" indent="0">
+            <a:pPr lvl="0" marL="1270000" indent="0">
               <a:buNone/>
             </a:pPr>
             <a:r>
-              <a:rPr b="1">
+              <a:rPr sz="1800" b="1">
                 <a:solidFill>
                   <a:srgbClr val="007020"/>
                 </a:solidFill>
@@ -7493,13 +7493,13 @@
               <a:t>print</a:t>
             </a:r>
             <a:r>
-              <a:rPr>
+              <a:rPr sz="1800">
                 <a:latin typeface="Courier"/>
               </a:rPr>
               <a:t>(x[</a:t>
             </a:r>
             <a:r>
-              <a:rPr>
+              <a:rPr sz="1800">
                 <a:solidFill>
                   <a:srgbClr val="40A070"/>
                 </a:solidFill>
@@ -7508,29 +7508,29 @@
               <a:t>4</a:t>
             </a:r>
             <a:r>
-              <a:rPr>
+              <a:rPr sz="1800">
                 <a:latin typeface="Courier"/>
               </a:rPr>
               <a:t>])</a:t>
             </a:r>
           </a:p>
           <a:p>
-            <a:pPr lvl="0" indent="0">
+            <a:pPr lvl="0" marL="1270000" indent="0">
               <a:buNone/>
             </a:pPr>
             <a:r>
-              <a:rPr>
+              <a:rPr sz="1800">
                 <a:latin typeface="Courier"/>
               </a:rPr>
               <a:t>## [1] "world"</a:t>
             </a:r>
           </a:p>
           <a:p>
-            <a:pPr lvl="0" indent="0">
+            <a:pPr lvl="0" marL="1270000" indent="0">
               <a:buNone/>
             </a:pPr>
             <a:r>
-              <a:rPr b="1">
+              <a:rPr sz="1800" b="1">
                 <a:solidFill>
                   <a:srgbClr val="007020"/>
                 </a:solidFill>
@@ -7539,13 +7539,13 @@
               <a:t>print</a:t>
             </a:r>
             <a:r>
-              <a:rPr>
+              <a:rPr sz="1800">
                 <a:latin typeface="Courier"/>
               </a:rPr>
               <a:t>(x[</a:t>
             </a:r>
             <a:r>
-              <a:rPr>
+              <a:rPr sz="1800">
                 <a:solidFill>
                   <a:srgbClr val="40A070"/>
                 </a:solidFill>
@@ -7554,18 +7554,18 @@
               <a:t>5</a:t>
             </a:r>
             <a:r>
-              <a:rPr>
+              <a:rPr sz="1800">
                 <a:latin typeface="Courier"/>
               </a:rPr>
               <a:t>])</a:t>
             </a:r>
           </a:p>
           <a:p>
-            <a:pPr lvl="0" indent="0">
+            <a:pPr lvl="0" marL="1270000" indent="0">
               <a:buNone/>
             </a:pPr>
             <a:r>
-              <a:rPr>
+              <a:rPr sz="1800">
                 <a:latin typeface="Courier"/>
               </a:rPr>
               <a:t>## [1] "example"</a:t>
@@ -7671,17 +7671,17 @@
           <a:bodyPr/>
           <a:lstStyle/>
           <a:p>
-            <a:pPr lvl="0" indent="0">
+            <a:pPr lvl="0" marL="1270000" indent="0">
               <a:buNone/>
             </a:pPr>
             <a:r>
-              <a:rPr>
+              <a:rPr sz="1800">
                 <a:latin typeface="Courier"/>
               </a:rPr>
               <a:t>x &lt;-</a:t>
             </a:r>
             <a:r>
-              <a:rPr>
+              <a:rPr sz="1800">
                 <a:solidFill>
                   <a:srgbClr val="4070A0"/>
                 </a:solidFill>
@@ -7690,7 +7690,7 @@
               <a:t> </a:t>
             </a:r>
             <a:r>
-              <a:rPr b="1">
+              <a:rPr sz="1800" b="1">
                 <a:solidFill>
                   <a:srgbClr val="007020"/>
                 </a:solidFill>
@@ -7699,13 +7699,13 @@
               <a:t>c</a:t>
             </a:r>
             <a:r>
-              <a:rPr>
+              <a:rPr sz="1800">
                 <a:latin typeface="Courier"/>
               </a:rPr>
               <a:t>(</a:t>
             </a:r>
             <a:r>
-              <a:rPr>
+              <a:rPr sz="1800">
                 <a:solidFill>
                   <a:srgbClr val="4070A0"/>
                 </a:solidFill>
@@ -7714,13 +7714,13 @@
               <a:t>"the"</a:t>
             </a:r>
             <a:r>
-              <a:rPr>
+              <a:rPr sz="1800">
                 <a:latin typeface="Courier"/>
               </a:rPr>
               <a:t>, </a:t>
             </a:r>
             <a:r>
-              <a:rPr>
+              <a:rPr sz="1800">
                 <a:solidFill>
                   <a:srgbClr val="4070A0"/>
                 </a:solidFill>
@@ -7729,13 +7729,13 @@
               <a:t>"classic"</a:t>
             </a:r>
             <a:r>
-              <a:rPr>
+              <a:rPr sz="1800">
                 <a:latin typeface="Courier"/>
               </a:rPr>
               <a:t>, </a:t>
             </a:r>
             <a:r>
-              <a:rPr>
+              <a:rPr sz="1800">
                 <a:solidFill>
                   <a:srgbClr val="4070A0"/>
                 </a:solidFill>
@@ -7744,13 +7744,13 @@
               <a:t>"hello"</a:t>
             </a:r>
             <a:r>
-              <a:rPr>
+              <a:rPr sz="1800">
                 <a:latin typeface="Courier"/>
               </a:rPr>
               <a:t>, </a:t>
             </a:r>
             <a:r>
-              <a:rPr>
+              <a:rPr sz="1800">
                 <a:solidFill>
                   <a:srgbClr val="4070A0"/>
                 </a:solidFill>
@@ -7759,13 +7759,13 @@
               <a:t>"world"</a:t>
             </a:r>
             <a:r>
-              <a:rPr>
+              <a:rPr sz="1800">
                 <a:latin typeface="Courier"/>
               </a:rPr>
               <a:t>, </a:t>
             </a:r>
             <a:r>
-              <a:rPr>
+              <a:rPr sz="1800">
                 <a:solidFill>
                   <a:srgbClr val="4070A0"/>
                 </a:solidFill>
@@ -7774,7 +7774,7 @@
               <a:t>"example"</a:t>
             </a:r>
             <a:r>
-              <a:rPr>
+              <a:rPr sz="1800">
                 <a:latin typeface="Courier"/>
               </a:rPr>
               <a:t>)</a:t>
@@ -7782,7 +7782,7 @@
             <a:br/>
             <a:br/>
             <a:r>
-              <a:rPr b="1">
+              <a:rPr sz="1800" b="1">
                 <a:solidFill>
                   <a:srgbClr val="007020"/>
                 </a:solidFill>
@@ -7791,13 +7791,13 @@
               <a:t>for</a:t>
             </a:r>
             <a:r>
-              <a:rPr>
+              <a:rPr sz="1800">
                 <a:latin typeface="Courier"/>
               </a:rPr>
               <a:t>(i </a:t>
             </a:r>
             <a:r>
-              <a:rPr b="1">
+              <a:rPr sz="1800" b="1">
                 <a:solidFill>
                   <a:srgbClr val="007020"/>
                 </a:solidFill>
@@ -7806,13 +7806,13 @@
               <a:t>in</a:t>
             </a:r>
             <a:r>
-              <a:rPr>
-                <a:latin typeface="Courier"/>
-              </a:rPr>
-              <a:t> </a:t>
-            </a:r>
-            <a:r>
-              <a:rPr>
+              <a:rPr sz="1800">
+                <a:latin typeface="Courier"/>
+              </a:rPr>
+              <a:t> </a:t>
+            </a:r>
+            <a:r>
+              <a:rPr sz="1800">
                 <a:solidFill>
                   <a:srgbClr val="40A070"/>
                 </a:solidFill>
@@ -7821,7 +7821,7 @@
               <a:t>1</a:t>
             </a:r>
             <a:r>
-              <a:rPr>
+              <a:rPr sz="1800">
                 <a:solidFill>
                   <a:srgbClr val="666666"/>
                 </a:solidFill>
@@ -7830,7 +7830,7 @@
               <a:t>:</a:t>
             </a:r>
             <a:r>
-              <a:rPr>
+              <a:rPr sz="1800">
                 <a:solidFill>
                   <a:srgbClr val="40A070"/>
                 </a:solidFill>
@@ -7839,27 +7839,27 @@
               <a:t>5</a:t>
             </a:r>
             <a:r>
-              <a:rPr>
+              <a:rPr sz="1800">
                 <a:latin typeface="Courier"/>
               </a:rPr>
               <a:t>){</a:t>
             </a:r>
             <a:br/>
             <a:r>
-              <a:rPr>
+              <a:rPr sz="1800">
                 <a:latin typeface="Courier"/>
               </a:rPr>
               <a:t>  </a:t>
             </a:r>
             <a:br/>
             <a:r>
-              <a:rPr>
+              <a:rPr sz="1800">
                 <a:latin typeface="Courier"/>
               </a:rPr>
               <a:t>  </a:t>
             </a:r>
             <a:r>
-              <a:rPr b="1">
+              <a:rPr sz="1800" b="1">
                 <a:solidFill>
                   <a:srgbClr val="007020"/>
                 </a:solidFill>
@@ -7868,32 +7868,32 @@
               <a:t>print</a:t>
             </a:r>
             <a:r>
-              <a:rPr>
+              <a:rPr sz="1800">
                 <a:latin typeface="Courier"/>
               </a:rPr>
               <a:t>(x[i])</a:t>
             </a:r>
             <a:br/>
             <a:r>
-              <a:rPr>
+              <a:rPr sz="1800">
                 <a:latin typeface="Courier"/>
               </a:rPr>
               <a:t>  </a:t>
             </a:r>
             <a:br/>
             <a:r>
-              <a:rPr>
+              <a:rPr sz="1800">
                 <a:latin typeface="Courier"/>
               </a:rPr>
               <a:t>}</a:t>
             </a:r>
           </a:p>
           <a:p>
-            <a:pPr lvl="0" indent="0">
+            <a:pPr lvl="0" marL="1270000" indent="0">
               <a:buNone/>
             </a:pPr>
             <a:r>
-              <a:rPr>
+              <a:rPr sz="1800">
                 <a:latin typeface="Courier"/>
               </a:rPr>
               <a:t>## [1] "the"
@@ -7993,7 +7993,7 @@
               <a:t>Write a loop that iterates across every column of </a:t>
             </a:r>
             <a:r>
-              <a:rPr>
+              <a:rPr sz="1800">
                 <a:latin typeface="Courier"/>
               </a:rPr>
               <a:t>cchic</a:t>
@@ -8010,7 +8010,7 @@
               <a:t>Hint: </a:t>
             </a:r>
             <a:r>
-              <a:rPr>
+              <a:rPr sz="1800">
                 <a:latin typeface="Courier"/>
               </a:rPr>
               <a:t>length(cchic)</a:t>
@@ -8027,7 +8027,7 @@
               <a:t>Hint: </a:t>
             </a:r>
             <a:r>
-              <a:rPr>
+              <a:rPr sz="1800">
                 <a:latin typeface="Courier"/>
               </a:rPr>
               <a:t>print(names(cchic[1]))</a:t>
@@ -8113,11 +8113,11 @@
           <a:bodyPr/>
           <a:lstStyle/>
           <a:p>
-            <a:pPr lvl="0" indent="0">
+            <a:pPr lvl="0" marL="1270000" indent="0">
               <a:buNone/>
             </a:pPr>
             <a:r>
-              <a:rPr b="1">
+              <a:rPr sz="1800" b="1">
                 <a:solidFill>
                   <a:srgbClr val="007020"/>
                 </a:solidFill>
@@ -8126,13 +8126,13 @@
               <a:t>for</a:t>
             </a:r>
             <a:r>
-              <a:rPr>
+              <a:rPr sz="1800">
                 <a:latin typeface="Courier"/>
               </a:rPr>
               <a:t>(i </a:t>
             </a:r>
             <a:r>
-              <a:rPr b="1">
+              <a:rPr sz="1800" b="1">
                 <a:solidFill>
                   <a:srgbClr val="007020"/>
                 </a:solidFill>
@@ -8141,13 +8141,13 @@
               <a:t>in</a:t>
             </a:r>
             <a:r>
-              <a:rPr>
-                <a:latin typeface="Courier"/>
-              </a:rPr>
-              <a:t> </a:t>
-            </a:r>
-            <a:r>
-              <a:rPr>
+              <a:rPr sz="1800">
+                <a:latin typeface="Courier"/>
+              </a:rPr>
+              <a:t> </a:t>
+            </a:r>
+            <a:r>
+              <a:rPr sz="1800">
                 <a:solidFill>
                   <a:srgbClr val="40A070"/>
                 </a:solidFill>
@@ -8156,7 +8156,7 @@
               <a:t>1</a:t>
             </a:r>
             <a:r>
-              <a:rPr>
+              <a:rPr sz="1800">
                 <a:solidFill>
                   <a:srgbClr val="666666"/>
                 </a:solidFill>
@@ -8165,7 +8165,7 @@
               <a:t>:</a:t>
             </a:r>
             <a:r>
-              <a:rPr b="1">
+              <a:rPr sz="1800" b="1">
                 <a:solidFill>
                   <a:srgbClr val="007020"/>
                 </a:solidFill>
@@ -8174,27 +8174,27 @@
               <a:t>length</a:t>
             </a:r>
             <a:r>
-              <a:rPr>
+              <a:rPr sz="1800">
                 <a:latin typeface="Courier"/>
               </a:rPr>
               <a:t>(cchic)){</a:t>
             </a:r>
             <a:br/>
             <a:r>
-              <a:rPr>
+              <a:rPr sz="1800">
                 <a:latin typeface="Courier"/>
               </a:rPr>
               <a:t>  </a:t>
             </a:r>
             <a:br/>
             <a:r>
-              <a:rPr>
+              <a:rPr sz="1800">
                 <a:latin typeface="Courier"/>
               </a:rPr>
               <a:t>  </a:t>
             </a:r>
             <a:r>
-              <a:rPr b="1">
+              <a:rPr sz="1800" b="1">
                 <a:solidFill>
                   <a:srgbClr val="007020"/>
                 </a:solidFill>
@@ -8203,13 +8203,13 @@
               <a:t>print</a:t>
             </a:r>
             <a:r>
-              <a:rPr>
+              <a:rPr sz="1800">
                 <a:latin typeface="Courier"/>
               </a:rPr>
               <a:t>(</a:t>
             </a:r>
             <a:r>
-              <a:rPr b="1">
+              <a:rPr sz="1800" b="1">
                 <a:solidFill>
                   <a:srgbClr val="007020"/>
                 </a:solidFill>
@@ -8218,21 +8218,21 @@
               <a:t>names</a:t>
             </a:r>
             <a:r>
-              <a:rPr>
+              <a:rPr sz="1800">
                 <a:latin typeface="Courier"/>
               </a:rPr>
               <a:t>(cchic[i]))</a:t>
             </a:r>
             <a:br/>
             <a:r>
-              <a:rPr>
+              <a:rPr sz="1800">
                 <a:latin typeface="Courier"/>
               </a:rPr>
               <a:t>  </a:t>
             </a:r>
             <a:br/>
             <a:r>
-              <a:rPr>
+              <a:rPr sz="1800">
                 <a:latin typeface="Courier"/>
               </a:rPr>
               <a:t>}</a:t>
@@ -8436,11 +8436,11 @@
           <a:bodyPr/>
           <a:lstStyle/>
           <a:p>
-            <a:pPr lvl="0" indent="0">
+            <a:pPr lvl="0" marL="1270000" indent="0">
               <a:buNone/>
             </a:pPr>
             <a:r>
-              <a:rPr b="1">
+              <a:rPr sz="1800" b="1">
                 <a:solidFill>
                   <a:srgbClr val="007020"/>
                 </a:solidFill>
@@ -8449,13 +8449,13 @@
               <a:t>for</a:t>
             </a:r>
             <a:r>
-              <a:rPr>
+              <a:rPr sz="1800">
                 <a:latin typeface="Courier"/>
               </a:rPr>
               <a:t>(i </a:t>
             </a:r>
             <a:r>
-              <a:rPr b="1">
+              <a:rPr sz="1800" b="1">
                 <a:solidFill>
                   <a:srgbClr val="007020"/>
                 </a:solidFill>
@@ -8464,13 +8464,13 @@
               <a:t>in</a:t>
             </a:r>
             <a:r>
-              <a:rPr>
-                <a:latin typeface="Courier"/>
-              </a:rPr>
-              <a:t> </a:t>
-            </a:r>
-            <a:r>
-              <a:rPr>
+              <a:rPr sz="1800">
+                <a:latin typeface="Courier"/>
+              </a:rPr>
+              <a:t> </a:t>
+            </a:r>
+            <a:r>
+              <a:rPr sz="1800">
                 <a:solidFill>
                   <a:srgbClr val="40A070"/>
                 </a:solidFill>
@@ -8479,7 +8479,7 @@
               <a:t>1</a:t>
             </a:r>
             <a:r>
-              <a:rPr>
+              <a:rPr sz="1800">
                 <a:solidFill>
                   <a:srgbClr val="666666"/>
                 </a:solidFill>
@@ -8488,7 +8488,7 @@
               <a:t>:</a:t>
             </a:r>
             <a:r>
-              <a:rPr>
+              <a:rPr sz="1800">
                 <a:solidFill>
                   <a:srgbClr val="40A070"/>
                 </a:solidFill>
@@ -8497,27 +8497,27 @@
               <a:t>5</a:t>
             </a:r>
             <a:r>
-              <a:rPr>
+              <a:rPr sz="1800">
                 <a:latin typeface="Courier"/>
               </a:rPr>
               <a:t>){</a:t>
             </a:r>
             <a:br/>
             <a:r>
-              <a:rPr>
+              <a:rPr sz="1800">
                 <a:latin typeface="Courier"/>
               </a:rPr>
               <a:t>  </a:t>
             </a:r>
             <a:br/>
             <a:r>
-              <a:rPr>
+              <a:rPr sz="1800">
                 <a:latin typeface="Courier"/>
               </a:rPr>
               <a:t>  </a:t>
             </a:r>
             <a:r>
-              <a:rPr b="1">
+              <a:rPr sz="1800" b="1">
                 <a:solidFill>
                   <a:srgbClr val="007020"/>
                 </a:solidFill>
@@ -8526,13 +8526,13 @@
               <a:t>if</a:t>
             </a:r>
             <a:r>
-              <a:rPr>
+              <a:rPr sz="1800">
                 <a:latin typeface="Courier"/>
               </a:rPr>
               <a:t>(i </a:t>
             </a:r>
             <a:r>
-              <a:rPr>
+              <a:rPr sz="1800">
                 <a:solidFill>
                   <a:srgbClr val="666666"/>
                 </a:solidFill>
@@ -8541,7 +8541,7 @@
               <a:t>==</a:t>
             </a:r>
             <a:r>
-              <a:rPr>
+              <a:rPr sz="1800">
                 <a:solidFill>
                   <a:srgbClr val="4070A0"/>
                 </a:solidFill>
@@ -8550,7 +8550,7 @@
               <a:t> </a:t>
             </a:r>
             <a:r>
-              <a:rPr>
+              <a:rPr sz="1800">
                 <a:solidFill>
                   <a:srgbClr val="40A070"/>
                 </a:solidFill>
@@ -8559,27 +8559,27 @@
               <a:t>1</a:t>
             </a:r>
             <a:r>
-              <a:rPr>
+              <a:rPr sz="1800">
                 <a:latin typeface="Courier"/>
               </a:rPr>
               <a:t>){</a:t>
             </a:r>
             <a:br/>
             <a:r>
-              <a:rPr>
+              <a:rPr sz="1800">
                 <a:latin typeface="Courier"/>
               </a:rPr>
               <a:t>    </a:t>
             </a:r>
             <a:br/>
             <a:r>
-              <a:rPr>
+              <a:rPr sz="1800">
                 <a:latin typeface="Courier"/>
               </a:rPr>
               <a:t>    </a:t>
             </a:r>
             <a:r>
-              <a:rPr b="1">
+              <a:rPr sz="1800" b="1">
                 <a:solidFill>
                   <a:srgbClr val="007020"/>
                 </a:solidFill>
@@ -8588,13 +8588,13 @@
               <a:t>print</a:t>
             </a:r>
             <a:r>
-              <a:rPr>
+              <a:rPr sz="1800">
                 <a:latin typeface="Courier"/>
               </a:rPr>
               <a:t>(</a:t>
             </a:r>
             <a:r>
-              <a:rPr>
+              <a:rPr sz="1800">
                 <a:solidFill>
                   <a:srgbClr val="4070A0"/>
                 </a:solidFill>
@@ -8603,27 +8603,27 @@
               <a:t>"one"</a:t>
             </a:r>
             <a:r>
-              <a:rPr>
+              <a:rPr sz="1800">
                 <a:latin typeface="Courier"/>
               </a:rPr>
               <a:t>)</a:t>
             </a:r>
             <a:br/>
             <a:r>
-              <a:rPr>
+              <a:rPr sz="1800">
                 <a:latin typeface="Courier"/>
               </a:rPr>
               <a:t>    </a:t>
             </a:r>
             <a:br/>
             <a:r>
-              <a:rPr>
+              <a:rPr sz="1800">
                 <a:latin typeface="Courier"/>
               </a:rPr>
               <a:t>  }</a:t>
             </a:r>
             <a:r>
-              <a:rPr b="1">
+              <a:rPr sz="1800" b="1">
                 <a:solidFill>
                   <a:srgbClr val="007020"/>
                 </a:solidFill>
@@ -8632,27 +8632,27 @@
               <a:t>else</a:t>
             </a:r>
             <a:r>
-              <a:rPr>
+              <a:rPr sz="1800">
                 <a:latin typeface="Courier"/>
               </a:rPr>
               <a:t>{</a:t>
             </a:r>
             <a:br/>
             <a:r>
-              <a:rPr>
+              <a:rPr sz="1800">
                 <a:latin typeface="Courier"/>
               </a:rPr>
               <a:t>    </a:t>
             </a:r>
             <a:br/>
             <a:r>
-              <a:rPr>
+              <a:rPr sz="1800">
                 <a:latin typeface="Courier"/>
               </a:rPr>
               <a:t>    </a:t>
             </a:r>
             <a:r>
-              <a:rPr b="1">
+              <a:rPr sz="1800" b="1">
                 <a:solidFill>
                   <a:srgbClr val="007020"/>
                 </a:solidFill>
@@ -8661,39 +8661,39 @@
               <a:t>print</a:t>
             </a:r>
             <a:r>
-              <a:rPr>
+              <a:rPr sz="1800">
                 <a:latin typeface="Courier"/>
               </a:rPr>
               <a:t>(i)</a:t>
             </a:r>
             <a:br/>
             <a:r>
-              <a:rPr>
+              <a:rPr sz="1800">
                 <a:latin typeface="Courier"/>
               </a:rPr>
               <a:t>    </a:t>
             </a:r>
             <a:br/>
             <a:r>
-              <a:rPr>
+              <a:rPr sz="1800">
                 <a:latin typeface="Courier"/>
               </a:rPr>
               <a:t>  }</a:t>
             </a:r>
             <a:br/>
             <a:r>
-              <a:rPr>
+              <a:rPr sz="1800">
                 <a:latin typeface="Courier"/>
               </a:rPr>
               <a:t>}</a:t>
             </a:r>
           </a:p>
           <a:p>
-            <a:pPr lvl="0" indent="0">
+            <a:pPr lvl="0" marL="1270000" indent="0">
               <a:buNone/>
             </a:pPr>
             <a:r>
-              <a:rPr>
+              <a:rPr sz="1800">
                 <a:latin typeface="Courier"/>
               </a:rPr>
               <a:t>## [1] "one"
@@ -8787,11 +8787,11 @@
           <a:bodyPr/>
           <a:lstStyle/>
           <a:p>
-            <a:pPr lvl="0" indent="0">
+            <a:pPr lvl="0" marL="1270000" indent="0">
               <a:buNone/>
             </a:pPr>
             <a:r>
-              <a:rPr b="1">
+              <a:rPr sz="1800" b="1">
                 <a:solidFill>
                   <a:srgbClr val="007020"/>
                 </a:solidFill>
@@ -8800,13 +8800,13 @@
               <a:t>for</a:t>
             </a:r>
             <a:r>
-              <a:rPr>
+              <a:rPr sz="1800">
                 <a:latin typeface="Courier"/>
               </a:rPr>
               <a:t>(i </a:t>
             </a:r>
             <a:r>
-              <a:rPr b="1">
+              <a:rPr sz="1800" b="1">
                 <a:solidFill>
                   <a:srgbClr val="007020"/>
                 </a:solidFill>
@@ -8815,13 +8815,13 @@
               <a:t>in</a:t>
             </a:r>
             <a:r>
-              <a:rPr>
-                <a:latin typeface="Courier"/>
-              </a:rPr>
-              <a:t> </a:t>
-            </a:r>
-            <a:r>
-              <a:rPr>
+              <a:rPr sz="1800">
+                <a:latin typeface="Courier"/>
+              </a:rPr>
+              <a:t> </a:t>
+            </a:r>
+            <a:r>
+              <a:rPr sz="1800">
                 <a:solidFill>
                   <a:srgbClr val="40A070"/>
                 </a:solidFill>
@@ -8830,7 +8830,7 @@
               <a:t>1</a:t>
             </a:r>
             <a:r>
-              <a:rPr>
+              <a:rPr sz="1800">
                 <a:solidFill>
                   <a:srgbClr val="666666"/>
                 </a:solidFill>
@@ -8839,7 +8839,7 @@
               <a:t>:</a:t>
             </a:r>
             <a:r>
-              <a:rPr>
+              <a:rPr sz="1800">
                 <a:solidFill>
                   <a:srgbClr val="40A070"/>
                 </a:solidFill>
@@ -8848,27 +8848,27 @@
               <a:t>5</a:t>
             </a:r>
             <a:r>
-              <a:rPr>
+              <a:rPr sz="1800">
                 <a:latin typeface="Courier"/>
               </a:rPr>
               <a:t>){</a:t>
             </a:r>
             <a:br/>
             <a:r>
-              <a:rPr>
+              <a:rPr sz="1800">
                 <a:latin typeface="Courier"/>
               </a:rPr>
               <a:t>  </a:t>
             </a:r>
             <a:br/>
             <a:r>
-              <a:rPr>
+              <a:rPr sz="1800">
                 <a:latin typeface="Courier"/>
               </a:rPr>
               <a:t>  </a:t>
             </a:r>
             <a:r>
-              <a:rPr i="1">
+              <a:rPr sz="1800" i="1">
                 <a:solidFill>
                   <a:srgbClr val="60A0B0"/>
                 </a:solidFill>
@@ -8878,13 +8878,13 @@
             </a:r>
             <a:br/>
             <a:r>
-              <a:rPr>
+              <a:rPr sz="1800">
                 <a:latin typeface="Courier"/>
               </a:rPr>
               <a:t>  </a:t>
             </a:r>
             <a:r>
-              <a:rPr b="1">
+              <a:rPr sz="1800" b="1">
                 <a:solidFill>
                   <a:srgbClr val="007020"/>
                 </a:solidFill>
@@ -8893,13 +8893,13 @@
               <a:t>if</a:t>
             </a:r>
             <a:r>
-              <a:rPr>
+              <a:rPr sz="1800">
                 <a:latin typeface="Courier"/>
               </a:rPr>
               <a:t>(i </a:t>
             </a:r>
             <a:r>
-              <a:rPr>
+              <a:rPr sz="1800">
                 <a:solidFill>
                   <a:srgbClr val="666666"/>
                 </a:solidFill>
@@ -8908,7 +8908,7 @@
               <a:t>%%</a:t>
             </a:r>
             <a:r>
-              <a:rPr>
+              <a:rPr sz="1800">
                 <a:solidFill>
                   <a:srgbClr val="4070A0"/>
                 </a:solidFill>
@@ -8917,7 +8917,7 @@
               <a:t> </a:t>
             </a:r>
             <a:r>
-              <a:rPr>
+              <a:rPr sz="1800">
                 <a:solidFill>
                   <a:srgbClr val="40A070"/>
                 </a:solidFill>
@@ -8926,13 +8926,13 @@
               <a:t>2</a:t>
             </a:r>
             <a:r>
-              <a:rPr>
-                <a:latin typeface="Courier"/>
-              </a:rPr>
-              <a:t> </a:t>
-            </a:r>
-            <a:r>
-              <a:rPr>
+              <a:rPr sz="1800">
+                <a:latin typeface="Courier"/>
+              </a:rPr>
+              <a:t> </a:t>
+            </a:r>
+            <a:r>
+              <a:rPr sz="1800">
                 <a:solidFill>
                   <a:srgbClr val="666666"/>
                 </a:solidFill>
@@ -8941,7 +8941,7 @@
               <a:t>==</a:t>
             </a:r>
             <a:r>
-              <a:rPr>
+              <a:rPr sz="1800">
                 <a:solidFill>
                   <a:srgbClr val="4070A0"/>
                 </a:solidFill>
@@ -8950,7 +8950,7 @@
               <a:t> </a:t>
             </a:r>
             <a:r>
-              <a:rPr>
+              <a:rPr sz="1800">
                 <a:solidFill>
                   <a:srgbClr val="40A070"/>
                 </a:solidFill>
@@ -8959,27 +8959,27 @@
               <a:t>0</a:t>
             </a:r>
             <a:r>
-              <a:rPr>
+              <a:rPr sz="1800">
                 <a:latin typeface="Courier"/>
               </a:rPr>
               <a:t>){</a:t>
             </a:r>
             <a:br/>
             <a:r>
-              <a:rPr>
+              <a:rPr sz="1800">
                 <a:latin typeface="Courier"/>
               </a:rPr>
               <a:t>    </a:t>
             </a:r>
             <a:br/>
             <a:r>
-              <a:rPr>
+              <a:rPr sz="1800">
                 <a:latin typeface="Courier"/>
               </a:rPr>
               <a:t>    </a:t>
             </a:r>
             <a:r>
-              <a:rPr b="1">
+              <a:rPr sz="1800" b="1">
                 <a:solidFill>
                   <a:srgbClr val="007020"/>
                 </a:solidFill>
@@ -8988,13 +8988,13 @@
               <a:t>print</a:t>
             </a:r>
             <a:r>
-              <a:rPr>
+              <a:rPr sz="1800">
                 <a:latin typeface="Courier"/>
               </a:rPr>
               <a:t>(</a:t>
             </a:r>
             <a:r>
-              <a:rPr>
+              <a:rPr sz="1800">
                 <a:solidFill>
                   <a:srgbClr val="4070A0"/>
                 </a:solidFill>
@@ -9003,27 +9003,27 @@
               <a:t>"even"</a:t>
             </a:r>
             <a:r>
-              <a:rPr>
+              <a:rPr sz="1800">
                 <a:latin typeface="Courier"/>
               </a:rPr>
               <a:t>)</a:t>
             </a:r>
             <a:br/>
             <a:r>
-              <a:rPr>
+              <a:rPr sz="1800">
                 <a:latin typeface="Courier"/>
               </a:rPr>
               <a:t>    </a:t>
             </a:r>
             <a:br/>
             <a:r>
-              <a:rPr>
+              <a:rPr sz="1800">
                 <a:latin typeface="Courier"/>
               </a:rPr>
               <a:t>  }</a:t>
             </a:r>
             <a:r>
-              <a:rPr b="1">
+              <a:rPr sz="1800" b="1">
                 <a:solidFill>
                   <a:srgbClr val="007020"/>
                 </a:solidFill>
@@ -9032,27 +9032,27 @@
               <a:t>else</a:t>
             </a:r>
             <a:r>
-              <a:rPr>
+              <a:rPr sz="1800">
                 <a:latin typeface="Courier"/>
               </a:rPr>
               <a:t>{</a:t>
             </a:r>
             <a:br/>
             <a:r>
-              <a:rPr>
+              <a:rPr sz="1800">
                 <a:latin typeface="Courier"/>
               </a:rPr>
               <a:t>    </a:t>
             </a:r>
             <a:br/>
             <a:r>
-              <a:rPr>
+              <a:rPr sz="1800">
                 <a:latin typeface="Courier"/>
               </a:rPr>
               <a:t>    </a:t>
             </a:r>
             <a:r>
-              <a:rPr b="1">
+              <a:rPr sz="1800" b="1">
                 <a:solidFill>
                   <a:srgbClr val="007020"/>
                 </a:solidFill>
@@ -9061,13 +9061,13 @@
               <a:t>print</a:t>
             </a:r>
             <a:r>
-              <a:rPr>
+              <a:rPr sz="1800">
                 <a:latin typeface="Courier"/>
               </a:rPr>
               <a:t>(</a:t>
             </a:r>
             <a:r>
-              <a:rPr>
+              <a:rPr sz="1800">
                 <a:solidFill>
                   <a:srgbClr val="4070A0"/>
                 </a:solidFill>
@@ -9076,39 +9076,39 @@
               <a:t>"odd"</a:t>
             </a:r>
             <a:r>
-              <a:rPr>
+              <a:rPr sz="1800">
                 <a:latin typeface="Courier"/>
               </a:rPr>
               <a:t>)</a:t>
             </a:r>
             <a:br/>
             <a:r>
-              <a:rPr>
+              <a:rPr sz="1800">
                 <a:latin typeface="Courier"/>
               </a:rPr>
               <a:t>    </a:t>
             </a:r>
             <a:br/>
             <a:r>
-              <a:rPr>
+              <a:rPr sz="1800">
                 <a:latin typeface="Courier"/>
               </a:rPr>
               <a:t>  }</a:t>
             </a:r>
             <a:br/>
             <a:r>
-              <a:rPr>
+              <a:rPr sz="1800">
                 <a:latin typeface="Courier"/>
               </a:rPr>
               <a:t>}</a:t>
             </a:r>
           </a:p>
           <a:p>
-            <a:pPr lvl="0" indent="0">
+            <a:pPr lvl="0" marL="1270000" indent="0">
               <a:buNone/>
             </a:pPr>
             <a:r>
-              <a:rPr>
+              <a:rPr sz="1800">
                 <a:latin typeface="Courier"/>
               </a:rPr>
               <a:t>## [1] "odd"
@@ -9308,7 +9308,7 @@
               <a:t>Question: How do we calculate the mean of every numeric variable in </a:t>
             </a:r>
             <a:r>
-              <a:rPr>
+              <a:rPr sz="1800">
                 <a:latin typeface="Courier"/>
               </a:rPr>
               <a:t>chicc</a:t>
@@ -9332,7 +9332,7 @@
               <a:t>Hint: to check whether something is a numeric variable use </a:t>
             </a:r>
             <a:r>
-              <a:rPr>
+              <a:rPr sz="1800">
                 <a:latin typeface="Courier"/>
               </a:rPr>
               <a:t>is.numeric()</a:t>
@@ -9430,11 +9430,11 @@
           <a:bodyPr/>
           <a:lstStyle/>
           <a:p>
-            <a:pPr lvl="0" indent="0">
+            <a:pPr lvl="0" marL="1270000" indent="0">
               <a:buNone/>
             </a:pPr>
             <a:r>
-              <a:rPr b="1">
+              <a:rPr sz="1800" b="1">
                 <a:solidFill>
                   <a:srgbClr val="007020"/>
                 </a:solidFill>
@@ -9443,13 +9443,13 @@
               <a:t>print</a:t>
             </a:r>
             <a:r>
-              <a:rPr>
+              <a:rPr sz="1800">
                 <a:latin typeface="Courier"/>
               </a:rPr>
               <a:t>(</a:t>
             </a:r>
             <a:r>
-              <a:rPr b="1">
+              <a:rPr sz="1800" b="1">
                 <a:solidFill>
                   <a:srgbClr val="007020"/>
                 </a:solidFill>
@@ -9458,13 +9458,13 @@
               <a:t>mean</a:t>
             </a:r>
             <a:r>
-              <a:rPr>
+              <a:rPr sz="1800">
                 <a:latin typeface="Courier"/>
               </a:rPr>
               <a:t>(cchic</a:t>
             </a:r>
             <a:r>
-              <a:rPr>
+              <a:rPr sz="1800">
                 <a:solidFill>
                   <a:srgbClr val="666666"/>
                 </a:solidFill>
@@ -9473,29 +9473,29 @@
               <a:t>$</a:t>
             </a:r>
             <a:r>
-              <a:rPr>
+              <a:rPr sz="1800">
                 <a:latin typeface="Courier"/>
               </a:rPr>
               <a:t>lactate_abg))</a:t>
             </a:r>
           </a:p>
           <a:p>
-            <a:pPr lvl="0" indent="0">
+            <a:pPr lvl="0" marL="1270000" indent="0">
               <a:buNone/>
             </a:pPr>
             <a:r>
-              <a:rPr>
+              <a:rPr sz="1800">
                 <a:latin typeface="Courier"/>
               </a:rPr>
               <a:t>## [1] 2.07398</a:t>
             </a:r>
           </a:p>
           <a:p>
-            <a:pPr lvl="0" indent="0">
+            <a:pPr lvl="0" marL="1270000" indent="0">
               <a:buNone/>
             </a:pPr>
             <a:r>
-              <a:rPr b="1">
+              <a:rPr sz="1800" b="1">
                 <a:solidFill>
                   <a:srgbClr val="007020"/>
                 </a:solidFill>
@@ -9504,13 +9504,13 @@
               <a:t>print</a:t>
             </a:r>
             <a:r>
-              <a:rPr>
+              <a:rPr sz="1800">
                 <a:latin typeface="Courier"/>
               </a:rPr>
               <a:t>(</a:t>
             </a:r>
             <a:r>
-              <a:rPr b="1">
+              <a:rPr sz="1800" b="1">
                 <a:solidFill>
                   <a:srgbClr val="007020"/>
                 </a:solidFill>
@@ -9519,13 +9519,13 @@
               <a:t>mean</a:t>
             </a:r>
             <a:r>
-              <a:rPr>
+              <a:rPr sz="1800">
                 <a:latin typeface="Courier"/>
               </a:rPr>
               <a:t>(cchic</a:t>
             </a:r>
             <a:r>
-              <a:rPr>
+              <a:rPr sz="1800">
                 <a:solidFill>
                   <a:srgbClr val="666666"/>
                 </a:solidFill>
@@ -9534,29 +9534,29 @@
               <a:t>$</a:t>
             </a:r>
             <a:r>
-              <a:rPr>
+              <a:rPr sz="1800">
                 <a:latin typeface="Courier"/>
               </a:rPr>
               <a:t>ph_abg))</a:t>
             </a:r>
           </a:p>
           <a:p>
-            <a:pPr lvl="0" indent="0">
+            <a:pPr lvl="0" marL="1270000" indent="0">
               <a:buNone/>
             </a:pPr>
             <a:r>
-              <a:rPr>
+              <a:rPr sz="1800">
                 <a:latin typeface="Courier"/>
               </a:rPr>
               <a:t>## [1] 7.355328</a:t>
             </a:r>
           </a:p>
           <a:p>
-            <a:pPr lvl="0" indent="0">
+            <a:pPr lvl="0" marL="1270000" indent="0">
               <a:buNone/>
             </a:pPr>
             <a:r>
-              <a:rPr b="1">
+              <a:rPr sz="1800" b="1">
                 <a:solidFill>
                   <a:srgbClr val="007020"/>
                 </a:solidFill>
@@ -9565,13 +9565,13 @@
               <a:t>print</a:t>
             </a:r>
             <a:r>
-              <a:rPr>
+              <a:rPr sz="1800">
                 <a:latin typeface="Courier"/>
               </a:rPr>
               <a:t>(</a:t>
             </a:r>
             <a:r>
-              <a:rPr b="1">
+              <a:rPr sz="1800" b="1">
                 <a:solidFill>
                   <a:srgbClr val="007020"/>
                 </a:solidFill>
@@ -9580,13 +9580,13 @@
               <a:t>mean</a:t>
             </a:r>
             <a:r>
-              <a:rPr>
+              <a:rPr sz="1800">
                 <a:latin typeface="Courier"/>
               </a:rPr>
               <a:t>(cchic</a:t>
             </a:r>
             <a:r>
-              <a:rPr>
+              <a:rPr sz="1800">
                 <a:solidFill>
                   <a:srgbClr val="666666"/>
                 </a:solidFill>
@@ -9595,29 +9595,29 @@
               <a:t>$</a:t>
             </a:r>
             <a:r>
-              <a:rPr>
+              <a:rPr sz="1800">
                 <a:latin typeface="Courier"/>
               </a:rPr>
               <a:t>hco3_abg))</a:t>
             </a:r>
           </a:p>
           <a:p>
-            <a:pPr lvl="0" indent="0">
+            <a:pPr lvl="0" marL="1270000" indent="0">
               <a:buNone/>
             </a:pPr>
             <a:r>
-              <a:rPr>
+              <a:rPr sz="1800">
                 <a:latin typeface="Courier"/>
               </a:rPr>
               <a:t>## [1] 23.25858</a:t>
             </a:r>
           </a:p>
           <a:p>
-            <a:pPr lvl="0" indent="0">
+            <a:pPr lvl="0" marL="1270000" indent="0">
               <a:buNone/>
             </a:pPr>
             <a:r>
-              <a:rPr b="1">
+              <a:rPr sz="1800" b="1">
                 <a:solidFill>
                   <a:srgbClr val="007020"/>
                 </a:solidFill>
@@ -9626,13 +9626,13 @@
               <a:t>print</a:t>
             </a:r>
             <a:r>
-              <a:rPr>
+              <a:rPr sz="1800">
                 <a:latin typeface="Courier"/>
               </a:rPr>
               <a:t>(</a:t>
             </a:r>
             <a:r>
-              <a:rPr b="1">
+              <a:rPr sz="1800" b="1">
                 <a:solidFill>
                   <a:srgbClr val="007020"/>
                 </a:solidFill>
@@ -9641,13 +9641,13 @@
               <a:t>mean</a:t>
             </a:r>
             <a:r>
-              <a:rPr>
+              <a:rPr sz="1800">
                 <a:latin typeface="Courier"/>
               </a:rPr>
               <a:t>(cchic</a:t>
             </a:r>
             <a:r>
-              <a:rPr>
+              <a:rPr sz="1800">
                 <a:solidFill>
                   <a:srgbClr val="666666"/>
                 </a:solidFill>
@@ -9656,29 +9656,29 @@
               <a:t>$</a:t>
             </a:r>
             <a:r>
-              <a:rPr>
+              <a:rPr sz="1800">
                 <a:latin typeface="Courier"/>
               </a:rPr>
               <a:t>temp_c))</a:t>
             </a:r>
           </a:p>
           <a:p>
-            <a:pPr lvl="0" indent="0">
+            <a:pPr lvl="0" marL="1270000" indent="0">
               <a:buNone/>
             </a:pPr>
             <a:r>
-              <a:rPr>
+              <a:rPr sz="1800">
                 <a:latin typeface="Courier"/>
               </a:rPr>
               <a:t>## [1] 36.3113</a:t>
             </a:r>
           </a:p>
           <a:p>
-            <a:pPr lvl="0" indent="0">
+            <a:pPr lvl="0" marL="1270000" indent="0">
               <a:buNone/>
             </a:pPr>
             <a:r>
-              <a:rPr b="1">
+              <a:rPr sz="1800" b="1">
                 <a:solidFill>
                   <a:srgbClr val="007020"/>
                 </a:solidFill>
@@ -9687,13 +9687,13 @@
               <a:t>print</a:t>
             </a:r>
             <a:r>
-              <a:rPr>
+              <a:rPr sz="1800">
                 <a:latin typeface="Courier"/>
               </a:rPr>
               <a:t>(</a:t>
             </a:r>
             <a:r>
-              <a:rPr b="1">
+              <a:rPr sz="1800" b="1">
                 <a:solidFill>
                   <a:srgbClr val="007020"/>
                 </a:solidFill>
@@ -9702,13 +9702,13 @@
               <a:t>mean</a:t>
             </a:r>
             <a:r>
-              <a:rPr>
+              <a:rPr sz="1800">
                 <a:latin typeface="Courier"/>
               </a:rPr>
               <a:t>(cchic</a:t>
             </a:r>
             <a:r>
-              <a:rPr>
+              <a:rPr sz="1800">
                 <a:solidFill>
                   <a:srgbClr val="666666"/>
                 </a:solidFill>
@@ -9717,29 +9717,29 @@
               <a:t>$</a:t>
             </a:r>
             <a:r>
-              <a:rPr>
+              <a:rPr sz="1800">
                 <a:latin typeface="Courier"/>
               </a:rPr>
               <a:t>temp_nc))</a:t>
             </a:r>
           </a:p>
           <a:p>
-            <a:pPr lvl="0" indent="0">
+            <a:pPr lvl="0" marL="1270000" indent="0">
               <a:buNone/>
             </a:pPr>
             <a:r>
-              <a:rPr>
+              <a:rPr sz="1800">
                 <a:latin typeface="Courier"/>
               </a:rPr>
               <a:t>## [1] 36.36864</a:t>
             </a:r>
           </a:p>
           <a:p>
-            <a:pPr lvl="0" indent="0">
+            <a:pPr lvl="0" marL="1270000" indent="0">
               <a:buNone/>
             </a:pPr>
             <a:r>
-              <a:rPr i="1">
+              <a:rPr sz="1800" i="1">
                 <a:solidFill>
                   <a:srgbClr val="60A0B0"/>
                 </a:solidFill>
@@ -9840,11 +9840,11 @@
           <a:bodyPr/>
           <a:lstStyle/>
           <a:p>
-            <a:pPr lvl="0" indent="0">
+            <a:pPr lvl="0" marL="1270000" indent="0">
               <a:buNone/>
             </a:pPr>
             <a:r>
-              <a:rPr b="1">
+              <a:rPr sz="1800" b="1">
                 <a:solidFill>
                   <a:srgbClr val="007020"/>
                 </a:solidFill>
@@ -9853,13 +9853,13 @@
               <a:t>for</a:t>
             </a:r>
             <a:r>
-              <a:rPr>
+              <a:rPr sz="1800">
                 <a:latin typeface="Courier"/>
               </a:rPr>
               <a:t>(i </a:t>
             </a:r>
             <a:r>
-              <a:rPr b="1">
+              <a:rPr sz="1800" b="1">
                 <a:solidFill>
                   <a:srgbClr val="007020"/>
                 </a:solidFill>
@@ -9868,13 +9868,13 @@
               <a:t>in</a:t>
             </a:r>
             <a:r>
-              <a:rPr>
-                <a:latin typeface="Courier"/>
-              </a:rPr>
-              <a:t> </a:t>
-            </a:r>
-            <a:r>
-              <a:rPr>
+              <a:rPr sz="1800">
+                <a:latin typeface="Courier"/>
+              </a:rPr>
+              <a:t> </a:t>
+            </a:r>
+            <a:r>
+              <a:rPr sz="1800">
                 <a:solidFill>
                   <a:srgbClr val="40A070"/>
                 </a:solidFill>
@@ -9883,7 +9883,7 @@
               <a:t>1</a:t>
             </a:r>
             <a:r>
-              <a:rPr>
+              <a:rPr sz="1800">
                 <a:solidFill>
                   <a:srgbClr val="666666"/>
                 </a:solidFill>
@@ -9892,7 +9892,7 @@
               <a:t>:</a:t>
             </a:r>
             <a:r>
-              <a:rPr b="1">
+              <a:rPr sz="1800" b="1">
                 <a:solidFill>
                   <a:srgbClr val="007020"/>
                 </a:solidFill>
@@ -9901,27 +9901,27 @@
               <a:t>length</a:t>
             </a:r>
             <a:r>
-              <a:rPr>
+              <a:rPr sz="1800">
                 <a:latin typeface="Courier"/>
               </a:rPr>
               <a:t>(cchic)){</a:t>
             </a:r>
             <a:br/>
             <a:r>
-              <a:rPr>
+              <a:rPr sz="1800">
                 <a:latin typeface="Courier"/>
               </a:rPr>
               <a:t>  </a:t>
             </a:r>
             <a:br/>
             <a:r>
-              <a:rPr>
+              <a:rPr sz="1800">
                 <a:latin typeface="Courier"/>
               </a:rPr>
               <a:t>  </a:t>
             </a:r>
             <a:r>
-              <a:rPr b="1">
+              <a:rPr sz="1800" b="1">
                 <a:solidFill>
                   <a:srgbClr val="007020"/>
                 </a:solidFill>
@@ -9930,13 +9930,13 @@
               <a:t>print</a:t>
             </a:r>
             <a:r>
-              <a:rPr>
+              <a:rPr sz="1800">
                 <a:latin typeface="Courier"/>
               </a:rPr>
               <a:t>(</a:t>
             </a:r>
             <a:r>
-              <a:rPr b="1">
+              <a:rPr sz="1800" b="1">
                 <a:solidFill>
                   <a:srgbClr val="007020"/>
                 </a:solidFill>
@@ -9945,27 +9945,27 @@
               <a:t>names</a:t>
             </a:r>
             <a:r>
-              <a:rPr>
+              <a:rPr sz="1800">
                 <a:latin typeface="Courier"/>
               </a:rPr>
               <a:t>(cchic[i]))</a:t>
             </a:r>
             <a:br/>
             <a:r>
-              <a:rPr>
+              <a:rPr sz="1800">
                 <a:latin typeface="Courier"/>
               </a:rPr>
               <a:t>  </a:t>
             </a:r>
             <a:br/>
             <a:r>
-              <a:rPr>
+              <a:rPr sz="1800">
                 <a:latin typeface="Courier"/>
               </a:rPr>
               <a:t>  </a:t>
             </a:r>
             <a:r>
-              <a:rPr b="1">
+              <a:rPr sz="1800" b="1">
                 <a:solidFill>
                   <a:srgbClr val="007020"/>
                 </a:solidFill>
@@ -9974,13 +9974,13 @@
               <a:t>if</a:t>
             </a:r>
             <a:r>
-              <a:rPr>
+              <a:rPr sz="1800">
                 <a:latin typeface="Courier"/>
               </a:rPr>
               <a:t>(</a:t>
             </a:r>
             <a:r>
-              <a:rPr b="1">
+              <a:rPr sz="1800" b="1">
                 <a:solidFill>
                   <a:srgbClr val="007020"/>
                 </a:solidFill>
@@ -9989,27 +9989,27 @@
               <a:t>is.numeric</a:t>
             </a:r>
             <a:r>
-              <a:rPr>
+              <a:rPr sz="1800">
                 <a:latin typeface="Courier"/>
               </a:rPr>
               <a:t>(cchic[[i]])){</a:t>
             </a:r>
             <a:br/>
             <a:r>
-              <a:rPr>
+              <a:rPr sz="1800">
                 <a:latin typeface="Courier"/>
               </a:rPr>
               <a:t>    </a:t>
             </a:r>
             <a:br/>
             <a:r>
-              <a:rPr>
+              <a:rPr sz="1800">
                 <a:latin typeface="Courier"/>
               </a:rPr>
               <a:t>    </a:t>
             </a:r>
             <a:r>
-              <a:rPr b="1">
+              <a:rPr sz="1800" b="1">
                 <a:solidFill>
                   <a:srgbClr val="007020"/>
                 </a:solidFill>
@@ -10018,13 +10018,13 @@
               <a:t>print</a:t>
             </a:r>
             <a:r>
-              <a:rPr>
+              <a:rPr sz="1800">
                 <a:latin typeface="Courier"/>
               </a:rPr>
               <a:t>(</a:t>
             </a:r>
             <a:r>
-              <a:rPr b="1">
+              <a:rPr sz="1800" b="1">
                 <a:solidFill>
                   <a:srgbClr val="007020"/>
                 </a:solidFill>
@@ -10033,35 +10033,35 @@
               <a:t>mean</a:t>
             </a:r>
             <a:r>
-              <a:rPr>
+              <a:rPr sz="1800">
                 <a:latin typeface="Courier"/>
               </a:rPr>
               <a:t>(cchic[[i]]))</a:t>
             </a:r>
             <a:br/>
             <a:r>
-              <a:rPr>
+              <a:rPr sz="1800">
                 <a:latin typeface="Courier"/>
               </a:rPr>
               <a:t>    </a:t>
             </a:r>
             <a:br/>
             <a:r>
-              <a:rPr>
+              <a:rPr sz="1800">
                 <a:latin typeface="Courier"/>
               </a:rPr>
               <a:t>  }</a:t>
             </a:r>
             <a:br/>
             <a:r>
-              <a:rPr>
+              <a:rPr sz="1800">
                 <a:latin typeface="Courier"/>
               </a:rPr>
               <a:t>  </a:t>
             </a:r>
             <a:br/>
             <a:r>
-              <a:rPr>
+              <a:rPr sz="1800">
                 <a:latin typeface="Courier"/>
               </a:rPr>
               <a:t>}</a:t>
@@ -10381,7 +10381,7 @@
               <a:t>Again, please make sure the </a:t>
             </a:r>
             <a:r>
-              <a:rPr>
+              <a:rPr sz="1800">
                 <a:latin typeface="Courier"/>
               </a:rPr>
               <a:t>cchic</a:t>
@@ -10395,13 +10395,13 @@
             <a:pPr lvl="1"/>
             <a:r>
               <a:rPr/>
-              <a:t>Please download Workshop7.R via </a:t>
+              <a:t>Please download Workshop6.R via </a:t>
             </a:r>
             <a:r>
               <a:rPr>
                 <a:hlinkClick r:id="rId2"/>
               </a:rPr>
-              <a:t>https://github.com/ClinicianCoders/ClinicianCoders/Workshops/Workshop7.R</a:t>
+              <a:t>https://github.com/ClinicianCoders/ClinicianCoders/blob/master/Workshops/Workshop6.R</a:t>
             </a:r>
           </a:p>
           <a:p>
@@ -10411,7 +10411,7 @@
               <a:t>Question: How do we calculate the mean of every numeric variable in </a:t>
             </a:r>
             <a:r>
-              <a:rPr>
+              <a:rPr sz="1800">
                 <a:latin typeface="Courier"/>
               </a:rPr>
               <a:t>chicc</a:t>
@@ -10631,7 +10631,7 @@
               <a:t>Control flow is an </a:t>
             </a:r>
             <a:r>
-              <a:rPr>
+              <a:rPr sz="1800">
                 <a:latin typeface="Courier"/>
               </a:rPr>
               <a:t>if</a:t>
@@ -10648,7 +10648,7 @@
               <a:t>There are 3 parts to an </a:t>
             </a:r>
             <a:r>
-              <a:rPr>
+              <a:rPr sz="1800">
                 <a:latin typeface="Courier"/>
               </a:rPr>
               <a:t>if</a:t>
@@ -10769,17 +10769,17 @@
           <a:bodyPr/>
           <a:lstStyle/>
           <a:p>
-            <a:pPr lvl="0" indent="0">
+            <a:pPr lvl="0" marL="1270000" indent="0">
               <a:buNone/>
             </a:pPr>
             <a:r>
-              <a:rPr>
+              <a:rPr sz="1800">
                 <a:latin typeface="Courier"/>
               </a:rPr>
               <a:t>raining &lt;-</a:t>
             </a:r>
             <a:r>
-              <a:rPr>
+              <a:rPr sz="1800">
                 <a:solidFill>
                   <a:srgbClr val="4070A0"/>
                 </a:solidFill>
@@ -10788,7 +10788,7 @@
               <a:t> </a:t>
             </a:r>
             <a:r>
-              <a:rPr>
+              <a:rPr sz="1800">
                 <a:solidFill>
                   <a:srgbClr val="007020"/>
                 </a:solidFill>
@@ -10799,7 +10799,7 @@
             <a:br/>
             <a:br/>
             <a:r>
-              <a:rPr b="1">
+              <a:rPr sz="1800" b="1">
                 <a:solidFill>
                   <a:srgbClr val="007020"/>
                 </a:solidFill>
@@ -10808,13 +10808,13 @@
               <a:t>if</a:t>
             </a:r>
             <a:r>
-              <a:rPr>
+              <a:rPr sz="1800">
                 <a:latin typeface="Courier"/>
               </a:rPr>
               <a:t>(raining </a:t>
             </a:r>
             <a:r>
-              <a:rPr>
+              <a:rPr sz="1800">
                 <a:solidFill>
                   <a:srgbClr val="666666"/>
                 </a:solidFill>
@@ -10823,7 +10823,7 @@
               <a:t>==</a:t>
             </a:r>
             <a:r>
-              <a:rPr>
+              <a:rPr sz="1800">
                 <a:solidFill>
                   <a:srgbClr val="4070A0"/>
                 </a:solidFill>
@@ -10832,7 +10832,7 @@
               <a:t> </a:t>
             </a:r>
             <a:r>
-              <a:rPr>
+              <a:rPr sz="1800">
                 <a:solidFill>
                   <a:srgbClr val="007020"/>
                 </a:solidFill>
@@ -10841,27 +10841,27 @@
               <a:t>TRUE</a:t>
             </a:r>
             <a:r>
-              <a:rPr>
+              <a:rPr sz="1800">
                 <a:latin typeface="Courier"/>
               </a:rPr>
               <a:t>){</a:t>
             </a:r>
             <a:br/>
             <a:r>
-              <a:rPr>
+              <a:rPr sz="1800">
                 <a:latin typeface="Courier"/>
               </a:rPr>
               <a:t>  </a:t>
             </a:r>
             <a:br/>
             <a:r>
-              <a:rPr>
+              <a:rPr sz="1800">
                 <a:latin typeface="Courier"/>
               </a:rPr>
               <a:t>  </a:t>
             </a:r>
             <a:r>
-              <a:rPr b="1">
+              <a:rPr sz="1800" b="1">
                 <a:solidFill>
                   <a:srgbClr val="007020"/>
                 </a:solidFill>
@@ -10870,13 +10870,13 @@
               <a:t>print</a:t>
             </a:r>
             <a:r>
-              <a:rPr>
+              <a:rPr sz="1800">
                 <a:latin typeface="Courier"/>
               </a:rPr>
               <a:t>(</a:t>
             </a:r>
             <a:r>
-              <a:rPr>
+              <a:rPr sz="1800">
                 <a:solidFill>
                   <a:srgbClr val="4070A0"/>
                 </a:solidFill>
@@ -10885,32 +10885,32 @@
               <a:t>"Bring an umbrella!"</a:t>
             </a:r>
             <a:r>
-              <a:rPr>
+              <a:rPr sz="1800">
                 <a:latin typeface="Courier"/>
               </a:rPr>
               <a:t>)</a:t>
             </a:r>
             <a:br/>
             <a:r>
-              <a:rPr>
+              <a:rPr sz="1800">
                 <a:latin typeface="Courier"/>
               </a:rPr>
               <a:t>  </a:t>
             </a:r>
             <a:br/>
             <a:r>
-              <a:rPr>
+              <a:rPr sz="1800">
                 <a:latin typeface="Courier"/>
               </a:rPr>
               <a:t>}</a:t>
             </a:r>
           </a:p>
           <a:p>
-            <a:pPr lvl="0" indent="0">
+            <a:pPr lvl="0" marL="1270000" indent="0">
               <a:buNone/>
             </a:pPr>
             <a:r>
-              <a:rPr>
+              <a:rPr sz="1800">
                 <a:latin typeface="Courier"/>
               </a:rPr>
               <a:t>## [1] "Bring an umbrella!"</a:t>
@@ -11025,7 +11025,7 @@
           <a:p>
             <a:pPr lvl="2"/>
             <a:r>
-              <a:rPr>
+              <a:rPr sz="1800">
                 <a:latin typeface="Courier"/>
               </a:rPr>
               <a:t>x == y</a:t>
@@ -11038,7 +11038,7 @@
           <a:p>
             <a:pPr lvl="2"/>
             <a:r>
-              <a:rPr>
+              <a:rPr sz="1800">
                 <a:latin typeface="Courier"/>
               </a:rPr>
               <a:t>x != y</a:t>
@@ -11051,7 +11051,7 @@
           <a:p>
             <a:pPr lvl="2"/>
             <a:r>
-              <a:rPr>
+              <a:rPr sz="1800">
                 <a:latin typeface="Courier"/>
               </a:rPr>
               <a:t>x &lt; y</a:t>
@@ -11064,7 +11064,7 @@
           <a:p>
             <a:pPr lvl="2"/>
             <a:r>
-              <a:rPr>
+              <a:rPr sz="1800">
                 <a:latin typeface="Courier"/>
               </a:rPr>
               <a:t>x &lt;= y</a:t>
@@ -11077,7 +11077,7 @@
           <a:p>
             <a:pPr lvl="2"/>
             <a:r>
-              <a:rPr>
+              <a:rPr sz="1800">
                 <a:latin typeface="Courier"/>
               </a:rPr>
               <a:t>x &gt; y</a:t>
@@ -11090,7 +11090,7 @@
           <a:p>
             <a:pPr lvl="2"/>
             <a:r>
-              <a:rPr>
+              <a:rPr sz="1800">
                 <a:latin typeface="Courier"/>
               </a:rPr>
               <a:t>x &gt;= y</a:t>

--- a/Workshops/Workshop6.pptx
+++ b/Workshops/Workshop6.pptx
@@ -5,7 +5,7 @@
     <p:sldMasterId id="2147483648" r:id="rId1"/>
   </p:sldMasterIdLst>
   <p:notesMasterIdLst>
-    <p:NotesMasterId r:id="rId35"/>
+    <p:notesMasterId r:id="rId36"/>
   </p:notesMasterIdLst>
   <p:sldIdLst>
     <p:sldId id="256" r:id="rId2"/>
@@ -27,20 +27,21 @@
     <p:sldId id="272" r:id="rId18"/>
     <p:sldId id="273" r:id="rId19"/>
     <p:sldId id="274" r:id="rId20"/>
-    <p:sldId id="275" r:id="rId21"/>
-    <p:sldId id="276" r:id="rId22"/>
-    <p:sldId id="277" r:id="rId23"/>
-    <p:sldId id="278" r:id="rId24"/>
-    <p:sldId id="279" r:id="rId25"/>
-    <p:sldId id="280" r:id="rId26"/>
-    <p:sldId id="281" r:id="rId27"/>
-    <p:sldId id="282" r:id="rId28"/>
-    <p:sldId id="283" r:id="rId29"/>
-    <p:sldId id="284" r:id="rId30"/>
-    <p:sldId id="285" r:id="rId31"/>
-    <p:sldId id="286" r:id="rId32"/>
-    <p:sldId id="287" r:id="rId33"/>
-    <p:sldId id="288" r:id="rId34"/>
+    <p:sldId id="289" r:id="rId21"/>
+    <p:sldId id="275" r:id="rId22"/>
+    <p:sldId id="276" r:id="rId23"/>
+    <p:sldId id="277" r:id="rId24"/>
+    <p:sldId id="278" r:id="rId25"/>
+    <p:sldId id="279" r:id="rId26"/>
+    <p:sldId id="280" r:id="rId27"/>
+    <p:sldId id="281" r:id="rId28"/>
+    <p:sldId id="282" r:id="rId29"/>
+    <p:sldId id="283" r:id="rId30"/>
+    <p:sldId id="284" r:id="rId31"/>
+    <p:sldId id="285" r:id="rId32"/>
+    <p:sldId id="286" r:id="rId33"/>
+    <p:sldId id="287" r:id="rId34"/>
+    <p:sldId id="288" r:id="rId35"/>
   </p:sldIdLst>
   <p:sldSz cx="12192000" cy="6858000"/>
   <p:notesSz cx="6858000" cy="9144000"/>
@@ -229,7 +230,7 @@
           <a:p>
             <a:fld id="{0F9C1CCF-B725-44A7-AA57-5E433BD85C9F}" type="datetimeFigureOut">
               <a:rPr lang="en-US" smtClean="0"/>
-              <a:t>4/5/2019</a:t>
+              <a:t>9/1/21</a:t>
             </a:fld>
             <a:endParaRPr lang="en-US"/>
           </a:p>
@@ -293,38 +294,37 @@
           <a:p>
             <a:pPr lvl="0"/>
             <a:r>
-              <a:rPr lang="en-US" smtClean="0"/>
+              <a:rPr lang="en-US"/>
               <a:t>Click to edit Master text styles</a:t>
             </a:r>
           </a:p>
           <a:p>
             <a:pPr lvl="1"/>
             <a:r>
-              <a:rPr lang="en-US" smtClean="0"/>
+              <a:rPr lang="en-US"/>
               <a:t>Second level</a:t>
             </a:r>
           </a:p>
           <a:p>
             <a:pPr lvl="2"/>
             <a:r>
-              <a:rPr lang="en-US" smtClean="0"/>
+              <a:rPr lang="en-US"/>
               <a:t>Third level</a:t>
             </a:r>
           </a:p>
           <a:p>
             <a:pPr lvl="3"/>
             <a:r>
-              <a:rPr lang="en-US" smtClean="0"/>
+              <a:rPr lang="en-US"/>
               <a:t>Fourth level</a:t>
             </a:r>
           </a:p>
           <a:p>
             <a:pPr lvl="4"/>
             <a:r>
-              <a:rPr lang="en-US" smtClean="0"/>
+              <a:rPr lang="en-US"/>
               <a:t>Fifth level</a:t>
             </a:r>
-            <a:endParaRPr lang="en-US"/>
           </a:p>
         </p:txBody>
       </p:sp>
@@ -524,7 +524,12 @@
             <p:ph type="sldImg"/>
           </p:nvPr>
         </p:nvSpPr>
-        <p:spPr/>
+        <p:spPr>
+          <a:xfrm>
+            <a:off x="685800" y="1143000"/>
+            <a:ext cx="5486400" cy="3086100"/>
+          </a:xfrm>
+        </p:spPr>
       </p:sp>
       <p:sp>
         <p:nvSpPr>
@@ -541,101 +546,14 @@
           <a:bodyPr/>
           <a:lstStyle/>
           <a:p>
-            <a:pPr lvl="0" marL="0" indent="0">
+            <a:pPr marL="0" lvl="0" indent="0">
               <a:buNone/>
             </a:pPr>
             <a:r>
-              <a:rPr/>
-              <a:t>Try</a:t>
-            </a:r>
-            <a:r>
-              <a:rPr/>
-              <a:t> </a:t>
-            </a:r>
-            <a:r>
-              <a:rPr/>
-              <a:t>to</a:t>
-            </a:r>
-            <a:r>
-              <a:rPr/>
-              <a:t> </a:t>
-            </a:r>
-            <a:r>
-              <a:rPr/>
-              <a:t>teach</a:t>
-            </a:r>
-            <a:r>
-              <a:rPr/>
-              <a:t> </a:t>
-            </a:r>
-            <a:r>
-              <a:rPr/>
-              <a:t>a</a:t>
-            </a:r>
-            <a:r>
-              <a:rPr/>
-              <a:t> </a:t>
-            </a:r>
-            <a:r>
-              <a:rPr/>
-              <a:t>concepts</a:t>
-            </a:r>
-            <a:r>
-              <a:rPr/>
-              <a:t> </a:t>
-            </a:r>
-            <a:r>
-              <a:rPr/>
-              <a:t>then</a:t>
-            </a:r>
-            <a:r>
-              <a:rPr/>
-              <a:t> </a:t>
-            </a:r>
-            <a:r>
-              <a:rPr/>
-              <a:t>they</a:t>
-            </a:r>
-            <a:r>
-              <a:rPr/>
-              <a:t> </a:t>
-            </a:r>
-            <a:r>
-              <a:rPr/>
-              <a:t>can</a:t>
-            </a:r>
-            <a:r>
-              <a:rPr/>
-              <a:t> </a:t>
-            </a:r>
-            <a:r>
-              <a:rPr/>
-              <a:t>go</a:t>
-            </a:r>
-            <a:r>
-              <a:rPr/>
-              <a:t> </a:t>
-            </a:r>
-            <a:r>
-              <a:rPr/>
-              <a:t>home</a:t>
-            </a:r>
-            <a:r>
-              <a:rPr/>
-              <a:t> </a:t>
-            </a:r>
-            <a:r>
-              <a:rPr/>
-              <a:t>and</a:t>
-            </a:r>
-            <a:r>
-              <a:rPr/>
-              <a:t> </a:t>
-            </a:r>
-            <a:r>
-              <a:rPr/>
-              <a:t>practice.</a:t>
-            </a:r>
+              <a:rPr dirty="0"/>
+              <a:t>Try to teach a concepts then they can go home and practice.</a:t>
+            </a:r>
+            <a:endParaRPr lang="en-US" dirty="0"/>
           </a:p>
         </p:txBody>
       </p:sp>
@@ -664,6 +582,285 @@
       </p:sp>
     </p:spTree>
   </p:cSld>
+  <p:clrMapOvr>
+    <a:masterClrMapping/>
+  </p:clrMapOvr>
+</p:notes>
+</file>
+
+<file path=ppt/notesSlides/notesSlide10.xml><?xml version="1.0" encoding="utf-8"?>
+<p:notes xmlns:a="http://schemas.openxmlformats.org/drawingml/2006/main" xmlns:r="http://schemas.openxmlformats.org/officeDocument/2006/relationships" xmlns:p="http://schemas.openxmlformats.org/presentationml/2006/main">
+  <p:cSld>
+    <p:spTree>
+      <p:nvGrpSpPr>
+        <p:cNvPr id="1" name=""/>
+        <p:cNvGrpSpPr/>
+        <p:nvPr/>
+      </p:nvGrpSpPr>
+      <p:grpSpPr>
+        <a:xfrm>
+          <a:off x="0" y="0"/>
+          <a:ext cx="0" cy="0"/>
+          <a:chOff x="0" y="0"/>
+          <a:chExt cx="0" cy="0"/>
+        </a:xfrm>
+      </p:grpSpPr>
+      <p:sp>
+        <p:nvSpPr>
+          <p:cNvPr id="2" name="Slide Image Placeholder 1"/>
+          <p:cNvSpPr>
+            <a:spLocks noGrp="1" noRot="1" noChangeAspect="1"/>
+          </p:cNvSpPr>
+          <p:nvPr>
+            <p:ph type="sldImg"/>
+          </p:nvPr>
+        </p:nvSpPr>
+        <p:spPr>
+          <a:xfrm>
+            <a:off x="685800" y="1143000"/>
+            <a:ext cx="5486400" cy="3086100"/>
+          </a:xfrm>
+        </p:spPr>
+      </p:sp>
+      <p:sp>
+        <p:nvSpPr>
+          <p:cNvPr id="3" name="Notes Placeholder 2"/>
+          <p:cNvSpPr>
+            <a:spLocks noGrp="1"/>
+          </p:cNvSpPr>
+          <p:nvPr>
+            <p:ph type="body" idx="1"/>
+          </p:nvPr>
+        </p:nvSpPr>
+        <p:spPr/>
+        <p:txBody>
+          <a:bodyPr/>
+          <a:lstStyle/>
+          <a:p>
+            <a:r>
+              <a:rPr lang="en-US" dirty="0"/>
+              <a:t>You may need to test whether multiple conditions have been met</a:t>
+            </a:r>
+          </a:p>
+        </p:txBody>
+      </p:sp>
+      <p:sp>
+        <p:nvSpPr>
+          <p:cNvPr id="4" name="Slide Number Placeholder 3"/>
+          <p:cNvSpPr>
+            <a:spLocks noGrp="1"/>
+          </p:cNvSpPr>
+          <p:nvPr>
+            <p:ph type="sldNum" sz="quarter" idx="5"/>
+          </p:nvPr>
+        </p:nvSpPr>
+        <p:spPr/>
+        <p:txBody>
+          <a:bodyPr/>
+          <a:lstStyle/>
+          <a:p>
+            <a:fld id="{18BDFEC3-8487-43E8-A154-7C12CBC1FFF2}" type="slidenum">
+              <a:rPr lang="en-US" smtClean="0"/>
+              <a:t>18</a:t>
+            </a:fld>
+            <a:endParaRPr lang="en-US"/>
+          </a:p>
+        </p:txBody>
+      </p:sp>
+    </p:spTree>
+    <p:extLst>
+      <p:ext uri="{BB962C8B-B14F-4D97-AF65-F5344CB8AC3E}">
+        <p14:creationId xmlns:p14="http://schemas.microsoft.com/office/powerpoint/2010/main" val="3684359365"/>
+      </p:ext>
+    </p:extLst>
+  </p:cSld>
+  <p:clrMapOvr>
+    <a:masterClrMapping/>
+  </p:clrMapOvr>
+</p:notes>
+</file>
+
+<file path=ppt/notesSlides/notesSlide11.xml><?xml version="1.0" encoding="utf-8"?>
+<p:notes xmlns:a="http://schemas.openxmlformats.org/drawingml/2006/main" xmlns:r="http://schemas.openxmlformats.org/officeDocument/2006/relationships" xmlns:p="http://schemas.openxmlformats.org/presentationml/2006/main">
+  <p:cSld>
+    <p:spTree>
+      <p:nvGrpSpPr>
+        <p:cNvPr id="1" name=""/>
+        <p:cNvGrpSpPr/>
+        <p:nvPr/>
+      </p:nvGrpSpPr>
+      <p:grpSpPr>
+        <a:xfrm>
+          <a:off x="0" y="0"/>
+          <a:ext cx="0" cy="0"/>
+          <a:chOff x="0" y="0"/>
+          <a:chExt cx="0" cy="0"/>
+        </a:xfrm>
+      </p:grpSpPr>
+      <p:sp>
+        <p:nvSpPr>
+          <p:cNvPr id="2" name="Slide Image Placeholder 1"/>
+          <p:cNvSpPr>
+            <a:spLocks noGrp="1" noRot="1" noChangeAspect="1"/>
+          </p:cNvSpPr>
+          <p:nvPr>
+            <p:ph type="sldImg"/>
+          </p:nvPr>
+        </p:nvSpPr>
+        <p:spPr>
+          <a:xfrm>
+            <a:off x="685800" y="1143000"/>
+            <a:ext cx="5486400" cy="3086100"/>
+          </a:xfrm>
+        </p:spPr>
+      </p:sp>
+      <p:sp>
+        <p:nvSpPr>
+          <p:cNvPr id="3" name="Notes Placeholder 2"/>
+          <p:cNvSpPr>
+            <a:spLocks noGrp="1"/>
+          </p:cNvSpPr>
+          <p:nvPr>
+            <p:ph type="body" idx="1"/>
+          </p:nvPr>
+        </p:nvSpPr>
+        <p:spPr/>
+        <p:txBody>
+          <a:bodyPr/>
+          <a:lstStyle/>
+          <a:p>
+            <a:r>
+              <a:rPr lang="en-US" dirty="0"/>
+              <a:t>Analysis will be limited by the time it takes to copy and paste code! Loop instead. </a:t>
+            </a:r>
+          </a:p>
+        </p:txBody>
+      </p:sp>
+      <p:sp>
+        <p:nvSpPr>
+          <p:cNvPr id="4" name="Slide Number Placeholder 3"/>
+          <p:cNvSpPr>
+            <a:spLocks noGrp="1"/>
+          </p:cNvSpPr>
+          <p:nvPr>
+            <p:ph type="sldNum" sz="quarter" idx="5"/>
+          </p:nvPr>
+        </p:nvSpPr>
+        <p:spPr/>
+        <p:txBody>
+          <a:bodyPr/>
+          <a:lstStyle/>
+          <a:p>
+            <a:fld id="{18BDFEC3-8487-43E8-A154-7C12CBC1FFF2}" type="slidenum">
+              <a:rPr lang="en-US" smtClean="0"/>
+              <a:t>21</a:t>
+            </a:fld>
+            <a:endParaRPr lang="en-US"/>
+          </a:p>
+        </p:txBody>
+      </p:sp>
+    </p:spTree>
+    <p:extLst>
+      <p:ext uri="{BB962C8B-B14F-4D97-AF65-F5344CB8AC3E}">
+        <p14:creationId xmlns:p14="http://schemas.microsoft.com/office/powerpoint/2010/main" val="3419532655"/>
+      </p:ext>
+    </p:extLst>
+  </p:cSld>
+  <p:clrMapOvr>
+    <a:masterClrMapping/>
+  </p:clrMapOvr>
+</p:notes>
+</file>
+
+<file path=ppt/notesSlides/notesSlide12.xml><?xml version="1.0" encoding="utf-8"?>
+<p:notes xmlns:a="http://schemas.openxmlformats.org/drawingml/2006/main" xmlns:r="http://schemas.openxmlformats.org/officeDocument/2006/relationships" xmlns:p="http://schemas.openxmlformats.org/presentationml/2006/main">
+  <p:cSld>
+    <p:spTree>
+      <p:nvGrpSpPr>
+        <p:cNvPr id="1" name=""/>
+        <p:cNvGrpSpPr/>
+        <p:nvPr/>
+      </p:nvGrpSpPr>
+      <p:grpSpPr>
+        <a:xfrm>
+          <a:off x="0" y="0"/>
+          <a:ext cx="0" cy="0"/>
+          <a:chOff x="0" y="0"/>
+          <a:chExt cx="0" cy="0"/>
+        </a:xfrm>
+      </p:grpSpPr>
+      <p:sp>
+        <p:nvSpPr>
+          <p:cNvPr id="2" name="Slide Image Placeholder 1"/>
+          <p:cNvSpPr>
+            <a:spLocks noGrp="1" noRot="1" noChangeAspect="1"/>
+          </p:cNvSpPr>
+          <p:nvPr>
+            <p:ph type="sldImg"/>
+          </p:nvPr>
+        </p:nvSpPr>
+        <p:spPr>
+          <a:xfrm>
+            <a:off x="685800" y="1143000"/>
+            <a:ext cx="5486400" cy="3086100"/>
+          </a:xfrm>
+        </p:spPr>
+      </p:sp>
+      <p:sp>
+        <p:nvSpPr>
+          <p:cNvPr id="3" name="Notes Placeholder 2"/>
+          <p:cNvSpPr>
+            <a:spLocks noGrp="1"/>
+          </p:cNvSpPr>
+          <p:nvPr>
+            <p:ph type="body" idx="1"/>
+          </p:nvPr>
+        </p:nvSpPr>
+        <p:spPr/>
+        <p:txBody>
+          <a:bodyPr/>
+          <a:lstStyle/>
+          <a:p>
+            <a:r>
+              <a:rPr lang="en-US" dirty="0"/>
+              <a:t>Two types of loop: for and while, here we’ll focus on for loops. </a:t>
+            </a:r>
+          </a:p>
+        </p:txBody>
+      </p:sp>
+      <p:sp>
+        <p:nvSpPr>
+          <p:cNvPr id="4" name="Slide Number Placeholder 3"/>
+          <p:cNvSpPr>
+            <a:spLocks noGrp="1"/>
+          </p:cNvSpPr>
+          <p:nvPr>
+            <p:ph type="sldNum" sz="quarter" idx="5"/>
+          </p:nvPr>
+        </p:nvSpPr>
+        <p:spPr/>
+        <p:txBody>
+          <a:bodyPr/>
+          <a:lstStyle/>
+          <a:p>
+            <a:fld id="{18BDFEC3-8487-43E8-A154-7C12CBC1FFF2}" type="slidenum">
+              <a:rPr lang="en-US" smtClean="0"/>
+              <a:t>22</a:t>
+            </a:fld>
+            <a:endParaRPr lang="en-US"/>
+          </a:p>
+        </p:txBody>
+      </p:sp>
+    </p:spTree>
+    <p:extLst>
+      <p:ext uri="{BB962C8B-B14F-4D97-AF65-F5344CB8AC3E}">
+        <p14:creationId xmlns:p14="http://schemas.microsoft.com/office/powerpoint/2010/main" val="1027966476"/>
+      </p:ext>
+    </p:extLst>
+  </p:cSld>
+  <p:clrMapOvr>
+    <a:masterClrMapping/>
+  </p:clrMapOvr>
 </p:notes>
 </file>
 
@@ -694,7 +891,12 @@
             <p:ph type="sldImg"/>
           </p:nvPr>
         </p:nvSpPr>
-        <p:spPr/>
+        <p:spPr>
+          <a:xfrm>
+            <a:off x="685800" y="1143000"/>
+            <a:ext cx="5486400" cy="3086100"/>
+          </a:xfrm>
+        </p:spPr>
       </p:sp>
       <p:sp>
         <p:nvSpPr>
@@ -711,317 +913,134 @@
           <a:bodyPr/>
           <a:lstStyle/>
           <a:p>
-            <a:pPr lvl="0" marL="0" indent="0">
+            <a:r>
+              <a:rPr lang="en-US" dirty="0"/>
+              <a:t>This is an interactive session, so make sure that you have ‘Workshop6.R’ open</a:t>
+            </a:r>
+          </a:p>
+        </p:txBody>
+      </p:sp>
+      <p:sp>
+        <p:nvSpPr>
+          <p:cNvPr id="4" name="Slide Number Placeholder 3"/>
+          <p:cNvSpPr>
+            <a:spLocks noGrp="1"/>
+          </p:cNvSpPr>
+          <p:nvPr>
+            <p:ph type="sldNum" sz="quarter" idx="5"/>
+          </p:nvPr>
+        </p:nvSpPr>
+        <p:spPr/>
+        <p:txBody>
+          <a:bodyPr/>
+          <a:lstStyle/>
+          <a:p>
+            <a:fld id="{18BDFEC3-8487-43E8-A154-7C12CBC1FFF2}" type="slidenum">
+              <a:rPr lang="en-US" smtClean="0"/>
+              <a:t>5</a:t>
+            </a:fld>
+            <a:endParaRPr lang="en-US"/>
+          </a:p>
+        </p:txBody>
+      </p:sp>
+    </p:spTree>
+    <p:extLst>
+      <p:ext uri="{BB962C8B-B14F-4D97-AF65-F5344CB8AC3E}">
+        <p14:creationId xmlns:p14="http://schemas.microsoft.com/office/powerpoint/2010/main" val="1985728517"/>
+      </p:ext>
+    </p:extLst>
+  </p:cSld>
+  <p:clrMapOvr>
+    <a:masterClrMapping/>
+  </p:clrMapOvr>
+</p:notes>
+</file>
+
+<file path=ppt/notesSlides/notesSlide3.xml><?xml version="1.0" encoding="utf-8"?>
+<p:notes xmlns:a="http://schemas.openxmlformats.org/drawingml/2006/main" xmlns:r="http://schemas.openxmlformats.org/officeDocument/2006/relationships" xmlns:p="http://schemas.openxmlformats.org/presentationml/2006/main">
+  <p:cSld>
+    <p:spTree>
+      <p:nvGrpSpPr>
+        <p:cNvPr id="1" name=""/>
+        <p:cNvGrpSpPr/>
+        <p:nvPr/>
+      </p:nvGrpSpPr>
+      <p:grpSpPr>
+        <a:xfrm>
+          <a:off x="0" y="0"/>
+          <a:ext cx="0" cy="0"/>
+          <a:chOff x="0" y="0"/>
+          <a:chExt cx="0" cy="0"/>
+        </a:xfrm>
+      </p:grpSpPr>
+      <p:sp>
+        <p:nvSpPr>
+          <p:cNvPr id="2" name="Slide Image Placeholder 1"/>
+          <p:cNvSpPr>
+            <a:spLocks noGrp="1" noRot="1" noChangeAspect="1"/>
+          </p:cNvSpPr>
+          <p:nvPr>
+            <p:ph type="sldImg"/>
+          </p:nvPr>
+        </p:nvSpPr>
+        <p:spPr>
+          <a:xfrm>
+            <a:off x="685800" y="1143000"/>
+            <a:ext cx="5486400" cy="3086100"/>
+          </a:xfrm>
+        </p:spPr>
+      </p:sp>
+      <p:sp>
+        <p:nvSpPr>
+          <p:cNvPr id="3" name="Notes Placeholder 2"/>
+          <p:cNvSpPr>
+            <a:spLocks noGrp="1"/>
+          </p:cNvSpPr>
+          <p:nvPr>
+            <p:ph type="body" idx="1"/>
+          </p:nvPr>
+        </p:nvSpPr>
+        <p:spPr/>
+        <p:txBody>
+          <a:bodyPr/>
+          <a:lstStyle/>
+          <a:p>
+            <a:pPr marL="0" lvl="0" indent="0">
               <a:buNone/>
             </a:pPr>
             <a:r>
-              <a:rPr/>
-              <a:t>If</a:t>
-            </a:r>
-            <a:r>
-              <a:rPr/>
+              <a:rPr dirty="0"/>
+              <a:t>If I gave you one instruction, the entire time, this would greatly limit the complexity of what I can tell someone to do.</a:t>
+            </a:r>
+            <a:r>
+              <a:rPr lang="en-US" dirty="0"/>
+              <a:t> E.g. </a:t>
+            </a:r>
+            <a:r>
+              <a:rPr dirty="0"/>
+              <a:t>If it rains, take an umbrella. If</a:t>
+            </a:r>
+            <a:r>
+              <a:rPr lang="en-US" dirty="0"/>
               <a:t> </a:t>
             </a:r>
             <a:r>
-              <a:rPr/>
-              <a:t>I</a:t>
-            </a:r>
-            <a:r>
-              <a:rPr/>
-              <a:t> </a:t>
-            </a:r>
-            <a:r>
-              <a:rPr/>
-              <a:t>gave</a:t>
-            </a:r>
-            <a:r>
-              <a:rPr/>
-              <a:t> </a:t>
-            </a:r>
-            <a:r>
-              <a:rPr/>
-              <a:t>you</a:t>
-            </a:r>
-            <a:r>
-              <a:rPr/>
-              <a:t> </a:t>
-            </a:r>
-            <a:r>
-              <a:rPr/>
-              <a:t>one</a:t>
-            </a:r>
-            <a:r>
-              <a:rPr/>
-              <a:t> </a:t>
-            </a:r>
-            <a:r>
-              <a:rPr/>
-              <a:t>instruction,</a:t>
-            </a:r>
-            <a:r>
-              <a:rPr/>
-              <a:t> </a:t>
-            </a:r>
-            <a:r>
-              <a:rPr/>
-              <a:t>the</a:t>
-            </a:r>
-            <a:r>
-              <a:rPr/>
-              <a:t> </a:t>
-            </a:r>
-            <a:r>
-              <a:rPr/>
-              <a:t>entire</a:t>
-            </a:r>
-            <a:r>
-              <a:rPr/>
-              <a:t> </a:t>
-            </a:r>
-            <a:r>
-              <a:rPr/>
-              <a:t>time,</a:t>
-            </a:r>
-            <a:r>
-              <a:rPr/>
-              <a:t> </a:t>
-            </a:r>
-            <a:r>
-              <a:rPr/>
-              <a:t>this</a:t>
-            </a:r>
-            <a:r>
-              <a:rPr/>
-              <a:t> </a:t>
-            </a:r>
-            <a:r>
-              <a:rPr/>
-              <a:t>would</a:t>
-            </a:r>
-            <a:r>
-              <a:rPr/>
-              <a:t> </a:t>
-            </a:r>
-            <a:r>
-              <a:rPr/>
-              <a:t>greatly</a:t>
-            </a:r>
-            <a:r>
-              <a:rPr/>
-              <a:t> </a:t>
-            </a:r>
-            <a:r>
-              <a:rPr/>
-              <a:t>limit</a:t>
-            </a:r>
-            <a:r>
-              <a:rPr/>
-              <a:t> </a:t>
-            </a:r>
-            <a:r>
-              <a:rPr/>
-              <a:t>the</a:t>
-            </a:r>
-            <a:r>
-              <a:rPr/>
-              <a:t> </a:t>
-            </a:r>
-            <a:r>
-              <a:rPr/>
-              <a:t>complexity</a:t>
-            </a:r>
-            <a:r>
-              <a:rPr/>
-              <a:t> </a:t>
-            </a:r>
-            <a:r>
-              <a:rPr/>
-              <a:t>of</a:t>
-            </a:r>
-            <a:r>
-              <a:rPr/>
-              <a:t> </a:t>
-            </a:r>
-            <a:r>
-              <a:rPr/>
-              <a:t>what</a:t>
-            </a:r>
-            <a:r>
-              <a:rPr/>
-              <a:t> </a:t>
-            </a:r>
-            <a:r>
-              <a:rPr/>
-              <a:t>I</a:t>
-            </a:r>
-            <a:r>
-              <a:rPr/>
-              <a:t> </a:t>
-            </a:r>
-            <a:r>
-              <a:rPr/>
-              <a:t>can</a:t>
-            </a:r>
-            <a:r>
-              <a:rPr/>
-              <a:t> </a:t>
-            </a:r>
-            <a:r>
-              <a:rPr/>
-              <a:t>tell</a:t>
-            </a:r>
-            <a:r>
-              <a:rPr/>
-              <a:t> </a:t>
-            </a:r>
-            <a:r>
-              <a:rPr/>
-              <a:t>someone</a:t>
-            </a:r>
-            <a:r>
-              <a:rPr/>
-              <a:t> </a:t>
-            </a:r>
-            <a:r>
-              <a:rPr/>
-              <a:t>to</a:t>
-            </a:r>
-            <a:r>
-              <a:rPr/>
-              <a:t> </a:t>
-            </a:r>
-            <a:r>
-              <a:rPr/>
-              <a:t>do.</a:t>
-            </a:r>
-            <a:r>
-              <a:rPr/>
-              <a:t> </a:t>
-            </a:r>
-            <a:r>
-              <a:rPr/>
-              <a:t>If</a:t>
-            </a:r>
-            <a:r>
-              <a:rPr/>
-              <a:t> </a:t>
-            </a:r>
-            <a:r>
-              <a:rPr/>
-              <a:t>it</a:t>
-            </a:r>
-            <a:r>
-              <a:rPr/>
-              <a:t> </a:t>
-            </a:r>
-            <a:r>
-              <a:rPr/>
-              <a:t>rains,</a:t>
-            </a:r>
-            <a:r>
-              <a:rPr/>
-              <a:t> </a:t>
-            </a:r>
-            <a:r>
-              <a:rPr/>
-              <a:t>take</a:t>
-            </a:r>
-            <a:r>
-              <a:rPr/>
-              <a:t> </a:t>
-            </a:r>
-            <a:r>
-              <a:rPr/>
-              <a:t>an</a:t>
-            </a:r>
-            <a:r>
-              <a:rPr/>
-              <a:t> </a:t>
-            </a:r>
-            <a:r>
-              <a:rPr/>
-              <a:t>umbrella.</a:t>
-            </a:r>
-            <a:r>
-              <a:rPr/>
-              <a:t> </a:t>
-            </a:r>
-            <a:r>
-              <a:rPr/>
-              <a:t>If</a:t>
-            </a:r>
-            <a:r>
-              <a:rPr/>
-              <a:t> </a:t>
-            </a:r>
-            <a:r>
-              <a:rPr/>
-              <a:t>it</a:t>
-            </a:r>
-            <a:r>
-              <a:rPr/>
-              <a:t> </a:t>
-            </a:r>
-            <a:r>
-              <a:rPr/>
-              <a:t>you</a:t>
-            </a:r>
-            <a:r>
-              <a:rPr/>
-              <a:t> </a:t>
-            </a:r>
-            <a:r>
-              <a:rPr/>
-              <a:t>have</a:t>
-            </a:r>
-            <a:r>
-              <a:rPr/>
-              <a:t> </a:t>
-            </a:r>
-            <a:r>
-              <a:rPr/>
-              <a:t>gone</a:t>
-            </a:r>
-            <a:r>
-              <a:rPr/>
-              <a:t> </a:t>
-            </a:r>
-            <a:r>
-              <a:rPr/>
-              <a:t>to</a:t>
-            </a:r>
-            <a:r>
-              <a:rPr/>
-              <a:t> </a:t>
-            </a:r>
-            <a:r>
-              <a:rPr/>
-              <a:t>visited</a:t>
-            </a:r>
-            <a:r>
-              <a:rPr/>
-              <a:t> </a:t>
-            </a:r>
-            <a:r>
-              <a:rPr/>
-              <a:t>Wuhan,</a:t>
-            </a:r>
-            <a:r>
-              <a:rPr/>
-              <a:t> </a:t>
-            </a:r>
-            <a:r>
-              <a:rPr/>
-              <a:t>quarantine</a:t>
-            </a:r>
-            <a:r>
-              <a:rPr/>
-              <a:t> </a:t>
-            </a:r>
-            <a:r>
-              <a:rPr/>
-              <a:t>yourself</a:t>
-            </a:r>
+              <a:rPr dirty="0"/>
+              <a:t>you have gone to visited Wuhan, </a:t>
+            </a:r>
+            <a:r>
+              <a:rPr dirty="0" err="1"/>
+              <a:t>quarantin</a:t>
+            </a:r>
+            <a:r>
+              <a:rPr lang="en-GB" dirty="0"/>
+              <a:t>e</a:t>
+            </a:r>
+            <a:r>
+              <a:rPr lang="en-US" dirty="0"/>
+              <a:t>.</a:t>
+            </a:r>
+            <a:endParaRPr dirty="0"/>
           </a:p>
         </p:txBody>
       </p:sp>
@@ -1050,6 +1069,621 @@
       </p:sp>
     </p:spTree>
   </p:cSld>
+  <p:clrMapOvr>
+    <a:masterClrMapping/>
+  </p:clrMapOvr>
+</p:notes>
+</file>
+
+<file path=ppt/notesSlides/notesSlide4.xml><?xml version="1.0" encoding="utf-8"?>
+<p:notes xmlns:a="http://schemas.openxmlformats.org/drawingml/2006/main" xmlns:r="http://schemas.openxmlformats.org/officeDocument/2006/relationships" xmlns:p="http://schemas.openxmlformats.org/presentationml/2006/main">
+  <p:cSld>
+    <p:spTree>
+      <p:nvGrpSpPr>
+        <p:cNvPr id="1" name=""/>
+        <p:cNvGrpSpPr/>
+        <p:nvPr/>
+      </p:nvGrpSpPr>
+      <p:grpSpPr>
+        <a:xfrm>
+          <a:off x="0" y="0"/>
+          <a:ext cx="0" cy="0"/>
+          <a:chOff x="0" y="0"/>
+          <a:chExt cx="0" cy="0"/>
+        </a:xfrm>
+      </p:grpSpPr>
+      <p:sp>
+        <p:nvSpPr>
+          <p:cNvPr id="2" name="Slide Image Placeholder 1"/>
+          <p:cNvSpPr>
+            <a:spLocks noGrp="1" noRot="1" noChangeAspect="1"/>
+          </p:cNvSpPr>
+          <p:nvPr>
+            <p:ph type="sldImg"/>
+          </p:nvPr>
+        </p:nvSpPr>
+        <p:spPr>
+          <a:xfrm>
+            <a:off x="685800" y="1143000"/>
+            <a:ext cx="5486400" cy="3086100"/>
+          </a:xfrm>
+        </p:spPr>
+      </p:sp>
+      <p:sp>
+        <p:nvSpPr>
+          <p:cNvPr id="3" name="Notes Placeholder 2"/>
+          <p:cNvSpPr>
+            <a:spLocks noGrp="1"/>
+          </p:cNvSpPr>
+          <p:nvPr>
+            <p:ph type="body" idx="1"/>
+          </p:nvPr>
+        </p:nvSpPr>
+        <p:spPr/>
+        <p:txBody>
+          <a:bodyPr/>
+          <a:lstStyle/>
+          <a:p>
+            <a:r>
+              <a:rPr lang="en-US" dirty="0"/>
+              <a:t>Switch to R to give this example</a:t>
+            </a:r>
+          </a:p>
+        </p:txBody>
+      </p:sp>
+      <p:sp>
+        <p:nvSpPr>
+          <p:cNvPr id="4" name="Slide Number Placeholder 3"/>
+          <p:cNvSpPr>
+            <a:spLocks noGrp="1"/>
+          </p:cNvSpPr>
+          <p:nvPr>
+            <p:ph type="sldNum" sz="quarter" idx="5"/>
+          </p:nvPr>
+        </p:nvSpPr>
+        <p:spPr/>
+        <p:txBody>
+          <a:bodyPr/>
+          <a:lstStyle/>
+          <a:p>
+            <a:fld id="{18BDFEC3-8487-43E8-A154-7C12CBC1FFF2}" type="slidenum">
+              <a:rPr lang="en-US" smtClean="0"/>
+              <a:t>8</a:t>
+            </a:fld>
+            <a:endParaRPr lang="en-US"/>
+          </a:p>
+        </p:txBody>
+      </p:sp>
+    </p:spTree>
+    <p:extLst>
+      <p:ext uri="{BB962C8B-B14F-4D97-AF65-F5344CB8AC3E}">
+        <p14:creationId xmlns:p14="http://schemas.microsoft.com/office/powerpoint/2010/main" val="2302048564"/>
+      </p:ext>
+    </p:extLst>
+  </p:cSld>
+  <p:clrMapOvr>
+    <a:masterClrMapping/>
+  </p:clrMapOvr>
+</p:notes>
+</file>
+
+<file path=ppt/notesSlides/notesSlide5.xml><?xml version="1.0" encoding="utf-8"?>
+<p:notes xmlns:a="http://schemas.openxmlformats.org/drawingml/2006/main" xmlns:r="http://schemas.openxmlformats.org/officeDocument/2006/relationships" xmlns:p="http://schemas.openxmlformats.org/presentationml/2006/main">
+  <p:cSld>
+    <p:spTree>
+      <p:nvGrpSpPr>
+        <p:cNvPr id="1" name=""/>
+        <p:cNvGrpSpPr/>
+        <p:nvPr/>
+      </p:nvGrpSpPr>
+      <p:grpSpPr>
+        <a:xfrm>
+          <a:off x="0" y="0"/>
+          <a:ext cx="0" cy="0"/>
+          <a:chOff x="0" y="0"/>
+          <a:chExt cx="0" cy="0"/>
+        </a:xfrm>
+      </p:grpSpPr>
+      <p:sp>
+        <p:nvSpPr>
+          <p:cNvPr id="2" name="Slide Image Placeholder 1"/>
+          <p:cNvSpPr>
+            <a:spLocks noGrp="1" noRot="1" noChangeAspect="1"/>
+          </p:cNvSpPr>
+          <p:nvPr>
+            <p:ph type="sldImg"/>
+          </p:nvPr>
+        </p:nvSpPr>
+        <p:spPr>
+          <a:xfrm>
+            <a:off x="685800" y="1143000"/>
+            <a:ext cx="5486400" cy="3086100"/>
+          </a:xfrm>
+        </p:spPr>
+      </p:sp>
+      <p:sp>
+        <p:nvSpPr>
+          <p:cNvPr id="3" name="Notes Placeholder 2"/>
+          <p:cNvSpPr>
+            <a:spLocks noGrp="1"/>
+          </p:cNvSpPr>
+          <p:nvPr>
+            <p:ph type="body" idx="1"/>
+          </p:nvPr>
+        </p:nvSpPr>
+        <p:spPr/>
+        <p:txBody>
+          <a:bodyPr/>
+          <a:lstStyle/>
+          <a:p>
+            <a:r>
+              <a:rPr lang="en-US" dirty="0"/>
+              <a:t>Here are the different operators that can be used to perform different tests – recognizable, standard operators that you’ll all recognize. </a:t>
+            </a:r>
+          </a:p>
+        </p:txBody>
+      </p:sp>
+      <p:sp>
+        <p:nvSpPr>
+          <p:cNvPr id="4" name="Slide Number Placeholder 3"/>
+          <p:cNvSpPr>
+            <a:spLocks noGrp="1"/>
+          </p:cNvSpPr>
+          <p:nvPr>
+            <p:ph type="sldNum" sz="quarter" idx="5"/>
+          </p:nvPr>
+        </p:nvSpPr>
+        <p:spPr/>
+        <p:txBody>
+          <a:bodyPr/>
+          <a:lstStyle/>
+          <a:p>
+            <a:fld id="{18BDFEC3-8487-43E8-A154-7C12CBC1FFF2}" type="slidenum">
+              <a:rPr lang="en-US" smtClean="0"/>
+              <a:t>9</a:t>
+            </a:fld>
+            <a:endParaRPr lang="en-US"/>
+          </a:p>
+        </p:txBody>
+      </p:sp>
+    </p:spTree>
+    <p:extLst>
+      <p:ext uri="{BB962C8B-B14F-4D97-AF65-F5344CB8AC3E}">
+        <p14:creationId xmlns:p14="http://schemas.microsoft.com/office/powerpoint/2010/main" val="1433625616"/>
+      </p:ext>
+    </p:extLst>
+  </p:cSld>
+  <p:clrMapOvr>
+    <a:masterClrMapping/>
+  </p:clrMapOvr>
+</p:notes>
+</file>
+
+<file path=ppt/notesSlides/notesSlide6.xml><?xml version="1.0" encoding="utf-8"?>
+<p:notes xmlns:a="http://schemas.openxmlformats.org/drawingml/2006/main" xmlns:r="http://schemas.openxmlformats.org/officeDocument/2006/relationships" xmlns:p="http://schemas.openxmlformats.org/presentationml/2006/main">
+  <p:cSld>
+    <p:spTree>
+      <p:nvGrpSpPr>
+        <p:cNvPr id="1" name=""/>
+        <p:cNvGrpSpPr/>
+        <p:nvPr/>
+      </p:nvGrpSpPr>
+      <p:grpSpPr>
+        <a:xfrm>
+          <a:off x="0" y="0"/>
+          <a:ext cx="0" cy="0"/>
+          <a:chOff x="0" y="0"/>
+          <a:chExt cx="0" cy="0"/>
+        </a:xfrm>
+      </p:grpSpPr>
+      <p:sp>
+        <p:nvSpPr>
+          <p:cNvPr id="2" name="Slide Image Placeholder 1"/>
+          <p:cNvSpPr>
+            <a:spLocks noGrp="1" noRot="1" noChangeAspect="1"/>
+          </p:cNvSpPr>
+          <p:nvPr>
+            <p:ph type="sldImg"/>
+          </p:nvPr>
+        </p:nvSpPr>
+        <p:spPr>
+          <a:xfrm>
+            <a:off x="685800" y="1143000"/>
+            <a:ext cx="5486400" cy="3086100"/>
+          </a:xfrm>
+        </p:spPr>
+      </p:sp>
+      <p:sp>
+        <p:nvSpPr>
+          <p:cNvPr id="3" name="Notes Placeholder 2"/>
+          <p:cNvSpPr>
+            <a:spLocks noGrp="1"/>
+          </p:cNvSpPr>
+          <p:nvPr>
+            <p:ph type="body" idx="1"/>
+          </p:nvPr>
+        </p:nvSpPr>
+        <p:spPr/>
+        <p:txBody>
+          <a:bodyPr/>
+          <a:lstStyle/>
+          <a:p>
+            <a:pPr marL="0" marR="0" lvl="0" indent="0" algn="l" defTabSz="914400" rtl="0" eaLnBrk="1" fontAlgn="auto" latinLnBrk="0" hangingPunct="1">
+              <a:lnSpc>
+                <a:spcPct val="100000"/>
+              </a:lnSpc>
+              <a:spcBef>
+                <a:spcPts val="0"/>
+              </a:spcBef>
+              <a:spcAft>
+                <a:spcPts val="0"/>
+              </a:spcAft>
+              <a:buClrTx/>
+              <a:buSzTx/>
+              <a:buFontTx/>
+              <a:buNone/>
+              <a:tabLst/>
+              <a:defRPr/>
+            </a:pPr>
+            <a:r>
+              <a:rPr lang="en-US" dirty="0"/>
+              <a:t>Switch to R to give this example</a:t>
+            </a:r>
+          </a:p>
+          <a:p>
+            <a:endParaRPr lang="en-US" dirty="0"/>
+          </a:p>
+        </p:txBody>
+      </p:sp>
+      <p:sp>
+        <p:nvSpPr>
+          <p:cNvPr id="4" name="Slide Number Placeholder 3"/>
+          <p:cNvSpPr>
+            <a:spLocks noGrp="1"/>
+          </p:cNvSpPr>
+          <p:nvPr>
+            <p:ph type="sldNum" sz="quarter" idx="5"/>
+          </p:nvPr>
+        </p:nvSpPr>
+        <p:spPr/>
+        <p:txBody>
+          <a:bodyPr/>
+          <a:lstStyle/>
+          <a:p>
+            <a:fld id="{18BDFEC3-8487-43E8-A154-7C12CBC1FFF2}" type="slidenum">
+              <a:rPr lang="en-US" smtClean="0"/>
+              <a:t>10</a:t>
+            </a:fld>
+            <a:endParaRPr lang="en-US"/>
+          </a:p>
+        </p:txBody>
+      </p:sp>
+    </p:spTree>
+    <p:extLst>
+      <p:ext uri="{BB962C8B-B14F-4D97-AF65-F5344CB8AC3E}">
+        <p14:creationId xmlns:p14="http://schemas.microsoft.com/office/powerpoint/2010/main" val="915145214"/>
+      </p:ext>
+    </p:extLst>
+  </p:cSld>
+  <p:clrMapOvr>
+    <a:masterClrMapping/>
+  </p:clrMapOvr>
+</p:notes>
+</file>
+
+<file path=ppt/notesSlides/notesSlide7.xml><?xml version="1.0" encoding="utf-8"?>
+<p:notes xmlns:a="http://schemas.openxmlformats.org/drawingml/2006/main" xmlns:r="http://schemas.openxmlformats.org/officeDocument/2006/relationships" xmlns:p="http://schemas.openxmlformats.org/presentationml/2006/main">
+  <p:cSld>
+    <p:spTree>
+      <p:nvGrpSpPr>
+        <p:cNvPr id="1" name=""/>
+        <p:cNvGrpSpPr/>
+        <p:nvPr/>
+      </p:nvGrpSpPr>
+      <p:grpSpPr>
+        <a:xfrm>
+          <a:off x="0" y="0"/>
+          <a:ext cx="0" cy="0"/>
+          <a:chOff x="0" y="0"/>
+          <a:chExt cx="0" cy="0"/>
+        </a:xfrm>
+      </p:grpSpPr>
+      <p:sp>
+        <p:nvSpPr>
+          <p:cNvPr id="2" name="Slide Image Placeholder 1"/>
+          <p:cNvSpPr>
+            <a:spLocks noGrp="1" noRot="1" noChangeAspect="1"/>
+          </p:cNvSpPr>
+          <p:nvPr>
+            <p:ph type="sldImg"/>
+          </p:nvPr>
+        </p:nvSpPr>
+        <p:spPr>
+          <a:xfrm>
+            <a:off x="685800" y="1143000"/>
+            <a:ext cx="5486400" cy="3086100"/>
+          </a:xfrm>
+        </p:spPr>
+      </p:sp>
+      <p:sp>
+        <p:nvSpPr>
+          <p:cNvPr id="3" name="Notes Placeholder 2"/>
+          <p:cNvSpPr>
+            <a:spLocks noGrp="1"/>
+          </p:cNvSpPr>
+          <p:nvPr>
+            <p:ph type="body" idx="1"/>
+          </p:nvPr>
+        </p:nvSpPr>
+        <p:spPr/>
+        <p:txBody>
+          <a:bodyPr/>
+          <a:lstStyle/>
+          <a:p>
+            <a:pPr marL="0" marR="0" lvl="0" indent="0" algn="l" defTabSz="914400" rtl="0" eaLnBrk="1" fontAlgn="auto" latinLnBrk="0" hangingPunct="1">
+              <a:lnSpc>
+                <a:spcPct val="100000"/>
+              </a:lnSpc>
+              <a:spcBef>
+                <a:spcPts val="0"/>
+              </a:spcBef>
+              <a:spcAft>
+                <a:spcPts val="0"/>
+              </a:spcAft>
+              <a:buClrTx/>
+              <a:buSzTx/>
+              <a:buFontTx/>
+              <a:buNone/>
+              <a:tabLst/>
+              <a:defRPr/>
+            </a:pPr>
+            <a:r>
+              <a:rPr lang="en-US" dirty="0"/>
+              <a:t>Switch to R to give this example</a:t>
+            </a:r>
+          </a:p>
+          <a:p>
+            <a:endParaRPr lang="en-US" dirty="0"/>
+          </a:p>
+        </p:txBody>
+      </p:sp>
+      <p:sp>
+        <p:nvSpPr>
+          <p:cNvPr id="4" name="Slide Number Placeholder 3"/>
+          <p:cNvSpPr>
+            <a:spLocks noGrp="1"/>
+          </p:cNvSpPr>
+          <p:nvPr>
+            <p:ph type="sldNum" sz="quarter" idx="5"/>
+          </p:nvPr>
+        </p:nvSpPr>
+        <p:spPr/>
+        <p:txBody>
+          <a:bodyPr/>
+          <a:lstStyle/>
+          <a:p>
+            <a:fld id="{18BDFEC3-8487-43E8-A154-7C12CBC1FFF2}" type="slidenum">
+              <a:rPr lang="en-US" smtClean="0"/>
+              <a:t>12</a:t>
+            </a:fld>
+            <a:endParaRPr lang="en-US"/>
+          </a:p>
+        </p:txBody>
+      </p:sp>
+    </p:spTree>
+    <p:extLst>
+      <p:ext uri="{BB962C8B-B14F-4D97-AF65-F5344CB8AC3E}">
+        <p14:creationId xmlns:p14="http://schemas.microsoft.com/office/powerpoint/2010/main" val="1473799300"/>
+      </p:ext>
+    </p:extLst>
+  </p:cSld>
+  <p:clrMapOvr>
+    <a:masterClrMapping/>
+  </p:clrMapOvr>
+</p:notes>
+</file>
+
+<file path=ppt/notesSlides/notesSlide8.xml><?xml version="1.0" encoding="utf-8"?>
+<p:notes xmlns:a="http://schemas.openxmlformats.org/drawingml/2006/main" xmlns:r="http://schemas.openxmlformats.org/officeDocument/2006/relationships" xmlns:p="http://schemas.openxmlformats.org/presentationml/2006/main">
+  <p:cSld>
+    <p:spTree>
+      <p:nvGrpSpPr>
+        <p:cNvPr id="1" name=""/>
+        <p:cNvGrpSpPr/>
+        <p:nvPr/>
+      </p:nvGrpSpPr>
+      <p:grpSpPr>
+        <a:xfrm>
+          <a:off x="0" y="0"/>
+          <a:ext cx="0" cy="0"/>
+          <a:chOff x="0" y="0"/>
+          <a:chExt cx="0" cy="0"/>
+        </a:xfrm>
+      </p:grpSpPr>
+      <p:sp>
+        <p:nvSpPr>
+          <p:cNvPr id="2" name="Slide Image Placeholder 1"/>
+          <p:cNvSpPr>
+            <a:spLocks noGrp="1" noRot="1" noChangeAspect="1"/>
+          </p:cNvSpPr>
+          <p:nvPr>
+            <p:ph type="sldImg"/>
+          </p:nvPr>
+        </p:nvSpPr>
+        <p:spPr>
+          <a:xfrm>
+            <a:off x="685800" y="1143000"/>
+            <a:ext cx="5486400" cy="3086100"/>
+          </a:xfrm>
+        </p:spPr>
+      </p:sp>
+      <p:sp>
+        <p:nvSpPr>
+          <p:cNvPr id="3" name="Notes Placeholder 2"/>
+          <p:cNvSpPr>
+            <a:spLocks noGrp="1"/>
+          </p:cNvSpPr>
+          <p:nvPr>
+            <p:ph type="body" idx="1"/>
+          </p:nvPr>
+        </p:nvSpPr>
+        <p:spPr/>
+        <p:txBody>
+          <a:bodyPr/>
+          <a:lstStyle/>
+          <a:p>
+            <a:r>
+              <a:rPr lang="en-US" dirty="0"/>
+              <a:t>Modify the object `</a:t>
+            </a:r>
+            <a:r>
+              <a:rPr lang="en-GB" sz="1200" dirty="0">
+                <a:latin typeface="Courier"/>
+              </a:rPr>
+              <a:t>username</a:t>
+            </a:r>
+            <a:r>
+              <a:rPr lang="en-US" dirty="0"/>
+              <a:t>` </a:t>
+            </a:r>
+          </a:p>
+        </p:txBody>
+      </p:sp>
+      <p:sp>
+        <p:nvSpPr>
+          <p:cNvPr id="4" name="Slide Number Placeholder 3"/>
+          <p:cNvSpPr>
+            <a:spLocks noGrp="1"/>
+          </p:cNvSpPr>
+          <p:nvPr>
+            <p:ph type="sldNum" sz="quarter" idx="5"/>
+          </p:nvPr>
+        </p:nvSpPr>
+        <p:spPr/>
+        <p:txBody>
+          <a:bodyPr/>
+          <a:lstStyle/>
+          <a:p>
+            <a:fld id="{18BDFEC3-8487-43E8-A154-7C12CBC1FFF2}" type="slidenum">
+              <a:rPr lang="en-US" smtClean="0"/>
+              <a:t>13</a:t>
+            </a:fld>
+            <a:endParaRPr lang="en-US"/>
+          </a:p>
+        </p:txBody>
+      </p:sp>
+    </p:spTree>
+    <p:extLst>
+      <p:ext uri="{BB962C8B-B14F-4D97-AF65-F5344CB8AC3E}">
+        <p14:creationId xmlns:p14="http://schemas.microsoft.com/office/powerpoint/2010/main" val="2236786095"/>
+      </p:ext>
+    </p:extLst>
+  </p:cSld>
+  <p:clrMapOvr>
+    <a:masterClrMapping/>
+  </p:clrMapOvr>
+</p:notes>
+</file>
+
+<file path=ppt/notesSlides/notesSlide9.xml><?xml version="1.0" encoding="utf-8"?>
+<p:notes xmlns:a="http://schemas.openxmlformats.org/drawingml/2006/main" xmlns:r="http://schemas.openxmlformats.org/officeDocument/2006/relationships" xmlns:p="http://schemas.openxmlformats.org/presentationml/2006/main">
+  <p:cSld>
+    <p:spTree>
+      <p:nvGrpSpPr>
+        <p:cNvPr id="1" name=""/>
+        <p:cNvGrpSpPr/>
+        <p:nvPr/>
+      </p:nvGrpSpPr>
+      <p:grpSpPr>
+        <a:xfrm>
+          <a:off x="0" y="0"/>
+          <a:ext cx="0" cy="0"/>
+          <a:chOff x="0" y="0"/>
+          <a:chExt cx="0" cy="0"/>
+        </a:xfrm>
+      </p:grpSpPr>
+      <p:sp>
+        <p:nvSpPr>
+          <p:cNvPr id="2" name="Slide Image Placeholder 1"/>
+          <p:cNvSpPr>
+            <a:spLocks noGrp="1" noRot="1" noChangeAspect="1"/>
+          </p:cNvSpPr>
+          <p:nvPr>
+            <p:ph type="sldImg"/>
+          </p:nvPr>
+        </p:nvSpPr>
+        <p:spPr>
+          <a:xfrm>
+            <a:off x="685800" y="1143000"/>
+            <a:ext cx="5486400" cy="3086100"/>
+          </a:xfrm>
+        </p:spPr>
+      </p:sp>
+      <p:sp>
+        <p:nvSpPr>
+          <p:cNvPr id="3" name="Notes Placeholder 2"/>
+          <p:cNvSpPr>
+            <a:spLocks noGrp="1"/>
+          </p:cNvSpPr>
+          <p:nvPr>
+            <p:ph type="body" idx="1"/>
+          </p:nvPr>
+        </p:nvSpPr>
+        <p:spPr/>
+        <p:txBody>
+          <a:bodyPr/>
+          <a:lstStyle/>
+          <a:p>
+            <a:r>
+              <a:rPr lang="en-US" dirty="0"/>
+              <a:t>Plot a histogram to check for normality, then assign true or false to the `</a:t>
+            </a:r>
+            <a:r>
+              <a:rPr lang="en-GB" sz="1200" dirty="0">
+                <a:latin typeface="Courier"/>
+              </a:rPr>
+              <a:t>normal</a:t>
+            </a:r>
+            <a:r>
+              <a:rPr lang="en-US" dirty="0"/>
+              <a:t>` variable before running your if statement </a:t>
+            </a:r>
+          </a:p>
+        </p:txBody>
+      </p:sp>
+      <p:sp>
+        <p:nvSpPr>
+          <p:cNvPr id="4" name="Slide Number Placeholder 3"/>
+          <p:cNvSpPr>
+            <a:spLocks noGrp="1"/>
+          </p:cNvSpPr>
+          <p:nvPr>
+            <p:ph type="sldNum" sz="quarter" idx="5"/>
+          </p:nvPr>
+        </p:nvSpPr>
+        <p:spPr/>
+        <p:txBody>
+          <a:bodyPr/>
+          <a:lstStyle/>
+          <a:p>
+            <a:fld id="{18BDFEC3-8487-43E8-A154-7C12CBC1FFF2}" type="slidenum">
+              <a:rPr lang="en-US" smtClean="0"/>
+              <a:t>15</a:t>
+            </a:fld>
+            <a:endParaRPr lang="en-US"/>
+          </a:p>
+        </p:txBody>
+      </p:sp>
+    </p:spTree>
+    <p:extLst>
+      <p:ext uri="{BB962C8B-B14F-4D97-AF65-F5344CB8AC3E}">
+        <p14:creationId xmlns:p14="http://schemas.microsoft.com/office/powerpoint/2010/main" val="2408366524"/>
+      </p:ext>
+    </p:extLst>
+  </p:cSld>
+  <p:clrMapOvr>
+    <a:masterClrMapping/>
+  </p:clrMapOvr>
 </p:notes>
 </file>
 
@@ -1200,7 +1834,7 @@
           <a:p>
             <a:fld id="{937E6D32-4C03-264D-8FDB-034DA7582E3B}" type="datetimeFigureOut">
               <a:rPr lang="en-US" smtClean="0"/>
-              <a:t>8/27/19</a:t>
+              <a:t>9/1/21</a:t>
             </a:fld>
             <a:endParaRPr lang="en-US"/>
           </a:p>
@@ -1398,7 +2032,7 @@
           <a:p>
             <a:fld id="{937E6D32-4C03-264D-8FDB-034DA7582E3B}" type="datetimeFigureOut">
               <a:rPr lang="en-US" smtClean="0"/>
-              <a:t>8/27/19</a:t>
+              <a:t>9/1/21</a:t>
             </a:fld>
             <a:endParaRPr lang="en-US"/>
           </a:p>
@@ -1606,7 +2240,7 @@
           <a:p>
             <a:fld id="{937E6D32-4C03-264D-8FDB-034DA7582E3B}" type="datetimeFigureOut">
               <a:rPr lang="en-US" smtClean="0"/>
-              <a:t>8/27/19</a:t>
+              <a:t>9/1/21</a:t>
             </a:fld>
             <a:endParaRPr lang="en-US"/>
           </a:p>
@@ -1804,7 +2438,7 @@
           <a:p>
             <a:fld id="{937E6D32-4C03-264D-8FDB-034DA7582E3B}" type="datetimeFigureOut">
               <a:rPr lang="en-US" smtClean="0"/>
-              <a:t>8/27/19</a:t>
+              <a:t>9/1/21</a:t>
             </a:fld>
             <a:endParaRPr lang="en-US"/>
           </a:p>
@@ -2079,7 +2713,7 @@
           <a:p>
             <a:fld id="{937E6D32-4C03-264D-8FDB-034DA7582E3B}" type="datetimeFigureOut">
               <a:rPr lang="en-US" smtClean="0"/>
-              <a:t>8/27/19</a:t>
+              <a:t>9/1/21</a:t>
             </a:fld>
             <a:endParaRPr lang="en-US"/>
           </a:p>
@@ -2344,7 +2978,7 @@
           <a:p>
             <a:fld id="{937E6D32-4C03-264D-8FDB-034DA7582E3B}" type="datetimeFigureOut">
               <a:rPr lang="en-US" smtClean="0"/>
-              <a:t>8/27/19</a:t>
+              <a:t>9/1/21</a:t>
             </a:fld>
             <a:endParaRPr lang="en-US"/>
           </a:p>
@@ -2756,7 +3390,7 @@
           <a:p>
             <a:fld id="{937E6D32-4C03-264D-8FDB-034DA7582E3B}" type="datetimeFigureOut">
               <a:rPr lang="en-US" smtClean="0"/>
-              <a:t>8/27/19</a:t>
+              <a:t>9/1/21</a:t>
             </a:fld>
             <a:endParaRPr lang="en-US"/>
           </a:p>
@@ -2897,7 +3531,7 @@
           <a:p>
             <a:fld id="{937E6D32-4C03-264D-8FDB-034DA7582E3B}" type="datetimeFigureOut">
               <a:rPr lang="en-US" smtClean="0"/>
-              <a:t>8/27/19</a:t>
+              <a:t>9/1/21</a:t>
             </a:fld>
             <a:endParaRPr lang="en-US"/>
           </a:p>
@@ -3010,7 +3644,7 @@
           <a:p>
             <a:fld id="{937E6D32-4C03-264D-8FDB-034DA7582E3B}" type="datetimeFigureOut">
               <a:rPr lang="en-US" smtClean="0"/>
-              <a:t>8/27/19</a:t>
+              <a:t>9/1/21</a:t>
             </a:fld>
             <a:endParaRPr lang="en-US"/>
           </a:p>
@@ -3321,7 +3955,7 @@
           <a:p>
             <a:fld id="{937E6D32-4C03-264D-8FDB-034DA7582E3B}" type="datetimeFigureOut">
               <a:rPr lang="en-US" smtClean="0"/>
-              <a:t>8/27/19</a:t>
+              <a:t>9/1/21</a:t>
             </a:fld>
             <a:endParaRPr lang="en-US"/>
           </a:p>
@@ -3609,7 +4243,7 @@
           <a:p>
             <a:fld id="{937E6D32-4C03-264D-8FDB-034DA7582E3B}" type="datetimeFigureOut">
               <a:rPr lang="en-US" smtClean="0"/>
-              <a:t>8/27/19</a:t>
+              <a:t>9/1/21</a:t>
             </a:fld>
             <a:endParaRPr lang="en-US"/>
           </a:p>
@@ -3850,7 +4484,7 @@
           <a:p>
             <a:fld id="{937E6D32-4C03-264D-8FDB-034DA7582E3B}" type="datetimeFigureOut">
               <a:rPr lang="en-US" smtClean="0"/>
-              <a:t>8/27/19</a:t>
+              <a:t>9/1/21</a:t>
             </a:fld>
             <a:endParaRPr lang="en-US"/>
           </a:p>
@@ -4293,36 +4927,11 @@
           <a:bodyPr/>
           <a:lstStyle/>
           <a:p>
-            <a:pPr lvl="0" marL="0" indent="0">
+            <a:pPr marL="0" lvl="0" indent="0">
               <a:buNone/>
             </a:pPr>
             <a:r>
-              <a:rPr/>
-              <a:t>Control</a:t>
-            </a:r>
-            <a:r>
-              <a:rPr/>
-              <a:t> </a:t>
-            </a:r>
-            <a:r>
-              <a:rPr/>
-              <a:t>flow</a:t>
-            </a:r>
-            <a:r>
-              <a:rPr/>
-              <a:t> </a:t>
-            </a:r>
-            <a:r>
-              <a:rPr/>
-              <a:t>&amp;</a:t>
-            </a:r>
-            <a:r>
-              <a:rPr/>
-              <a:t> </a:t>
-            </a:r>
-            <a:r>
-              <a:rPr/>
-              <a:t>looping</a:t>
+              <a:t>Control flow &amp; looping</a:t>
             </a:r>
           </a:p>
         </p:txBody>
@@ -4353,16 +4962,20 @@
           <a:bodyPr/>
           <a:lstStyle/>
           <a:p>
-            <a:pPr lvl="0" marL="0" indent="0">
+            <a:pPr marL="0" lvl="0" indent="0">
               <a:buNone/>
             </a:pPr>
             <a:br/>
             <a:br/>
+            <a:endParaRPr/>
           </a:p>
         </p:txBody>
       </p:sp>
     </p:spTree>
   </p:cSld>
+  <p:clrMapOvr>
+    <a:masterClrMapping/>
+  </p:clrMapOvr>
 </p:sld>
 </file>
 
@@ -4404,20 +5017,11 @@
           <a:bodyPr/>
           <a:lstStyle/>
           <a:p>
-            <a:pPr lvl="0" marL="0" indent="0">
+            <a:pPr marL="0" lvl="0" indent="0">
               <a:buNone/>
             </a:pPr>
             <a:r>
-              <a:rPr/>
-              <a:t>Example</a:t>
-            </a:r>
-            <a:r>
-              <a:rPr/>
-              <a:t> </a:t>
-            </a:r>
-            <a:r>
-              <a:rPr/>
-              <a:t>2</a:t>
+              <a:t>Example 2</a:t>
             </a:r>
           </a:p>
         </p:txBody>
@@ -4443,7 +5047,7 @@
           <a:bodyPr/>
           <a:lstStyle/>
           <a:p>
-            <a:pPr lvl="0" marL="1270000" indent="0">
+            <a:pPr marL="1270000" lvl="0" indent="0">
               <a:buNone/>
             </a:pPr>
             <a:r>
@@ -4580,7 +5184,7 @@
             </a:r>
           </a:p>
           <a:p>
-            <a:pPr lvl="0" marL="1270000" indent="0">
+            <a:pPr marL="1270000" lvl="0" indent="0">
               <a:buNone/>
             </a:pPr>
             <a:r>
@@ -4594,6 +5198,9 @@
       </p:sp>
     </p:spTree>
   </p:cSld>
+  <p:clrMapOvr>
+    <a:masterClrMapping/>
+  </p:clrMapOvr>
 </p:sld>
 </file>
 
@@ -4635,11 +5242,10 @@
           <a:bodyPr/>
           <a:lstStyle/>
           <a:p>
-            <a:pPr lvl="0" marL="0" indent="0">
+            <a:pPr marL="0" lvl="0" indent="0">
               <a:buNone/>
             </a:pPr>
             <a:r>
-              <a:rPr/>
               <a:t>Else…</a:t>
             </a:r>
           </a:p>
@@ -4668,7 +5274,6 @@
           <a:p>
             <a:pPr lvl="1"/>
             <a:r>
-              <a:rPr/>
               <a:t>Sometimes we want to add a clause to tell the computer what to do if the condition is NOT met</a:t>
             </a:r>
           </a:p>
@@ -4676,6 +5281,9 @@
       </p:sp>
     </p:spTree>
   </p:cSld>
+  <p:clrMapOvr>
+    <a:masterClrMapping/>
+  </p:clrMapOvr>
 </p:sld>
 </file>
 
@@ -4717,20 +5325,11 @@
           <a:bodyPr/>
           <a:lstStyle/>
           <a:p>
-            <a:pPr lvl="0" marL="0" indent="0">
+            <a:pPr marL="0" lvl="0" indent="0">
               <a:buNone/>
             </a:pPr>
             <a:r>
-              <a:rPr/>
-              <a:t>Example</a:t>
-            </a:r>
-            <a:r>
-              <a:rPr/>
-              <a:t> </a:t>
-            </a:r>
-            <a:r>
-              <a:rPr/>
-              <a:t>3</a:t>
+              <a:t>Example 3</a:t>
             </a:r>
           </a:p>
         </p:txBody>
@@ -4756,17 +5355,17 @@
           <a:bodyPr/>
           <a:lstStyle/>
           <a:p>
-            <a:pPr lvl="0" marL="1270000" indent="0">
+            <a:pPr marL="1270000" lvl="0" indent="0">
               <a:buNone/>
             </a:pPr>
             <a:r>
-              <a:rPr sz="1800">
+              <a:rPr sz="1800" dirty="0">
                 <a:latin typeface="Courier"/>
               </a:rPr>
               <a:t>username &lt;-</a:t>
             </a:r>
             <a:r>
-              <a:rPr sz="1800">
+              <a:rPr sz="1800" dirty="0">
                 <a:solidFill>
                   <a:srgbClr val="4070A0"/>
                 </a:solidFill>
@@ -4774,10 +5373,14 @@
               </a:rPr>
               <a:t> "the1andonly"</a:t>
             </a:r>
-            <a:br/>
-            <a:br/>
-            <a:r>
-              <a:rPr sz="1800" b="1">
+            <a:br>
+              <a:rPr dirty="0"/>
+            </a:br>
+            <a:br>
+              <a:rPr dirty="0"/>
+            </a:br>
+            <a:r>
+              <a:rPr sz="1800" b="1" dirty="0">
                 <a:solidFill>
                   <a:srgbClr val="007020"/>
                 </a:solidFill>
@@ -4786,13 +5389,13 @@
               <a:t>if</a:t>
             </a:r>
             <a:r>
-              <a:rPr sz="1800">
+              <a:rPr sz="1800" dirty="0">
                 <a:latin typeface="Courier"/>
               </a:rPr>
               <a:t>(username </a:t>
             </a:r>
             <a:r>
-              <a:rPr sz="1800">
+              <a:rPr sz="1800" dirty="0">
                 <a:solidFill>
                   <a:srgbClr val="666666"/>
                 </a:solidFill>
@@ -4801,7 +5404,7 @@
               <a:t>==</a:t>
             </a:r>
             <a:r>
-              <a:rPr sz="1800">
+              <a:rPr sz="1800" dirty="0">
                 <a:solidFill>
                   <a:srgbClr val="4070A0"/>
                 </a:solidFill>
@@ -4810,27 +5413,31 @@
               <a:t> "the1andonly"</a:t>
             </a:r>
             <a:r>
-              <a:rPr sz="1800">
+              <a:rPr sz="1800" dirty="0">
                 <a:latin typeface="Courier"/>
               </a:rPr>
               <a:t>){</a:t>
             </a:r>
-            <a:br/>
-            <a:r>
-              <a:rPr sz="1800">
+            <a:br>
+              <a:rPr dirty="0"/>
+            </a:br>
+            <a:r>
+              <a:rPr sz="1800" dirty="0">
                 <a:latin typeface="Courier"/>
               </a:rPr>
               <a:t>  </a:t>
             </a:r>
-            <a:br/>
-            <a:r>
-              <a:rPr sz="1800">
+            <a:br>
+              <a:rPr dirty="0"/>
+            </a:br>
+            <a:r>
+              <a:rPr sz="1800" dirty="0">
                 <a:latin typeface="Courier"/>
               </a:rPr>
               <a:t>  </a:t>
             </a:r>
             <a:r>
-              <a:rPr sz="1800" b="1">
+              <a:rPr sz="1800" b="1" dirty="0">
                 <a:solidFill>
                   <a:srgbClr val="007020"/>
                 </a:solidFill>
@@ -4839,13 +5446,13 @@
               <a:t>print</a:t>
             </a:r>
             <a:r>
-              <a:rPr sz="1800">
+              <a:rPr sz="1800" dirty="0">
                 <a:latin typeface="Courier"/>
               </a:rPr>
               <a:t>(</a:t>
             </a:r>
             <a:r>
-              <a:rPr sz="1800">
+              <a:rPr sz="1800" dirty="0">
                 <a:solidFill>
                   <a:srgbClr val="4070A0"/>
                 </a:solidFill>
@@ -4854,27 +5461,31 @@
               <a:t>"Welcome!"</a:t>
             </a:r>
             <a:r>
-              <a:rPr sz="1800">
+              <a:rPr sz="1800" dirty="0">
                 <a:latin typeface="Courier"/>
               </a:rPr>
               <a:t>)</a:t>
             </a:r>
-            <a:br/>
-            <a:r>
-              <a:rPr sz="1800">
+            <a:br>
+              <a:rPr dirty="0"/>
+            </a:br>
+            <a:r>
+              <a:rPr sz="1800" dirty="0">
                 <a:latin typeface="Courier"/>
               </a:rPr>
               <a:t>  </a:t>
             </a:r>
-            <a:br/>
-            <a:r>
-              <a:rPr sz="1800">
+            <a:br>
+              <a:rPr dirty="0"/>
+            </a:br>
+            <a:r>
+              <a:rPr sz="1800" dirty="0">
                 <a:latin typeface="Courier"/>
               </a:rPr>
               <a:t>}</a:t>
             </a:r>
             <a:r>
-              <a:rPr sz="1800" b="1">
+              <a:rPr sz="1800" b="1" dirty="0">
                 <a:solidFill>
                   <a:srgbClr val="007020"/>
                 </a:solidFill>
@@ -4883,27 +5494,31 @@
               <a:t>else</a:t>
             </a:r>
             <a:r>
-              <a:rPr sz="1800">
+              <a:rPr sz="1800" dirty="0">
                 <a:latin typeface="Courier"/>
               </a:rPr>
               <a:t>{</a:t>
             </a:r>
-            <a:br/>
-            <a:r>
-              <a:rPr sz="1800">
+            <a:br>
+              <a:rPr dirty="0"/>
+            </a:br>
+            <a:r>
+              <a:rPr sz="1800" dirty="0">
                 <a:latin typeface="Courier"/>
               </a:rPr>
               <a:t>  </a:t>
             </a:r>
-            <a:br/>
-            <a:r>
-              <a:rPr sz="1800">
+            <a:br>
+              <a:rPr dirty="0"/>
+            </a:br>
+            <a:r>
+              <a:rPr sz="1800" dirty="0">
                 <a:latin typeface="Courier"/>
               </a:rPr>
               <a:t>  </a:t>
             </a:r>
             <a:r>
-              <a:rPr sz="1800" b="1">
+              <a:rPr sz="1800" b="1" dirty="0">
                 <a:solidFill>
                   <a:srgbClr val="007020"/>
                 </a:solidFill>
@@ -4912,13 +5527,13 @@
               <a:t>print</a:t>
             </a:r>
             <a:r>
-              <a:rPr sz="1800">
+              <a:rPr sz="1800" dirty="0">
                 <a:latin typeface="Courier"/>
               </a:rPr>
               <a:t>(</a:t>
             </a:r>
             <a:r>
-              <a:rPr sz="1800" b="1">
+              <a:rPr sz="1800" b="1" dirty="0">
                 <a:solidFill>
                   <a:srgbClr val="007020"/>
                 </a:solidFill>
@@ -4927,13 +5542,13 @@
               <a:t>paste</a:t>
             </a:r>
             <a:r>
-              <a:rPr sz="1800">
+              <a:rPr sz="1800" dirty="0">
                 <a:latin typeface="Courier"/>
               </a:rPr>
               <a:t>(</a:t>
             </a:r>
             <a:r>
-              <a:rPr sz="1800">
+              <a:rPr sz="1800" dirty="0">
                 <a:solidFill>
                   <a:srgbClr val="4070A0"/>
                 </a:solidFill>
@@ -4942,32 +5557,36 @@
               <a:t>"Intruder alert! Move away from the machine"</a:t>
             </a:r>
             <a:r>
-              <a:rPr sz="1800">
+              <a:rPr sz="1800" dirty="0">
                 <a:latin typeface="Courier"/>
               </a:rPr>
               <a:t>, username))</a:t>
             </a:r>
-            <a:br/>
-            <a:r>
-              <a:rPr sz="1800">
+            <a:br>
+              <a:rPr dirty="0"/>
+            </a:br>
+            <a:r>
+              <a:rPr sz="1800" dirty="0">
                 <a:latin typeface="Courier"/>
               </a:rPr>
               <a:t>  </a:t>
             </a:r>
-            <a:br/>
-            <a:r>
-              <a:rPr sz="1800">
+            <a:br>
+              <a:rPr dirty="0"/>
+            </a:br>
+            <a:r>
+              <a:rPr sz="1800" dirty="0">
                 <a:latin typeface="Courier"/>
               </a:rPr>
               <a:t>}</a:t>
             </a:r>
           </a:p>
           <a:p>
-            <a:pPr lvl="0" marL="1270000" indent="0">
+            <a:pPr marL="1270000" lvl="0" indent="0">
               <a:buNone/>
             </a:pPr>
             <a:r>
-              <a:rPr sz="1800">
+              <a:rPr sz="1800" dirty="0">
                 <a:latin typeface="Courier"/>
               </a:rPr>
               <a:t>## [1] "Welcome!"</a:t>
@@ -4977,6 +5596,9 @@
       </p:sp>
     </p:spTree>
   </p:cSld>
+  <p:clrMapOvr>
+    <a:masterClrMapping/>
+  </p:clrMapOvr>
 </p:sld>
 </file>
 
@@ -5018,20 +5640,11 @@
           <a:bodyPr/>
           <a:lstStyle/>
           <a:p>
-            <a:pPr lvl="0" marL="0" indent="0">
+            <a:pPr marL="0" lvl="0" indent="0">
               <a:buNone/>
             </a:pPr>
             <a:r>
-              <a:rPr/>
-              <a:t>Practice</a:t>
-            </a:r>
-            <a:r>
-              <a:rPr/>
-              <a:t> </a:t>
-            </a:r>
-            <a:r>
-              <a:rPr/>
-              <a:t>1</a:t>
+              <a:t>Practice 1</a:t>
             </a:r>
           </a:p>
         </p:txBody>
@@ -5059,61 +5672,66 @@
           <a:p>
             <a:pPr lvl="1"/>
             <a:r>
-              <a:rPr/>
+              <a:rPr dirty="0"/>
               <a:t>Try modifying example 3 to your own name, then rerunning - what does it print now?</a:t>
             </a:r>
+            <a:endParaRPr lang="en-US" dirty="0"/>
           </a:p>
           <a:p>
             <a:pPr lvl="1"/>
             <a:r>
-              <a:rPr/>
+              <a:rPr dirty="0"/>
               <a:t>Try filling in the practice to compute the correct summary statistic (</a:t>
             </a:r>
             <a:r>
-              <a:rPr sz="1800">
+              <a:rPr sz="1800" dirty="0">
                 <a:latin typeface="Courier"/>
               </a:rPr>
               <a:t>mean</a:t>
             </a:r>
             <a:r>
-              <a:rPr/>
+              <a:rPr dirty="0"/>
               <a:t> or </a:t>
             </a:r>
             <a:r>
-              <a:rPr sz="1800">
+              <a:rPr sz="1800" dirty="0">
                 <a:latin typeface="Courier"/>
               </a:rPr>
               <a:t>median</a:t>
             </a:r>
             <a:r>
-              <a:rPr/>
+              <a:rPr dirty="0"/>
               <a:t>) on the variable </a:t>
             </a:r>
             <a:r>
-              <a:rPr sz="1800">
+              <a:rPr sz="1800" dirty="0" err="1">
                 <a:latin typeface="Courier"/>
               </a:rPr>
               <a:t>cchic$urea</a:t>
             </a:r>
             <a:r>
-              <a:rPr/>
+              <a:rPr dirty="0"/>
               <a:t>. Use </a:t>
             </a:r>
             <a:r>
-              <a:rPr sz="1800">
+              <a:rPr sz="1800" dirty="0">
                 <a:latin typeface="Courier"/>
               </a:rPr>
               <a:t>print</a:t>
             </a:r>
             <a:r>
-              <a:rPr/>
+              <a:rPr dirty="0"/>
               <a:t> to print our your result. Remember to remove NA’s if needed.</a:t>
             </a:r>
+            <a:endParaRPr lang="en-US" dirty="0"/>
           </a:p>
         </p:txBody>
       </p:sp>
     </p:spTree>
   </p:cSld>
+  <p:clrMapOvr>
+    <a:masterClrMapping/>
+  </p:clrMapOvr>
 </p:sld>
 </file>
 
@@ -5155,20 +5773,11 @@
           <a:bodyPr/>
           <a:lstStyle/>
           <a:p>
-            <a:pPr lvl="0" marL="0" indent="0">
+            <a:pPr marL="0" lvl="0" indent="0">
               <a:buNone/>
             </a:pPr>
             <a:r>
-              <a:rPr/>
-              <a:t>Answer</a:t>
-            </a:r>
-            <a:r>
-              <a:rPr/>
-              <a:t> </a:t>
-            </a:r>
-            <a:r>
-              <a:rPr/>
-              <a:t>1</a:t>
+              <a:t>Answer 1</a:t>
             </a:r>
           </a:p>
         </p:txBody>
@@ -5194,7 +5803,7 @@
           <a:bodyPr/>
           <a:lstStyle/>
           <a:p>
-            <a:pPr lvl="0" marL="1270000" indent="0">
+            <a:pPr marL="1270000" lvl="0" indent="0">
               <a:buNone/>
             </a:pPr>
             <a:r>
@@ -5401,7 +6010,7 @@
             </a:r>
           </a:p>
           <a:p>
-            <a:pPr lvl="0" marL="1270000" indent="0">
+            <a:pPr marL="1270000" lvl="0" indent="0">
               <a:buNone/>
             </a:pPr>
             <a:r>
@@ -5415,6 +6024,9 @@
       </p:sp>
     </p:spTree>
   </p:cSld>
+  <p:clrMapOvr>
+    <a:masterClrMapping/>
+  </p:clrMapOvr>
 </p:sld>
 </file>
 
@@ -5456,48 +6068,97 @@
           <a:bodyPr/>
           <a:lstStyle/>
           <a:p>
-            <a:pPr lvl="0" marL="0" indent="0">
+            <a:pPr marL="0" lvl="0" indent="0">
               <a:buNone/>
             </a:pPr>
             <a:r>
-              <a:rPr/>
-              <a:t>Answer</a:t>
-            </a:r>
-            <a:r>
-              <a:rPr/>
+              <a:t>Answer 2</a:t>
+            </a:r>
+          </a:p>
+        </p:txBody>
+      </p:sp>
+      <p:sp>
+        <p:nvSpPr>
+          <p:cNvPr id="3" name="Content Placeholder 2">
+            <a:extLst>
+              <a:ext uri="{FF2B5EF4-FFF2-40B4-BE49-F238E27FC236}">
+                <a16:creationId xmlns:a16="http://schemas.microsoft.com/office/drawing/2014/main" id="{D10DDA37-E46B-B641-BC9F-636CB92A2C08}"/>
+              </a:ext>
+            </a:extLst>
+          </p:cNvPr>
+          <p:cNvSpPr>
+            <a:spLocks noGrp="1"/>
+          </p:cNvSpPr>
+          <p:nvPr>
+            <p:ph idx="1"/>
+          </p:nvPr>
+        </p:nvSpPr>
+        <p:spPr/>
+        <p:txBody>
+          <a:bodyPr/>
+          <a:lstStyle/>
+          <a:p>
+            <a:pPr marL="1270000" lvl="0" indent="0">
+              <a:buNone/>
+            </a:pPr>
+            <a:r>
+              <a:rPr sz="1800" b="1">
+                <a:solidFill>
+                  <a:srgbClr val="007020"/>
+                </a:solidFill>
+                <a:latin typeface="Courier"/>
+              </a:rPr>
+              <a:t>ggplot</a:t>
+            </a:r>
+            <a:r>
+              <a:rPr sz="1800">
+                <a:latin typeface="Courier"/>
+              </a:rPr>
+              <a:t>(</a:t>
+            </a:r>
+            <a:r>
+              <a:rPr sz="1800">
+                <a:solidFill>
+                  <a:srgbClr val="902000"/>
+                </a:solidFill>
+                <a:latin typeface="Courier"/>
+              </a:rPr>
+              <a:t>data =</a:t>
+            </a:r>
+            <a:r>
+              <a:rPr sz="1800">
+                <a:latin typeface="Courier"/>
+              </a:rPr>
+              <a:t> cchic) </a:t>
+            </a:r>
+            <a:r>
+              <a:rPr sz="1800">
+                <a:solidFill>
+                  <a:srgbClr val="666666"/>
+                </a:solidFill>
+                <a:latin typeface="Courier"/>
+              </a:rPr>
+              <a:t>+</a:t>
+            </a:r>
+            <a:r>
+              <a:rPr sz="1800">
+                <a:solidFill>
+                  <a:srgbClr val="4070A0"/>
+                </a:solidFill>
+                <a:latin typeface="Courier"/>
+              </a:rPr>
               <a:t> </a:t>
             </a:r>
-            <a:r>
-              <a:rPr/>
-              <a:t>2</a:t>
-            </a:r>
-          </a:p>
-        </p:txBody>
-      </p:sp>
-      <p:sp>
-        <p:nvSpPr>
-          <p:cNvPr id="3" name="Content Placeholder 2">
-            <a:extLst>
-              <a:ext uri="{FF2B5EF4-FFF2-40B4-BE49-F238E27FC236}">
-                <a16:creationId xmlns:a16="http://schemas.microsoft.com/office/drawing/2014/main" id="{D10DDA37-E46B-B641-BC9F-636CB92A2C08}"/>
-              </a:ext>
-            </a:extLst>
-          </p:cNvPr>
-          <p:cNvSpPr>
-            <a:spLocks noGrp="1"/>
-          </p:cNvSpPr>
-          <p:nvPr>
-            <p:ph idx="1"/>
-          </p:nvPr>
-        </p:nvSpPr>
-        <p:spPr/>
-        <p:txBody>
-          <a:bodyPr/>
-          <a:lstStyle/>
-          <a:p>
-            <a:pPr lvl="0" marL="1270000" indent="0">
-              <a:buNone/>
-            </a:pPr>
+            <a:br/>
+            <a:r>
+              <a:rPr sz="1800">
+                <a:solidFill>
+                  <a:srgbClr val="4070A0"/>
+                </a:solidFill>
+                <a:latin typeface="Courier"/>
+              </a:rPr>
+              <a:t>  </a:t>
+            </a:r>
             <a:r>
               <a:rPr sz="1800" b="1">
                 <a:solidFill>
@@ -5505,7 +6166,7 @@
                 </a:solidFill>
                 <a:latin typeface="Courier"/>
               </a:rPr>
-              <a:t>ggplot</a:t>
+              <a:t>geom_histogram</a:t>
             </a:r>
             <a:r>
               <a:rPr sz="1800">
@@ -5514,108 +6175,50 @@
               <a:t>(</a:t>
             </a:r>
             <a:r>
+              <a:rPr sz="1800" b="1">
+                <a:solidFill>
+                  <a:srgbClr val="007020"/>
+                </a:solidFill>
+                <a:latin typeface="Courier"/>
+              </a:rPr>
+              <a:t>aes</a:t>
+            </a:r>
+            <a:r>
+              <a:rPr sz="1800">
+                <a:latin typeface="Courier"/>
+              </a:rPr>
+              <a:t>(</a:t>
+            </a:r>
+            <a:r>
               <a:rPr sz="1800">
                 <a:solidFill>
                   <a:srgbClr val="902000"/>
                 </a:solidFill>
                 <a:latin typeface="Courier"/>
               </a:rPr>
-              <a:t>data =</a:t>
-            </a:r>
-            <a:r>
-              <a:rPr sz="1800">
-                <a:latin typeface="Courier"/>
-              </a:rPr>
-              <a:t> cchic) </a:t>
-            </a:r>
-            <a:r>
-              <a:rPr sz="1800">
-                <a:solidFill>
-                  <a:srgbClr val="666666"/>
-                </a:solidFill>
-                <a:latin typeface="Courier"/>
-              </a:rPr>
-              <a:t>+</a:t>
-            </a:r>
-            <a:r>
-              <a:rPr sz="1800">
-                <a:solidFill>
-                  <a:srgbClr val="4070A0"/>
-                </a:solidFill>
+              <a:t>x =</a:t>
+            </a:r>
+            <a:r>
+              <a:rPr sz="1800">
+                <a:latin typeface="Courier"/>
+              </a:rPr>
+              <a:t> urea), </a:t>
+            </a:r>
+            <a:r>
+              <a:rPr sz="1800">
+                <a:solidFill>
+                  <a:srgbClr val="902000"/>
+                </a:solidFill>
+                <a:latin typeface="Courier"/>
+              </a:rPr>
+              <a:t>bins =</a:t>
+            </a:r>
+            <a:r>
+              <a:rPr sz="1800">
                 <a:latin typeface="Courier"/>
               </a:rPr>
               <a:t> </a:t>
             </a:r>
-            <a:br/>
-            <a:r>
-              <a:rPr sz="1800">
-                <a:solidFill>
-                  <a:srgbClr val="4070A0"/>
-                </a:solidFill>
-                <a:latin typeface="Courier"/>
-              </a:rPr>
-              <a:t>  </a:t>
-            </a:r>
-            <a:r>
-              <a:rPr sz="1800" b="1">
-                <a:solidFill>
-                  <a:srgbClr val="007020"/>
-                </a:solidFill>
-                <a:latin typeface="Courier"/>
-              </a:rPr>
-              <a:t>geom_histogram</a:t>
-            </a:r>
-            <a:r>
-              <a:rPr sz="1800">
-                <a:latin typeface="Courier"/>
-              </a:rPr>
-              <a:t>(</a:t>
-            </a:r>
-            <a:r>
-              <a:rPr sz="1800" b="1">
-                <a:solidFill>
-                  <a:srgbClr val="007020"/>
-                </a:solidFill>
-                <a:latin typeface="Courier"/>
-              </a:rPr>
-              <a:t>aes</a:t>
-            </a:r>
-            <a:r>
-              <a:rPr sz="1800">
-                <a:latin typeface="Courier"/>
-              </a:rPr>
-              <a:t>(</a:t>
-            </a:r>
-            <a:r>
-              <a:rPr sz="1800">
-                <a:solidFill>
-                  <a:srgbClr val="902000"/>
-                </a:solidFill>
-                <a:latin typeface="Courier"/>
-              </a:rPr>
-              <a:t>x =</a:t>
-            </a:r>
-            <a:r>
-              <a:rPr sz="1800">
-                <a:latin typeface="Courier"/>
-              </a:rPr>
-              <a:t> urea), </a:t>
-            </a:r>
-            <a:r>
-              <a:rPr sz="1800">
-                <a:solidFill>
-                  <a:srgbClr val="902000"/>
-                </a:solidFill>
-                <a:latin typeface="Courier"/>
-              </a:rPr>
-              <a:t>bins =</a:t>
-            </a:r>
-            <a:r>
-              <a:rPr sz="1800">
-                <a:latin typeface="Courier"/>
-              </a:rPr>
-              <a:t> </a:t>
-            </a:r>
             <a:r>
               <a:rPr sz="1800">
                 <a:solidFill>
@@ -5633,7 +6236,7 @@
             </a:r>
           </a:p>
           <a:p>
-            <a:pPr lvl="0" marL="1270000" indent="0">
+            <a:pPr marL="1270000" lvl="0" indent="0">
               <a:buNone/>
             </a:pPr>
             <a:r>
@@ -5647,6 +6250,9 @@
       </p:sp>
     </p:spTree>
   </p:cSld>
+  <p:clrMapOvr>
+    <a:masterClrMapping/>
+  </p:clrMapOvr>
 </p:sld>
 </file>
 
@@ -5669,7 +6275,7 @@
       </p:grpSpPr>
       <p:pic>
         <p:nvPicPr>
-          <p:cNvPr descr="Workshop6_files/figure-pptx/unnamed-chunk-6-1.png" id="0" name="Picture 1"/>
+          <p:cNvPr id="2" name="Picture 1" descr="Workshop6_files/figure-pptx/unnamed-chunk-6-1.png"/>
           <p:cNvPicPr>
             <a:picLocks noGrp="1" noChangeAspect="1"/>
           </p:cNvPicPr>
@@ -5699,6 +6305,9 @@
       </p:pic>
     </p:spTree>
   </p:cSld>
+  <p:clrMapOvr>
+    <a:masterClrMapping/>
+  </p:clrMapOvr>
 </p:sld>
 </file>
 
@@ -5740,22 +6349,23 @@
           <a:bodyPr/>
           <a:lstStyle/>
           <a:p>
-            <a:pPr lvl="0" marL="0" indent="0">
+            <a:pPr marL="0" lvl="0" indent="0">
               <a:buNone/>
             </a:pPr>
-          </a:p>
-          <a:p>
-            <a:pPr lvl="0" marL="1270000" indent="0">
+            <a:endParaRPr dirty="0"/>
+          </a:p>
+          <a:p>
+            <a:pPr marL="1270000" lvl="0" indent="0">
               <a:buNone/>
             </a:pPr>
             <a:r>
-              <a:rPr sz="1800">
+              <a:rPr sz="1800" dirty="0">
                 <a:latin typeface="Courier"/>
               </a:rPr>
               <a:t>normal &lt;-</a:t>
             </a:r>
             <a:r>
-              <a:rPr sz="1800">
+              <a:rPr sz="1800" dirty="0">
                 <a:solidFill>
                   <a:srgbClr val="4070A0"/>
                 </a:solidFill>
@@ -5764,7 +6374,7 @@
               <a:t> </a:t>
             </a:r>
             <a:r>
-              <a:rPr sz="1800">
+              <a:rPr sz="1800" dirty="0">
                 <a:solidFill>
                   <a:srgbClr val="007020"/>
                 </a:solidFill>
@@ -5772,10 +6382,14 @@
               </a:rPr>
               <a:t>FALSE</a:t>
             </a:r>
-            <a:br/>
-            <a:br/>
-            <a:r>
-              <a:rPr sz="1800" b="1">
+            <a:br>
+              <a:rPr dirty="0"/>
+            </a:br>
+            <a:br>
+              <a:rPr dirty="0"/>
+            </a:br>
+            <a:r>
+              <a:rPr sz="1800" b="1" dirty="0">
                 <a:solidFill>
                   <a:srgbClr val="007020"/>
                 </a:solidFill>
@@ -5784,13 +6398,13 @@
               <a:t>if</a:t>
             </a:r>
             <a:r>
-              <a:rPr sz="1800">
+              <a:rPr sz="1800" dirty="0">
                 <a:latin typeface="Courier"/>
               </a:rPr>
               <a:t>(normal </a:t>
             </a:r>
             <a:r>
-              <a:rPr sz="1800">
+              <a:rPr sz="1800" dirty="0">
                 <a:solidFill>
                   <a:srgbClr val="666666"/>
                 </a:solidFill>
@@ -5799,7 +6413,7 @@
               <a:t>==</a:t>
             </a:r>
             <a:r>
-              <a:rPr sz="1800">
+              <a:rPr sz="1800" dirty="0">
                 <a:solidFill>
                   <a:srgbClr val="4070A0"/>
                 </a:solidFill>
@@ -5808,7 +6422,7 @@
               <a:t> </a:t>
             </a:r>
             <a:r>
-              <a:rPr sz="1800">
+              <a:rPr sz="1800" dirty="0">
                 <a:solidFill>
                   <a:srgbClr val="007020"/>
                 </a:solidFill>
@@ -5817,27 +6431,31 @@
               <a:t>TRUE</a:t>
             </a:r>
             <a:r>
-              <a:rPr sz="1800">
+              <a:rPr sz="1800" dirty="0">
                 <a:latin typeface="Courier"/>
               </a:rPr>
               <a:t>){</a:t>
             </a:r>
-            <a:br/>
-            <a:r>
-              <a:rPr sz="1800">
+            <a:br>
+              <a:rPr dirty="0"/>
+            </a:br>
+            <a:r>
+              <a:rPr sz="1800" dirty="0">
                 <a:latin typeface="Courier"/>
               </a:rPr>
               <a:t>  </a:t>
             </a:r>
-            <a:br/>
-            <a:r>
-              <a:rPr sz="1800">
+            <a:br>
+              <a:rPr dirty="0"/>
+            </a:br>
+            <a:r>
+              <a:rPr sz="1800" dirty="0">
                 <a:latin typeface="Courier"/>
               </a:rPr>
               <a:t>  </a:t>
             </a:r>
             <a:r>
-              <a:rPr sz="1800" b="1">
+              <a:rPr sz="1800" b="1" dirty="0">
                 <a:solidFill>
                   <a:srgbClr val="007020"/>
                 </a:solidFill>
@@ -5846,13 +6464,13 @@
               <a:t>print</a:t>
             </a:r>
             <a:r>
-              <a:rPr sz="1800">
+              <a:rPr sz="1800" dirty="0">
                 <a:latin typeface="Courier"/>
               </a:rPr>
               <a:t>(</a:t>
             </a:r>
             <a:r>
-              <a:rPr sz="1800" b="1">
+              <a:rPr sz="1800" b="1" dirty="0">
                 <a:solidFill>
                   <a:srgbClr val="007020"/>
                 </a:solidFill>
@@ -5861,13 +6479,19 @@
               <a:t>mean</a:t>
             </a:r>
             <a:r>
-              <a:rPr sz="1800">
-                <a:latin typeface="Courier"/>
-              </a:rPr>
-              <a:t>(cchic</a:t>
-            </a:r>
-            <a:r>
-              <a:rPr sz="1800">
+              <a:rPr sz="1800" dirty="0">
+                <a:latin typeface="Courier"/>
+              </a:rPr>
+              <a:t>(</a:t>
+            </a:r>
+            <a:r>
+              <a:rPr sz="1800" dirty="0" err="1">
+                <a:latin typeface="Courier"/>
+              </a:rPr>
+              <a:t>cchic</a:t>
+            </a:r>
+            <a:r>
+              <a:rPr sz="1800" dirty="0" err="1">
                 <a:solidFill>
                   <a:srgbClr val="666666"/>
                 </a:solidFill>
@@ -5876,42 +6500,61 @@
               <a:t>$</a:t>
             </a:r>
             <a:r>
-              <a:rPr sz="1800">
-                <a:latin typeface="Courier"/>
-              </a:rPr>
-              <a:t>urea, </a:t>
-            </a:r>
-            <a:r>
-              <a:rPr sz="1800">
+              <a:rPr sz="1800" dirty="0" err="1">
+                <a:latin typeface="Courier"/>
+              </a:rPr>
+              <a:t>urea</a:t>
+            </a:r>
+            <a:r>
+              <a:rPr sz="1800" dirty="0">
+                <a:latin typeface="Courier"/>
+              </a:rPr>
+              <a:t>, </a:t>
+            </a:r>
+            <a:r>
+              <a:rPr sz="1800" dirty="0" err="1">
                 <a:solidFill>
                   <a:srgbClr val="902000"/>
                 </a:solidFill>
                 <a:latin typeface="Courier"/>
               </a:rPr>
-              <a:t>na.rm =</a:t>
-            </a:r>
-            <a:r>
-              <a:rPr sz="1800">
+              <a:t>na.rm</a:t>
+            </a:r>
+            <a:r>
+              <a:rPr sz="1800" dirty="0">
+                <a:solidFill>
+                  <a:srgbClr val="902000"/>
+                </a:solidFill>
+                <a:latin typeface="Courier"/>
+              </a:rPr>
+              <a:t> =</a:t>
+            </a:r>
+            <a:r>
+              <a:rPr sz="1800" dirty="0">
                 <a:latin typeface="Courier"/>
               </a:rPr>
               <a:t> T))</a:t>
             </a:r>
-            <a:br/>
-            <a:r>
-              <a:rPr sz="1800">
+            <a:br>
+              <a:rPr dirty="0"/>
+            </a:br>
+            <a:r>
+              <a:rPr sz="1800" dirty="0">
                 <a:latin typeface="Courier"/>
               </a:rPr>
               <a:t>  </a:t>
             </a:r>
-            <a:br/>
-            <a:r>
-              <a:rPr sz="1800">
+            <a:br>
+              <a:rPr dirty="0"/>
+            </a:br>
+            <a:r>
+              <a:rPr sz="1800" dirty="0">
                 <a:latin typeface="Courier"/>
               </a:rPr>
               <a:t>}</a:t>
             </a:r>
             <a:r>
-              <a:rPr sz="1800" b="1">
+              <a:rPr sz="1800" b="1" dirty="0">
                 <a:solidFill>
                   <a:srgbClr val="007020"/>
                 </a:solidFill>
@@ -5920,27 +6563,31 @@
               <a:t>else</a:t>
             </a:r>
             <a:r>
-              <a:rPr sz="1800">
+              <a:rPr sz="1800" dirty="0">
                 <a:latin typeface="Courier"/>
               </a:rPr>
               <a:t>{</a:t>
             </a:r>
-            <a:br/>
-            <a:r>
-              <a:rPr sz="1800">
+            <a:br>
+              <a:rPr dirty="0"/>
+            </a:br>
+            <a:r>
+              <a:rPr sz="1800" dirty="0">
                 <a:latin typeface="Courier"/>
               </a:rPr>
               <a:t>  </a:t>
             </a:r>
-            <a:br/>
-            <a:r>
-              <a:rPr sz="1800">
+            <a:br>
+              <a:rPr dirty="0"/>
+            </a:br>
+            <a:r>
+              <a:rPr sz="1800" dirty="0">
                 <a:latin typeface="Courier"/>
               </a:rPr>
               <a:t>  </a:t>
             </a:r>
             <a:r>
-              <a:rPr sz="1800" b="1">
+              <a:rPr sz="1800" b="1" dirty="0">
                 <a:solidFill>
                   <a:srgbClr val="007020"/>
                 </a:solidFill>
@@ -5949,13 +6596,13 @@
               <a:t>print</a:t>
             </a:r>
             <a:r>
-              <a:rPr sz="1800">
+              <a:rPr sz="1800" dirty="0">
                 <a:latin typeface="Courier"/>
               </a:rPr>
               <a:t>(</a:t>
             </a:r>
             <a:r>
-              <a:rPr sz="1800" b="1">
+              <a:rPr sz="1800" b="1" dirty="0">
                 <a:solidFill>
                   <a:srgbClr val="007020"/>
                 </a:solidFill>
@@ -5964,13 +6611,19 @@
               <a:t>median</a:t>
             </a:r>
             <a:r>
-              <a:rPr sz="1800">
-                <a:latin typeface="Courier"/>
-              </a:rPr>
-              <a:t>(cchic</a:t>
-            </a:r>
-            <a:r>
-              <a:rPr sz="1800">
+              <a:rPr sz="1800" dirty="0">
+                <a:latin typeface="Courier"/>
+              </a:rPr>
+              <a:t>(</a:t>
+            </a:r>
+            <a:r>
+              <a:rPr sz="1800" dirty="0" err="1">
+                <a:latin typeface="Courier"/>
+              </a:rPr>
+              <a:t>cchic</a:t>
+            </a:r>
+            <a:r>
+              <a:rPr sz="1800" dirty="0" err="1">
                 <a:solidFill>
                   <a:srgbClr val="666666"/>
                 </a:solidFill>
@@ -5979,47 +6632,66 @@
               <a:t>$</a:t>
             </a:r>
             <a:r>
-              <a:rPr sz="1800">
-                <a:latin typeface="Courier"/>
-              </a:rPr>
-              <a:t>urea, </a:t>
-            </a:r>
-            <a:r>
-              <a:rPr sz="1800">
+              <a:rPr sz="1800" dirty="0" err="1">
+                <a:latin typeface="Courier"/>
+              </a:rPr>
+              <a:t>urea</a:t>
+            </a:r>
+            <a:r>
+              <a:rPr sz="1800" dirty="0">
+                <a:latin typeface="Courier"/>
+              </a:rPr>
+              <a:t>, </a:t>
+            </a:r>
+            <a:r>
+              <a:rPr sz="1800" dirty="0" err="1">
                 <a:solidFill>
                   <a:srgbClr val="902000"/>
                 </a:solidFill>
                 <a:latin typeface="Courier"/>
               </a:rPr>
-              <a:t>na.rm =</a:t>
-            </a:r>
-            <a:r>
-              <a:rPr sz="1800">
+              <a:t>na.rm</a:t>
+            </a:r>
+            <a:r>
+              <a:rPr sz="1800" dirty="0">
+                <a:solidFill>
+                  <a:srgbClr val="902000"/>
+                </a:solidFill>
+                <a:latin typeface="Courier"/>
+              </a:rPr>
+              <a:t> =</a:t>
+            </a:r>
+            <a:r>
+              <a:rPr sz="1800" dirty="0">
                 <a:latin typeface="Courier"/>
               </a:rPr>
               <a:t> T))</a:t>
             </a:r>
-            <a:br/>
-            <a:r>
-              <a:rPr sz="1800">
+            <a:br>
+              <a:rPr dirty="0"/>
+            </a:br>
+            <a:r>
+              <a:rPr sz="1800" dirty="0">
                 <a:latin typeface="Courier"/>
               </a:rPr>
               <a:t>  </a:t>
             </a:r>
-            <a:br/>
-            <a:r>
-              <a:rPr sz="1800">
+            <a:br>
+              <a:rPr dirty="0"/>
+            </a:br>
+            <a:r>
+              <a:rPr sz="1800" dirty="0">
                 <a:latin typeface="Courier"/>
               </a:rPr>
               <a:t>}</a:t>
             </a:r>
           </a:p>
           <a:p>
-            <a:pPr lvl="0" marL="1270000" indent="0">
+            <a:pPr marL="1270000" lvl="0" indent="0">
               <a:buNone/>
             </a:pPr>
             <a:r>
-              <a:rPr sz="1800">
+              <a:rPr sz="1800" dirty="0">
                 <a:latin typeface="Courier"/>
               </a:rPr>
               <a:t>## [1] 6.1</a:t>
@@ -6029,6 +6701,9 @@
       </p:sp>
     </p:spTree>
   </p:cSld>
+  <p:clrMapOvr>
+    <a:masterClrMapping/>
+  </p:clrMapOvr>
 </p:sld>
 </file>
 
@@ -6070,28 +6745,11 @@
           <a:bodyPr/>
           <a:lstStyle/>
           <a:p>
-            <a:pPr lvl="0" marL="0" indent="0">
+            <a:pPr marL="0" lvl="0" indent="0">
               <a:buNone/>
             </a:pPr>
             <a:r>
-              <a:rPr/>
-              <a:t>Multiple</a:t>
-            </a:r>
-            <a:r>
-              <a:rPr/>
-              <a:t> </a:t>
-            </a:r>
-            <a:r>
-              <a:rPr/>
-              <a:t>conditional</a:t>
-            </a:r>
-            <a:r>
-              <a:rPr/>
-              <a:t> </a:t>
-            </a:r>
-            <a:r>
-              <a:rPr/>
-              <a:t>statements</a:t>
+              <a:t>Multiple conditional statements</a:t>
             </a:r>
           </a:p>
         </p:txBody>
@@ -6119,14 +6777,12 @@
           <a:p>
             <a:pPr lvl="1"/>
             <a:r>
-              <a:rPr/>
               <a:t>There are times when one condition is not enough</a:t>
             </a:r>
           </a:p>
           <a:p>
             <a:pPr lvl="1"/>
             <a:r>
-              <a:rPr/>
               <a:t>Here, we can string together multiple (as many as you like) </a:t>
             </a:r>
             <a:r>
@@ -6136,7 +6792,6 @@
               <a:t>else if</a:t>
             </a:r>
             <a:r>
-              <a:rPr/>
               <a:t> statements</a:t>
             </a:r>
           </a:p>
@@ -6144,6 +6799,9 @@
       </p:sp>
     </p:spTree>
   </p:cSld>
+  <p:clrMapOvr>
+    <a:masterClrMapping/>
+  </p:clrMapOvr>
 </p:sld>
 </file>
 
@@ -6185,20 +6843,11 @@
           <a:bodyPr/>
           <a:lstStyle/>
           <a:p>
-            <a:pPr lvl="0" marL="0" indent="0">
+            <a:pPr marL="0" lvl="0" indent="0">
               <a:buNone/>
             </a:pPr>
             <a:r>
-              <a:rPr/>
-              <a:t>Example</a:t>
-            </a:r>
-            <a:r>
-              <a:rPr/>
-              <a:t> </a:t>
-            </a:r>
-            <a:r>
-              <a:rPr/>
-              <a:t>4</a:t>
+              <a:t>Example 4</a:t>
             </a:r>
           </a:p>
         </p:txBody>
@@ -6221,10 +6870,12 @@
         </p:nvSpPr>
         <p:spPr/>
         <p:txBody>
-          <a:bodyPr/>
-          <a:lstStyle/>
-          <a:p>
-            <a:pPr lvl="0" marL="1270000" indent="0">
+          <a:bodyPr>
+            <a:normAutofit lnSpcReduction="10000"/>
+          </a:bodyPr>
+          <a:lstStyle/>
+          <a:p>
+            <a:pPr marL="1270000" lvl="0" indent="0">
               <a:buNone/>
             </a:pPr>
             <a:r>
@@ -6628,7 +7279,7 @@
             </a:r>
           </a:p>
           <a:p>
-            <a:pPr lvl="0" marL="1270000" indent="0">
+            <a:pPr marL="1270000" lvl="0" indent="0">
               <a:buNone/>
             </a:pPr>
             <a:r>
@@ -6642,6 +7293,9 @@
       </p:sp>
     </p:spTree>
   </p:cSld>
+  <p:clrMapOvr>
+    <a:masterClrMapping/>
+  </p:clrMapOvr>
 </p:sld>
 </file>
 
@@ -6664,7 +7318,7 @@
       </p:grpSpPr>
       <p:pic>
         <p:nvPicPr>
-          <p:cNvPr descr="../Images/ClinicianCodersBranding_FINAL_CMYK_Colour.png" id="0" name="Picture 1"/>
+          <p:cNvPr id="2" name="Picture 1" descr="../Images/ClinicianCodersBranding_FINAL_CMYK_Colour.png"/>
           <p:cNvPicPr>
             <a:picLocks noGrp="1" noChangeAspect="1"/>
           </p:cNvPicPr>
@@ -6694,6 +7348,9 @@
       </p:pic>
     </p:spTree>
   </p:cSld>
+  <p:clrMapOvr>
+    <a:masterClrMapping/>
+  </p:clrMapOvr>
 </p:sld>
 </file>
 
@@ -6719,7 +7376,7 @@
           <p:cNvPr id="2" name="Title 1">
             <a:extLst>
               <a:ext uri="{FF2B5EF4-FFF2-40B4-BE49-F238E27FC236}">
-                <a16:creationId xmlns:a16="http://schemas.microsoft.com/office/drawing/2014/main" id="{5567D468-EE70-CD4E-A3AC-039CC11EF1FB}"/>
+                <a16:creationId xmlns:a16="http://schemas.microsoft.com/office/drawing/2014/main" id="{A26C9677-FC9C-1049-9CBA-7929640D901C}"/>
               </a:ext>
             </a:extLst>
           </p:cNvPr>
@@ -6735,83 +7392,23 @@
           <a:bodyPr/>
           <a:lstStyle/>
           <a:p>
-            <a:pPr lvl="0" marL="0" indent="0">
-              <a:buNone/>
-            </a:pPr>
-            <a:r>
-              <a:rPr/>
-              <a:t>Why</a:t>
-            </a:r>
-            <a:r>
-              <a:rPr/>
-              <a:t> </a:t>
-            </a:r>
-            <a:r>
-              <a:rPr/>
-              <a:t>loop?</a:t>
-            </a:r>
-          </a:p>
-        </p:txBody>
-      </p:sp>
-      <p:sp>
-        <p:nvSpPr>
-          <p:cNvPr id="3" name="Content Placeholder 2">
-            <a:extLst>
-              <a:ext uri="{FF2B5EF4-FFF2-40B4-BE49-F238E27FC236}">
-                <a16:creationId xmlns:a16="http://schemas.microsoft.com/office/drawing/2014/main" id="{D10DDA37-E46B-B641-BC9F-636CB92A2C08}"/>
-              </a:ext>
-            </a:extLst>
-          </p:cNvPr>
-          <p:cNvSpPr>
-            <a:spLocks noGrp="1"/>
-          </p:cNvSpPr>
-          <p:nvPr>
-            <p:ph idx="1"/>
-          </p:nvPr>
-        </p:nvSpPr>
-        <p:spPr/>
-        <p:txBody>
-          <a:bodyPr/>
-          <a:lstStyle/>
-          <a:p>
-            <a:pPr lvl="1"/>
-            <a:r>
-              <a:rPr/>
-              <a:t>Copy pasting code is bad</a:t>
-            </a:r>
-          </a:p>
-          <a:p>
-            <a:pPr lvl="1"/>
-            <a:r>
-              <a:rPr/>
-              <a:t>Rule of thumb if you copy-paste &gt; 2 time, loop instead</a:t>
-            </a:r>
-          </a:p>
-          <a:p>
-            <a:pPr lvl="1"/>
-            <a:r>
-              <a:rPr/>
-              <a:t>Huge/mutiple data sets</a:t>
-            </a:r>
-          </a:p>
-          <a:p>
-            <a:pPr lvl="1"/>
-            <a:r>
-              <a:rPr/>
-              <a:t>Less human error-prone</a:t>
-            </a:r>
-          </a:p>
-          <a:p>
-            <a:pPr lvl="1"/>
-            <a:r>
-              <a:rPr/>
-              <a:t>Perform same function many times</a:t>
+            <a:r>
+              <a:rPr lang="en-US" dirty="0"/>
+              <a:t>Break here?</a:t>
             </a:r>
           </a:p>
         </p:txBody>
       </p:sp>
     </p:spTree>
+    <p:extLst>
+      <p:ext uri="{BB962C8B-B14F-4D97-AF65-F5344CB8AC3E}">
+        <p14:creationId xmlns:p14="http://schemas.microsoft.com/office/powerpoint/2010/main" val="2257655167"/>
+      </p:ext>
+    </p:extLst>
   </p:cSld>
+  <p:clrMapOvr>
+    <a:masterClrMapping/>
+  </p:clrMapOvr>
 </p:sld>
 </file>
 
@@ -6853,20 +7450,11 @@
           <a:bodyPr/>
           <a:lstStyle/>
           <a:p>
-            <a:pPr lvl="0" marL="0" indent="0">
+            <a:pPr marL="0" lvl="0" indent="0">
               <a:buNone/>
             </a:pPr>
             <a:r>
-              <a:rPr/>
-              <a:t>Loop</a:t>
-            </a:r>
-            <a:r>
-              <a:rPr/>
-              <a:t> </a:t>
-            </a:r>
-            <a:r>
-              <a:rPr/>
-              <a:t>syntax</a:t>
+              <a:t>Why loop?</a:t>
             </a:r>
           </a:p>
         </p:txBody>
@@ -6894,43 +7482,58 @@
           <a:p>
             <a:pPr lvl="1"/>
             <a:r>
-              <a:rPr b="1"/>
-              <a:t>For</a:t>
-            </a:r>
-            <a:r>
-              <a:rPr/>
-              <a:t> and while loops</a:t>
-            </a:r>
+              <a:rPr dirty="0"/>
+              <a:t>Copy pasting code is bad</a:t>
+            </a:r>
+            <a:r>
+              <a:rPr lang="en-US" dirty="0"/>
+              <a:t> (slow, errors, messy, confusing)</a:t>
+            </a:r>
+            <a:endParaRPr dirty="0"/>
           </a:p>
           <a:p>
             <a:pPr lvl="1"/>
             <a:r>
-              <a:rPr/>
-              <a:t>Loops have 2 parts:</a:t>
-            </a:r>
-          </a:p>
-          <a:p>
-            <a:pPr lvl="2">
-              <a:buAutoNum type="arabicPeriod"/>
-            </a:pPr>
-            <a:r>
-              <a:rPr/>
-              <a:t>Number of iterations</a:t>
-            </a:r>
-          </a:p>
-          <a:p>
-            <a:pPr lvl="2">
-              <a:buAutoNum type="arabicPeriod"/>
-            </a:pPr>
-            <a:r>
-              <a:rPr/>
-              <a:t>Body - what to do each iteration?</a:t>
+              <a:rPr dirty="0"/>
+              <a:t>Rule of thumb if you copy-paste &gt; 2 time, loop instead</a:t>
+            </a:r>
+          </a:p>
+          <a:p>
+            <a:pPr lvl="1"/>
+            <a:r>
+              <a:rPr dirty="0"/>
+              <a:t>Huge/mu</a:t>
+            </a:r>
+            <a:r>
+              <a:rPr lang="en-US" dirty="0"/>
+              <a:t>l</a:t>
+            </a:r>
+            <a:r>
+              <a:rPr dirty="0"/>
+              <a:t>tiple data sets</a:t>
+            </a:r>
+          </a:p>
+          <a:p>
+            <a:pPr lvl="1"/>
+            <a:r>
+              <a:rPr dirty="0"/>
+              <a:t>Less human error-prone</a:t>
+            </a:r>
+          </a:p>
+          <a:p>
+            <a:pPr lvl="1"/>
+            <a:r>
+              <a:rPr dirty="0"/>
+              <a:t>Perform same function many times</a:t>
             </a:r>
           </a:p>
         </p:txBody>
       </p:sp>
     </p:spTree>
   </p:cSld>
+  <p:clrMapOvr>
+    <a:masterClrMapping/>
+  </p:clrMapOvr>
 </p:sld>
 </file>
 
@@ -6972,20 +7575,11 @@
           <a:bodyPr/>
           <a:lstStyle/>
           <a:p>
-            <a:pPr lvl="0" marL="0" indent="0">
+            <a:pPr marL="0" lvl="0" indent="0">
               <a:buNone/>
             </a:pPr>
             <a:r>
-              <a:rPr/>
-              <a:t>Example</a:t>
-            </a:r>
-            <a:r>
-              <a:rPr/>
-              <a:t> </a:t>
-            </a:r>
-            <a:r>
-              <a:rPr/>
-              <a:t>5</a:t>
+              <a:t>Loop syntax</a:t>
             </a:r>
           </a:p>
         </p:txBody>
@@ -7011,135 +7605,44 @@
           <a:bodyPr/>
           <a:lstStyle/>
           <a:p>
-            <a:pPr lvl="0" marL="1270000" indent="0">
-              <a:buNone/>
+            <a:pPr lvl="1"/>
+            <a:r>
+              <a:rPr b="1"/>
+              <a:t>For</a:t>
+            </a:r>
+            <a:r>
+              <a:t> and while loops</a:t>
+            </a:r>
+          </a:p>
+          <a:p>
+            <a:pPr lvl="1"/>
+            <a:r>
+              <a:t>Loops have 2 parts:</a:t>
+            </a:r>
+          </a:p>
+          <a:p>
+            <a:pPr lvl="2">
+              <a:buAutoNum type="arabicPeriod"/>
             </a:pPr>
             <a:r>
-              <a:rPr sz="1800" b="1">
-                <a:solidFill>
-                  <a:srgbClr val="007020"/>
-                </a:solidFill>
-                <a:latin typeface="Courier"/>
-              </a:rPr>
-              <a:t>for</a:t>
-            </a:r>
-            <a:r>
-              <a:rPr sz="1800">
-                <a:latin typeface="Courier"/>
-              </a:rPr>
-              <a:t>(i </a:t>
-            </a:r>
-            <a:r>
-              <a:rPr sz="1800" b="1">
-                <a:solidFill>
-                  <a:srgbClr val="007020"/>
-                </a:solidFill>
-                <a:latin typeface="Courier"/>
-              </a:rPr>
-              <a:t>in</a:t>
-            </a:r>
-            <a:r>
-              <a:rPr sz="1800">
-                <a:latin typeface="Courier"/>
-              </a:rPr>
-              <a:t> </a:t>
-            </a:r>
-            <a:r>
-              <a:rPr sz="1800">
-                <a:solidFill>
-                  <a:srgbClr val="40A070"/>
-                </a:solidFill>
-                <a:latin typeface="Courier"/>
-              </a:rPr>
-              <a:t>1</a:t>
-            </a:r>
-            <a:r>
-              <a:rPr sz="1800">
-                <a:solidFill>
-                  <a:srgbClr val="666666"/>
-                </a:solidFill>
-                <a:latin typeface="Courier"/>
-              </a:rPr>
-              <a:t>:</a:t>
-            </a:r>
-            <a:r>
-              <a:rPr sz="1800">
-                <a:solidFill>
-                  <a:srgbClr val="40A070"/>
-                </a:solidFill>
-                <a:latin typeface="Courier"/>
-              </a:rPr>
-              <a:t>5</a:t>
-            </a:r>
-            <a:r>
-              <a:rPr sz="1800">
-                <a:latin typeface="Courier"/>
-              </a:rPr>
-              <a:t>){</a:t>
-            </a:r>
-            <a:br/>
-            <a:r>
-              <a:rPr sz="1800">
-                <a:latin typeface="Courier"/>
-              </a:rPr>
-              <a:t>  </a:t>
-            </a:r>
-            <a:br/>
-            <a:r>
-              <a:rPr sz="1800">
-                <a:latin typeface="Courier"/>
-              </a:rPr>
-              <a:t>  </a:t>
-            </a:r>
-            <a:r>
-              <a:rPr sz="1800" b="1">
-                <a:solidFill>
-                  <a:srgbClr val="007020"/>
-                </a:solidFill>
-                <a:latin typeface="Courier"/>
-              </a:rPr>
-              <a:t>print</a:t>
-            </a:r>
-            <a:r>
-              <a:rPr sz="1800">
-                <a:latin typeface="Courier"/>
-              </a:rPr>
-              <a:t>(i)</a:t>
-            </a:r>
-            <a:br/>
-            <a:r>
-              <a:rPr sz="1800">
-                <a:latin typeface="Courier"/>
-              </a:rPr>
-              <a:t>  </a:t>
-            </a:r>
-            <a:br/>
-            <a:r>
-              <a:rPr sz="1800">
-                <a:latin typeface="Courier"/>
-              </a:rPr>
-              <a:t>}</a:t>
-            </a:r>
-          </a:p>
-          <a:p>
-            <a:pPr lvl="0" marL="1270000" indent="0">
-              <a:buNone/>
+              <a:t>Number of iterations</a:t>
+            </a:r>
+          </a:p>
+          <a:p>
+            <a:pPr lvl="2">
+              <a:buAutoNum type="arabicPeriod"/>
             </a:pPr>
             <a:r>
-              <a:rPr sz="1800">
-                <a:latin typeface="Courier"/>
-              </a:rPr>
-              <a:t>## [1] 1
-## [1] 2
-## [1] 3
-## [1] 4
-## [1] 5</a:t>
+              <a:t>Body - what to do each iteration?</a:t>
             </a:r>
           </a:p>
         </p:txBody>
       </p:sp>
     </p:spTree>
   </p:cSld>
+  <p:clrMapOvr>
+    <a:masterClrMapping/>
+  </p:clrMapOvr>
 </p:sld>
 </file>
 
@@ -7181,400 +7684,168 @@
           <a:bodyPr/>
           <a:lstStyle/>
           <a:p>
-            <a:pPr lvl="0" marL="0" indent="0">
+            <a:pPr marL="0" lvl="0" indent="0">
               <a:buNone/>
             </a:pPr>
             <a:r>
-              <a:rPr/>
-              <a:t>Example</a:t>
-            </a:r>
-            <a:r>
-              <a:rPr/>
+              <a:t>Example 5</a:t>
+            </a:r>
+          </a:p>
+        </p:txBody>
+      </p:sp>
+      <p:sp>
+        <p:nvSpPr>
+          <p:cNvPr id="3" name="Content Placeholder 2">
+            <a:extLst>
+              <a:ext uri="{FF2B5EF4-FFF2-40B4-BE49-F238E27FC236}">
+                <a16:creationId xmlns:a16="http://schemas.microsoft.com/office/drawing/2014/main" id="{D10DDA37-E46B-B641-BC9F-636CB92A2C08}"/>
+              </a:ext>
+            </a:extLst>
+          </p:cNvPr>
+          <p:cNvSpPr>
+            <a:spLocks noGrp="1"/>
+          </p:cNvSpPr>
+          <p:nvPr>
+            <p:ph idx="1"/>
+          </p:nvPr>
+        </p:nvSpPr>
+        <p:spPr/>
+        <p:txBody>
+          <a:bodyPr/>
+          <a:lstStyle/>
+          <a:p>
+            <a:pPr marL="1270000" lvl="0" indent="0">
+              <a:buNone/>
+            </a:pPr>
+            <a:r>
+              <a:rPr sz="1800" b="1">
+                <a:solidFill>
+                  <a:srgbClr val="007020"/>
+                </a:solidFill>
+                <a:latin typeface="Courier"/>
+              </a:rPr>
+              <a:t>for</a:t>
+            </a:r>
+            <a:r>
+              <a:rPr sz="1800">
+                <a:latin typeface="Courier"/>
+              </a:rPr>
+              <a:t>(i </a:t>
+            </a:r>
+            <a:r>
+              <a:rPr sz="1800" b="1">
+                <a:solidFill>
+                  <a:srgbClr val="007020"/>
+                </a:solidFill>
+                <a:latin typeface="Courier"/>
+              </a:rPr>
+              <a:t>in</a:t>
+            </a:r>
+            <a:r>
+              <a:rPr sz="1800">
+                <a:latin typeface="Courier"/>
+              </a:rPr>
               <a:t> </a:t>
             </a:r>
             <a:r>
-              <a:rPr/>
-              <a:t>6</a:t>
-            </a:r>
-            <a:r>
-              <a:rPr/>
-              <a:t> </a:t>
-            </a:r>
-            <a:r>
-              <a:rPr/>
-              <a:t>-</a:t>
-            </a:r>
-            <a:r>
-              <a:rPr/>
-              <a:t> </a:t>
-            </a:r>
-            <a:r>
-              <a:rPr/>
-              <a:t>manual</a:t>
-            </a:r>
-          </a:p>
-        </p:txBody>
-      </p:sp>
-      <p:sp>
-        <p:nvSpPr>
-          <p:cNvPr id="3" name="Content Placeholder 2">
-            <a:extLst>
-              <a:ext uri="{FF2B5EF4-FFF2-40B4-BE49-F238E27FC236}">
-                <a16:creationId xmlns:a16="http://schemas.microsoft.com/office/drawing/2014/main" id="{D10DDA37-E46B-B641-BC9F-636CB92A2C08}"/>
-              </a:ext>
-            </a:extLst>
-          </p:cNvPr>
-          <p:cNvSpPr>
-            <a:spLocks noGrp="1"/>
-          </p:cNvSpPr>
-          <p:nvPr>
-            <p:ph idx="1"/>
-          </p:nvPr>
-        </p:nvSpPr>
-        <p:spPr/>
-        <p:txBody>
-          <a:bodyPr/>
-          <a:lstStyle/>
-          <a:p>
-            <a:pPr lvl="0" marL="1270000" indent="0">
+              <a:rPr sz="1800">
+                <a:solidFill>
+                  <a:srgbClr val="40A070"/>
+                </a:solidFill>
+                <a:latin typeface="Courier"/>
+              </a:rPr>
+              <a:t>1</a:t>
+            </a:r>
+            <a:r>
+              <a:rPr sz="1800">
+                <a:solidFill>
+                  <a:srgbClr val="666666"/>
+                </a:solidFill>
+                <a:latin typeface="Courier"/>
+              </a:rPr>
+              <a:t>:</a:t>
+            </a:r>
+            <a:r>
+              <a:rPr sz="1800">
+                <a:solidFill>
+                  <a:srgbClr val="40A070"/>
+                </a:solidFill>
+                <a:latin typeface="Courier"/>
+              </a:rPr>
+              <a:t>5</a:t>
+            </a:r>
+            <a:r>
+              <a:rPr sz="1800">
+                <a:latin typeface="Courier"/>
+              </a:rPr>
+              <a:t>){</a:t>
+            </a:r>
+            <a:br/>
+            <a:r>
+              <a:rPr sz="1800">
+                <a:latin typeface="Courier"/>
+              </a:rPr>
+              <a:t>  </a:t>
+            </a:r>
+            <a:br/>
+            <a:r>
+              <a:rPr sz="1800">
+                <a:latin typeface="Courier"/>
+              </a:rPr>
+              <a:t>  </a:t>
+            </a:r>
+            <a:r>
+              <a:rPr sz="1800" b="1">
+                <a:solidFill>
+                  <a:srgbClr val="007020"/>
+                </a:solidFill>
+                <a:latin typeface="Courier"/>
+              </a:rPr>
+              <a:t>print</a:t>
+            </a:r>
+            <a:r>
+              <a:rPr sz="1800">
+                <a:latin typeface="Courier"/>
+              </a:rPr>
+              <a:t>(i)</a:t>
+            </a:r>
+            <a:br/>
+            <a:r>
+              <a:rPr sz="1800">
+                <a:latin typeface="Courier"/>
+              </a:rPr>
+              <a:t>  </a:t>
+            </a:r>
+            <a:br/>
+            <a:r>
+              <a:rPr sz="1800">
+                <a:latin typeface="Courier"/>
+              </a:rPr>
+              <a:t>}</a:t>
+            </a:r>
+          </a:p>
+          <a:p>
+            <a:pPr marL="1270000" lvl="0" indent="0">
               <a:buNone/>
             </a:pPr>
             <a:r>
               <a:rPr sz="1800">
                 <a:latin typeface="Courier"/>
               </a:rPr>
-              <a:t>x &lt;-</a:t>
-            </a:r>
-            <a:r>
-              <a:rPr sz="1800">
-                <a:solidFill>
-                  <a:srgbClr val="4070A0"/>
-                </a:solidFill>
-                <a:latin typeface="Courier"/>
-              </a:rPr>
-              <a:t> </a:t>
-            </a:r>
-            <a:r>
-              <a:rPr sz="1800" b="1">
-                <a:solidFill>
-                  <a:srgbClr val="007020"/>
-                </a:solidFill>
-                <a:latin typeface="Courier"/>
-              </a:rPr>
-              <a:t>c</a:t>
-            </a:r>
-            <a:r>
-              <a:rPr sz="1800">
-                <a:latin typeface="Courier"/>
-              </a:rPr>
-              <a:t>(</a:t>
-            </a:r>
-            <a:r>
-              <a:rPr sz="1800">
-                <a:solidFill>
-                  <a:srgbClr val="4070A0"/>
-                </a:solidFill>
-                <a:latin typeface="Courier"/>
-              </a:rPr>
-              <a:t>"the"</a:t>
-            </a:r>
-            <a:r>
-              <a:rPr sz="1800">
-                <a:latin typeface="Courier"/>
-              </a:rPr>
-              <a:t>, </a:t>
-            </a:r>
-            <a:r>
-              <a:rPr sz="1800">
-                <a:solidFill>
-                  <a:srgbClr val="4070A0"/>
-                </a:solidFill>
-                <a:latin typeface="Courier"/>
-              </a:rPr>
-              <a:t>"classic"</a:t>
-            </a:r>
-            <a:r>
-              <a:rPr sz="1800">
-                <a:latin typeface="Courier"/>
-              </a:rPr>
-              <a:t>, </a:t>
-            </a:r>
-            <a:r>
-              <a:rPr sz="1800">
-                <a:solidFill>
-                  <a:srgbClr val="4070A0"/>
-                </a:solidFill>
-                <a:latin typeface="Courier"/>
-              </a:rPr>
-              <a:t>"hello"</a:t>
-            </a:r>
-            <a:r>
-              <a:rPr sz="1800">
-                <a:latin typeface="Courier"/>
-              </a:rPr>
-              <a:t>, </a:t>
-            </a:r>
-            <a:r>
-              <a:rPr sz="1800">
-                <a:solidFill>
-                  <a:srgbClr val="4070A0"/>
-                </a:solidFill>
-                <a:latin typeface="Courier"/>
-              </a:rPr>
-              <a:t>"world"</a:t>
-            </a:r>
-            <a:r>
-              <a:rPr sz="1800">
-                <a:latin typeface="Courier"/>
-              </a:rPr>
-              <a:t>, </a:t>
-            </a:r>
-            <a:r>
-              <a:rPr sz="1800">
-                <a:solidFill>
-                  <a:srgbClr val="4070A0"/>
-                </a:solidFill>
-                <a:latin typeface="Courier"/>
-              </a:rPr>
-              <a:t>"example"</a:t>
-            </a:r>
-            <a:r>
-              <a:rPr sz="1800">
-                <a:latin typeface="Courier"/>
-              </a:rPr>
-              <a:t>)</a:t>
-            </a:r>
-            <a:br/>
-            <a:r>
-              <a:rPr sz="1800" b="1">
-                <a:solidFill>
-                  <a:srgbClr val="007020"/>
-                </a:solidFill>
-                <a:latin typeface="Courier"/>
-              </a:rPr>
-              <a:t>print</a:t>
-            </a:r>
-            <a:r>
-              <a:rPr sz="1800">
-                <a:latin typeface="Courier"/>
-              </a:rPr>
-              <a:t>(x[</a:t>
-            </a:r>
-            <a:r>
-              <a:rPr sz="1800">
-                <a:solidFill>
-                  <a:srgbClr val="40A070"/>
-                </a:solidFill>
-                <a:latin typeface="Courier"/>
-              </a:rPr>
-              <a:t>1</a:t>
-            </a:r>
-            <a:r>
-              <a:rPr sz="1800">
-                <a:latin typeface="Courier"/>
-              </a:rPr>
-              <a:t>])</a:t>
-            </a:r>
-          </a:p>
-          <a:p>
-            <a:pPr lvl="0" marL="1270000" indent="0">
-              <a:buNone/>
-            </a:pPr>
-            <a:r>
-              <a:rPr sz="1800">
-                <a:latin typeface="Courier"/>
-              </a:rPr>
-              <a:t>## [1] "the"</a:t>
-            </a:r>
-          </a:p>
-          <a:p>
-            <a:pPr lvl="0" marL="1270000" indent="0">
-              <a:buNone/>
-            </a:pPr>
-            <a:r>
-              <a:rPr sz="1800" b="1">
-                <a:solidFill>
-                  <a:srgbClr val="007020"/>
-                </a:solidFill>
-                <a:latin typeface="Courier"/>
-              </a:rPr>
-              <a:t>print</a:t>
-            </a:r>
-            <a:r>
-              <a:rPr sz="1800">
-                <a:latin typeface="Courier"/>
-              </a:rPr>
-              <a:t>(x[</a:t>
-            </a:r>
-            <a:r>
-              <a:rPr sz="1800">
-                <a:solidFill>
-                  <a:srgbClr val="40A070"/>
-                </a:solidFill>
-                <a:latin typeface="Courier"/>
-              </a:rPr>
-              <a:t>2</a:t>
-            </a:r>
-            <a:r>
-              <a:rPr sz="1800">
-                <a:latin typeface="Courier"/>
-              </a:rPr>
-              <a:t>])</a:t>
-            </a:r>
-          </a:p>
-          <a:p>
-            <a:pPr lvl="0" marL="1270000" indent="0">
-              <a:buNone/>
-            </a:pPr>
-            <a:r>
-              <a:rPr sz="1800">
-                <a:latin typeface="Courier"/>
-              </a:rPr>
-              <a:t>## [1] "classic"</a:t>
-            </a:r>
-          </a:p>
-          <a:p>
-            <a:pPr lvl="0" marL="1270000" indent="0">
-              <a:buNone/>
-            </a:pPr>
-            <a:r>
-              <a:rPr sz="1800" b="1">
-                <a:solidFill>
-                  <a:srgbClr val="007020"/>
-                </a:solidFill>
-                <a:latin typeface="Courier"/>
-              </a:rPr>
-              <a:t>print</a:t>
-            </a:r>
-            <a:r>
-              <a:rPr sz="1800">
-                <a:latin typeface="Courier"/>
-              </a:rPr>
-              <a:t>(x[</a:t>
-            </a:r>
-            <a:r>
-              <a:rPr sz="1800">
-                <a:solidFill>
-                  <a:srgbClr val="40A070"/>
-                </a:solidFill>
-                <a:latin typeface="Courier"/>
-              </a:rPr>
-              <a:t>3</a:t>
-            </a:r>
-            <a:r>
-              <a:rPr sz="1800">
-                <a:latin typeface="Courier"/>
-              </a:rPr>
-              <a:t>])</a:t>
-            </a:r>
-          </a:p>
-          <a:p>
-            <a:pPr lvl="0" marL="1270000" indent="0">
-              <a:buNone/>
-            </a:pPr>
-            <a:r>
-              <a:rPr sz="1800">
-                <a:latin typeface="Courier"/>
-              </a:rPr>
-              <a:t>## [1] "hello"</a:t>
-            </a:r>
-          </a:p>
-          <a:p>
-            <a:pPr lvl="0" marL="1270000" indent="0">
-              <a:buNone/>
-            </a:pPr>
-            <a:r>
-              <a:rPr sz="1800" b="1">
-                <a:solidFill>
-                  <a:srgbClr val="007020"/>
-                </a:solidFill>
-                <a:latin typeface="Courier"/>
-              </a:rPr>
-              <a:t>print</a:t>
-            </a:r>
-            <a:r>
-              <a:rPr sz="1800">
-                <a:latin typeface="Courier"/>
-              </a:rPr>
-              <a:t>(x[</a:t>
-            </a:r>
-            <a:r>
-              <a:rPr sz="1800">
-                <a:solidFill>
-                  <a:srgbClr val="40A070"/>
-                </a:solidFill>
-                <a:latin typeface="Courier"/>
-              </a:rPr>
-              <a:t>4</a:t>
-            </a:r>
-            <a:r>
-              <a:rPr sz="1800">
-                <a:latin typeface="Courier"/>
-              </a:rPr>
-              <a:t>])</a:t>
-            </a:r>
-          </a:p>
-          <a:p>
-            <a:pPr lvl="0" marL="1270000" indent="0">
-              <a:buNone/>
-            </a:pPr>
-            <a:r>
-              <a:rPr sz="1800">
-                <a:latin typeface="Courier"/>
-              </a:rPr>
-              <a:t>## [1] "world"</a:t>
-            </a:r>
-          </a:p>
-          <a:p>
-            <a:pPr lvl="0" marL="1270000" indent="0">
-              <a:buNone/>
-            </a:pPr>
-            <a:r>
-              <a:rPr sz="1800" b="1">
-                <a:solidFill>
-                  <a:srgbClr val="007020"/>
-                </a:solidFill>
-                <a:latin typeface="Courier"/>
-              </a:rPr>
-              <a:t>print</a:t>
-            </a:r>
-            <a:r>
-              <a:rPr sz="1800">
-                <a:latin typeface="Courier"/>
-              </a:rPr>
-              <a:t>(x[</a:t>
-            </a:r>
-            <a:r>
-              <a:rPr sz="1800">
-                <a:solidFill>
-                  <a:srgbClr val="40A070"/>
-                </a:solidFill>
-                <a:latin typeface="Courier"/>
-              </a:rPr>
-              <a:t>5</a:t>
-            </a:r>
-            <a:r>
-              <a:rPr sz="1800">
-                <a:latin typeface="Courier"/>
-              </a:rPr>
-              <a:t>])</a:t>
-            </a:r>
-          </a:p>
-          <a:p>
-            <a:pPr lvl="0" marL="1270000" indent="0">
-              <a:buNone/>
-            </a:pPr>
-            <a:r>
-              <a:rPr sz="1800">
-                <a:latin typeface="Courier"/>
-              </a:rPr>
-              <a:t>## [1] "example"</a:t>
+              <a:t>## [1] 1
+## [1] 2
+## [1] 3
+## [1] 4
+## [1] 5</a:t>
             </a:r>
           </a:p>
         </p:txBody>
       </p:sp>
     </p:spTree>
   </p:cSld>
+  <p:clrMapOvr>
+    <a:masterClrMapping/>
+  </p:clrMapOvr>
 </p:sld>
 </file>
 
@@ -7616,79 +7887,191 @@
           <a:bodyPr/>
           <a:lstStyle/>
           <a:p>
-            <a:pPr lvl="0" marL="0" indent="0">
+            <a:pPr marL="0" lvl="0" indent="0">
               <a:buNone/>
             </a:pPr>
             <a:r>
-              <a:rPr/>
-              <a:t>Example</a:t>
-            </a:r>
-            <a:r>
-              <a:rPr/>
+              <a:t>Example 6 - manual</a:t>
+            </a:r>
+          </a:p>
+        </p:txBody>
+      </p:sp>
+      <p:sp>
+        <p:nvSpPr>
+          <p:cNvPr id="3" name="Content Placeholder 2">
+            <a:extLst>
+              <a:ext uri="{FF2B5EF4-FFF2-40B4-BE49-F238E27FC236}">
+                <a16:creationId xmlns:a16="http://schemas.microsoft.com/office/drawing/2014/main" id="{D10DDA37-E46B-B641-BC9F-636CB92A2C08}"/>
+              </a:ext>
+            </a:extLst>
+          </p:cNvPr>
+          <p:cNvSpPr>
+            <a:spLocks noGrp="1"/>
+          </p:cNvSpPr>
+          <p:nvPr>
+            <p:ph idx="1"/>
+          </p:nvPr>
+        </p:nvSpPr>
+        <p:spPr/>
+        <p:txBody>
+          <a:bodyPr/>
+          <a:lstStyle/>
+          <a:p>
+            <a:pPr marL="1270000" lvl="0" indent="0">
+              <a:buNone/>
+            </a:pPr>
+            <a:r>
+              <a:rPr sz="1800">
+                <a:latin typeface="Courier"/>
+              </a:rPr>
+              <a:t>x &lt;-</a:t>
+            </a:r>
+            <a:r>
+              <a:rPr sz="1800">
+                <a:solidFill>
+                  <a:srgbClr val="4070A0"/>
+                </a:solidFill>
+                <a:latin typeface="Courier"/>
+              </a:rPr>
               <a:t> </a:t>
             </a:r>
             <a:r>
-              <a:rPr/>
-              <a:t>6</a:t>
-            </a:r>
-            <a:r>
-              <a:rPr/>
-              <a:t> </a:t>
-            </a:r>
-            <a:r>
-              <a:rPr/>
-              <a:t>-</a:t>
-            </a:r>
-            <a:r>
-              <a:rPr/>
-              <a:t> </a:t>
-            </a:r>
-            <a:r>
-              <a:rPr/>
-              <a:t>loop</a:t>
-            </a:r>
-          </a:p>
-        </p:txBody>
-      </p:sp>
-      <p:sp>
-        <p:nvSpPr>
-          <p:cNvPr id="3" name="Content Placeholder 2">
-            <a:extLst>
-              <a:ext uri="{FF2B5EF4-FFF2-40B4-BE49-F238E27FC236}">
-                <a16:creationId xmlns:a16="http://schemas.microsoft.com/office/drawing/2014/main" id="{D10DDA37-E46B-B641-BC9F-636CB92A2C08}"/>
-              </a:ext>
-            </a:extLst>
-          </p:cNvPr>
-          <p:cNvSpPr>
-            <a:spLocks noGrp="1"/>
-          </p:cNvSpPr>
-          <p:nvPr>
-            <p:ph idx="1"/>
-          </p:nvPr>
-        </p:nvSpPr>
-        <p:spPr/>
-        <p:txBody>
-          <a:bodyPr/>
-          <a:lstStyle/>
-          <a:p>
-            <a:pPr lvl="0" marL="1270000" indent="0">
+              <a:rPr sz="1800" b="1">
+                <a:solidFill>
+                  <a:srgbClr val="007020"/>
+                </a:solidFill>
+                <a:latin typeface="Courier"/>
+              </a:rPr>
+              <a:t>c</a:t>
+            </a:r>
+            <a:r>
+              <a:rPr sz="1800">
+                <a:latin typeface="Courier"/>
+              </a:rPr>
+              <a:t>(</a:t>
+            </a:r>
+            <a:r>
+              <a:rPr sz="1800">
+                <a:solidFill>
+                  <a:srgbClr val="4070A0"/>
+                </a:solidFill>
+                <a:latin typeface="Courier"/>
+              </a:rPr>
+              <a:t>"the"</a:t>
+            </a:r>
+            <a:r>
+              <a:rPr sz="1800">
+                <a:latin typeface="Courier"/>
+              </a:rPr>
+              <a:t>, </a:t>
+            </a:r>
+            <a:r>
+              <a:rPr sz="1800">
+                <a:solidFill>
+                  <a:srgbClr val="4070A0"/>
+                </a:solidFill>
+                <a:latin typeface="Courier"/>
+              </a:rPr>
+              <a:t>"classic"</a:t>
+            </a:r>
+            <a:r>
+              <a:rPr sz="1800">
+                <a:latin typeface="Courier"/>
+              </a:rPr>
+              <a:t>, </a:t>
+            </a:r>
+            <a:r>
+              <a:rPr sz="1800">
+                <a:solidFill>
+                  <a:srgbClr val="4070A0"/>
+                </a:solidFill>
+                <a:latin typeface="Courier"/>
+              </a:rPr>
+              <a:t>"hello"</a:t>
+            </a:r>
+            <a:r>
+              <a:rPr sz="1800">
+                <a:latin typeface="Courier"/>
+              </a:rPr>
+              <a:t>, </a:t>
+            </a:r>
+            <a:r>
+              <a:rPr sz="1800">
+                <a:solidFill>
+                  <a:srgbClr val="4070A0"/>
+                </a:solidFill>
+                <a:latin typeface="Courier"/>
+              </a:rPr>
+              <a:t>"world"</a:t>
+            </a:r>
+            <a:r>
+              <a:rPr sz="1800">
+                <a:latin typeface="Courier"/>
+              </a:rPr>
+              <a:t>, </a:t>
+            </a:r>
+            <a:r>
+              <a:rPr sz="1800">
+                <a:solidFill>
+                  <a:srgbClr val="4070A0"/>
+                </a:solidFill>
+                <a:latin typeface="Courier"/>
+              </a:rPr>
+              <a:t>"example"</a:t>
+            </a:r>
+            <a:r>
+              <a:rPr sz="1800">
+                <a:latin typeface="Courier"/>
+              </a:rPr>
+              <a:t>)</a:t>
+            </a:r>
+            <a:br/>
+            <a:r>
+              <a:rPr sz="1800" b="1">
+                <a:solidFill>
+                  <a:srgbClr val="007020"/>
+                </a:solidFill>
+                <a:latin typeface="Courier"/>
+              </a:rPr>
+              <a:t>print</a:t>
+            </a:r>
+            <a:r>
+              <a:rPr sz="1800">
+                <a:latin typeface="Courier"/>
+              </a:rPr>
+              <a:t>(x[</a:t>
+            </a:r>
+            <a:r>
+              <a:rPr sz="1800">
+                <a:solidFill>
+                  <a:srgbClr val="40A070"/>
+                </a:solidFill>
+                <a:latin typeface="Courier"/>
+              </a:rPr>
+              <a:t>1</a:t>
+            </a:r>
+            <a:r>
+              <a:rPr sz="1800">
+                <a:latin typeface="Courier"/>
+              </a:rPr>
+              <a:t>])</a:t>
+            </a:r>
+          </a:p>
+          <a:p>
+            <a:pPr marL="1270000" lvl="0" indent="0">
               <a:buNone/>
             </a:pPr>
             <a:r>
               <a:rPr sz="1800">
                 <a:latin typeface="Courier"/>
               </a:rPr>
-              <a:t>x &lt;-</a:t>
-            </a:r>
-            <a:r>
-              <a:rPr sz="1800">
-                <a:solidFill>
-                  <a:srgbClr val="4070A0"/>
-                </a:solidFill>
-                <a:latin typeface="Courier"/>
-              </a:rPr>
-              <a:t> </a:t>
-            </a:r>
+              <a:t>## [1] "the"</a:t>
+            </a:r>
+          </a:p>
+          <a:p>
+            <a:pPr marL="1270000" lvl="0" indent="0">
+              <a:buNone/>
+            </a:pPr>
             <a:r>
               <a:rPr sz="1800" b="1">
                 <a:solidFill>
@@ -7696,91 +8079,45 @@
                 </a:solidFill>
                 <a:latin typeface="Courier"/>
               </a:rPr>
-              <a:t>c</a:t>
-            </a:r>
-            <a:r>
-              <a:rPr sz="1800">
-                <a:latin typeface="Courier"/>
-              </a:rPr>
-              <a:t>(</a:t>
-            </a:r>
-            <a:r>
-              <a:rPr sz="1800">
-                <a:solidFill>
-                  <a:srgbClr val="4070A0"/>
-                </a:solidFill>
-                <a:latin typeface="Courier"/>
-              </a:rPr>
-              <a:t>"the"</a:t>
-            </a:r>
-            <a:r>
-              <a:rPr sz="1800">
-                <a:latin typeface="Courier"/>
-              </a:rPr>
-              <a:t>, </a:t>
-            </a:r>
-            <a:r>
-              <a:rPr sz="1800">
-                <a:solidFill>
-                  <a:srgbClr val="4070A0"/>
-                </a:solidFill>
-                <a:latin typeface="Courier"/>
-              </a:rPr>
-              <a:t>"classic"</a:t>
-            </a:r>
-            <a:r>
-              <a:rPr sz="1800">
-                <a:latin typeface="Courier"/>
-              </a:rPr>
-              <a:t>, </a:t>
-            </a:r>
-            <a:r>
-              <a:rPr sz="1800">
-                <a:solidFill>
-                  <a:srgbClr val="4070A0"/>
-                </a:solidFill>
-                <a:latin typeface="Courier"/>
-              </a:rPr>
-              <a:t>"hello"</a:t>
-            </a:r>
-            <a:r>
-              <a:rPr sz="1800">
-                <a:latin typeface="Courier"/>
-              </a:rPr>
-              <a:t>, </a:t>
-            </a:r>
-            <a:r>
-              <a:rPr sz="1800">
-                <a:solidFill>
-                  <a:srgbClr val="4070A0"/>
-                </a:solidFill>
-                <a:latin typeface="Courier"/>
-              </a:rPr>
-              <a:t>"world"</a:t>
-            </a:r>
-            <a:r>
-              <a:rPr sz="1800">
-                <a:latin typeface="Courier"/>
-              </a:rPr>
-              <a:t>, </a:t>
-            </a:r>
-            <a:r>
-              <a:rPr sz="1800">
-                <a:solidFill>
-                  <a:srgbClr val="4070A0"/>
-                </a:solidFill>
-                <a:latin typeface="Courier"/>
-              </a:rPr>
-              <a:t>"example"</a:t>
-            </a:r>
-            <a:r>
-              <a:rPr sz="1800">
-                <a:latin typeface="Courier"/>
-              </a:rPr>
-              <a:t>)</a:t>
-            </a:r>
-            <a:br/>
-            <a:br/>
+              <a:t>print</a:t>
+            </a:r>
+            <a:r>
+              <a:rPr sz="1800">
+                <a:latin typeface="Courier"/>
+              </a:rPr>
+              <a:t>(x[</a:t>
+            </a:r>
+            <a:r>
+              <a:rPr sz="1800">
+                <a:solidFill>
+                  <a:srgbClr val="40A070"/>
+                </a:solidFill>
+                <a:latin typeface="Courier"/>
+              </a:rPr>
+              <a:t>2</a:t>
+            </a:r>
+            <a:r>
+              <a:rPr sz="1800">
+                <a:latin typeface="Courier"/>
+              </a:rPr>
+              <a:t>])</a:t>
+            </a:r>
+          </a:p>
+          <a:p>
+            <a:pPr marL="1270000" lvl="0" indent="0">
+              <a:buNone/>
+            </a:pPr>
+            <a:r>
+              <a:rPr sz="1800">
+                <a:latin typeface="Courier"/>
+              </a:rPr>
+              <a:t>## [1] "classic"</a:t>
+            </a:r>
+          </a:p>
+          <a:p>
+            <a:pPr marL="1270000" lvl="0" indent="0">
+              <a:buNone/>
+            </a:pPr>
             <a:r>
               <a:rPr sz="1800" b="1">
                 <a:solidFill>
@@ -7788,14 +8125,45 @@
                 </a:solidFill>
                 <a:latin typeface="Courier"/>
               </a:rPr>
-              <a:t>for</a:t>
-            </a:r>
-            <a:r>
-              <a:rPr sz="1800">
-                <a:latin typeface="Courier"/>
-              </a:rPr>
-              <a:t>(i </a:t>
-            </a:r>
+              <a:t>print</a:t>
+            </a:r>
+            <a:r>
+              <a:rPr sz="1800">
+                <a:latin typeface="Courier"/>
+              </a:rPr>
+              <a:t>(x[</a:t>
+            </a:r>
+            <a:r>
+              <a:rPr sz="1800">
+                <a:solidFill>
+                  <a:srgbClr val="40A070"/>
+                </a:solidFill>
+                <a:latin typeface="Courier"/>
+              </a:rPr>
+              <a:t>3</a:t>
+            </a:r>
+            <a:r>
+              <a:rPr sz="1800">
+                <a:latin typeface="Courier"/>
+              </a:rPr>
+              <a:t>])</a:t>
+            </a:r>
+          </a:p>
+          <a:p>
+            <a:pPr marL="1270000" lvl="0" indent="0">
+              <a:buNone/>
+            </a:pPr>
+            <a:r>
+              <a:rPr sz="1800">
+                <a:latin typeface="Courier"/>
+              </a:rPr>
+              <a:t>## [1] "hello"</a:t>
+            </a:r>
+          </a:p>
+          <a:p>
+            <a:pPr marL="1270000" lvl="0" indent="0">
+              <a:buNone/>
+            </a:pPr>
             <a:r>
               <a:rPr sz="1800" b="1">
                 <a:solidFill>
@@ -7803,13 +8171,13 @@
                 </a:solidFill>
                 <a:latin typeface="Courier"/>
               </a:rPr>
-              <a:t>in</a:t>
-            </a:r>
-            <a:r>
-              <a:rPr sz="1800">
-                <a:latin typeface="Courier"/>
-              </a:rPr>
-              <a:t> </a:t>
+              <a:t>print</a:t>
+            </a:r>
+            <a:r>
+              <a:rPr sz="1800">
+                <a:latin typeface="Courier"/>
+              </a:rPr>
+              <a:t>(x[</a:t>
             </a:r>
             <a:r>
               <a:rPr sz="1800">
@@ -7818,16 +8186,44 @@
                 </a:solidFill>
                 <a:latin typeface="Courier"/>
               </a:rPr>
-              <a:t>1</a:t>
-            </a:r>
-            <a:r>
-              <a:rPr sz="1800">
-                <a:solidFill>
-                  <a:srgbClr val="666666"/>
-                </a:solidFill>
-                <a:latin typeface="Courier"/>
-              </a:rPr>
-              <a:t>:</a:t>
+              <a:t>4</a:t>
+            </a:r>
+            <a:r>
+              <a:rPr sz="1800">
+                <a:latin typeface="Courier"/>
+              </a:rPr>
+              <a:t>])</a:t>
+            </a:r>
+          </a:p>
+          <a:p>
+            <a:pPr marL="1270000" lvl="0" indent="0">
+              <a:buNone/>
+            </a:pPr>
+            <a:r>
+              <a:rPr sz="1800">
+                <a:latin typeface="Courier"/>
+              </a:rPr>
+              <a:t>## [1] "world"</a:t>
+            </a:r>
+          </a:p>
+          <a:p>
+            <a:pPr marL="1270000" lvl="0" indent="0">
+              <a:buNone/>
+            </a:pPr>
+            <a:r>
+              <a:rPr sz="1800" b="1">
+                <a:solidFill>
+                  <a:srgbClr val="007020"/>
+                </a:solidFill>
+                <a:latin typeface="Courier"/>
+              </a:rPr>
+              <a:t>print</a:t>
+            </a:r>
+            <a:r>
+              <a:rPr sz="1800">
+                <a:latin typeface="Courier"/>
+              </a:rPr>
+              <a:t>(x[</a:t>
             </a:r>
             <a:r>
               <a:rPr sz="1800">
@@ -7842,71 +8238,27 @@
               <a:rPr sz="1800">
                 <a:latin typeface="Courier"/>
               </a:rPr>
-              <a:t>){</a:t>
-            </a:r>
-            <a:br/>
-            <a:r>
-              <a:rPr sz="1800">
-                <a:latin typeface="Courier"/>
-              </a:rPr>
-              <a:t>  </a:t>
-            </a:r>
-            <a:br/>
-            <a:r>
-              <a:rPr sz="1800">
-                <a:latin typeface="Courier"/>
-              </a:rPr>
-              <a:t>  </a:t>
-            </a:r>
-            <a:r>
-              <a:rPr sz="1800" b="1">
-                <a:solidFill>
-                  <a:srgbClr val="007020"/>
-                </a:solidFill>
-                <a:latin typeface="Courier"/>
-              </a:rPr>
-              <a:t>print</a:t>
-            </a:r>
-            <a:r>
-              <a:rPr sz="1800">
-                <a:latin typeface="Courier"/>
-              </a:rPr>
-              <a:t>(x[i])</a:t>
-            </a:r>
-            <a:br/>
-            <a:r>
-              <a:rPr sz="1800">
-                <a:latin typeface="Courier"/>
-              </a:rPr>
-              <a:t>  </a:t>
-            </a:r>
-            <a:br/>
-            <a:r>
-              <a:rPr sz="1800">
-                <a:latin typeface="Courier"/>
-              </a:rPr>
-              <a:t>}</a:t>
-            </a:r>
-          </a:p>
-          <a:p>
-            <a:pPr lvl="0" marL="1270000" indent="0">
+              <a:t>])</a:t>
+            </a:r>
+          </a:p>
+          <a:p>
+            <a:pPr marL="1270000" lvl="0" indent="0">
               <a:buNone/>
             </a:pPr>
             <a:r>
               <a:rPr sz="1800">
                 <a:latin typeface="Courier"/>
               </a:rPr>
-              <a:t>## [1] "the"
-## [1] "classic"
-## [1] "hello"
-## [1] "world"
-## [1] "example"</a:t>
+              <a:t>## [1] "example"</a:t>
             </a:r>
           </a:p>
         </p:txBody>
       </p:sp>
     </p:spTree>
   </p:cSld>
+  <p:clrMapOvr>
+    <a:masterClrMapping/>
+  </p:clrMapOvr>
 </p:sld>
 </file>
 
@@ -7948,99 +8300,275 @@
           <a:bodyPr/>
           <a:lstStyle/>
           <a:p>
-            <a:pPr lvl="0" marL="0" indent="0">
+            <a:pPr marL="0" lvl="0" indent="0">
               <a:buNone/>
             </a:pPr>
             <a:r>
-              <a:rPr/>
-              <a:t>Practice</a:t>
-            </a:r>
-            <a:r>
-              <a:rPr/>
+              <a:t>Example 6 - loop</a:t>
+            </a:r>
+          </a:p>
+        </p:txBody>
+      </p:sp>
+      <p:sp>
+        <p:nvSpPr>
+          <p:cNvPr id="3" name="Content Placeholder 2">
+            <a:extLst>
+              <a:ext uri="{FF2B5EF4-FFF2-40B4-BE49-F238E27FC236}">
+                <a16:creationId xmlns:a16="http://schemas.microsoft.com/office/drawing/2014/main" id="{D10DDA37-E46B-B641-BC9F-636CB92A2C08}"/>
+              </a:ext>
+            </a:extLst>
+          </p:cNvPr>
+          <p:cNvSpPr>
+            <a:spLocks noGrp="1"/>
+          </p:cNvSpPr>
+          <p:nvPr>
+            <p:ph idx="1"/>
+          </p:nvPr>
+        </p:nvSpPr>
+        <p:spPr/>
+        <p:txBody>
+          <a:bodyPr/>
+          <a:lstStyle/>
+          <a:p>
+            <a:pPr marL="1270000" lvl="0" indent="0">
+              <a:buNone/>
+            </a:pPr>
+            <a:r>
+              <a:rPr sz="1800">
+                <a:latin typeface="Courier"/>
+              </a:rPr>
+              <a:t>x &lt;-</a:t>
+            </a:r>
+            <a:r>
+              <a:rPr sz="1800">
+                <a:solidFill>
+                  <a:srgbClr val="4070A0"/>
+                </a:solidFill>
+                <a:latin typeface="Courier"/>
+              </a:rPr>
               <a:t> </a:t>
             </a:r>
             <a:r>
-              <a:rPr/>
-              <a:t>2</a:t>
-            </a:r>
-          </a:p>
-        </p:txBody>
-      </p:sp>
-      <p:sp>
-        <p:nvSpPr>
-          <p:cNvPr id="3" name="Content Placeholder 2">
-            <a:extLst>
-              <a:ext uri="{FF2B5EF4-FFF2-40B4-BE49-F238E27FC236}">
-                <a16:creationId xmlns:a16="http://schemas.microsoft.com/office/drawing/2014/main" id="{D10DDA37-E46B-B641-BC9F-636CB92A2C08}"/>
-              </a:ext>
-            </a:extLst>
-          </p:cNvPr>
-          <p:cNvSpPr>
-            <a:spLocks noGrp="1"/>
-          </p:cNvSpPr>
-          <p:nvPr>
-            <p:ph idx="1"/>
-          </p:nvPr>
-        </p:nvSpPr>
-        <p:spPr/>
-        <p:txBody>
-          <a:bodyPr/>
-          <a:lstStyle/>
-          <a:p>
-            <a:pPr lvl="1"/>
-            <a:r>
-              <a:rPr/>
-              <a:t>Write a loop that iterates across every column of </a:t>
-            </a:r>
-            <a:r>
-              <a:rPr sz="1800">
-                <a:latin typeface="Courier"/>
-              </a:rPr>
-              <a:t>cchic</a:t>
-            </a:r>
-            <a:r>
-              <a:rPr/>
-              <a:t> and prints out the column name of each column.</a:t>
-            </a:r>
-          </a:p>
-          <a:p>
-            <a:pPr lvl="1"/>
-            <a:r>
-              <a:rPr/>
-              <a:t>Hint: </a:t>
-            </a:r>
-            <a:r>
-              <a:rPr sz="1800">
-                <a:latin typeface="Courier"/>
-              </a:rPr>
-              <a:t>length(cchic)</a:t>
-            </a:r>
-            <a:r>
-              <a:rPr/>
-              <a:t> will return the number of columns.</a:t>
-            </a:r>
-          </a:p>
-          <a:p>
-            <a:pPr lvl="1"/>
-            <a:r>
-              <a:rPr/>
-              <a:t>Hint: </a:t>
-            </a:r>
-            <a:r>
-              <a:rPr sz="1800">
-                <a:latin typeface="Courier"/>
-              </a:rPr>
-              <a:t>print(names(cchic[1]))</a:t>
-            </a:r>
-            <a:r>
-              <a:rPr/>
-              <a:t> will print out the contents of column 1.</a:t>
+              <a:rPr sz="1800" b="1">
+                <a:solidFill>
+                  <a:srgbClr val="007020"/>
+                </a:solidFill>
+                <a:latin typeface="Courier"/>
+              </a:rPr>
+              <a:t>c</a:t>
+            </a:r>
+            <a:r>
+              <a:rPr sz="1800">
+                <a:latin typeface="Courier"/>
+              </a:rPr>
+              <a:t>(</a:t>
+            </a:r>
+            <a:r>
+              <a:rPr sz="1800">
+                <a:solidFill>
+                  <a:srgbClr val="4070A0"/>
+                </a:solidFill>
+                <a:latin typeface="Courier"/>
+              </a:rPr>
+              <a:t>"the"</a:t>
+            </a:r>
+            <a:r>
+              <a:rPr sz="1800">
+                <a:latin typeface="Courier"/>
+              </a:rPr>
+              <a:t>, </a:t>
+            </a:r>
+            <a:r>
+              <a:rPr sz="1800">
+                <a:solidFill>
+                  <a:srgbClr val="4070A0"/>
+                </a:solidFill>
+                <a:latin typeface="Courier"/>
+              </a:rPr>
+              <a:t>"classic"</a:t>
+            </a:r>
+            <a:r>
+              <a:rPr sz="1800">
+                <a:latin typeface="Courier"/>
+              </a:rPr>
+              <a:t>, </a:t>
+            </a:r>
+            <a:r>
+              <a:rPr sz="1800">
+                <a:solidFill>
+                  <a:srgbClr val="4070A0"/>
+                </a:solidFill>
+                <a:latin typeface="Courier"/>
+              </a:rPr>
+              <a:t>"hello"</a:t>
+            </a:r>
+            <a:r>
+              <a:rPr sz="1800">
+                <a:latin typeface="Courier"/>
+              </a:rPr>
+              <a:t>, </a:t>
+            </a:r>
+            <a:r>
+              <a:rPr sz="1800">
+                <a:solidFill>
+                  <a:srgbClr val="4070A0"/>
+                </a:solidFill>
+                <a:latin typeface="Courier"/>
+              </a:rPr>
+              <a:t>"world"</a:t>
+            </a:r>
+            <a:r>
+              <a:rPr sz="1800">
+                <a:latin typeface="Courier"/>
+              </a:rPr>
+              <a:t>, </a:t>
+            </a:r>
+            <a:r>
+              <a:rPr sz="1800">
+                <a:solidFill>
+                  <a:srgbClr val="4070A0"/>
+                </a:solidFill>
+                <a:latin typeface="Courier"/>
+              </a:rPr>
+              <a:t>"example"</a:t>
+            </a:r>
+            <a:r>
+              <a:rPr sz="1800">
+                <a:latin typeface="Courier"/>
+              </a:rPr>
+              <a:t>)</a:t>
+            </a:r>
+            <a:br/>
+            <a:br/>
+            <a:r>
+              <a:rPr sz="1800" b="1">
+                <a:solidFill>
+                  <a:srgbClr val="007020"/>
+                </a:solidFill>
+                <a:latin typeface="Courier"/>
+              </a:rPr>
+              <a:t>for</a:t>
+            </a:r>
+            <a:r>
+              <a:rPr sz="1800">
+                <a:latin typeface="Courier"/>
+              </a:rPr>
+              <a:t>(i </a:t>
+            </a:r>
+            <a:r>
+              <a:rPr sz="1800" b="1">
+                <a:solidFill>
+                  <a:srgbClr val="007020"/>
+                </a:solidFill>
+                <a:latin typeface="Courier"/>
+              </a:rPr>
+              <a:t>in</a:t>
+            </a:r>
+            <a:r>
+              <a:rPr sz="1800">
+                <a:latin typeface="Courier"/>
+              </a:rPr>
+              <a:t> </a:t>
+            </a:r>
+            <a:r>
+              <a:rPr sz="1800">
+                <a:solidFill>
+                  <a:srgbClr val="40A070"/>
+                </a:solidFill>
+                <a:latin typeface="Courier"/>
+              </a:rPr>
+              <a:t>1</a:t>
+            </a:r>
+            <a:r>
+              <a:rPr sz="1800">
+                <a:solidFill>
+                  <a:srgbClr val="666666"/>
+                </a:solidFill>
+                <a:latin typeface="Courier"/>
+              </a:rPr>
+              <a:t>:</a:t>
+            </a:r>
+            <a:r>
+              <a:rPr sz="1800">
+                <a:solidFill>
+                  <a:srgbClr val="40A070"/>
+                </a:solidFill>
+                <a:latin typeface="Courier"/>
+              </a:rPr>
+              <a:t>5</a:t>
+            </a:r>
+            <a:r>
+              <a:rPr sz="1800">
+                <a:latin typeface="Courier"/>
+              </a:rPr>
+              <a:t>){</a:t>
+            </a:r>
+            <a:br/>
+            <a:r>
+              <a:rPr sz="1800">
+                <a:latin typeface="Courier"/>
+              </a:rPr>
+              <a:t>  </a:t>
+            </a:r>
+            <a:br/>
+            <a:r>
+              <a:rPr sz="1800">
+                <a:latin typeface="Courier"/>
+              </a:rPr>
+              <a:t>  </a:t>
+            </a:r>
+            <a:r>
+              <a:rPr sz="1800" b="1">
+                <a:solidFill>
+                  <a:srgbClr val="007020"/>
+                </a:solidFill>
+                <a:latin typeface="Courier"/>
+              </a:rPr>
+              <a:t>print</a:t>
+            </a:r>
+            <a:r>
+              <a:rPr sz="1800">
+                <a:latin typeface="Courier"/>
+              </a:rPr>
+              <a:t>(x[i])</a:t>
+            </a:r>
+            <a:br/>
+            <a:r>
+              <a:rPr sz="1800">
+                <a:latin typeface="Courier"/>
+              </a:rPr>
+              <a:t>  </a:t>
+            </a:r>
+            <a:br/>
+            <a:r>
+              <a:rPr sz="1800">
+                <a:latin typeface="Courier"/>
+              </a:rPr>
+              <a:t>}</a:t>
+            </a:r>
+          </a:p>
+          <a:p>
+            <a:pPr marL="1270000" lvl="0" indent="0">
+              <a:buNone/>
+            </a:pPr>
+            <a:r>
+              <a:rPr sz="1800">
+                <a:latin typeface="Courier"/>
+              </a:rPr>
+              <a:t>## [1] "the"
+## [1] "classic"
+## [1] "hello"
+## [1] "world"
+## [1] "example"</a:t>
             </a:r>
           </a:p>
         </p:txBody>
       </p:sp>
     </p:spTree>
   </p:cSld>
+  <p:clrMapOvr>
+    <a:masterClrMapping/>
+  </p:clrMapOvr>
 </p:sld>
 </file>
 
@@ -8082,12 +8610,11 @@
           <a:bodyPr/>
           <a:lstStyle/>
           <a:p>
-            <a:pPr lvl="0" marL="0" indent="0">
+            <a:pPr marL="0" lvl="0" indent="0">
               <a:buNone/>
             </a:pPr>
             <a:r>
-              <a:rPr/>
-              <a:t>Answer</a:t>
+              <a:t>Practice 2</a:t>
             </a:r>
           </a:p>
         </p:txBody>
@@ -8113,135 +8640,57 @@
           <a:bodyPr/>
           <a:lstStyle/>
           <a:p>
-            <a:pPr lvl="0" marL="1270000" indent="0">
-              <a:buNone/>
-            </a:pPr>
-            <a:r>
-              <a:rPr sz="1800" b="1">
-                <a:solidFill>
-                  <a:srgbClr val="007020"/>
-                </a:solidFill>
-                <a:latin typeface="Courier"/>
-              </a:rPr>
-              <a:t>for</a:t>
-            </a:r>
-            <a:r>
-              <a:rPr sz="1800">
-                <a:latin typeface="Courier"/>
-              </a:rPr>
-              <a:t>(i </a:t>
-            </a:r>
-            <a:r>
-              <a:rPr sz="1800" b="1">
-                <a:solidFill>
-                  <a:srgbClr val="007020"/>
-                </a:solidFill>
-                <a:latin typeface="Courier"/>
-              </a:rPr>
-              <a:t>in</a:t>
-            </a:r>
-            <a:r>
-              <a:rPr sz="1800">
-                <a:latin typeface="Courier"/>
-              </a:rPr>
-              <a:t> </a:t>
-            </a:r>
-            <a:r>
-              <a:rPr sz="1800">
-                <a:solidFill>
-                  <a:srgbClr val="40A070"/>
-                </a:solidFill>
-                <a:latin typeface="Courier"/>
-              </a:rPr>
-              <a:t>1</a:t>
-            </a:r>
-            <a:r>
-              <a:rPr sz="1800">
-                <a:solidFill>
-                  <a:srgbClr val="666666"/>
-                </a:solidFill>
-                <a:latin typeface="Courier"/>
-              </a:rPr>
-              <a:t>:</a:t>
-            </a:r>
-            <a:r>
-              <a:rPr sz="1800" b="1">
-                <a:solidFill>
-                  <a:srgbClr val="007020"/>
-                </a:solidFill>
-                <a:latin typeface="Courier"/>
-              </a:rPr>
-              <a:t>length</a:t>
-            </a:r>
-            <a:r>
-              <a:rPr sz="1800">
-                <a:latin typeface="Courier"/>
-              </a:rPr>
-              <a:t>(cchic)){</a:t>
-            </a:r>
-            <a:br/>
-            <a:r>
-              <a:rPr sz="1800">
-                <a:latin typeface="Courier"/>
-              </a:rPr>
-              <a:t>  </a:t>
-            </a:r>
-            <a:br/>
-            <a:r>
-              <a:rPr sz="1800">
-                <a:latin typeface="Courier"/>
-              </a:rPr>
-              <a:t>  </a:t>
-            </a:r>
-            <a:r>
-              <a:rPr sz="1800" b="1">
-                <a:solidFill>
-                  <a:srgbClr val="007020"/>
-                </a:solidFill>
-                <a:latin typeface="Courier"/>
-              </a:rPr>
-              <a:t>print</a:t>
-            </a:r>
-            <a:r>
-              <a:rPr sz="1800">
-                <a:latin typeface="Courier"/>
-              </a:rPr>
-              <a:t>(</a:t>
-            </a:r>
-            <a:r>
-              <a:rPr sz="1800" b="1">
-                <a:solidFill>
-                  <a:srgbClr val="007020"/>
-                </a:solidFill>
-                <a:latin typeface="Courier"/>
-              </a:rPr>
-              <a:t>names</a:t>
-            </a:r>
-            <a:r>
-              <a:rPr sz="1800">
-                <a:latin typeface="Courier"/>
-              </a:rPr>
-              <a:t>(cchic[i]))</a:t>
-            </a:r>
-            <a:br/>
-            <a:r>
-              <a:rPr sz="1800">
-                <a:latin typeface="Courier"/>
-              </a:rPr>
-              <a:t>  </a:t>
-            </a:r>
-            <a:br/>
-            <a:r>
-              <a:rPr sz="1800">
-                <a:latin typeface="Courier"/>
-              </a:rPr>
-              <a:t>}</a:t>
+            <a:pPr lvl="1"/>
+            <a:r>
+              <a:t>Write a loop that iterates across every column of </a:t>
+            </a:r>
+            <a:r>
+              <a:rPr sz="1800">
+                <a:latin typeface="Courier"/>
+              </a:rPr>
+              <a:t>cchic</a:t>
+            </a:r>
+            <a:r>
+              <a:t> and prints out the column name of each column.</a:t>
+            </a:r>
+          </a:p>
+          <a:p>
+            <a:pPr lvl="1"/>
+            <a:r>
+              <a:t>Hint: </a:t>
+            </a:r>
+            <a:r>
+              <a:rPr sz="1800">
+                <a:latin typeface="Courier"/>
+              </a:rPr>
+              <a:t>length(cchic)</a:t>
+            </a:r>
+            <a:r>
+              <a:t> will return the number of columns.</a:t>
+            </a:r>
+          </a:p>
+          <a:p>
+            <a:pPr lvl="1"/>
+            <a:r>
+              <a:t>Hint: </a:t>
+            </a:r>
+            <a:r>
+              <a:rPr sz="1800">
+                <a:latin typeface="Courier"/>
+              </a:rPr>
+              <a:t>print(names(cchic[1]))</a:t>
+            </a:r>
+            <a:r>
+              <a:t> will print out the contents of column 1.</a:t>
             </a:r>
           </a:p>
         </p:txBody>
       </p:sp>
     </p:spTree>
   </p:cSld>
+  <p:clrMapOvr>
+    <a:masterClrMapping/>
+  </p:clrMapOvr>
 </p:sld>
 </file>
 
@@ -8283,79 +8732,168 @@
           <a:bodyPr/>
           <a:lstStyle/>
           <a:p>
-            <a:pPr lvl="0" marL="0" indent="0">
+            <a:pPr marL="0" lvl="0" indent="0">
               <a:buNone/>
             </a:pPr>
             <a:r>
-              <a:rPr/>
-              <a:t>Combining</a:t>
-            </a:r>
-            <a:r>
-              <a:rPr/>
+              <a:t>Answer</a:t>
+            </a:r>
+          </a:p>
+        </p:txBody>
+      </p:sp>
+      <p:sp>
+        <p:nvSpPr>
+          <p:cNvPr id="3" name="Content Placeholder 2">
+            <a:extLst>
+              <a:ext uri="{FF2B5EF4-FFF2-40B4-BE49-F238E27FC236}">
+                <a16:creationId xmlns:a16="http://schemas.microsoft.com/office/drawing/2014/main" id="{D10DDA37-E46B-B641-BC9F-636CB92A2C08}"/>
+              </a:ext>
+            </a:extLst>
+          </p:cNvPr>
+          <p:cNvSpPr>
+            <a:spLocks noGrp="1"/>
+          </p:cNvSpPr>
+          <p:nvPr>
+            <p:ph idx="1"/>
+          </p:nvPr>
+        </p:nvSpPr>
+        <p:spPr/>
+        <p:txBody>
+          <a:bodyPr/>
+          <a:lstStyle/>
+          <a:p>
+            <a:pPr marL="1270000" lvl="0" indent="0">
+              <a:buNone/>
+            </a:pPr>
+            <a:r>
+              <a:rPr sz="1800" b="1">
+                <a:solidFill>
+                  <a:srgbClr val="007020"/>
+                </a:solidFill>
+                <a:latin typeface="Courier"/>
+              </a:rPr>
+              <a:t>for</a:t>
+            </a:r>
+            <a:r>
+              <a:rPr sz="1800">
+                <a:latin typeface="Courier"/>
+              </a:rPr>
+              <a:t>(i </a:t>
+            </a:r>
+            <a:r>
+              <a:rPr sz="1800" b="1">
+                <a:solidFill>
+                  <a:srgbClr val="007020"/>
+                </a:solidFill>
+                <a:latin typeface="Courier"/>
+              </a:rPr>
+              <a:t>in</a:t>
+            </a:r>
+            <a:r>
+              <a:rPr sz="1800">
+                <a:latin typeface="Courier"/>
+              </a:rPr>
               <a:t> </a:t>
             </a:r>
             <a:r>
-              <a:rPr/>
-              <a:t>loops</a:t>
-            </a:r>
-            <a:r>
-              <a:rPr/>
-              <a:t> </a:t>
-            </a:r>
-            <a:r>
-              <a:rPr/>
-              <a:t>with</a:t>
-            </a:r>
-            <a:r>
-              <a:rPr/>
-              <a:t> </a:t>
-            </a:r>
-            <a:r>
-              <a:rPr/>
-              <a:t>control</a:t>
-            </a:r>
-            <a:r>
-              <a:rPr/>
-              <a:t> </a:t>
-            </a:r>
-            <a:r>
-              <a:rPr/>
-              <a:t>flow</a:t>
-            </a:r>
-          </a:p>
-        </p:txBody>
-      </p:sp>
-      <p:sp>
-        <p:nvSpPr>
-          <p:cNvPr id="3" name="Content Placeholder 2">
-            <a:extLst>
-              <a:ext uri="{FF2B5EF4-FFF2-40B4-BE49-F238E27FC236}">
-                <a16:creationId xmlns:a16="http://schemas.microsoft.com/office/drawing/2014/main" id="{D10DDA37-E46B-B641-BC9F-636CB92A2C08}"/>
-              </a:ext>
-            </a:extLst>
-          </p:cNvPr>
-          <p:cNvSpPr>
-            <a:spLocks noGrp="1"/>
-          </p:cNvSpPr>
-          <p:nvPr>
-            <p:ph idx="1"/>
-          </p:nvPr>
-        </p:nvSpPr>
-        <p:spPr/>
-        <p:txBody>
-          <a:bodyPr/>
-          <a:lstStyle/>
-          <a:p>
-            <a:pPr lvl="1"/>
-            <a:r>
-              <a:rPr/>
-              <a:t>The power of looping is illustrated when you add in the flexibility of conditional statements</a:t>
+              <a:rPr sz="1800">
+                <a:solidFill>
+                  <a:srgbClr val="40A070"/>
+                </a:solidFill>
+                <a:latin typeface="Courier"/>
+              </a:rPr>
+              <a:t>1</a:t>
+            </a:r>
+            <a:r>
+              <a:rPr sz="1800">
+                <a:solidFill>
+                  <a:srgbClr val="666666"/>
+                </a:solidFill>
+                <a:latin typeface="Courier"/>
+              </a:rPr>
+              <a:t>:</a:t>
+            </a:r>
+            <a:r>
+              <a:rPr sz="1800" b="1">
+                <a:solidFill>
+                  <a:srgbClr val="007020"/>
+                </a:solidFill>
+                <a:latin typeface="Courier"/>
+              </a:rPr>
+              <a:t>length</a:t>
+            </a:r>
+            <a:r>
+              <a:rPr sz="1800">
+                <a:latin typeface="Courier"/>
+              </a:rPr>
+              <a:t>(cchic)){</a:t>
+            </a:r>
+            <a:br/>
+            <a:r>
+              <a:rPr sz="1800">
+                <a:latin typeface="Courier"/>
+              </a:rPr>
+              <a:t>  </a:t>
+            </a:r>
+            <a:br/>
+            <a:r>
+              <a:rPr sz="1800">
+                <a:latin typeface="Courier"/>
+              </a:rPr>
+              <a:t>  </a:t>
+            </a:r>
+            <a:r>
+              <a:rPr sz="1800" b="1">
+                <a:solidFill>
+                  <a:srgbClr val="007020"/>
+                </a:solidFill>
+                <a:latin typeface="Courier"/>
+              </a:rPr>
+              <a:t>print</a:t>
+            </a:r>
+            <a:r>
+              <a:rPr sz="1800">
+                <a:latin typeface="Courier"/>
+              </a:rPr>
+              <a:t>(</a:t>
+            </a:r>
+            <a:r>
+              <a:rPr sz="1800" b="1">
+                <a:solidFill>
+                  <a:srgbClr val="007020"/>
+                </a:solidFill>
+                <a:latin typeface="Courier"/>
+              </a:rPr>
+              <a:t>names</a:t>
+            </a:r>
+            <a:r>
+              <a:rPr sz="1800">
+                <a:latin typeface="Courier"/>
+              </a:rPr>
+              <a:t>(cchic[i]))</a:t>
+            </a:r>
+            <a:br/>
+            <a:r>
+              <a:rPr sz="1800">
+                <a:latin typeface="Courier"/>
+              </a:rPr>
+              <a:t>  </a:t>
+            </a:r>
+            <a:br/>
+            <a:r>
+              <a:rPr sz="1800">
+                <a:latin typeface="Courier"/>
+              </a:rPr>
+              <a:t>}</a:t>
             </a:r>
           </a:p>
         </p:txBody>
       </p:sp>
     </p:spTree>
   </p:cSld>
+  <p:clrMapOvr>
+    <a:masterClrMapping/>
+  </p:clrMapOvr>
 </p:sld>
 </file>
 
@@ -8397,20 +8935,11 @@
           <a:bodyPr/>
           <a:lstStyle/>
           <a:p>
-            <a:pPr lvl="0" marL="0" indent="0">
+            <a:pPr marL="0" lvl="0" indent="0">
               <a:buNone/>
             </a:pPr>
             <a:r>
-              <a:rPr/>
-              <a:t>Example</a:t>
-            </a:r>
-            <a:r>
-              <a:rPr/>
-              <a:t> </a:t>
-            </a:r>
-            <a:r>
-              <a:rPr/>
-              <a:t>7</a:t>
+              <a:t>Combining loops with control flow</a:t>
             </a:r>
           </a:p>
         </p:txBody>
@@ -8436,277 +8965,18 @@
           <a:bodyPr/>
           <a:lstStyle/>
           <a:p>
-            <a:pPr lvl="0" marL="1270000" indent="0">
-              <a:buNone/>
-            </a:pPr>
-            <a:r>
-              <a:rPr sz="1800" b="1">
-                <a:solidFill>
-                  <a:srgbClr val="007020"/>
-                </a:solidFill>
-                <a:latin typeface="Courier"/>
-              </a:rPr>
-              <a:t>for</a:t>
-            </a:r>
-            <a:r>
-              <a:rPr sz="1800">
-                <a:latin typeface="Courier"/>
-              </a:rPr>
-              <a:t>(i </a:t>
-            </a:r>
-            <a:r>
-              <a:rPr sz="1800" b="1">
-                <a:solidFill>
-                  <a:srgbClr val="007020"/>
-                </a:solidFill>
-                <a:latin typeface="Courier"/>
-              </a:rPr>
-              <a:t>in</a:t>
-            </a:r>
-            <a:r>
-              <a:rPr sz="1800">
-                <a:latin typeface="Courier"/>
-              </a:rPr>
-              <a:t> </a:t>
-            </a:r>
-            <a:r>
-              <a:rPr sz="1800">
-                <a:solidFill>
-                  <a:srgbClr val="40A070"/>
-                </a:solidFill>
-                <a:latin typeface="Courier"/>
-              </a:rPr>
-              <a:t>1</a:t>
-            </a:r>
-            <a:r>
-              <a:rPr sz="1800">
-                <a:solidFill>
-                  <a:srgbClr val="666666"/>
-                </a:solidFill>
-                <a:latin typeface="Courier"/>
-              </a:rPr>
-              <a:t>:</a:t>
-            </a:r>
-            <a:r>
-              <a:rPr sz="1800">
-                <a:solidFill>
-                  <a:srgbClr val="40A070"/>
-                </a:solidFill>
-                <a:latin typeface="Courier"/>
-              </a:rPr>
-              <a:t>5</a:t>
-            </a:r>
-            <a:r>
-              <a:rPr sz="1800">
-                <a:latin typeface="Courier"/>
-              </a:rPr>
-              <a:t>){</a:t>
-            </a:r>
-            <a:br/>
-            <a:r>
-              <a:rPr sz="1800">
-                <a:latin typeface="Courier"/>
-              </a:rPr>
-              <a:t>  </a:t>
-            </a:r>
-            <a:br/>
-            <a:r>
-              <a:rPr sz="1800">
-                <a:latin typeface="Courier"/>
-              </a:rPr>
-              <a:t>  </a:t>
-            </a:r>
-            <a:r>
-              <a:rPr sz="1800" b="1">
-                <a:solidFill>
-                  <a:srgbClr val="007020"/>
-                </a:solidFill>
-                <a:latin typeface="Courier"/>
-              </a:rPr>
-              <a:t>if</a:t>
-            </a:r>
-            <a:r>
-              <a:rPr sz="1800">
-                <a:latin typeface="Courier"/>
-              </a:rPr>
-              <a:t>(i </a:t>
-            </a:r>
-            <a:r>
-              <a:rPr sz="1800">
-                <a:solidFill>
-                  <a:srgbClr val="666666"/>
-                </a:solidFill>
-                <a:latin typeface="Courier"/>
-              </a:rPr>
-              <a:t>==</a:t>
-            </a:r>
-            <a:r>
-              <a:rPr sz="1800">
-                <a:solidFill>
-                  <a:srgbClr val="4070A0"/>
-                </a:solidFill>
-                <a:latin typeface="Courier"/>
-              </a:rPr>
-              <a:t> </a:t>
-            </a:r>
-            <a:r>
-              <a:rPr sz="1800">
-                <a:solidFill>
-                  <a:srgbClr val="40A070"/>
-                </a:solidFill>
-                <a:latin typeface="Courier"/>
-              </a:rPr>
-              <a:t>1</a:t>
-            </a:r>
-            <a:r>
-              <a:rPr sz="1800">
-                <a:latin typeface="Courier"/>
-              </a:rPr>
-              <a:t>){</a:t>
-            </a:r>
-            <a:br/>
-            <a:r>
-              <a:rPr sz="1800">
-                <a:latin typeface="Courier"/>
-              </a:rPr>
-              <a:t>    </a:t>
-            </a:r>
-            <a:br/>
-            <a:r>
-              <a:rPr sz="1800">
-                <a:latin typeface="Courier"/>
-              </a:rPr>
-              <a:t>    </a:t>
-            </a:r>
-            <a:r>
-              <a:rPr sz="1800" b="1">
-                <a:solidFill>
-                  <a:srgbClr val="007020"/>
-                </a:solidFill>
-                <a:latin typeface="Courier"/>
-              </a:rPr>
-              <a:t>print</a:t>
-            </a:r>
-            <a:r>
-              <a:rPr sz="1800">
-                <a:latin typeface="Courier"/>
-              </a:rPr>
-              <a:t>(</a:t>
-            </a:r>
-            <a:r>
-              <a:rPr sz="1800">
-                <a:solidFill>
-                  <a:srgbClr val="4070A0"/>
-                </a:solidFill>
-                <a:latin typeface="Courier"/>
-              </a:rPr>
-              <a:t>"one"</a:t>
-            </a:r>
-            <a:r>
-              <a:rPr sz="1800">
-                <a:latin typeface="Courier"/>
-              </a:rPr>
-              <a:t>)</a:t>
-            </a:r>
-            <a:br/>
-            <a:r>
-              <a:rPr sz="1800">
-                <a:latin typeface="Courier"/>
-              </a:rPr>
-              <a:t>    </a:t>
-            </a:r>
-            <a:br/>
-            <a:r>
-              <a:rPr sz="1800">
-                <a:latin typeface="Courier"/>
-              </a:rPr>
-              <a:t>  }</a:t>
-            </a:r>
-            <a:r>
-              <a:rPr sz="1800" b="1">
-                <a:solidFill>
-                  <a:srgbClr val="007020"/>
-                </a:solidFill>
-                <a:latin typeface="Courier"/>
-              </a:rPr>
-              <a:t>else</a:t>
-            </a:r>
-            <a:r>
-              <a:rPr sz="1800">
-                <a:latin typeface="Courier"/>
-              </a:rPr>
-              <a:t>{</a:t>
-            </a:r>
-            <a:br/>
-            <a:r>
-              <a:rPr sz="1800">
-                <a:latin typeface="Courier"/>
-              </a:rPr>
-              <a:t>    </a:t>
-            </a:r>
-            <a:br/>
-            <a:r>
-              <a:rPr sz="1800">
-                <a:latin typeface="Courier"/>
-              </a:rPr>
-              <a:t>    </a:t>
-            </a:r>
-            <a:r>
-              <a:rPr sz="1800" b="1">
-                <a:solidFill>
-                  <a:srgbClr val="007020"/>
-                </a:solidFill>
-                <a:latin typeface="Courier"/>
-              </a:rPr>
-              <a:t>print</a:t>
-            </a:r>
-            <a:r>
-              <a:rPr sz="1800">
-                <a:latin typeface="Courier"/>
-              </a:rPr>
-              <a:t>(i)</a:t>
-            </a:r>
-            <a:br/>
-            <a:r>
-              <a:rPr sz="1800">
-                <a:latin typeface="Courier"/>
-              </a:rPr>
-              <a:t>    </a:t>
-            </a:r>
-            <a:br/>
-            <a:r>
-              <a:rPr sz="1800">
-                <a:latin typeface="Courier"/>
-              </a:rPr>
-              <a:t>  }</a:t>
-            </a:r>
-            <a:br/>
-            <a:r>
-              <a:rPr sz="1800">
-                <a:latin typeface="Courier"/>
-              </a:rPr>
-              <a:t>}</a:t>
-            </a:r>
-          </a:p>
-          <a:p>
-            <a:pPr lvl="0" marL="1270000" indent="0">
-              <a:buNone/>
-            </a:pPr>
-            <a:r>
-              <a:rPr sz="1800">
-                <a:latin typeface="Courier"/>
-              </a:rPr>
-              <a:t>## [1] "one"
-## [1] 2
-## [1] 3
-## [1] 4
-## [1] 5</a:t>
+            <a:pPr lvl="1"/>
+            <a:r>
+              <a:t>The power of looping is illustrated when you add in the flexibility of conditional statements</a:t>
             </a:r>
           </a:p>
         </p:txBody>
       </p:sp>
     </p:spTree>
   </p:cSld>
+  <p:clrMapOvr>
+    <a:masterClrMapping/>
+  </p:clrMapOvr>
 </p:sld>
 </file>
 
@@ -8748,380 +9018,312 @@
           <a:bodyPr/>
           <a:lstStyle/>
           <a:p>
-            <a:pPr lvl="0" marL="0" indent="0">
+            <a:pPr marL="0" lvl="0" indent="0">
               <a:buNone/>
             </a:pPr>
             <a:r>
-              <a:rPr/>
-              <a:t>Example</a:t>
-            </a:r>
-            <a:r>
-              <a:rPr/>
+              <a:t>Example 7</a:t>
+            </a:r>
+          </a:p>
+        </p:txBody>
+      </p:sp>
+      <p:sp>
+        <p:nvSpPr>
+          <p:cNvPr id="3" name="Content Placeholder 2">
+            <a:extLst>
+              <a:ext uri="{FF2B5EF4-FFF2-40B4-BE49-F238E27FC236}">
+                <a16:creationId xmlns:a16="http://schemas.microsoft.com/office/drawing/2014/main" id="{D10DDA37-E46B-B641-BC9F-636CB92A2C08}"/>
+              </a:ext>
+            </a:extLst>
+          </p:cNvPr>
+          <p:cNvSpPr>
+            <a:spLocks noGrp="1"/>
+          </p:cNvSpPr>
+          <p:nvPr>
+            <p:ph idx="1"/>
+          </p:nvPr>
+        </p:nvSpPr>
+        <p:spPr/>
+        <p:txBody>
+          <a:bodyPr>
+            <a:normAutofit fontScale="92500" lnSpcReduction="10000"/>
+          </a:bodyPr>
+          <a:lstStyle/>
+          <a:p>
+            <a:pPr marL="1270000" lvl="0" indent="0">
+              <a:buNone/>
+            </a:pPr>
+            <a:r>
+              <a:rPr sz="1800" b="1">
+                <a:solidFill>
+                  <a:srgbClr val="007020"/>
+                </a:solidFill>
+                <a:latin typeface="Courier"/>
+              </a:rPr>
+              <a:t>for</a:t>
+            </a:r>
+            <a:r>
+              <a:rPr sz="1800">
+                <a:latin typeface="Courier"/>
+              </a:rPr>
+              <a:t>(i </a:t>
+            </a:r>
+            <a:r>
+              <a:rPr sz="1800" b="1">
+                <a:solidFill>
+                  <a:srgbClr val="007020"/>
+                </a:solidFill>
+                <a:latin typeface="Courier"/>
+              </a:rPr>
+              <a:t>in</a:t>
+            </a:r>
+            <a:r>
+              <a:rPr sz="1800">
+                <a:latin typeface="Courier"/>
+              </a:rPr>
               <a:t> </a:t>
             </a:r>
             <a:r>
-              <a:rPr/>
-              <a:t>8</a:t>
-            </a:r>
-          </a:p>
-        </p:txBody>
-      </p:sp>
-      <p:sp>
-        <p:nvSpPr>
-          <p:cNvPr id="3" name="Content Placeholder 2">
-            <a:extLst>
-              <a:ext uri="{FF2B5EF4-FFF2-40B4-BE49-F238E27FC236}">
-                <a16:creationId xmlns:a16="http://schemas.microsoft.com/office/drawing/2014/main" id="{D10DDA37-E46B-B641-BC9F-636CB92A2C08}"/>
-              </a:ext>
-            </a:extLst>
-          </p:cNvPr>
-          <p:cNvSpPr>
-            <a:spLocks noGrp="1"/>
-          </p:cNvSpPr>
-          <p:nvPr>
-            <p:ph idx="1"/>
-          </p:nvPr>
-        </p:nvSpPr>
-        <p:spPr/>
-        <p:txBody>
-          <a:bodyPr/>
-          <a:lstStyle/>
-          <a:p>
-            <a:pPr lvl="0" marL="1270000" indent="0">
+              <a:rPr sz="1800">
+                <a:solidFill>
+                  <a:srgbClr val="40A070"/>
+                </a:solidFill>
+                <a:latin typeface="Courier"/>
+              </a:rPr>
+              <a:t>1</a:t>
+            </a:r>
+            <a:r>
+              <a:rPr sz="1800">
+                <a:solidFill>
+                  <a:srgbClr val="666666"/>
+                </a:solidFill>
+                <a:latin typeface="Courier"/>
+              </a:rPr>
+              <a:t>:</a:t>
+            </a:r>
+            <a:r>
+              <a:rPr sz="1800">
+                <a:solidFill>
+                  <a:srgbClr val="40A070"/>
+                </a:solidFill>
+                <a:latin typeface="Courier"/>
+              </a:rPr>
+              <a:t>5</a:t>
+            </a:r>
+            <a:r>
+              <a:rPr sz="1800">
+                <a:latin typeface="Courier"/>
+              </a:rPr>
+              <a:t>){</a:t>
+            </a:r>
+            <a:br/>
+            <a:r>
+              <a:rPr sz="1800">
+                <a:latin typeface="Courier"/>
+              </a:rPr>
+              <a:t>  </a:t>
+            </a:r>
+            <a:br/>
+            <a:r>
+              <a:rPr sz="1800">
+                <a:latin typeface="Courier"/>
+              </a:rPr>
+              <a:t>  </a:t>
+            </a:r>
+            <a:r>
+              <a:rPr sz="1800" b="1">
+                <a:solidFill>
+                  <a:srgbClr val="007020"/>
+                </a:solidFill>
+                <a:latin typeface="Courier"/>
+              </a:rPr>
+              <a:t>if</a:t>
+            </a:r>
+            <a:r>
+              <a:rPr sz="1800">
+                <a:latin typeface="Courier"/>
+              </a:rPr>
+              <a:t>(i </a:t>
+            </a:r>
+            <a:r>
+              <a:rPr sz="1800">
+                <a:solidFill>
+                  <a:srgbClr val="666666"/>
+                </a:solidFill>
+                <a:latin typeface="Courier"/>
+              </a:rPr>
+              <a:t>==</a:t>
+            </a:r>
+            <a:r>
+              <a:rPr sz="1800">
+                <a:solidFill>
+                  <a:srgbClr val="4070A0"/>
+                </a:solidFill>
+                <a:latin typeface="Courier"/>
+              </a:rPr>
+              <a:t> </a:t>
+            </a:r>
+            <a:r>
+              <a:rPr sz="1800">
+                <a:solidFill>
+                  <a:srgbClr val="40A070"/>
+                </a:solidFill>
+                <a:latin typeface="Courier"/>
+              </a:rPr>
+              <a:t>1</a:t>
+            </a:r>
+            <a:r>
+              <a:rPr sz="1800">
+                <a:latin typeface="Courier"/>
+              </a:rPr>
+              <a:t>){</a:t>
+            </a:r>
+            <a:br/>
+            <a:r>
+              <a:rPr sz="1800">
+                <a:latin typeface="Courier"/>
+              </a:rPr>
+              <a:t>    </a:t>
+            </a:r>
+            <a:br/>
+            <a:r>
+              <a:rPr sz="1800">
+                <a:latin typeface="Courier"/>
+              </a:rPr>
+              <a:t>    </a:t>
+            </a:r>
+            <a:r>
+              <a:rPr sz="1800" b="1">
+                <a:solidFill>
+                  <a:srgbClr val="007020"/>
+                </a:solidFill>
+                <a:latin typeface="Courier"/>
+              </a:rPr>
+              <a:t>print</a:t>
+            </a:r>
+            <a:r>
+              <a:rPr sz="1800">
+                <a:latin typeface="Courier"/>
+              </a:rPr>
+              <a:t>(</a:t>
+            </a:r>
+            <a:r>
+              <a:rPr sz="1800">
+                <a:solidFill>
+                  <a:srgbClr val="4070A0"/>
+                </a:solidFill>
+                <a:latin typeface="Courier"/>
+              </a:rPr>
+              <a:t>"one"</a:t>
+            </a:r>
+            <a:r>
+              <a:rPr sz="1800">
+                <a:latin typeface="Courier"/>
+              </a:rPr>
+              <a:t>)</a:t>
+            </a:r>
+            <a:br/>
+            <a:r>
+              <a:rPr sz="1800">
+                <a:latin typeface="Courier"/>
+              </a:rPr>
+              <a:t>    </a:t>
+            </a:r>
+            <a:br/>
+            <a:r>
+              <a:rPr sz="1800">
+                <a:latin typeface="Courier"/>
+              </a:rPr>
+              <a:t>  }</a:t>
+            </a:r>
+            <a:r>
+              <a:rPr sz="1800" b="1">
+                <a:solidFill>
+                  <a:srgbClr val="007020"/>
+                </a:solidFill>
+                <a:latin typeface="Courier"/>
+              </a:rPr>
+              <a:t>else</a:t>
+            </a:r>
+            <a:r>
+              <a:rPr sz="1800">
+                <a:latin typeface="Courier"/>
+              </a:rPr>
+              <a:t>{</a:t>
+            </a:r>
+            <a:br/>
+            <a:r>
+              <a:rPr sz="1800">
+                <a:latin typeface="Courier"/>
+              </a:rPr>
+              <a:t>    </a:t>
+            </a:r>
+            <a:br/>
+            <a:r>
+              <a:rPr sz="1800">
+                <a:latin typeface="Courier"/>
+              </a:rPr>
+              <a:t>    </a:t>
+            </a:r>
+            <a:r>
+              <a:rPr sz="1800" b="1">
+                <a:solidFill>
+                  <a:srgbClr val="007020"/>
+                </a:solidFill>
+                <a:latin typeface="Courier"/>
+              </a:rPr>
+              <a:t>print</a:t>
+            </a:r>
+            <a:r>
+              <a:rPr sz="1800">
+                <a:latin typeface="Courier"/>
+              </a:rPr>
+              <a:t>(i)</a:t>
+            </a:r>
+            <a:br/>
+            <a:r>
+              <a:rPr sz="1800">
+                <a:latin typeface="Courier"/>
+              </a:rPr>
+              <a:t>    </a:t>
+            </a:r>
+            <a:br/>
+            <a:r>
+              <a:rPr sz="1800">
+                <a:latin typeface="Courier"/>
+              </a:rPr>
+              <a:t>  }</a:t>
+            </a:r>
+            <a:br/>
+            <a:r>
+              <a:rPr sz="1800">
+                <a:latin typeface="Courier"/>
+              </a:rPr>
+              <a:t>}</a:t>
+            </a:r>
+          </a:p>
+          <a:p>
+            <a:pPr marL="1270000" lvl="0" indent="0">
               <a:buNone/>
             </a:pPr>
             <a:r>
-              <a:rPr sz="1800" b="1">
-                <a:solidFill>
-                  <a:srgbClr val="007020"/>
-                </a:solidFill>
-                <a:latin typeface="Courier"/>
-              </a:rPr>
-              <a:t>for</a:t>
-            </a:r>
-            <a:r>
-              <a:rPr sz="1800">
-                <a:latin typeface="Courier"/>
-              </a:rPr>
-              <a:t>(i </a:t>
-            </a:r>
-            <a:r>
-              <a:rPr sz="1800" b="1">
-                <a:solidFill>
-                  <a:srgbClr val="007020"/>
-                </a:solidFill>
-                <a:latin typeface="Courier"/>
-              </a:rPr>
-              <a:t>in</a:t>
-            </a:r>
-            <a:r>
-              <a:rPr sz="1800">
-                <a:latin typeface="Courier"/>
-              </a:rPr>
-              <a:t> </a:t>
-            </a:r>
-            <a:r>
-              <a:rPr sz="1800">
-                <a:solidFill>
-                  <a:srgbClr val="40A070"/>
-                </a:solidFill>
-                <a:latin typeface="Courier"/>
-              </a:rPr>
-              <a:t>1</a:t>
-            </a:r>
-            <a:r>
-              <a:rPr sz="1800">
-                <a:solidFill>
-                  <a:srgbClr val="666666"/>
-                </a:solidFill>
-                <a:latin typeface="Courier"/>
-              </a:rPr>
-              <a:t>:</a:t>
-            </a:r>
-            <a:r>
-              <a:rPr sz="1800">
-                <a:solidFill>
-                  <a:srgbClr val="40A070"/>
-                </a:solidFill>
-                <a:latin typeface="Courier"/>
-              </a:rPr>
-              <a:t>5</a:t>
-            </a:r>
-            <a:r>
-              <a:rPr sz="1800">
-                <a:latin typeface="Courier"/>
-              </a:rPr>
-              <a:t>){</a:t>
-            </a:r>
-            <a:br/>
-            <a:r>
-              <a:rPr sz="1800">
-                <a:latin typeface="Courier"/>
-              </a:rPr>
-              <a:t>  </a:t>
-            </a:r>
-            <a:br/>
-            <a:r>
-              <a:rPr sz="1800">
-                <a:latin typeface="Courier"/>
-              </a:rPr>
-              <a:t>  </a:t>
-            </a:r>
-            <a:r>
-              <a:rPr sz="1800" i="1">
-                <a:solidFill>
-                  <a:srgbClr val="60A0B0"/>
-                </a:solidFill>
-                <a:latin typeface="Courier"/>
-              </a:rPr>
-              <a:t># the %% here checks the remainder when i is divided by 2</a:t>
-            </a:r>
-            <a:br/>
-            <a:r>
-              <a:rPr sz="1800">
-                <a:latin typeface="Courier"/>
-              </a:rPr>
-              <a:t>  </a:t>
-            </a:r>
-            <a:r>
-              <a:rPr sz="1800" b="1">
-                <a:solidFill>
-                  <a:srgbClr val="007020"/>
-                </a:solidFill>
-                <a:latin typeface="Courier"/>
-              </a:rPr>
-              <a:t>if</a:t>
-            </a:r>
-            <a:r>
-              <a:rPr sz="1800">
-                <a:latin typeface="Courier"/>
-              </a:rPr>
-              <a:t>(i </a:t>
-            </a:r>
-            <a:r>
-              <a:rPr sz="1800">
-                <a:solidFill>
-                  <a:srgbClr val="666666"/>
-                </a:solidFill>
-                <a:latin typeface="Courier"/>
-              </a:rPr>
-              <a:t>%%</a:t>
-            </a:r>
-            <a:r>
-              <a:rPr sz="1800">
-                <a:solidFill>
-                  <a:srgbClr val="4070A0"/>
-                </a:solidFill>
-                <a:latin typeface="Courier"/>
-              </a:rPr>
-              <a:t> </a:t>
-            </a:r>
-            <a:r>
-              <a:rPr sz="1800">
-                <a:solidFill>
-                  <a:srgbClr val="40A070"/>
-                </a:solidFill>
-                <a:latin typeface="Courier"/>
-              </a:rPr>
-              <a:t>2</a:t>
-            </a:r>
-            <a:r>
-              <a:rPr sz="1800">
-                <a:latin typeface="Courier"/>
-              </a:rPr>
-              <a:t> </a:t>
-            </a:r>
-            <a:r>
-              <a:rPr sz="1800">
-                <a:solidFill>
-                  <a:srgbClr val="666666"/>
-                </a:solidFill>
-                <a:latin typeface="Courier"/>
-              </a:rPr>
-              <a:t>==</a:t>
-            </a:r>
-            <a:r>
-              <a:rPr sz="1800">
-                <a:solidFill>
-                  <a:srgbClr val="4070A0"/>
-                </a:solidFill>
-                <a:latin typeface="Courier"/>
-              </a:rPr>
-              <a:t> </a:t>
-            </a:r>
-            <a:r>
-              <a:rPr sz="1800">
-                <a:solidFill>
-                  <a:srgbClr val="40A070"/>
-                </a:solidFill>
-                <a:latin typeface="Courier"/>
-              </a:rPr>
-              <a:t>0</a:t>
-            </a:r>
-            <a:r>
-              <a:rPr sz="1800">
-                <a:latin typeface="Courier"/>
-              </a:rPr>
-              <a:t>){</a:t>
-            </a:r>
-            <a:br/>
-            <a:r>
-              <a:rPr sz="1800">
-                <a:latin typeface="Courier"/>
-              </a:rPr>
-              <a:t>    </a:t>
-            </a:r>
-            <a:br/>
-            <a:r>
-              <a:rPr sz="1800">
-                <a:latin typeface="Courier"/>
-              </a:rPr>
-              <a:t>    </a:t>
-            </a:r>
-            <a:r>
-              <a:rPr sz="1800" b="1">
-                <a:solidFill>
-                  <a:srgbClr val="007020"/>
-                </a:solidFill>
-                <a:latin typeface="Courier"/>
-              </a:rPr>
-              <a:t>print</a:t>
-            </a:r>
-            <a:r>
-              <a:rPr sz="1800">
-                <a:latin typeface="Courier"/>
-              </a:rPr>
-              <a:t>(</a:t>
-            </a:r>
-            <a:r>
-              <a:rPr sz="1800">
-                <a:solidFill>
-                  <a:srgbClr val="4070A0"/>
-                </a:solidFill>
-                <a:latin typeface="Courier"/>
-              </a:rPr>
-              <a:t>"even"</a:t>
-            </a:r>
-            <a:r>
-              <a:rPr sz="1800">
-                <a:latin typeface="Courier"/>
-              </a:rPr>
-              <a:t>)</a:t>
-            </a:r>
-            <a:br/>
-            <a:r>
-              <a:rPr sz="1800">
-                <a:latin typeface="Courier"/>
-              </a:rPr>
-              <a:t>    </a:t>
-            </a:r>
-            <a:br/>
-            <a:r>
-              <a:rPr sz="1800">
-                <a:latin typeface="Courier"/>
-              </a:rPr>
-              <a:t>  }</a:t>
-            </a:r>
-            <a:r>
-              <a:rPr sz="1800" b="1">
-                <a:solidFill>
-                  <a:srgbClr val="007020"/>
-                </a:solidFill>
-                <a:latin typeface="Courier"/>
-              </a:rPr>
-              <a:t>else</a:t>
-            </a:r>
-            <a:r>
-              <a:rPr sz="1800">
-                <a:latin typeface="Courier"/>
-              </a:rPr>
-              <a:t>{</a:t>
-            </a:r>
-            <a:br/>
-            <a:r>
-              <a:rPr sz="1800">
-                <a:latin typeface="Courier"/>
-              </a:rPr>
-              <a:t>    </a:t>
-            </a:r>
-            <a:br/>
-            <a:r>
-              <a:rPr sz="1800">
-                <a:latin typeface="Courier"/>
-              </a:rPr>
-              <a:t>    </a:t>
-            </a:r>
-            <a:r>
-              <a:rPr sz="1800" b="1">
-                <a:solidFill>
-                  <a:srgbClr val="007020"/>
-                </a:solidFill>
-                <a:latin typeface="Courier"/>
-              </a:rPr>
-              <a:t>print</a:t>
-            </a:r>
-            <a:r>
-              <a:rPr sz="1800">
-                <a:latin typeface="Courier"/>
-              </a:rPr>
-              <a:t>(</a:t>
-            </a:r>
-            <a:r>
-              <a:rPr sz="1800">
-                <a:solidFill>
-                  <a:srgbClr val="4070A0"/>
-                </a:solidFill>
-                <a:latin typeface="Courier"/>
-              </a:rPr>
-              <a:t>"odd"</a:t>
-            </a:r>
-            <a:r>
-              <a:rPr sz="1800">
-                <a:latin typeface="Courier"/>
-              </a:rPr>
-              <a:t>)</a:t>
-            </a:r>
-            <a:br/>
-            <a:r>
-              <a:rPr sz="1800">
-                <a:latin typeface="Courier"/>
-              </a:rPr>
-              <a:t>    </a:t>
-            </a:r>
-            <a:br/>
-            <a:r>
-              <a:rPr sz="1800">
-                <a:latin typeface="Courier"/>
-              </a:rPr>
-              <a:t>  }</a:t>
-            </a:r>
-            <a:br/>
-            <a:r>
-              <a:rPr sz="1800">
-                <a:latin typeface="Courier"/>
-              </a:rPr>
-              <a:t>}</a:t>
-            </a:r>
-          </a:p>
-          <a:p>
-            <a:pPr lvl="0" marL="1270000" indent="0">
-              <a:buNone/>
-            </a:pPr>
-            <a:r>
-              <a:rPr sz="1800">
-                <a:latin typeface="Courier"/>
-              </a:rPr>
-              <a:t>## [1] "odd"
-## [1] "even"
-## [1] "odd"
-## [1] "even"
-## [1] "odd"</a:t>
+              <a:rPr sz="1800">
+                <a:latin typeface="Courier"/>
+              </a:rPr>
+              <a:t>## [1] "one"
+## [1] 2
+## [1] 3
+## [1] 4
+## [1] 5</a:t>
             </a:r>
           </a:p>
         </p:txBody>
       </p:sp>
     </p:spTree>
   </p:cSld>
+  <p:clrMapOvr>
+    <a:masterClrMapping/>
+  </p:clrMapOvr>
 </p:sld>
 </file>
 
@@ -9163,11 +9365,10 @@
           <a:bodyPr/>
           <a:lstStyle/>
           <a:p>
-            <a:pPr lvl="0" marL="0" indent="0">
+            <a:pPr marL="0" lvl="0" indent="0">
               <a:buNone/>
             </a:pPr>
             <a:r>
-              <a:rPr/>
               <a:t>Outline</a:t>
             </a:r>
           </a:p>
@@ -9200,21 +9401,18 @@
               <a:t>Concept</a:t>
             </a:r>
             <a:r>
-              <a:rPr/>
               <a:t> + practice = expert</a:t>
             </a:r>
           </a:p>
           <a:p>
             <a:pPr lvl="1"/>
             <a:r>
-              <a:rPr/>
               <a:t>Conditional statements</a:t>
             </a:r>
           </a:p>
           <a:p>
             <a:pPr lvl="1"/>
             <a:r>
-              <a:rPr/>
               <a:t>Looping fundamentals</a:t>
             </a:r>
           </a:p>
@@ -9222,6 +9420,9 @@
       </p:sp>
     </p:spTree>
   </p:cSld>
+  <p:clrMapOvr>
+    <a:masterClrMapping/>
+  </p:clrMapOvr>
 </p:sld>
 </file>
 
@@ -9263,85 +9464,376 @@
           <a:bodyPr/>
           <a:lstStyle/>
           <a:p>
-            <a:pPr lvl="0" marL="0" indent="0">
+            <a:pPr marL="0" lvl="0" indent="0">
               <a:buNone/>
             </a:pPr>
             <a:r>
-              <a:rPr/>
-              <a:t>Practice</a:t>
-            </a:r>
-            <a:r>
-              <a:rPr/>
+              <a:t>Example 8</a:t>
+            </a:r>
+          </a:p>
+        </p:txBody>
+      </p:sp>
+      <p:sp>
+        <p:nvSpPr>
+          <p:cNvPr id="3" name="Content Placeholder 2">
+            <a:extLst>
+              <a:ext uri="{FF2B5EF4-FFF2-40B4-BE49-F238E27FC236}">
+                <a16:creationId xmlns:a16="http://schemas.microsoft.com/office/drawing/2014/main" id="{D10DDA37-E46B-B641-BC9F-636CB92A2C08}"/>
+              </a:ext>
+            </a:extLst>
+          </p:cNvPr>
+          <p:cNvSpPr>
+            <a:spLocks noGrp="1"/>
+          </p:cNvSpPr>
+          <p:nvPr>
+            <p:ph idx="1"/>
+          </p:nvPr>
+        </p:nvSpPr>
+        <p:spPr/>
+        <p:txBody>
+          <a:bodyPr>
+            <a:normAutofit fontScale="92500" lnSpcReduction="20000"/>
+          </a:bodyPr>
+          <a:lstStyle/>
+          <a:p>
+            <a:pPr marL="1270000" lvl="0" indent="0">
+              <a:buNone/>
+            </a:pPr>
+            <a:r>
+              <a:rPr sz="1800" b="1">
+                <a:solidFill>
+                  <a:srgbClr val="007020"/>
+                </a:solidFill>
+                <a:latin typeface="Courier"/>
+              </a:rPr>
+              <a:t>for</a:t>
+            </a:r>
+            <a:r>
+              <a:rPr sz="1800">
+                <a:latin typeface="Courier"/>
+              </a:rPr>
+              <a:t>(i </a:t>
+            </a:r>
+            <a:r>
+              <a:rPr sz="1800" b="1">
+                <a:solidFill>
+                  <a:srgbClr val="007020"/>
+                </a:solidFill>
+                <a:latin typeface="Courier"/>
+              </a:rPr>
+              <a:t>in</a:t>
+            </a:r>
+            <a:r>
+              <a:rPr sz="1800">
+                <a:latin typeface="Courier"/>
+              </a:rPr>
               <a:t> </a:t>
             </a:r>
             <a:r>
-              <a:rPr/>
-              <a:t>3</a:t>
-            </a:r>
-          </a:p>
-        </p:txBody>
-      </p:sp>
-      <p:sp>
-        <p:nvSpPr>
-          <p:cNvPr id="3" name="Content Placeholder 2">
-            <a:extLst>
-              <a:ext uri="{FF2B5EF4-FFF2-40B4-BE49-F238E27FC236}">
-                <a16:creationId xmlns:a16="http://schemas.microsoft.com/office/drawing/2014/main" id="{D10DDA37-E46B-B641-BC9F-636CB92A2C08}"/>
-              </a:ext>
-            </a:extLst>
-          </p:cNvPr>
-          <p:cNvSpPr>
-            <a:spLocks noGrp="1"/>
-          </p:cNvSpPr>
-          <p:nvPr>
-            <p:ph idx="1"/>
-          </p:nvPr>
-        </p:nvSpPr>
-        <p:spPr/>
-        <p:txBody>
-          <a:bodyPr/>
-          <a:lstStyle/>
-          <a:p>
-            <a:pPr lvl="1"/>
-            <a:r>
-              <a:rPr/>
-              <a:t>Question: How do we calculate the mean of every numeric variable in </a:t>
-            </a:r>
-            <a:r>
-              <a:rPr sz="1800">
-                <a:latin typeface="Courier"/>
-              </a:rPr>
-              <a:t>chicc</a:t>
-            </a:r>
-            <a:r>
-              <a:rPr/>
-              <a:t> and print it out?</a:t>
-            </a:r>
-          </a:p>
-          <a:p>
-            <a:pPr lvl="1"/>
-            <a:r>
-              <a:rPr/>
-              <a:t>How would we do this manually?</a:t>
-            </a:r>
-          </a:p>
-          <a:p>
-            <a:pPr lvl="1"/>
-            <a:r>
-              <a:rPr/>
-              <a:t>Hint: to check whether something is a numeric variable use </a:t>
-            </a:r>
-            <a:r>
-              <a:rPr sz="1800">
-                <a:latin typeface="Courier"/>
-              </a:rPr>
-              <a:t>is.numeric()</a:t>
+              <a:rPr sz="1800">
+                <a:solidFill>
+                  <a:srgbClr val="40A070"/>
+                </a:solidFill>
+                <a:latin typeface="Courier"/>
+              </a:rPr>
+              <a:t>1</a:t>
+            </a:r>
+            <a:r>
+              <a:rPr sz="1800">
+                <a:solidFill>
+                  <a:srgbClr val="666666"/>
+                </a:solidFill>
+                <a:latin typeface="Courier"/>
+              </a:rPr>
+              <a:t>:</a:t>
+            </a:r>
+            <a:r>
+              <a:rPr sz="1800">
+                <a:solidFill>
+                  <a:srgbClr val="40A070"/>
+                </a:solidFill>
+                <a:latin typeface="Courier"/>
+              </a:rPr>
+              <a:t>5</a:t>
+            </a:r>
+            <a:r>
+              <a:rPr sz="1800">
+                <a:latin typeface="Courier"/>
+              </a:rPr>
+              <a:t>){</a:t>
+            </a:r>
+            <a:br/>
+            <a:r>
+              <a:rPr sz="1800">
+                <a:latin typeface="Courier"/>
+              </a:rPr>
+              <a:t>  </a:t>
+            </a:r>
+            <a:br/>
+            <a:r>
+              <a:rPr sz="1800">
+                <a:latin typeface="Courier"/>
+              </a:rPr>
+              <a:t>  </a:t>
+            </a:r>
+            <a:r>
+              <a:rPr sz="1800" i="1">
+                <a:solidFill>
+                  <a:srgbClr val="60A0B0"/>
+                </a:solidFill>
+                <a:latin typeface="Courier"/>
+              </a:rPr>
+              <a:t># the %% here checks the remainder when i is divided by 2</a:t>
+            </a:r>
+            <a:br/>
+            <a:r>
+              <a:rPr sz="1800">
+                <a:latin typeface="Courier"/>
+              </a:rPr>
+              <a:t>  </a:t>
+            </a:r>
+            <a:r>
+              <a:rPr sz="1800" b="1">
+                <a:solidFill>
+                  <a:srgbClr val="007020"/>
+                </a:solidFill>
+                <a:latin typeface="Courier"/>
+              </a:rPr>
+              <a:t>if</a:t>
+            </a:r>
+            <a:r>
+              <a:rPr sz="1800">
+                <a:latin typeface="Courier"/>
+              </a:rPr>
+              <a:t>(i </a:t>
+            </a:r>
+            <a:r>
+              <a:rPr sz="1800">
+                <a:solidFill>
+                  <a:srgbClr val="666666"/>
+                </a:solidFill>
+                <a:latin typeface="Courier"/>
+              </a:rPr>
+              <a:t>%%</a:t>
+            </a:r>
+            <a:r>
+              <a:rPr sz="1800">
+                <a:solidFill>
+                  <a:srgbClr val="4070A0"/>
+                </a:solidFill>
+                <a:latin typeface="Courier"/>
+              </a:rPr>
+              <a:t> </a:t>
+            </a:r>
+            <a:r>
+              <a:rPr sz="1800">
+                <a:solidFill>
+                  <a:srgbClr val="40A070"/>
+                </a:solidFill>
+                <a:latin typeface="Courier"/>
+              </a:rPr>
+              <a:t>2</a:t>
+            </a:r>
+            <a:r>
+              <a:rPr sz="1800">
+                <a:latin typeface="Courier"/>
+              </a:rPr>
+              <a:t> </a:t>
+            </a:r>
+            <a:r>
+              <a:rPr sz="1800">
+                <a:solidFill>
+                  <a:srgbClr val="666666"/>
+                </a:solidFill>
+                <a:latin typeface="Courier"/>
+              </a:rPr>
+              <a:t>==</a:t>
+            </a:r>
+            <a:r>
+              <a:rPr sz="1800">
+                <a:solidFill>
+                  <a:srgbClr val="4070A0"/>
+                </a:solidFill>
+                <a:latin typeface="Courier"/>
+              </a:rPr>
+              <a:t> </a:t>
+            </a:r>
+            <a:r>
+              <a:rPr sz="1800">
+                <a:solidFill>
+                  <a:srgbClr val="40A070"/>
+                </a:solidFill>
+                <a:latin typeface="Courier"/>
+              </a:rPr>
+              <a:t>0</a:t>
+            </a:r>
+            <a:r>
+              <a:rPr sz="1800">
+                <a:latin typeface="Courier"/>
+              </a:rPr>
+              <a:t>){</a:t>
+            </a:r>
+            <a:br/>
+            <a:r>
+              <a:rPr sz="1800">
+                <a:latin typeface="Courier"/>
+              </a:rPr>
+              <a:t>    </a:t>
+            </a:r>
+            <a:br/>
+            <a:r>
+              <a:rPr sz="1800">
+                <a:latin typeface="Courier"/>
+              </a:rPr>
+              <a:t>    </a:t>
+            </a:r>
+            <a:r>
+              <a:rPr sz="1800" b="1">
+                <a:solidFill>
+                  <a:srgbClr val="007020"/>
+                </a:solidFill>
+                <a:latin typeface="Courier"/>
+              </a:rPr>
+              <a:t>print</a:t>
+            </a:r>
+            <a:r>
+              <a:rPr sz="1800">
+                <a:latin typeface="Courier"/>
+              </a:rPr>
+              <a:t>(</a:t>
+            </a:r>
+            <a:r>
+              <a:rPr sz="1800">
+                <a:solidFill>
+                  <a:srgbClr val="4070A0"/>
+                </a:solidFill>
+                <a:latin typeface="Courier"/>
+              </a:rPr>
+              <a:t>"even"</a:t>
+            </a:r>
+            <a:r>
+              <a:rPr sz="1800">
+                <a:latin typeface="Courier"/>
+              </a:rPr>
+              <a:t>)</a:t>
+            </a:r>
+            <a:br/>
+            <a:r>
+              <a:rPr sz="1800">
+                <a:latin typeface="Courier"/>
+              </a:rPr>
+              <a:t>    </a:t>
+            </a:r>
+            <a:br/>
+            <a:r>
+              <a:rPr sz="1800">
+                <a:latin typeface="Courier"/>
+              </a:rPr>
+              <a:t>  }</a:t>
+            </a:r>
+            <a:r>
+              <a:rPr sz="1800" b="1">
+                <a:solidFill>
+                  <a:srgbClr val="007020"/>
+                </a:solidFill>
+                <a:latin typeface="Courier"/>
+              </a:rPr>
+              <a:t>else</a:t>
+            </a:r>
+            <a:r>
+              <a:rPr sz="1800">
+                <a:latin typeface="Courier"/>
+              </a:rPr>
+              <a:t>{</a:t>
+            </a:r>
+            <a:br/>
+            <a:r>
+              <a:rPr sz="1800">
+                <a:latin typeface="Courier"/>
+              </a:rPr>
+              <a:t>    </a:t>
+            </a:r>
+            <a:br/>
+            <a:r>
+              <a:rPr sz="1800">
+                <a:latin typeface="Courier"/>
+              </a:rPr>
+              <a:t>    </a:t>
+            </a:r>
+            <a:r>
+              <a:rPr sz="1800" b="1">
+                <a:solidFill>
+                  <a:srgbClr val="007020"/>
+                </a:solidFill>
+                <a:latin typeface="Courier"/>
+              </a:rPr>
+              <a:t>print</a:t>
+            </a:r>
+            <a:r>
+              <a:rPr sz="1800">
+                <a:latin typeface="Courier"/>
+              </a:rPr>
+              <a:t>(</a:t>
+            </a:r>
+            <a:r>
+              <a:rPr sz="1800">
+                <a:solidFill>
+                  <a:srgbClr val="4070A0"/>
+                </a:solidFill>
+                <a:latin typeface="Courier"/>
+              </a:rPr>
+              <a:t>"odd"</a:t>
+            </a:r>
+            <a:r>
+              <a:rPr sz="1800">
+                <a:latin typeface="Courier"/>
+              </a:rPr>
+              <a:t>)</a:t>
+            </a:r>
+            <a:br/>
+            <a:r>
+              <a:rPr sz="1800">
+                <a:latin typeface="Courier"/>
+              </a:rPr>
+              <a:t>    </a:t>
+            </a:r>
+            <a:br/>
+            <a:r>
+              <a:rPr sz="1800">
+                <a:latin typeface="Courier"/>
+              </a:rPr>
+              <a:t>  }</a:t>
+            </a:r>
+            <a:br/>
+            <a:r>
+              <a:rPr sz="1800">
+                <a:latin typeface="Courier"/>
+              </a:rPr>
+              <a:t>}</a:t>
+            </a:r>
+          </a:p>
+          <a:p>
+            <a:pPr marL="1270000" lvl="0" indent="0">
+              <a:buNone/>
+            </a:pPr>
+            <a:r>
+              <a:rPr sz="1800">
+                <a:latin typeface="Courier"/>
+              </a:rPr>
+              <a:t>## [1] "odd"
+## [1] "even"
+## [1] "odd"
+## [1] "even"
+## [1] "odd"</a:t>
             </a:r>
           </a:p>
         </p:txBody>
       </p:sp>
     </p:spTree>
   </p:cSld>
+  <p:clrMapOvr>
+    <a:masterClrMapping/>
+  </p:clrMapOvr>
 </p:sld>
 </file>
 
@@ -9383,28 +9875,11 @@
           <a:bodyPr/>
           <a:lstStyle/>
           <a:p>
-            <a:pPr lvl="0" marL="0" indent="0">
+            <a:pPr marL="0" lvl="0" indent="0">
               <a:buNone/>
             </a:pPr>
             <a:r>
-              <a:rPr/>
-              <a:t>Answer</a:t>
-            </a:r>
-            <a:r>
-              <a:rPr/>
-              <a:t> </a:t>
-            </a:r>
-            <a:r>
-              <a:rPr/>
-              <a:t>-</a:t>
-            </a:r>
-            <a:r>
-              <a:rPr/>
-              <a:t> </a:t>
-            </a:r>
-            <a:r>
-              <a:rPr/>
-              <a:t>manual</a:t>
+              <a:t>Practice 3</a:t>
             </a:r>
           </a:p>
         </p:txBody>
@@ -9430,328 +9905,45 @@
           <a:bodyPr/>
           <a:lstStyle/>
           <a:p>
-            <a:pPr lvl="0" marL="1270000" indent="0">
-              <a:buNone/>
-            </a:pPr>
-            <a:r>
-              <a:rPr sz="1800" b="1">
-                <a:solidFill>
-                  <a:srgbClr val="007020"/>
-                </a:solidFill>
-                <a:latin typeface="Courier"/>
-              </a:rPr>
-              <a:t>print</a:t>
-            </a:r>
-            <a:r>
-              <a:rPr sz="1800">
-                <a:latin typeface="Courier"/>
-              </a:rPr>
-              <a:t>(</a:t>
-            </a:r>
-            <a:r>
-              <a:rPr sz="1800" b="1">
-                <a:solidFill>
-                  <a:srgbClr val="007020"/>
-                </a:solidFill>
-                <a:latin typeface="Courier"/>
-              </a:rPr>
-              <a:t>mean</a:t>
-            </a:r>
-            <a:r>
-              <a:rPr sz="1800">
-                <a:latin typeface="Courier"/>
-              </a:rPr>
-              <a:t>(cchic</a:t>
-            </a:r>
-            <a:r>
-              <a:rPr sz="1800">
-                <a:solidFill>
-                  <a:srgbClr val="666666"/>
-                </a:solidFill>
-                <a:latin typeface="Courier"/>
-              </a:rPr>
-              <a:t>$</a:t>
-            </a:r>
-            <a:r>
-              <a:rPr sz="1800">
-                <a:latin typeface="Courier"/>
-              </a:rPr>
-              <a:t>lactate_abg))</a:t>
-            </a:r>
-          </a:p>
-          <a:p>
-            <a:pPr lvl="0" marL="1270000" indent="0">
-              <a:buNone/>
-            </a:pPr>
-            <a:r>
-              <a:rPr sz="1800">
-                <a:latin typeface="Courier"/>
-              </a:rPr>
-              <a:t>## [1] 2.07398</a:t>
-            </a:r>
-          </a:p>
-          <a:p>
-            <a:pPr lvl="0" marL="1270000" indent="0">
-              <a:buNone/>
-            </a:pPr>
-            <a:r>
-              <a:rPr sz="1800" b="1">
-                <a:solidFill>
-                  <a:srgbClr val="007020"/>
-                </a:solidFill>
-                <a:latin typeface="Courier"/>
-              </a:rPr>
-              <a:t>print</a:t>
-            </a:r>
-            <a:r>
-              <a:rPr sz="1800">
-                <a:latin typeface="Courier"/>
-              </a:rPr>
-              <a:t>(</a:t>
-            </a:r>
-            <a:r>
-              <a:rPr sz="1800" b="1">
-                <a:solidFill>
-                  <a:srgbClr val="007020"/>
-                </a:solidFill>
-                <a:latin typeface="Courier"/>
-              </a:rPr>
-              <a:t>mean</a:t>
-            </a:r>
-            <a:r>
-              <a:rPr sz="1800">
-                <a:latin typeface="Courier"/>
-              </a:rPr>
-              <a:t>(cchic</a:t>
-            </a:r>
-            <a:r>
-              <a:rPr sz="1800">
-                <a:solidFill>
-                  <a:srgbClr val="666666"/>
-                </a:solidFill>
-                <a:latin typeface="Courier"/>
-              </a:rPr>
-              <a:t>$</a:t>
-            </a:r>
-            <a:r>
-              <a:rPr sz="1800">
-                <a:latin typeface="Courier"/>
-              </a:rPr>
-              <a:t>ph_abg))</a:t>
-            </a:r>
-          </a:p>
-          <a:p>
-            <a:pPr lvl="0" marL="1270000" indent="0">
-              <a:buNone/>
-            </a:pPr>
-            <a:r>
-              <a:rPr sz="1800">
-                <a:latin typeface="Courier"/>
-              </a:rPr>
-              <a:t>## [1] 7.355328</a:t>
-            </a:r>
-          </a:p>
-          <a:p>
-            <a:pPr lvl="0" marL="1270000" indent="0">
-              <a:buNone/>
-            </a:pPr>
-            <a:r>
-              <a:rPr sz="1800" b="1">
-                <a:solidFill>
-                  <a:srgbClr val="007020"/>
-                </a:solidFill>
-                <a:latin typeface="Courier"/>
-              </a:rPr>
-              <a:t>print</a:t>
-            </a:r>
-            <a:r>
-              <a:rPr sz="1800">
-                <a:latin typeface="Courier"/>
-              </a:rPr>
-              <a:t>(</a:t>
-            </a:r>
-            <a:r>
-              <a:rPr sz="1800" b="1">
-                <a:solidFill>
-                  <a:srgbClr val="007020"/>
-                </a:solidFill>
-                <a:latin typeface="Courier"/>
-              </a:rPr>
-              <a:t>mean</a:t>
-            </a:r>
-            <a:r>
-              <a:rPr sz="1800">
-                <a:latin typeface="Courier"/>
-              </a:rPr>
-              <a:t>(cchic</a:t>
-            </a:r>
-            <a:r>
-              <a:rPr sz="1800">
-                <a:solidFill>
-                  <a:srgbClr val="666666"/>
-                </a:solidFill>
-                <a:latin typeface="Courier"/>
-              </a:rPr>
-              <a:t>$</a:t>
-            </a:r>
-            <a:r>
-              <a:rPr sz="1800">
-                <a:latin typeface="Courier"/>
-              </a:rPr>
-              <a:t>hco3_abg))</a:t>
-            </a:r>
-          </a:p>
-          <a:p>
-            <a:pPr lvl="0" marL="1270000" indent="0">
-              <a:buNone/>
-            </a:pPr>
-            <a:r>
-              <a:rPr sz="1800">
-                <a:latin typeface="Courier"/>
-              </a:rPr>
-              <a:t>## [1] 23.25858</a:t>
-            </a:r>
-          </a:p>
-          <a:p>
-            <a:pPr lvl="0" marL="1270000" indent="0">
-              <a:buNone/>
-            </a:pPr>
-            <a:r>
-              <a:rPr sz="1800" b="1">
-                <a:solidFill>
-                  <a:srgbClr val="007020"/>
-                </a:solidFill>
-                <a:latin typeface="Courier"/>
-              </a:rPr>
-              <a:t>print</a:t>
-            </a:r>
-            <a:r>
-              <a:rPr sz="1800">
-                <a:latin typeface="Courier"/>
-              </a:rPr>
-              <a:t>(</a:t>
-            </a:r>
-            <a:r>
-              <a:rPr sz="1800" b="1">
-                <a:solidFill>
-                  <a:srgbClr val="007020"/>
-                </a:solidFill>
-                <a:latin typeface="Courier"/>
-              </a:rPr>
-              <a:t>mean</a:t>
-            </a:r>
-            <a:r>
-              <a:rPr sz="1800">
-                <a:latin typeface="Courier"/>
-              </a:rPr>
-              <a:t>(cchic</a:t>
-            </a:r>
-            <a:r>
-              <a:rPr sz="1800">
-                <a:solidFill>
-                  <a:srgbClr val="666666"/>
-                </a:solidFill>
-                <a:latin typeface="Courier"/>
-              </a:rPr>
-              <a:t>$</a:t>
-            </a:r>
-            <a:r>
-              <a:rPr sz="1800">
-                <a:latin typeface="Courier"/>
-              </a:rPr>
-              <a:t>temp_c))</a:t>
-            </a:r>
-          </a:p>
-          <a:p>
-            <a:pPr lvl="0" marL="1270000" indent="0">
-              <a:buNone/>
-            </a:pPr>
-            <a:r>
-              <a:rPr sz="1800">
-                <a:latin typeface="Courier"/>
-              </a:rPr>
-              <a:t>## [1] 36.3113</a:t>
-            </a:r>
-          </a:p>
-          <a:p>
-            <a:pPr lvl="0" marL="1270000" indent="0">
-              <a:buNone/>
-            </a:pPr>
-            <a:r>
-              <a:rPr sz="1800" b="1">
-                <a:solidFill>
-                  <a:srgbClr val="007020"/>
-                </a:solidFill>
-                <a:latin typeface="Courier"/>
-              </a:rPr>
-              <a:t>print</a:t>
-            </a:r>
-            <a:r>
-              <a:rPr sz="1800">
-                <a:latin typeface="Courier"/>
-              </a:rPr>
-              <a:t>(</a:t>
-            </a:r>
-            <a:r>
-              <a:rPr sz="1800" b="1">
-                <a:solidFill>
-                  <a:srgbClr val="007020"/>
-                </a:solidFill>
-                <a:latin typeface="Courier"/>
-              </a:rPr>
-              <a:t>mean</a:t>
-            </a:r>
-            <a:r>
-              <a:rPr sz="1800">
-                <a:latin typeface="Courier"/>
-              </a:rPr>
-              <a:t>(cchic</a:t>
-            </a:r>
-            <a:r>
-              <a:rPr sz="1800">
-                <a:solidFill>
-                  <a:srgbClr val="666666"/>
-                </a:solidFill>
-                <a:latin typeface="Courier"/>
-              </a:rPr>
-              <a:t>$</a:t>
-            </a:r>
-            <a:r>
-              <a:rPr sz="1800">
-                <a:latin typeface="Courier"/>
-              </a:rPr>
-              <a:t>temp_nc))</a:t>
-            </a:r>
-          </a:p>
-          <a:p>
-            <a:pPr lvl="0" marL="1270000" indent="0">
-              <a:buNone/>
-            </a:pPr>
-            <a:r>
-              <a:rPr sz="1800">
-                <a:latin typeface="Courier"/>
-              </a:rPr>
-              <a:t>## [1] 36.36864</a:t>
-            </a:r>
-          </a:p>
-          <a:p>
-            <a:pPr lvl="0" marL="1270000" indent="0">
-              <a:buNone/>
-            </a:pPr>
-            <a:r>
-              <a:rPr sz="1800" i="1">
-                <a:solidFill>
-                  <a:srgbClr val="60A0B0"/>
-                </a:solidFill>
-                <a:latin typeface="Courier"/>
-              </a:rPr>
-              <a:t># etc</a:t>
+            <a:pPr lvl="1"/>
+            <a:r>
+              <a:t>Question: How do we calculate the mean of every numeric variable in </a:t>
+            </a:r>
+            <a:r>
+              <a:rPr sz="1800">
+                <a:latin typeface="Courier"/>
+              </a:rPr>
+              <a:t>chicc</a:t>
+            </a:r>
+            <a:r>
+              <a:t> and print it out?</a:t>
+            </a:r>
+          </a:p>
+          <a:p>
+            <a:pPr lvl="1"/>
+            <a:r>
+              <a:t>How would we do this manually?</a:t>
+            </a:r>
+          </a:p>
+          <a:p>
+            <a:pPr lvl="1"/>
+            <a:r>
+              <a:t>Hint: to check whether something is a numeric variable use </a:t>
+            </a:r>
+            <a:r>
+              <a:rPr sz="1800">
+                <a:latin typeface="Courier"/>
+              </a:rPr>
+              <a:t>is.numeric()</a:t>
             </a:r>
           </a:p>
         </p:txBody>
       </p:sp>
     </p:spTree>
   </p:cSld>
+  <p:clrMapOvr>
+    <a:masterClrMapping/>
+  </p:clrMapOvr>
 </p:sld>
 </file>
 
@@ -9793,28 +9985,11 @@
           <a:bodyPr/>
           <a:lstStyle/>
           <a:p>
-            <a:pPr lvl="0" marL="0" indent="0">
+            <a:pPr marL="0" lvl="0" indent="0">
               <a:buNone/>
             </a:pPr>
             <a:r>
-              <a:rPr/>
-              <a:t>Answer</a:t>
-            </a:r>
-            <a:r>
-              <a:rPr/>
-              <a:t> </a:t>
-            </a:r>
-            <a:r>
-              <a:rPr/>
-              <a:t>-</a:t>
-            </a:r>
-            <a:r>
-              <a:rPr/>
-              <a:t> </a:t>
-            </a:r>
-            <a:r>
-              <a:rPr/>
-              <a:t>loop</a:t>
+              <a:t>Answer - manual</a:t>
             </a:r>
           </a:p>
         </p:txBody>
@@ -9840,7 +10015,7 @@
           <a:bodyPr/>
           <a:lstStyle/>
           <a:p>
-            <a:pPr lvl="0" marL="1270000" indent="0">
+            <a:pPr marL="1270000" lvl="0" indent="0">
               <a:buNone/>
             </a:pPr>
             <a:r>
@@ -9850,13 +10025,13 @@
                 </a:solidFill>
                 <a:latin typeface="Courier"/>
               </a:rPr>
-              <a:t>for</a:t>
-            </a:r>
-            <a:r>
-              <a:rPr sz="1800">
-                <a:latin typeface="Courier"/>
-              </a:rPr>
-              <a:t>(i </a:t>
+              <a:t>print</a:t>
+            </a:r>
+            <a:r>
+              <a:rPr sz="1800">
+                <a:latin typeface="Courier"/>
+              </a:rPr>
+              <a:t>(</a:t>
             </a:r>
             <a:r>
               <a:rPr sz="1800" b="1">
@@ -9865,22 +10040,13 @@
                 </a:solidFill>
                 <a:latin typeface="Courier"/>
               </a:rPr>
-              <a:t>in</a:t>
-            </a:r>
-            <a:r>
-              <a:rPr sz="1800">
-                <a:latin typeface="Courier"/>
-              </a:rPr>
-              <a:t> </a:t>
-            </a:r>
-            <a:r>
-              <a:rPr sz="1800">
-                <a:solidFill>
-                  <a:srgbClr val="40A070"/>
-                </a:solidFill>
-                <a:latin typeface="Courier"/>
-              </a:rPr>
-              <a:t>1</a:t>
+              <a:t>mean</a:t>
+            </a:r>
+            <a:r>
+              <a:rPr sz="1800">
+                <a:latin typeface="Courier"/>
+              </a:rPr>
+              <a:t>(cchic</a:t>
             </a:r>
             <a:r>
               <a:rPr sz="1800">
@@ -9889,8 +10055,30 @@
                 </a:solidFill>
                 <a:latin typeface="Courier"/>
               </a:rPr>
-              <a:t>:</a:t>
-            </a:r>
+              <a:t>$</a:t>
+            </a:r>
+            <a:r>
+              <a:rPr sz="1800">
+                <a:latin typeface="Courier"/>
+              </a:rPr>
+              <a:t>lactate_abg))</a:t>
+            </a:r>
+          </a:p>
+          <a:p>
+            <a:pPr marL="1270000" lvl="0" indent="0">
+              <a:buNone/>
+            </a:pPr>
+            <a:r>
+              <a:rPr sz="1800">
+                <a:latin typeface="Courier"/>
+              </a:rPr>
+              <a:t>## [1] 2.07398</a:t>
+            </a:r>
+          </a:p>
+          <a:p>
+            <a:pPr marL="1270000" lvl="0" indent="0">
+              <a:buNone/>
+            </a:pPr>
             <a:r>
               <a:rPr sz="1800" b="1">
                 <a:solidFill>
@@ -9898,27 +10086,13 @@
                 </a:solidFill>
                 <a:latin typeface="Courier"/>
               </a:rPr>
-              <a:t>length</a:t>
-            </a:r>
-            <a:r>
-              <a:rPr sz="1800">
-                <a:latin typeface="Courier"/>
-              </a:rPr>
-              <a:t>(cchic)){</a:t>
-            </a:r>
-            <a:br/>
-            <a:r>
-              <a:rPr sz="1800">
-                <a:latin typeface="Courier"/>
-              </a:rPr>
-              <a:t>  </a:t>
-            </a:r>
-            <a:br/>
-            <a:r>
-              <a:rPr sz="1800">
-                <a:latin typeface="Courier"/>
-              </a:rPr>
-              <a:t>  </a:t>
+              <a:t>print</a:t>
+            </a:r>
+            <a:r>
+              <a:rPr sz="1800">
+                <a:latin typeface="Courier"/>
+              </a:rPr>
+              <a:t>(</a:t>
             </a:r>
             <a:r>
               <a:rPr sz="1800" b="1">
@@ -9927,6 +10101,52 @@
                 </a:solidFill>
                 <a:latin typeface="Courier"/>
               </a:rPr>
+              <a:t>mean</a:t>
+            </a:r>
+            <a:r>
+              <a:rPr sz="1800">
+                <a:latin typeface="Courier"/>
+              </a:rPr>
+              <a:t>(cchic</a:t>
+            </a:r>
+            <a:r>
+              <a:rPr sz="1800">
+                <a:solidFill>
+                  <a:srgbClr val="666666"/>
+                </a:solidFill>
+                <a:latin typeface="Courier"/>
+              </a:rPr>
+              <a:t>$</a:t>
+            </a:r>
+            <a:r>
+              <a:rPr sz="1800">
+                <a:latin typeface="Courier"/>
+              </a:rPr>
+              <a:t>ph_abg))</a:t>
+            </a:r>
+          </a:p>
+          <a:p>
+            <a:pPr marL="1270000" lvl="0" indent="0">
+              <a:buNone/>
+            </a:pPr>
+            <a:r>
+              <a:rPr sz="1800">
+                <a:latin typeface="Courier"/>
+              </a:rPr>
+              <a:t>## [1] 7.355328</a:t>
+            </a:r>
+          </a:p>
+          <a:p>
+            <a:pPr marL="1270000" lvl="0" indent="0">
+              <a:buNone/>
+            </a:pPr>
+            <a:r>
+              <a:rPr sz="1800" b="1">
+                <a:solidFill>
+                  <a:srgbClr val="007020"/>
+                </a:solidFill>
+                <a:latin typeface="Courier"/>
+              </a:rPr>
               <a:t>print</a:t>
             </a:r>
             <a:r>
@@ -9942,28 +10162,45 @@
                 </a:solidFill>
                 <a:latin typeface="Courier"/>
               </a:rPr>
-              <a:t>names</a:t>
-            </a:r>
-            <a:r>
-              <a:rPr sz="1800">
-                <a:latin typeface="Courier"/>
-              </a:rPr>
-              <a:t>(cchic[i]))</a:t>
-            </a:r>
-            <a:br/>
-            <a:r>
-              <a:rPr sz="1800">
-                <a:latin typeface="Courier"/>
-              </a:rPr>
-              <a:t>  </a:t>
-            </a:r>
-            <a:br/>
-            <a:r>
-              <a:rPr sz="1800">
-                <a:latin typeface="Courier"/>
-              </a:rPr>
-              <a:t>  </a:t>
-            </a:r>
+              <a:t>mean</a:t>
+            </a:r>
+            <a:r>
+              <a:rPr sz="1800">
+                <a:latin typeface="Courier"/>
+              </a:rPr>
+              <a:t>(cchic</a:t>
+            </a:r>
+            <a:r>
+              <a:rPr sz="1800">
+                <a:solidFill>
+                  <a:srgbClr val="666666"/>
+                </a:solidFill>
+                <a:latin typeface="Courier"/>
+              </a:rPr>
+              <a:t>$</a:t>
+            </a:r>
+            <a:r>
+              <a:rPr sz="1800">
+                <a:latin typeface="Courier"/>
+              </a:rPr>
+              <a:t>hco3_abg))</a:t>
+            </a:r>
+          </a:p>
+          <a:p>
+            <a:pPr marL="1270000" lvl="0" indent="0">
+              <a:buNone/>
+            </a:pPr>
+            <a:r>
+              <a:rPr sz="1800">
+                <a:latin typeface="Courier"/>
+              </a:rPr>
+              <a:t>## [1] 23.25858</a:t>
+            </a:r>
+          </a:p>
+          <a:p>
+            <a:pPr marL="1270000" lvl="0" indent="0">
+              <a:buNone/>
+            </a:pPr>
             <a:r>
               <a:rPr sz="1800" b="1">
                 <a:solidFill>
@@ -9971,7 +10208,7 @@
                 </a:solidFill>
                 <a:latin typeface="Courier"/>
               </a:rPr>
-              <a:t>if</a:t>
+              <a:t>print</a:t>
             </a:r>
             <a:r>
               <a:rPr sz="1800">
@@ -9986,28 +10223,45 @@
                 </a:solidFill>
                 <a:latin typeface="Courier"/>
               </a:rPr>
-              <a:t>is.numeric</a:t>
-            </a:r>
-            <a:r>
-              <a:rPr sz="1800">
-                <a:latin typeface="Courier"/>
-              </a:rPr>
-              <a:t>(cchic[[i]])){</a:t>
-            </a:r>
-            <a:br/>
-            <a:r>
-              <a:rPr sz="1800">
-                <a:latin typeface="Courier"/>
-              </a:rPr>
-              <a:t>    </a:t>
-            </a:r>
-            <a:br/>
-            <a:r>
-              <a:rPr sz="1800">
-                <a:latin typeface="Courier"/>
-              </a:rPr>
-              <a:t>    </a:t>
-            </a:r>
+              <a:t>mean</a:t>
+            </a:r>
+            <a:r>
+              <a:rPr sz="1800">
+                <a:latin typeface="Courier"/>
+              </a:rPr>
+              <a:t>(cchic</a:t>
+            </a:r>
+            <a:r>
+              <a:rPr sz="1800">
+                <a:solidFill>
+                  <a:srgbClr val="666666"/>
+                </a:solidFill>
+                <a:latin typeface="Courier"/>
+              </a:rPr>
+              <a:t>$</a:t>
+            </a:r>
+            <a:r>
+              <a:rPr sz="1800">
+                <a:latin typeface="Courier"/>
+              </a:rPr>
+              <a:t>temp_c))</a:t>
+            </a:r>
+          </a:p>
+          <a:p>
+            <a:pPr marL="1270000" lvl="0" indent="0">
+              <a:buNone/>
+            </a:pPr>
+            <a:r>
+              <a:rPr sz="1800">
+                <a:latin typeface="Courier"/>
+              </a:rPr>
+              <a:t>## [1] 36.3113</a:t>
+            </a:r>
+          </a:p>
+          <a:p>
+            <a:pPr marL="1270000" lvl="0" indent="0">
+              <a:buNone/>
+            </a:pPr>
             <a:r>
               <a:rPr sz="1800" b="1">
                 <a:solidFill>
@@ -10036,41 +10290,56 @@
               <a:rPr sz="1800">
                 <a:latin typeface="Courier"/>
               </a:rPr>
-              <a:t>(cchic[[i]]))</a:t>
-            </a:r>
-            <a:br/>
-            <a:r>
-              <a:rPr sz="1800">
-                <a:latin typeface="Courier"/>
-              </a:rPr>
-              <a:t>    </a:t>
-            </a:r>
-            <a:br/>
-            <a:r>
-              <a:rPr sz="1800">
-                <a:latin typeface="Courier"/>
-              </a:rPr>
-              <a:t>  }</a:t>
-            </a:r>
-            <a:br/>
-            <a:r>
-              <a:rPr sz="1800">
-                <a:latin typeface="Courier"/>
-              </a:rPr>
-              <a:t>  </a:t>
-            </a:r>
-            <a:br/>
-            <a:r>
-              <a:rPr sz="1800">
-                <a:latin typeface="Courier"/>
-              </a:rPr>
-              <a:t>}</a:t>
+              <a:t>(cchic</a:t>
+            </a:r>
+            <a:r>
+              <a:rPr sz="1800">
+                <a:solidFill>
+                  <a:srgbClr val="666666"/>
+                </a:solidFill>
+                <a:latin typeface="Courier"/>
+              </a:rPr>
+              <a:t>$</a:t>
+            </a:r>
+            <a:r>
+              <a:rPr sz="1800">
+                <a:latin typeface="Courier"/>
+              </a:rPr>
+              <a:t>temp_nc))</a:t>
+            </a:r>
+          </a:p>
+          <a:p>
+            <a:pPr marL="1270000" lvl="0" indent="0">
+              <a:buNone/>
+            </a:pPr>
+            <a:r>
+              <a:rPr sz="1800">
+                <a:latin typeface="Courier"/>
+              </a:rPr>
+              <a:t>## [1] 36.36864</a:t>
+            </a:r>
+          </a:p>
+          <a:p>
+            <a:pPr marL="1270000" lvl="0" indent="0">
+              <a:buNone/>
+            </a:pPr>
+            <a:r>
+              <a:rPr sz="1800" i="1">
+                <a:solidFill>
+                  <a:srgbClr val="60A0B0"/>
+                </a:solidFill>
+                <a:latin typeface="Courier"/>
+              </a:rPr>
+              <a:t># etc</a:t>
             </a:r>
           </a:p>
         </p:txBody>
       </p:sp>
     </p:spTree>
   </p:cSld>
+  <p:clrMapOvr>
+    <a:masterClrMapping/>
+  </p:clrMapOvr>
 </p:sld>
 </file>
 
@@ -10112,62 +10381,359 @@
           <a:bodyPr/>
           <a:lstStyle/>
           <a:p>
-            <a:pPr lvl="0" marL="0" indent="0">
+            <a:pPr marL="0" lvl="0" indent="0">
               <a:buNone/>
             </a:pPr>
             <a:r>
-              <a:rPr/>
-              <a:t>Go</a:t>
-            </a:r>
-            <a:r>
-              <a:rPr/>
+              <a:t>Answer - loop</a:t>
+            </a:r>
+          </a:p>
+        </p:txBody>
+      </p:sp>
+      <p:sp>
+        <p:nvSpPr>
+          <p:cNvPr id="3" name="Content Placeholder 2">
+            <a:extLst>
+              <a:ext uri="{FF2B5EF4-FFF2-40B4-BE49-F238E27FC236}">
+                <a16:creationId xmlns:a16="http://schemas.microsoft.com/office/drawing/2014/main" id="{D10DDA37-E46B-B641-BC9F-636CB92A2C08}"/>
+              </a:ext>
+            </a:extLst>
+          </p:cNvPr>
+          <p:cNvSpPr>
+            <a:spLocks noGrp="1"/>
+          </p:cNvSpPr>
+          <p:nvPr>
+            <p:ph idx="1"/>
+          </p:nvPr>
+        </p:nvSpPr>
+        <p:spPr/>
+        <p:txBody>
+          <a:bodyPr/>
+          <a:lstStyle/>
+          <a:p>
+            <a:pPr marL="1270000" lvl="0" indent="0">
+              <a:buNone/>
+            </a:pPr>
+            <a:r>
+              <a:rPr sz="1800" b="1">
+                <a:solidFill>
+                  <a:srgbClr val="007020"/>
+                </a:solidFill>
+                <a:latin typeface="Courier"/>
+              </a:rPr>
+              <a:t>for</a:t>
+            </a:r>
+            <a:r>
+              <a:rPr sz="1800">
+                <a:latin typeface="Courier"/>
+              </a:rPr>
+              <a:t>(i </a:t>
+            </a:r>
+            <a:r>
+              <a:rPr sz="1800" b="1">
+                <a:solidFill>
+                  <a:srgbClr val="007020"/>
+                </a:solidFill>
+                <a:latin typeface="Courier"/>
+              </a:rPr>
+              <a:t>in</a:t>
+            </a:r>
+            <a:r>
+              <a:rPr sz="1800">
+                <a:latin typeface="Courier"/>
+              </a:rPr>
               <a:t> </a:t>
             </a:r>
             <a:r>
-              <a:rPr/>
-              <a:t>loopy!</a:t>
-            </a:r>
-          </a:p>
-        </p:txBody>
-      </p:sp>
-      <p:sp>
-        <p:nvSpPr>
-          <p:cNvPr id="3" name="Content Placeholder 2">
-            <a:extLst>
-              <a:ext uri="{FF2B5EF4-FFF2-40B4-BE49-F238E27FC236}">
-                <a16:creationId xmlns:a16="http://schemas.microsoft.com/office/drawing/2014/main" id="{D10DDA37-E46B-B641-BC9F-636CB92A2C08}"/>
-              </a:ext>
-            </a:extLst>
-          </p:cNvPr>
-          <p:cNvSpPr>
-            <a:spLocks noGrp="1"/>
-          </p:cNvSpPr>
-          <p:nvPr>
-            <p:ph idx="1"/>
-          </p:nvPr>
-        </p:nvSpPr>
-        <p:spPr/>
-        <p:txBody>
-          <a:bodyPr/>
-          <a:lstStyle/>
-          <a:p>
-            <a:pPr lvl="1"/>
-            <a:r>
-              <a:rPr/>
-              <a:t>Lots of practice, lot’s of errors!</a:t>
-            </a:r>
-          </a:p>
-          <a:p>
-            <a:pPr lvl="1"/>
-            <a:r>
-              <a:rPr/>
-              <a:t>But eventually, you’ll never look back</a:t>
+              <a:rPr sz="1800">
+                <a:solidFill>
+                  <a:srgbClr val="40A070"/>
+                </a:solidFill>
+                <a:latin typeface="Courier"/>
+              </a:rPr>
+              <a:t>1</a:t>
+            </a:r>
+            <a:r>
+              <a:rPr sz="1800">
+                <a:solidFill>
+                  <a:srgbClr val="666666"/>
+                </a:solidFill>
+                <a:latin typeface="Courier"/>
+              </a:rPr>
+              <a:t>:</a:t>
+            </a:r>
+            <a:r>
+              <a:rPr sz="1800" b="1">
+                <a:solidFill>
+                  <a:srgbClr val="007020"/>
+                </a:solidFill>
+                <a:latin typeface="Courier"/>
+              </a:rPr>
+              <a:t>length</a:t>
+            </a:r>
+            <a:r>
+              <a:rPr sz="1800">
+                <a:latin typeface="Courier"/>
+              </a:rPr>
+              <a:t>(cchic)){</a:t>
+            </a:r>
+            <a:br/>
+            <a:r>
+              <a:rPr sz="1800">
+                <a:latin typeface="Courier"/>
+              </a:rPr>
+              <a:t>  </a:t>
+            </a:r>
+            <a:br/>
+            <a:r>
+              <a:rPr sz="1800">
+                <a:latin typeface="Courier"/>
+              </a:rPr>
+              <a:t>  </a:t>
+            </a:r>
+            <a:r>
+              <a:rPr sz="1800" b="1">
+                <a:solidFill>
+                  <a:srgbClr val="007020"/>
+                </a:solidFill>
+                <a:latin typeface="Courier"/>
+              </a:rPr>
+              <a:t>print</a:t>
+            </a:r>
+            <a:r>
+              <a:rPr sz="1800">
+                <a:latin typeface="Courier"/>
+              </a:rPr>
+              <a:t>(</a:t>
+            </a:r>
+            <a:r>
+              <a:rPr sz="1800" b="1">
+                <a:solidFill>
+                  <a:srgbClr val="007020"/>
+                </a:solidFill>
+                <a:latin typeface="Courier"/>
+              </a:rPr>
+              <a:t>names</a:t>
+            </a:r>
+            <a:r>
+              <a:rPr sz="1800">
+                <a:latin typeface="Courier"/>
+              </a:rPr>
+              <a:t>(cchic[i]))</a:t>
+            </a:r>
+            <a:br/>
+            <a:r>
+              <a:rPr sz="1800">
+                <a:latin typeface="Courier"/>
+              </a:rPr>
+              <a:t>  </a:t>
+            </a:r>
+            <a:br/>
+            <a:r>
+              <a:rPr sz="1800">
+                <a:latin typeface="Courier"/>
+              </a:rPr>
+              <a:t>  </a:t>
+            </a:r>
+            <a:r>
+              <a:rPr sz="1800" b="1">
+                <a:solidFill>
+                  <a:srgbClr val="007020"/>
+                </a:solidFill>
+                <a:latin typeface="Courier"/>
+              </a:rPr>
+              <a:t>if</a:t>
+            </a:r>
+            <a:r>
+              <a:rPr sz="1800">
+                <a:latin typeface="Courier"/>
+              </a:rPr>
+              <a:t>(</a:t>
+            </a:r>
+            <a:r>
+              <a:rPr sz="1800" b="1">
+                <a:solidFill>
+                  <a:srgbClr val="007020"/>
+                </a:solidFill>
+                <a:latin typeface="Courier"/>
+              </a:rPr>
+              <a:t>is.numeric</a:t>
+            </a:r>
+            <a:r>
+              <a:rPr sz="1800">
+                <a:latin typeface="Courier"/>
+              </a:rPr>
+              <a:t>(cchic[[i]])){</a:t>
+            </a:r>
+            <a:br/>
+            <a:r>
+              <a:rPr sz="1800">
+                <a:latin typeface="Courier"/>
+              </a:rPr>
+              <a:t>    </a:t>
+            </a:r>
+            <a:br/>
+            <a:r>
+              <a:rPr sz="1800">
+                <a:latin typeface="Courier"/>
+              </a:rPr>
+              <a:t>    </a:t>
+            </a:r>
+            <a:r>
+              <a:rPr sz="1800" b="1">
+                <a:solidFill>
+                  <a:srgbClr val="007020"/>
+                </a:solidFill>
+                <a:latin typeface="Courier"/>
+              </a:rPr>
+              <a:t>print</a:t>
+            </a:r>
+            <a:r>
+              <a:rPr sz="1800">
+                <a:latin typeface="Courier"/>
+              </a:rPr>
+              <a:t>(</a:t>
+            </a:r>
+            <a:r>
+              <a:rPr sz="1800" b="1">
+                <a:solidFill>
+                  <a:srgbClr val="007020"/>
+                </a:solidFill>
+                <a:latin typeface="Courier"/>
+              </a:rPr>
+              <a:t>mean</a:t>
+            </a:r>
+            <a:r>
+              <a:rPr sz="1800">
+                <a:latin typeface="Courier"/>
+              </a:rPr>
+              <a:t>(cchic[[i]]))</a:t>
+            </a:r>
+            <a:br/>
+            <a:r>
+              <a:rPr sz="1800">
+                <a:latin typeface="Courier"/>
+              </a:rPr>
+              <a:t>    </a:t>
+            </a:r>
+            <a:br/>
+            <a:r>
+              <a:rPr sz="1800">
+                <a:latin typeface="Courier"/>
+              </a:rPr>
+              <a:t>  }</a:t>
+            </a:r>
+            <a:br/>
+            <a:r>
+              <a:rPr sz="1800">
+                <a:latin typeface="Courier"/>
+              </a:rPr>
+              <a:t>  </a:t>
+            </a:r>
+            <a:br/>
+            <a:r>
+              <a:rPr sz="1800">
+                <a:latin typeface="Courier"/>
+              </a:rPr>
+              <a:t>}</a:t>
             </a:r>
           </a:p>
         </p:txBody>
       </p:sp>
     </p:spTree>
   </p:cSld>
+  <p:clrMapOvr>
+    <a:masterClrMapping/>
+  </p:clrMapOvr>
+</p:sld>
+</file>
+
+<file path=ppt/slides/slide34.xml><?xml version="1.0" encoding="utf-8"?>
+<p:sld xmlns:a="http://schemas.openxmlformats.org/drawingml/2006/main" xmlns:r="http://schemas.openxmlformats.org/officeDocument/2006/relationships" xmlns:p="http://schemas.openxmlformats.org/presentationml/2006/main">
+  <p:cSld>
+    <p:spTree>
+      <p:nvGrpSpPr>
+        <p:cNvPr id="1" name=""/>
+        <p:cNvGrpSpPr/>
+        <p:nvPr/>
+      </p:nvGrpSpPr>
+      <p:grpSpPr>
+        <a:xfrm>
+          <a:off x="0" y="0"/>
+          <a:ext cx="0" cy="0"/>
+          <a:chOff x="0" y="0"/>
+          <a:chExt cx="0" cy="0"/>
+        </a:xfrm>
+      </p:grpSpPr>
+      <p:sp>
+        <p:nvSpPr>
+          <p:cNvPr id="2" name="Title 1">
+            <a:extLst>
+              <a:ext uri="{FF2B5EF4-FFF2-40B4-BE49-F238E27FC236}">
+                <a16:creationId xmlns:a16="http://schemas.microsoft.com/office/drawing/2014/main" id="{5567D468-EE70-CD4E-A3AC-039CC11EF1FB}"/>
+              </a:ext>
+            </a:extLst>
+          </p:cNvPr>
+          <p:cNvSpPr>
+            <a:spLocks noGrp="1"/>
+          </p:cNvSpPr>
+          <p:nvPr>
+            <p:ph type="title"/>
+          </p:nvPr>
+        </p:nvSpPr>
+        <p:spPr/>
+        <p:txBody>
+          <a:bodyPr/>
+          <a:lstStyle/>
+          <a:p>
+            <a:pPr marL="0" lvl="0" indent="0">
+              <a:buNone/>
+            </a:pPr>
+            <a:r>
+              <a:t>Go loopy!</a:t>
+            </a:r>
+          </a:p>
+        </p:txBody>
+      </p:sp>
+      <p:sp>
+        <p:nvSpPr>
+          <p:cNvPr id="3" name="Content Placeholder 2">
+            <a:extLst>
+              <a:ext uri="{FF2B5EF4-FFF2-40B4-BE49-F238E27FC236}">
+                <a16:creationId xmlns:a16="http://schemas.microsoft.com/office/drawing/2014/main" id="{D10DDA37-E46B-B641-BC9F-636CB92A2C08}"/>
+              </a:ext>
+            </a:extLst>
+          </p:cNvPr>
+          <p:cNvSpPr>
+            <a:spLocks noGrp="1"/>
+          </p:cNvSpPr>
+          <p:nvPr>
+            <p:ph idx="1"/>
+          </p:nvPr>
+        </p:nvSpPr>
+        <p:spPr/>
+        <p:txBody>
+          <a:bodyPr/>
+          <a:lstStyle/>
+          <a:p>
+            <a:pPr lvl="1"/>
+            <a:r>
+              <a:t>Lots of practice, lot’s of errors!</a:t>
+            </a:r>
+          </a:p>
+          <a:p>
+            <a:pPr lvl="1"/>
+            <a:r>
+              <a:t>But eventually, you’ll never look back</a:t>
+            </a:r>
+          </a:p>
+        </p:txBody>
+      </p:sp>
+    </p:spTree>
+  </p:cSld>
+  <p:clrMapOvr>
+    <a:masterClrMapping/>
+  </p:clrMapOvr>
 </p:sld>
 </file>
 
@@ -10209,28 +10775,11 @@
           <a:bodyPr/>
           <a:lstStyle/>
           <a:p>
-            <a:pPr lvl="0" marL="0" indent="0">
+            <a:pPr marL="0" lvl="0" indent="0">
               <a:buNone/>
             </a:pPr>
             <a:r>
-              <a:rPr/>
-              <a:t>You</a:t>
-            </a:r>
-            <a:r>
-              <a:rPr/>
-              <a:t> </a:t>
-            </a:r>
-            <a:r>
-              <a:rPr/>
-              <a:t>will</a:t>
-            </a:r>
-            <a:r>
-              <a:rPr/>
-              <a:t> </a:t>
-            </a:r>
-            <a:r>
-              <a:rPr/>
-              <a:t>learn</a:t>
+              <a:t>You will learn</a:t>
             </a:r>
           </a:p>
         </p:txBody>
@@ -10258,28 +10807,28 @@
           <a:p>
             <a:pPr lvl="1"/>
             <a:r>
-              <a:rPr/>
+              <a:rPr dirty="0"/>
               <a:t>When might I want to restrict using a conditional statement?</a:t>
             </a:r>
           </a:p>
           <a:p>
             <a:pPr lvl="1"/>
             <a:r>
-              <a:rPr/>
+              <a:rPr dirty="0"/>
               <a:t>How do I write an if else statement?</a:t>
             </a:r>
           </a:p>
           <a:p>
             <a:pPr lvl="1"/>
             <a:r>
-              <a:rPr/>
+              <a:rPr dirty="0"/>
               <a:t>What is the basic structure of a loop?</a:t>
             </a:r>
           </a:p>
           <a:p>
             <a:pPr lvl="1"/>
             <a:r>
-              <a:rPr/>
+              <a:rPr dirty="0"/>
               <a:t>Why are loops important?</a:t>
             </a:r>
           </a:p>
@@ -10287,6 +10836,9 @@
       </p:sp>
     </p:spTree>
   </p:cSld>
+  <p:clrMapOvr>
+    <a:masterClrMapping/>
+  </p:clrMapOvr>
 </p:sld>
 </file>
 
@@ -10328,28 +10880,11 @@
           <a:bodyPr/>
           <a:lstStyle/>
           <a:p>
-            <a:pPr lvl="0" marL="0" indent="0">
+            <a:pPr marL="0" lvl="0" indent="0">
               <a:buNone/>
             </a:pPr>
             <a:r>
-              <a:rPr/>
-              <a:t>Before</a:t>
-            </a:r>
-            <a:r>
-              <a:rPr/>
-              <a:t> </a:t>
-            </a:r>
-            <a:r>
-              <a:rPr/>
-              <a:t>we</a:t>
-            </a:r>
-            <a:r>
-              <a:rPr/>
-              <a:t> </a:t>
-            </a:r>
-            <a:r>
-              <a:rPr/>
-              <a:t>start</a:t>
+              <a:t>Before we start</a:t>
             </a:r>
           </a:p>
         </p:txBody>
@@ -10377,7 +10912,6 @@
           <a:p>
             <a:pPr lvl="1"/>
             <a:r>
-              <a:rPr/>
               <a:t>Again, please make sure the </a:t>
             </a:r>
             <a:r>
@@ -10387,19 +10921,17 @@
               <a:t>cchic</a:t>
             </a:r>
             <a:r>
-              <a:rPr/>
               <a:t> dataframe is loaded into your R environment</a:t>
             </a:r>
           </a:p>
           <a:p>
             <a:pPr lvl="1"/>
             <a:r>
-              <a:rPr/>
               <a:t>Please download Workshop6.R via </a:t>
             </a:r>
             <a:r>
               <a:rPr>
-                <a:hlinkClick r:id="rId2"/>
+                <a:hlinkClick r:id="rId3"/>
               </a:rPr>
               <a:t>https://github.com/ClinicianCoders/ClinicianCoders/blob/master/Workshops/Workshop6.R</a:t>
             </a:r>
@@ -10407,7 +10939,6 @@
           <a:p>
             <a:pPr lvl="1"/>
             <a:r>
-              <a:rPr/>
               <a:t>Question: How do we calculate the mean of every numeric variable in </a:t>
             </a:r>
             <a:r>
@@ -10417,7 +10948,6 @@
               <a:t>chicc</a:t>
             </a:r>
             <a:r>
-              <a:rPr/>
               <a:t> and print it out?</a:t>
             </a:r>
           </a:p>
@@ -10425,6 +10955,9 @@
       </p:sp>
     </p:spTree>
   </p:cSld>
+  <p:clrMapOvr>
+    <a:masterClrMapping/>
+  </p:clrMapOvr>
 </p:sld>
 </file>
 
@@ -10466,28 +10999,11 @@
           <a:bodyPr/>
           <a:lstStyle/>
           <a:p>
-            <a:pPr lvl="0" marL="0" indent="0">
+            <a:pPr marL="0" lvl="0" indent="0">
               <a:buNone/>
             </a:pPr>
             <a:r>
-              <a:rPr/>
-              <a:t>Control</a:t>
-            </a:r>
-            <a:r>
-              <a:rPr/>
-              <a:t> </a:t>
-            </a:r>
-            <a:r>
-              <a:rPr/>
-              <a:t>flow</a:t>
-            </a:r>
-            <a:r>
-              <a:rPr/>
-              <a:t> </a:t>
-            </a:r>
-            <a:r>
-              <a:rPr/>
-              <a:t>inituition</a:t>
+              <a:t>Control flow inituition</a:t>
             </a:r>
           </a:p>
         </p:txBody>
@@ -10515,21 +11031,18 @@
           <a:p>
             <a:pPr lvl="1"/>
             <a:r>
-              <a:rPr/>
               <a:t>In the case of a particular event, do action x</a:t>
             </a:r>
           </a:p>
           <a:p>
             <a:pPr lvl="1"/>
             <a:r>
-              <a:rPr/>
               <a:t>Permits flexibility</a:t>
             </a:r>
           </a:p>
           <a:p>
             <a:pPr lvl="1"/>
             <a:r>
-              <a:rPr/>
               <a:t>No one size fits all algorithms</a:t>
             </a:r>
           </a:p>
@@ -10537,6 +11050,9 @@
       </p:sp>
     </p:spTree>
   </p:cSld>
+  <p:clrMapOvr>
+    <a:masterClrMapping/>
+  </p:clrMapOvr>
 </p:sld>
 </file>
 
@@ -10578,28 +11094,11 @@
           <a:bodyPr/>
           <a:lstStyle/>
           <a:p>
-            <a:pPr lvl="0" marL="0" indent="0">
+            <a:pPr marL="0" lvl="0" indent="0">
               <a:buNone/>
             </a:pPr>
             <a:r>
-              <a:rPr/>
-              <a:t>Control</a:t>
-            </a:r>
-            <a:r>
-              <a:rPr/>
-              <a:t> </a:t>
-            </a:r>
-            <a:r>
-              <a:rPr/>
-              <a:t>flow</a:t>
-            </a:r>
-            <a:r>
-              <a:rPr/>
-              <a:t> </a:t>
-            </a:r>
-            <a:r>
-              <a:rPr/>
-              <a:t>syntax</a:t>
+              <a:t>Control flow syntax</a:t>
             </a:r>
           </a:p>
         </p:txBody>
@@ -10627,34 +11126,34 @@
           <a:p>
             <a:pPr lvl="1"/>
             <a:r>
-              <a:rPr/>
+              <a:rPr dirty="0"/>
               <a:t>Control flow is an </a:t>
             </a:r>
             <a:r>
-              <a:rPr sz="1800">
+              <a:rPr sz="1800" dirty="0">
                 <a:latin typeface="Courier"/>
               </a:rPr>
               <a:t>if</a:t>
             </a:r>
             <a:r>
-              <a:rPr/>
+              <a:rPr dirty="0"/>
               <a:t> statement in R</a:t>
             </a:r>
           </a:p>
           <a:p>
             <a:pPr lvl="1"/>
             <a:r>
-              <a:rPr/>
+              <a:rPr dirty="0"/>
               <a:t>There are 3 parts to an </a:t>
             </a:r>
             <a:r>
-              <a:rPr sz="1800">
+              <a:rPr sz="1800" dirty="0">
                 <a:latin typeface="Courier"/>
               </a:rPr>
               <a:t>if</a:t>
             </a:r>
             <a:r>
-              <a:rPr/>
+              <a:rPr dirty="0"/>
               <a:t> statement:</a:t>
             </a:r>
           </a:p>
@@ -10663,7 +11162,7 @@
               <a:buAutoNum type="arabicPeriod"/>
             </a:pPr>
             <a:r>
-              <a:rPr/>
+              <a:rPr dirty="0"/>
               <a:t>Test - Does it meet criteria?</a:t>
             </a:r>
           </a:p>
@@ -10672,7 +11171,7 @@
               <a:buAutoNum type="arabicPeriod"/>
             </a:pPr>
             <a:r>
-              <a:rPr/>
+              <a:rPr dirty="0"/>
               <a:t>Action - If yes, what should the algorithm do?</a:t>
             </a:r>
           </a:p>
@@ -10681,7 +11180,7 @@
               <a:buAutoNum type="arabicPeriod"/>
             </a:pPr>
             <a:r>
-              <a:rPr/>
+              <a:rPr dirty="0"/>
               <a:t>Else - And if not?</a:t>
             </a:r>
           </a:p>
@@ -10689,6 +11188,9 @@
       </p:sp>
     </p:spTree>
   </p:cSld>
+  <p:clrMapOvr>
+    <a:masterClrMapping/>
+  </p:clrMapOvr>
 </p:sld>
 </file>
 
@@ -10730,187 +11232,191 @@
           <a:bodyPr/>
           <a:lstStyle/>
           <a:p>
-            <a:pPr lvl="0" marL="0" indent="0">
+            <a:pPr marL="0" lvl="0" indent="0">
               <a:buNone/>
             </a:pPr>
             <a:r>
-              <a:rPr/>
-              <a:t>Example</a:t>
-            </a:r>
-            <a:r>
-              <a:rPr/>
+              <a:rPr dirty="0"/>
+              <a:t>Example 1</a:t>
+            </a:r>
+          </a:p>
+        </p:txBody>
+      </p:sp>
+      <p:sp>
+        <p:nvSpPr>
+          <p:cNvPr id="3" name="Content Placeholder 2">
+            <a:extLst>
+              <a:ext uri="{FF2B5EF4-FFF2-40B4-BE49-F238E27FC236}">
+                <a16:creationId xmlns:a16="http://schemas.microsoft.com/office/drawing/2014/main" id="{D10DDA37-E46B-B641-BC9F-636CB92A2C08}"/>
+              </a:ext>
+            </a:extLst>
+          </p:cNvPr>
+          <p:cNvSpPr>
+            <a:spLocks noGrp="1"/>
+          </p:cNvSpPr>
+          <p:nvPr>
+            <p:ph idx="1"/>
+          </p:nvPr>
+        </p:nvSpPr>
+        <p:spPr/>
+        <p:txBody>
+          <a:bodyPr/>
+          <a:lstStyle/>
+          <a:p>
+            <a:pPr marL="1270000" lvl="0" indent="0">
+              <a:buNone/>
+            </a:pPr>
+            <a:r>
+              <a:rPr sz="1800" dirty="0">
+                <a:latin typeface="Courier"/>
+              </a:rPr>
+              <a:t>raining &lt;-</a:t>
+            </a:r>
+            <a:r>
+              <a:rPr sz="1800" dirty="0">
+                <a:solidFill>
+                  <a:srgbClr val="4070A0"/>
+                </a:solidFill>
+                <a:latin typeface="Courier"/>
+              </a:rPr>
               <a:t> </a:t>
             </a:r>
             <a:r>
-              <a:rPr/>
-              <a:t>1</a:t>
-            </a:r>
-          </a:p>
-        </p:txBody>
-      </p:sp>
-      <p:sp>
-        <p:nvSpPr>
-          <p:cNvPr id="3" name="Content Placeholder 2">
-            <a:extLst>
-              <a:ext uri="{FF2B5EF4-FFF2-40B4-BE49-F238E27FC236}">
-                <a16:creationId xmlns:a16="http://schemas.microsoft.com/office/drawing/2014/main" id="{D10DDA37-E46B-B641-BC9F-636CB92A2C08}"/>
-              </a:ext>
-            </a:extLst>
-          </p:cNvPr>
-          <p:cNvSpPr>
-            <a:spLocks noGrp="1"/>
-          </p:cNvSpPr>
-          <p:nvPr>
-            <p:ph idx="1"/>
-          </p:nvPr>
-        </p:nvSpPr>
-        <p:spPr/>
-        <p:txBody>
-          <a:bodyPr/>
-          <a:lstStyle/>
-          <a:p>
-            <a:pPr lvl="0" marL="1270000" indent="0">
+              <a:rPr sz="1800" dirty="0">
+                <a:solidFill>
+                  <a:srgbClr val="007020"/>
+                </a:solidFill>
+                <a:latin typeface="Courier"/>
+              </a:rPr>
+              <a:t>TRUE</a:t>
+            </a:r>
+            <a:br>
+              <a:rPr dirty="0"/>
+            </a:br>
+            <a:br>
+              <a:rPr dirty="0"/>
+            </a:br>
+            <a:r>
+              <a:rPr sz="1800" b="1" dirty="0">
+                <a:solidFill>
+                  <a:srgbClr val="007020"/>
+                </a:solidFill>
+                <a:latin typeface="Courier"/>
+              </a:rPr>
+              <a:t>if</a:t>
+            </a:r>
+            <a:r>
+              <a:rPr sz="1800" dirty="0">
+                <a:latin typeface="Courier"/>
+              </a:rPr>
+              <a:t>(raining </a:t>
+            </a:r>
+            <a:r>
+              <a:rPr sz="1800" dirty="0">
+                <a:solidFill>
+                  <a:srgbClr val="666666"/>
+                </a:solidFill>
+                <a:latin typeface="Courier"/>
+              </a:rPr>
+              <a:t>==</a:t>
+            </a:r>
+            <a:r>
+              <a:rPr sz="1800" dirty="0">
+                <a:solidFill>
+                  <a:srgbClr val="4070A0"/>
+                </a:solidFill>
+                <a:latin typeface="Courier"/>
+              </a:rPr>
+              <a:t> </a:t>
+            </a:r>
+            <a:r>
+              <a:rPr sz="1800" dirty="0">
+                <a:solidFill>
+                  <a:srgbClr val="007020"/>
+                </a:solidFill>
+                <a:latin typeface="Courier"/>
+              </a:rPr>
+              <a:t>TRUE</a:t>
+            </a:r>
+            <a:r>
+              <a:rPr sz="1800" dirty="0">
+                <a:latin typeface="Courier"/>
+              </a:rPr>
+              <a:t>){</a:t>
+            </a:r>
+            <a:br>
+              <a:rPr dirty="0"/>
+            </a:br>
+            <a:r>
+              <a:rPr sz="1800" dirty="0">
+                <a:latin typeface="Courier"/>
+              </a:rPr>
+              <a:t>  </a:t>
+            </a:r>
+            <a:br>
+              <a:rPr dirty="0"/>
+            </a:br>
+            <a:r>
+              <a:rPr sz="1800" dirty="0">
+                <a:latin typeface="Courier"/>
+              </a:rPr>
+              <a:t>  </a:t>
+            </a:r>
+            <a:r>
+              <a:rPr sz="1800" b="1" dirty="0">
+                <a:solidFill>
+                  <a:srgbClr val="007020"/>
+                </a:solidFill>
+                <a:latin typeface="Courier"/>
+              </a:rPr>
+              <a:t>print</a:t>
+            </a:r>
+            <a:r>
+              <a:rPr sz="1800" dirty="0">
+                <a:latin typeface="Courier"/>
+              </a:rPr>
+              <a:t>(</a:t>
+            </a:r>
+            <a:r>
+              <a:rPr sz="1800" dirty="0">
+                <a:solidFill>
+                  <a:srgbClr val="4070A0"/>
+                </a:solidFill>
+                <a:latin typeface="Courier"/>
+              </a:rPr>
+              <a:t>"Bring an umbrella!"</a:t>
+            </a:r>
+            <a:r>
+              <a:rPr sz="1800" dirty="0">
+                <a:latin typeface="Courier"/>
+              </a:rPr>
+              <a:t>)</a:t>
+            </a:r>
+            <a:br>
+              <a:rPr dirty="0"/>
+            </a:br>
+            <a:r>
+              <a:rPr sz="1800" dirty="0">
+                <a:latin typeface="Courier"/>
+              </a:rPr>
+              <a:t>  </a:t>
+            </a:r>
+            <a:br>
+              <a:rPr dirty="0"/>
+            </a:br>
+            <a:r>
+              <a:rPr sz="1800" dirty="0">
+                <a:latin typeface="Courier"/>
+              </a:rPr>
+              <a:t>}</a:t>
+            </a:r>
+          </a:p>
+          <a:p>
+            <a:pPr marL="1270000" lvl="0" indent="0">
               <a:buNone/>
             </a:pPr>
             <a:r>
-              <a:rPr sz="1800">
-                <a:latin typeface="Courier"/>
-              </a:rPr>
-              <a:t>raining &lt;-</a:t>
-            </a:r>
-            <a:r>
-              <a:rPr sz="1800">
-                <a:solidFill>
-                  <a:srgbClr val="4070A0"/>
-                </a:solidFill>
-                <a:latin typeface="Courier"/>
-              </a:rPr>
-              <a:t> </a:t>
-            </a:r>
-            <a:r>
-              <a:rPr sz="1800">
-                <a:solidFill>
-                  <a:srgbClr val="007020"/>
-                </a:solidFill>
-                <a:latin typeface="Courier"/>
-              </a:rPr>
-              <a:t>TRUE</a:t>
-            </a:r>
-            <a:br/>
-            <a:br/>
-            <a:r>
-              <a:rPr sz="1800" b="1">
-                <a:solidFill>
-                  <a:srgbClr val="007020"/>
-                </a:solidFill>
-                <a:latin typeface="Courier"/>
-              </a:rPr>
-              <a:t>if</a:t>
-            </a:r>
-            <a:r>
-              <a:rPr sz="1800">
-                <a:latin typeface="Courier"/>
-              </a:rPr>
-              <a:t>(raining </a:t>
-            </a:r>
-            <a:r>
-              <a:rPr sz="1800">
-                <a:solidFill>
-                  <a:srgbClr val="666666"/>
-                </a:solidFill>
-                <a:latin typeface="Courier"/>
-              </a:rPr>
-              <a:t>==</a:t>
-            </a:r>
-            <a:r>
-              <a:rPr sz="1800">
-                <a:solidFill>
-                  <a:srgbClr val="4070A0"/>
-                </a:solidFill>
-                <a:latin typeface="Courier"/>
-              </a:rPr>
-              <a:t> </a:t>
-            </a:r>
-            <a:r>
-              <a:rPr sz="1800">
-                <a:solidFill>
-                  <a:srgbClr val="007020"/>
-                </a:solidFill>
-                <a:latin typeface="Courier"/>
-              </a:rPr>
-              <a:t>TRUE</a:t>
-            </a:r>
-            <a:r>
-              <a:rPr sz="1800">
-                <a:latin typeface="Courier"/>
-              </a:rPr>
-              <a:t>){</a:t>
-            </a:r>
-            <a:br/>
-            <a:r>
-              <a:rPr sz="1800">
-                <a:latin typeface="Courier"/>
-              </a:rPr>
-              <a:t>  </a:t>
-            </a:r>
-            <a:br/>
-            <a:r>
-              <a:rPr sz="1800">
-                <a:latin typeface="Courier"/>
-              </a:rPr>
-              <a:t>  </a:t>
-            </a:r>
-            <a:r>
-              <a:rPr sz="1800" b="1">
-                <a:solidFill>
-                  <a:srgbClr val="007020"/>
-                </a:solidFill>
-                <a:latin typeface="Courier"/>
-              </a:rPr>
-              <a:t>print</a:t>
-            </a:r>
-            <a:r>
-              <a:rPr sz="1800">
-                <a:latin typeface="Courier"/>
-              </a:rPr>
-              <a:t>(</a:t>
-            </a:r>
-            <a:r>
-              <a:rPr sz="1800">
-                <a:solidFill>
-                  <a:srgbClr val="4070A0"/>
-                </a:solidFill>
-                <a:latin typeface="Courier"/>
-              </a:rPr>
-              <a:t>"Bring an umbrella!"</a:t>
-            </a:r>
-            <a:r>
-              <a:rPr sz="1800">
-                <a:latin typeface="Courier"/>
-              </a:rPr>
-              <a:t>)</a:t>
-            </a:r>
-            <a:br/>
-            <a:r>
-              <a:rPr sz="1800">
-                <a:latin typeface="Courier"/>
-              </a:rPr>
-              <a:t>  </a:t>
-            </a:r>
-            <a:br/>
-            <a:r>
-              <a:rPr sz="1800">
-                <a:latin typeface="Courier"/>
-              </a:rPr>
-              <a:t>}</a:t>
-            </a:r>
-          </a:p>
-          <a:p>
-            <a:pPr lvl="0" marL="1270000" indent="0">
-              <a:buNone/>
-            </a:pPr>
-            <a:r>
-              <a:rPr sz="1800">
+              <a:rPr sz="1800" dirty="0">
                 <a:latin typeface="Courier"/>
               </a:rPr>
               <a:t>## [1] "Bring an umbrella!"</a:t>
@@ -10920,6 +11426,9 @@
       </p:sp>
     </p:spTree>
   </p:cSld>
+  <p:clrMapOvr>
+    <a:masterClrMapping/>
+  </p:clrMapOvr>
 </p:sld>
 </file>
 
@@ -10961,36 +11470,11 @@
           <a:bodyPr/>
           <a:lstStyle/>
           <a:p>
-            <a:pPr lvl="0" marL="0" indent="0">
+            <a:pPr marL="0" lvl="0" indent="0">
               <a:buNone/>
             </a:pPr>
             <a:r>
-              <a:rPr/>
-              <a:t>Types</a:t>
-            </a:r>
-            <a:r>
-              <a:rPr/>
-              <a:t> </a:t>
-            </a:r>
-            <a:r>
-              <a:rPr/>
-              <a:t>of</a:t>
-            </a:r>
-            <a:r>
-              <a:rPr/>
-              <a:t> </a:t>
-            </a:r>
-            <a:r>
-              <a:rPr/>
-              <a:t>conditional</a:t>
-            </a:r>
-            <a:r>
-              <a:rPr/>
-              <a:t> </a:t>
-            </a:r>
-            <a:r>
-              <a:rPr/>
-              <a:t>tests</a:t>
+              <a:t>Types of conditional tests</a:t>
             </a:r>
           </a:p>
         </p:txBody>
@@ -11018,7 +11502,6 @@
           <a:p>
             <a:pPr lvl="1"/>
             <a:r>
-              <a:rPr/>
               <a:t>Different syntax for different test:</a:t>
             </a:r>
           </a:p>
@@ -11031,7 +11514,6 @@
               <a:t>x == y</a:t>
             </a:r>
             <a:r>
-              <a:rPr/>
               <a:t> - is x equal to y</a:t>
             </a:r>
           </a:p>
@@ -11044,7 +11526,6 @@
               <a:t>x != y</a:t>
             </a:r>
             <a:r>
-              <a:rPr/>
               <a:t> - is x NOT equal to y</a:t>
             </a:r>
           </a:p>
@@ -11057,7 +11538,6 @@
               <a:t>x &lt; y</a:t>
             </a:r>
             <a:r>
-              <a:rPr/>
               <a:t> - is x less than y</a:t>
             </a:r>
           </a:p>
@@ -11070,7 +11550,6 @@
               <a:t>x &lt;= y</a:t>
             </a:r>
             <a:r>
-              <a:rPr/>
               <a:t> - is x less than or equal to y</a:t>
             </a:r>
           </a:p>
@@ -11083,7 +11562,6 @@
               <a:t>x &gt; y</a:t>
             </a:r>
             <a:r>
-              <a:rPr/>
               <a:t> - is x greater than y</a:t>
             </a:r>
           </a:p>
@@ -11096,7 +11574,6 @@
               <a:t>x &gt;= y</a:t>
             </a:r>
             <a:r>
-              <a:rPr/>
               <a:t> - is x greater than or equal to y</a:t>
             </a:r>
           </a:p>
@@ -11104,6 +11581,9 @@
       </p:sp>
     </p:spTree>
   </p:cSld>
+  <p:clrMapOvr>
+    <a:masterClrMapping/>
+  </p:clrMapOvr>
 </p:sld>
 </file>
 

--- a/Workshops/Workshop6.pptx
+++ b/Workshops/Workshop6.pptx
@@ -1,6 +1,6 @@
 
 <file path=ppt/presentation.xml><?xml version="1.0" encoding="utf-8"?>
-<p:presentation xmlns:a="http://schemas.openxmlformats.org/drawingml/2006/main" xmlns:r="http://schemas.openxmlformats.org/officeDocument/2006/relationships" xmlns:p="http://schemas.openxmlformats.org/presentationml/2006/main" saveSubsetFonts="1" autoCompressPictures="0">
+<p:presentation xmlns:a="http://schemas.openxmlformats.org/drawingml/2006/main" xmlns:p="http://schemas.openxmlformats.org/presentationml/2006/main" xmlns:r="http://schemas.openxmlformats.org/officeDocument/2006/relationships" autoCompressPictures="0" saveSubsetFonts="1">
   <p:sldMasterIdLst>
     <p:sldMasterId id="2147483648" r:id="rId1"/>
   </p:sldMasterIdLst>
@@ -48,8 +48,8 @@
     <a:defPPr>
       <a:defRPr lang="en-US"/>
     </a:defPPr>
-    <a:lvl1pPr marL="0" algn="l" defTabSz="914400" rtl="0" eaLnBrk="1" latinLnBrk="0" hangingPunct="1">
-      <a:defRPr sz="1800" kern="1200">
+    <a:lvl1pPr algn="l" defTabSz="914400" eaLnBrk="1" hangingPunct="1" latinLnBrk="0" marL="0" rtl="0">
+      <a:defRPr kern="1200" sz="1800">
         <a:solidFill>
           <a:schemeClr val="tx1"/>
         </a:solidFill>
@@ -58,8 +58,8 @@
         <a:cs typeface="+mn-cs"/>
       </a:defRPr>
     </a:lvl1pPr>
-    <a:lvl2pPr marL="457200" algn="l" defTabSz="914400" rtl="0" eaLnBrk="1" latinLnBrk="0" hangingPunct="1">
-      <a:defRPr sz="1800" kern="1200">
+    <a:lvl2pPr algn="l" defTabSz="914400" eaLnBrk="1" hangingPunct="1" latinLnBrk="0" marL="457200" rtl="0">
+      <a:defRPr kern="1200" sz="1800">
         <a:solidFill>
           <a:schemeClr val="tx1"/>
         </a:solidFill>
@@ -68,8 +68,8 @@
         <a:cs typeface="+mn-cs"/>
       </a:defRPr>
     </a:lvl2pPr>
-    <a:lvl3pPr marL="914400" algn="l" defTabSz="914400" rtl="0" eaLnBrk="1" latinLnBrk="0" hangingPunct="1">
-      <a:defRPr sz="1800" kern="1200">
+    <a:lvl3pPr algn="l" defTabSz="914400" eaLnBrk="1" hangingPunct="1" latinLnBrk="0" marL="914400" rtl="0">
+      <a:defRPr kern="1200" sz="1800">
         <a:solidFill>
           <a:schemeClr val="tx1"/>
         </a:solidFill>
@@ -78,8 +78,8 @@
         <a:cs typeface="+mn-cs"/>
       </a:defRPr>
     </a:lvl3pPr>
-    <a:lvl4pPr marL="1371600" algn="l" defTabSz="914400" rtl="0" eaLnBrk="1" latinLnBrk="0" hangingPunct="1">
-      <a:defRPr sz="1800" kern="1200">
+    <a:lvl4pPr algn="l" defTabSz="914400" eaLnBrk="1" hangingPunct="1" latinLnBrk="0" marL="1371600" rtl="0">
+      <a:defRPr kern="1200" sz="1800">
         <a:solidFill>
           <a:schemeClr val="tx1"/>
         </a:solidFill>
@@ -88,8 +88,8 @@
         <a:cs typeface="+mn-cs"/>
       </a:defRPr>
     </a:lvl4pPr>
-    <a:lvl5pPr marL="1828800" algn="l" defTabSz="914400" rtl="0" eaLnBrk="1" latinLnBrk="0" hangingPunct="1">
-      <a:defRPr sz="1800" kern="1200">
+    <a:lvl5pPr algn="l" defTabSz="914400" eaLnBrk="1" hangingPunct="1" latinLnBrk="0" marL="1828800" rtl="0">
+      <a:defRPr kern="1200" sz="1800">
         <a:solidFill>
           <a:schemeClr val="tx1"/>
         </a:solidFill>
@@ -98,8 +98,8 @@
         <a:cs typeface="+mn-cs"/>
       </a:defRPr>
     </a:lvl5pPr>
-    <a:lvl6pPr marL="2286000" algn="l" defTabSz="914400" rtl="0" eaLnBrk="1" latinLnBrk="0" hangingPunct="1">
-      <a:defRPr sz="1800" kern="1200">
+    <a:lvl6pPr algn="l" defTabSz="914400" eaLnBrk="1" hangingPunct="1" latinLnBrk="0" marL="2286000" rtl="0">
+      <a:defRPr kern="1200" sz="1800">
         <a:solidFill>
           <a:schemeClr val="tx1"/>
         </a:solidFill>
@@ -108,8 +108,8 @@
         <a:cs typeface="+mn-cs"/>
       </a:defRPr>
     </a:lvl6pPr>
-    <a:lvl7pPr marL="2743200" algn="l" defTabSz="914400" rtl="0" eaLnBrk="1" latinLnBrk="0" hangingPunct="1">
-      <a:defRPr sz="1800" kern="1200">
+    <a:lvl7pPr algn="l" defTabSz="914400" eaLnBrk="1" hangingPunct="1" latinLnBrk="0" marL="2743200" rtl="0">
+      <a:defRPr kern="1200" sz="1800">
         <a:solidFill>
           <a:schemeClr val="tx1"/>
         </a:solidFill>
@@ -118,8 +118,8 @@
         <a:cs typeface="+mn-cs"/>
       </a:defRPr>
     </a:lvl7pPr>
-    <a:lvl8pPr marL="3200400" algn="l" defTabSz="914400" rtl="0" eaLnBrk="1" latinLnBrk="0" hangingPunct="1">
-      <a:defRPr sz="1800" kern="1200">
+    <a:lvl8pPr algn="l" defTabSz="914400" eaLnBrk="1" hangingPunct="1" latinLnBrk="0" marL="3200400" rtl="0">
+      <a:defRPr kern="1200" sz="1800">
         <a:solidFill>
           <a:schemeClr val="tx1"/>
         </a:solidFill>
@@ -128,8 +128,8 @@
         <a:cs typeface="+mn-cs"/>
       </a:defRPr>
     </a:lvl8pPr>
-    <a:lvl9pPr marL="3657600" algn="l" defTabSz="914400" rtl="0" eaLnBrk="1" latinLnBrk="0" hangingPunct="1">
-      <a:defRPr sz="1800" kern="1200">
+    <a:lvl9pPr algn="l" defTabSz="914400" eaLnBrk="1" hangingPunct="1" latinLnBrk="0" marL="3657600" rtl="0">
+      <a:defRPr kern="1200" sz="1800">
         <a:solidFill>
           <a:schemeClr val="tx1"/>
         </a:solidFill>
@@ -4340,7 +4340,7 @@
             <a:spLocks noGrp="1"/>
           </p:cNvSpPr>
           <p:nvPr>
-            <p:ph type="subTitle" idx="1"/>
+            <p:ph idx="1" type="subTitle"/>
           </p:nvPr>
         </p:nvSpPr>
         <p:spPr>
@@ -5131,7 +5131,7 @@
             </a:r>
             <a:r>
               <a:rPr/>
-              <a:t> to print our your result. Remember to remove NA’s if needed.</a:t>
+              <a:t> to print out your result. Remember to remove NA’s if needed.</a:t>
             </a:r>
           </a:p>
         </p:txBody>
@@ -8102,7 +8102,7 @@
             </a:r>
             <a:r>
               <a:rPr/>
-              <a:t> will print out the contents of column 1.</a:t>
+              <a:t> will print out the name of column 1.</a:t>
             </a:r>
           </a:p>
         </p:txBody>
